--- a/Documents/CDR/CDR_Presentation.pptx
+++ b/Documents/CDR/CDR_Presentation.pptx
@@ -279,7 +279,7 @@
           <a:p>
             <a:fld id="{A749A21A-B890-4700-B57E-1CFFBFCC9631}" type="datetimeFigureOut">
               <a:rPr lang="en-US" smtClean="0"/>
-              <a:t>27-Sep-24</a:t>
+              <a:t>03-Oct-24</a:t>
             </a:fld>
             <a:endParaRPr lang="en-US"/>
           </a:p>
@@ -477,7 +477,7 @@
           <a:p>
             <a:fld id="{A749A21A-B890-4700-B57E-1CFFBFCC9631}" type="datetimeFigureOut">
               <a:rPr lang="en-US" smtClean="0"/>
-              <a:t>27-Sep-24</a:t>
+              <a:t>03-Oct-24</a:t>
             </a:fld>
             <a:endParaRPr lang="en-US"/>
           </a:p>
@@ -685,7 +685,7 @@
           <a:p>
             <a:fld id="{A749A21A-B890-4700-B57E-1CFFBFCC9631}" type="datetimeFigureOut">
               <a:rPr lang="en-US" smtClean="0"/>
-              <a:t>27-Sep-24</a:t>
+              <a:t>03-Oct-24</a:t>
             </a:fld>
             <a:endParaRPr lang="en-US"/>
           </a:p>
@@ -883,7 +883,7 @@
           <a:p>
             <a:fld id="{A749A21A-B890-4700-B57E-1CFFBFCC9631}" type="datetimeFigureOut">
               <a:rPr lang="en-US" smtClean="0"/>
-              <a:t>27-Sep-24</a:t>
+              <a:t>03-Oct-24</a:t>
             </a:fld>
             <a:endParaRPr lang="en-US"/>
           </a:p>
@@ -1158,7 +1158,7 @@
           <a:p>
             <a:fld id="{A749A21A-B890-4700-B57E-1CFFBFCC9631}" type="datetimeFigureOut">
               <a:rPr lang="en-US" smtClean="0"/>
-              <a:t>27-Sep-24</a:t>
+              <a:t>03-Oct-24</a:t>
             </a:fld>
             <a:endParaRPr lang="en-US"/>
           </a:p>
@@ -1423,7 +1423,7 @@
           <a:p>
             <a:fld id="{A749A21A-B890-4700-B57E-1CFFBFCC9631}" type="datetimeFigureOut">
               <a:rPr lang="en-US" smtClean="0"/>
-              <a:t>27-Sep-24</a:t>
+              <a:t>03-Oct-24</a:t>
             </a:fld>
             <a:endParaRPr lang="en-US"/>
           </a:p>
@@ -1835,7 +1835,7 @@
           <a:p>
             <a:fld id="{A749A21A-B890-4700-B57E-1CFFBFCC9631}" type="datetimeFigureOut">
               <a:rPr lang="en-US" smtClean="0"/>
-              <a:t>27-Sep-24</a:t>
+              <a:t>03-Oct-24</a:t>
             </a:fld>
             <a:endParaRPr lang="en-US"/>
           </a:p>
@@ -1976,7 +1976,7 @@
           <a:p>
             <a:fld id="{A749A21A-B890-4700-B57E-1CFFBFCC9631}" type="datetimeFigureOut">
               <a:rPr lang="en-US" smtClean="0"/>
-              <a:t>27-Sep-24</a:t>
+              <a:t>03-Oct-24</a:t>
             </a:fld>
             <a:endParaRPr lang="en-US"/>
           </a:p>
@@ -2089,7 +2089,7 @@
           <a:p>
             <a:fld id="{A749A21A-B890-4700-B57E-1CFFBFCC9631}" type="datetimeFigureOut">
               <a:rPr lang="en-US" smtClean="0"/>
-              <a:t>27-Sep-24</a:t>
+              <a:t>03-Oct-24</a:t>
             </a:fld>
             <a:endParaRPr lang="en-US"/>
           </a:p>
@@ -2400,7 +2400,7 @@
           <a:p>
             <a:fld id="{A749A21A-B890-4700-B57E-1CFFBFCC9631}" type="datetimeFigureOut">
               <a:rPr lang="en-US" smtClean="0"/>
-              <a:t>27-Sep-24</a:t>
+              <a:t>03-Oct-24</a:t>
             </a:fld>
             <a:endParaRPr lang="en-US"/>
           </a:p>
@@ -2688,7 +2688,7 @@
           <a:p>
             <a:fld id="{A749A21A-B890-4700-B57E-1CFFBFCC9631}" type="datetimeFigureOut">
               <a:rPr lang="en-US" smtClean="0"/>
-              <a:t>27-Sep-24</a:t>
+              <a:t>03-Oct-24</a:t>
             </a:fld>
             <a:endParaRPr lang="en-US"/>
           </a:p>
@@ -2929,7 +2929,7 @@
           <a:p>
             <a:fld id="{A749A21A-B890-4700-B57E-1CFFBFCC9631}" type="datetimeFigureOut">
               <a:rPr lang="en-US" smtClean="0"/>
-              <a:t>27-Sep-24</a:t>
+              <a:t>03-Oct-24</a:t>
             </a:fld>
             <a:endParaRPr lang="en-US"/>
           </a:p>
@@ -3500,7 +3500,7 @@
             </a:pPr>
             <a:r>
               <a:rPr lang="en-US" sz="2000" dirty="0"/>
-              <a:t>Tannyr Singleterry (L)(EE)</a:t>
+              <a:t>Tannyr Singleterry (L)(CMPEN)</a:t>
             </a:r>
           </a:p>
           <a:p>
@@ -3520,7 +3520,7 @@
             </a:pPr>
             <a:r>
               <a:rPr lang="en-US" sz="2000" dirty="0"/>
-              <a:t>Ethan Benne (CMPEN)</a:t>
+              <a:t>Ethan Benne (EE)</a:t>
             </a:r>
           </a:p>
           <a:p>
@@ -5307,7 +5307,7 @@
           <a:p>
             <a:r>
               <a:rPr lang="en-US" dirty="0"/>
-              <a:t>Design Concept 3</a:t>
+              <a:t>Microcontroller Options</a:t>
             </a:r>
           </a:p>
         </p:txBody>
@@ -5990,20 +5990,20 @@
 </file>
 
 <file path=customXml/item1.xml><?xml version="1.0" encoding="utf-8"?>
-<p:properties xmlns:p="http://schemas.microsoft.com/office/2006/metadata/properties" xmlns:xsi="http://www.w3.org/2001/XMLSchema-instance" xmlns:pc="http://schemas.microsoft.com/office/infopath/2007/PartnerControls">
-  <documentManagement>
-    <_activity xmlns="218cae68-0ddc-43bb-9a29-52a0402d6cb9" xsi:nil="true"/>
-  </documentManagement>
-</p:properties>
-</file>
-
-<file path=customXml/item2.xml><?xml version="1.0" encoding="utf-8"?>
 <?mso-contentType ?>
 <FormTemplates xmlns="http://schemas.microsoft.com/sharepoint/v3/contenttype/forms">
   <Display>DocumentLibraryForm</Display>
   <Edit>DocumentLibraryForm</Edit>
   <New>DocumentLibraryForm</New>
 </FormTemplates>
+</file>
+
+<file path=customXml/item2.xml><?xml version="1.0" encoding="utf-8"?>
+<p:properties xmlns:p="http://schemas.microsoft.com/office/2006/metadata/properties" xmlns:xsi="http://www.w3.org/2001/XMLSchema-instance" xmlns:pc="http://schemas.microsoft.com/office/infopath/2007/PartnerControls">
+  <documentManagement>
+    <_activity xmlns="218cae68-0ddc-43bb-9a29-52a0402d6cb9" xsi:nil="true"/>
+  </documentManagement>
+</p:properties>
 </file>
 
 <file path=customXml/item3.xml><?xml version="1.0" encoding="utf-8"?>
@@ -6240,6 +6240,14 @@
 </file>
 
 <file path=customXml/itemProps1.xml><?xml version="1.0" encoding="utf-8"?>
+<ds:datastoreItem xmlns:ds="http://schemas.openxmlformats.org/officeDocument/2006/customXml" ds:itemID="{3A69843A-82BD-41BC-9CFD-7A6BCBCF50D4}">
+  <ds:schemaRefs>
+    <ds:schemaRef ds:uri="http://schemas.microsoft.com/sharepoint/v3/contenttype/forms"/>
+  </ds:schemaRefs>
+</ds:datastoreItem>
+</file>
+
+<file path=customXml/itemProps2.xml><?xml version="1.0" encoding="utf-8"?>
 <ds:datastoreItem xmlns:ds="http://schemas.openxmlformats.org/officeDocument/2006/customXml" ds:itemID="{B218F515-3D1B-44A5-8439-DF0479902099}">
   <ds:schemaRefs>
     <ds:schemaRef ds:uri="http://purl.org/dc/dcmitype/"/>
@@ -6252,14 +6260,6 @@
     <ds:schemaRef ds:uri="703aeb73-56ce-48f3-9277-f60cff690132"/>
     <ds:schemaRef ds:uri="http://schemas.microsoft.com/office/2006/metadata/properties"/>
     <ds:schemaRef ds:uri="http://purl.org/dc/elements/1.1/"/>
-  </ds:schemaRefs>
-</ds:datastoreItem>
-</file>
-
-<file path=customXml/itemProps2.xml><?xml version="1.0" encoding="utf-8"?>
-<ds:datastoreItem xmlns:ds="http://schemas.openxmlformats.org/officeDocument/2006/customXml" ds:itemID="{3A69843A-82BD-41BC-9CFD-7A6BCBCF50D4}">
-  <ds:schemaRefs>
-    <ds:schemaRef ds:uri="http://schemas.microsoft.com/sharepoint/v3/contenttype/forms"/>
   </ds:schemaRefs>
 </ds:datastoreItem>
 </file>

--- a/Documents/CDR/CDR_Presentation.pptx
+++ b/Documents/CDR/CDR_Presentation.pptx
@@ -7,17 +7,19 @@
   <p:sldIdLst>
     <p:sldId id="256" r:id="rId5"/>
     <p:sldId id="263" r:id="rId6"/>
-    <p:sldId id="262" r:id="rId7"/>
-    <p:sldId id="261" r:id="rId8"/>
-    <p:sldId id="265" r:id="rId9"/>
-    <p:sldId id="264" r:id="rId10"/>
-    <p:sldId id="260" r:id="rId11"/>
-    <p:sldId id="259" r:id="rId12"/>
-    <p:sldId id="266" r:id="rId13"/>
-    <p:sldId id="257" r:id="rId14"/>
-    <p:sldId id="267" r:id="rId15"/>
-    <p:sldId id="258" r:id="rId16"/>
-    <p:sldId id="268" r:id="rId17"/>
+    <p:sldId id="269" r:id="rId7"/>
+    <p:sldId id="262" r:id="rId8"/>
+    <p:sldId id="261" r:id="rId9"/>
+    <p:sldId id="265" r:id="rId10"/>
+    <p:sldId id="264" r:id="rId11"/>
+    <p:sldId id="260" r:id="rId12"/>
+    <p:sldId id="270" r:id="rId13"/>
+    <p:sldId id="259" r:id="rId14"/>
+    <p:sldId id="266" r:id="rId15"/>
+    <p:sldId id="257" r:id="rId16"/>
+    <p:sldId id="267" r:id="rId17"/>
+    <p:sldId id="271" r:id="rId18"/>
+    <p:sldId id="268" r:id="rId19"/>
   </p:sldIdLst>
   <p:sldSz cx="12192000" cy="6858000"/>
   <p:notesSz cx="6858000" cy="9144000"/>
@@ -279,7 +281,7 @@
           <a:p>
             <a:fld id="{A749A21A-B890-4700-B57E-1CFFBFCC9631}" type="datetimeFigureOut">
               <a:rPr lang="en-US" smtClean="0"/>
-              <a:t>03-Oct-24</a:t>
+              <a:t>10/3/2024</a:t>
             </a:fld>
             <a:endParaRPr lang="en-US"/>
           </a:p>
@@ -477,7 +479,7 @@
           <a:p>
             <a:fld id="{A749A21A-B890-4700-B57E-1CFFBFCC9631}" type="datetimeFigureOut">
               <a:rPr lang="en-US" smtClean="0"/>
-              <a:t>03-Oct-24</a:t>
+              <a:t>10/3/2024</a:t>
             </a:fld>
             <a:endParaRPr lang="en-US"/>
           </a:p>
@@ -685,7 +687,7 @@
           <a:p>
             <a:fld id="{A749A21A-B890-4700-B57E-1CFFBFCC9631}" type="datetimeFigureOut">
               <a:rPr lang="en-US" smtClean="0"/>
-              <a:t>03-Oct-24</a:t>
+              <a:t>10/3/2024</a:t>
             </a:fld>
             <a:endParaRPr lang="en-US"/>
           </a:p>
@@ -883,7 +885,7 @@
           <a:p>
             <a:fld id="{A749A21A-B890-4700-B57E-1CFFBFCC9631}" type="datetimeFigureOut">
               <a:rPr lang="en-US" smtClean="0"/>
-              <a:t>03-Oct-24</a:t>
+              <a:t>10/3/2024</a:t>
             </a:fld>
             <a:endParaRPr lang="en-US"/>
           </a:p>
@@ -1158,7 +1160,7 @@
           <a:p>
             <a:fld id="{A749A21A-B890-4700-B57E-1CFFBFCC9631}" type="datetimeFigureOut">
               <a:rPr lang="en-US" smtClean="0"/>
-              <a:t>03-Oct-24</a:t>
+              <a:t>10/3/2024</a:t>
             </a:fld>
             <a:endParaRPr lang="en-US"/>
           </a:p>
@@ -1423,7 +1425,7 @@
           <a:p>
             <a:fld id="{A749A21A-B890-4700-B57E-1CFFBFCC9631}" type="datetimeFigureOut">
               <a:rPr lang="en-US" smtClean="0"/>
-              <a:t>03-Oct-24</a:t>
+              <a:t>10/3/2024</a:t>
             </a:fld>
             <a:endParaRPr lang="en-US"/>
           </a:p>
@@ -1835,7 +1837,7 @@
           <a:p>
             <a:fld id="{A749A21A-B890-4700-B57E-1CFFBFCC9631}" type="datetimeFigureOut">
               <a:rPr lang="en-US" smtClean="0"/>
-              <a:t>03-Oct-24</a:t>
+              <a:t>10/3/2024</a:t>
             </a:fld>
             <a:endParaRPr lang="en-US"/>
           </a:p>
@@ -1976,7 +1978,7 @@
           <a:p>
             <a:fld id="{A749A21A-B890-4700-B57E-1CFFBFCC9631}" type="datetimeFigureOut">
               <a:rPr lang="en-US" smtClean="0"/>
-              <a:t>03-Oct-24</a:t>
+              <a:t>10/3/2024</a:t>
             </a:fld>
             <a:endParaRPr lang="en-US"/>
           </a:p>
@@ -2089,7 +2091,7 @@
           <a:p>
             <a:fld id="{A749A21A-B890-4700-B57E-1CFFBFCC9631}" type="datetimeFigureOut">
               <a:rPr lang="en-US" smtClean="0"/>
-              <a:t>03-Oct-24</a:t>
+              <a:t>10/3/2024</a:t>
             </a:fld>
             <a:endParaRPr lang="en-US"/>
           </a:p>
@@ -2400,7 +2402,7 @@
           <a:p>
             <a:fld id="{A749A21A-B890-4700-B57E-1CFFBFCC9631}" type="datetimeFigureOut">
               <a:rPr lang="en-US" smtClean="0"/>
-              <a:t>03-Oct-24</a:t>
+              <a:t>10/3/2024</a:t>
             </a:fld>
             <a:endParaRPr lang="en-US"/>
           </a:p>
@@ -2688,7 +2690,7 @@
           <a:p>
             <a:fld id="{A749A21A-B890-4700-B57E-1CFFBFCC9631}" type="datetimeFigureOut">
               <a:rPr lang="en-US" smtClean="0"/>
-              <a:t>03-Oct-24</a:t>
+              <a:t>10/3/2024</a:t>
             </a:fld>
             <a:endParaRPr lang="en-US"/>
           </a:p>
@@ -2929,7 +2931,7 @@
           <a:p>
             <a:fld id="{A749A21A-B890-4700-B57E-1CFFBFCC9631}" type="datetimeFigureOut">
               <a:rPr lang="en-US" smtClean="0"/>
-              <a:t>03-Oct-24</a:t>
+              <a:t>10/3/2024</a:t>
             </a:fld>
             <a:endParaRPr lang="en-US"/>
           </a:p>
@@ -4000,7 +4002,7 @@
           <p:cNvPr id="2" name="Title 1">
             <a:extLst>
               <a:ext uri="{FF2B5EF4-FFF2-40B4-BE49-F238E27FC236}">
-                <a16:creationId xmlns:a16="http://schemas.microsoft.com/office/drawing/2014/main" id="{B67A333E-5C75-96D2-6959-292C687D5673}"/>
+                <a16:creationId xmlns:a16="http://schemas.microsoft.com/office/drawing/2014/main" id="{D4D58CD2-045B-1678-36BB-865E2FF7028A}"/>
               </a:ext>
             </a:extLst>
           </p:cNvPr>
@@ -4018,7 +4020,7 @@
           <a:p>
             <a:r>
               <a:rPr lang="en-US" dirty="0"/>
-              <a:t>Verification Plan</a:t>
+              <a:t>Block Diagram</a:t>
             </a:r>
           </a:p>
         </p:txBody>
@@ -4028,7 +4030,7 @@
           <p:cNvPr id="3" name="Content Placeholder 2">
             <a:extLst>
               <a:ext uri="{FF2B5EF4-FFF2-40B4-BE49-F238E27FC236}">
-                <a16:creationId xmlns:a16="http://schemas.microsoft.com/office/drawing/2014/main" id="{0FF5FD38-A45D-7408-58B5-6DAAD75B63BB}"/>
+                <a16:creationId xmlns:a16="http://schemas.microsoft.com/office/drawing/2014/main" id="{382034F8-C186-6B44-10C4-98CA9EB9D596}"/>
               </a:ext>
             </a:extLst>
           </p:cNvPr>
@@ -4044,18 +4046,92 @@
           <a:bodyPr/>
           <a:lstStyle/>
           <a:p>
-            <a:endParaRPr lang="en-US" b="1" dirty="0">
-              <a:solidFill>
-                <a:srgbClr val="7030A0"/>
-              </a:solidFill>
-            </a:endParaRPr>
-          </a:p>
-        </p:txBody>
-      </p:sp>
+            <a:r>
+              <a:rPr lang="en-US" dirty="0">
+                <a:solidFill>
+                  <a:schemeClr val="accent5">
+                    <a:lumMod val="75000"/>
+                  </a:schemeClr>
+                </a:solidFill>
+              </a:rPr>
+              <a:t>We need a block diagram c:</a:t>
+            </a:r>
+          </a:p>
+        </p:txBody>
+      </p:sp>
+      <p:graphicFrame>
+        <p:nvGraphicFramePr>
+          <p:cNvPr id="12" name="Object 11">
+            <a:extLst>
+              <a:ext uri="{FF2B5EF4-FFF2-40B4-BE49-F238E27FC236}">
+                <a16:creationId xmlns:a16="http://schemas.microsoft.com/office/drawing/2014/main" id="{166FE0A4-4D8B-C501-D415-931635258017}"/>
+              </a:ext>
+            </a:extLst>
+          </p:cNvPr>
+          <p:cNvGraphicFramePr>
+            <a:graphicFrameLocks noChangeAspect="1"/>
+          </p:cNvGraphicFramePr>
+          <p:nvPr>
+            <p:extLst>
+              <p:ext uri="{D42A27DB-BD31-4B8C-83A1-F6EECF244321}">
+                <p14:modId xmlns:p14="http://schemas.microsoft.com/office/powerpoint/2010/main" val="40233665"/>
+              </p:ext>
+            </p:extLst>
+          </p:nvPr>
+        </p:nvGraphicFramePr>
+        <p:xfrm>
+          <a:off x="6627353" y="221456"/>
+          <a:ext cx="4533900" cy="6415087"/>
+        </p:xfrm>
+        <a:graphic>
+          <a:graphicData uri="http://schemas.openxmlformats.org/presentationml/2006/ole">
+            <mc:AlternateContent xmlns:mc="http://schemas.openxmlformats.org/markup-compatibility/2006">
+              <mc:Choice xmlns:v="urn:schemas-microsoft-com:vml" Requires="v">
+                <p:oleObj name="Acrobat Document" r:id="rId2" imgW="4533723" imgH="6415677" progId="Acrobat.Document.DC">
+                  <p:embed/>
+                </p:oleObj>
+              </mc:Choice>
+              <mc:Fallback>
+                <p:oleObj name="Acrobat Document" r:id="rId2" imgW="4533723" imgH="6415677" progId="Acrobat.Document.DC">
+                  <p:embed/>
+                  <p:pic>
+                    <p:nvPicPr>
+                      <p:cNvPr id="12" name="Object 11">
+                        <a:extLst>
+                          <a:ext uri="{FF2B5EF4-FFF2-40B4-BE49-F238E27FC236}">
+                            <a16:creationId xmlns:a16="http://schemas.microsoft.com/office/drawing/2014/main" id="{166FE0A4-4D8B-C501-D415-931635258017}"/>
+                          </a:ext>
+                        </a:extLst>
+                      </p:cNvPr>
+                      <p:cNvPicPr/>
+                      <p:nvPr/>
+                    </p:nvPicPr>
+                    <p:blipFill>
+                      <a:blip r:embed="rId3"/>
+                      <a:stretch>
+                        <a:fillRect/>
+                      </a:stretch>
+                    </p:blipFill>
+                    <p:spPr>
+                      <a:xfrm>
+                        <a:off x="6627353" y="221456"/>
+                        <a:ext cx="4533900" cy="6415087"/>
+                      </a:xfrm>
+                      <a:prstGeom prst="rect">
+                        <a:avLst/>
+                      </a:prstGeom>
+                    </p:spPr>
+                  </p:pic>
+                </p:oleObj>
+              </mc:Fallback>
+            </mc:AlternateContent>
+          </a:graphicData>
+        </a:graphic>
+      </p:graphicFrame>
     </p:spTree>
     <p:extLst>
       <p:ext uri="{BB962C8B-B14F-4D97-AF65-F5344CB8AC3E}">
-        <p14:creationId xmlns:p14="http://schemas.microsoft.com/office/powerpoint/2010/main" val="982414475"/>
+        <p14:creationId xmlns:p14="http://schemas.microsoft.com/office/powerpoint/2010/main" val="1633736428"/>
       </p:ext>
     </p:extLst>
   </p:cSld>
@@ -4087,7 +4163,7 @@
           <p:cNvPr id="2" name="Title 1">
             <a:extLst>
               <a:ext uri="{FF2B5EF4-FFF2-40B4-BE49-F238E27FC236}">
-                <a16:creationId xmlns:a16="http://schemas.microsoft.com/office/drawing/2014/main" id="{65FEEB9D-C258-6356-E64F-0226C0C1E2D9}"/>
+                <a16:creationId xmlns:a16="http://schemas.microsoft.com/office/drawing/2014/main" id="{05A2DF96-20C7-747C-7E82-DC4FE967DFDF}"/>
               </a:ext>
             </a:extLst>
           </p:cNvPr>
@@ -4105,7 +4181,7 @@
           <a:p>
             <a:r>
               <a:rPr lang="en-US" dirty="0"/>
-              <a:t>Feasibility Assessment</a:t>
+              <a:t>Interfaces</a:t>
             </a:r>
           </a:p>
         </p:txBody>
@@ -4115,7 +4191,7 @@
           <p:cNvPr id="3" name="Content Placeholder 2">
             <a:extLst>
               <a:ext uri="{FF2B5EF4-FFF2-40B4-BE49-F238E27FC236}">
-                <a16:creationId xmlns:a16="http://schemas.microsoft.com/office/drawing/2014/main" id="{8A3AF3FC-0E98-B368-78EC-704185C5ED60}"/>
+                <a16:creationId xmlns:a16="http://schemas.microsoft.com/office/drawing/2014/main" id="{3839CEE8-F836-F00E-4173-836D6B3D3F54}"/>
               </a:ext>
             </a:extLst>
           </p:cNvPr>
@@ -4134,61 +4210,20 @@
             <a:r>
               <a:rPr lang="en-US" dirty="0">
                 <a:solidFill>
-                  <a:schemeClr val="tx1"/>
+                  <a:schemeClr val="accent5">
+                    <a:lumMod val="75000"/>
+                  </a:schemeClr>
                 </a:solidFill>
               </a:rPr>
-              <a:t>What obstacles/challenges do you anticipate facing?</a:t>
-            </a:r>
-          </a:p>
-          <a:p>
-            <a:r>
-              <a:rPr lang="en-US" dirty="0">
-                <a:solidFill>
-                  <a:schemeClr val="tx1"/>
-                </a:solidFill>
-              </a:rPr>
-              <a:t>What aspects do you feel like your team has strong expertise in.</a:t>
-            </a:r>
-          </a:p>
-          <a:p>
-            <a:r>
-              <a:rPr lang="en-US" dirty="0">
-                <a:solidFill>
-                  <a:schemeClr val="tx1"/>
-                </a:solidFill>
-              </a:rPr>
-              <a:t>E.g., all team members have not used SolidWorks previously</a:t>
-            </a:r>
-          </a:p>
-          <a:p>
-            <a:r>
-              <a:rPr lang="en-US" dirty="0">
-                <a:solidFill>
-                  <a:schemeClr val="tx1"/>
-                </a:solidFill>
-              </a:rPr>
-              <a:t>Limited PCB experience</a:t>
-            </a:r>
-          </a:p>
-          <a:p>
-            <a:r>
-              <a:rPr lang="en-US" b="1" dirty="0">
-                <a:solidFill>
-                  <a:srgbClr val="7030A0"/>
-                </a:solidFill>
-              </a:rPr>
-              <a:t>Note how you plan to take on (mitigate) these challenges</a:t>
-            </a:r>
-          </a:p>
-          <a:p>
-            <a:endParaRPr lang="en-US" dirty="0"/>
+              <a:t>USB?</a:t>
+            </a:r>
           </a:p>
         </p:txBody>
       </p:sp>
     </p:spTree>
     <p:extLst>
       <p:ext uri="{BB962C8B-B14F-4D97-AF65-F5344CB8AC3E}">
-        <p14:creationId xmlns:p14="http://schemas.microsoft.com/office/powerpoint/2010/main" val="1862518142"/>
+        <p14:creationId xmlns:p14="http://schemas.microsoft.com/office/powerpoint/2010/main" val="1227231928"/>
       </p:ext>
     </p:extLst>
   </p:cSld>
@@ -4220,7 +4255,7 @@
           <p:cNvPr id="2" name="Title 1">
             <a:extLst>
               <a:ext uri="{FF2B5EF4-FFF2-40B4-BE49-F238E27FC236}">
-                <a16:creationId xmlns:a16="http://schemas.microsoft.com/office/drawing/2014/main" id="{C0F56C52-42C9-8915-9A88-1D4DA0DB215F}"/>
+                <a16:creationId xmlns:a16="http://schemas.microsoft.com/office/drawing/2014/main" id="{B67A333E-5C75-96D2-6959-292C687D5673}"/>
               </a:ext>
             </a:extLst>
           </p:cNvPr>
@@ -4238,7 +4273,7 @@
           <a:p>
             <a:r>
               <a:rPr lang="en-US" dirty="0"/>
-              <a:t>Risks</a:t>
+              <a:t>Cost/Budget</a:t>
             </a:r>
           </a:p>
         </p:txBody>
@@ -4248,7 +4283,7 @@
           <p:cNvPr id="3" name="Content Placeholder 2">
             <a:extLst>
               <a:ext uri="{FF2B5EF4-FFF2-40B4-BE49-F238E27FC236}">
-                <a16:creationId xmlns:a16="http://schemas.microsoft.com/office/drawing/2014/main" id="{5F98C425-5884-A2B1-0AE7-8D9E3272A391}"/>
+                <a16:creationId xmlns:a16="http://schemas.microsoft.com/office/drawing/2014/main" id="{0FF5FD38-A45D-7408-58B5-6DAAD75B63BB}"/>
               </a:ext>
             </a:extLst>
           </p:cNvPr>
@@ -4264,14 +4299,40 @@
           <a:bodyPr/>
           <a:lstStyle/>
           <a:p>
-            <a:endParaRPr lang="en-US"/>
+            <a:r>
+              <a:rPr lang="en-US" dirty="0">
+                <a:solidFill>
+                  <a:schemeClr val="accent5">
+                    <a:lumMod val="75000"/>
+                  </a:schemeClr>
+                </a:solidFill>
+              </a:rPr>
+              <a:t>Money go </a:t>
+            </a:r>
+            <a:r>
+              <a:rPr lang="en-US" dirty="0" err="1">
+                <a:solidFill>
+                  <a:schemeClr val="accent5">
+                    <a:lumMod val="75000"/>
+                  </a:schemeClr>
+                </a:solidFill>
+              </a:rPr>
+              <a:t>brrrr</a:t>
+            </a:r>
+            <a:endParaRPr lang="en-US" dirty="0">
+              <a:solidFill>
+                <a:schemeClr val="accent5">
+                  <a:lumMod val="75000"/>
+                </a:schemeClr>
+              </a:solidFill>
+            </a:endParaRPr>
           </a:p>
         </p:txBody>
       </p:sp>
     </p:spTree>
     <p:extLst>
       <p:ext uri="{BB962C8B-B14F-4D97-AF65-F5344CB8AC3E}">
-        <p14:creationId xmlns:p14="http://schemas.microsoft.com/office/powerpoint/2010/main" val="3951858451"/>
+        <p14:creationId xmlns:p14="http://schemas.microsoft.com/office/powerpoint/2010/main" val="982414475"/>
       </p:ext>
     </p:extLst>
   </p:cSld>
@@ -4282,6 +4343,190 @@
 </file>
 
 <file path=ppt/slides/slide13.xml><?xml version="1.0" encoding="utf-8"?>
+<p:sld xmlns:a="http://schemas.openxmlformats.org/drawingml/2006/main" xmlns:r="http://schemas.openxmlformats.org/officeDocument/2006/relationships" xmlns:p="http://schemas.openxmlformats.org/presentationml/2006/main">
+  <p:cSld>
+    <p:spTree>
+      <p:nvGrpSpPr>
+        <p:cNvPr id="1" name=""/>
+        <p:cNvGrpSpPr/>
+        <p:nvPr/>
+      </p:nvGrpSpPr>
+      <p:grpSpPr>
+        <a:xfrm>
+          <a:off x="0" y="0"/>
+          <a:ext cx="0" cy="0"/>
+          <a:chOff x="0" y="0"/>
+          <a:chExt cx="0" cy="0"/>
+        </a:xfrm>
+      </p:grpSpPr>
+      <p:sp>
+        <p:nvSpPr>
+          <p:cNvPr id="2" name="Title 1">
+            <a:extLst>
+              <a:ext uri="{FF2B5EF4-FFF2-40B4-BE49-F238E27FC236}">
+                <a16:creationId xmlns:a16="http://schemas.microsoft.com/office/drawing/2014/main" id="{65FEEB9D-C258-6356-E64F-0226C0C1E2D9}"/>
+              </a:ext>
+            </a:extLst>
+          </p:cNvPr>
+          <p:cNvSpPr>
+            <a:spLocks noGrp="1"/>
+          </p:cNvSpPr>
+          <p:nvPr>
+            <p:ph type="title"/>
+          </p:nvPr>
+        </p:nvSpPr>
+        <p:spPr/>
+        <p:txBody>
+          <a:bodyPr/>
+          <a:lstStyle/>
+          <a:p>
+            <a:r>
+              <a:rPr lang="en-US" dirty="0"/>
+              <a:t>Feasibility Assessment/Risks</a:t>
+            </a:r>
+          </a:p>
+        </p:txBody>
+      </p:sp>
+      <p:sp>
+        <p:nvSpPr>
+          <p:cNvPr id="3" name="Content Placeholder 2">
+            <a:extLst>
+              <a:ext uri="{FF2B5EF4-FFF2-40B4-BE49-F238E27FC236}">
+                <a16:creationId xmlns:a16="http://schemas.microsoft.com/office/drawing/2014/main" id="{8A3AF3FC-0E98-B368-78EC-704185C5ED60}"/>
+              </a:ext>
+            </a:extLst>
+          </p:cNvPr>
+          <p:cNvSpPr>
+            <a:spLocks noGrp="1"/>
+          </p:cNvSpPr>
+          <p:nvPr>
+            <p:ph idx="1"/>
+          </p:nvPr>
+        </p:nvSpPr>
+        <p:spPr/>
+        <p:txBody>
+          <a:bodyPr/>
+          <a:lstStyle/>
+          <a:p>
+            <a:r>
+              <a:rPr lang="en-US" dirty="0">
+                <a:solidFill>
+                  <a:schemeClr val="accent5">
+                    <a:lumMod val="75000"/>
+                  </a:schemeClr>
+                </a:solidFill>
+              </a:rPr>
+              <a:t>Temp</a:t>
+            </a:r>
+          </a:p>
+        </p:txBody>
+      </p:sp>
+    </p:spTree>
+    <p:extLst>
+      <p:ext uri="{BB962C8B-B14F-4D97-AF65-F5344CB8AC3E}">
+        <p14:creationId xmlns:p14="http://schemas.microsoft.com/office/powerpoint/2010/main" val="1862518142"/>
+      </p:ext>
+    </p:extLst>
+  </p:cSld>
+  <p:clrMapOvr>
+    <a:masterClrMapping/>
+  </p:clrMapOvr>
+</p:sld>
+</file>
+
+<file path=ppt/slides/slide14.xml><?xml version="1.0" encoding="utf-8"?>
+<p:sld xmlns:a="http://schemas.openxmlformats.org/drawingml/2006/main" xmlns:r="http://schemas.openxmlformats.org/officeDocument/2006/relationships" xmlns:p="http://schemas.openxmlformats.org/presentationml/2006/main">
+  <p:cSld>
+    <p:spTree>
+      <p:nvGrpSpPr>
+        <p:cNvPr id="1" name=""/>
+        <p:cNvGrpSpPr/>
+        <p:nvPr/>
+      </p:nvGrpSpPr>
+      <p:grpSpPr>
+        <a:xfrm>
+          <a:off x="0" y="0"/>
+          <a:ext cx="0" cy="0"/>
+          <a:chOff x="0" y="0"/>
+          <a:chExt cx="0" cy="0"/>
+        </a:xfrm>
+      </p:grpSpPr>
+      <p:sp>
+        <p:nvSpPr>
+          <p:cNvPr id="2" name="Title 1">
+            <a:extLst>
+              <a:ext uri="{FF2B5EF4-FFF2-40B4-BE49-F238E27FC236}">
+                <a16:creationId xmlns:a16="http://schemas.microsoft.com/office/drawing/2014/main" id="{65FEEB9D-C258-6356-E64F-0226C0C1E2D9}"/>
+              </a:ext>
+            </a:extLst>
+          </p:cNvPr>
+          <p:cNvSpPr>
+            <a:spLocks noGrp="1"/>
+          </p:cNvSpPr>
+          <p:nvPr>
+            <p:ph type="title"/>
+          </p:nvPr>
+        </p:nvSpPr>
+        <p:spPr/>
+        <p:txBody>
+          <a:bodyPr/>
+          <a:lstStyle/>
+          <a:p>
+            <a:r>
+              <a:rPr lang="en-US" dirty="0"/>
+              <a:t>Conclusion</a:t>
+            </a:r>
+          </a:p>
+        </p:txBody>
+      </p:sp>
+      <p:sp>
+        <p:nvSpPr>
+          <p:cNvPr id="3" name="Content Placeholder 2">
+            <a:extLst>
+              <a:ext uri="{FF2B5EF4-FFF2-40B4-BE49-F238E27FC236}">
+                <a16:creationId xmlns:a16="http://schemas.microsoft.com/office/drawing/2014/main" id="{8A3AF3FC-0E98-B368-78EC-704185C5ED60}"/>
+              </a:ext>
+            </a:extLst>
+          </p:cNvPr>
+          <p:cNvSpPr>
+            <a:spLocks noGrp="1"/>
+          </p:cNvSpPr>
+          <p:nvPr>
+            <p:ph idx="1"/>
+          </p:nvPr>
+        </p:nvSpPr>
+        <p:spPr/>
+        <p:txBody>
+          <a:bodyPr/>
+          <a:lstStyle/>
+          <a:p>
+            <a:r>
+              <a:rPr lang="en-US" dirty="0">
+                <a:solidFill>
+                  <a:schemeClr val="accent5">
+                    <a:lumMod val="75000"/>
+                  </a:schemeClr>
+                </a:solidFill>
+              </a:rPr>
+              <a:t>We’re just better</a:t>
+            </a:r>
+          </a:p>
+        </p:txBody>
+      </p:sp>
+    </p:spTree>
+    <p:extLst>
+      <p:ext uri="{BB962C8B-B14F-4D97-AF65-F5344CB8AC3E}">
+        <p14:creationId xmlns:p14="http://schemas.microsoft.com/office/powerpoint/2010/main" val="2912521005"/>
+      </p:ext>
+    </p:extLst>
+  </p:cSld>
+  <p:clrMapOvr>
+    <a:masterClrMapping/>
+  </p:clrMapOvr>
+</p:sld>
+</file>
+
+<file path=ppt/slides/slide15.xml><?xml version="1.0" encoding="utf-8"?>
 <p:sld xmlns:a="http://schemas.openxmlformats.org/drawingml/2006/main" xmlns:r="http://schemas.openxmlformats.org/officeDocument/2006/relationships" xmlns:p="http://schemas.openxmlformats.org/presentationml/2006/main">
   <p:cSld>
     <p:bg>
@@ -4966,7 +5211,7 @@
           <a:p>
             <a:r>
               <a:rPr lang="en-US" dirty="0"/>
-              <a:t>Objectives, Significance, and Novelty</a:t>
+              <a:t>Problem Statement</a:t>
             </a:r>
           </a:p>
         </p:txBody>
@@ -4992,13 +5237,13 @@
           <a:bodyPr/>
           <a:lstStyle/>
           <a:p>
-            <a:pPr marL="0" indent="0">
-              <a:buNone/>
-            </a:pPr>
-            <a:r>
-              <a:rPr lang="en-US" dirty="0"/>
-              <a:t>What, Why, Who</a:t>
-            </a:r>
+            <a:endParaRPr lang="en-US" dirty="0">
+              <a:solidFill>
+                <a:schemeClr val="accent5">
+                  <a:lumMod val="75000"/>
+                </a:schemeClr>
+              </a:solidFill>
+            </a:endParaRPr>
           </a:p>
         </p:txBody>
       </p:sp>
@@ -5037,7 +5282,7 @@
           <p:cNvPr id="2" name="Title 1">
             <a:extLst>
               <a:ext uri="{FF2B5EF4-FFF2-40B4-BE49-F238E27FC236}">
-                <a16:creationId xmlns:a16="http://schemas.microsoft.com/office/drawing/2014/main" id="{8D95EA1F-F84A-FF6B-061E-2FC8E95DF15C}"/>
+                <a16:creationId xmlns:a16="http://schemas.microsoft.com/office/drawing/2014/main" id="{49DD8DD4-C5CB-7204-5D16-1B480CDC3C7A}"/>
               </a:ext>
             </a:extLst>
           </p:cNvPr>
@@ -5055,7 +5300,7 @@
           <a:p>
             <a:r>
               <a:rPr lang="en-US" dirty="0"/>
-              <a:t>Requirements</a:t>
+              <a:t>Purpose and Objective</a:t>
             </a:r>
           </a:p>
         </p:txBody>
@@ -5065,7 +5310,7 @@
           <p:cNvPr id="3" name="Content Placeholder 2">
             <a:extLst>
               <a:ext uri="{FF2B5EF4-FFF2-40B4-BE49-F238E27FC236}">
-                <a16:creationId xmlns:a16="http://schemas.microsoft.com/office/drawing/2014/main" id="{B2680731-466C-C1C4-73C5-B799F0ECA6A8}"/>
+                <a16:creationId xmlns:a16="http://schemas.microsoft.com/office/drawing/2014/main" id="{CAC9CE07-C314-1001-50D4-4CA7C3C0DDD1}"/>
               </a:ext>
             </a:extLst>
           </p:cNvPr>
@@ -5081,9 +5326,18 @@
           <a:bodyPr/>
           <a:lstStyle/>
           <a:p>
-            <a:r>
-              <a:rPr lang="en-US" dirty="0"/>
-              <a:t>Requirements Table goes here c:</a:t>
+            <a:pPr marL="0" indent="0">
+              <a:buNone/>
+            </a:pPr>
+            <a:r>
+              <a:rPr lang="en-US" dirty="0">
+                <a:solidFill>
+                  <a:schemeClr val="accent5">
+                    <a:lumMod val="75000"/>
+                  </a:schemeClr>
+                </a:solidFill>
+              </a:rPr>
+              <a:t>What, Why, Who</a:t>
             </a:r>
           </a:p>
         </p:txBody>
@@ -5091,7 +5345,7 @@
     </p:spTree>
     <p:extLst>
       <p:ext uri="{BB962C8B-B14F-4D97-AF65-F5344CB8AC3E}">
-        <p14:creationId xmlns:p14="http://schemas.microsoft.com/office/powerpoint/2010/main" val="1707080232"/>
+        <p14:creationId xmlns:p14="http://schemas.microsoft.com/office/powerpoint/2010/main" val="2347619281"/>
       </p:ext>
     </p:extLst>
   </p:cSld>
@@ -5123,7 +5377,7 @@
           <p:cNvPr id="2" name="Title 1">
             <a:extLst>
               <a:ext uri="{FF2B5EF4-FFF2-40B4-BE49-F238E27FC236}">
-                <a16:creationId xmlns:a16="http://schemas.microsoft.com/office/drawing/2014/main" id="{1DA02BB8-01E2-8330-AF3B-A60F3E480F14}"/>
+                <a16:creationId xmlns:a16="http://schemas.microsoft.com/office/drawing/2014/main" id="{8D95EA1F-F84A-FF6B-061E-2FC8E95DF15C}"/>
               </a:ext>
             </a:extLst>
           </p:cNvPr>
@@ -5141,7 +5395,7 @@
           <a:p>
             <a:r>
               <a:rPr lang="en-US" dirty="0"/>
-              <a:t>Design Concept 1</a:t>
+              <a:t>Customer and System Requirements</a:t>
             </a:r>
           </a:p>
         </p:txBody>
@@ -5151,7 +5405,7 @@
           <p:cNvPr id="3" name="Content Placeholder 2">
             <a:extLst>
               <a:ext uri="{FF2B5EF4-FFF2-40B4-BE49-F238E27FC236}">
-                <a16:creationId xmlns:a16="http://schemas.microsoft.com/office/drawing/2014/main" id="{5C0AC1E4-8DDB-4D15-9516-C3BA994C4CE0}"/>
+                <a16:creationId xmlns:a16="http://schemas.microsoft.com/office/drawing/2014/main" id="{B2680731-466C-C1C4-73C5-B799F0ECA6A8}"/>
               </a:ext>
             </a:extLst>
           </p:cNvPr>
@@ -5167,14 +5421,23 @@
           <a:bodyPr/>
           <a:lstStyle/>
           <a:p>
-            <a:endParaRPr lang="en-US"/>
+            <a:r>
+              <a:rPr lang="en-US" dirty="0">
+                <a:solidFill>
+                  <a:schemeClr val="accent5">
+                    <a:lumMod val="75000"/>
+                  </a:schemeClr>
+                </a:solidFill>
+              </a:rPr>
+              <a:t>Requirements Table goes here c:</a:t>
+            </a:r>
           </a:p>
         </p:txBody>
       </p:sp>
     </p:spTree>
     <p:extLst>
       <p:ext uri="{BB962C8B-B14F-4D97-AF65-F5344CB8AC3E}">
-        <p14:creationId xmlns:p14="http://schemas.microsoft.com/office/powerpoint/2010/main" val="756041692"/>
+        <p14:creationId xmlns:p14="http://schemas.microsoft.com/office/powerpoint/2010/main" val="1707080232"/>
       </p:ext>
     </p:extLst>
   </p:cSld>
@@ -5224,7 +5487,7 @@
           <a:p>
             <a:r>
               <a:rPr lang="en-US" dirty="0"/>
-              <a:t>Design Concept 2</a:t>
+              <a:t>Design Concept 1: Microcontroller</a:t>
             </a:r>
           </a:p>
         </p:txBody>
@@ -5250,14 +5513,20 @@
           <a:bodyPr/>
           <a:lstStyle/>
           <a:p>
-            <a:endParaRPr lang="en-US"/>
+            <a:endParaRPr lang="en-US" dirty="0">
+              <a:solidFill>
+                <a:schemeClr val="accent5">
+                  <a:lumMod val="75000"/>
+                </a:schemeClr>
+              </a:solidFill>
+            </a:endParaRPr>
           </a:p>
         </p:txBody>
       </p:sp>
     </p:spTree>
     <p:extLst>
       <p:ext uri="{BB962C8B-B14F-4D97-AF65-F5344CB8AC3E}">
-        <p14:creationId xmlns:p14="http://schemas.microsoft.com/office/powerpoint/2010/main" val="3582709406"/>
+        <p14:creationId xmlns:p14="http://schemas.microsoft.com/office/powerpoint/2010/main" val="756041692"/>
       </p:ext>
     </p:extLst>
   </p:cSld>
@@ -5307,7 +5576,7 @@
           <a:p>
             <a:r>
               <a:rPr lang="en-US" dirty="0"/>
-              <a:t>Microcontroller Options</a:t>
+              <a:t>Design Concept 2: FPGA</a:t>
             </a:r>
           </a:p>
         </p:txBody>
@@ -5333,14 +5602,20 @@
           <a:bodyPr/>
           <a:lstStyle/>
           <a:p>
-            <a:endParaRPr lang="en-US"/>
+            <a:endParaRPr lang="en-US" dirty="0">
+              <a:solidFill>
+                <a:schemeClr val="accent5">
+                  <a:lumMod val="75000"/>
+                </a:schemeClr>
+              </a:solidFill>
+            </a:endParaRPr>
           </a:p>
         </p:txBody>
       </p:sp>
     </p:spTree>
     <p:extLst>
       <p:ext uri="{BB962C8B-B14F-4D97-AF65-F5344CB8AC3E}">
-        <p14:creationId xmlns:p14="http://schemas.microsoft.com/office/powerpoint/2010/main" val="4269999711"/>
+        <p14:creationId xmlns:p14="http://schemas.microsoft.com/office/powerpoint/2010/main" val="3582709406"/>
       </p:ext>
     </p:extLst>
   </p:cSld>
@@ -5372,7 +5647,7 @@
           <p:cNvPr id="2" name="Title 1">
             <a:extLst>
               <a:ext uri="{FF2B5EF4-FFF2-40B4-BE49-F238E27FC236}">
-                <a16:creationId xmlns:a16="http://schemas.microsoft.com/office/drawing/2014/main" id="{A74D06A3-50B4-29B1-F04C-E576943108F2}"/>
+                <a16:creationId xmlns:a16="http://schemas.microsoft.com/office/drawing/2014/main" id="{1DA02BB8-01E2-8330-AF3B-A60F3E480F14}"/>
               </a:ext>
             </a:extLst>
           </p:cNvPr>
@@ -5390,7 +5665,7 @@
           <a:p>
             <a:r>
               <a:rPr lang="en-US" dirty="0"/>
-              <a:t>Trade Studies and Design Alternatives</a:t>
+              <a:t>Microcontroller Options</a:t>
             </a:r>
           </a:p>
         </p:txBody>
@@ -5400,7 +5675,7 @@
           <p:cNvPr id="3" name="Content Placeholder 2">
             <a:extLst>
               <a:ext uri="{FF2B5EF4-FFF2-40B4-BE49-F238E27FC236}">
-                <a16:creationId xmlns:a16="http://schemas.microsoft.com/office/drawing/2014/main" id="{A752859F-349D-32EE-DD6E-B71413F03342}"/>
+                <a16:creationId xmlns:a16="http://schemas.microsoft.com/office/drawing/2014/main" id="{5C0AC1E4-8DDB-4D15-9516-C3BA994C4CE0}"/>
               </a:ext>
             </a:extLst>
           </p:cNvPr>
@@ -5416,14 +5691,20 @@
           <a:bodyPr/>
           <a:lstStyle/>
           <a:p>
-            <a:endParaRPr lang="en-US"/>
+            <a:endParaRPr lang="en-US" dirty="0">
+              <a:solidFill>
+                <a:schemeClr val="accent5">
+                  <a:lumMod val="75000"/>
+                </a:schemeClr>
+              </a:solidFill>
+            </a:endParaRPr>
           </a:p>
         </p:txBody>
       </p:sp>
     </p:spTree>
     <p:extLst>
       <p:ext uri="{BB962C8B-B14F-4D97-AF65-F5344CB8AC3E}">
-        <p14:creationId xmlns:p14="http://schemas.microsoft.com/office/powerpoint/2010/main" val="3763922397"/>
+        <p14:creationId xmlns:p14="http://schemas.microsoft.com/office/powerpoint/2010/main" val="4269999711"/>
       </p:ext>
     </p:extLst>
   </p:cSld>
@@ -5455,7 +5736,7 @@
           <p:cNvPr id="2" name="Title 1">
             <a:extLst>
               <a:ext uri="{FF2B5EF4-FFF2-40B4-BE49-F238E27FC236}">
-                <a16:creationId xmlns:a16="http://schemas.microsoft.com/office/drawing/2014/main" id="{D4D58CD2-045B-1678-36BB-865E2FF7028A}"/>
+                <a16:creationId xmlns:a16="http://schemas.microsoft.com/office/drawing/2014/main" id="{A74D06A3-50B4-29B1-F04C-E576943108F2}"/>
               </a:ext>
             </a:extLst>
           </p:cNvPr>
@@ -5473,7 +5754,7 @@
           <a:p>
             <a:r>
               <a:rPr lang="en-US" dirty="0"/>
-              <a:t>Block Diagram</a:t>
+              <a:t>Design Criteria Table</a:t>
             </a:r>
           </a:p>
         </p:txBody>
@@ -5483,7 +5764,7 @@
           <p:cNvPr id="3" name="Content Placeholder 2">
             <a:extLst>
               <a:ext uri="{FF2B5EF4-FFF2-40B4-BE49-F238E27FC236}">
-                <a16:creationId xmlns:a16="http://schemas.microsoft.com/office/drawing/2014/main" id="{382034F8-C186-6B44-10C4-98CA9EB9D596}"/>
+                <a16:creationId xmlns:a16="http://schemas.microsoft.com/office/drawing/2014/main" id="{A752859F-349D-32EE-DD6E-B71413F03342}"/>
               </a:ext>
             </a:extLst>
           </p:cNvPr>
@@ -5499,86 +5780,20 @@
           <a:bodyPr/>
           <a:lstStyle/>
           <a:p>
-            <a:r>
-              <a:rPr lang="en-US" dirty="0"/>
-              <a:t>We need a block diagram c:</a:t>
-            </a:r>
-          </a:p>
-        </p:txBody>
-      </p:sp>
-      <p:graphicFrame>
-        <p:nvGraphicFramePr>
-          <p:cNvPr id="12" name="Object 11">
-            <a:extLst>
-              <a:ext uri="{FF2B5EF4-FFF2-40B4-BE49-F238E27FC236}">
-                <a16:creationId xmlns:a16="http://schemas.microsoft.com/office/drawing/2014/main" id="{166FE0A4-4D8B-C501-D415-931635258017}"/>
-              </a:ext>
-            </a:extLst>
-          </p:cNvPr>
-          <p:cNvGraphicFramePr>
-            <a:graphicFrameLocks noChangeAspect="1"/>
-          </p:cNvGraphicFramePr>
-          <p:nvPr>
-            <p:extLst>
-              <p:ext uri="{D42A27DB-BD31-4B8C-83A1-F6EECF244321}">
-                <p14:modId xmlns:p14="http://schemas.microsoft.com/office/powerpoint/2010/main" val="40233665"/>
-              </p:ext>
-            </p:extLst>
-          </p:nvPr>
-        </p:nvGraphicFramePr>
-        <p:xfrm>
-          <a:off x="6627353" y="221456"/>
-          <a:ext cx="4533900" cy="6415087"/>
-        </p:xfrm>
-        <a:graphic>
-          <a:graphicData uri="http://schemas.openxmlformats.org/presentationml/2006/ole">
-            <mc:AlternateContent xmlns:mc="http://schemas.openxmlformats.org/markup-compatibility/2006">
-              <mc:Choice xmlns:v="urn:schemas-microsoft-com:vml" Requires="v">
-                <p:oleObj name="Acrobat Document" r:id="rId2" imgW="4533723" imgH="6415677" progId="Acrobat.Document.DC">
-                  <p:embed/>
-                </p:oleObj>
-              </mc:Choice>
-              <mc:Fallback>
-                <p:oleObj name="Acrobat Document" r:id="rId2" imgW="4533723" imgH="6415677" progId="Acrobat.Document.DC">
-                  <p:embed/>
-                  <p:pic>
-                    <p:nvPicPr>
-                      <p:cNvPr id="12" name="Object 11">
-                        <a:extLst>
-                          <a:ext uri="{FF2B5EF4-FFF2-40B4-BE49-F238E27FC236}">
-                            <a16:creationId xmlns:a16="http://schemas.microsoft.com/office/drawing/2014/main" id="{166FE0A4-4D8B-C501-D415-931635258017}"/>
-                          </a:ext>
-                        </a:extLst>
-                      </p:cNvPr>
-                      <p:cNvPicPr/>
-                      <p:nvPr/>
-                    </p:nvPicPr>
-                    <p:blipFill>
-                      <a:blip r:embed="rId3"/>
-                      <a:stretch>
-                        <a:fillRect/>
-                      </a:stretch>
-                    </p:blipFill>
-                    <p:spPr>
-                      <a:xfrm>
-                        <a:off x="6627353" y="221456"/>
-                        <a:ext cx="4533900" cy="6415087"/>
-                      </a:xfrm>
-                      <a:prstGeom prst="rect">
-                        <a:avLst/>
-                      </a:prstGeom>
-                    </p:spPr>
-                  </p:pic>
-                </p:oleObj>
-              </mc:Fallback>
-            </mc:AlternateContent>
-          </a:graphicData>
-        </a:graphic>
-      </p:graphicFrame>
+            <a:endParaRPr lang="en-US" dirty="0">
+              <a:solidFill>
+                <a:schemeClr val="accent5">
+                  <a:lumMod val="75000"/>
+                </a:schemeClr>
+              </a:solidFill>
+            </a:endParaRPr>
+          </a:p>
+        </p:txBody>
+      </p:sp>
     </p:spTree>
     <p:extLst>
       <p:ext uri="{BB962C8B-B14F-4D97-AF65-F5344CB8AC3E}">
-        <p14:creationId xmlns:p14="http://schemas.microsoft.com/office/powerpoint/2010/main" val="1633736428"/>
+        <p14:creationId xmlns:p14="http://schemas.microsoft.com/office/powerpoint/2010/main" val="3763922397"/>
       </p:ext>
     </p:extLst>
   </p:cSld>
@@ -5610,7 +5825,7 @@
           <p:cNvPr id="2" name="Title 1">
             <a:extLst>
               <a:ext uri="{FF2B5EF4-FFF2-40B4-BE49-F238E27FC236}">
-                <a16:creationId xmlns:a16="http://schemas.microsoft.com/office/drawing/2014/main" id="{05A2DF96-20C7-747C-7E82-DC4FE967DFDF}"/>
+                <a16:creationId xmlns:a16="http://schemas.microsoft.com/office/drawing/2014/main" id="{3A1CEDC2-893C-CF43-1F41-5199C65CABA2}"/>
               </a:ext>
             </a:extLst>
           </p:cNvPr>
@@ -5628,7 +5843,7 @@
           <a:p>
             <a:r>
               <a:rPr lang="en-US" dirty="0"/>
-              <a:t>Interfaces</a:t>
+              <a:t>Final Score and Selected Design</a:t>
             </a:r>
           </a:p>
         </p:txBody>
@@ -5638,7 +5853,7 @@
           <p:cNvPr id="3" name="Content Placeholder 2">
             <a:extLst>
               <a:ext uri="{FF2B5EF4-FFF2-40B4-BE49-F238E27FC236}">
-                <a16:creationId xmlns:a16="http://schemas.microsoft.com/office/drawing/2014/main" id="{3839CEE8-F836-F00E-4173-836D6B3D3F54}"/>
+                <a16:creationId xmlns:a16="http://schemas.microsoft.com/office/drawing/2014/main" id="{F2D43D32-B7E3-F4AE-CFC3-F57FA93EBFBB}"/>
               </a:ext>
             </a:extLst>
           </p:cNvPr>
@@ -5654,17 +5869,20 @@
           <a:bodyPr/>
           <a:lstStyle/>
           <a:p>
-            <a:r>
-              <a:rPr lang="en-US" dirty="0"/>
-              <a:t>USB?</a:t>
-            </a:r>
+            <a:endParaRPr lang="en-US" dirty="0">
+              <a:solidFill>
+                <a:schemeClr val="accent5">
+                  <a:lumMod val="75000"/>
+                </a:schemeClr>
+              </a:solidFill>
+            </a:endParaRPr>
           </a:p>
         </p:txBody>
       </p:sp>
     </p:spTree>
     <p:extLst>
       <p:ext uri="{BB962C8B-B14F-4D97-AF65-F5344CB8AC3E}">
-        <p14:creationId xmlns:p14="http://schemas.microsoft.com/office/powerpoint/2010/main" val="1227231928"/>
+        <p14:creationId xmlns:p14="http://schemas.microsoft.com/office/powerpoint/2010/main" val="1831747689"/>
       </p:ext>
     </p:extLst>
   </p:cSld>
@@ -5990,20 +6208,20 @@
 </file>
 
 <file path=customXml/item1.xml><?xml version="1.0" encoding="utf-8"?>
+<p:properties xmlns:p="http://schemas.microsoft.com/office/2006/metadata/properties" xmlns:xsi="http://www.w3.org/2001/XMLSchema-instance" xmlns:pc="http://schemas.microsoft.com/office/infopath/2007/PartnerControls">
+  <documentManagement>
+    <_activity xmlns="218cae68-0ddc-43bb-9a29-52a0402d6cb9" xsi:nil="true"/>
+  </documentManagement>
+</p:properties>
+</file>
+
+<file path=customXml/item2.xml><?xml version="1.0" encoding="utf-8"?>
 <?mso-contentType ?>
 <FormTemplates xmlns="http://schemas.microsoft.com/sharepoint/v3/contenttype/forms">
   <Display>DocumentLibraryForm</Display>
   <Edit>DocumentLibraryForm</Edit>
   <New>DocumentLibraryForm</New>
 </FormTemplates>
-</file>
-
-<file path=customXml/item2.xml><?xml version="1.0" encoding="utf-8"?>
-<p:properties xmlns:p="http://schemas.microsoft.com/office/2006/metadata/properties" xmlns:xsi="http://www.w3.org/2001/XMLSchema-instance" xmlns:pc="http://schemas.microsoft.com/office/infopath/2007/PartnerControls">
-  <documentManagement>
-    <_activity xmlns="218cae68-0ddc-43bb-9a29-52a0402d6cb9" xsi:nil="true"/>
-  </documentManagement>
-</p:properties>
 </file>
 
 <file path=customXml/item3.xml><?xml version="1.0" encoding="utf-8"?>
@@ -6240,14 +6458,6 @@
 </file>
 
 <file path=customXml/itemProps1.xml><?xml version="1.0" encoding="utf-8"?>
-<ds:datastoreItem xmlns:ds="http://schemas.openxmlformats.org/officeDocument/2006/customXml" ds:itemID="{3A69843A-82BD-41BC-9CFD-7A6BCBCF50D4}">
-  <ds:schemaRefs>
-    <ds:schemaRef ds:uri="http://schemas.microsoft.com/sharepoint/v3/contenttype/forms"/>
-  </ds:schemaRefs>
-</ds:datastoreItem>
-</file>
-
-<file path=customXml/itemProps2.xml><?xml version="1.0" encoding="utf-8"?>
 <ds:datastoreItem xmlns:ds="http://schemas.openxmlformats.org/officeDocument/2006/customXml" ds:itemID="{B218F515-3D1B-44A5-8439-DF0479902099}">
   <ds:schemaRefs>
     <ds:schemaRef ds:uri="http://purl.org/dc/dcmitype/"/>
@@ -6260,6 +6470,14 @@
     <ds:schemaRef ds:uri="703aeb73-56ce-48f3-9277-f60cff690132"/>
     <ds:schemaRef ds:uri="http://schemas.microsoft.com/office/2006/metadata/properties"/>
     <ds:schemaRef ds:uri="http://purl.org/dc/elements/1.1/"/>
+  </ds:schemaRefs>
+</ds:datastoreItem>
+</file>
+
+<file path=customXml/itemProps2.xml><?xml version="1.0" encoding="utf-8"?>
+<ds:datastoreItem xmlns:ds="http://schemas.openxmlformats.org/officeDocument/2006/customXml" ds:itemID="{3A69843A-82BD-41BC-9CFD-7A6BCBCF50D4}">
+  <ds:schemaRefs>
+    <ds:schemaRef ds:uri="http://schemas.microsoft.com/sharepoint/v3/contenttype/forms"/>
   </ds:schemaRefs>
 </ds:datastoreItem>
 </file>

--- a/Documents/CDR/CDR_Presentation.pptx
+++ b/Documents/CDR/CDR_Presentation.pptx
@@ -9,17 +9,18 @@
     <p:sldId id="263" r:id="rId6"/>
     <p:sldId id="269" r:id="rId7"/>
     <p:sldId id="262" r:id="rId8"/>
-    <p:sldId id="261" r:id="rId9"/>
-    <p:sldId id="265" r:id="rId10"/>
-    <p:sldId id="264" r:id="rId11"/>
-    <p:sldId id="260" r:id="rId12"/>
-    <p:sldId id="270" r:id="rId13"/>
-    <p:sldId id="259" r:id="rId14"/>
-    <p:sldId id="266" r:id="rId15"/>
-    <p:sldId id="257" r:id="rId16"/>
-    <p:sldId id="267" r:id="rId17"/>
-    <p:sldId id="271" r:id="rId18"/>
-    <p:sldId id="268" r:id="rId19"/>
+    <p:sldId id="272" r:id="rId9"/>
+    <p:sldId id="261" r:id="rId10"/>
+    <p:sldId id="265" r:id="rId11"/>
+    <p:sldId id="264" r:id="rId12"/>
+    <p:sldId id="260" r:id="rId13"/>
+    <p:sldId id="270" r:id="rId14"/>
+    <p:sldId id="259" r:id="rId15"/>
+    <p:sldId id="266" r:id="rId16"/>
+    <p:sldId id="257" r:id="rId17"/>
+    <p:sldId id="267" r:id="rId18"/>
+    <p:sldId id="271" r:id="rId19"/>
+    <p:sldId id="268" r:id="rId20"/>
   </p:sldIdLst>
   <p:sldSz cx="12192000" cy="6858000"/>
   <p:notesSz cx="6858000" cy="9144000"/>
@@ -4002,6 +4003,115 @@
           <p:cNvPr id="2" name="Title 1">
             <a:extLst>
               <a:ext uri="{FF2B5EF4-FFF2-40B4-BE49-F238E27FC236}">
+                <a16:creationId xmlns:a16="http://schemas.microsoft.com/office/drawing/2014/main" id="{3A1CEDC2-893C-CF43-1F41-5199C65CABA2}"/>
+              </a:ext>
+            </a:extLst>
+          </p:cNvPr>
+          <p:cNvSpPr>
+            <a:spLocks noGrp="1"/>
+          </p:cNvSpPr>
+          <p:nvPr>
+            <p:ph type="title"/>
+          </p:nvPr>
+        </p:nvSpPr>
+        <p:spPr/>
+        <p:txBody>
+          <a:bodyPr/>
+          <a:lstStyle/>
+          <a:p>
+            <a:r>
+              <a:rPr lang="en-US" dirty="0"/>
+              <a:t>Final Score and Selected Design</a:t>
+            </a:r>
+          </a:p>
+        </p:txBody>
+      </p:sp>
+      <p:sp>
+        <p:nvSpPr>
+          <p:cNvPr id="3" name="Content Placeholder 2">
+            <a:extLst>
+              <a:ext uri="{FF2B5EF4-FFF2-40B4-BE49-F238E27FC236}">
+                <a16:creationId xmlns:a16="http://schemas.microsoft.com/office/drawing/2014/main" id="{F2D43D32-B7E3-F4AE-CFC3-F57FA93EBFBB}"/>
+              </a:ext>
+            </a:extLst>
+          </p:cNvPr>
+          <p:cNvSpPr>
+            <a:spLocks noGrp="1"/>
+          </p:cNvSpPr>
+          <p:nvPr>
+            <p:ph idx="1"/>
+          </p:nvPr>
+        </p:nvSpPr>
+        <p:spPr/>
+        <p:txBody>
+          <a:bodyPr/>
+          <a:lstStyle/>
+          <a:p>
+            <a:r>
+              <a:rPr lang="en-US" dirty="0">
+                <a:solidFill>
+                  <a:schemeClr val="accent5">
+                    <a:lumMod val="75000"/>
+                  </a:schemeClr>
+                </a:solidFill>
+              </a:rPr>
+              <a:t>Microcontrollers go </a:t>
+            </a:r>
+            <a:r>
+              <a:rPr lang="en-US" dirty="0" err="1">
+                <a:solidFill>
+                  <a:schemeClr val="accent5">
+                    <a:lumMod val="75000"/>
+                  </a:schemeClr>
+                </a:solidFill>
+              </a:rPr>
+              <a:t>brrr</a:t>
+            </a:r>
+            <a:endParaRPr lang="en-US" dirty="0">
+              <a:solidFill>
+                <a:schemeClr val="accent5">
+                  <a:lumMod val="75000"/>
+                </a:schemeClr>
+              </a:solidFill>
+            </a:endParaRPr>
+          </a:p>
+        </p:txBody>
+      </p:sp>
+    </p:spTree>
+    <p:extLst>
+      <p:ext uri="{BB962C8B-B14F-4D97-AF65-F5344CB8AC3E}">
+        <p14:creationId xmlns:p14="http://schemas.microsoft.com/office/powerpoint/2010/main" val="1831747689"/>
+      </p:ext>
+    </p:extLst>
+  </p:cSld>
+  <p:clrMapOvr>
+    <a:masterClrMapping/>
+  </p:clrMapOvr>
+</p:sld>
+</file>
+
+<file path=ppt/slides/slide11.xml><?xml version="1.0" encoding="utf-8"?>
+<p:sld xmlns:a="http://schemas.openxmlformats.org/drawingml/2006/main" xmlns:r="http://schemas.openxmlformats.org/officeDocument/2006/relationships" xmlns:p="http://schemas.openxmlformats.org/presentationml/2006/main">
+  <p:cSld>
+    <p:spTree>
+      <p:nvGrpSpPr>
+        <p:cNvPr id="1" name=""/>
+        <p:cNvGrpSpPr/>
+        <p:nvPr/>
+      </p:nvGrpSpPr>
+      <p:grpSpPr>
+        <a:xfrm>
+          <a:off x="0" y="0"/>
+          <a:ext cx="0" cy="0"/>
+          <a:chOff x="0" y="0"/>
+          <a:chExt cx="0" cy="0"/>
+        </a:xfrm>
+      </p:grpSpPr>
+      <p:sp>
+        <p:nvSpPr>
+          <p:cNvPr id="2" name="Title 1">
+            <a:extLst>
+              <a:ext uri="{FF2B5EF4-FFF2-40B4-BE49-F238E27FC236}">
                 <a16:creationId xmlns:a16="http://schemas.microsoft.com/office/drawing/2014/main" id="{D4D58CD2-045B-1678-36BB-865E2FF7028A}"/>
               </a:ext>
             </a:extLst>
@@ -4141,7 +4251,7 @@
 </p:sld>
 </file>
 
-<file path=ppt/slides/slide11.xml><?xml version="1.0" encoding="utf-8"?>
+<file path=ppt/slides/slide12.xml><?xml version="1.0" encoding="utf-8"?>
 <p:sld xmlns:a="http://schemas.openxmlformats.org/drawingml/2006/main" xmlns:r="http://schemas.openxmlformats.org/officeDocument/2006/relationships" xmlns:p="http://schemas.openxmlformats.org/presentationml/2006/main">
   <p:cSld>
     <p:spTree>
@@ -4215,7 +4325,53 @@
                   </a:schemeClr>
                 </a:solidFill>
               </a:rPr>
-              <a:t>USB?</a:t>
+              <a:t>USB – serial for data export</a:t>
+            </a:r>
+          </a:p>
+          <a:p>
+            <a:r>
+              <a:rPr lang="en-US" dirty="0" err="1">
+                <a:solidFill>
+                  <a:schemeClr val="accent5">
+                    <a:lumMod val="75000"/>
+                  </a:schemeClr>
+                </a:solidFill>
+              </a:rPr>
+              <a:t>WiFi</a:t>
+            </a:r>
+            <a:r>
+              <a:rPr lang="en-US" dirty="0">
+                <a:solidFill>
+                  <a:schemeClr val="accent5">
+                    <a:lumMod val="75000"/>
+                  </a:schemeClr>
+                </a:solidFill>
+              </a:rPr>
+              <a:t> – ESP32 built in transceiver </a:t>
+            </a:r>
+          </a:p>
+          <a:p>
+            <a:r>
+              <a:rPr lang="en-US" dirty="0">
+                <a:solidFill>
+                  <a:schemeClr val="accent5">
+                    <a:lumMod val="75000"/>
+                  </a:schemeClr>
+                </a:solidFill>
+              </a:rPr>
+              <a:t>SPI - sensors</a:t>
+            </a:r>
+          </a:p>
+          <a:p>
+            <a:r>
+              <a:rPr lang="en-US" dirty="0">
+                <a:solidFill>
+                  <a:schemeClr val="accent5">
+                    <a:lumMod val="75000"/>
+                  </a:schemeClr>
+                </a:solidFill>
+              </a:rPr>
+              <a:t>I2C - sensors</a:t>
             </a:r>
           </a:p>
         </p:txBody>
@@ -4233,7 +4389,7 @@
 </p:sld>
 </file>
 
-<file path=ppt/slides/slide12.xml><?xml version="1.0" encoding="utf-8"?>
+<file path=ppt/slides/slide13.xml><?xml version="1.0" encoding="utf-8"?>
 <p:sld xmlns:a="http://schemas.openxmlformats.org/drawingml/2006/main" xmlns:r="http://schemas.openxmlformats.org/officeDocument/2006/relationships" xmlns:p="http://schemas.openxmlformats.org/presentationml/2006/main">
   <p:cSld>
     <p:spTree>
@@ -4307,107 +4463,11 @@
                   </a:schemeClr>
                 </a:solidFill>
               </a:rPr>
-              <a:t>Money go </a:t>
+              <a:t>Two board revisions </a:t>
             </a:r>
-            <a:r>
-              <a:rPr lang="en-US" dirty="0" err="1">
-                <a:solidFill>
-                  <a:schemeClr val="accent5">
-                    <a:lumMod val="75000"/>
-                  </a:schemeClr>
-                </a:solidFill>
-              </a:rPr>
-              <a:t>brrrr</a:t>
-            </a:r>
-            <a:endParaRPr lang="en-US" dirty="0">
-              <a:solidFill>
-                <a:schemeClr val="accent5">
-                  <a:lumMod val="75000"/>
-                </a:schemeClr>
-              </a:solidFill>
-            </a:endParaRPr>
-          </a:p>
-        </p:txBody>
-      </p:sp>
-    </p:spTree>
-    <p:extLst>
-      <p:ext uri="{BB962C8B-B14F-4D97-AF65-F5344CB8AC3E}">
-        <p14:creationId xmlns:p14="http://schemas.microsoft.com/office/powerpoint/2010/main" val="982414475"/>
-      </p:ext>
-    </p:extLst>
-  </p:cSld>
-  <p:clrMapOvr>
-    <a:masterClrMapping/>
-  </p:clrMapOvr>
-</p:sld>
-</file>
-
-<file path=ppt/slides/slide13.xml><?xml version="1.0" encoding="utf-8"?>
-<p:sld xmlns:a="http://schemas.openxmlformats.org/drawingml/2006/main" xmlns:r="http://schemas.openxmlformats.org/officeDocument/2006/relationships" xmlns:p="http://schemas.openxmlformats.org/presentationml/2006/main">
-  <p:cSld>
-    <p:spTree>
-      <p:nvGrpSpPr>
-        <p:cNvPr id="1" name=""/>
-        <p:cNvGrpSpPr/>
-        <p:nvPr/>
-      </p:nvGrpSpPr>
-      <p:grpSpPr>
-        <a:xfrm>
-          <a:off x="0" y="0"/>
-          <a:ext cx="0" cy="0"/>
-          <a:chOff x="0" y="0"/>
-          <a:chExt cx="0" cy="0"/>
-        </a:xfrm>
-      </p:grpSpPr>
-      <p:sp>
-        <p:nvSpPr>
-          <p:cNvPr id="2" name="Title 1">
-            <a:extLst>
-              <a:ext uri="{FF2B5EF4-FFF2-40B4-BE49-F238E27FC236}">
-                <a16:creationId xmlns:a16="http://schemas.microsoft.com/office/drawing/2014/main" id="{65FEEB9D-C258-6356-E64F-0226C0C1E2D9}"/>
-              </a:ext>
-            </a:extLst>
-          </p:cNvPr>
-          <p:cNvSpPr>
-            <a:spLocks noGrp="1"/>
-          </p:cNvSpPr>
-          <p:nvPr>
-            <p:ph type="title"/>
-          </p:nvPr>
-        </p:nvSpPr>
-        <p:spPr/>
-        <p:txBody>
-          <a:bodyPr/>
-          <a:lstStyle/>
-          <a:p>
-            <a:r>
-              <a:rPr lang="en-US" dirty="0"/>
-              <a:t>Feasibility Assessment/Risks</a:t>
-            </a:r>
-          </a:p>
-        </p:txBody>
-      </p:sp>
-      <p:sp>
-        <p:nvSpPr>
-          <p:cNvPr id="3" name="Content Placeholder 2">
-            <a:extLst>
-              <a:ext uri="{FF2B5EF4-FFF2-40B4-BE49-F238E27FC236}">
-                <a16:creationId xmlns:a16="http://schemas.microsoft.com/office/drawing/2014/main" id="{8A3AF3FC-0E98-B368-78EC-704185C5ED60}"/>
-              </a:ext>
-            </a:extLst>
-          </p:cNvPr>
-          <p:cNvSpPr>
-            <a:spLocks noGrp="1"/>
-          </p:cNvSpPr>
-          <p:nvPr>
-            <p:ph idx="1"/>
-          </p:nvPr>
-        </p:nvSpPr>
-        <p:spPr/>
-        <p:txBody>
-          <a:bodyPr/>
-          <a:lstStyle/>
-          <a:p>
+          </a:p>
+          <a:p>
+            <a:pPr lvl="1"/>
             <a:r>
               <a:rPr lang="en-US" dirty="0">
                 <a:solidFill>
@@ -4416,7 +4476,32 @@
                   </a:schemeClr>
                 </a:solidFill>
               </a:rPr>
-              <a:t>Temp</a:t>
+              <a:t>First one cheap with buttons for debugging</a:t>
+            </a:r>
+          </a:p>
+          <a:p>
+            <a:pPr lvl="1"/>
+            <a:r>
+              <a:rPr lang="en-US" dirty="0">
+                <a:solidFill>
+                  <a:schemeClr val="accent5">
+                    <a:lumMod val="75000"/>
+                  </a:schemeClr>
+                </a:solidFill>
+              </a:rPr>
+              <a:t>Second not cheap to hopefully fly</a:t>
+            </a:r>
+          </a:p>
+          <a:p>
+            <a:r>
+              <a:rPr lang="en-US" dirty="0">
+                <a:solidFill>
+                  <a:schemeClr val="accent5">
+                    <a:lumMod val="75000"/>
+                  </a:schemeClr>
+                </a:solidFill>
+              </a:rPr>
+              <a:t>List budget</a:t>
             </a:r>
           </a:p>
         </p:txBody>
@@ -4424,7 +4509,7 @@
     </p:spTree>
     <p:extLst>
       <p:ext uri="{BB962C8B-B14F-4D97-AF65-F5344CB8AC3E}">
-        <p14:creationId xmlns:p14="http://schemas.microsoft.com/office/powerpoint/2010/main" val="1862518142"/>
+        <p14:creationId xmlns:p14="http://schemas.microsoft.com/office/powerpoint/2010/main" val="982414475"/>
       </p:ext>
     </p:extLst>
   </p:cSld>
@@ -4474,7 +4559,7 @@
           <a:p>
             <a:r>
               <a:rPr lang="en-US" dirty="0"/>
-              <a:t>Conclusion</a:t>
+              <a:t>Feasibility Assessment/Risks</a:t>
             </a:r>
           </a:p>
         </p:txBody>
@@ -4508,6 +4593,98 @@
                   </a:schemeClr>
                 </a:solidFill>
               </a:rPr>
+              <a:t>We can do this</a:t>
+            </a:r>
+          </a:p>
+        </p:txBody>
+      </p:sp>
+    </p:spTree>
+    <p:extLst>
+      <p:ext uri="{BB962C8B-B14F-4D97-AF65-F5344CB8AC3E}">
+        <p14:creationId xmlns:p14="http://schemas.microsoft.com/office/powerpoint/2010/main" val="1862518142"/>
+      </p:ext>
+    </p:extLst>
+  </p:cSld>
+  <p:clrMapOvr>
+    <a:masterClrMapping/>
+  </p:clrMapOvr>
+</p:sld>
+</file>
+
+<file path=ppt/slides/slide15.xml><?xml version="1.0" encoding="utf-8"?>
+<p:sld xmlns:a="http://schemas.openxmlformats.org/drawingml/2006/main" xmlns:r="http://schemas.openxmlformats.org/officeDocument/2006/relationships" xmlns:p="http://schemas.openxmlformats.org/presentationml/2006/main">
+  <p:cSld>
+    <p:spTree>
+      <p:nvGrpSpPr>
+        <p:cNvPr id="1" name=""/>
+        <p:cNvGrpSpPr/>
+        <p:nvPr/>
+      </p:nvGrpSpPr>
+      <p:grpSpPr>
+        <a:xfrm>
+          <a:off x="0" y="0"/>
+          <a:ext cx="0" cy="0"/>
+          <a:chOff x="0" y="0"/>
+          <a:chExt cx="0" cy="0"/>
+        </a:xfrm>
+      </p:grpSpPr>
+      <p:sp>
+        <p:nvSpPr>
+          <p:cNvPr id="2" name="Title 1">
+            <a:extLst>
+              <a:ext uri="{FF2B5EF4-FFF2-40B4-BE49-F238E27FC236}">
+                <a16:creationId xmlns:a16="http://schemas.microsoft.com/office/drawing/2014/main" id="{65FEEB9D-C258-6356-E64F-0226C0C1E2D9}"/>
+              </a:ext>
+            </a:extLst>
+          </p:cNvPr>
+          <p:cNvSpPr>
+            <a:spLocks noGrp="1"/>
+          </p:cNvSpPr>
+          <p:nvPr>
+            <p:ph type="title"/>
+          </p:nvPr>
+        </p:nvSpPr>
+        <p:spPr/>
+        <p:txBody>
+          <a:bodyPr/>
+          <a:lstStyle/>
+          <a:p>
+            <a:r>
+              <a:rPr lang="en-US" dirty="0"/>
+              <a:t>Conclusion</a:t>
+            </a:r>
+          </a:p>
+        </p:txBody>
+      </p:sp>
+      <p:sp>
+        <p:nvSpPr>
+          <p:cNvPr id="3" name="Content Placeholder 2">
+            <a:extLst>
+              <a:ext uri="{FF2B5EF4-FFF2-40B4-BE49-F238E27FC236}">
+                <a16:creationId xmlns:a16="http://schemas.microsoft.com/office/drawing/2014/main" id="{8A3AF3FC-0E98-B368-78EC-704185C5ED60}"/>
+              </a:ext>
+            </a:extLst>
+          </p:cNvPr>
+          <p:cNvSpPr>
+            <a:spLocks noGrp="1"/>
+          </p:cNvSpPr>
+          <p:nvPr>
+            <p:ph idx="1"/>
+          </p:nvPr>
+        </p:nvSpPr>
+        <p:spPr/>
+        <p:txBody>
+          <a:bodyPr/>
+          <a:lstStyle/>
+          <a:p>
+            <a:r>
+              <a:rPr lang="en-US" dirty="0">
+                <a:solidFill>
+                  <a:schemeClr val="accent5">
+                    <a:lumMod val="75000"/>
+                  </a:schemeClr>
+                </a:solidFill>
+              </a:rPr>
               <a:t>We’re just better</a:t>
             </a:r>
           </a:p>
@@ -4526,7 +4703,7 @@
 </p:sld>
 </file>
 
-<file path=ppt/slides/slide15.xml><?xml version="1.0" encoding="utf-8"?>
+<file path=ppt/slides/slide16.xml><?xml version="1.0" encoding="utf-8"?>
 <p:sld xmlns:a="http://schemas.openxmlformats.org/drawingml/2006/main" xmlns:r="http://schemas.openxmlformats.org/officeDocument/2006/relationships" xmlns:p="http://schemas.openxmlformats.org/presentationml/2006/main">
   <p:cSld>
     <p:bg>
@@ -5237,6 +5414,30 @@
           <a:bodyPr/>
           <a:lstStyle/>
           <a:p>
+            <a:r>
+              <a:rPr lang="en-US" dirty="0">
+                <a:solidFill>
+                  <a:schemeClr val="accent5">
+                    <a:lumMod val="75000"/>
+                  </a:schemeClr>
+                </a:solidFill>
+              </a:rPr>
+              <a:t>Rocketry tried doing flight computer before and it never saw to completion.</a:t>
+            </a:r>
+          </a:p>
+          <a:p>
+            <a:r>
+              <a:rPr lang="en-US" dirty="0">
+                <a:solidFill>
+                  <a:schemeClr val="accent5">
+                    <a:lumMod val="75000"/>
+                  </a:schemeClr>
+                </a:solidFill>
+              </a:rPr>
+              <a:t>Would be nice for rocketry to have its own customizable flight computer using this as a baseline</a:t>
+            </a:r>
+          </a:p>
+          <a:p>
             <a:endParaRPr lang="en-US" dirty="0">
               <a:solidFill>
                 <a:schemeClr val="accent5">
@@ -5326,9 +5527,6 @@
           <a:bodyPr/>
           <a:lstStyle/>
           <a:p>
-            <a:pPr marL="0" indent="0">
-              <a:buNone/>
-            </a:pPr>
             <a:r>
               <a:rPr lang="en-US" dirty="0">
                 <a:solidFill>
@@ -5337,8 +5535,29 @@
                   </a:schemeClr>
                 </a:solidFill>
               </a:rPr>
-              <a:t>What, Why, Who</a:t>
+              <a:t>Build a mf flight computer</a:t>
             </a:r>
+          </a:p>
+          <a:p>
+            <a:r>
+              <a:rPr lang="en-US" dirty="0">
+                <a:solidFill>
+                  <a:schemeClr val="accent5">
+                    <a:lumMod val="75000"/>
+                  </a:schemeClr>
+                </a:solidFill>
+              </a:rPr>
+              <a:t>Do it well lmao</a:t>
+            </a:r>
+          </a:p>
+          <a:p>
+            <a:endParaRPr lang="en-US" dirty="0">
+              <a:solidFill>
+                <a:schemeClr val="accent5">
+                  <a:lumMod val="75000"/>
+                </a:schemeClr>
+              </a:solidFill>
+            </a:endParaRPr>
           </a:p>
         </p:txBody>
       </p:sp>
@@ -5400,40 +5619,1170 @@
           </a:p>
         </p:txBody>
       </p:sp>
-      <p:sp>
-        <p:nvSpPr>
-          <p:cNvPr id="3" name="Content Placeholder 2">
+      <p:graphicFrame>
+        <p:nvGraphicFramePr>
+          <p:cNvPr id="12" name="Content Placeholder 11">
             <a:extLst>
               <a:ext uri="{FF2B5EF4-FFF2-40B4-BE49-F238E27FC236}">
-                <a16:creationId xmlns:a16="http://schemas.microsoft.com/office/drawing/2014/main" id="{B2680731-466C-C1C4-73C5-B799F0ECA6A8}"/>
+                <a16:creationId xmlns:a16="http://schemas.microsoft.com/office/drawing/2014/main" id="{ADC85C6F-65A6-87B4-5694-3D9A4953B934}"/>
               </a:ext>
             </a:extLst>
           </p:cNvPr>
-          <p:cNvSpPr>
-            <a:spLocks noGrp="1"/>
-          </p:cNvSpPr>
+          <p:cNvGraphicFramePr>
+            <a:graphicFrameLocks noGrp="1"/>
+          </p:cNvGraphicFramePr>
           <p:nvPr>
             <p:ph idx="1"/>
+            <p:extLst>
+              <p:ext uri="{D42A27DB-BD31-4B8C-83A1-F6EECF244321}">
+                <p14:modId xmlns:p14="http://schemas.microsoft.com/office/powerpoint/2010/main" val="2038873088"/>
+              </p:ext>
+            </p:extLst>
           </p:nvPr>
-        </p:nvSpPr>
-        <p:spPr/>
-        <p:txBody>
-          <a:bodyPr/>
-          <a:lstStyle/>
-          <a:p>
-            <a:r>
-              <a:rPr lang="en-US" dirty="0">
-                <a:solidFill>
-                  <a:schemeClr val="accent5">
-                    <a:lumMod val="75000"/>
-                  </a:schemeClr>
-                </a:solidFill>
-              </a:rPr>
-              <a:t>Requirements Table goes here c:</a:t>
-            </a:r>
-          </a:p>
-        </p:txBody>
-      </p:sp>
+        </p:nvGraphicFramePr>
+        <p:xfrm>
+          <a:off x="838200" y="1612490"/>
+          <a:ext cx="10515600" cy="4739151"/>
+        </p:xfrm>
+        <a:graphic>
+          <a:graphicData uri="http://schemas.openxmlformats.org/drawingml/2006/table">
+            <a:tbl>
+              <a:tblPr/>
+              <a:tblGrid>
+                <a:gridCol w="889782">
+                  <a:extLst>
+                    <a:ext uri="{9D8B030D-6E8A-4147-A177-3AD203B41FA5}">
+                      <a16:colId xmlns:a16="http://schemas.microsoft.com/office/drawing/2014/main" val="358797537"/>
+                    </a:ext>
+                  </a:extLst>
+                </a:gridCol>
+                <a:gridCol w="2891790">
+                  <a:extLst>
+                    <a:ext uri="{9D8B030D-6E8A-4147-A177-3AD203B41FA5}">
+                      <a16:colId xmlns:a16="http://schemas.microsoft.com/office/drawing/2014/main" val="1441499404"/>
+                    </a:ext>
+                  </a:extLst>
+                </a:gridCol>
+                <a:gridCol w="6734028">
+                  <a:extLst>
+                    <a:ext uri="{9D8B030D-6E8A-4147-A177-3AD203B41FA5}">
+                      <a16:colId xmlns:a16="http://schemas.microsoft.com/office/drawing/2014/main" val="1940263452"/>
+                    </a:ext>
+                  </a:extLst>
+                </a:gridCol>
+              </a:tblGrid>
+              <a:tr h="473915">
+                <a:tc>
+                  <a:txBody>
+                    <a:bodyPr/>
+                    <a:lstStyle/>
+                    <a:p>
+                      <a:pPr algn="ctr" fontAlgn="b"/>
+                      <a:r>
+                        <a:rPr lang="en-US" sz="1800" b="1" i="0" u="none" strike="noStrike" dirty="0">
+                          <a:solidFill>
+                            <a:srgbClr val="FFFFFF"/>
+                          </a:solidFill>
+                          <a:effectLst/>
+                          <a:latin typeface="Aptos Narrow" panose="020B0004020202020204" pitchFamily="34" charset="0"/>
+                        </a:rPr>
+                        <a:t>ID</a:t>
+                      </a:r>
+                    </a:p>
+                  </a:txBody>
+                  <a:tcPr marL="7620" marR="7620" marT="7620" marB="0" anchor="b">
+                    <a:lnL>
+                      <a:noFill/>
+                    </a:lnL>
+                    <a:lnR>
+                      <a:noFill/>
+                    </a:lnR>
+                    <a:lnT w="12700" cap="flat" cmpd="sng" algn="ctr">
+                      <a:solidFill>
+                        <a:srgbClr val="000000"/>
+                      </a:solidFill>
+                      <a:prstDash val="solid"/>
+                      <a:round/>
+                      <a:headEnd type="none" w="med" len="med"/>
+                      <a:tailEnd type="none" w="med" len="med"/>
+                    </a:lnT>
+                    <a:lnB w="12700" cap="flat" cmpd="sng" algn="ctr">
+                      <a:solidFill>
+                        <a:srgbClr val="000000"/>
+                      </a:solidFill>
+                      <a:prstDash val="solid"/>
+                      <a:round/>
+                      <a:headEnd type="none" w="med" len="med"/>
+                      <a:tailEnd type="none" w="med" len="med"/>
+                    </a:lnB>
+                    <a:solidFill>
+                      <a:srgbClr val="A02B93"/>
+                    </a:solidFill>
+                  </a:tcPr>
+                </a:tc>
+                <a:tc>
+                  <a:txBody>
+                    <a:bodyPr/>
+                    <a:lstStyle/>
+                    <a:p>
+                      <a:pPr algn="ctr" fontAlgn="b"/>
+                      <a:r>
+                        <a:rPr lang="en-US" sz="1800" b="1" i="0" u="none" strike="noStrike">
+                          <a:solidFill>
+                            <a:srgbClr val="FFFFFF"/>
+                          </a:solidFill>
+                          <a:effectLst/>
+                          <a:latin typeface="Aptos Narrow" panose="020B0004020202020204" pitchFamily="34" charset="0"/>
+                        </a:rPr>
+                        <a:t>Requirement</a:t>
+                      </a:r>
+                    </a:p>
+                  </a:txBody>
+                  <a:tcPr marL="7620" marR="7620" marT="7620" marB="0" anchor="b">
+                    <a:lnL>
+                      <a:noFill/>
+                    </a:lnL>
+                    <a:lnR>
+                      <a:noFill/>
+                    </a:lnR>
+                    <a:lnT w="12700" cap="flat" cmpd="sng" algn="ctr">
+                      <a:solidFill>
+                        <a:srgbClr val="000000"/>
+                      </a:solidFill>
+                      <a:prstDash val="solid"/>
+                      <a:round/>
+                      <a:headEnd type="none" w="med" len="med"/>
+                      <a:tailEnd type="none" w="med" len="med"/>
+                    </a:lnT>
+                    <a:lnB w="12700" cap="flat" cmpd="sng" algn="ctr">
+                      <a:solidFill>
+                        <a:srgbClr val="000000"/>
+                      </a:solidFill>
+                      <a:prstDash val="solid"/>
+                      <a:round/>
+                      <a:headEnd type="none" w="med" len="med"/>
+                      <a:tailEnd type="none" w="med" len="med"/>
+                    </a:lnB>
+                    <a:solidFill>
+                      <a:srgbClr val="A02B93"/>
+                    </a:solidFill>
+                  </a:tcPr>
+                </a:tc>
+                <a:tc>
+                  <a:txBody>
+                    <a:bodyPr/>
+                    <a:lstStyle/>
+                    <a:p>
+                      <a:pPr algn="ctr" fontAlgn="b"/>
+                      <a:r>
+                        <a:rPr lang="en-US" sz="1800" b="1" i="0" u="none" strike="noStrike">
+                          <a:solidFill>
+                            <a:srgbClr val="FFFFFF"/>
+                          </a:solidFill>
+                          <a:effectLst/>
+                          <a:latin typeface="Aptos Narrow" panose="020B0004020202020204" pitchFamily="34" charset="0"/>
+                        </a:rPr>
+                        <a:t>Description</a:t>
+                      </a:r>
+                    </a:p>
+                  </a:txBody>
+                  <a:tcPr marL="7620" marR="7620" marT="7620" marB="0" anchor="b">
+                    <a:lnL>
+                      <a:noFill/>
+                    </a:lnL>
+                    <a:lnR>
+                      <a:noFill/>
+                    </a:lnR>
+                    <a:lnT w="12700" cap="flat" cmpd="sng" algn="ctr">
+                      <a:solidFill>
+                        <a:srgbClr val="000000"/>
+                      </a:solidFill>
+                      <a:prstDash val="solid"/>
+                      <a:round/>
+                      <a:headEnd type="none" w="med" len="med"/>
+                      <a:tailEnd type="none" w="med" len="med"/>
+                    </a:lnT>
+                    <a:lnB w="12700" cap="flat" cmpd="sng" algn="ctr">
+                      <a:solidFill>
+                        <a:srgbClr val="000000"/>
+                      </a:solidFill>
+                      <a:prstDash val="solid"/>
+                      <a:round/>
+                      <a:headEnd type="none" w="med" len="med"/>
+                      <a:tailEnd type="none" w="med" len="med"/>
+                    </a:lnB>
+                    <a:solidFill>
+                      <a:srgbClr val="A02B93"/>
+                    </a:solidFill>
+                  </a:tcPr>
+                </a:tc>
+                <a:extLst>
+                  <a:ext uri="{0D108BD9-81ED-4DB2-BD59-A6C34878D82A}">
+                    <a16:rowId xmlns:a16="http://schemas.microsoft.com/office/drawing/2014/main" val="4291199994"/>
+                  </a:ext>
+                </a:extLst>
+              </a:tr>
+              <a:tr h="473915">
+                <a:tc>
+                  <a:txBody>
+                    <a:bodyPr/>
+                    <a:lstStyle/>
+                    <a:p>
+                      <a:pPr algn="ctr" fontAlgn="b"/>
+                      <a:r>
+                        <a:rPr lang="en-US" sz="1800" b="1" i="0" u="none" strike="noStrike">
+                          <a:solidFill>
+                            <a:srgbClr val="FFFFFF"/>
+                          </a:solidFill>
+                          <a:effectLst/>
+                          <a:latin typeface="Aptos Narrow" panose="020B0004020202020204" pitchFamily="34" charset="0"/>
+                        </a:rPr>
+                        <a:t>1.0</a:t>
+                      </a:r>
+                    </a:p>
+                  </a:txBody>
+                  <a:tcPr marL="7620" marR="7620" marT="7620" marB="0" anchor="b">
+                    <a:lnL>
+                      <a:noFill/>
+                    </a:lnL>
+                    <a:lnR>
+                      <a:noFill/>
+                    </a:lnR>
+                    <a:lnT w="12700" cap="flat" cmpd="sng" algn="ctr">
+                      <a:solidFill>
+                        <a:srgbClr val="000000"/>
+                      </a:solidFill>
+                      <a:prstDash val="solid"/>
+                      <a:round/>
+                      <a:headEnd type="none" w="med" len="med"/>
+                      <a:tailEnd type="none" w="med" len="med"/>
+                    </a:lnT>
+                    <a:lnB>
+                      <a:noFill/>
+                    </a:lnB>
+                    <a:solidFill>
+                      <a:srgbClr val="A02B93"/>
+                    </a:solidFill>
+                  </a:tcPr>
+                </a:tc>
+                <a:tc>
+                  <a:txBody>
+                    <a:bodyPr/>
+                    <a:lstStyle/>
+                    <a:p>
+                      <a:pPr algn="l" fontAlgn="b"/>
+                      <a:r>
+                        <a:rPr lang="en-US" sz="1800" b="0" i="0" u="none" strike="noStrike" dirty="0">
+                          <a:solidFill>
+                            <a:srgbClr val="000000"/>
+                          </a:solidFill>
+                          <a:effectLst/>
+                          <a:latin typeface="Aptos Narrow" panose="020B0004020202020204" pitchFamily="34" charset="0"/>
+                        </a:rPr>
+                        <a:t>Input Voltage and Current</a:t>
+                      </a:r>
+                    </a:p>
+                  </a:txBody>
+                  <a:tcPr marL="7620" marR="7620" marT="7620" marB="0" anchor="b">
+                    <a:lnL>
+                      <a:noFill/>
+                    </a:lnL>
+                    <a:lnR>
+                      <a:noFill/>
+                    </a:lnR>
+                    <a:lnT w="12700" cap="flat" cmpd="sng" algn="ctr">
+                      <a:solidFill>
+                        <a:srgbClr val="000000"/>
+                      </a:solidFill>
+                      <a:prstDash val="solid"/>
+                      <a:round/>
+                      <a:headEnd type="none" w="med" len="med"/>
+                      <a:tailEnd type="none" w="med" len="med"/>
+                    </a:lnT>
+                    <a:lnB>
+                      <a:noFill/>
+                    </a:lnB>
+                    <a:solidFill>
+                      <a:srgbClr val="D9D9D9"/>
+                    </a:solidFill>
+                  </a:tcPr>
+                </a:tc>
+                <a:tc>
+                  <a:txBody>
+                    <a:bodyPr/>
+                    <a:lstStyle/>
+                    <a:p>
+                      <a:pPr algn="l" fontAlgn="b"/>
+                      <a:r>
+                        <a:rPr lang="en-US" sz="1800" b="0" i="0" u="none" strike="noStrike">
+                          <a:solidFill>
+                            <a:srgbClr val="000000"/>
+                          </a:solidFill>
+                          <a:effectLst/>
+                          <a:latin typeface="Aptos Narrow" panose="020B0004020202020204" pitchFamily="34" charset="0"/>
+                        </a:rPr>
+                        <a:t>2S LiPo</a:t>
+                      </a:r>
+                    </a:p>
+                  </a:txBody>
+                  <a:tcPr marL="7620" marR="7620" marT="7620" marB="0" anchor="b">
+                    <a:lnL>
+                      <a:noFill/>
+                    </a:lnL>
+                    <a:lnR>
+                      <a:noFill/>
+                    </a:lnR>
+                    <a:lnT w="12700" cap="flat" cmpd="sng" algn="ctr">
+                      <a:solidFill>
+                        <a:srgbClr val="000000"/>
+                      </a:solidFill>
+                      <a:prstDash val="solid"/>
+                      <a:round/>
+                      <a:headEnd type="none" w="med" len="med"/>
+                      <a:tailEnd type="none" w="med" len="med"/>
+                    </a:lnT>
+                    <a:lnB>
+                      <a:noFill/>
+                    </a:lnB>
+                    <a:solidFill>
+                      <a:srgbClr val="D9D9D9"/>
+                    </a:solidFill>
+                  </a:tcPr>
+                </a:tc>
+                <a:extLst>
+                  <a:ext uri="{0D108BD9-81ED-4DB2-BD59-A6C34878D82A}">
+                    <a16:rowId xmlns:a16="http://schemas.microsoft.com/office/drawing/2014/main" val="2692210998"/>
+                  </a:ext>
+                </a:extLst>
+              </a:tr>
+              <a:tr h="947831">
+                <a:tc>
+                  <a:txBody>
+                    <a:bodyPr/>
+                    <a:lstStyle/>
+                    <a:p>
+                      <a:pPr algn="ctr" fontAlgn="b"/>
+                      <a:r>
+                        <a:rPr lang="en-US" sz="1800" b="1" i="0" u="none" strike="noStrike">
+                          <a:solidFill>
+                            <a:srgbClr val="FFFFFF"/>
+                          </a:solidFill>
+                          <a:effectLst/>
+                          <a:latin typeface="Aptos Narrow" panose="020B0004020202020204" pitchFamily="34" charset="0"/>
+                        </a:rPr>
+                        <a:t>1.a</a:t>
+                      </a:r>
+                    </a:p>
+                  </a:txBody>
+                  <a:tcPr marL="7620" marR="7620" marT="7620" marB="0" anchor="b">
+                    <a:lnL>
+                      <a:noFill/>
+                    </a:lnL>
+                    <a:lnR>
+                      <a:noFill/>
+                    </a:lnR>
+                    <a:lnT>
+                      <a:noFill/>
+                    </a:lnT>
+                    <a:lnB>
+                      <a:noFill/>
+                    </a:lnB>
+                    <a:solidFill>
+                      <a:srgbClr val="A02B93"/>
+                    </a:solidFill>
+                  </a:tcPr>
+                </a:tc>
+                <a:tc>
+                  <a:txBody>
+                    <a:bodyPr/>
+                    <a:lstStyle/>
+                    <a:p>
+                      <a:pPr algn="l" fontAlgn="b"/>
+                      <a:r>
+                        <a:rPr lang="en-US" sz="1800" b="0" i="0" u="none" strike="noStrike" dirty="0">
+                          <a:solidFill>
+                            <a:srgbClr val="000000"/>
+                          </a:solidFill>
+                          <a:effectLst/>
+                          <a:latin typeface="Aptos Narrow" panose="020B0004020202020204" pitchFamily="34" charset="0"/>
+                        </a:rPr>
+                        <a:t>Minimize Power Use</a:t>
+                      </a:r>
+                    </a:p>
+                  </a:txBody>
+                  <a:tcPr marL="7620" marR="7620" marT="7620" marB="0" anchor="b">
+                    <a:lnL>
+                      <a:noFill/>
+                    </a:lnL>
+                    <a:lnR>
+                      <a:noFill/>
+                    </a:lnR>
+                    <a:lnT>
+                      <a:noFill/>
+                    </a:lnT>
+                    <a:lnB>
+                      <a:noFill/>
+                    </a:lnB>
+                    <a:noFill/>
+                  </a:tcPr>
+                </a:tc>
+                <a:tc>
+                  <a:txBody>
+                    <a:bodyPr/>
+                    <a:lstStyle/>
+                    <a:p>
+                      <a:pPr algn="l" fontAlgn="b"/>
+                      <a:r>
+                        <a:rPr lang="en-US" sz="1800" b="0" i="0" u="none" strike="noStrike">
+                          <a:solidFill>
+                            <a:srgbClr val="000000"/>
+                          </a:solidFill>
+                          <a:effectLst/>
+                          <a:latin typeface="Aptos Narrow" panose="020B0004020202020204" pitchFamily="34" charset="0"/>
+                        </a:rPr>
+                        <a:t>Desgin Goal: The longer we can power the board the better. Minimum of 2  hours of battery life. Would like 3-4 hours</a:t>
+                      </a:r>
+                    </a:p>
+                  </a:txBody>
+                  <a:tcPr marL="7620" marR="7620" marT="7620" marB="0" anchor="b">
+                    <a:lnL>
+                      <a:noFill/>
+                    </a:lnL>
+                    <a:lnR>
+                      <a:noFill/>
+                    </a:lnR>
+                    <a:lnT>
+                      <a:noFill/>
+                    </a:lnT>
+                    <a:lnB>
+                      <a:noFill/>
+                    </a:lnB>
+                    <a:noFill/>
+                  </a:tcPr>
+                </a:tc>
+                <a:extLst>
+                  <a:ext uri="{0D108BD9-81ED-4DB2-BD59-A6C34878D82A}">
+                    <a16:rowId xmlns:a16="http://schemas.microsoft.com/office/drawing/2014/main" val="3250886383"/>
+                  </a:ext>
+                </a:extLst>
+              </a:tr>
+              <a:tr h="473915">
+                <a:tc>
+                  <a:txBody>
+                    <a:bodyPr/>
+                    <a:lstStyle/>
+                    <a:p>
+                      <a:pPr algn="ctr" fontAlgn="b"/>
+                      <a:r>
+                        <a:rPr lang="en-US" sz="1800" b="1" i="0" u="none" strike="noStrike">
+                          <a:solidFill>
+                            <a:srgbClr val="FFFFFF"/>
+                          </a:solidFill>
+                          <a:effectLst/>
+                          <a:latin typeface="Aptos Narrow" panose="020B0004020202020204" pitchFamily="34" charset="0"/>
+                        </a:rPr>
+                        <a:t>2.0</a:t>
+                      </a:r>
+                    </a:p>
+                  </a:txBody>
+                  <a:tcPr marL="7620" marR="7620" marT="7620" marB="0" anchor="b">
+                    <a:lnL>
+                      <a:noFill/>
+                    </a:lnL>
+                    <a:lnR>
+                      <a:noFill/>
+                    </a:lnR>
+                    <a:lnT>
+                      <a:noFill/>
+                    </a:lnT>
+                    <a:lnB>
+                      <a:noFill/>
+                    </a:lnB>
+                    <a:solidFill>
+                      <a:srgbClr val="A02B93"/>
+                    </a:solidFill>
+                  </a:tcPr>
+                </a:tc>
+                <a:tc>
+                  <a:txBody>
+                    <a:bodyPr/>
+                    <a:lstStyle/>
+                    <a:p>
+                      <a:pPr algn="l" fontAlgn="b"/>
+                      <a:r>
+                        <a:rPr lang="en-US" sz="1800" b="0" i="0" u="none" strike="noStrike">
+                          <a:solidFill>
+                            <a:srgbClr val="000000"/>
+                          </a:solidFill>
+                          <a:effectLst/>
+                          <a:latin typeface="Aptos Narrow" panose="020B0004020202020204" pitchFamily="34" charset="0"/>
+                        </a:rPr>
+                        <a:t>Weight</a:t>
+                      </a:r>
+                    </a:p>
+                  </a:txBody>
+                  <a:tcPr marL="7620" marR="7620" marT="7620" marB="0" anchor="b">
+                    <a:lnL>
+                      <a:noFill/>
+                    </a:lnL>
+                    <a:lnR>
+                      <a:noFill/>
+                    </a:lnR>
+                    <a:lnT>
+                      <a:noFill/>
+                    </a:lnT>
+                    <a:lnB>
+                      <a:noFill/>
+                    </a:lnB>
+                    <a:solidFill>
+                      <a:srgbClr val="D9D9D9"/>
+                    </a:solidFill>
+                  </a:tcPr>
+                </a:tc>
+                <a:tc>
+                  <a:txBody>
+                    <a:bodyPr/>
+                    <a:lstStyle/>
+                    <a:p>
+                      <a:pPr algn="l" fontAlgn="b"/>
+                      <a:r>
+                        <a:rPr lang="en-US" sz="1800" b="0" i="0" u="none" strike="noStrike" dirty="0">
+                          <a:solidFill>
+                            <a:srgbClr val="000000"/>
+                          </a:solidFill>
+                          <a:effectLst/>
+                          <a:latin typeface="Aptos Narrow" panose="020B0004020202020204" pitchFamily="34" charset="0"/>
+                        </a:rPr>
+                        <a:t>Maximum 100 grams</a:t>
+                      </a:r>
+                    </a:p>
+                  </a:txBody>
+                  <a:tcPr marL="7620" marR="7620" marT="7620" marB="0" anchor="b">
+                    <a:lnL>
+                      <a:noFill/>
+                    </a:lnL>
+                    <a:lnR>
+                      <a:noFill/>
+                    </a:lnR>
+                    <a:lnT>
+                      <a:noFill/>
+                    </a:lnT>
+                    <a:lnB>
+                      <a:noFill/>
+                    </a:lnB>
+                    <a:solidFill>
+                      <a:srgbClr val="D9D9D9"/>
+                    </a:solidFill>
+                  </a:tcPr>
+                </a:tc>
+                <a:extLst>
+                  <a:ext uri="{0D108BD9-81ED-4DB2-BD59-A6C34878D82A}">
+                    <a16:rowId xmlns:a16="http://schemas.microsoft.com/office/drawing/2014/main" val="1775601454"/>
+                  </a:ext>
+                </a:extLst>
+              </a:tr>
+              <a:tr h="473915">
+                <a:tc>
+                  <a:txBody>
+                    <a:bodyPr/>
+                    <a:lstStyle/>
+                    <a:p>
+                      <a:pPr algn="ctr" fontAlgn="b"/>
+                      <a:r>
+                        <a:rPr lang="en-US" sz="1800" b="1" i="0" u="none" strike="noStrike">
+                          <a:solidFill>
+                            <a:srgbClr val="FFFFFF"/>
+                          </a:solidFill>
+                          <a:effectLst/>
+                          <a:latin typeface="Aptos Narrow" panose="020B0004020202020204" pitchFamily="34" charset="0"/>
+                        </a:rPr>
+                        <a:t>3.0</a:t>
+                      </a:r>
+                    </a:p>
+                  </a:txBody>
+                  <a:tcPr marL="7620" marR="7620" marT="7620" marB="0" anchor="b">
+                    <a:lnL>
+                      <a:noFill/>
+                    </a:lnL>
+                    <a:lnR>
+                      <a:noFill/>
+                    </a:lnR>
+                    <a:lnT>
+                      <a:noFill/>
+                    </a:lnT>
+                    <a:lnB>
+                      <a:noFill/>
+                    </a:lnB>
+                    <a:solidFill>
+                      <a:srgbClr val="A02B93"/>
+                    </a:solidFill>
+                  </a:tcPr>
+                </a:tc>
+                <a:tc>
+                  <a:txBody>
+                    <a:bodyPr/>
+                    <a:lstStyle/>
+                    <a:p>
+                      <a:pPr algn="l" fontAlgn="b"/>
+                      <a:r>
+                        <a:rPr lang="en-US" sz="1800" b="0" i="0" u="none" strike="noStrike">
+                          <a:solidFill>
+                            <a:srgbClr val="000000"/>
+                          </a:solidFill>
+                          <a:effectLst/>
+                          <a:latin typeface="Aptos Narrow" panose="020B0004020202020204" pitchFamily="34" charset="0"/>
+                        </a:rPr>
+                        <a:t>Size</a:t>
+                      </a:r>
+                    </a:p>
+                  </a:txBody>
+                  <a:tcPr marL="7620" marR="7620" marT="7620" marB="0" anchor="b">
+                    <a:lnL>
+                      <a:noFill/>
+                    </a:lnL>
+                    <a:lnR>
+                      <a:noFill/>
+                    </a:lnR>
+                    <a:lnT>
+                      <a:noFill/>
+                    </a:lnT>
+                    <a:lnB>
+                      <a:noFill/>
+                    </a:lnB>
+                    <a:noFill/>
+                  </a:tcPr>
+                </a:tc>
+                <a:tc>
+                  <a:txBody>
+                    <a:bodyPr/>
+                    <a:lstStyle/>
+                    <a:p>
+                      <a:pPr algn="l" fontAlgn="b"/>
+                      <a:r>
+                        <a:rPr lang="en-US" sz="1800" b="0" i="0" u="none" strike="noStrike" dirty="0">
+                          <a:solidFill>
+                            <a:srgbClr val="000000"/>
+                          </a:solidFill>
+                          <a:effectLst/>
+                          <a:latin typeface="Aptos Narrow" panose="020B0004020202020204" pitchFamily="34" charset="0"/>
+                        </a:rPr>
+                        <a:t>Maximum 3 in width, 4 in length</a:t>
+                      </a:r>
+                    </a:p>
+                  </a:txBody>
+                  <a:tcPr marL="7620" marR="7620" marT="7620" marB="0" anchor="b">
+                    <a:lnL>
+                      <a:noFill/>
+                    </a:lnL>
+                    <a:lnR>
+                      <a:noFill/>
+                    </a:lnR>
+                    <a:lnT>
+                      <a:noFill/>
+                    </a:lnT>
+                    <a:lnB>
+                      <a:noFill/>
+                    </a:lnB>
+                    <a:noFill/>
+                  </a:tcPr>
+                </a:tc>
+                <a:extLst>
+                  <a:ext uri="{0D108BD9-81ED-4DB2-BD59-A6C34878D82A}">
+                    <a16:rowId xmlns:a16="http://schemas.microsoft.com/office/drawing/2014/main" val="3372142622"/>
+                  </a:ext>
+                </a:extLst>
+              </a:tr>
+              <a:tr h="473915">
+                <a:tc>
+                  <a:txBody>
+                    <a:bodyPr/>
+                    <a:lstStyle/>
+                    <a:p>
+                      <a:pPr algn="ctr" fontAlgn="b"/>
+                      <a:r>
+                        <a:rPr lang="en-US" sz="1800" b="1" i="0" u="none" strike="noStrike">
+                          <a:solidFill>
+                            <a:srgbClr val="FFFFFF"/>
+                          </a:solidFill>
+                          <a:effectLst/>
+                          <a:latin typeface="Aptos Narrow" panose="020B0004020202020204" pitchFamily="34" charset="0"/>
+                        </a:rPr>
+                        <a:t>4.0</a:t>
+                      </a:r>
+                    </a:p>
+                  </a:txBody>
+                  <a:tcPr marL="7620" marR="7620" marT="7620" marB="0" anchor="b">
+                    <a:lnL>
+                      <a:noFill/>
+                    </a:lnL>
+                    <a:lnR>
+                      <a:noFill/>
+                    </a:lnR>
+                    <a:lnT>
+                      <a:noFill/>
+                    </a:lnT>
+                    <a:lnB>
+                      <a:noFill/>
+                    </a:lnB>
+                    <a:solidFill>
+                      <a:srgbClr val="A02B93"/>
+                    </a:solidFill>
+                  </a:tcPr>
+                </a:tc>
+                <a:tc>
+                  <a:txBody>
+                    <a:bodyPr/>
+                    <a:lstStyle/>
+                    <a:p>
+                      <a:pPr algn="l" fontAlgn="b"/>
+                      <a:r>
+                        <a:rPr lang="en-US" sz="1800" b="0" i="0" u="none" strike="noStrike">
+                          <a:solidFill>
+                            <a:srgbClr val="000000"/>
+                          </a:solidFill>
+                          <a:effectLst/>
+                          <a:latin typeface="Aptos Narrow" panose="020B0004020202020204" pitchFamily="34" charset="0"/>
+                        </a:rPr>
+                        <a:t>Cost</a:t>
+                      </a:r>
+                    </a:p>
+                  </a:txBody>
+                  <a:tcPr marL="7620" marR="7620" marT="7620" marB="0" anchor="b">
+                    <a:lnL>
+                      <a:noFill/>
+                    </a:lnL>
+                    <a:lnR>
+                      <a:noFill/>
+                    </a:lnR>
+                    <a:lnT>
+                      <a:noFill/>
+                    </a:lnT>
+                    <a:lnB>
+                      <a:noFill/>
+                    </a:lnB>
+                    <a:solidFill>
+                      <a:srgbClr val="D9D9D9"/>
+                    </a:solidFill>
+                  </a:tcPr>
+                </a:tc>
+                <a:tc>
+                  <a:txBody>
+                    <a:bodyPr/>
+                    <a:lstStyle/>
+                    <a:p>
+                      <a:pPr algn="l" fontAlgn="b"/>
+                      <a:r>
+                        <a:rPr lang="en-US" sz="1800" b="0" i="0" u="none" strike="noStrike" dirty="0">
+                          <a:solidFill>
+                            <a:srgbClr val="000000"/>
+                          </a:solidFill>
+                          <a:effectLst/>
+                          <a:latin typeface="Aptos Narrow" panose="020B0004020202020204" pitchFamily="34" charset="0"/>
+                        </a:rPr>
+                        <a:t>$200 or less</a:t>
+                      </a:r>
+                    </a:p>
+                  </a:txBody>
+                  <a:tcPr marL="7620" marR="7620" marT="7620" marB="0" anchor="b">
+                    <a:lnL>
+                      <a:noFill/>
+                    </a:lnL>
+                    <a:lnR>
+                      <a:noFill/>
+                    </a:lnR>
+                    <a:lnT>
+                      <a:noFill/>
+                    </a:lnT>
+                    <a:lnB>
+                      <a:noFill/>
+                    </a:lnB>
+                    <a:solidFill>
+                      <a:srgbClr val="D9D9D9"/>
+                    </a:solidFill>
+                  </a:tcPr>
+                </a:tc>
+                <a:extLst>
+                  <a:ext uri="{0D108BD9-81ED-4DB2-BD59-A6C34878D82A}">
+                    <a16:rowId xmlns:a16="http://schemas.microsoft.com/office/drawing/2014/main" val="2324875595"/>
+                  </a:ext>
+                </a:extLst>
+              </a:tr>
+              <a:tr h="473915">
+                <a:tc>
+                  <a:txBody>
+                    <a:bodyPr/>
+                    <a:lstStyle/>
+                    <a:p>
+                      <a:pPr algn="ctr" fontAlgn="b"/>
+                      <a:r>
+                        <a:rPr lang="en-US" sz="1800" b="1" i="0" u="none" strike="noStrike">
+                          <a:solidFill>
+                            <a:srgbClr val="FFFFFF"/>
+                          </a:solidFill>
+                          <a:effectLst/>
+                          <a:latin typeface="Aptos Narrow" panose="020B0004020202020204" pitchFamily="34" charset="0"/>
+                        </a:rPr>
+                        <a:t>5.0</a:t>
+                      </a:r>
+                    </a:p>
+                  </a:txBody>
+                  <a:tcPr marL="7620" marR="7620" marT="7620" marB="0" anchor="b">
+                    <a:lnL>
+                      <a:noFill/>
+                    </a:lnL>
+                    <a:lnR>
+                      <a:noFill/>
+                    </a:lnR>
+                    <a:lnT>
+                      <a:noFill/>
+                    </a:lnT>
+                    <a:lnB>
+                      <a:noFill/>
+                    </a:lnB>
+                    <a:solidFill>
+                      <a:srgbClr val="A02B93"/>
+                    </a:solidFill>
+                  </a:tcPr>
+                </a:tc>
+                <a:tc>
+                  <a:txBody>
+                    <a:bodyPr/>
+                    <a:lstStyle/>
+                    <a:p>
+                      <a:pPr algn="l" fontAlgn="b"/>
+                      <a:r>
+                        <a:rPr lang="en-US" sz="1800" b="0" i="0" u="none" strike="noStrike">
+                          <a:solidFill>
+                            <a:srgbClr val="000000"/>
+                          </a:solidFill>
+                          <a:effectLst/>
+                          <a:latin typeface="Aptos Narrow" panose="020B0004020202020204" pitchFamily="34" charset="0"/>
+                        </a:rPr>
+                        <a:t>Data Logging</a:t>
+                      </a:r>
+                    </a:p>
+                  </a:txBody>
+                  <a:tcPr marL="7620" marR="7620" marT="7620" marB="0" anchor="b">
+                    <a:lnL>
+                      <a:noFill/>
+                    </a:lnL>
+                    <a:lnR>
+                      <a:noFill/>
+                    </a:lnR>
+                    <a:lnT>
+                      <a:noFill/>
+                    </a:lnT>
+                    <a:lnB>
+                      <a:noFill/>
+                    </a:lnB>
+                    <a:noFill/>
+                  </a:tcPr>
+                </a:tc>
+                <a:tc>
+                  <a:txBody>
+                    <a:bodyPr/>
+                    <a:lstStyle/>
+                    <a:p>
+                      <a:pPr algn="l" fontAlgn="b"/>
+                      <a:r>
+                        <a:rPr lang="en-US" sz="1800" b="0" i="0" u="none" strike="noStrike" dirty="0">
+                          <a:solidFill>
+                            <a:srgbClr val="000000"/>
+                          </a:solidFill>
+                          <a:effectLst/>
+                          <a:latin typeface="Aptos Narrow" panose="020B0004020202020204" pitchFamily="34" charset="0"/>
+                        </a:rPr>
+                        <a:t>Store at least three flights worth of data </a:t>
+                      </a:r>
+                    </a:p>
+                  </a:txBody>
+                  <a:tcPr marL="7620" marR="7620" marT="7620" marB="0" anchor="b">
+                    <a:lnL>
+                      <a:noFill/>
+                    </a:lnL>
+                    <a:lnR>
+                      <a:noFill/>
+                    </a:lnR>
+                    <a:lnT>
+                      <a:noFill/>
+                    </a:lnT>
+                    <a:lnB>
+                      <a:noFill/>
+                    </a:lnB>
+                    <a:noFill/>
+                  </a:tcPr>
+                </a:tc>
+                <a:extLst>
+                  <a:ext uri="{0D108BD9-81ED-4DB2-BD59-A6C34878D82A}">
+                    <a16:rowId xmlns:a16="http://schemas.microsoft.com/office/drawing/2014/main" val="1744430614"/>
+                  </a:ext>
+                </a:extLst>
+              </a:tr>
+              <a:tr h="473915">
+                <a:tc>
+                  <a:txBody>
+                    <a:bodyPr/>
+                    <a:lstStyle/>
+                    <a:p>
+                      <a:pPr algn="ctr" fontAlgn="b"/>
+                      <a:r>
+                        <a:rPr lang="en-US" sz="1800" b="1" i="0" u="none" strike="noStrike">
+                          <a:solidFill>
+                            <a:srgbClr val="FFFFFF"/>
+                          </a:solidFill>
+                          <a:effectLst/>
+                          <a:latin typeface="Aptos Narrow" panose="020B0004020202020204" pitchFamily="34" charset="0"/>
+                        </a:rPr>
+                        <a:t>5.a</a:t>
+                      </a:r>
+                    </a:p>
+                  </a:txBody>
+                  <a:tcPr marL="7620" marR="7620" marT="7620" marB="0" anchor="b">
+                    <a:lnL>
+                      <a:noFill/>
+                    </a:lnL>
+                    <a:lnR>
+                      <a:noFill/>
+                    </a:lnR>
+                    <a:lnT>
+                      <a:noFill/>
+                    </a:lnT>
+                    <a:lnB>
+                      <a:noFill/>
+                    </a:lnB>
+                    <a:solidFill>
+                      <a:srgbClr val="A02B93"/>
+                    </a:solidFill>
+                  </a:tcPr>
+                </a:tc>
+                <a:tc>
+                  <a:txBody>
+                    <a:bodyPr/>
+                    <a:lstStyle/>
+                    <a:p>
+                      <a:pPr algn="l" fontAlgn="b"/>
+                      <a:r>
+                        <a:rPr lang="en-US" sz="1800" b="0" i="0" u="none" strike="noStrike">
+                          <a:solidFill>
+                            <a:srgbClr val="000000"/>
+                          </a:solidFill>
+                          <a:effectLst/>
+                          <a:latin typeface="Aptos Narrow" panose="020B0004020202020204" pitchFamily="34" charset="0"/>
+                        </a:rPr>
+                        <a:t>Data Processing</a:t>
+                      </a:r>
+                    </a:p>
+                  </a:txBody>
+                  <a:tcPr marL="7620" marR="7620" marT="7620" marB="0" anchor="b">
+                    <a:lnL>
+                      <a:noFill/>
+                    </a:lnL>
+                    <a:lnR>
+                      <a:noFill/>
+                    </a:lnR>
+                    <a:lnT>
+                      <a:noFill/>
+                    </a:lnT>
+                    <a:lnB>
+                      <a:noFill/>
+                    </a:lnB>
+                    <a:solidFill>
+                      <a:srgbClr val="D9D9D9"/>
+                    </a:solidFill>
+                  </a:tcPr>
+                </a:tc>
+                <a:tc>
+                  <a:txBody>
+                    <a:bodyPr/>
+                    <a:lstStyle/>
+                    <a:p>
+                      <a:pPr algn="l" fontAlgn="b"/>
+                      <a:r>
+                        <a:rPr lang="en-US" sz="1800" b="0" i="0" u="none" strike="noStrike" dirty="0">
+                          <a:solidFill>
+                            <a:srgbClr val="000000"/>
+                          </a:solidFill>
+                          <a:effectLst/>
+                          <a:latin typeface="Aptos Narrow" panose="020B0004020202020204" pitchFamily="34" charset="0"/>
+                        </a:rPr>
+                        <a:t>Be able to process data from sensors into readable flight data</a:t>
+                      </a:r>
+                    </a:p>
+                  </a:txBody>
+                  <a:tcPr marL="7620" marR="7620" marT="7620" marB="0" anchor="b">
+                    <a:lnL>
+                      <a:noFill/>
+                    </a:lnL>
+                    <a:lnR>
+                      <a:noFill/>
+                    </a:lnR>
+                    <a:lnT>
+                      <a:noFill/>
+                    </a:lnT>
+                    <a:lnB>
+                      <a:noFill/>
+                    </a:lnB>
+                    <a:solidFill>
+                      <a:srgbClr val="D9D9D9"/>
+                    </a:solidFill>
+                  </a:tcPr>
+                </a:tc>
+                <a:extLst>
+                  <a:ext uri="{0D108BD9-81ED-4DB2-BD59-A6C34878D82A}">
+                    <a16:rowId xmlns:a16="http://schemas.microsoft.com/office/drawing/2014/main" val="1350764296"/>
+                  </a:ext>
+                </a:extLst>
+              </a:tr>
+              <a:tr h="473915">
+                <a:tc>
+                  <a:txBody>
+                    <a:bodyPr/>
+                    <a:lstStyle/>
+                    <a:p>
+                      <a:pPr algn="ctr" fontAlgn="b"/>
+                      <a:r>
+                        <a:rPr lang="en-US" sz="1800" b="1" i="0" u="none" strike="noStrike">
+                          <a:solidFill>
+                            <a:srgbClr val="FFFFFF"/>
+                          </a:solidFill>
+                          <a:effectLst/>
+                          <a:latin typeface="Aptos Narrow" panose="020B0004020202020204" pitchFamily="34" charset="0"/>
+                        </a:rPr>
+                        <a:t>5.b</a:t>
+                      </a:r>
+                    </a:p>
+                  </a:txBody>
+                  <a:tcPr marL="7620" marR="7620" marT="7620" marB="0" anchor="b">
+                    <a:lnL>
+                      <a:noFill/>
+                    </a:lnL>
+                    <a:lnR>
+                      <a:noFill/>
+                    </a:lnR>
+                    <a:lnT>
+                      <a:noFill/>
+                    </a:lnT>
+                    <a:lnB w="12700" cap="flat" cmpd="sng" algn="ctr">
+                      <a:solidFill>
+                        <a:srgbClr val="000000"/>
+                      </a:solidFill>
+                      <a:prstDash val="solid"/>
+                      <a:round/>
+                      <a:headEnd type="none" w="med" len="med"/>
+                      <a:tailEnd type="none" w="med" len="med"/>
+                    </a:lnB>
+                    <a:solidFill>
+                      <a:srgbClr val="A02B93"/>
+                    </a:solidFill>
+                  </a:tcPr>
+                </a:tc>
+                <a:tc>
+                  <a:txBody>
+                    <a:bodyPr/>
+                    <a:lstStyle/>
+                    <a:p>
+                      <a:pPr algn="l" fontAlgn="b"/>
+                      <a:r>
+                        <a:rPr lang="en-US" sz="1800" b="0" i="0" u="none" strike="noStrike">
+                          <a:solidFill>
+                            <a:srgbClr val="000000"/>
+                          </a:solidFill>
+                          <a:effectLst/>
+                          <a:latin typeface="Aptos Narrow" panose="020B0004020202020204" pitchFamily="34" charset="0"/>
+                        </a:rPr>
+                        <a:t>Data Export</a:t>
+                      </a:r>
+                    </a:p>
+                  </a:txBody>
+                  <a:tcPr marL="7620" marR="7620" marT="7620" marB="0" anchor="b">
+                    <a:lnL>
+                      <a:noFill/>
+                    </a:lnL>
+                    <a:lnR>
+                      <a:noFill/>
+                    </a:lnR>
+                    <a:lnT>
+                      <a:noFill/>
+                    </a:lnT>
+                    <a:lnB w="12700" cap="flat" cmpd="sng" algn="ctr">
+                      <a:solidFill>
+                        <a:srgbClr val="000000"/>
+                      </a:solidFill>
+                      <a:prstDash val="solid"/>
+                      <a:round/>
+                      <a:headEnd type="none" w="med" len="med"/>
+                      <a:tailEnd type="none" w="med" len="med"/>
+                    </a:lnB>
+                    <a:noFill/>
+                  </a:tcPr>
+                </a:tc>
+                <a:tc>
+                  <a:txBody>
+                    <a:bodyPr/>
+                    <a:lstStyle/>
+                    <a:p>
+                      <a:pPr algn="l" fontAlgn="b"/>
+                      <a:r>
+                        <a:rPr lang="en-US" sz="1800" b="0" i="0" u="none" strike="noStrike" dirty="0">
+                          <a:solidFill>
+                            <a:srgbClr val="000000"/>
+                          </a:solidFill>
+                          <a:effectLst/>
+                          <a:latin typeface="Aptos Narrow" panose="020B0004020202020204" pitchFamily="34" charset="0"/>
+                        </a:rPr>
+                        <a:t>Be able to export that data over serial or visualize over </a:t>
+                      </a:r>
+                      <a:r>
+                        <a:rPr lang="en-US" sz="1800" b="0" i="0" u="none" strike="noStrike" dirty="0" err="1">
+                          <a:solidFill>
+                            <a:srgbClr val="000000"/>
+                          </a:solidFill>
+                          <a:effectLst/>
+                          <a:latin typeface="Aptos Narrow" panose="020B0004020202020204" pitchFamily="34" charset="0"/>
+                        </a:rPr>
+                        <a:t>WiFi</a:t>
+                      </a:r>
+                      <a:endParaRPr lang="en-US" sz="1800" b="0" i="0" u="none" strike="noStrike" dirty="0">
+                        <a:solidFill>
+                          <a:srgbClr val="000000"/>
+                        </a:solidFill>
+                        <a:effectLst/>
+                        <a:latin typeface="Aptos Narrow" panose="020B0004020202020204" pitchFamily="34" charset="0"/>
+                      </a:endParaRPr>
+                    </a:p>
+                  </a:txBody>
+                  <a:tcPr marL="7620" marR="7620" marT="7620" marB="0" anchor="b">
+                    <a:lnL>
+                      <a:noFill/>
+                    </a:lnL>
+                    <a:lnR>
+                      <a:noFill/>
+                    </a:lnR>
+                    <a:lnT>
+                      <a:noFill/>
+                    </a:lnT>
+                    <a:lnB w="12700" cap="flat" cmpd="sng" algn="ctr">
+                      <a:solidFill>
+                        <a:srgbClr val="000000"/>
+                      </a:solidFill>
+                      <a:prstDash val="solid"/>
+                      <a:round/>
+                      <a:headEnd type="none" w="med" len="med"/>
+                      <a:tailEnd type="none" w="med" len="med"/>
+                    </a:lnB>
+                    <a:noFill/>
+                  </a:tcPr>
+                </a:tc>
+                <a:extLst>
+                  <a:ext uri="{0D108BD9-81ED-4DB2-BD59-A6C34878D82A}">
+                    <a16:rowId xmlns:a16="http://schemas.microsoft.com/office/drawing/2014/main" val="176845988"/>
+                  </a:ext>
+                </a:extLst>
+              </a:tr>
+            </a:tbl>
+          </a:graphicData>
+        </a:graphic>
+      </p:graphicFrame>
     </p:spTree>
     <p:extLst>
       <p:ext uri="{BB962C8B-B14F-4D97-AF65-F5344CB8AC3E}">
@@ -5469,7 +6818,7 @@
           <p:cNvPr id="2" name="Title 1">
             <a:extLst>
               <a:ext uri="{FF2B5EF4-FFF2-40B4-BE49-F238E27FC236}">
-                <a16:creationId xmlns:a16="http://schemas.microsoft.com/office/drawing/2014/main" id="{1DA02BB8-01E2-8330-AF3B-A60F3E480F14}"/>
+                <a16:creationId xmlns:a16="http://schemas.microsoft.com/office/drawing/2014/main" id="{7BF0E4F9-0B6D-4881-2999-2D9750AB425C}"/>
               </a:ext>
             </a:extLst>
           </p:cNvPr>
@@ -5487,46 +6836,3143 @@
           <a:p>
             <a:r>
               <a:rPr lang="en-US" dirty="0"/>
-              <a:t>Design Concept 1: Microcontroller</a:t>
+              <a:t>Verification</a:t>
             </a:r>
           </a:p>
         </p:txBody>
       </p:sp>
-      <p:sp>
-        <p:nvSpPr>
-          <p:cNvPr id="3" name="Content Placeholder 2">
+      <p:graphicFrame>
+        <p:nvGraphicFramePr>
+          <p:cNvPr id="4" name="Content Placeholder 3">
             <a:extLst>
               <a:ext uri="{FF2B5EF4-FFF2-40B4-BE49-F238E27FC236}">
-                <a16:creationId xmlns:a16="http://schemas.microsoft.com/office/drawing/2014/main" id="{5C0AC1E4-8DDB-4D15-9516-C3BA994C4CE0}"/>
+                <a16:creationId xmlns:a16="http://schemas.microsoft.com/office/drawing/2014/main" id="{45A39093-3EA7-8A84-CA22-049A6FAA25E1}"/>
               </a:ext>
             </a:extLst>
           </p:cNvPr>
-          <p:cNvSpPr>
-            <a:spLocks noGrp="1"/>
-          </p:cNvSpPr>
+          <p:cNvGraphicFramePr>
+            <a:graphicFrameLocks noGrp="1"/>
+          </p:cNvGraphicFramePr>
           <p:nvPr>
             <p:ph idx="1"/>
+            <p:extLst>
+              <p:ext uri="{D42A27DB-BD31-4B8C-83A1-F6EECF244321}">
+                <p14:modId xmlns:p14="http://schemas.microsoft.com/office/powerpoint/2010/main" val="3444958808"/>
+              </p:ext>
+            </p:extLst>
           </p:nvPr>
-        </p:nvSpPr>
-        <p:spPr/>
-        <p:txBody>
-          <a:bodyPr/>
-          <a:lstStyle/>
-          <a:p>
-            <a:endParaRPr lang="en-US" dirty="0">
-              <a:solidFill>
-                <a:schemeClr val="accent5">
-                  <a:lumMod val="75000"/>
-                </a:schemeClr>
-              </a:solidFill>
-            </a:endParaRPr>
-          </a:p>
-        </p:txBody>
-      </p:sp>
+        </p:nvGraphicFramePr>
+        <p:xfrm>
+          <a:off x="838200" y="1690687"/>
+          <a:ext cx="10515600" cy="4802184"/>
+        </p:xfrm>
+        <a:graphic>
+          <a:graphicData uri="http://schemas.openxmlformats.org/drawingml/2006/table">
+            <a:tbl>
+              <a:tblPr/>
+              <a:tblGrid>
+                <a:gridCol w="593070">
+                  <a:extLst>
+                    <a:ext uri="{9D8B030D-6E8A-4147-A177-3AD203B41FA5}">
+                      <a16:colId xmlns:a16="http://schemas.microsoft.com/office/drawing/2014/main" val="2611307800"/>
+                    </a:ext>
+                  </a:extLst>
+                </a:gridCol>
+                <a:gridCol w="3467182">
+                  <a:extLst>
+                    <a:ext uri="{9D8B030D-6E8A-4147-A177-3AD203B41FA5}">
+                      <a16:colId xmlns:a16="http://schemas.microsoft.com/office/drawing/2014/main" val="1570347125"/>
+                    </a:ext>
+                  </a:extLst>
+                </a:gridCol>
+                <a:gridCol w="1528298">
+                  <a:extLst>
+                    <a:ext uri="{9D8B030D-6E8A-4147-A177-3AD203B41FA5}">
+                      <a16:colId xmlns:a16="http://schemas.microsoft.com/office/drawing/2014/main" val="4028719497"/>
+                    </a:ext>
+                  </a:extLst>
+                </a:gridCol>
+                <a:gridCol w="2075748">
+                  <a:extLst>
+                    <a:ext uri="{9D8B030D-6E8A-4147-A177-3AD203B41FA5}">
+                      <a16:colId xmlns:a16="http://schemas.microsoft.com/office/drawing/2014/main" val="1016407360"/>
+                    </a:ext>
+                  </a:extLst>
+                </a:gridCol>
+                <a:gridCol w="1756402">
+                  <a:extLst>
+                    <a:ext uri="{9D8B030D-6E8A-4147-A177-3AD203B41FA5}">
+                      <a16:colId xmlns:a16="http://schemas.microsoft.com/office/drawing/2014/main" val="1539454266"/>
+                    </a:ext>
+                  </a:extLst>
+                </a:gridCol>
+                <a:gridCol w="1094900">
+                  <a:extLst>
+                    <a:ext uri="{9D8B030D-6E8A-4147-A177-3AD203B41FA5}">
+                      <a16:colId xmlns:a16="http://schemas.microsoft.com/office/drawing/2014/main" val="4243082247"/>
+                    </a:ext>
+                  </a:extLst>
+                </a:gridCol>
+              </a:tblGrid>
+              <a:tr h="533576">
+                <a:tc>
+                  <a:txBody>
+                    <a:bodyPr/>
+                    <a:lstStyle/>
+                    <a:p>
+                      <a:pPr algn="ctr" fontAlgn="b"/>
+                      <a:r>
+                        <a:rPr lang="en-US" sz="2400" b="1" i="0" u="none" strike="noStrike" dirty="0">
+                          <a:solidFill>
+                            <a:srgbClr val="FFFFFF"/>
+                          </a:solidFill>
+                          <a:effectLst/>
+                          <a:latin typeface="Aptos Narrow" panose="020B0004020202020204" pitchFamily="34" charset="0"/>
+                        </a:rPr>
+                        <a:t>ID</a:t>
+                      </a:r>
+                    </a:p>
+                  </a:txBody>
+                  <a:tcPr marL="7620" marR="7620" marT="7620" marB="0" anchor="b">
+                    <a:lnL>
+                      <a:noFill/>
+                    </a:lnL>
+                    <a:lnR w="6350" cap="flat" cmpd="sng" algn="ctr">
+                      <a:solidFill>
+                        <a:srgbClr val="FFFFFF"/>
+                      </a:solidFill>
+                      <a:prstDash val="solid"/>
+                      <a:round/>
+                      <a:headEnd type="none" w="med" len="med"/>
+                      <a:tailEnd type="none" w="med" len="med"/>
+                    </a:lnR>
+                    <a:lnT>
+                      <a:noFill/>
+                    </a:lnT>
+                    <a:lnB w="6350" cap="flat" cmpd="sng" algn="ctr">
+                      <a:solidFill>
+                        <a:srgbClr val="FFFFFF"/>
+                      </a:solidFill>
+                      <a:prstDash val="solid"/>
+                      <a:round/>
+                      <a:headEnd type="none" w="med" len="med"/>
+                      <a:tailEnd type="none" w="med" len="med"/>
+                    </a:lnB>
+                    <a:solidFill>
+                      <a:srgbClr val="A02B93"/>
+                    </a:solidFill>
+                  </a:tcPr>
+                </a:tc>
+                <a:tc>
+                  <a:txBody>
+                    <a:bodyPr/>
+                    <a:lstStyle/>
+                    <a:p>
+                      <a:pPr algn="ctr" fontAlgn="b"/>
+                      <a:r>
+                        <a:rPr lang="en-US" sz="2400" b="1" i="0" u="none" strike="noStrike">
+                          <a:solidFill>
+                            <a:srgbClr val="FFFFFF"/>
+                          </a:solidFill>
+                          <a:effectLst/>
+                          <a:latin typeface="Aptos Narrow" panose="020B0004020202020204" pitchFamily="34" charset="0"/>
+                        </a:rPr>
+                        <a:t>Requirement</a:t>
+                      </a:r>
+                    </a:p>
+                  </a:txBody>
+                  <a:tcPr marL="7620" marR="7620" marT="7620" marB="0" anchor="b">
+                    <a:lnL w="6350" cap="flat" cmpd="sng" algn="ctr">
+                      <a:solidFill>
+                        <a:srgbClr val="FFFFFF"/>
+                      </a:solidFill>
+                      <a:prstDash val="solid"/>
+                      <a:round/>
+                      <a:headEnd type="none" w="med" len="med"/>
+                      <a:tailEnd type="none" w="med" len="med"/>
+                    </a:lnL>
+                    <a:lnR w="6350" cap="flat" cmpd="sng" algn="ctr">
+                      <a:solidFill>
+                        <a:srgbClr val="FFFFFF"/>
+                      </a:solidFill>
+                      <a:prstDash val="solid"/>
+                      <a:round/>
+                      <a:headEnd type="none" w="med" len="med"/>
+                      <a:tailEnd type="none" w="med" len="med"/>
+                    </a:lnR>
+                    <a:lnT>
+                      <a:noFill/>
+                    </a:lnT>
+                    <a:lnB w="6350" cap="flat" cmpd="sng" algn="ctr">
+                      <a:solidFill>
+                        <a:srgbClr val="FFFFFF"/>
+                      </a:solidFill>
+                      <a:prstDash val="solid"/>
+                      <a:round/>
+                      <a:headEnd type="none" w="med" len="med"/>
+                      <a:tailEnd type="none" w="med" len="med"/>
+                    </a:lnB>
+                    <a:solidFill>
+                      <a:srgbClr val="A02B93"/>
+                    </a:solidFill>
+                  </a:tcPr>
+                </a:tc>
+                <a:tc>
+                  <a:txBody>
+                    <a:bodyPr/>
+                    <a:lstStyle/>
+                    <a:p>
+                      <a:pPr algn="ctr" fontAlgn="b"/>
+                      <a:r>
+                        <a:rPr lang="en-US" sz="2400" b="1" i="0" u="none" strike="noStrike">
+                          <a:solidFill>
+                            <a:srgbClr val="FFFFFF"/>
+                          </a:solidFill>
+                          <a:effectLst/>
+                          <a:latin typeface="Aptos Narrow" panose="020B0004020202020204" pitchFamily="34" charset="0"/>
+                        </a:rPr>
+                        <a:t>Analysis</a:t>
+                      </a:r>
+                    </a:p>
+                  </a:txBody>
+                  <a:tcPr marL="7620" marR="7620" marT="7620" marB="0" anchor="b">
+                    <a:lnL w="6350" cap="flat" cmpd="sng" algn="ctr">
+                      <a:solidFill>
+                        <a:srgbClr val="FFFFFF"/>
+                      </a:solidFill>
+                      <a:prstDash val="solid"/>
+                      <a:round/>
+                      <a:headEnd type="none" w="med" len="med"/>
+                      <a:tailEnd type="none" w="med" len="med"/>
+                    </a:lnL>
+                    <a:lnR w="6350" cap="flat" cmpd="sng" algn="ctr">
+                      <a:solidFill>
+                        <a:srgbClr val="FFFFFF"/>
+                      </a:solidFill>
+                      <a:prstDash val="solid"/>
+                      <a:round/>
+                      <a:headEnd type="none" w="med" len="med"/>
+                      <a:tailEnd type="none" w="med" len="med"/>
+                    </a:lnR>
+                    <a:lnT>
+                      <a:noFill/>
+                    </a:lnT>
+                    <a:lnB w="6350" cap="flat" cmpd="sng" algn="ctr">
+                      <a:solidFill>
+                        <a:srgbClr val="FFFFFF"/>
+                      </a:solidFill>
+                      <a:prstDash val="solid"/>
+                      <a:round/>
+                      <a:headEnd type="none" w="med" len="med"/>
+                      <a:tailEnd type="none" w="med" len="med"/>
+                    </a:lnB>
+                    <a:solidFill>
+                      <a:srgbClr val="A02B93"/>
+                    </a:solidFill>
+                  </a:tcPr>
+                </a:tc>
+                <a:tc>
+                  <a:txBody>
+                    <a:bodyPr/>
+                    <a:lstStyle/>
+                    <a:p>
+                      <a:pPr algn="ctr" fontAlgn="b"/>
+                      <a:r>
+                        <a:rPr lang="en-US" sz="2400" b="1" i="0" u="none" strike="noStrike">
+                          <a:solidFill>
+                            <a:srgbClr val="FFFFFF"/>
+                          </a:solidFill>
+                          <a:effectLst/>
+                          <a:latin typeface="Aptos Narrow" panose="020B0004020202020204" pitchFamily="34" charset="0"/>
+                        </a:rPr>
+                        <a:t>Demonstration</a:t>
+                      </a:r>
+                    </a:p>
+                  </a:txBody>
+                  <a:tcPr marL="7620" marR="7620" marT="7620" marB="0" anchor="b">
+                    <a:lnL w="6350" cap="flat" cmpd="sng" algn="ctr">
+                      <a:solidFill>
+                        <a:srgbClr val="FFFFFF"/>
+                      </a:solidFill>
+                      <a:prstDash val="solid"/>
+                      <a:round/>
+                      <a:headEnd type="none" w="med" len="med"/>
+                      <a:tailEnd type="none" w="med" len="med"/>
+                    </a:lnL>
+                    <a:lnR w="6350" cap="flat" cmpd="sng" algn="ctr">
+                      <a:solidFill>
+                        <a:srgbClr val="FFFFFF"/>
+                      </a:solidFill>
+                      <a:prstDash val="solid"/>
+                      <a:round/>
+                      <a:headEnd type="none" w="med" len="med"/>
+                      <a:tailEnd type="none" w="med" len="med"/>
+                    </a:lnR>
+                    <a:lnT>
+                      <a:noFill/>
+                    </a:lnT>
+                    <a:lnB w="6350" cap="flat" cmpd="sng" algn="ctr">
+                      <a:solidFill>
+                        <a:srgbClr val="FFFFFF"/>
+                      </a:solidFill>
+                      <a:prstDash val="solid"/>
+                      <a:round/>
+                      <a:headEnd type="none" w="med" len="med"/>
+                      <a:tailEnd type="none" w="med" len="med"/>
+                    </a:lnB>
+                    <a:solidFill>
+                      <a:srgbClr val="A02B93"/>
+                    </a:solidFill>
+                  </a:tcPr>
+                </a:tc>
+                <a:tc>
+                  <a:txBody>
+                    <a:bodyPr/>
+                    <a:lstStyle/>
+                    <a:p>
+                      <a:pPr algn="ctr" fontAlgn="b"/>
+                      <a:r>
+                        <a:rPr lang="en-US" sz="2400" b="1" i="0" u="none" strike="noStrike">
+                          <a:solidFill>
+                            <a:srgbClr val="FFFFFF"/>
+                          </a:solidFill>
+                          <a:effectLst/>
+                          <a:latin typeface="Aptos Narrow" panose="020B0004020202020204" pitchFamily="34" charset="0"/>
+                        </a:rPr>
+                        <a:t>Inspection</a:t>
+                      </a:r>
+                    </a:p>
+                  </a:txBody>
+                  <a:tcPr marL="7620" marR="7620" marT="7620" marB="0" anchor="b">
+                    <a:lnL w="6350" cap="flat" cmpd="sng" algn="ctr">
+                      <a:solidFill>
+                        <a:srgbClr val="FFFFFF"/>
+                      </a:solidFill>
+                      <a:prstDash val="solid"/>
+                      <a:round/>
+                      <a:headEnd type="none" w="med" len="med"/>
+                      <a:tailEnd type="none" w="med" len="med"/>
+                    </a:lnL>
+                    <a:lnR w="6350" cap="flat" cmpd="sng" algn="ctr">
+                      <a:solidFill>
+                        <a:srgbClr val="FFFFFF"/>
+                      </a:solidFill>
+                      <a:prstDash val="solid"/>
+                      <a:round/>
+                      <a:headEnd type="none" w="med" len="med"/>
+                      <a:tailEnd type="none" w="med" len="med"/>
+                    </a:lnR>
+                    <a:lnT>
+                      <a:noFill/>
+                    </a:lnT>
+                    <a:lnB w="6350" cap="flat" cmpd="sng" algn="ctr">
+                      <a:solidFill>
+                        <a:srgbClr val="FFFFFF"/>
+                      </a:solidFill>
+                      <a:prstDash val="solid"/>
+                      <a:round/>
+                      <a:headEnd type="none" w="med" len="med"/>
+                      <a:tailEnd type="none" w="med" len="med"/>
+                    </a:lnB>
+                    <a:solidFill>
+                      <a:srgbClr val="A02B93"/>
+                    </a:solidFill>
+                  </a:tcPr>
+                </a:tc>
+                <a:tc>
+                  <a:txBody>
+                    <a:bodyPr/>
+                    <a:lstStyle/>
+                    <a:p>
+                      <a:pPr algn="ctr" fontAlgn="b"/>
+                      <a:r>
+                        <a:rPr lang="en-US" sz="2400" b="1" i="0" u="none" strike="noStrike">
+                          <a:solidFill>
+                            <a:srgbClr val="FFFFFF"/>
+                          </a:solidFill>
+                          <a:effectLst/>
+                          <a:latin typeface="Aptos Narrow" panose="020B0004020202020204" pitchFamily="34" charset="0"/>
+                        </a:rPr>
+                        <a:t>Test</a:t>
+                      </a:r>
+                    </a:p>
+                  </a:txBody>
+                  <a:tcPr marL="7620" marR="7620" marT="7620" marB="0" anchor="b">
+                    <a:lnL w="6350" cap="flat" cmpd="sng" algn="ctr">
+                      <a:solidFill>
+                        <a:srgbClr val="FFFFFF"/>
+                      </a:solidFill>
+                      <a:prstDash val="solid"/>
+                      <a:round/>
+                      <a:headEnd type="none" w="med" len="med"/>
+                      <a:tailEnd type="none" w="med" len="med"/>
+                    </a:lnL>
+                    <a:lnR>
+                      <a:noFill/>
+                    </a:lnR>
+                    <a:lnT>
+                      <a:noFill/>
+                    </a:lnT>
+                    <a:lnB w="6350" cap="flat" cmpd="sng" algn="ctr">
+                      <a:solidFill>
+                        <a:srgbClr val="FFFFFF"/>
+                      </a:solidFill>
+                      <a:prstDash val="solid"/>
+                      <a:round/>
+                      <a:headEnd type="none" w="med" len="med"/>
+                      <a:tailEnd type="none" w="med" len="med"/>
+                    </a:lnB>
+                    <a:solidFill>
+                      <a:srgbClr val="A02B93"/>
+                    </a:solidFill>
+                  </a:tcPr>
+                </a:tc>
+                <a:extLst>
+                  <a:ext uri="{0D108BD9-81ED-4DB2-BD59-A6C34878D82A}">
+                    <a16:rowId xmlns:a16="http://schemas.microsoft.com/office/drawing/2014/main" val="4094816173"/>
+                  </a:ext>
+                </a:extLst>
+              </a:tr>
+              <a:tr h="533576">
+                <a:tc>
+                  <a:txBody>
+                    <a:bodyPr/>
+                    <a:lstStyle/>
+                    <a:p>
+                      <a:pPr algn="ctr" fontAlgn="b"/>
+                      <a:r>
+                        <a:rPr lang="en-US" sz="2400" b="1" i="0" u="none" strike="noStrike">
+                          <a:solidFill>
+                            <a:srgbClr val="FFFFFF"/>
+                          </a:solidFill>
+                          <a:effectLst/>
+                          <a:latin typeface="Aptos Narrow" panose="020B0004020202020204" pitchFamily="34" charset="0"/>
+                        </a:rPr>
+                        <a:t>1.0</a:t>
+                      </a:r>
+                    </a:p>
+                  </a:txBody>
+                  <a:tcPr marL="7620" marR="7620" marT="7620" marB="0" anchor="b">
+                    <a:lnL>
+                      <a:noFill/>
+                    </a:lnL>
+                    <a:lnR w="6350" cap="flat" cmpd="sng" algn="ctr">
+                      <a:solidFill>
+                        <a:srgbClr val="FFFFFF"/>
+                      </a:solidFill>
+                      <a:prstDash val="solid"/>
+                      <a:round/>
+                      <a:headEnd type="none" w="med" len="med"/>
+                      <a:tailEnd type="none" w="med" len="med"/>
+                    </a:lnR>
+                    <a:lnT w="6350" cap="flat" cmpd="sng" algn="ctr">
+                      <a:solidFill>
+                        <a:srgbClr val="FFFFFF"/>
+                      </a:solidFill>
+                      <a:prstDash val="solid"/>
+                      <a:round/>
+                      <a:headEnd type="none" w="med" len="med"/>
+                      <a:tailEnd type="none" w="med" len="med"/>
+                    </a:lnT>
+                    <a:lnB w="6350" cap="flat" cmpd="sng" algn="ctr">
+                      <a:solidFill>
+                        <a:srgbClr val="FFFFFF"/>
+                      </a:solidFill>
+                      <a:prstDash val="solid"/>
+                      <a:round/>
+                      <a:headEnd type="none" w="med" len="med"/>
+                      <a:tailEnd type="none" w="med" len="med"/>
+                    </a:lnB>
+                    <a:solidFill>
+                      <a:srgbClr val="A02B93"/>
+                    </a:solidFill>
+                  </a:tcPr>
+                </a:tc>
+                <a:tc>
+                  <a:txBody>
+                    <a:bodyPr/>
+                    <a:lstStyle/>
+                    <a:p>
+                      <a:pPr algn="l" fontAlgn="b"/>
+                      <a:r>
+                        <a:rPr lang="en-US" sz="2400" b="0" i="0" u="none" strike="noStrike" dirty="0">
+                          <a:solidFill>
+                            <a:srgbClr val="000000"/>
+                          </a:solidFill>
+                          <a:effectLst/>
+                          <a:latin typeface="Aptos Narrow" panose="020B0004020202020204" pitchFamily="34" charset="0"/>
+                        </a:rPr>
+                        <a:t>Input Voltage and Current</a:t>
+                      </a:r>
+                    </a:p>
+                  </a:txBody>
+                  <a:tcPr marL="7620" marR="7620" marT="7620" marB="0" anchor="b">
+                    <a:lnL w="6350" cap="flat" cmpd="sng" algn="ctr">
+                      <a:solidFill>
+                        <a:srgbClr val="FFFFFF"/>
+                      </a:solidFill>
+                      <a:prstDash val="solid"/>
+                      <a:round/>
+                      <a:headEnd type="none" w="med" len="med"/>
+                      <a:tailEnd type="none" w="med" len="med"/>
+                    </a:lnL>
+                    <a:lnR w="6350" cap="flat" cmpd="sng" algn="ctr">
+                      <a:solidFill>
+                        <a:srgbClr val="FFFFFF"/>
+                      </a:solidFill>
+                      <a:prstDash val="solid"/>
+                      <a:round/>
+                      <a:headEnd type="none" w="med" len="med"/>
+                      <a:tailEnd type="none" w="med" len="med"/>
+                    </a:lnR>
+                    <a:lnT w="6350" cap="flat" cmpd="sng" algn="ctr">
+                      <a:solidFill>
+                        <a:srgbClr val="FFFFFF"/>
+                      </a:solidFill>
+                      <a:prstDash val="solid"/>
+                      <a:round/>
+                      <a:headEnd type="none" w="med" len="med"/>
+                      <a:tailEnd type="none" w="med" len="med"/>
+                    </a:lnT>
+                    <a:lnB w="6350" cap="flat" cmpd="sng" algn="ctr">
+                      <a:solidFill>
+                        <a:srgbClr val="FFFFFF"/>
+                      </a:solidFill>
+                      <a:prstDash val="solid"/>
+                      <a:round/>
+                      <a:headEnd type="none" w="med" len="med"/>
+                      <a:tailEnd type="none" w="med" len="med"/>
+                    </a:lnB>
+                    <a:solidFill>
+                      <a:srgbClr val="E49EDD"/>
+                    </a:solidFill>
+                  </a:tcPr>
+                </a:tc>
+                <a:tc>
+                  <a:txBody>
+                    <a:bodyPr/>
+                    <a:lstStyle/>
+                    <a:p>
+                      <a:pPr algn="ctr" fontAlgn="b"/>
+                      <a:endParaRPr lang="en-US" sz="2400" b="0" i="0" u="none" strike="noStrike">
+                        <a:solidFill>
+                          <a:srgbClr val="000000"/>
+                        </a:solidFill>
+                        <a:effectLst/>
+                        <a:latin typeface="Aptos Narrow" panose="020B0004020202020204" pitchFamily="34" charset="0"/>
+                      </a:endParaRPr>
+                    </a:p>
+                  </a:txBody>
+                  <a:tcPr marL="7620" marR="7620" marT="7620" marB="0" anchor="b">
+                    <a:lnL w="6350" cap="flat" cmpd="sng" algn="ctr">
+                      <a:solidFill>
+                        <a:srgbClr val="FFFFFF"/>
+                      </a:solidFill>
+                      <a:prstDash val="solid"/>
+                      <a:round/>
+                      <a:headEnd type="none" w="med" len="med"/>
+                      <a:tailEnd type="none" w="med" len="med"/>
+                    </a:lnL>
+                    <a:lnR w="6350" cap="flat" cmpd="sng" algn="ctr">
+                      <a:solidFill>
+                        <a:srgbClr val="FFFFFF"/>
+                      </a:solidFill>
+                      <a:prstDash val="solid"/>
+                      <a:round/>
+                      <a:headEnd type="none" w="med" len="med"/>
+                      <a:tailEnd type="none" w="med" len="med"/>
+                    </a:lnR>
+                    <a:lnT w="6350" cap="flat" cmpd="sng" algn="ctr">
+                      <a:solidFill>
+                        <a:srgbClr val="FFFFFF"/>
+                      </a:solidFill>
+                      <a:prstDash val="solid"/>
+                      <a:round/>
+                      <a:headEnd type="none" w="med" len="med"/>
+                      <a:tailEnd type="none" w="med" len="med"/>
+                    </a:lnT>
+                    <a:lnB w="6350" cap="flat" cmpd="sng" algn="ctr">
+                      <a:solidFill>
+                        <a:srgbClr val="FFFFFF"/>
+                      </a:solidFill>
+                      <a:prstDash val="solid"/>
+                      <a:round/>
+                      <a:headEnd type="none" w="med" len="med"/>
+                      <a:tailEnd type="none" w="med" len="med"/>
+                    </a:lnB>
+                    <a:solidFill>
+                      <a:srgbClr val="E49EDD"/>
+                    </a:solidFill>
+                  </a:tcPr>
+                </a:tc>
+                <a:tc>
+                  <a:txBody>
+                    <a:bodyPr/>
+                    <a:lstStyle/>
+                    <a:p>
+                      <a:pPr algn="ctr" fontAlgn="b"/>
+                      <a:endParaRPr lang="en-US" sz="2400" b="0" i="0" u="none" strike="noStrike">
+                        <a:solidFill>
+                          <a:srgbClr val="000000"/>
+                        </a:solidFill>
+                        <a:effectLst/>
+                        <a:latin typeface="Aptos Narrow" panose="020B0004020202020204" pitchFamily="34" charset="0"/>
+                      </a:endParaRPr>
+                    </a:p>
+                  </a:txBody>
+                  <a:tcPr marL="7620" marR="7620" marT="7620" marB="0" anchor="b">
+                    <a:lnL w="6350" cap="flat" cmpd="sng" algn="ctr">
+                      <a:solidFill>
+                        <a:srgbClr val="FFFFFF"/>
+                      </a:solidFill>
+                      <a:prstDash val="solid"/>
+                      <a:round/>
+                      <a:headEnd type="none" w="med" len="med"/>
+                      <a:tailEnd type="none" w="med" len="med"/>
+                    </a:lnL>
+                    <a:lnR w="6350" cap="flat" cmpd="sng" algn="ctr">
+                      <a:solidFill>
+                        <a:srgbClr val="FFFFFF"/>
+                      </a:solidFill>
+                      <a:prstDash val="solid"/>
+                      <a:round/>
+                      <a:headEnd type="none" w="med" len="med"/>
+                      <a:tailEnd type="none" w="med" len="med"/>
+                    </a:lnR>
+                    <a:lnT w="6350" cap="flat" cmpd="sng" algn="ctr">
+                      <a:solidFill>
+                        <a:srgbClr val="FFFFFF"/>
+                      </a:solidFill>
+                      <a:prstDash val="solid"/>
+                      <a:round/>
+                      <a:headEnd type="none" w="med" len="med"/>
+                      <a:tailEnd type="none" w="med" len="med"/>
+                    </a:lnT>
+                    <a:lnB w="6350" cap="flat" cmpd="sng" algn="ctr">
+                      <a:solidFill>
+                        <a:srgbClr val="FFFFFF"/>
+                      </a:solidFill>
+                      <a:prstDash val="solid"/>
+                      <a:round/>
+                      <a:headEnd type="none" w="med" len="med"/>
+                      <a:tailEnd type="none" w="med" len="med"/>
+                    </a:lnB>
+                    <a:solidFill>
+                      <a:srgbClr val="E49EDD"/>
+                    </a:solidFill>
+                  </a:tcPr>
+                </a:tc>
+                <a:tc>
+                  <a:txBody>
+                    <a:bodyPr/>
+                    <a:lstStyle/>
+                    <a:p>
+                      <a:pPr algn="ctr" fontAlgn="b"/>
+                      <a:endParaRPr lang="en-US" sz="2400" b="0" i="0" u="none" strike="noStrike">
+                        <a:solidFill>
+                          <a:srgbClr val="000000"/>
+                        </a:solidFill>
+                        <a:effectLst/>
+                        <a:latin typeface="Aptos Narrow" panose="020B0004020202020204" pitchFamily="34" charset="0"/>
+                      </a:endParaRPr>
+                    </a:p>
+                  </a:txBody>
+                  <a:tcPr marL="7620" marR="7620" marT="7620" marB="0" anchor="b">
+                    <a:lnL w="6350" cap="flat" cmpd="sng" algn="ctr">
+                      <a:solidFill>
+                        <a:srgbClr val="FFFFFF"/>
+                      </a:solidFill>
+                      <a:prstDash val="solid"/>
+                      <a:round/>
+                      <a:headEnd type="none" w="med" len="med"/>
+                      <a:tailEnd type="none" w="med" len="med"/>
+                    </a:lnL>
+                    <a:lnR w="6350" cap="flat" cmpd="sng" algn="ctr">
+                      <a:solidFill>
+                        <a:srgbClr val="FFFFFF"/>
+                      </a:solidFill>
+                      <a:prstDash val="solid"/>
+                      <a:round/>
+                      <a:headEnd type="none" w="med" len="med"/>
+                      <a:tailEnd type="none" w="med" len="med"/>
+                    </a:lnR>
+                    <a:lnT w="6350" cap="flat" cmpd="sng" algn="ctr">
+                      <a:solidFill>
+                        <a:srgbClr val="FFFFFF"/>
+                      </a:solidFill>
+                      <a:prstDash val="solid"/>
+                      <a:round/>
+                      <a:headEnd type="none" w="med" len="med"/>
+                      <a:tailEnd type="none" w="med" len="med"/>
+                    </a:lnT>
+                    <a:lnB w="6350" cap="flat" cmpd="sng" algn="ctr">
+                      <a:solidFill>
+                        <a:srgbClr val="FFFFFF"/>
+                      </a:solidFill>
+                      <a:prstDash val="solid"/>
+                      <a:round/>
+                      <a:headEnd type="none" w="med" len="med"/>
+                      <a:tailEnd type="none" w="med" len="med"/>
+                    </a:lnB>
+                    <a:solidFill>
+                      <a:srgbClr val="E49EDD"/>
+                    </a:solidFill>
+                  </a:tcPr>
+                </a:tc>
+                <a:tc>
+                  <a:txBody>
+                    <a:bodyPr/>
+                    <a:lstStyle/>
+                    <a:p>
+                      <a:pPr algn="ctr" fontAlgn="b"/>
+                      <a:r>
+                        <a:rPr lang="en-US" sz="2400" b="0" i="0" u="none" strike="noStrike">
+                          <a:solidFill>
+                            <a:srgbClr val="000000"/>
+                          </a:solidFill>
+                          <a:effectLst/>
+                          <a:latin typeface="Aptos Narrow" panose="020B0004020202020204" pitchFamily="34" charset="0"/>
+                        </a:rPr>
+                        <a:t>X</a:t>
+                      </a:r>
+                    </a:p>
+                  </a:txBody>
+                  <a:tcPr marL="7620" marR="7620" marT="7620" marB="0" anchor="b">
+                    <a:lnL w="6350" cap="flat" cmpd="sng" algn="ctr">
+                      <a:solidFill>
+                        <a:srgbClr val="FFFFFF"/>
+                      </a:solidFill>
+                      <a:prstDash val="solid"/>
+                      <a:round/>
+                      <a:headEnd type="none" w="med" len="med"/>
+                      <a:tailEnd type="none" w="med" len="med"/>
+                    </a:lnL>
+                    <a:lnR>
+                      <a:noFill/>
+                    </a:lnR>
+                    <a:lnT w="6350" cap="flat" cmpd="sng" algn="ctr">
+                      <a:solidFill>
+                        <a:srgbClr val="FFFFFF"/>
+                      </a:solidFill>
+                      <a:prstDash val="solid"/>
+                      <a:round/>
+                      <a:headEnd type="none" w="med" len="med"/>
+                      <a:tailEnd type="none" w="med" len="med"/>
+                    </a:lnT>
+                    <a:lnB w="6350" cap="flat" cmpd="sng" algn="ctr">
+                      <a:solidFill>
+                        <a:srgbClr val="FFFFFF"/>
+                      </a:solidFill>
+                      <a:prstDash val="solid"/>
+                      <a:round/>
+                      <a:headEnd type="none" w="med" len="med"/>
+                      <a:tailEnd type="none" w="med" len="med"/>
+                    </a:lnB>
+                    <a:solidFill>
+                      <a:srgbClr val="E49EDD"/>
+                    </a:solidFill>
+                  </a:tcPr>
+                </a:tc>
+                <a:extLst>
+                  <a:ext uri="{0D108BD9-81ED-4DB2-BD59-A6C34878D82A}">
+                    <a16:rowId xmlns:a16="http://schemas.microsoft.com/office/drawing/2014/main" val="2649988076"/>
+                  </a:ext>
+                </a:extLst>
+              </a:tr>
+              <a:tr h="533576">
+                <a:tc>
+                  <a:txBody>
+                    <a:bodyPr/>
+                    <a:lstStyle/>
+                    <a:p>
+                      <a:pPr algn="ctr" fontAlgn="b"/>
+                      <a:r>
+                        <a:rPr lang="en-US" sz="2400" b="1" i="0" u="none" strike="noStrike">
+                          <a:solidFill>
+                            <a:srgbClr val="FFFFFF"/>
+                          </a:solidFill>
+                          <a:effectLst/>
+                          <a:latin typeface="Aptos Narrow" panose="020B0004020202020204" pitchFamily="34" charset="0"/>
+                        </a:rPr>
+                        <a:t>1.a</a:t>
+                      </a:r>
+                    </a:p>
+                  </a:txBody>
+                  <a:tcPr marL="7620" marR="7620" marT="7620" marB="0" anchor="b">
+                    <a:lnL>
+                      <a:noFill/>
+                    </a:lnL>
+                    <a:lnR w="6350" cap="flat" cmpd="sng" algn="ctr">
+                      <a:solidFill>
+                        <a:srgbClr val="FFFFFF"/>
+                      </a:solidFill>
+                      <a:prstDash val="solid"/>
+                      <a:round/>
+                      <a:headEnd type="none" w="med" len="med"/>
+                      <a:tailEnd type="none" w="med" len="med"/>
+                    </a:lnR>
+                    <a:lnT w="6350" cap="flat" cmpd="sng" algn="ctr">
+                      <a:solidFill>
+                        <a:srgbClr val="FFFFFF"/>
+                      </a:solidFill>
+                      <a:prstDash val="solid"/>
+                      <a:round/>
+                      <a:headEnd type="none" w="med" len="med"/>
+                      <a:tailEnd type="none" w="med" len="med"/>
+                    </a:lnT>
+                    <a:lnB w="6350" cap="flat" cmpd="sng" algn="ctr">
+                      <a:solidFill>
+                        <a:srgbClr val="FFFFFF"/>
+                      </a:solidFill>
+                      <a:prstDash val="solid"/>
+                      <a:round/>
+                      <a:headEnd type="none" w="med" len="med"/>
+                      <a:tailEnd type="none" w="med" len="med"/>
+                    </a:lnB>
+                    <a:solidFill>
+                      <a:srgbClr val="A02B93"/>
+                    </a:solidFill>
+                  </a:tcPr>
+                </a:tc>
+                <a:tc>
+                  <a:txBody>
+                    <a:bodyPr/>
+                    <a:lstStyle/>
+                    <a:p>
+                      <a:pPr algn="l" fontAlgn="b"/>
+                      <a:r>
+                        <a:rPr lang="en-US" sz="2400" b="0" i="0" u="none" strike="noStrike" dirty="0">
+                          <a:solidFill>
+                            <a:srgbClr val="000000"/>
+                          </a:solidFill>
+                          <a:effectLst/>
+                          <a:latin typeface="Aptos Narrow" panose="020B0004020202020204" pitchFamily="34" charset="0"/>
+                        </a:rPr>
+                        <a:t>Minimize Power Usage</a:t>
+                      </a:r>
+                    </a:p>
+                  </a:txBody>
+                  <a:tcPr marL="7620" marR="7620" marT="7620" marB="0" anchor="b">
+                    <a:lnL w="6350" cap="flat" cmpd="sng" algn="ctr">
+                      <a:solidFill>
+                        <a:srgbClr val="FFFFFF"/>
+                      </a:solidFill>
+                      <a:prstDash val="solid"/>
+                      <a:round/>
+                      <a:headEnd type="none" w="med" len="med"/>
+                      <a:tailEnd type="none" w="med" len="med"/>
+                    </a:lnL>
+                    <a:lnR w="6350" cap="flat" cmpd="sng" algn="ctr">
+                      <a:solidFill>
+                        <a:srgbClr val="FFFFFF"/>
+                      </a:solidFill>
+                      <a:prstDash val="solid"/>
+                      <a:round/>
+                      <a:headEnd type="none" w="med" len="med"/>
+                      <a:tailEnd type="none" w="med" len="med"/>
+                    </a:lnR>
+                    <a:lnT w="6350" cap="flat" cmpd="sng" algn="ctr">
+                      <a:solidFill>
+                        <a:srgbClr val="FFFFFF"/>
+                      </a:solidFill>
+                      <a:prstDash val="solid"/>
+                      <a:round/>
+                      <a:headEnd type="none" w="med" len="med"/>
+                      <a:tailEnd type="none" w="med" len="med"/>
+                    </a:lnT>
+                    <a:lnB w="6350" cap="flat" cmpd="sng" algn="ctr">
+                      <a:solidFill>
+                        <a:srgbClr val="FFFFFF"/>
+                      </a:solidFill>
+                      <a:prstDash val="solid"/>
+                      <a:round/>
+                      <a:headEnd type="none" w="med" len="med"/>
+                      <a:tailEnd type="none" w="med" len="med"/>
+                    </a:lnB>
+                    <a:solidFill>
+                      <a:srgbClr val="F2CEEF"/>
+                    </a:solidFill>
+                  </a:tcPr>
+                </a:tc>
+                <a:tc>
+                  <a:txBody>
+                    <a:bodyPr/>
+                    <a:lstStyle/>
+                    <a:p>
+                      <a:pPr algn="ctr" fontAlgn="b"/>
+                      <a:endParaRPr lang="en-US" sz="2400" b="0" i="0" u="none" strike="noStrike">
+                        <a:solidFill>
+                          <a:srgbClr val="000000"/>
+                        </a:solidFill>
+                        <a:effectLst/>
+                        <a:latin typeface="Aptos Narrow" panose="020B0004020202020204" pitchFamily="34" charset="0"/>
+                      </a:endParaRPr>
+                    </a:p>
+                  </a:txBody>
+                  <a:tcPr marL="7620" marR="7620" marT="7620" marB="0" anchor="b">
+                    <a:lnL w="6350" cap="flat" cmpd="sng" algn="ctr">
+                      <a:solidFill>
+                        <a:srgbClr val="FFFFFF"/>
+                      </a:solidFill>
+                      <a:prstDash val="solid"/>
+                      <a:round/>
+                      <a:headEnd type="none" w="med" len="med"/>
+                      <a:tailEnd type="none" w="med" len="med"/>
+                    </a:lnL>
+                    <a:lnR w="6350" cap="flat" cmpd="sng" algn="ctr">
+                      <a:solidFill>
+                        <a:srgbClr val="FFFFFF"/>
+                      </a:solidFill>
+                      <a:prstDash val="solid"/>
+                      <a:round/>
+                      <a:headEnd type="none" w="med" len="med"/>
+                      <a:tailEnd type="none" w="med" len="med"/>
+                    </a:lnR>
+                    <a:lnT w="6350" cap="flat" cmpd="sng" algn="ctr">
+                      <a:solidFill>
+                        <a:srgbClr val="FFFFFF"/>
+                      </a:solidFill>
+                      <a:prstDash val="solid"/>
+                      <a:round/>
+                      <a:headEnd type="none" w="med" len="med"/>
+                      <a:tailEnd type="none" w="med" len="med"/>
+                    </a:lnT>
+                    <a:lnB w="6350" cap="flat" cmpd="sng" algn="ctr">
+                      <a:solidFill>
+                        <a:srgbClr val="FFFFFF"/>
+                      </a:solidFill>
+                      <a:prstDash val="solid"/>
+                      <a:round/>
+                      <a:headEnd type="none" w="med" len="med"/>
+                      <a:tailEnd type="none" w="med" len="med"/>
+                    </a:lnB>
+                    <a:solidFill>
+                      <a:srgbClr val="E49EDD"/>
+                    </a:solidFill>
+                  </a:tcPr>
+                </a:tc>
+                <a:tc>
+                  <a:txBody>
+                    <a:bodyPr/>
+                    <a:lstStyle/>
+                    <a:p>
+                      <a:pPr algn="ctr" fontAlgn="b"/>
+                      <a:endParaRPr lang="en-US" sz="2400" b="0" i="0" u="none" strike="noStrike">
+                        <a:solidFill>
+                          <a:srgbClr val="000000"/>
+                        </a:solidFill>
+                        <a:effectLst/>
+                        <a:latin typeface="Aptos Narrow" panose="020B0004020202020204" pitchFamily="34" charset="0"/>
+                      </a:endParaRPr>
+                    </a:p>
+                  </a:txBody>
+                  <a:tcPr marL="7620" marR="7620" marT="7620" marB="0" anchor="b">
+                    <a:lnL w="6350" cap="flat" cmpd="sng" algn="ctr">
+                      <a:solidFill>
+                        <a:srgbClr val="FFFFFF"/>
+                      </a:solidFill>
+                      <a:prstDash val="solid"/>
+                      <a:round/>
+                      <a:headEnd type="none" w="med" len="med"/>
+                      <a:tailEnd type="none" w="med" len="med"/>
+                    </a:lnL>
+                    <a:lnR w="6350" cap="flat" cmpd="sng" algn="ctr">
+                      <a:solidFill>
+                        <a:srgbClr val="FFFFFF"/>
+                      </a:solidFill>
+                      <a:prstDash val="solid"/>
+                      <a:round/>
+                      <a:headEnd type="none" w="med" len="med"/>
+                      <a:tailEnd type="none" w="med" len="med"/>
+                    </a:lnR>
+                    <a:lnT w="6350" cap="flat" cmpd="sng" algn="ctr">
+                      <a:solidFill>
+                        <a:srgbClr val="FFFFFF"/>
+                      </a:solidFill>
+                      <a:prstDash val="solid"/>
+                      <a:round/>
+                      <a:headEnd type="none" w="med" len="med"/>
+                      <a:tailEnd type="none" w="med" len="med"/>
+                    </a:lnT>
+                    <a:lnB w="6350" cap="flat" cmpd="sng" algn="ctr">
+                      <a:solidFill>
+                        <a:srgbClr val="FFFFFF"/>
+                      </a:solidFill>
+                      <a:prstDash val="solid"/>
+                      <a:round/>
+                      <a:headEnd type="none" w="med" len="med"/>
+                      <a:tailEnd type="none" w="med" len="med"/>
+                    </a:lnB>
+                    <a:solidFill>
+                      <a:srgbClr val="F2CEEF"/>
+                    </a:solidFill>
+                  </a:tcPr>
+                </a:tc>
+                <a:tc>
+                  <a:txBody>
+                    <a:bodyPr/>
+                    <a:lstStyle/>
+                    <a:p>
+                      <a:pPr algn="ctr" fontAlgn="b"/>
+                      <a:endParaRPr lang="en-US" sz="2400" b="0" i="0" u="none" strike="noStrike">
+                        <a:solidFill>
+                          <a:srgbClr val="000000"/>
+                        </a:solidFill>
+                        <a:effectLst/>
+                        <a:latin typeface="Aptos Narrow" panose="020B0004020202020204" pitchFamily="34" charset="0"/>
+                      </a:endParaRPr>
+                    </a:p>
+                  </a:txBody>
+                  <a:tcPr marL="7620" marR="7620" marT="7620" marB="0" anchor="b">
+                    <a:lnL w="6350" cap="flat" cmpd="sng" algn="ctr">
+                      <a:solidFill>
+                        <a:srgbClr val="FFFFFF"/>
+                      </a:solidFill>
+                      <a:prstDash val="solid"/>
+                      <a:round/>
+                      <a:headEnd type="none" w="med" len="med"/>
+                      <a:tailEnd type="none" w="med" len="med"/>
+                    </a:lnL>
+                    <a:lnR w="6350" cap="flat" cmpd="sng" algn="ctr">
+                      <a:solidFill>
+                        <a:srgbClr val="FFFFFF"/>
+                      </a:solidFill>
+                      <a:prstDash val="solid"/>
+                      <a:round/>
+                      <a:headEnd type="none" w="med" len="med"/>
+                      <a:tailEnd type="none" w="med" len="med"/>
+                    </a:lnR>
+                    <a:lnT w="6350" cap="flat" cmpd="sng" algn="ctr">
+                      <a:solidFill>
+                        <a:srgbClr val="FFFFFF"/>
+                      </a:solidFill>
+                      <a:prstDash val="solid"/>
+                      <a:round/>
+                      <a:headEnd type="none" w="med" len="med"/>
+                      <a:tailEnd type="none" w="med" len="med"/>
+                    </a:lnT>
+                    <a:lnB w="6350" cap="flat" cmpd="sng" algn="ctr">
+                      <a:solidFill>
+                        <a:srgbClr val="FFFFFF"/>
+                      </a:solidFill>
+                      <a:prstDash val="solid"/>
+                      <a:round/>
+                      <a:headEnd type="none" w="med" len="med"/>
+                      <a:tailEnd type="none" w="med" len="med"/>
+                    </a:lnB>
+                    <a:solidFill>
+                      <a:srgbClr val="E49EDD"/>
+                    </a:solidFill>
+                  </a:tcPr>
+                </a:tc>
+                <a:tc>
+                  <a:txBody>
+                    <a:bodyPr/>
+                    <a:lstStyle/>
+                    <a:p>
+                      <a:pPr algn="ctr" fontAlgn="b"/>
+                      <a:r>
+                        <a:rPr lang="en-US" sz="2400" b="0" i="0" u="none" strike="noStrike">
+                          <a:solidFill>
+                            <a:srgbClr val="000000"/>
+                          </a:solidFill>
+                          <a:effectLst/>
+                          <a:latin typeface="Aptos Narrow" panose="020B0004020202020204" pitchFamily="34" charset="0"/>
+                        </a:rPr>
+                        <a:t>X</a:t>
+                      </a:r>
+                    </a:p>
+                  </a:txBody>
+                  <a:tcPr marL="7620" marR="7620" marT="7620" marB="0" anchor="b">
+                    <a:lnL w="6350" cap="flat" cmpd="sng" algn="ctr">
+                      <a:solidFill>
+                        <a:srgbClr val="FFFFFF"/>
+                      </a:solidFill>
+                      <a:prstDash val="solid"/>
+                      <a:round/>
+                      <a:headEnd type="none" w="med" len="med"/>
+                      <a:tailEnd type="none" w="med" len="med"/>
+                    </a:lnL>
+                    <a:lnR>
+                      <a:noFill/>
+                    </a:lnR>
+                    <a:lnT w="6350" cap="flat" cmpd="sng" algn="ctr">
+                      <a:solidFill>
+                        <a:srgbClr val="FFFFFF"/>
+                      </a:solidFill>
+                      <a:prstDash val="solid"/>
+                      <a:round/>
+                      <a:headEnd type="none" w="med" len="med"/>
+                      <a:tailEnd type="none" w="med" len="med"/>
+                    </a:lnT>
+                    <a:lnB w="6350" cap="flat" cmpd="sng" algn="ctr">
+                      <a:solidFill>
+                        <a:srgbClr val="FFFFFF"/>
+                      </a:solidFill>
+                      <a:prstDash val="solid"/>
+                      <a:round/>
+                      <a:headEnd type="none" w="med" len="med"/>
+                      <a:tailEnd type="none" w="med" len="med"/>
+                    </a:lnB>
+                    <a:solidFill>
+                      <a:srgbClr val="F2CEEF"/>
+                    </a:solidFill>
+                  </a:tcPr>
+                </a:tc>
+                <a:extLst>
+                  <a:ext uri="{0D108BD9-81ED-4DB2-BD59-A6C34878D82A}">
+                    <a16:rowId xmlns:a16="http://schemas.microsoft.com/office/drawing/2014/main" val="2347919238"/>
+                  </a:ext>
+                </a:extLst>
+              </a:tr>
+              <a:tr h="533576">
+                <a:tc>
+                  <a:txBody>
+                    <a:bodyPr/>
+                    <a:lstStyle/>
+                    <a:p>
+                      <a:pPr algn="ctr" fontAlgn="b"/>
+                      <a:r>
+                        <a:rPr lang="en-US" sz="2400" b="1" i="0" u="none" strike="noStrike">
+                          <a:solidFill>
+                            <a:srgbClr val="FFFFFF"/>
+                          </a:solidFill>
+                          <a:effectLst/>
+                          <a:latin typeface="Aptos Narrow" panose="020B0004020202020204" pitchFamily="34" charset="0"/>
+                        </a:rPr>
+                        <a:t>2.0</a:t>
+                      </a:r>
+                    </a:p>
+                  </a:txBody>
+                  <a:tcPr marL="7620" marR="7620" marT="7620" marB="0" anchor="b">
+                    <a:lnL>
+                      <a:noFill/>
+                    </a:lnL>
+                    <a:lnR w="6350" cap="flat" cmpd="sng" algn="ctr">
+                      <a:solidFill>
+                        <a:srgbClr val="FFFFFF"/>
+                      </a:solidFill>
+                      <a:prstDash val="solid"/>
+                      <a:round/>
+                      <a:headEnd type="none" w="med" len="med"/>
+                      <a:tailEnd type="none" w="med" len="med"/>
+                    </a:lnR>
+                    <a:lnT w="6350" cap="flat" cmpd="sng" algn="ctr">
+                      <a:solidFill>
+                        <a:srgbClr val="FFFFFF"/>
+                      </a:solidFill>
+                      <a:prstDash val="solid"/>
+                      <a:round/>
+                      <a:headEnd type="none" w="med" len="med"/>
+                      <a:tailEnd type="none" w="med" len="med"/>
+                    </a:lnT>
+                    <a:lnB w="6350" cap="flat" cmpd="sng" algn="ctr">
+                      <a:solidFill>
+                        <a:srgbClr val="FFFFFF"/>
+                      </a:solidFill>
+                      <a:prstDash val="solid"/>
+                      <a:round/>
+                      <a:headEnd type="none" w="med" len="med"/>
+                      <a:tailEnd type="none" w="med" len="med"/>
+                    </a:lnB>
+                    <a:solidFill>
+                      <a:srgbClr val="A02B93"/>
+                    </a:solidFill>
+                  </a:tcPr>
+                </a:tc>
+                <a:tc>
+                  <a:txBody>
+                    <a:bodyPr/>
+                    <a:lstStyle/>
+                    <a:p>
+                      <a:pPr algn="l" fontAlgn="b"/>
+                      <a:r>
+                        <a:rPr lang="en-US" sz="2400" b="0" i="0" u="none" strike="noStrike">
+                          <a:solidFill>
+                            <a:srgbClr val="000000"/>
+                          </a:solidFill>
+                          <a:effectLst/>
+                          <a:latin typeface="Aptos Narrow" panose="020B0004020202020204" pitchFamily="34" charset="0"/>
+                        </a:rPr>
+                        <a:t>Weight</a:t>
+                      </a:r>
+                    </a:p>
+                  </a:txBody>
+                  <a:tcPr marL="7620" marR="7620" marT="7620" marB="0" anchor="b">
+                    <a:lnL w="6350" cap="flat" cmpd="sng" algn="ctr">
+                      <a:solidFill>
+                        <a:srgbClr val="FFFFFF"/>
+                      </a:solidFill>
+                      <a:prstDash val="solid"/>
+                      <a:round/>
+                      <a:headEnd type="none" w="med" len="med"/>
+                      <a:tailEnd type="none" w="med" len="med"/>
+                    </a:lnL>
+                    <a:lnR w="6350" cap="flat" cmpd="sng" algn="ctr">
+                      <a:solidFill>
+                        <a:srgbClr val="FFFFFF"/>
+                      </a:solidFill>
+                      <a:prstDash val="solid"/>
+                      <a:round/>
+                      <a:headEnd type="none" w="med" len="med"/>
+                      <a:tailEnd type="none" w="med" len="med"/>
+                    </a:lnR>
+                    <a:lnT w="6350" cap="flat" cmpd="sng" algn="ctr">
+                      <a:solidFill>
+                        <a:srgbClr val="FFFFFF"/>
+                      </a:solidFill>
+                      <a:prstDash val="solid"/>
+                      <a:round/>
+                      <a:headEnd type="none" w="med" len="med"/>
+                      <a:tailEnd type="none" w="med" len="med"/>
+                    </a:lnT>
+                    <a:lnB w="6350" cap="flat" cmpd="sng" algn="ctr">
+                      <a:solidFill>
+                        <a:srgbClr val="FFFFFF"/>
+                      </a:solidFill>
+                      <a:prstDash val="solid"/>
+                      <a:round/>
+                      <a:headEnd type="none" w="med" len="med"/>
+                      <a:tailEnd type="none" w="med" len="med"/>
+                    </a:lnB>
+                    <a:solidFill>
+                      <a:srgbClr val="E49EDD"/>
+                    </a:solidFill>
+                  </a:tcPr>
+                </a:tc>
+                <a:tc>
+                  <a:txBody>
+                    <a:bodyPr/>
+                    <a:lstStyle/>
+                    <a:p>
+                      <a:pPr algn="ctr" fontAlgn="b"/>
+                      <a:endParaRPr lang="en-US" sz="2400" b="0" i="0" u="none" strike="noStrike" dirty="0">
+                        <a:solidFill>
+                          <a:srgbClr val="000000"/>
+                        </a:solidFill>
+                        <a:effectLst/>
+                        <a:latin typeface="Aptos Narrow" panose="020B0004020202020204" pitchFamily="34" charset="0"/>
+                      </a:endParaRPr>
+                    </a:p>
+                  </a:txBody>
+                  <a:tcPr marL="7620" marR="7620" marT="7620" marB="0" anchor="b">
+                    <a:lnL w="6350" cap="flat" cmpd="sng" algn="ctr">
+                      <a:solidFill>
+                        <a:srgbClr val="FFFFFF"/>
+                      </a:solidFill>
+                      <a:prstDash val="solid"/>
+                      <a:round/>
+                      <a:headEnd type="none" w="med" len="med"/>
+                      <a:tailEnd type="none" w="med" len="med"/>
+                    </a:lnL>
+                    <a:lnR w="6350" cap="flat" cmpd="sng" algn="ctr">
+                      <a:solidFill>
+                        <a:srgbClr val="FFFFFF"/>
+                      </a:solidFill>
+                      <a:prstDash val="solid"/>
+                      <a:round/>
+                      <a:headEnd type="none" w="med" len="med"/>
+                      <a:tailEnd type="none" w="med" len="med"/>
+                    </a:lnR>
+                    <a:lnT w="6350" cap="flat" cmpd="sng" algn="ctr">
+                      <a:solidFill>
+                        <a:srgbClr val="FFFFFF"/>
+                      </a:solidFill>
+                      <a:prstDash val="solid"/>
+                      <a:round/>
+                      <a:headEnd type="none" w="med" len="med"/>
+                      <a:tailEnd type="none" w="med" len="med"/>
+                    </a:lnT>
+                    <a:lnB w="6350" cap="flat" cmpd="sng" algn="ctr">
+                      <a:solidFill>
+                        <a:srgbClr val="FFFFFF"/>
+                      </a:solidFill>
+                      <a:prstDash val="solid"/>
+                      <a:round/>
+                      <a:headEnd type="none" w="med" len="med"/>
+                      <a:tailEnd type="none" w="med" len="med"/>
+                    </a:lnB>
+                    <a:solidFill>
+                      <a:srgbClr val="E49EDD"/>
+                    </a:solidFill>
+                  </a:tcPr>
+                </a:tc>
+                <a:tc>
+                  <a:txBody>
+                    <a:bodyPr/>
+                    <a:lstStyle/>
+                    <a:p>
+                      <a:pPr algn="ctr" fontAlgn="b"/>
+                      <a:endParaRPr lang="en-US" sz="2400" b="0" i="0" u="none" strike="noStrike">
+                        <a:solidFill>
+                          <a:srgbClr val="000000"/>
+                        </a:solidFill>
+                        <a:effectLst/>
+                        <a:latin typeface="Aptos Narrow" panose="020B0004020202020204" pitchFamily="34" charset="0"/>
+                      </a:endParaRPr>
+                    </a:p>
+                  </a:txBody>
+                  <a:tcPr marL="7620" marR="7620" marT="7620" marB="0" anchor="b">
+                    <a:lnL w="6350" cap="flat" cmpd="sng" algn="ctr">
+                      <a:solidFill>
+                        <a:srgbClr val="FFFFFF"/>
+                      </a:solidFill>
+                      <a:prstDash val="solid"/>
+                      <a:round/>
+                      <a:headEnd type="none" w="med" len="med"/>
+                      <a:tailEnd type="none" w="med" len="med"/>
+                    </a:lnL>
+                    <a:lnR w="6350" cap="flat" cmpd="sng" algn="ctr">
+                      <a:solidFill>
+                        <a:srgbClr val="FFFFFF"/>
+                      </a:solidFill>
+                      <a:prstDash val="solid"/>
+                      <a:round/>
+                      <a:headEnd type="none" w="med" len="med"/>
+                      <a:tailEnd type="none" w="med" len="med"/>
+                    </a:lnR>
+                    <a:lnT w="6350" cap="flat" cmpd="sng" algn="ctr">
+                      <a:solidFill>
+                        <a:srgbClr val="FFFFFF"/>
+                      </a:solidFill>
+                      <a:prstDash val="solid"/>
+                      <a:round/>
+                      <a:headEnd type="none" w="med" len="med"/>
+                      <a:tailEnd type="none" w="med" len="med"/>
+                    </a:lnT>
+                    <a:lnB w="6350" cap="flat" cmpd="sng" algn="ctr">
+                      <a:solidFill>
+                        <a:srgbClr val="FFFFFF"/>
+                      </a:solidFill>
+                      <a:prstDash val="solid"/>
+                      <a:round/>
+                      <a:headEnd type="none" w="med" len="med"/>
+                      <a:tailEnd type="none" w="med" len="med"/>
+                    </a:lnB>
+                    <a:solidFill>
+                      <a:srgbClr val="E49EDD"/>
+                    </a:solidFill>
+                  </a:tcPr>
+                </a:tc>
+                <a:tc>
+                  <a:txBody>
+                    <a:bodyPr/>
+                    <a:lstStyle/>
+                    <a:p>
+                      <a:pPr algn="ctr" fontAlgn="b"/>
+                      <a:r>
+                        <a:rPr lang="en-US" sz="2400" b="0" i="0" u="none" strike="noStrike">
+                          <a:solidFill>
+                            <a:srgbClr val="000000"/>
+                          </a:solidFill>
+                          <a:effectLst/>
+                          <a:latin typeface="Aptos Narrow" panose="020B0004020202020204" pitchFamily="34" charset="0"/>
+                        </a:rPr>
+                        <a:t>X</a:t>
+                      </a:r>
+                    </a:p>
+                  </a:txBody>
+                  <a:tcPr marL="7620" marR="7620" marT="7620" marB="0" anchor="b">
+                    <a:lnL w="6350" cap="flat" cmpd="sng" algn="ctr">
+                      <a:solidFill>
+                        <a:srgbClr val="FFFFFF"/>
+                      </a:solidFill>
+                      <a:prstDash val="solid"/>
+                      <a:round/>
+                      <a:headEnd type="none" w="med" len="med"/>
+                      <a:tailEnd type="none" w="med" len="med"/>
+                    </a:lnL>
+                    <a:lnR w="6350" cap="flat" cmpd="sng" algn="ctr">
+                      <a:solidFill>
+                        <a:srgbClr val="FFFFFF"/>
+                      </a:solidFill>
+                      <a:prstDash val="solid"/>
+                      <a:round/>
+                      <a:headEnd type="none" w="med" len="med"/>
+                      <a:tailEnd type="none" w="med" len="med"/>
+                    </a:lnR>
+                    <a:lnT w="6350" cap="flat" cmpd="sng" algn="ctr">
+                      <a:solidFill>
+                        <a:srgbClr val="FFFFFF"/>
+                      </a:solidFill>
+                      <a:prstDash val="solid"/>
+                      <a:round/>
+                      <a:headEnd type="none" w="med" len="med"/>
+                      <a:tailEnd type="none" w="med" len="med"/>
+                    </a:lnT>
+                    <a:lnB w="6350" cap="flat" cmpd="sng" algn="ctr">
+                      <a:solidFill>
+                        <a:srgbClr val="FFFFFF"/>
+                      </a:solidFill>
+                      <a:prstDash val="solid"/>
+                      <a:round/>
+                      <a:headEnd type="none" w="med" len="med"/>
+                      <a:tailEnd type="none" w="med" len="med"/>
+                    </a:lnB>
+                    <a:solidFill>
+                      <a:srgbClr val="E49EDD"/>
+                    </a:solidFill>
+                  </a:tcPr>
+                </a:tc>
+                <a:tc>
+                  <a:txBody>
+                    <a:bodyPr/>
+                    <a:lstStyle/>
+                    <a:p>
+                      <a:pPr algn="ctr" fontAlgn="b"/>
+                      <a:endParaRPr lang="en-US" sz="2400" b="0" i="0" u="none" strike="noStrike">
+                        <a:solidFill>
+                          <a:srgbClr val="000000"/>
+                        </a:solidFill>
+                        <a:effectLst/>
+                        <a:latin typeface="Aptos Narrow" panose="020B0004020202020204" pitchFamily="34" charset="0"/>
+                      </a:endParaRPr>
+                    </a:p>
+                  </a:txBody>
+                  <a:tcPr marL="7620" marR="7620" marT="7620" marB="0" anchor="b">
+                    <a:lnL w="6350" cap="flat" cmpd="sng" algn="ctr">
+                      <a:solidFill>
+                        <a:srgbClr val="FFFFFF"/>
+                      </a:solidFill>
+                      <a:prstDash val="solid"/>
+                      <a:round/>
+                      <a:headEnd type="none" w="med" len="med"/>
+                      <a:tailEnd type="none" w="med" len="med"/>
+                    </a:lnL>
+                    <a:lnR>
+                      <a:noFill/>
+                    </a:lnR>
+                    <a:lnT w="6350" cap="flat" cmpd="sng" algn="ctr">
+                      <a:solidFill>
+                        <a:srgbClr val="FFFFFF"/>
+                      </a:solidFill>
+                      <a:prstDash val="solid"/>
+                      <a:round/>
+                      <a:headEnd type="none" w="med" len="med"/>
+                      <a:tailEnd type="none" w="med" len="med"/>
+                    </a:lnT>
+                    <a:lnB w="6350" cap="flat" cmpd="sng" algn="ctr">
+                      <a:solidFill>
+                        <a:srgbClr val="FFFFFF"/>
+                      </a:solidFill>
+                      <a:prstDash val="solid"/>
+                      <a:round/>
+                      <a:headEnd type="none" w="med" len="med"/>
+                      <a:tailEnd type="none" w="med" len="med"/>
+                    </a:lnB>
+                    <a:solidFill>
+                      <a:srgbClr val="E49EDD"/>
+                    </a:solidFill>
+                  </a:tcPr>
+                </a:tc>
+                <a:extLst>
+                  <a:ext uri="{0D108BD9-81ED-4DB2-BD59-A6C34878D82A}">
+                    <a16:rowId xmlns:a16="http://schemas.microsoft.com/office/drawing/2014/main" val="3943208909"/>
+                  </a:ext>
+                </a:extLst>
+              </a:tr>
+              <a:tr h="533576">
+                <a:tc>
+                  <a:txBody>
+                    <a:bodyPr/>
+                    <a:lstStyle/>
+                    <a:p>
+                      <a:pPr algn="ctr" fontAlgn="b"/>
+                      <a:r>
+                        <a:rPr lang="en-US" sz="2400" b="1" i="0" u="none" strike="noStrike">
+                          <a:solidFill>
+                            <a:srgbClr val="FFFFFF"/>
+                          </a:solidFill>
+                          <a:effectLst/>
+                          <a:latin typeface="Aptos Narrow" panose="020B0004020202020204" pitchFamily="34" charset="0"/>
+                        </a:rPr>
+                        <a:t>3.0</a:t>
+                      </a:r>
+                    </a:p>
+                  </a:txBody>
+                  <a:tcPr marL="7620" marR="7620" marT="7620" marB="0" anchor="b">
+                    <a:lnL>
+                      <a:noFill/>
+                    </a:lnL>
+                    <a:lnR w="6350" cap="flat" cmpd="sng" algn="ctr">
+                      <a:solidFill>
+                        <a:srgbClr val="FFFFFF"/>
+                      </a:solidFill>
+                      <a:prstDash val="solid"/>
+                      <a:round/>
+                      <a:headEnd type="none" w="med" len="med"/>
+                      <a:tailEnd type="none" w="med" len="med"/>
+                    </a:lnR>
+                    <a:lnT w="6350" cap="flat" cmpd="sng" algn="ctr">
+                      <a:solidFill>
+                        <a:srgbClr val="FFFFFF"/>
+                      </a:solidFill>
+                      <a:prstDash val="solid"/>
+                      <a:round/>
+                      <a:headEnd type="none" w="med" len="med"/>
+                      <a:tailEnd type="none" w="med" len="med"/>
+                    </a:lnT>
+                    <a:lnB w="6350" cap="flat" cmpd="sng" algn="ctr">
+                      <a:solidFill>
+                        <a:srgbClr val="FFFFFF"/>
+                      </a:solidFill>
+                      <a:prstDash val="solid"/>
+                      <a:round/>
+                      <a:headEnd type="none" w="med" len="med"/>
+                      <a:tailEnd type="none" w="med" len="med"/>
+                    </a:lnB>
+                    <a:solidFill>
+                      <a:srgbClr val="A02B93"/>
+                    </a:solidFill>
+                  </a:tcPr>
+                </a:tc>
+                <a:tc>
+                  <a:txBody>
+                    <a:bodyPr/>
+                    <a:lstStyle/>
+                    <a:p>
+                      <a:pPr algn="l" fontAlgn="b"/>
+                      <a:r>
+                        <a:rPr lang="en-US" sz="2400" b="0" i="0" u="none" strike="noStrike">
+                          <a:solidFill>
+                            <a:srgbClr val="000000"/>
+                          </a:solidFill>
+                          <a:effectLst/>
+                          <a:latin typeface="Aptos Narrow" panose="020B0004020202020204" pitchFamily="34" charset="0"/>
+                        </a:rPr>
+                        <a:t>Size</a:t>
+                      </a:r>
+                    </a:p>
+                  </a:txBody>
+                  <a:tcPr marL="7620" marR="7620" marT="7620" marB="0" anchor="b">
+                    <a:lnL w="6350" cap="flat" cmpd="sng" algn="ctr">
+                      <a:solidFill>
+                        <a:srgbClr val="FFFFFF"/>
+                      </a:solidFill>
+                      <a:prstDash val="solid"/>
+                      <a:round/>
+                      <a:headEnd type="none" w="med" len="med"/>
+                      <a:tailEnd type="none" w="med" len="med"/>
+                    </a:lnL>
+                    <a:lnR w="6350" cap="flat" cmpd="sng" algn="ctr">
+                      <a:solidFill>
+                        <a:srgbClr val="FFFFFF"/>
+                      </a:solidFill>
+                      <a:prstDash val="solid"/>
+                      <a:round/>
+                      <a:headEnd type="none" w="med" len="med"/>
+                      <a:tailEnd type="none" w="med" len="med"/>
+                    </a:lnR>
+                    <a:lnT w="6350" cap="flat" cmpd="sng" algn="ctr">
+                      <a:solidFill>
+                        <a:srgbClr val="FFFFFF"/>
+                      </a:solidFill>
+                      <a:prstDash val="solid"/>
+                      <a:round/>
+                      <a:headEnd type="none" w="med" len="med"/>
+                      <a:tailEnd type="none" w="med" len="med"/>
+                    </a:lnT>
+                    <a:lnB w="6350" cap="flat" cmpd="sng" algn="ctr">
+                      <a:solidFill>
+                        <a:srgbClr val="FFFFFF"/>
+                      </a:solidFill>
+                      <a:prstDash val="solid"/>
+                      <a:round/>
+                      <a:headEnd type="none" w="med" len="med"/>
+                      <a:tailEnd type="none" w="med" len="med"/>
+                    </a:lnB>
+                    <a:solidFill>
+                      <a:srgbClr val="F2CEEF"/>
+                    </a:solidFill>
+                  </a:tcPr>
+                </a:tc>
+                <a:tc>
+                  <a:txBody>
+                    <a:bodyPr/>
+                    <a:lstStyle/>
+                    <a:p>
+                      <a:pPr algn="ctr" fontAlgn="b"/>
+                      <a:endParaRPr lang="en-US" sz="2400" b="0" i="0" u="none" strike="noStrike">
+                        <a:solidFill>
+                          <a:srgbClr val="000000"/>
+                        </a:solidFill>
+                        <a:effectLst/>
+                        <a:latin typeface="Aptos Narrow" panose="020B0004020202020204" pitchFamily="34" charset="0"/>
+                      </a:endParaRPr>
+                    </a:p>
+                  </a:txBody>
+                  <a:tcPr marL="7620" marR="7620" marT="7620" marB="0" anchor="b">
+                    <a:lnL w="6350" cap="flat" cmpd="sng" algn="ctr">
+                      <a:solidFill>
+                        <a:srgbClr val="FFFFFF"/>
+                      </a:solidFill>
+                      <a:prstDash val="solid"/>
+                      <a:round/>
+                      <a:headEnd type="none" w="med" len="med"/>
+                      <a:tailEnd type="none" w="med" len="med"/>
+                    </a:lnL>
+                    <a:lnR w="6350" cap="flat" cmpd="sng" algn="ctr">
+                      <a:solidFill>
+                        <a:srgbClr val="FFFFFF"/>
+                      </a:solidFill>
+                      <a:prstDash val="solid"/>
+                      <a:round/>
+                      <a:headEnd type="none" w="med" len="med"/>
+                      <a:tailEnd type="none" w="med" len="med"/>
+                    </a:lnR>
+                    <a:lnT w="6350" cap="flat" cmpd="sng" algn="ctr">
+                      <a:solidFill>
+                        <a:srgbClr val="FFFFFF"/>
+                      </a:solidFill>
+                      <a:prstDash val="solid"/>
+                      <a:round/>
+                      <a:headEnd type="none" w="med" len="med"/>
+                      <a:tailEnd type="none" w="med" len="med"/>
+                    </a:lnT>
+                    <a:lnB w="6350" cap="flat" cmpd="sng" algn="ctr">
+                      <a:solidFill>
+                        <a:srgbClr val="FFFFFF"/>
+                      </a:solidFill>
+                      <a:prstDash val="solid"/>
+                      <a:round/>
+                      <a:headEnd type="none" w="med" len="med"/>
+                      <a:tailEnd type="none" w="med" len="med"/>
+                    </a:lnB>
+                    <a:solidFill>
+                      <a:srgbClr val="E49EDD"/>
+                    </a:solidFill>
+                  </a:tcPr>
+                </a:tc>
+                <a:tc>
+                  <a:txBody>
+                    <a:bodyPr/>
+                    <a:lstStyle/>
+                    <a:p>
+                      <a:pPr algn="ctr" fontAlgn="b"/>
+                      <a:endParaRPr lang="en-US" sz="2400" b="0" i="0" u="none" strike="noStrike" dirty="0">
+                        <a:solidFill>
+                          <a:srgbClr val="000000"/>
+                        </a:solidFill>
+                        <a:effectLst/>
+                        <a:latin typeface="Aptos Narrow" panose="020B0004020202020204" pitchFamily="34" charset="0"/>
+                      </a:endParaRPr>
+                    </a:p>
+                  </a:txBody>
+                  <a:tcPr marL="7620" marR="7620" marT="7620" marB="0" anchor="b">
+                    <a:lnL w="6350" cap="flat" cmpd="sng" algn="ctr">
+                      <a:solidFill>
+                        <a:srgbClr val="FFFFFF"/>
+                      </a:solidFill>
+                      <a:prstDash val="solid"/>
+                      <a:round/>
+                      <a:headEnd type="none" w="med" len="med"/>
+                      <a:tailEnd type="none" w="med" len="med"/>
+                    </a:lnL>
+                    <a:lnR w="6350" cap="flat" cmpd="sng" algn="ctr">
+                      <a:solidFill>
+                        <a:srgbClr val="FFFFFF"/>
+                      </a:solidFill>
+                      <a:prstDash val="solid"/>
+                      <a:round/>
+                      <a:headEnd type="none" w="med" len="med"/>
+                      <a:tailEnd type="none" w="med" len="med"/>
+                    </a:lnR>
+                    <a:lnT w="6350" cap="flat" cmpd="sng" algn="ctr">
+                      <a:solidFill>
+                        <a:srgbClr val="FFFFFF"/>
+                      </a:solidFill>
+                      <a:prstDash val="solid"/>
+                      <a:round/>
+                      <a:headEnd type="none" w="med" len="med"/>
+                      <a:tailEnd type="none" w="med" len="med"/>
+                    </a:lnT>
+                    <a:lnB w="6350" cap="flat" cmpd="sng" algn="ctr">
+                      <a:solidFill>
+                        <a:srgbClr val="FFFFFF"/>
+                      </a:solidFill>
+                      <a:prstDash val="solid"/>
+                      <a:round/>
+                      <a:headEnd type="none" w="med" len="med"/>
+                      <a:tailEnd type="none" w="med" len="med"/>
+                    </a:lnB>
+                    <a:solidFill>
+                      <a:srgbClr val="F2CEEF"/>
+                    </a:solidFill>
+                  </a:tcPr>
+                </a:tc>
+                <a:tc>
+                  <a:txBody>
+                    <a:bodyPr/>
+                    <a:lstStyle/>
+                    <a:p>
+                      <a:pPr algn="ctr" fontAlgn="b"/>
+                      <a:r>
+                        <a:rPr lang="en-US" sz="2400" b="0" i="0" u="none" strike="noStrike">
+                          <a:solidFill>
+                            <a:srgbClr val="000000"/>
+                          </a:solidFill>
+                          <a:effectLst/>
+                          <a:latin typeface="Aptos Narrow" panose="020B0004020202020204" pitchFamily="34" charset="0"/>
+                        </a:rPr>
+                        <a:t>X</a:t>
+                      </a:r>
+                    </a:p>
+                  </a:txBody>
+                  <a:tcPr marL="7620" marR="7620" marT="7620" marB="0" anchor="b">
+                    <a:lnL w="6350" cap="flat" cmpd="sng" algn="ctr">
+                      <a:solidFill>
+                        <a:srgbClr val="FFFFFF"/>
+                      </a:solidFill>
+                      <a:prstDash val="solid"/>
+                      <a:round/>
+                      <a:headEnd type="none" w="med" len="med"/>
+                      <a:tailEnd type="none" w="med" len="med"/>
+                    </a:lnL>
+                    <a:lnR w="6350" cap="flat" cmpd="sng" algn="ctr">
+                      <a:solidFill>
+                        <a:srgbClr val="FFFFFF"/>
+                      </a:solidFill>
+                      <a:prstDash val="solid"/>
+                      <a:round/>
+                      <a:headEnd type="none" w="med" len="med"/>
+                      <a:tailEnd type="none" w="med" len="med"/>
+                    </a:lnR>
+                    <a:lnT w="6350" cap="flat" cmpd="sng" algn="ctr">
+                      <a:solidFill>
+                        <a:srgbClr val="FFFFFF"/>
+                      </a:solidFill>
+                      <a:prstDash val="solid"/>
+                      <a:round/>
+                      <a:headEnd type="none" w="med" len="med"/>
+                      <a:tailEnd type="none" w="med" len="med"/>
+                    </a:lnT>
+                    <a:lnB w="6350" cap="flat" cmpd="sng" algn="ctr">
+                      <a:solidFill>
+                        <a:srgbClr val="FFFFFF"/>
+                      </a:solidFill>
+                      <a:prstDash val="solid"/>
+                      <a:round/>
+                      <a:headEnd type="none" w="med" len="med"/>
+                      <a:tailEnd type="none" w="med" len="med"/>
+                    </a:lnB>
+                    <a:solidFill>
+                      <a:srgbClr val="E49EDD"/>
+                    </a:solidFill>
+                  </a:tcPr>
+                </a:tc>
+                <a:tc>
+                  <a:txBody>
+                    <a:bodyPr/>
+                    <a:lstStyle/>
+                    <a:p>
+                      <a:pPr algn="ctr" fontAlgn="b"/>
+                      <a:endParaRPr lang="en-US" sz="2400" b="0" i="0" u="none" strike="noStrike">
+                        <a:solidFill>
+                          <a:srgbClr val="000000"/>
+                        </a:solidFill>
+                        <a:effectLst/>
+                        <a:latin typeface="Aptos Narrow" panose="020B0004020202020204" pitchFamily="34" charset="0"/>
+                      </a:endParaRPr>
+                    </a:p>
+                  </a:txBody>
+                  <a:tcPr marL="7620" marR="7620" marT="7620" marB="0" anchor="b">
+                    <a:lnL w="6350" cap="flat" cmpd="sng" algn="ctr">
+                      <a:solidFill>
+                        <a:srgbClr val="FFFFFF"/>
+                      </a:solidFill>
+                      <a:prstDash val="solid"/>
+                      <a:round/>
+                      <a:headEnd type="none" w="med" len="med"/>
+                      <a:tailEnd type="none" w="med" len="med"/>
+                    </a:lnL>
+                    <a:lnR>
+                      <a:noFill/>
+                    </a:lnR>
+                    <a:lnT w="6350" cap="flat" cmpd="sng" algn="ctr">
+                      <a:solidFill>
+                        <a:srgbClr val="FFFFFF"/>
+                      </a:solidFill>
+                      <a:prstDash val="solid"/>
+                      <a:round/>
+                      <a:headEnd type="none" w="med" len="med"/>
+                      <a:tailEnd type="none" w="med" len="med"/>
+                    </a:lnT>
+                    <a:lnB w="6350" cap="flat" cmpd="sng" algn="ctr">
+                      <a:solidFill>
+                        <a:srgbClr val="FFFFFF"/>
+                      </a:solidFill>
+                      <a:prstDash val="solid"/>
+                      <a:round/>
+                      <a:headEnd type="none" w="med" len="med"/>
+                      <a:tailEnd type="none" w="med" len="med"/>
+                    </a:lnB>
+                    <a:solidFill>
+                      <a:srgbClr val="F2CEEF"/>
+                    </a:solidFill>
+                  </a:tcPr>
+                </a:tc>
+                <a:extLst>
+                  <a:ext uri="{0D108BD9-81ED-4DB2-BD59-A6C34878D82A}">
+                    <a16:rowId xmlns:a16="http://schemas.microsoft.com/office/drawing/2014/main" val="2653882763"/>
+                  </a:ext>
+                </a:extLst>
+              </a:tr>
+              <a:tr h="533576">
+                <a:tc>
+                  <a:txBody>
+                    <a:bodyPr/>
+                    <a:lstStyle/>
+                    <a:p>
+                      <a:pPr algn="ctr" fontAlgn="b"/>
+                      <a:r>
+                        <a:rPr lang="en-US" sz="2400" b="1" i="0" u="none" strike="noStrike">
+                          <a:solidFill>
+                            <a:srgbClr val="FFFFFF"/>
+                          </a:solidFill>
+                          <a:effectLst/>
+                          <a:latin typeface="Aptos Narrow" panose="020B0004020202020204" pitchFamily="34" charset="0"/>
+                        </a:rPr>
+                        <a:t>4.0</a:t>
+                      </a:r>
+                    </a:p>
+                  </a:txBody>
+                  <a:tcPr marL="7620" marR="7620" marT="7620" marB="0" anchor="b">
+                    <a:lnL>
+                      <a:noFill/>
+                    </a:lnL>
+                    <a:lnR w="6350" cap="flat" cmpd="sng" algn="ctr">
+                      <a:solidFill>
+                        <a:srgbClr val="FFFFFF"/>
+                      </a:solidFill>
+                      <a:prstDash val="solid"/>
+                      <a:round/>
+                      <a:headEnd type="none" w="med" len="med"/>
+                      <a:tailEnd type="none" w="med" len="med"/>
+                    </a:lnR>
+                    <a:lnT w="6350" cap="flat" cmpd="sng" algn="ctr">
+                      <a:solidFill>
+                        <a:srgbClr val="FFFFFF"/>
+                      </a:solidFill>
+                      <a:prstDash val="solid"/>
+                      <a:round/>
+                      <a:headEnd type="none" w="med" len="med"/>
+                      <a:tailEnd type="none" w="med" len="med"/>
+                    </a:lnT>
+                    <a:lnB w="6350" cap="flat" cmpd="sng" algn="ctr">
+                      <a:solidFill>
+                        <a:srgbClr val="FFFFFF"/>
+                      </a:solidFill>
+                      <a:prstDash val="solid"/>
+                      <a:round/>
+                      <a:headEnd type="none" w="med" len="med"/>
+                      <a:tailEnd type="none" w="med" len="med"/>
+                    </a:lnB>
+                    <a:solidFill>
+                      <a:srgbClr val="A02B93"/>
+                    </a:solidFill>
+                  </a:tcPr>
+                </a:tc>
+                <a:tc>
+                  <a:txBody>
+                    <a:bodyPr/>
+                    <a:lstStyle/>
+                    <a:p>
+                      <a:pPr algn="l" fontAlgn="b"/>
+                      <a:r>
+                        <a:rPr lang="en-US" sz="2400" b="0" i="0" u="none" strike="noStrike">
+                          <a:solidFill>
+                            <a:srgbClr val="000000"/>
+                          </a:solidFill>
+                          <a:effectLst/>
+                          <a:latin typeface="Aptos Narrow" panose="020B0004020202020204" pitchFamily="34" charset="0"/>
+                        </a:rPr>
+                        <a:t>Cost</a:t>
+                      </a:r>
+                    </a:p>
+                  </a:txBody>
+                  <a:tcPr marL="7620" marR="7620" marT="7620" marB="0" anchor="b">
+                    <a:lnL w="6350" cap="flat" cmpd="sng" algn="ctr">
+                      <a:solidFill>
+                        <a:srgbClr val="FFFFFF"/>
+                      </a:solidFill>
+                      <a:prstDash val="solid"/>
+                      <a:round/>
+                      <a:headEnd type="none" w="med" len="med"/>
+                      <a:tailEnd type="none" w="med" len="med"/>
+                    </a:lnL>
+                    <a:lnR w="6350" cap="flat" cmpd="sng" algn="ctr">
+                      <a:solidFill>
+                        <a:srgbClr val="FFFFFF"/>
+                      </a:solidFill>
+                      <a:prstDash val="solid"/>
+                      <a:round/>
+                      <a:headEnd type="none" w="med" len="med"/>
+                      <a:tailEnd type="none" w="med" len="med"/>
+                    </a:lnR>
+                    <a:lnT w="6350" cap="flat" cmpd="sng" algn="ctr">
+                      <a:solidFill>
+                        <a:srgbClr val="FFFFFF"/>
+                      </a:solidFill>
+                      <a:prstDash val="solid"/>
+                      <a:round/>
+                      <a:headEnd type="none" w="med" len="med"/>
+                      <a:tailEnd type="none" w="med" len="med"/>
+                    </a:lnT>
+                    <a:lnB w="6350" cap="flat" cmpd="sng" algn="ctr">
+                      <a:solidFill>
+                        <a:srgbClr val="FFFFFF"/>
+                      </a:solidFill>
+                      <a:prstDash val="solid"/>
+                      <a:round/>
+                      <a:headEnd type="none" w="med" len="med"/>
+                      <a:tailEnd type="none" w="med" len="med"/>
+                    </a:lnB>
+                    <a:solidFill>
+                      <a:srgbClr val="E49EDD"/>
+                    </a:solidFill>
+                  </a:tcPr>
+                </a:tc>
+                <a:tc>
+                  <a:txBody>
+                    <a:bodyPr/>
+                    <a:lstStyle/>
+                    <a:p>
+                      <a:pPr algn="ctr" fontAlgn="b"/>
+                      <a:r>
+                        <a:rPr lang="en-US" sz="2400" b="0" i="0" u="none" strike="noStrike">
+                          <a:solidFill>
+                            <a:srgbClr val="000000"/>
+                          </a:solidFill>
+                          <a:effectLst/>
+                          <a:latin typeface="Aptos Narrow" panose="020B0004020202020204" pitchFamily="34" charset="0"/>
+                        </a:rPr>
+                        <a:t>X</a:t>
+                      </a:r>
+                    </a:p>
+                  </a:txBody>
+                  <a:tcPr marL="7620" marR="7620" marT="7620" marB="0" anchor="b">
+                    <a:lnL w="6350" cap="flat" cmpd="sng" algn="ctr">
+                      <a:solidFill>
+                        <a:srgbClr val="FFFFFF"/>
+                      </a:solidFill>
+                      <a:prstDash val="solid"/>
+                      <a:round/>
+                      <a:headEnd type="none" w="med" len="med"/>
+                      <a:tailEnd type="none" w="med" len="med"/>
+                    </a:lnL>
+                    <a:lnR w="6350" cap="flat" cmpd="sng" algn="ctr">
+                      <a:solidFill>
+                        <a:srgbClr val="FFFFFF"/>
+                      </a:solidFill>
+                      <a:prstDash val="solid"/>
+                      <a:round/>
+                      <a:headEnd type="none" w="med" len="med"/>
+                      <a:tailEnd type="none" w="med" len="med"/>
+                    </a:lnR>
+                    <a:lnT w="6350" cap="flat" cmpd="sng" algn="ctr">
+                      <a:solidFill>
+                        <a:srgbClr val="FFFFFF"/>
+                      </a:solidFill>
+                      <a:prstDash val="solid"/>
+                      <a:round/>
+                      <a:headEnd type="none" w="med" len="med"/>
+                      <a:tailEnd type="none" w="med" len="med"/>
+                    </a:lnT>
+                    <a:lnB w="6350" cap="flat" cmpd="sng" algn="ctr">
+                      <a:solidFill>
+                        <a:srgbClr val="FFFFFF"/>
+                      </a:solidFill>
+                      <a:prstDash val="solid"/>
+                      <a:round/>
+                      <a:headEnd type="none" w="med" len="med"/>
+                      <a:tailEnd type="none" w="med" len="med"/>
+                    </a:lnB>
+                    <a:solidFill>
+                      <a:srgbClr val="E49EDD"/>
+                    </a:solidFill>
+                  </a:tcPr>
+                </a:tc>
+                <a:tc>
+                  <a:txBody>
+                    <a:bodyPr/>
+                    <a:lstStyle/>
+                    <a:p>
+                      <a:pPr algn="ctr" fontAlgn="b"/>
+                      <a:endParaRPr lang="en-US" sz="2400" b="0" i="0" u="none" strike="noStrike" dirty="0">
+                        <a:solidFill>
+                          <a:srgbClr val="000000"/>
+                        </a:solidFill>
+                        <a:effectLst/>
+                        <a:latin typeface="Aptos Narrow" panose="020B0004020202020204" pitchFamily="34" charset="0"/>
+                      </a:endParaRPr>
+                    </a:p>
+                  </a:txBody>
+                  <a:tcPr marL="7620" marR="7620" marT="7620" marB="0" anchor="b">
+                    <a:lnL w="6350" cap="flat" cmpd="sng" algn="ctr">
+                      <a:solidFill>
+                        <a:srgbClr val="FFFFFF"/>
+                      </a:solidFill>
+                      <a:prstDash val="solid"/>
+                      <a:round/>
+                      <a:headEnd type="none" w="med" len="med"/>
+                      <a:tailEnd type="none" w="med" len="med"/>
+                    </a:lnL>
+                    <a:lnR w="6350" cap="flat" cmpd="sng" algn="ctr">
+                      <a:solidFill>
+                        <a:srgbClr val="FFFFFF"/>
+                      </a:solidFill>
+                      <a:prstDash val="solid"/>
+                      <a:round/>
+                      <a:headEnd type="none" w="med" len="med"/>
+                      <a:tailEnd type="none" w="med" len="med"/>
+                    </a:lnR>
+                    <a:lnT w="6350" cap="flat" cmpd="sng" algn="ctr">
+                      <a:solidFill>
+                        <a:srgbClr val="FFFFFF"/>
+                      </a:solidFill>
+                      <a:prstDash val="solid"/>
+                      <a:round/>
+                      <a:headEnd type="none" w="med" len="med"/>
+                      <a:tailEnd type="none" w="med" len="med"/>
+                    </a:lnT>
+                    <a:lnB w="6350" cap="flat" cmpd="sng" algn="ctr">
+                      <a:solidFill>
+                        <a:srgbClr val="FFFFFF"/>
+                      </a:solidFill>
+                      <a:prstDash val="solid"/>
+                      <a:round/>
+                      <a:headEnd type="none" w="med" len="med"/>
+                      <a:tailEnd type="none" w="med" len="med"/>
+                    </a:lnB>
+                    <a:solidFill>
+                      <a:srgbClr val="E49EDD"/>
+                    </a:solidFill>
+                  </a:tcPr>
+                </a:tc>
+                <a:tc>
+                  <a:txBody>
+                    <a:bodyPr/>
+                    <a:lstStyle/>
+                    <a:p>
+                      <a:pPr algn="ctr" fontAlgn="b"/>
+                      <a:endParaRPr lang="en-US" sz="2400" b="0" i="0" u="none" strike="noStrike">
+                        <a:solidFill>
+                          <a:srgbClr val="000000"/>
+                        </a:solidFill>
+                        <a:effectLst/>
+                        <a:latin typeface="Aptos Narrow" panose="020B0004020202020204" pitchFamily="34" charset="0"/>
+                      </a:endParaRPr>
+                    </a:p>
+                  </a:txBody>
+                  <a:tcPr marL="7620" marR="7620" marT="7620" marB="0" anchor="b">
+                    <a:lnL w="6350" cap="flat" cmpd="sng" algn="ctr">
+                      <a:solidFill>
+                        <a:srgbClr val="FFFFFF"/>
+                      </a:solidFill>
+                      <a:prstDash val="solid"/>
+                      <a:round/>
+                      <a:headEnd type="none" w="med" len="med"/>
+                      <a:tailEnd type="none" w="med" len="med"/>
+                    </a:lnL>
+                    <a:lnR w="6350" cap="flat" cmpd="sng" algn="ctr">
+                      <a:solidFill>
+                        <a:srgbClr val="FFFFFF"/>
+                      </a:solidFill>
+                      <a:prstDash val="solid"/>
+                      <a:round/>
+                      <a:headEnd type="none" w="med" len="med"/>
+                      <a:tailEnd type="none" w="med" len="med"/>
+                    </a:lnR>
+                    <a:lnT w="6350" cap="flat" cmpd="sng" algn="ctr">
+                      <a:solidFill>
+                        <a:srgbClr val="FFFFFF"/>
+                      </a:solidFill>
+                      <a:prstDash val="solid"/>
+                      <a:round/>
+                      <a:headEnd type="none" w="med" len="med"/>
+                      <a:tailEnd type="none" w="med" len="med"/>
+                    </a:lnT>
+                    <a:lnB w="6350" cap="flat" cmpd="sng" algn="ctr">
+                      <a:solidFill>
+                        <a:srgbClr val="FFFFFF"/>
+                      </a:solidFill>
+                      <a:prstDash val="solid"/>
+                      <a:round/>
+                      <a:headEnd type="none" w="med" len="med"/>
+                      <a:tailEnd type="none" w="med" len="med"/>
+                    </a:lnB>
+                    <a:solidFill>
+                      <a:srgbClr val="E49EDD"/>
+                    </a:solidFill>
+                  </a:tcPr>
+                </a:tc>
+                <a:tc>
+                  <a:txBody>
+                    <a:bodyPr/>
+                    <a:lstStyle/>
+                    <a:p>
+                      <a:pPr algn="ctr" fontAlgn="b"/>
+                      <a:endParaRPr lang="en-US" sz="2400" b="0" i="0" u="none" strike="noStrike">
+                        <a:solidFill>
+                          <a:srgbClr val="000000"/>
+                        </a:solidFill>
+                        <a:effectLst/>
+                        <a:latin typeface="Aptos Narrow" panose="020B0004020202020204" pitchFamily="34" charset="0"/>
+                      </a:endParaRPr>
+                    </a:p>
+                  </a:txBody>
+                  <a:tcPr marL="7620" marR="7620" marT="7620" marB="0" anchor="b">
+                    <a:lnL w="6350" cap="flat" cmpd="sng" algn="ctr">
+                      <a:solidFill>
+                        <a:srgbClr val="FFFFFF"/>
+                      </a:solidFill>
+                      <a:prstDash val="solid"/>
+                      <a:round/>
+                      <a:headEnd type="none" w="med" len="med"/>
+                      <a:tailEnd type="none" w="med" len="med"/>
+                    </a:lnL>
+                    <a:lnR>
+                      <a:noFill/>
+                    </a:lnR>
+                    <a:lnT w="6350" cap="flat" cmpd="sng" algn="ctr">
+                      <a:solidFill>
+                        <a:srgbClr val="FFFFFF"/>
+                      </a:solidFill>
+                      <a:prstDash val="solid"/>
+                      <a:round/>
+                      <a:headEnd type="none" w="med" len="med"/>
+                      <a:tailEnd type="none" w="med" len="med"/>
+                    </a:lnT>
+                    <a:lnB w="6350" cap="flat" cmpd="sng" algn="ctr">
+                      <a:solidFill>
+                        <a:srgbClr val="FFFFFF"/>
+                      </a:solidFill>
+                      <a:prstDash val="solid"/>
+                      <a:round/>
+                      <a:headEnd type="none" w="med" len="med"/>
+                      <a:tailEnd type="none" w="med" len="med"/>
+                    </a:lnB>
+                    <a:solidFill>
+                      <a:srgbClr val="E49EDD"/>
+                    </a:solidFill>
+                  </a:tcPr>
+                </a:tc>
+                <a:extLst>
+                  <a:ext uri="{0D108BD9-81ED-4DB2-BD59-A6C34878D82A}">
+                    <a16:rowId xmlns:a16="http://schemas.microsoft.com/office/drawing/2014/main" val="4242048954"/>
+                  </a:ext>
+                </a:extLst>
+              </a:tr>
+              <a:tr h="533576">
+                <a:tc>
+                  <a:txBody>
+                    <a:bodyPr/>
+                    <a:lstStyle/>
+                    <a:p>
+                      <a:pPr algn="ctr" fontAlgn="b"/>
+                      <a:r>
+                        <a:rPr lang="en-US" sz="2400" b="1" i="0" u="none" strike="noStrike">
+                          <a:solidFill>
+                            <a:srgbClr val="FFFFFF"/>
+                          </a:solidFill>
+                          <a:effectLst/>
+                          <a:latin typeface="Aptos Narrow" panose="020B0004020202020204" pitchFamily="34" charset="0"/>
+                        </a:rPr>
+                        <a:t>5.0</a:t>
+                      </a:r>
+                    </a:p>
+                  </a:txBody>
+                  <a:tcPr marL="7620" marR="7620" marT="7620" marB="0" anchor="b">
+                    <a:lnL>
+                      <a:noFill/>
+                    </a:lnL>
+                    <a:lnR w="6350" cap="flat" cmpd="sng" algn="ctr">
+                      <a:solidFill>
+                        <a:srgbClr val="FFFFFF"/>
+                      </a:solidFill>
+                      <a:prstDash val="solid"/>
+                      <a:round/>
+                      <a:headEnd type="none" w="med" len="med"/>
+                      <a:tailEnd type="none" w="med" len="med"/>
+                    </a:lnR>
+                    <a:lnT w="6350" cap="flat" cmpd="sng" algn="ctr">
+                      <a:solidFill>
+                        <a:srgbClr val="FFFFFF"/>
+                      </a:solidFill>
+                      <a:prstDash val="solid"/>
+                      <a:round/>
+                      <a:headEnd type="none" w="med" len="med"/>
+                      <a:tailEnd type="none" w="med" len="med"/>
+                    </a:lnT>
+                    <a:lnB w="6350" cap="flat" cmpd="sng" algn="ctr">
+                      <a:solidFill>
+                        <a:srgbClr val="FFFFFF"/>
+                      </a:solidFill>
+                      <a:prstDash val="solid"/>
+                      <a:round/>
+                      <a:headEnd type="none" w="med" len="med"/>
+                      <a:tailEnd type="none" w="med" len="med"/>
+                    </a:lnB>
+                    <a:solidFill>
+                      <a:srgbClr val="A02B93"/>
+                    </a:solidFill>
+                  </a:tcPr>
+                </a:tc>
+                <a:tc>
+                  <a:txBody>
+                    <a:bodyPr/>
+                    <a:lstStyle/>
+                    <a:p>
+                      <a:pPr algn="l" fontAlgn="b"/>
+                      <a:r>
+                        <a:rPr lang="en-US" sz="2400" b="0" i="0" u="none" strike="noStrike">
+                          <a:solidFill>
+                            <a:srgbClr val="000000"/>
+                          </a:solidFill>
+                          <a:effectLst/>
+                          <a:latin typeface="Aptos Narrow" panose="020B0004020202020204" pitchFamily="34" charset="0"/>
+                        </a:rPr>
+                        <a:t>Data Logging</a:t>
+                      </a:r>
+                    </a:p>
+                  </a:txBody>
+                  <a:tcPr marL="7620" marR="7620" marT="7620" marB="0" anchor="b">
+                    <a:lnL w="6350" cap="flat" cmpd="sng" algn="ctr">
+                      <a:solidFill>
+                        <a:srgbClr val="FFFFFF"/>
+                      </a:solidFill>
+                      <a:prstDash val="solid"/>
+                      <a:round/>
+                      <a:headEnd type="none" w="med" len="med"/>
+                      <a:tailEnd type="none" w="med" len="med"/>
+                    </a:lnL>
+                    <a:lnR w="6350" cap="flat" cmpd="sng" algn="ctr">
+                      <a:solidFill>
+                        <a:srgbClr val="FFFFFF"/>
+                      </a:solidFill>
+                      <a:prstDash val="solid"/>
+                      <a:round/>
+                      <a:headEnd type="none" w="med" len="med"/>
+                      <a:tailEnd type="none" w="med" len="med"/>
+                    </a:lnR>
+                    <a:lnT w="6350" cap="flat" cmpd="sng" algn="ctr">
+                      <a:solidFill>
+                        <a:srgbClr val="FFFFFF"/>
+                      </a:solidFill>
+                      <a:prstDash val="solid"/>
+                      <a:round/>
+                      <a:headEnd type="none" w="med" len="med"/>
+                      <a:tailEnd type="none" w="med" len="med"/>
+                    </a:lnT>
+                    <a:lnB w="6350" cap="flat" cmpd="sng" algn="ctr">
+                      <a:solidFill>
+                        <a:srgbClr val="FFFFFF"/>
+                      </a:solidFill>
+                      <a:prstDash val="solid"/>
+                      <a:round/>
+                      <a:headEnd type="none" w="med" len="med"/>
+                      <a:tailEnd type="none" w="med" len="med"/>
+                    </a:lnB>
+                    <a:solidFill>
+                      <a:srgbClr val="F2CEEF"/>
+                    </a:solidFill>
+                  </a:tcPr>
+                </a:tc>
+                <a:tc>
+                  <a:txBody>
+                    <a:bodyPr/>
+                    <a:lstStyle/>
+                    <a:p>
+                      <a:pPr algn="ctr" fontAlgn="b"/>
+                      <a:endParaRPr lang="en-US" sz="2400" b="0" i="0" u="none" strike="noStrike">
+                        <a:solidFill>
+                          <a:srgbClr val="000000"/>
+                        </a:solidFill>
+                        <a:effectLst/>
+                        <a:latin typeface="Aptos Narrow" panose="020B0004020202020204" pitchFamily="34" charset="0"/>
+                      </a:endParaRPr>
+                    </a:p>
+                  </a:txBody>
+                  <a:tcPr marL="7620" marR="7620" marT="7620" marB="0" anchor="b">
+                    <a:lnL w="6350" cap="flat" cmpd="sng" algn="ctr">
+                      <a:solidFill>
+                        <a:srgbClr val="FFFFFF"/>
+                      </a:solidFill>
+                      <a:prstDash val="solid"/>
+                      <a:round/>
+                      <a:headEnd type="none" w="med" len="med"/>
+                      <a:tailEnd type="none" w="med" len="med"/>
+                    </a:lnL>
+                    <a:lnR w="6350" cap="flat" cmpd="sng" algn="ctr">
+                      <a:solidFill>
+                        <a:srgbClr val="FFFFFF"/>
+                      </a:solidFill>
+                      <a:prstDash val="solid"/>
+                      <a:round/>
+                      <a:headEnd type="none" w="med" len="med"/>
+                      <a:tailEnd type="none" w="med" len="med"/>
+                    </a:lnR>
+                    <a:lnT w="6350" cap="flat" cmpd="sng" algn="ctr">
+                      <a:solidFill>
+                        <a:srgbClr val="FFFFFF"/>
+                      </a:solidFill>
+                      <a:prstDash val="solid"/>
+                      <a:round/>
+                      <a:headEnd type="none" w="med" len="med"/>
+                      <a:tailEnd type="none" w="med" len="med"/>
+                    </a:lnT>
+                    <a:lnB w="6350" cap="flat" cmpd="sng" algn="ctr">
+                      <a:solidFill>
+                        <a:srgbClr val="FFFFFF"/>
+                      </a:solidFill>
+                      <a:prstDash val="solid"/>
+                      <a:round/>
+                      <a:headEnd type="none" w="med" len="med"/>
+                      <a:tailEnd type="none" w="med" len="med"/>
+                    </a:lnB>
+                    <a:solidFill>
+                      <a:srgbClr val="E49EDD"/>
+                    </a:solidFill>
+                  </a:tcPr>
+                </a:tc>
+                <a:tc>
+                  <a:txBody>
+                    <a:bodyPr/>
+                    <a:lstStyle/>
+                    <a:p>
+                      <a:pPr algn="ctr" fontAlgn="b"/>
+                      <a:endParaRPr lang="en-US" sz="2400" b="0" i="0" u="none" strike="noStrike" dirty="0">
+                        <a:solidFill>
+                          <a:srgbClr val="000000"/>
+                        </a:solidFill>
+                        <a:effectLst/>
+                        <a:latin typeface="Aptos Narrow" panose="020B0004020202020204" pitchFamily="34" charset="0"/>
+                      </a:endParaRPr>
+                    </a:p>
+                  </a:txBody>
+                  <a:tcPr marL="7620" marR="7620" marT="7620" marB="0" anchor="b">
+                    <a:lnL w="6350" cap="flat" cmpd="sng" algn="ctr">
+                      <a:solidFill>
+                        <a:srgbClr val="FFFFFF"/>
+                      </a:solidFill>
+                      <a:prstDash val="solid"/>
+                      <a:round/>
+                      <a:headEnd type="none" w="med" len="med"/>
+                      <a:tailEnd type="none" w="med" len="med"/>
+                    </a:lnL>
+                    <a:lnR w="6350" cap="flat" cmpd="sng" algn="ctr">
+                      <a:solidFill>
+                        <a:srgbClr val="FFFFFF"/>
+                      </a:solidFill>
+                      <a:prstDash val="solid"/>
+                      <a:round/>
+                      <a:headEnd type="none" w="med" len="med"/>
+                      <a:tailEnd type="none" w="med" len="med"/>
+                    </a:lnR>
+                    <a:lnT w="6350" cap="flat" cmpd="sng" algn="ctr">
+                      <a:solidFill>
+                        <a:srgbClr val="FFFFFF"/>
+                      </a:solidFill>
+                      <a:prstDash val="solid"/>
+                      <a:round/>
+                      <a:headEnd type="none" w="med" len="med"/>
+                      <a:tailEnd type="none" w="med" len="med"/>
+                    </a:lnT>
+                    <a:lnB w="6350" cap="flat" cmpd="sng" algn="ctr">
+                      <a:solidFill>
+                        <a:srgbClr val="FFFFFF"/>
+                      </a:solidFill>
+                      <a:prstDash val="solid"/>
+                      <a:round/>
+                      <a:headEnd type="none" w="med" len="med"/>
+                      <a:tailEnd type="none" w="med" len="med"/>
+                    </a:lnB>
+                    <a:solidFill>
+                      <a:srgbClr val="F2CEEF"/>
+                    </a:solidFill>
+                  </a:tcPr>
+                </a:tc>
+                <a:tc>
+                  <a:txBody>
+                    <a:bodyPr/>
+                    <a:lstStyle/>
+                    <a:p>
+                      <a:pPr algn="ctr" fontAlgn="b"/>
+                      <a:endParaRPr lang="en-US" sz="2400" b="0" i="0" u="none" strike="noStrike">
+                        <a:solidFill>
+                          <a:srgbClr val="000000"/>
+                        </a:solidFill>
+                        <a:effectLst/>
+                        <a:latin typeface="Aptos Narrow" panose="020B0004020202020204" pitchFamily="34" charset="0"/>
+                      </a:endParaRPr>
+                    </a:p>
+                  </a:txBody>
+                  <a:tcPr marL="7620" marR="7620" marT="7620" marB="0" anchor="b">
+                    <a:lnL w="6350" cap="flat" cmpd="sng" algn="ctr">
+                      <a:solidFill>
+                        <a:srgbClr val="FFFFFF"/>
+                      </a:solidFill>
+                      <a:prstDash val="solid"/>
+                      <a:round/>
+                      <a:headEnd type="none" w="med" len="med"/>
+                      <a:tailEnd type="none" w="med" len="med"/>
+                    </a:lnL>
+                    <a:lnR w="6350" cap="flat" cmpd="sng" algn="ctr">
+                      <a:solidFill>
+                        <a:srgbClr val="FFFFFF"/>
+                      </a:solidFill>
+                      <a:prstDash val="solid"/>
+                      <a:round/>
+                      <a:headEnd type="none" w="med" len="med"/>
+                      <a:tailEnd type="none" w="med" len="med"/>
+                    </a:lnR>
+                    <a:lnT w="6350" cap="flat" cmpd="sng" algn="ctr">
+                      <a:solidFill>
+                        <a:srgbClr val="FFFFFF"/>
+                      </a:solidFill>
+                      <a:prstDash val="solid"/>
+                      <a:round/>
+                      <a:headEnd type="none" w="med" len="med"/>
+                      <a:tailEnd type="none" w="med" len="med"/>
+                    </a:lnT>
+                    <a:lnB w="6350" cap="flat" cmpd="sng" algn="ctr">
+                      <a:solidFill>
+                        <a:srgbClr val="FFFFFF"/>
+                      </a:solidFill>
+                      <a:prstDash val="solid"/>
+                      <a:round/>
+                      <a:headEnd type="none" w="med" len="med"/>
+                      <a:tailEnd type="none" w="med" len="med"/>
+                    </a:lnB>
+                    <a:solidFill>
+                      <a:srgbClr val="E49EDD"/>
+                    </a:solidFill>
+                  </a:tcPr>
+                </a:tc>
+                <a:tc>
+                  <a:txBody>
+                    <a:bodyPr/>
+                    <a:lstStyle/>
+                    <a:p>
+                      <a:pPr algn="ctr" fontAlgn="b"/>
+                      <a:r>
+                        <a:rPr lang="en-US" sz="2400" b="0" i="0" u="none" strike="noStrike">
+                          <a:solidFill>
+                            <a:srgbClr val="000000"/>
+                          </a:solidFill>
+                          <a:effectLst/>
+                          <a:latin typeface="Aptos Narrow" panose="020B0004020202020204" pitchFamily="34" charset="0"/>
+                        </a:rPr>
+                        <a:t>X</a:t>
+                      </a:r>
+                    </a:p>
+                  </a:txBody>
+                  <a:tcPr marL="7620" marR="7620" marT="7620" marB="0" anchor="b">
+                    <a:lnL w="6350" cap="flat" cmpd="sng" algn="ctr">
+                      <a:solidFill>
+                        <a:srgbClr val="FFFFFF"/>
+                      </a:solidFill>
+                      <a:prstDash val="solid"/>
+                      <a:round/>
+                      <a:headEnd type="none" w="med" len="med"/>
+                      <a:tailEnd type="none" w="med" len="med"/>
+                    </a:lnL>
+                    <a:lnR>
+                      <a:noFill/>
+                    </a:lnR>
+                    <a:lnT w="6350" cap="flat" cmpd="sng" algn="ctr">
+                      <a:solidFill>
+                        <a:srgbClr val="FFFFFF"/>
+                      </a:solidFill>
+                      <a:prstDash val="solid"/>
+                      <a:round/>
+                      <a:headEnd type="none" w="med" len="med"/>
+                      <a:tailEnd type="none" w="med" len="med"/>
+                    </a:lnT>
+                    <a:lnB w="6350" cap="flat" cmpd="sng" algn="ctr">
+                      <a:solidFill>
+                        <a:srgbClr val="FFFFFF"/>
+                      </a:solidFill>
+                      <a:prstDash val="solid"/>
+                      <a:round/>
+                      <a:headEnd type="none" w="med" len="med"/>
+                      <a:tailEnd type="none" w="med" len="med"/>
+                    </a:lnB>
+                    <a:solidFill>
+                      <a:srgbClr val="F2CEEF"/>
+                    </a:solidFill>
+                  </a:tcPr>
+                </a:tc>
+                <a:extLst>
+                  <a:ext uri="{0D108BD9-81ED-4DB2-BD59-A6C34878D82A}">
+                    <a16:rowId xmlns:a16="http://schemas.microsoft.com/office/drawing/2014/main" val="1888693408"/>
+                  </a:ext>
+                </a:extLst>
+              </a:tr>
+              <a:tr h="533576">
+                <a:tc>
+                  <a:txBody>
+                    <a:bodyPr/>
+                    <a:lstStyle/>
+                    <a:p>
+                      <a:pPr algn="ctr" fontAlgn="b"/>
+                      <a:r>
+                        <a:rPr lang="en-US" sz="2400" b="1" i="0" u="none" strike="noStrike">
+                          <a:solidFill>
+                            <a:srgbClr val="FFFFFF"/>
+                          </a:solidFill>
+                          <a:effectLst/>
+                          <a:latin typeface="Aptos Narrow" panose="020B0004020202020204" pitchFamily="34" charset="0"/>
+                        </a:rPr>
+                        <a:t>5.a</a:t>
+                      </a:r>
+                    </a:p>
+                  </a:txBody>
+                  <a:tcPr marL="7620" marR="7620" marT="7620" marB="0" anchor="b">
+                    <a:lnL>
+                      <a:noFill/>
+                    </a:lnL>
+                    <a:lnR w="6350" cap="flat" cmpd="sng" algn="ctr">
+                      <a:solidFill>
+                        <a:srgbClr val="FFFFFF"/>
+                      </a:solidFill>
+                      <a:prstDash val="solid"/>
+                      <a:round/>
+                      <a:headEnd type="none" w="med" len="med"/>
+                      <a:tailEnd type="none" w="med" len="med"/>
+                    </a:lnR>
+                    <a:lnT w="6350" cap="flat" cmpd="sng" algn="ctr">
+                      <a:solidFill>
+                        <a:srgbClr val="FFFFFF"/>
+                      </a:solidFill>
+                      <a:prstDash val="solid"/>
+                      <a:round/>
+                      <a:headEnd type="none" w="med" len="med"/>
+                      <a:tailEnd type="none" w="med" len="med"/>
+                    </a:lnT>
+                    <a:lnB w="6350" cap="flat" cmpd="sng" algn="ctr">
+                      <a:solidFill>
+                        <a:srgbClr val="FFFFFF"/>
+                      </a:solidFill>
+                      <a:prstDash val="solid"/>
+                      <a:round/>
+                      <a:headEnd type="none" w="med" len="med"/>
+                      <a:tailEnd type="none" w="med" len="med"/>
+                    </a:lnB>
+                    <a:solidFill>
+                      <a:srgbClr val="A02B93"/>
+                    </a:solidFill>
+                  </a:tcPr>
+                </a:tc>
+                <a:tc>
+                  <a:txBody>
+                    <a:bodyPr/>
+                    <a:lstStyle/>
+                    <a:p>
+                      <a:pPr algn="l" fontAlgn="b"/>
+                      <a:r>
+                        <a:rPr lang="en-US" sz="2400" b="0" i="0" u="none" strike="noStrike">
+                          <a:solidFill>
+                            <a:srgbClr val="000000"/>
+                          </a:solidFill>
+                          <a:effectLst/>
+                          <a:latin typeface="Aptos Narrow" panose="020B0004020202020204" pitchFamily="34" charset="0"/>
+                        </a:rPr>
+                        <a:t>Data Processing</a:t>
+                      </a:r>
+                    </a:p>
+                  </a:txBody>
+                  <a:tcPr marL="7620" marR="7620" marT="7620" marB="0" anchor="b">
+                    <a:lnL w="6350" cap="flat" cmpd="sng" algn="ctr">
+                      <a:solidFill>
+                        <a:srgbClr val="FFFFFF"/>
+                      </a:solidFill>
+                      <a:prstDash val="solid"/>
+                      <a:round/>
+                      <a:headEnd type="none" w="med" len="med"/>
+                      <a:tailEnd type="none" w="med" len="med"/>
+                    </a:lnL>
+                    <a:lnR w="6350" cap="flat" cmpd="sng" algn="ctr">
+                      <a:solidFill>
+                        <a:srgbClr val="FFFFFF"/>
+                      </a:solidFill>
+                      <a:prstDash val="solid"/>
+                      <a:round/>
+                      <a:headEnd type="none" w="med" len="med"/>
+                      <a:tailEnd type="none" w="med" len="med"/>
+                    </a:lnR>
+                    <a:lnT w="6350" cap="flat" cmpd="sng" algn="ctr">
+                      <a:solidFill>
+                        <a:srgbClr val="FFFFFF"/>
+                      </a:solidFill>
+                      <a:prstDash val="solid"/>
+                      <a:round/>
+                      <a:headEnd type="none" w="med" len="med"/>
+                      <a:tailEnd type="none" w="med" len="med"/>
+                    </a:lnT>
+                    <a:lnB w="6350" cap="flat" cmpd="sng" algn="ctr">
+                      <a:solidFill>
+                        <a:srgbClr val="FFFFFF"/>
+                      </a:solidFill>
+                      <a:prstDash val="solid"/>
+                      <a:round/>
+                      <a:headEnd type="none" w="med" len="med"/>
+                      <a:tailEnd type="none" w="med" len="med"/>
+                    </a:lnB>
+                    <a:solidFill>
+                      <a:srgbClr val="E49EDD"/>
+                    </a:solidFill>
+                  </a:tcPr>
+                </a:tc>
+                <a:tc>
+                  <a:txBody>
+                    <a:bodyPr/>
+                    <a:lstStyle/>
+                    <a:p>
+                      <a:pPr algn="ctr" fontAlgn="b"/>
+                      <a:endParaRPr lang="en-US" sz="2400" b="0" i="0" u="none" strike="noStrike">
+                        <a:solidFill>
+                          <a:srgbClr val="000000"/>
+                        </a:solidFill>
+                        <a:effectLst/>
+                        <a:latin typeface="Aptos Narrow" panose="020B0004020202020204" pitchFamily="34" charset="0"/>
+                      </a:endParaRPr>
+                    </a:p>
+                  </a:txBody>
+                  <a:tcPr marL="7620" marR="7620" marT="7620" marB="0" anchor="b">
+                    <a:lnL w="6350" cap="flat" cmpd="sng" algn="ctr">
+                      <a:solidFill>
+                        <a:srgbClr val="FFFFFF"/>
+                      </a:solidFill>
+                      <a:prstDash val="solid"/>
+                      <a:round/>
+                      <a:headEnd type="none" w="med" len="med"/>
+                      <a:tailEnd type="none" w="med" len="med"/>
+                    </a:lnL>
+                    <a:lnR w="6350" cap="flat" cmpd="sng" algn="ctr">
+                      <a:solidFill>
+                        <a:srgbClr val="FFFFFF"/>
+                      </a:solidFill>
+                      <a:prstDash val="solid"/>
+                      <a:round/>
+                      <a:headEnd type="none" w="med" len="med"/>
+                      <a:tailEnd type="none" w="med" len="med"/>
+                    </a:lnR>
+                    <a:lnT w="6350" cap="flat" cmpd="sng" algn="ctr">
+                      <a:solidFill>
+                        <a:srgbClr val="FFFFFF"/>
+                      </a:solidFill>
+                      <a:prstDash val="solid"/>
+                      <a:round/>
+                      <a:headEnd type="none" w="med" len="med"/>
+                      <a:tailEnd type="none" w="med" len="med"/>
+                    </a:lnT>
+                    <a:lnB w="6350" cap="flat" cmpd="sng" algn="ctr">
+                      <a:solidFill>
+                        <a:srgbClr val="FFFFFF"/>
+                      </a:solidFill>
+                      <a:prstDash val="solid"/>
+                      <a:round/>
+                      <a:headEnd type="none" w="med" len="med"/>
+                      <a:tailEnd type="none" w="med" len="med"/>
+                    </a:lnB>
+                    <a:solidFill>
+                      <a:srgbClr val="E49EDD"/>
+                    </a:solidFill>
+                  </a:tcPr>
+                </a:tc>
+                <a:tc>
+                  <a:txBody>
+                    <a:bodyPr/>
+                    <a:lstStyle/>
+                    <a:p>
+                      <a:pPr algn="ctr" fontAlgn="b"/>
+                      <a:endParaRPr lang="en-US" sz="2400" b="0" i="0" u="none" strike="noStrike" dirty="0">
+                        <a:solidFill>
+                          <a:srgbClr val="000000"/>
+                        </a:solidFill>
+                        <a:effectLst/>
+                        <a:latin typeface="Aptos Narrow" panose="020B0004020202020204" pitchFamily="34" charset="0"/>
+                      </a:endParaRPr>
+                    </a:p>
+                  </a:txBody>
+                  <a:tcPr marL="7620" marR="7620" marT="7620" marB="0" anchor="b">
+                    <a:lnL w="6350" cap="flat" cmpd="sng" algn="ctr">
+                      <a:solidFill>
+                        <a:srgbClr val="FFFFFF"/>
+                      </a:solidFill>
+                      <a:prstDash val="solid"/>
+                      <a:round/>
+                      <a:headEnd type="none" w="med" len="med"/>
+                      <a:tailEnd type="none" w="med" len="med"/>
+                    </a:lnL>
+                    <a:lnR w="6350" cap="flat" cmpd="sng" algn="ctr">
+                      <a:solidFill>
+                        <a:srgbClr val="FFFFFF"/>
+                      </a:solidFill>
+                      <a:prstDash val="solid"/>
+                      <a:round/>
+                      <a:headEnd type="none" w="med" len="med"/>
+                      <a:tailEnd type="none" w="med" len="med"/>
+                    </a:lnR>
+                    <a:lnT w="6350" cap="flat" cmpd="sng" algn="ctr">
+                      <a:solidFill>
+                        <a:srgbClr val="FFFFFF"/>
+                      </a:solidFill>
+                      <a:prstDash val="solid"/>
+                      <a:round/>
+                      <a:headEnd type="none" w="med" len="med"/>
+                      <a:tailEnd type="none" w="med" len="med"/>
+                    </a:lnT>
+                    <a:lnB w="6350" cap="flat" cmpd="sng" algn="ctr">
+                      <a:solidFill>
+                        <a:srgbClr val="FFFFFF"/>
+                      </a:solidFill>
+                      <a:prstDash val="solid"/>
+                      <a:round/>
+                      <a:headEnd type="none" w="med" len="med"/>
+                      <a:tailEnd type="none" w="med" len="med"/>
+                    </a:lnB>
+                    <a:solidFill>
+                      <a:srgbClr val="E49EDD"/>
+                    </a:solidFill>
+                  </a:tcPr>
+                </a:tc>
+                <a:tc>
+                  <a:txBody>
+                    <a:bodyPr/>
+                    <a:lstStyle/>
+                    <a:p>
+                      <a:pPr algn="ctr" fontAlgn="b"/>
+                      <a:endParaRPr lang="en-US" sz="2400" b="0" i="0" u="none" strike="noStrike" dirty="0">
+                        <a:solidFill>
+                          <a:srgbClr val="000000"/>
+                        </a:solidFill>
+                        <a:effectLst/>
+                        <a:latin typeface="Aptos Narrow" panose="020B0004020202020204" pitchFamily="34" charset="0"/>
+                      </a:endParaRPr>
+                    </a:p>
+                  </a:txBody>
+                  <a:tcPr marL="7620" marR="7620" marT="7620" marB="0" anchor="b">
+                    <a:lnL w="6350" cap="flat" cmpd="sng" algn="ctr">
+                      <a:solidFill>
+                        <a:srgbClr val="FFFFFF"/>
+                      </a:solidFill>
+                      <a:prstDash val="solid"/>
+                      <a:round/>
+                      <a:headEnd type="none" w="med" len="med"/>
+                      <a:tailEnd type="none" w="med" len="med"/>
+                    </a:lnL>
+                    <a:lnR w="6350" cap="flat" cmpd="sng" algn="ctr">
+                      <a:solidFill>
+                        <a:srgbClr val="FFFFFF"/>
+                      </a:solidFill>
+                      <a:prstDash val="solid"/>
+                      <a:round/>
+                      <a:headEnd type="none" w="med" len="med"/>
+                      <a:tailEnd type="none" w="med" len="med"/>
+                    </a:lnR>
+                    <a:lnT w="6350" cap="flat" cmpd="sng" algn="ctr">
+                      <a:solidFill>
+                        <a:srgbClr val="FFFFFF"/>
+                      </a:solidFill>
+                      <a:prstDash val="solid"/>
+                      <a:round/>
+                      <a:headEnd type="none" w="med" len="med"/>
+                      <a:tailEnd type="none" w="med" len="med"/>
+                    </a:lnT>
+                    <a:lnB w="6350" cap="flat" cmpd="sng" algn="ctr">
+                      <a:solidFill>
+                        <a:srgbClr val="FFFFFF"/>
+                      </a:solidFill>
+                      <a:prstDash val="solid"/>
+                      <a:round/>
+                      <a:headEnd type="none" w="med" len="med"/>
+                      <a:tailEnd type="none" w="med" len="med"/>
+                    </a:lnB>
+                    <a:solidFill>
+                      <a:srgbClr val="E49EDD"/>
+                    </a:solidFill>
+                  </a:tcPr>
+                </a:tc>
+                <a:tc>
+                  <a:txBody>
+                    <a:bodyPr/>
+                    <a:lstStyle/>
+                    <a:p>
+                      <a:pPr algn="ctr" fontAlgn="b"/>
+                      <a:r>
+                        <a:rPr lang="en-US" sz="2400" b="0" i="0" u="none" strike="noStrike">
+                          <a:solidFill>
+                            <a:srgbClr val="000000"/>
+                          </a:solidFill>
+                          <a:effectLst/>
+                          <a:latin typeface="Aptos Narrow" panose="020B0004020202020204" pitchFamily="34" charset="0"/>
+                        </a:rPr>
+                        <a:t>X</a:t>
+                      </a:r>
+                    </a:p>
+                  </a:txBody>
+                  <a:tcPr marL="7620" marR="7620" marT="7620" marB="0" anchor="b">
+                    <a:lnL w="6350" cap="flat" cmpd="sng" algn="ctr">
+                      <a:solidFill>
+                        <a:srgbClr val="FFFFFF"/>
+                      </a:solidFill>
+                      <a:prstDash val="solid"/>
+                      <a:round/>
+                      <a:headEnd type="none" w="med" len="med"/>
+                      <a:tailEnd type="none" w="med" len="med"/>
+                    </a:lnL>
+                    <a:lnR>
+                      <a:noFill/>
+                    </a:lnR>
+                    <a:lnT w="6350" cap="flat" cmpd="sng" algn="ctr">
+                      <a:solidFill>
+                        <a:srgbClr val="FFFFFF"/>
+                      </a:solidFill>
+                      <a:prstDash val="solid"/>
+                      <a:round/>
+                      <a:headEnd type="none" w="med" len="med"/>
+                      <a:tailEnd type="none" w="med" len="med"/>
+                    </a:lnT>
+                    <a:lnB w="6350" cap="flat" cmpd="sng" algn="ctr">
+                      <a:solidFill>
+                        <a:srgbClr val="FFFFFF"/>
+                      </a:solidFill>
+                      <a:prstDash val="solid"/>
+                      <a:round/>
+                      <a:headEnd type="none" w="med" len="med"/>
+                      <a:tailEnd type="none" w="med" len="med"/>
+                    </a:lnB>
+                    <a:solidFill>
+                      <a:srgbClr val="E49EDD"/>
+                    </a:solidFill>
+                  </a:tcPr>
+                </a:tc>
+                <a:extLst>
+                  <a:ext uri="{0D108BD9-81ED-4DB2-BD59-A6C34878D82A}">
+                    <a16:rowId xmlns:a16="http://schemas.microsoft.com/office/drawing/2014/main" val="1525503988"/>
+                  </a:ext>
+                </a:extLst>
+              </a:tr>
+              <a:tr h="533576">
+                <a:tc>
+                  <a:txBody>
+                    <a:bodyPr/>
+                    <a:lstStyle/>
+                    <a:p>
+                      <a:pPr algn="ctr" fontAlgn="b"/>
+                      <a:r>
+                        <a:rPr lang="en-US" sz="2400" b="1" i="0" u="none" strike="noStrike">
+                          <a:solidFill>
+                            <a:srgbClr val="FFFFFF"/>
+                          </a:solidFill>
+                          <a:effectLst/>
+                          <a:latin typeface="Aptos Narrow" panose="020B0004020202020204" pitchFamily="34" charset="0"/>
+                        </a:rPr>
+                        <a:t>5.b</a:t>
+                      </a:r>
+                    </a:p>
+                  </a:txBody>
+                  <a:tcPr marL="7620" marR="7620" marT="7620" marB="0" anchor="b">
+                    <a:lnL>
+                      <a:noFill/>
+                    </a:lnL>
+                    <a:lnR w="6350" cap="flat" cmpd="sng" algn="ctr">
+                      <a:solidFill>
+                        <a:srgbClr val="FFFFFF"/>
+                      </a:solidFill>
+                      <a:prstDash val="solid"/>
+                      <a:round/>
+                      <a:headEnd type="none" w="med" len="med"/>
+                      <a:tailEnd type="none" w="med" len="med"/>
+                    </a:lnR>
+                    <a:lnT w="6350" cap="flat" cmpd="sng" algn="ctr">
+                      <a:solidFill>
+                        <a:srgbClr val="FFFFFF"/>
+                      </a:solidFill>
+                      <a:prstDash val="solid"/>
+                      <a:round/>
+                      <a:headEnd type="none" w="med" len="med"/>
+                      <a:tailEnd type="none" w="med" len="med"/>
+                    </a:lnT>
+                    <a:lnB>
+                      <a:noFill/>
+                    </a:lnB>
+                    <a:solidFill>
+                      <a:srgbClr val="A02B93"/>
+                    </a:solidFill>
+                  </a:tcPr>
+                </a:tc>
+                <a:tc>
+                  <a:txBody>
+                    <a:bodyPr/>
+                    <a:lstStyle/>
+                    <a:p>
+                      <a:pPr algn="l" fontAlgn="b"/>
+                      <a:r>
+                        <a:rPr lang="en-US" sz="2400" b="0" i="0" u="none" strike="noStrike">
+                          <a:solidFill>
+                            <a:srgbClr val="000000"/>
+                          </a:solidFill>
+                          <a:effectLst/>
+                          <a:latin typeface="Aptos Narrow" panose="020B0004020202020204" pitchFamily="34" charset="0"/>
+                        </a:rPr>
+                        <a:t>Data Export</a:t>
+                      </a:r>
+                    </a:p>
+                  </a:txBody>
+                  <a:tcPr marL="7620" marR="7620" marT="7620" marB="0" anchor="b">
+                    <a:lnL w="6350" cap="flat" cmpd="sng" algn="ctr">
+                      <a:solidFill>
+                        <a:srgbClr val="FFFFFF"/>
+                      </a:solidFill>
+                      <a:prstDash val="solid"/>
+                      <a:round/>
+                      <a:headEnd type="none" w="med" len="med"/>
+                      <a:tailEnd type="none" w="med" len="med"/>
+                    </a:lnL>
+                    <a:lnR w="6350" cap="flat" cmpd="sng" algn="ctr">
+                      <a:solidFill>
+                        <a:srgbClr val="FFFFFF"/>
+                      </a:solidFill>
+                      <a:prstDash val="solid"/>
+                      <a:round/>
+                      <a:headEnd type="none" w="med" len="med"/>
+                      <a:tailEnd type="none" w="med" len="med"/>
+                    </a:lnR>
+                    <a:lnT w="6350" cap="flat" cmpd="sng" algn="ctr">
+                      <a:solidFill>
+                        <a:srgbClr val="FFFFFF"/>
+                      </a:solidFill>
+                      <a:prstDash val="solid"/>
+                      <a:round/>
+                      <a:headEnd type="none" w="med" len="med"/>
+                      <a:tailEnd type="none" w="med" len="med"/>
+                    </a:lnT>
+                    <a:lnB>
+                      <a:noFill/>
+                    </a:lnB>
+                    <a:solidFill>
+                      <a:srgbClr val="F2CEEF"/>
+                    </a:solidFill>
+                  </a:tcPr>
+                </a:tc>
+                <a:tc>
+                  <a:txBody>
+                    <a:bodyPr/>
+                    <a:lstStyle/>
+                    <a:p>
+                      <a:pPr algn="ctr" fontAlgn="b"/>
+                      <a:endParaRPr lang="en-US" sz="2400" b="0" i="0" u="none" strike="noStrike">
+                        <a:solidFill>
+                          <a:srgbClr val="000000"/>
+                        </a:solidFill>
+                        <a:effectLst/>
+                        <a:latin typeface="Aptos Narrow" panose="020B0004020202020204" pitchFamily="34" charset="0"/>
+                      </a:endParaRPr>
+                    </a:p>
+                  </a:txBody>
+                  <a:tcPr marL="7620" marR="7620" marT="7620" marB="0" anchor="b">
+                    <a:lnL w="6350" cap="flat" cmpd="sng" algn="ctr">
+                      <a:solidFill>
+                        <a:srgbClr val="FFFFFF"/>
+                      </a:solidFill>
+                      <a:prstDash val="solid"/>
+                      <a:round/>
+                      <a:headEnd type="none" w="med" len="med"/>
+                      <a:tailEnd type="none" w="med" len="med"/>
+                    </a:lnL>
+                    <a:lnR w="6350" cap="flat" cmpd="sng" algn="ctr">
+                      <a:solidFill>
+                        <a:srgbClr val="FFFFFF"/>
+                      </a:solidFill>
+                      <a:prstDash val="solid"/>
+                      <a:round/>
+                      <a:headEnd type="none" w="med" len="med"/>
+                      <a:tailEnd type="none" w="med" len="med"/>
+                    </a:lnR>
+                    <a:lnT w="6350" cap="flat" cmpd="sng" algn="ctr">
+                      <a:solidFill>
+                        <a:srgbClr val="FFFFFF"/>
+                      </a:solidFill>
+                      <a:prstDash val="solid"/>
+                      <a:round/>
+                      <a:headEnd type="none" w="med" len="med"/>
+                      <a:tailEnd type="none" w="med" len="med"/>
+                    </a:lnT>
+                    <a:lnB>
+                      <a:noFill/>
+                    </a:lnB>
+                    <a:solidFill>
+                      <a:srgbClr val="E49EDD"/>
+                    </a:solidFill>
+                  </a:tcPr>
+                </a:tc>
+                <a:tc>
+                  <a:txBody>
+                    <a:bodyPr/>
+                    <a:lstStyle/>
+                    <a:p>
+                      <a:pPr algn="ctr" fontAlgn="b"/>
+                      <a:r>
+                        <a:rPr lang="en-US" sz="2400" b="0" i="0" u="none" strike="noStrike">
+                          <a:solidFill>
+                            <a:srgbClr val="000000"/>
+                          </a:solidFill>
+                          <a:effectLst/>
+                          <a:latin typeface="Aptos Narrow" panose="020B0004020202020204" pitchFamily="34" charset="0"/>
+                        </a:rPr>
+                        <a:t>X</a:t>
+                      </a:r>
+                    </a:p>
+                  </a:txBody>
+                  <a:tcPr marL="7620" marR="7620" marT="7620" marB="0" anchor="b">
+                    <a:lnL w="6350" cap="flat" cmpd="sng" algn="ctr">
+                      <a:solidFill>
+                        <a:srgbClr val="FFFFFF"/>
+                      </a:solidFill>
+                      <a:prstDash val="solid"/>
+                      <a:round/>
+                      <a:headEnd type="none" w="med" len="med"/>
+                      <a:tailEnd type="none" w="med" len="med"/>
+                    </a:lnL>
+                    <a:lnR w="6350" cap="flat" cmpd="sng" algn="ctr">
+                      <a:solidFill>
+                        <a:srgbClr val="FFFFFF"/>
+                      </a:solidFill>
+                      <a:prstDash val="solid"/>
+                      <a:round/>
+                      <a:headEnd type="none" w="med" len="med"/>
+                      <a:tailEnd type="none" w="med" len="med"/>
+                    </a:lnR>
+                    <a:lnT w="6350" cap="flat" cmpd="sng" algn="ctr">
+                      <a:solidFill>
+                        <a:srgbClr val="FFFFFF"/>
+                      </a:solidFill>
+                      <a:prstDash val="solid"/>
+                      <a:round/>
+                      <a:headEnd type="none" w="med" len="med"/>
+                      <a:tailEnd type="none" w="med" len="med"/>
+                    </a:lnT>
+                    <a:lnB>
+                      <a:noFill/>
+                    </a:lnB>
+                    <a:solidFill>
+                      <a:srgbClr val="F2CEEF"/>
+                    </a:solidFill>
+                  </a:tcPr>
+                </a:tc>
+                <a:tc>
+                  <a:txBody>
+                    <a:bodyPr/>
+                    <a:lstStyle/>
+                    <a:p>
+                      <a:pPr algn="ctr" fontAlgn="b"/>
+                      <a:endParaRPr lang="en-US" sz="2400" b="0" i="0" u="none" strike="noStrike" dirty="0">
+                        <a:solidFill>
+                          <a:srgbClr val="000000"/>
+                        </a:solidFill>
+                        <a:effectLst/>
+                        <a:latin typeface="Aptos Narrow" panose="020B0004020202020204" pitchFamily="34" charset="0"/>
+                      </a:endParaRPr>
+                    </a:p>
+                  </a:txBody>
+                  <a:tcPr marL="7620" marR="7620" marT="7620" marB="0" anchor="b">
+                    <a:lnL w="6350" cap="flat" cmpd="sng" algn="ctr">
+                      <a:solidFill>
+                        <a:srgbClr val="FFFFFF"/>
+                      </a:solidFill>
+                      <a:prstDash val="solid"/>
+                      <a:round/>
+                      <a:headEnd type="none" w="med" len="med"/>
+                      <a:tailEnd type="none" w="med" len="med"/>
+                    </a:lnL>
+                    <a:lnR w="6350" cap="flat" cmpd="sng" algn="ctr">
+                      <a:solidFill>
+                        <a:srgbClr val="FFFFFF"/>
+                      </a:solidFill>
+                      <a:prstDash val="solid"/>
+                      <a:round/>
+                      <a:headEnd type="none" w="med" len="med"/>
+                      <a:tailEnd type="none" w="med" len="med"/>
+                    </a:lnR>
+                    <a:lnT w="6350" cap="flat" cmpd="sng" algn="ctr">
+                      <a:solidFill>
+                        <a:srgbClr val="FFFFFF"/>
+                      </a:solidFill>
+                      <a:prstDash val="solid"/>
+                      <a:round/>
+                      <a:headEnd type="none" w="med" len="med"/>
+                      <a:tailEnd type="none" w="med" len="med"/>
+                    </a:lnT>
+                    <a:lnB>
+                      <a:noFill/>
+                    </a:lnB>
+                    <a:solidFill>
+                      <a:srgbClr val="E49EDD"/>
+                    </a:solidFill>
+                  </a:tcPr>
+                </a:tc>
+                <a:tc>
+                  <a:txBody>
+                    <a:bodyPr/>
+                    <a:lstStyle/>
+                    <a:p>
+                      <a:pPr algn="ctr" fontAlgn="b"/>
+                      <a:endParaRPr lang="en-US" sz="2400" b="0" i="0" u="none" strike="noStrike" dirty="0">
+                        <a:solidFill>
+                          <a:srgbClr val="000000"/>
+                        </a:solidFill>
+                        <a:effectLst/>
+                        <a:latin typeface="Aptos Narrow" panose="020B0004020202020204" pitchFamily="34" charset="0"/>
+                      </a:endParaRPr>
+                    </a:p>
+                  </a:txBody>
+                  <a:tcPr marL="7620" marR="7620" marT="7620" marB="0" anchor="b">
+                    <a:lnL w="6350" cap="flat" cmpd="sng" algn="ctr">
+                      <a:solidFill>
+                        <a:srgbClr val="FFFFFF"/>
+                      </a:solidFill>
+                      <a:prstDash val="solid"/>
+                      <a:round/>
+                      <a:headEnd type="none" w="med" len="med"/>
+                      <a:tailEnd type="none" w="med" len="med"/>
+                    </a:lnL>
+                    <a:lnR>
+                      <a:noFill/>
+                    </a:lnR>
+                    <a:lnT w="6350" cap="flat" cmpd="sng" algn="ctr">
+                      <a:solidFill>
+                        <a:srgbClr val="FFFFFF"/>
+                      </a:solidFill>
+                      <a:prstDash val="solid"/>
+                      <a:round/>
+                      <a:headEnd type="none" w="med" len="med"/>
+                      <a:tailEnd type="none" w="med" len="med"/>
+                    </a:lnT>
+                    <a:lnB>
+                      <a:noFill/>
+                    </a:lnB>
+                    <a:solidFill>
+                      <a:srgbClr val="F2CEEF"/>
+                    </a:solidFill>
+                  </a:tcPr>
+                </a:tc>
+                <a:extLst>
+                  <a:ext uri="{0D108BD9-81ED-4DB2-BD59-A6C34878D82A}">
+                    <a16:rowId xmlns:a16="http://schemas.microsoft.com/office/drawing/2014/main" val="2879047719"/>
+                  </a:ext>
+                </a:extLst>
+              </a:tr>
+            </a:tbl>
+          </a:graphicData>
+        </a:graphic>
+      </p:graphicFrame>
     </p:spTree>
     <p:extLst>
       <p:ext uri="{BB962C8B-B14F-4D97-AF65-F5344CB8AC3E}">
-        <p14:creationId xmlns:p14="http://schemas.microsoft.com/office/powerpoint/2010/main" val="756041692"/>
+        <p14:creationId xmlns:p14="http://schemas.microsoft.com/office/powerpoint/2010/main" val="553482990"/>
       </p:ext>
     </p:extLst>
   </p:cSld>
@@ -5576,7 +10022,7 @@
           <a:p>
             <a:r>
               <a:rPr lang="en-US" dirty="0"/>
-              <a:t>Design Concept 2: FPGA</a:t>
+              <a:t>Design Concept 1: Microcontroller</a:t>
             </a:r>
           </a:p>
         </p:txBody>
@@ -5602,6 +10048,42 @@
           <a:bodyPr/>
           <a:lstStyle/>
           <a:p>
+            <a:r>
+              <a:rPr lang="en-US" dirty="0">
+                <a:solidFill>
+                  <a:schemeClr val="accent5">
+                    <a:lumMod val="75000"/>
+                  </a:schemeClr>
+                </a:solidFill>
+              </a:rPr>
+              <a:t>Microcontrollers:</a:t>
+            </a:r>
+          </a:p>
+          <a:p>
+            <a:r>
+              <a:rPr lang="en-US" dirty="0">
+                <a:solidFill>
+                  <a:schemeClr val="accent5">
+                    <a:lumMod val="75000"/>
+                  </a:schemeClr>
+                </a:solidFill>
+              </a:rPr>
+              <a:t>	Pros: Easy to use, lower power consumption</a:t>
+            </a:r>
+          </a:p>
+          <a:p>
+            <a:r>
+              <a:rPr lang="en-US" dirty="0">
+                <a:solidFill>
+                  <a:schemeClr val="accent5">
+                    <a:lumMod val="75000"/>
+                  </a:schemeClr>
+                </a:solidFill>
+              </a:rPr>
+              <a:t>	Cons: Serial execution, internal peripherals can limit scope.</a:t>
+            </a:r>
+          </a:p>
+          <a:p>
             <a:endParaRPr lang="en-US" dirty="0">
               <a:solidFill>
                 <a:schemeClr val="accent5">
@@ -5615,7 +10097,7 @@
     </p:spTree>
     <p:extLst>
       <p:ext uri="{BB962C8B-B14F-4D97-AF65-F5344CB8AC3E}">
-        <p14:creationId xmlns:p14="http://schemas.microsoft.com/office/powerpoint/2010/main" val="3582709406"/>
+        <p14:creationId xmlns:p14="http://schemas.microsoft.com/office/powerpoint/2010/main" val="756041692"/>
       </p:ext>
     </p:extLst>
   </p:cSld>
@@ -5665,7 +10147,7 @@
           <a:p>
             <a:r>
               <a:rPr lang="en-US" dirty="0"/>
-              <a:t>Microcontroller Options</a:t>
+              <a:t>Design Concept 2: FPGA</a:t>
             </a:r>
           </a:p>
         </p:txBody>
@@ -5691,6 +10173,261 @@
           <a:bodyPr/>
           <a:lstStyle/>
           <a:p>
+            <a:r>
+              <a:rPr lang="en-US" dirty="0">
+                <a:solidFill>
+                  <a:schemeClr val="accent5">
+                    <a:lumMod val="75000"/>
+                  </a:schemeClr>
+                </a:solidFill>
+              </a:rPr>
+              <a:t>FPGA: </a:t>
+            </a:r>
+          </a:p>
+          <a:p>
+            <a:r>
+              <a:rPr lang="en-US" dirty="0">
+                <a:solidFill>
+                  <a:schemeClr val="accent5">
+                    <a:lumMod val="75000"/>
+                  </a:schemeClr>
+                </a:solidFill>
+              </a:rPr>
+              <a:t>	Pros: Can be programmed at logic level (parallel processing).</a:t>
+            </a:r>
+          </a:p>
+          <a:p>
+            <a:r>
+              <a:rPr lang="en-US" dirty="0">
+                <a:solidFill>
+                  <a:schemeClr val="accent5">
+                    <a:lumMod val="75000"/>
+                  </a:schemeClr>
+                </a:solidFill>
+              </a:rPr>
+              <a:t>	Cons: More complex coding, no control of power consumption.</a:t>
+            </a:r>
+          </a:p>
+          <a:p>
+            <a:endParaRPr lang="en-US" dirty="0">
+              <a:solidFill>
+                <a:schemeClr val="accent5">
+                  <a:lumMod val="75000"/>
+                </a:schemeClr>
+              </a:solidFill>
+            </a:endParaRPr>
+          </a:p>
+        </p:txBody>
+      </p:sp>
+    </p:spTree>
+    <p:extLst>
+      <p:ext uri="{BB962C8B-B14F-4D97-AF65-F5344CB8AC3E}">
+        <p14:creationId xmlns:p14="http://schemas.microsoft.com/office/powerpoint/2010/main" val="3582709406"/>
+      </p:ext>
+    </p:extLst>
+  </p:cSld>
+  <p:clrMapOvr>
+    <a:masterClrMapping/>
+  </p:clrMapOvr>
+</p:sld>
+</file>
+
+<file path=ppt/slides/slide8.xml><?xml version="1.0" encoding="utf-8"?>
+<p:sld xmlns:a="http://schemas.openxmlformats.org/drawingml/2006/main" xmlns:r="http://schemas.openxmlformats.org/officeDocument/2006/relationships" xmlns:p="http://schemas.openxmlformats.org/presentationml/2006/main">
+  <p:cSld>
+    <p:spTree>
+      <p:nvGrpSpPr>
+        <p:cNvPr id="1" name=""/>
+        <p:cNvGrpSpPr/>
+        <p:nvPr/>
+      </p:nvGrpSpPr>
+      <p:grpSpPr>
+        <a:xfrm>
+          <a:off x="0" y="0"/>
+          <a:ext cx="0" cy="0"/>
+          <a:chOff x="0" y="0"/>
+          <a:chExt cx="0" cy="0"/>
+        </a:xfrm>
+      </p:grpSpPr>
+      <p:sp>
+        <p:nvSpPr>
+          <p:cNvPr id="2" name="Title 1">
+            <a:extLst>
+              <a:ext uri="{FF2B5EF4-FFF2-40B4-BE49-F238E27FC236}">
+                <a16:creationId xmlns:a16="http://schemas.microsoft.com/office/drawing/2014/main" id="{1DA02BB8-01E2-8330-AF3B-A60F3E480F14}"/>
+              </a:ext>
+            </a:extLst>
+          </p:cNvPr>
+          <p:cNvSpPr>
+            <a:spLocks noGrp="1"/>
+          </p:cNvSpPr>
+          <p:nvPr>
+            <p:ph type="title"/>
+          </p:nvPr>
+        </p:nvSpPr>
+        <p:spPr/>
+        <p:txBody>
+          <a:bodyPr/>
+          <a:lstStyle/>
+          <a:p>
+            <a:r>
+              <a:rPr lang="en-US" dirty="0"/>
+              <a:t>Microcontroller Options</a:t>
+            </a:r>
+          </a:p>
+        </p:txBody>
+      </p:sp>
+      <p:sp>
+        <p:nvSpPr>
+          <p:cNvPr id="3" name="Content Placeholder 2">
+            <a:extLst>
+              <a:ext uri="{FF2B5EF4-FFF2-40B4-BE49-F238E27FC236}">
+                <a16:creationId xmlns:a16="http://schemas.microsoft.com/office/drawing/2014/main" id="{5C0AC1E4-8DDB-4D15-9516-C3BA994C4CE0}"/>
+              </a:ext>
+            </a:extLst>
+          </p:cNvPr>
+          <p:cNvSpPr>
+            <a:spLocks noGrp="1"/>
+          </p:cNvSpPr>
+          <p:nvPr>
+            <p:ph idx="1"/>
+          </p:nvPr>
+        </p:nvSpPr>
+        <p:spPr/>
+        <p:txBody>
+          <a:bodyPr>
+            <a:normAutofit fontScale="92500" lnSpcReduction="20000"/>
+          </a:bodyPr>
+          <a:lstStyle/>
+          <a:p>
+            <a:r>
+              <a:rPr lang="en-US" dirty="0">
+                <a:solidFill>
+                  <a:schemeClr val="accent5">
+                    <a:lumMod val="75000"/>
+                  </a:schemeClr>
+                </a:solidFill>
+              </a:rPr>
+              <a:t>ESP32-C6:</a:t>
+            </a:r>
+          </a:p>
+          <a:p>
+            <a:r>
+              <a:rPr lang="en-US" dirty="0">
+                <a:solidFill>
+                  <a:schemeClr val="accent5">
+                    <a:lumMod val="75000"/>
+                  </a:schemeClr>
+                </a:solidFill>
+              </a:rPr>
+              <a:t>	Pros: User friendly (more detail), wireless connectivity, imbedded flash module built in</a:t>
+            </a:r>
+          </a:p>
+          <a:p>
+            <a:r>
+              <a:rPr lang="en-US" dirty="0">
+                <a:solidFill>
+                  <a:schemeClr val="accent5">
+                    <a:lumMod val="75000"/>
+                  </a:schemeClr>
+                </a:solidFill>
+              </a:rPr>
+              <a:t>	Cons: Higher Power Consumption, takes up more board space.</a:t>
+            </a:r>
+          </a:p>
+          <a:p>
+            <a:r>
+              <a:rPr lang="en-US" dirty="0">
+                <a:solidFill>
+                  <a:schemeClr val="accent5">
+                    <a:lumMod val="75000"/>
+                  </a:schemeClr>
+                </a:solidFill>
+              </a:rPr>
+              <a:t>STM32F042F6:</a:t>
+            </a:r>
+          </a:p>
+          <a:p>
+            <a:r>
+              <a:rPr lang="en-US" dirty="0">
+                <a:solidFill>
+                  <a:schemeClr val="accent5">
+                    <a:lumMod val="75000"/>
+                  </a:schemeClr>
+                </a:solidFill>
+              </a:rPr>
+              <a:t>Pros: Lower Power Consumption, Takes up small board space</a:t>
+            </a:r>
+          </a:p>
+          <a:p>
+            <a:r>
+              <a:rPr lang="en-US" dirty="0">
+                <a:solidFill>
+                  <a:schemeClr val="accent5">
+                    <a:lumMod val="75000"/>
+                  </a:schemeClr>
+                </a:solidFill>
+              </a:rPr>
+              <a:t>	Cons: Slower Clock Rate, lower number of GPIO</a:t>
+            </a:r>
+          </a:p>
+          <a:p>
+            <a:r>
+              <a:rPr lang="en-US" dirty="0">
+                <a:solidFill>
+                  <a:schemeClr val="accent5">
+                    <a:lumMod val="75000"/>
+                  </a:schemeClr>
+                </a:solidFill>
+              </a:rPr>
+              <a:t>ATMMEGA328P:</a:t>
+            </a:r>
+          </a:p>
+          <a:p>
+            <a:r>
+              <a:rPr lang="en-US" dirty="0">
+                <a:solidFill>
+                  <a:schemeClr val="accent5">
+                    <a:lumMod val="75000"/>
+                  </a:schemeClr>
+                </a:solidFill>
+              </a:rPr>
+              <a:t>Pros: Takes up small board space, lower power consumption, literally is </a:t>
+            </a:r>
+            <a:r>
+              <a:rPr lang="en-US" dirty="0" err="1">
+                <a:solidFill>
+                  <a:schemeClr val="accent5">
+                    <a:lumMod val="75000"/>
+                  </a:schemeClr>
+                </a:solidFill>
+              </a:rPr>
+              <a:t>ardunio</a:t>
+            </a:r>
+            <a:r>
+              <a:rPr lang="en-US" dirty="0">
+                <a:solidFill>
+                  <a:schemeClr val="accent5">
+                    <a:lumMod val="75000"/>
+                  </a:schemeClr>
+                </a:solidFill>
+              </a:rPr>
+              <a:t> uno</a:t>
+            </a:r>
+          </a:p>
+          <a:p>
+            <a:r>
+              <a:rPr lang="en-US" dirty="0">
+                <a:solidFill>
+                  <a:schemeClr val="accent5">
+                    <a:lumMod val="75000"/>
+                  </a:schemeClr>
+                </a:solidFill>
+              </a:rPr>
+              <a:t>	Cons: 8-bit Processor, Ok number of GPIO</a:t>
+            </a:r>
+          </a:p>
+          <a:p>
             <a:endParaRPr lang="en-US" dirty="0">
               <a:solidFill>
                 <a:schemeClr val="accent5">
@@ -5714,7 +10451,7 @@
 </p:sld>
 </file>
 
-<file path=ppt/slides/slide8.xml><?xml version="1.0" encoding="utf-8"?>
+<file path=ppt/slides/slide9.xml><?xml version="1.0" encoding="utf-8"?>
 <p:sld xmlns:a="http://schemas.openxmlformats.org/drawingml/2006/main" xmlns:r="http://schemas.openxmlformats.org/officeDocument/2006/relationships" xmlns:p="http://schemas.openxmlformats.org/presentationml/2006/main">
   <p:cSld>
     <p:spTree>
@@ -5759,130 +10496,3705 @@
           </a:p>
         </p:txBody>
       </p:sp>
-      <p:sp>
-        <p:nvSpPr>
-          <p:cNvPr id="3" name="Content Placeholder 2">
+      <p:graphicFrame>
+        <p:nvGraphicFramePr>
+          <p:cNvPr id="10" name="Content Placeholder 9">
             <a:extLst>
               <a:ext uri="{FF2B5EF4-FFF2-40B4-BE49-F238E27FC236}">
-                <a16:creationId xmlns:a16="http://schemas.microsoft.com/office/drawing/2014/main" id="{A752859F-349D-32EE-DD6E-B71413F03342}"/>
+                <a16:creationId xmlns:a16="http://schemas.microsoft.com/office/drawing/2014/main" id="{2055233A-3C24-7E70-77F2-597DECCAF2C7}"/>
               </a:ext>
             </a:extLst>
           </p:cNvPr>
-          <p:cNvSpPr>
-            <a:spLocks noGrp="1"/>
-          </p:cNvSpPr>
+          <p:cNvGraphicFramePr>
+            <a:graphicFrameLocks noGrp="1"/>
+          </p:cNvGraphicFramePr>
           <p:nvPr>
             <p:ph idx="1"/>
+            <p:extLst>
+              <p:ext uri="{D42A27DB-BD31-4B8C-83A1-F6EECF244321}">
+                <p14:modId xmlns:p14="http://schemas.microsoft.com/office/powerpoint/2010/main" val="3734804060"/>
+              </p:ext>
+            </p:extLst>
           </p:nvPr>
-        </p:nvSpPr>
-        <p:spPr/>
-        <p:txBody>
-          <a:bodyPr/>
-          <a:lstStyle/>
-          <a:p>
-            <a:endParaRPr lang="en-US" dirty="0">
-              <a:solidFill>
-                <a:schemeClr val="accent5">
-                  <a:lumMod val="75000"/>
-                </a:schemeClr>
-              </a:solidFill>
-            </a:endParaRPr>
-          </a:p>
-        </p:txBody>
-      </p:sp>
+        </p:nvGraphicFramePr>
+        <p:xfrm>
+          <a:off x="838200" y="1563328"/>
+          <a:ext cx="10852355" cy="4847306"/>
+        </p:xfrm>
+        <a:graphic>
+          <a:graphicData uri="http://schemas.openxmlformats.org/drawingml/2006/table">
+            <a:tbl>
+              <a:tblPr/>
+              <a:tblGrid>
+                <a:gridCol w="2618078">
+                  <a:extLst>
+                    <a:ext uri="{9D8B030D-6E8A-4147-A177-3AD203B41FA5}">
+                      <a16:colId xmlns:a16="http://schemas.microsoft.com/office/drawing/2014/main" val="826042442"/>
+                    </a:ext>
+                  </a:extLst>
+                </a:gridCol>
+                <a:gridCol w="3525960">
+                  <a:extLst>
+                    <a:ext uri="{9D8B030D-6E8A-4147-A177-3AD203B41FA5}">
+                      <a16:colId xmlns:a16="http://schemas.microsoft.com/office/drawing/2014/main" val="2525948420"/>
+                    </a:ext>
+                  </a:extLst>
+                </a:gridCol>
+                <a:gridCol w="1287925">
+                  <a:extLst>
+                    <a:ext uri="{9D8B030D-6E8A-4147-A177-3AD203B41FA5}">
+                      <a16:colId xmlns:a16="http://schemas.microsoft.com/office/drawing/2014/main" val="1353973659"/>
+                    </a:ext>
+                  </a:extLst>
+                </a:gridCol>
+                <a:gridCol w="1562402">
+                  <a:extLst>
+                    <a:ext uri="{9D8B030D-6E8A-4147-A177-3AD203B41FA5}">
+                      <a16:colId xmlns:a16="http://schemas.microsoft.com/office/drawing/2014/main" val="2848882343"/>
+                    </a:ext>
+                  </a:extLst>
+                </a:gridCol>
+                <a:gridCol w="907882">
+                  <a:extLst>
+                    <a:ext uri="{9D8B030D-6E8A-4147-A177-3AD203B41FA5}">
+                      <a16:colId xmlns:a16="http://schemas.microsoft.com/office/drawing/2014/main" val="632705235"/>
+                    </a:ext>
+                  </a:extLst>
+                </a:gridCol>
+                <a:gridCol w="950108">
+                  <a:extLst>
+                    <a:ext uri="{9D8B030D-6E8A-4147-A177-3AD203B41FA5}">
+                      <a16:colId xmlns:a16="http://schemas.microsoft.com/office/drawing/2014/main" val="3417539016"/>
+                    </a:ext>
+                  </a:extLst>
+                </a:gridCol>
+              </a:tblGrid>
+              <a:tr h="692473">
+                <a:tc>
+                  <a:txBody>
+                    <a:bodyPr/>
+                    <a:lstStyle/>
+                    <a:p>
+                      <a:pPr algn="ctr" fontAlgn="ctr"/>
+                      <a:r>
+                        <a:rPr lang="en-US" sz="1800" b="1" i="0" u="none" strike="noStrike" dirty="0">
+                          <a:solidFill>
+                            <a:srgbClr val="FFFFFF"/>
+                          </a:solidFill>
+                          <a:effectLst/>
+                          <a:latin typeface="Aptos Narrow" panose="020B0004020202020204" pitchFamily="34" charset="0"/>
+                        </a:rPr>
+                        <a:t>Need</a:t>
+                      </a:r>
+                    </a:p>
+                  </a:txBody>
+                  <a:tcPr marL="7620" marR="7620" marT="7620" marB="0" anchor="ctr">
+                    <a:lnL w="6350" cap="flat" cmpd="sng" algn="ctr">
+                      <a:solidFill>
+                        <a:srgbClr val="D86DCD"/>
+                      </a:solidFill>
+                      <a:prstDash val="solid"/>
+                      <a:round/>
+                      <a:headEnd type="none" w="med" len="med"/>
+                      <a:tailEnd type="none" w="med" len="med"/>
+                    </a:lnL>
+                    <a:lnR>
+                      <a:noFill/>
+                    </a:lnR>
+                    <a:lnT w="6350" cap="flat" cmpd="sng" algn="ctr">
+                      <a:solidFill>
+                        <a:srgbClr val="D86DCD"/>
+                      </a:solidFill>
+                      <a:prstDash val="solid"/>
+                      <a:round/>
+                      <a:headEnd type="none" w="med" len="med"/>
+                      <a:tailEnd type="none" w="med" len="med"/>
+                    </a:lnT>
+                    <a:lnB w="6350" cap="flat" cmpd="sng" algn="ctr">
+                      <a:solidFill>
+                        <a:srgbClr val="D86DCD"/>
+                      </a:solidFill>
+                      <a:prstDash val="solid"/>
+                      <a:round/>
+                      <a:headEnd type="none" w="med" len="med"/>
+                      <a:tailEnd type="none" w="med" len="med"/>
+                    </a:lnB>
+                    <a:solidFill>
+                      <a:srgbClr val="A02B93"/>
+                    </a:solidFill>
+                  </a:tcPr>
+                </a:tc>
+                <a:tc>
+                  <a:txBody>
+                    <a:bodyPr/>
+                    <a:lstStyle/>
+                    <a:p>
+                      <a:pPr algn="ctr" fontAlgn="ctr"/>
+                      <a:r>
+                        <a:rPr lang="en-US" sz="1800" b="1" i="0" u="none" strike="noStrike" dirty="0">
+                          <a:solidFill>
+                            <a:srgbClr val="FFFFFF"/>
+                          </a:solidFill>
+                          <a:effectLst/>
+                          <a:latin typeface="Aptos Narrow" panose="020B0004020202020204" pitchFamily="34" charset="0"/>
+                        </a:rPr>
+                        <a:t>Engineering Requirement</a:t>
+                      </a:r>
+                    </a:p>
+                  </a:txBody>
+                  <a:tcPr marL="7620" marR="7620" marT="7620" marB="0" anchor="ctr">
+                    <a:lnL>
+                      <a:noFill/>
+                    </a:lnL>
+                    <a:lnR>
+                      <a:noFill/>
+                    </a:lnR>
+                    <a:lnT w="6350" cap="flat" cmpd="sng" algn="ctr">
+                      <a:solidFill>
+                        <a:srgbClr val="D86DCD"/>
+                      </a:solidFill>
+                      <a:prstDash val="solid"/>
+                      <a:round/>
+                      <a:headEnd type="none" w="med" len="med"/>
+                      <a:tailEnd type="none" w="med" len="med"/>
+                    </a:lnT>
+                    <a:lnB w="6350" cap="flat" cmpd="sng" algn="ctr">
+                      <a:solidFill>
+                        <a:srgbClr val="D86DCD"/>
+                      </a:solidFill>
+                      <a:prstDash val="solid"/>
+                      <a:round/>
+                      <a:headEnd type="none" w="med" len="med"/>
+                      <a:tailEnd type="none" w="med" len="med"/>
+                    </a:lnB>
+                    <a:solidFill>
+                      <a:srgbClr val="A02B93"/>
+                    </a:solidFill>
+                  </a:tcPr>
+                </a:tc>
+                <a:tc>
+                  <a:txBody>
+                    <a:bodyPr/>
+                    <a:lstStyle/>
+                    <a:p>
+                      <a:pPr algn="ctr" fontAlgn="ctr"/>
+                      <a:r>
+                        <a:rPr lang="en-US" sz="1800" b="1" i="0" u="none" strike="noStrike">
+                          <a:solidFill>
+                            <a:srgbClr val="FFFFFF"/>
+                          </a:solidFill>
+                          <a:effectLst/>
+                          <a:latin typeface="Aptos Narrow" panose="020B0004020202020204" pitchFamily="34" charset="0"/>
+                        </a:rPr>
+                        <a:t>Weight (1-10)</a:t>
+                      </a:r>
+                    </a:p>
+                  </a:txBody>
+                  <a:tcPr marL="7620" marR="7620" marT="7620" marB="0" anchor="ctr">
+                    <a:lnL>
+                      <a:noFill/>
+                    </a:lnL>
+                    <a:lnR>
+                      <a:noFill/>
+                    </a:lnR>
+                    <a:lnT w="6350" cap="flat" cmpd="sng" algn="ctr">
+                      <a:solidFill>
+                        <a:srgbClr val="D86DCD"/>
+                      </a:solidFill>
+                      <a:prstDash val="solid"/>
+                      <a:round/>
+                      <a:headEnd type="none" w="med" len="med"/>
+                      <a:tailEnd type="none" w="med" len="med"/>
+                    </a:lnT>
+                    <a:lnB w="6350" cap="flat" cmpd="sng" algn="ctr">
+                      <a:solidFill>
+                        <a:srgbClr val="D86DCD"/>
+                      </a:solidFill>
+                      <a:prstDash val="solid"/>
+                      <a:round/>
+                      <a:headEnd type="none" w="med" len="med"/>
+                      <a:tailEnd type="none" w="med" len="med"/>
+                    </a:lnB>
+                    <a:solidFill>
+                      <a:srgbClr val="A02B93"/>
+                    </a:solidFill>
+                  </a:tcPr>
+                </a:tc>
+                <a:tc>
+                  <a:txBody>
+                    <a:bodyPr/>
+                    <a:lstStyle/>
+                    <a:p>
+                      <a:pPr algn="ctr" fontAlgn="ctr"/>
+                      <a:r>
+                        <a:rPr lang="en-US" sz="1800" b="1" i="0" u="none" strike="noStrike">
+                          <a:solidFill>
+                            <a:srgbClr val="FFFFFF"/>
+                          </a:solidFill>
+                          <a:effectLst/>
+                          <a:latin typeface="Aptos Narrow" panose="020B0004020202020204" pitchFamily="34" charset="0"/>
+                        </a:rPr>
+                        <a:t>Base line</a:t>
+                      </a:r>
+                    </a:p>
+                  </a:txBody>
+                  <a:tcPr marL="7620" marR="7620" marT="7620" marB="0" anchor="ctr">
+                    <a:lnL>
+                      <a:noFill/>
+                    </a:lnL>
+                    <a:lnR>
+                      <a:noFill/>
+                    </a:lnR>
+                    <a:lnT w="6350" cap="flat" cmpd="sng" algn="ctr">
+                      <a:solidFill>
+                        <a:srgbClr val="D86DCD"/>
+                      </a:solidFill>
+                      <a:prstDash val="solid"/>
+                      <a:round/>
+                      <a:headEnd type="none" w="med" len="med"/>
+                      <a:tailEnd type="none" w="med" len="med"/>
+                    </a:lnT>
+                    <a:lnB w="6350" cap="flat" cmpd="sng" algn="ctr">
+                      <a:solidFill>
+                        <a:srgbClr val="D86DCD"/>
+                      </a:solidFill>
+                      <a:prstDash val="solid"/>
+                      <a:round/>
+                      <a:headEnd type="none" w="med" len="med"/>
+                      <a:tailEnd type="none" w="med" len="med"/>
+                    </a:lnB>
+                    <a:solidFill>
+                      <a:srgbClr val="A02B93"/>
+                    </a:solidFill>
+                  </a:tcPr>
+                </a:tc>
+                <a:tc>
+                  <a:txBody>
+                    <a:bodyPr/>
+                    <a:lstStyle/>
+                    <a:p>
+                      <a:pPr algn="ctr" fontAlgn="ctr"/>
+                      <a:r>
+                        <a:rPr lang="en-US" sz="1800" b="1" i="0" u="none" strike="noStrike">
+                          <a:solidFill>
+                            <a:srgbClr val="FFFFFF"/>
+                          </a:solidFill>
+                          <a:effectLst/>
+                          <a:latin typeface="Aptos Narrow" panose="020B0004020202020204" pitchFamily="34" charset="0"/>
+                        </a:rPr>
+                        <a:t>Concept 1</a:t>
+                      </a:r>
+                    </a:p>
+                  </a:txBody>
+                  <a:tcPr marL="7620" marR="7620" marT="7620" marB="0" anchor="ctr">
+                    <a:lnL>
+                      <a:noFill/>
+                    </a:lnL>
+                    <a:lnR>
+                      <a:noFill/>
+                    </a:lnR>
+                    <a:lnT w="6350" cap="flat" cmpd="sng" algn="ctr">
+                      <a:solidFill>
+                        <a:srgbClr val="D86DCD"/>
+                      </a:solidFill>
+                      <a:prstDash val="solid"/>
+                      <a:round/>
+                      <a:headEnd type="none" w="med" len="med"/>
+                      <a:tailEnd type="none" w="med" len="med"/>
+                    </a:lnT>
+                    <a:lnB w="6350" cap="flat" cmpd="sng" algn="ctr">
+                      <a:solidFill>
+                        <a:srgbClr val="D86DCD"/>
+                      </a:solidFill>
+                      <a:prstDash val="solid"/>
+                      <a:round/>
+                      <a:headEnd type="none" w="med" len="med"/>
+                      <a:tailEnd type="none" w="med" len="med"/>
+                    </a:lnB>
+                    <a:solidFill>
+                      <a:srgbClr val="A02B93"/>
+                    </a:solidFill>
+                  </a:tcPr>
+                </a:tc>
+                <a:tc>
+                  <a:txBody>
+                    <a:bodyPr/>
+                    <a:lstStyle/>
+                    <a:p>
+                      <a:pPr algn="ctr" fontAlgn="ctr"/>
+                      <a:r>
+                        <a:rPr lang="en-US" sz="1800" b="1" i="0" u="none" strike="noStrike">
+                          <a:solidFill>
+                            <a:srgbClr val="FFFFFF"/>
+                          </a:solidFill>
+                          <a:effectLst/>
+                          <a:latin typeface="Aptos Narrow" panose="020B0004020202020204" pitchFamily="34" charset="0"/>
+                        </a:rPr>
+                        <a:t>Concept 2</a:t>
+                      </a:r>
+                    </a:p>
+                  </a:txBody>
+                  <a:tcPr marL="7620" marR="7620" marT="7620" marB="0" anchor="ctr">
+                    <a:lnL>
+                      <a:noFill/>
+                    </a:lnL>
+                    <a:lnR w="6350" cap="flat" cmpd="sng" algn="ctr">
+                      <a:solidFill>
+                        <a:srgbClr val="D86DCD"/>
+                      </a:solidFill>
+                      <a:prstDash val="solid"/>
+                      <a:round/>
+                      <a:headEnd type="none" w="med" len="med"/>
+                      <a:tailEnd type="none" w="med" len="med"/>
+                    </a:lnR>
+                    <a:lnT w="6350" cap="flat" cmpd="sng" algn="ctr">
+                      <a:solidFill>
+                        <a:srgbClr val="D86DCD"/>
+                      </a:solidFill>
+                      <a:prstDash val="solid"/>
+                      <a:round/>
+                      <a:headEnd type="none" w="med" len="med"/>
+                      <a:tailEnd type="none" w="med" len="med"/>
+                    </a:lnT>
+                    <a:lnB w="6350" cap="flat" cmpd="sng" algn="ctr">
+                      <a:solidFill>
+                        <a:srgbClr val="D86DCD"/>
+                      </a:solidFill>
+                      <a:prstDash val="solid"/>
+                      <a:round/>
+                      <a:headEnd type="none" w="med" len="med"/>
+                      <a:tailEnd type="none" w="med" len="med"/>
+                    </a:lnB>
+                    <a:solidFill>
+                      <a:srgbClr val="A02B93"/>
+                    </a:solidFill>
+                  </a:tcPr>
+                </a:tc>
+                <a:extLst>
+                  <a:ext uri="{0D108BD9-81ED-4DB2-BD59-A6C34878D82A}">
+                    <a16:rowId xmlns:a16="http://schemas.microsoft.com/office/drawing/2014/main" val="1323351052"/>
+                  </a:ext>
+                </a:extLst>
+              </a:tr>
+              <a:tr h="346236">
+                <a:tc>
+                  <a:txBody>
+                    <a:bodyPr/>
+                    <a:lstStyle/>
+                    <a:p>
+                      <a:pPr algn="l" fontAlgn="b"/>
+                      <a:r>
+                        <a:rPr lang="en-US" sz="1800" b="0" i="0" u="none" strike="noStrike" dirty="0">
+                          <a:solidFill>
+                            <a:srgbClr val="000000"/>
+                          </a:solidFill>
+                          <a:effectLst/>
+                          <a:latin typeface="Aptos Narrow" panose="020B0004020202020204" pitchFamily="34" charset="0"/>
+                        </a:rPr>
+                        <a:t>Lightweight</a:t>
+                      </a:r>
+                    </a:p>
+                  </a:txBody>
+                  <a:tcPr marL="7620" marR="7620" marT="7620" marB="0" anchor="b">
+                    <a:lnL w="6350" cap="flat" cmpd="sng" algn="ctr">
+                      <a:solidFill>
+                        <a:srgbClr val="D86DCD"/>
+                      </a:solidFill>
+                      <a:prstDash val="solid"/>
+                      <a:round/>
+                      <a:headEnd type="none" w="med" len="med"/>
+                      <a:tailEnd type="none" w="med" len="med"/>
+                    </a:lnL>
+                    <a:lnR>
+                      <a:noFill/>
+                    </a:lnR>
+                    <a:lnT w="6350" cap="flat" cmpd="sng" algn="ctr">
+                      <a:solidFill>
+                        <a:srgbClr val="D86DCD"/>
+                      </a:solidFill>
+                      <a:prstDash val="solid"/>
+                      <a:round/>
+                      <a:headEnd type="none" w="med" len="med"/>
+                      <a:tailEnd type="none" w="med" len="med"/>
+                    </a:lnT>
+                    <a:lnB w="6350" cap="flat" cmpd="sng" algn="ctr">
+                      <a:solidFill>
+                        <a:srgbClr val="D86DCD"/>
+                      </a:solidFill>
+                      <a:prstDash val="solid"/>
+                      <a:round/>
+                      <a:headEnd type="none" w="med" len="med"/>
+                      <a:tailEnd type="none" w="med" len="med"/>
+                    </a:lnB>
+                    <a:solidFill>
+                      <a:srgbClr val="F2CEEF"/>
+                    </a:solidFill>
+                  </a:tcPr>
+                </a:tc>
+                <a:tc>
+                  <a:txBody>
+                    <a:bodyPr/>
+                    <a:lstStyle/>
+                    <a:p>
+                      <a:pPr algn="l" fontAlgn="b"/>
+                      <a:r>
+                        <a:rPr lang="en-US" sz="1800" b="0" i="0" u="none" strike="noStrike" dirty="0">
+                          <a:solidFill>
+                            <a:srgbClr val="000000"/>
+                          </a:solidFill>
+                          <a:effectLst/>
+                          <a:latin typeface="Aptos Narrow" panose="020B0004020202020204" pitchFamily="34" charset="0"/>
+                        </a:rPr>
+                        <a:t>Weight &lt; 100 grams</a:t>
+                      </a:r>
+                    </a:p>
+                  </a:txBody>
+                  <a:tcPr marL="7620" marR="7620" marT="7620" marB="0" anchor="b">
+                    <a:lnL>
+                      <a:noFill/>
+                    </a:lnL>
+                    <a:lnR>
+                      <a:noFill/>
+                    </a:lnR>
+                    <a:lnT w="6350" cap="flat" cmpd="sng" algn="ctr">
+                      <a:solidFill>
+                        <a:srgbClr val="D86DCD"/>
+                      </a:solidFill>
+                      <a:prstDash val="solid"/>
+                      <a:round/>
+                      <a:headEnd type="none" w="med" len="med"/>
+                      <a:tailEnd type="none" w="med" len="med"/>
+                    </a:lnT>
+                    <a:lnB w="6350" cap="flat" cmpd="sng" algn="ctr">
+                      <a:solidFill>
+                        <a:srgbClr val="D86DCD"/>
+                      </a:solidFill>
+                      <a:prstDash val="solid"/>
+                      <a:round/>
+                      <a:headEnd type="none" w="med" len="med"/>
+                      <a:tailEnd type="none" w="med" len="med"/>
+                    </a:lnB>
+                    <a:solidFill>
+                      <a:srgbClr val="F2CEEF"/>
+                    </a:solidFill>
+                  </a:tcPr>
+                </a:tc>
+                <a:tc>
+                  <a:txBody>
+                    <a:bodyPr/>
+                    <a:lstStyle/>
+                    <a:p>
+                      <a:pPr algn="r" fontAlgn="b"/>
+                      <a:r>
+                        <a:rPr lang="en-US" sz="1800" b="0" i="0" u="none" strike="noStrike">
+                          <a:solidFill>
+                            <a:srgbClr val="000000"/>
+                          </a:solidFill>
+                          <a:effectLst/>
+                          <a:latin typeface="Aptos Narrow" panose="020B0004020202020204" pitchFamily="34" charset="0"/>
+                        </a:rPr>
+                        <a:t>3</a:t>
+                      </a:r>
+                    </a:p>
+                  </a:txBody>
+                  <a:tcPr marL="7620" marR="7620" marT="7620" marB="0" anchor="b">
+                    <a:lnL>
+                      <a:noFill/>
+                    </a:lnL>
+                    <a:lnR>
+                      <a:noFill/>
+                    </a:lnR>
+                    <a:lnT w="6350" cap="flat" cmpd="sng" algn="ctr">
+                      <a:solidFill>
+                        <a:srgbClr val="D86DCD"/>
+                      </a:solidFill>
+                      <a:prstDash val="solid"/>
+                      <a:round/>
+                      <a:headEnd type="none" w="med" len="med"/>
+                      <a:tailEnd type="none" w="med" len="med"/>
+                    </a:lnT>
+                    <a:lnB w="6350" cap="flat" cmpd="sng" algn="ctr">
+                      <a:solidFill>
+                        <a:srgbClr val="D86DCD"/>
+                      </a:solidFill>
+                      <a:prstDash val="solid"/>
+                      <a:round/>
+                      <a:headEnd type="none" w="med" len="med"/>
+                      <a:tailEnd type="none" w="med" len="med"/>
+                    </a:lnB>
+                    <a:solidFill>
+                      <a:srgbClr val="F2CEEF"/>
+                    </a:solidFill>
+                  </a:tcPr>
+                </a:tc>
+                <a:tc>
+                  <a:txBody>
+                    <a:bodyPr/>
+                    <a:lstStyle/>
+                    <a:p>
+                      <a:pPr algn="r" fontAlgn="b"/>
+                      <a:r>
+                        <a:rPr lang="en-US" sz="1800" b="0" i="0" u="none" strike="noStrike">
+                          <a:solidFill>
+                            <a:srgbClr val="000000"/>
+                          </a:solidFill>
+                          <a:effectLst/>
+                          <a:latin typeface="Aptos Narrow" panose="020B0004020202020204" pitchFamily="34" charset="0"/>
+                        </a:rPr>
+                        <a:t>5</a:t>
+                      </a:r>
+                    </a:p>
+                  </a:txBody>
+                  <a:tcPr marL="7620" marR="7620" marT="7620" marB="0" anchor="b">
+                    <a:lnL>
+                      <a:noFill/>
+                    </a:lnL>
+                    <a:lnR>
+                      <a:noFill/>
+                    </a:lnR>
+                    <a:lnT w="6350" cap="flat" cmpd="sng" algn="ctr">
+                      <a:solidFill>
+                        <a:srgbClr val="D86DCD"/>
+                      </a:solidFill>
+                      <a:prstDash val="solid"/>
+                      <a:round/>
+                      <a:headEnd type="none" w="med" len="med"/>
+                      <a:tailEnd type="none" w="med" len="med"/>
+                    </a:lnT>
+                    <a:lnB w="6350" cap="flat" cmpd="sng" algn="ctr">
+                      <a:solidFill>
+                        <a:srgbClr val="D86DCD"/>
+                      </a:solidFill>
+                      <a:prstDash val="solid"/>
+                      <a:round/>
+                      <a:headEnd type="none" w="med" len="med"/>
+                      <a:tailEnd type="none" w="med" len="med"/>
+                    </a:lnB>
+                    <a:solidFill>
+                      <a:srgbClr val="F2CEEF"/>
+                    </a:solidFill>
+                  </a:tcPr>
+                </a:tc>
+                <a:tc>
+                  <a:txBody>
+                    <a:bodyPr/>
+                    <a:lstStyle/>
+                    <a:p>
+                      <a:pPr algn="r" fontAlgn="b"/>
+                      <a:r>
+                        <a:rPr lang="en-US" sz="1800" b="0" i="0" u="none" strike="noStrike">
+                          <a:solidFill>
+                            <a:srgbClr val="000000"/>
+                          </a:solidFill>
+                          <a:effectLst/>
+                          <a:latin typeface="Aptos Narrow" panose="020B0004020202020204" pitchFamily="34" charset="0"/>
+                        </a:rPr>
+                        <a:t>5</a:t>
+                      </a:r>
+                    </a:p>
+                  </a:txBody>
+                  <a:tcPr marL="7620" marR="7620" marT="7620" marB="0" anchor="b">
+                    <a:lnL>
+                      <a:noFill/>
+                    </a:lnL>
+                    <a:lnR>
+                      <a:noFill/>
+                    </a:lnR>
+                    <a:lnT w="6350" cap="flat" cmpd="sng" algn="ctr">
+                      <a:solidFill>
+                        <a:srgbClr val="D86DCD"/>
+                      </a:solidFill>
+                      <a:prstDash val="solid"/>
+                      <a:round/>
+                      <a:headEnd type="none" w="med" len="med"/>
+                      <a:tailEnd type="none" w="med" len="med"/>
+                    </a:lnT>
+                    <a:lnB w="6350" cap="flat" cmpd="sng" algn="ctr">
+                      <a:solidFill>
+                        <a:srgbClr val="D86DCD"/>
+                      </a:solidFill>
+                      <a:prstDash val="solid"/>
+                      <a:round/>
+                      <a:headEnd type="none" w="med" len="med"/>
+                      <a:tailEnd type="none" w="med" len="med"/>
+                    </a:lnB>
+                    <a:solidFill>
+                      <a:srgbClr val="F2CEEF"/>
+                    </a:solidFill>
+                  </a:tcPr>
+                </a:tc>
+                <a:tc>
+                  <a:txBody>
+                    <a:bodyPr/>
+                    <a:lstStyle/>
+                    <a:p>
+                      <a:pPr algn="r" fontAlgn="b"/>
+                      <a:r>
+                        <a:rPr lang="en-US" sz="1800" b="0" i="0" u="none" strike="noStrike">
+                          <a:solidFill>
+                            <a:srgbClr val="000000"/>
+                          </a:solidFill>
+                          <a:effectLst/>
+                          <a:latin typeface="Aptos Narrow" panose="020B0004020202020204" pitchFamily="34" charset="0"/>
+                        </a:rPr>
+                        <a:t>5</a:t>
+                      </a:r>
+                    </a:p>
+                  </a:txBody>
+                  <a:tcPr marL="7620" marR="7620" marT="7620" marB="0" anchor="b">
+                    <a:lnL>
+                      <a:noFill/>
+                    </a:lnL>
+                    <a:lnR w="6350" cap="flat" cmpd="sng" algn="ctr">
+                      <a:solidFill>
+                        <a:srgbClr val="D86DCD"/>
+                      </a:solidFill>
+                      <a:prstDash val="solid"/>
+                      <a:round/>
+                      <a:headEnd type="none" w="med" len="med"/>
+                      <a:tailEnd type="none" w="med" len="med"/>
+                    </a:lnR>
+                    <a:lnT w="6350" cap="flat" cmpd="sng" algn="ctr">
+                      <a:solidFill>
+                        <a:srgbClr val="D86DCD"/>
+                      </a:solidFill>
+                      <a:prstDash val="solid"/>
+                      <a:round/>
+                      <a:headEnd type="none" w="med" len="med"/>
+                      <a:tailEnd type="none" w="med" len="med"/>
+                    </a:lnT>
+                    <a:lnB w="6350" cap="flat" cmpd="sng" algn="ctr">
+                      <a:solidFill>
+                        <a:srgbClr val="D86DCD"/>
+                      </a:solidFill>
+                      <a:prstDash val="solid"/>
+                      <a:round/>
+                      <a:headEnd type="none" w="med" len="med"/>
+                      <a:tailEnd type="none" w="med" len="med"/>
+                    </a:lnB>
+                    <a:solidFill>
+                      <a:srgbClr val="F2CEEF"/>
+                    </a:solidFill>
+                  </a:tcPr>
+                </a:tc>
+                <a:extLst>
+                  <a:ext uri="{0D108BD9-81ED-4DB2-BD59-A6C34878D82A}">
+                    <a16:rowId xmlns:a16="http://schemas.microsoft.com/office/drawing/2014/main" val="2743558533"/>
+                  </a:ext>
+                </a:extLst>
+              </a:tr>
+              <a:tr h="346236">
+                <a:tc>
+                  <a:txBody>
+                    <a:bodyPr/>
+                    <a:lstStyle/>
+                    <a:p>
+                      <a:pPr algn="l" fontAlgn="b"/>
+                      <a:r>
+                        <a:rPr lang="en-US" sz="1800" b="0" i="0" u="none" strike="noStrike" dirty="0">
+                          <a:solidFill>
+                            <a:srgbClr val="000000"/>
+                          </a:solidFill>
+                          <a:effectLst/>
+                          <a:latin typeface="Aptos Narrow" panose="020B0004020202020204" pitchFamily="34" charset="0"/>
+                        </a:rPr>
+                        <a:t>Lower Power Consumption</a:t>
+                      </a:r>
+                    </a:p>
+                  </a:txBody>
+                  <a:tcPr marL="7620" marR="7620" marT="7620" marB="0" anchor="b">
+                    <a:lnL w="6350" cap="flat" cmpd="sng" algn="ctr">
+                      <a:solidFill>
+                        <a:srgbClr val="D86DCD"/>
+                      </a:solidFill>
+                      <a:prstDash val="solid"/>
+                      <a:round/>
+                      <a:headEnd type="none" w="med" len="med"/>
+                      <a:tailEnd type="none" w="med" len="med"/>
+                    </a:lnL>
+                    <a:lnR>
+                      <a:noFill/>
+                    </a:lnR>
+                    <a:lnT w="6350" cap="flat" cmpd="sng" algn="ctr">
+                      <a:solidFill>
+                        <a:srgbClr val="D86DCD"/>
+                      </a:solidFill>
+                      <a:prstDash val="solid"/>
+                      <a:round/>
+                      <a:headEnd type="none" w="med" len="med"/>
+                      <a:tailEnd type="none" w="med" len="med"/>
+                    </a:lnT>
+                    <a:lnB w="6350" cap="flat" cmpd="sng" algn="ctr">
+                      <a:solidFill>
+                        <a:srgbClr val="D86DCD"/>
+                      </a:solidFill>
+                      <a:prstDash val="solid"/>
+                      <a:round/>
+                      <a:headEnd type="none" w="med" len="med"/>
+                      <a:tailEnd type="none" w="med" len="med"/>
+                    </a:lnB>
+                    <a:noFill/>
+                  </a:tcPr>
+                </a:tc>
+                <a:tc>
+                  <a:txBody>
+                    <a:bodyPr/>
+                    <a:lstStyle/>
+                    <a:p>
+                      <a:pPr algn="l" fontAlgn="b"/>
+                      <a:r>
+                        <a:rPr lang="en-US" sz="1800" b="0" i="0" u="none" strike="noStrike" dirty="0">
+                          <a:solidFill>
+                            <a:srgbClr val="000000"/>
+                          </a:solidFill>
+                          <a:effectLst/>
+                          <a:latin typeface="Aptos Narrow" panose="020B0004020202020204" pitchFamily="34" charset="0"/>
+                        </a:rPr>
+                        <a:t>Minimum 2 hours battery life</a:t>
+                      </a:r>
+                    </a:p>
+                  </a:txBody>
+                  <a:tcPr marL="7620" marR="7620" marT="7620" marB="0" anchor="b">
+                    <a:lnL>
+                      <a:noFill/>
+                    </a:lnL>
+                    <a:lnR>
+                      <a:noFill/>
+                    </a:lnR>
+                    <a:lnT w="6350" cap="flat" cmpd="sng" algn="ctr">
+                      <a:solidFill>
+                        <a:srgbClr val="D86DCD"/>
+                      </a:solidFill>
+                      <a:prstDash val="solid"/>
+                      <a:round/>
+                      <a:headEnd type="none" w="med" len="med"/>
+                      <a:tailEnd type="none" w="med" len="med"/>
+                    </a:lnT>
+                    <a:lnB w="6350" cap="flat" cmpd="sng" algn="ctr">
+                      <a:solidFill>
+                        <a:srgbClr val="D86DCD"/>
+                      </a:solidFill>
+                      <a:prstDash val="solid"/>
+                      <a:round/>
+                      <a:headEnd type="none" w="med" len="med"/>
+                      <a:tailEnd type="none" w="med" len="med"/>
+                    </a:lnB>
+                    <a:noFill/>
+                  </a:tcPr>
+                </a:tc>
+                <a:tc>
+                  <a:txBody>
+                    <a:bodyPr/>
+                    <a:lstStyle/>
+                    <a:p>
+                      <a:pPr algn="r" fontAlgn="b"/>
+                      <a:r>
+                        <a:rPr lang="en-US" sz="1800" b="0" i="0" u="none" strike="noStrike">
+                          <a:solidFill>
+                            <a:srgbClr val="000000"/>
+                          </a:solidFill>
+                          <a:effectLst/>
+                          <a:latin typeface="Aptos Narrow" panose="020B0004020202020204" pitchFamily="34" charset="0"/>
+                        </a:rPr>
+                        <a:t>5</a:t>
+                      </a:r>
+                    </a:p>
+                  </a:txBody>
+                  <a:tcPr marL="7620" marR="7620" marT="7620" marB="0" anchor="b">
+                    <a:lnL>
+                      <a:noFill/>
+                    </a:lnL>
+                    <a:lnR>
+                      <a:noFill/>
+                    </a:lnR>
+                    <a:lnT w="6350" cap="flat" cmpd="sng" algn="ctr">
+                      <a:solidFill>
+                        <a:srgbClr val="D86DCD"/>
+                      </a:solidFill>
+                      <a:prstDash val="solid"/>
+                      <a:round/>
+                      <a:headEnd type="none" w="med" len="med"/>
+                      <a:tailEnd type="none" w="med" len="med"/>
+                    </a:lnT>
+                    <a:lnB w="6350" cap="flat" cmpd="sng" algn="ctr">
+                      <a:solidFill>
+                        <a:srgbClr val="D86DCD"/>
+                      </a:solidFill>
+                      <a:prstDash val="solid"/>
+                      <a:round/>
+                      <a:headEnd type="none" w="med" len="med"/>
+                      <a:tailEnd type="none" w="med" len="med"/>
+                    </a:lnB>
+                    <a:noFill/>
+                  </a:tcPr>
+                </a:tc>
+                <a:tc>
+                  <a:txBody>
+                    <a:bodyPr/>
+                    <a:lstStyle/>
+                    <a:p>
+                      <a:pPr algn="r" fontAlgn="b"/>
+                      <a:r>
+                        <a:rPr lang="en-US" sz="1800" b="0" i="0" u="none" strike="noStrike">
+                          <a:solidFill>
+                            <a:srgbClr val="000000"/>
+                          </a:solidFill>
+                          <a:effectLst/>
+                          <a:latin typeface="Aptos Narrow" panose="020B0004020202020204" pitchFamily="34" charset="0"/>
+                        </a:rPr>
+                        <a:t>5</a:t>
+                      </a:r>
+                    </a:p>
+                  </a:txBody>
+                  <a:tcPr marL="7620" marR="7620" marT="7620" marB="0" anchor="b">
+                    <a:lnL>
+                      <a:noFill/>
+                    </a:lnL>
+                    <a:lnR>
+                      <a:noFill/>
+                    </a:lnR>
+                    <a:lnT w="6350" cap="flat" cmpd="sng" algn="ctr">
+                      <a:solidFill>
+                        <a:srgbClr val="D86DCD"/>
+                      </a:solidFill>
+                      <a:prstDash val="solid"/>
+                      <a:round/>
+                      <a:headEnd type="none" w="med" len="med"/>
+                      <a:tailEnd type="none" w="med" len="med"/>
+                    </a:lnT>
+                    <a:lnB w="6350" cap="flat" cmpd="sng" algn="ctr">
+                      <a:solidFill>
+                        <a:srgbClr val="D86DCD"/>
+                      </a:solidFill>
+                      <a:prstDash val="solid"/>
+                      <a:round/>
+                      <a:headEnd type="none" w="med" len="med"/>
+                      <a:tailEnd type="none" w="med" len="med"/>
+                    </a:lnB>
+                    <a:noFill/>
+                  </a:tcPr>
+                </a:tc>
+                <a:tc>
+                  <a:txBody>
+                    <a:bodyPr/>
+                    <a:lstStyle/>
+                    <a:p>
+                      <a:pPr algn="r" fontAlgn="b"/>
+                      <a:r>
+                        <a:rPr lang="en-US" sz="1800" b="0" i="0" u="none" strike="noStrike">
+                          <a:solidFill>
+                            <a:srgbClr val="000000"/>
+                          </a:solidFill>
+                          <a:effectLst/>
+                          <a:latin typeface="Aptos Narrow" panose="020B0004020202020204" pitchFamily="34" charset="0"/>
+                        </a:rPr>
+                        <a:t>3</a:t>
+                      </a:r>
+                    </a:p>
+                  </a:txBody>
+                  <a:tcPr marL="7620" marR="7620" marT="7620" marB="0" anchor="b">
+                    <a:lnL>
+                      <a:noFill/>
+                    </a:lnL>
+                    <a:lnR>
+                      <a:noFill/>
+                    </a:lnR>
+                    <a:lnT w="6350" cap="flat" cmpd="sng" algn="ctr">
+                      <a:solidFill>
+                        <a:srgbClr val="D86DCD"/>
+                      </a:solidFill>
+                      <a:prstDash val="solid"/>
+                      <a:round/>
+                      <a:headEnd type="none" w="med" len="med"/>
+                      <a:tailEnd type="none" w="med" len="med"/>
+                    </a:lnT>
+                    <a:lnB w="6350" cap="flat" cmpd="sng" algn="ctr">
+                      <a:solidFill>
+                        <a:srgbClr val="D86DCD"/>
+                      </a:solidFill>
+                      <a:prstDash val="solid"/>
+                      <a:round/>
+                      <a:headEnd type="none" w="med" len="med"/>
+                      <a:tailEnd type="none" w="med" len="med"/>
+                    </a:lnB>
+                    <a:noFill/>
+                  </a:tcPr>
+                </a:tc>
+                <a:tc>
+                  <a:txBody>
+                    <a:bodyPr/>
+                    <a:lstStyle/>
+                    <a:p>
+                      <a:pPr algn="r" fontAlgn="b"/>
+                      <a:r>
+                        <a:rPr lang="en-US" sz="1800" b="0" i="0" u="none" strike="noStrike">
+                          <a:solidFill>
+                            <a:srgbClr val="000000"/>
+                          </a:solidFill>
+                          <a:effectLst/>
+                          <a:latin typeface="Aptos Narrow" panose="020B0004020202020204" pitchFamily="34" charset="0"/>
+                        </a:rPr>
+                        <a:t>5</a:t>
+                      </a:r>
+                    </a:p>
+                  </a:txBody>
+                  <a:tcPr marL="7620" marR="7620" marT="7620" marB="0" anchor="b">
+                    <a:lnL>
+                      <a:noFill/>
+                    </a:lnL>
+                    <a:lnR w="6350" cap="flat" cmpd="sng" algn="ctr">
+                      <a:solidFill>
+                        <a:srgbClr val="D86DCD"/>
+                      </a:solidFill>
+                      <a:prstDash val="solid"/>
+                      <a:round/>
+                      <a:headEnd type="none" w="med" len="med"/>
+                      <a:tailEnd type="none" w="med" len="med"/>
+                    </a:lnR>
+                    <a:lnT w="6350" cap="flat" cmpd="sng" algn="ctr">
+                      <a:solidFill>
+                        <a:srgbClr val="D86DCD"/>
+                      </a:solidFill>
+                      <a:prstDash val="solid"/>
+                      <a:round/>
+                      <a:headEnd type="none" w="med" len="med"/>
+                      <a:tailEnd type="none" w="med" len="med"/>
+                    </a:lnT>
+                    <a:lnB w="6350" cap="flat" cmpd="sng" algn="ctr">
+                      <a:solidFill>
+                        <a:srgbClr val="D86DCD"/>
+                      </a:solidFill>
+                      <a:prstDash val="solid"/>
+                      <a:round/>
+                      <a:headEnd type="none" w="med" len="med"/>
+                      <a:tailEnd type="none" w="med" len="med"/>
+                    </a:lnB>
+                    <a:noFill/>
+                  </a:tcPr>
+                </a:tc>
+                <a:extLst>
+                  <a:ext uri="{0D108BD9-81ED-4DB2-BD59-A6C34878D82A}">
+                    <a16:rowId xmlns:a16="http://schemas.microsoft.com/office/drawing/2014/main" val="2076793931"/>
+                  </a:ext>
+                </a:extLst>
+              </a:tr>
+              <a:tr h="692473">
+                <a:tc>
+                  <a:txBody>
+                    <a:bodyPr/>
+                    <a:lstStyle/>
+                    <a:p>
+                      <a:pPr algn="l" fontAlgn="b"/>
+                      <a:r>
+                        <a:rPr lang="en-US" sz="1800" b="0" i="0" u="none" strike="noStrike">
+                          <a:solidFill>
+                            <a:srgbClr val="000000"/>
+                          </a:solidFill>
+                          <a:effectLst/>
+                          <a:latin typeface="Aptos Narrow" panose="020B0004020202020204" pitchFamily="34" charset="0"/>
+                        </a:rPr>
+                        <a:t>Data storage</a:t>
+                      </a:r>
+                    </a:p>
+                  </a:txBody>
+                  <a:tcPr marL="7620" marR="7620" marT="7620" marB="0" anchor="b">
+                    <a:lnL w="6350" cap="flat" cmpd="sng" algn="ctr">
+                      <a:solidFill>
+                        <a:srgbClr val="D86DCD"/>
+                      </a:solidFill>
+                      <a:prstDash val="solid"/>
+                      <a:round/>
+                      <a:headEnd type="none" w="med" len="med"/>
+                      <a:tailEnd type="none" w="med" len="med"/>
+                    </a:lnL>
+                    <a:lnR>
+                      <a:noFill/>
+                    </a:lnR>
+                    <a:lnT w="6350" cap="flat" cmpd="sng" algn="ctr">
+                      <a:solidFill>
+                        <a:srgbClr val="D86DCD"/>
+                      </a:solidFill>
+                      <a:prstDash val="solid"/>
+                      <a:round/>
+                      <a:headEnd type="none" w="med" len="med"/>
+                      <a:tailEnd type="none" w="med" len="med"/>
+                    </a:lnT>
+                    <a:lnB w="6350" cap="flat" cmpd="sng" algn="ctr">
+                      <a:solidFill>
+                        <a:srgbClr val="D86DCD"/>
+                      </a:solidFill>
+                      <a:prstDash val="solid"/>
+                      <a:round/>
+                      <a:headEnd type="none" w="med" len="med"/>
+                      <a:tailEnd type="none" w="med" len="med"/>
+                    </a:lnB>
+                    <a:solidFill>
+                      <a:srgbClr val="F2CEEF"/>
+                    </a:solidFill>
+                  </a:tcPr>
+                </a:tc>
+                <a:tc>
+                  <a:txBody>
+                    <a:bodyPr/>
+                    <a:lstStyle/>
+                    <a:p>
+                      <a:pPr algn="l" fontAlgn="b"/>
+                      <a:r>
+                        <a:rPr lang="en-US" sz="1800" b="0" i="0" u="none" strike="noStrike" dirty="0">
+                          <a:solidFill>
+                            <a:srgbClr val="000000"/>
+                          </a:solidFill>
+                          <a:effectLst/>
+                          <a:latin typeface="Aptos Narrow" panose="020B0004020202020204" pitchFamily="34" charset="0"/>
+                        </a:rPr>
+                        <a:t>Can store multiple flights worth of data</a:t>
+                      </a:r>
+                    </a:p>
+                  </a:txBody>
+                  <a:tcPr marL="7620" marR="7620" marT="7620" marB="0" anchor="b">
+                    <a:lnL>
+                      <a:noFill/>
+                    </a:lnL>
+                    <a:lnR>
+                      <a:noFill/>
+                    </a:lnR>
+                    <a:lnT w="6350" cap="flat" cmpd="sng" algn="ctr">
+                      <a:solidFill>
+                        <a:srgbClr val="D86DCD"/>
+                      </a:solidFill>
+                      <a:prstDash val="solid"/>
+                      <a:round/>
+                      <a:headEnd type="none" w="med" len="med"/>
+                      <a:tailEnd type="none" w="med" len="med"/>
+                    </a:lnT>
+                    <a:lnB w="6350" cap="flat" cmpd="sng" algn="ctr">
+                      <a:solidFill>
+                        <a:srgbClr val="D86DCD"/>
+                      </a:solidFill>
+                      <a:prstDash val="solid"/>
+                      <a:round/>
+                      <a:headEnd type="none" w="med" len="med"/>
+                      <a:tailEnd type="none" w="med" len="med"/>
+                    </a:lnB>
+                    <a:solidFill>
+                      <a:srgbClr val="F2CEEF"/>
+                    </a:solidFill>
+                  </a:tcPr>
+                </a:tc>
+                <a:tc>
+                  <a:txBody>
+                    <a:bodyPr/>
+                    <a:lstStyle/>
+                    <a:p>
+                      <a:pPr algn="r" fontAlgn="b"/>
+                      <a:r>
+                        <a:rPr lang="en-US" sz="1800" b="0" i="0" u="none" strike="noStrike">
+                          <a:solidFill>
+                            <a:srgbClr val="000000"/>
+                          </a:solidFill>
+                          <a:effectLst/>
+                          <a:latin typeface="Aptos Narrow" panose="020B0004020202020204" pitchFamily="34" charset="0"/>
+                        </a:rPr>
+                        <a:t>7</a:t>
+                      </a:r>
+                    </a:p>
+                  </a:txBody>
+                  <a:tcPr marL="7620" marR="7620" marT="7620" marB="0" anchor="b">
+                    <a:lnL>
+                      <a:noFill/>
+                    </a:lnL>
+                    <a:lnR>
+                      <a:noFill/>
+                    </a:lnR>
+                    <a:lnT w="6350" cap="flat" cmpd="sng" algn="ctr">
+                      <a:solidFill>
+                        <a:srgbClr val="D86DCD"/>
+                      </a:solidFill>
+                      <a:prstDash val="solid"/>
+                      <a:round/>
+                      <a:headEnd type="none" w="med" len="med"/>
+                      <a:tailEnd type="none" w="med" len="med"/>
+                    </a:lnT>
+                    <a:lnB w="6350" cap="flat" cmpd="sng" algn="ctr">
+                      <a:solidFill>
+                        <a:srgbClr val="D86DCD"/>
+                      </a:solidFill>
+                      <a:prstDash val="solid"/>
+                      <a:round/>
+                      <a:headEnd type="none" w="med" len="med"/>
+                      <a:tailEnd type="none" w="med" len="med"/>
+                    </a:lnB>
+                    <a:solidFill>
+                      <a:srgbClr val="F2CEEF"/>
+                    </a:solidFill>
+                  </a:tcPr>
+                </a:tc>
+                <a:tc>
+                  <a:txBody>
+                    <a:bodyPr/>
+                    <a:lstStyle/>
+                    <a:p>
+                      <a:pPr algn="r" fontAlgn="b"/>
+                      <a:r>
+                        <a:rPr lang="en-US" sz="1800" b="0" i="0" u="none" strike="noStrike">
+                          <a:solidFill>
+                            <a:srgbClr val="000000"/>
+                          </a:solidFill>
+                          <a:effectLst/>
+                          <a:latin typeface="Aptos Narrow" panose="020B0004020202020204" pitchFamily="34" charset="0"/>
+                        </a:rPr>
+                        <a:t>5</a:t>
+                      </a:r>
+                    </a:p>
+                  </a:txBody>
+                  <a:tcPr marL="7620" marR="7620" marT="7620" marB="0" anchor="b">
+                    <a:lnL>
+                      <a:noFill/>
+                    </a:lnL>
+                    <a:lnR>
+                      <a:noFill/>
+                    </a:lnR>
+                    <a:lnT w="6350" cap="flat" cmpd="sng" algn="ctr">
+                      <a:solidFill>
+                        <a:srgbClr val="D86DCD"/>
+                      </a:solidFill>
+                      <a:prstDash val="solid"/>
+                      <a:round/>
+                      <a:headEnd type="none" w="med" len="med"/>
+                      <a:tailEnd type="none" w="med" len="med"/>
+                    </a:lnT>
+                    <a:lnB w="6350" cap="flat" cmpd="sng" algn="ctr">
+                      <a:solidFill>
+                        <a:srgbClr val="D86DCD"/>
+                      </a:solidFill>
+                      <a:prstDash val="solid"/>
+                      <a:round/>
+                      <a:headEnd type="none" w="med" len="med"/>
+                      <a:tailEnd type="none" w="med" len="med"/>
+                    </a:lnB>
+                    <a:solidFill>
+                      <a:srgbClr val="F2CEEF"/>
+                    </a:solidFill>
+                  </a:tcPr>
+                </a:tc>
+                <a:tc>
+                  <a:txBody>
+                    <a:bodyPr/>
+                    <a:lstStyle/>
+                    <a:p>
+                      <a:pPr algn="r" fontAlgn="b"/>
+                      <a:r>
+                        <a:rPr lang="en-US" sz="1800" b="0" i="0" u="none" strike="noStrike">
+                          <a:solidFill>
+                            <a:srgbClr val="000000"/>
+                          </a:solidFill>
+                          <a:effectLst/>
+                          <a:latin typeface="Aptos Narrow" panose="020B0004020202020204" pitchFamily="34" charset="0"/>
+                        </a:rPr>
+                        <a:t>7</a:t>
+                      </a:r>
+                    </a:p>
+                  </a:txBody>
+                  <a:tcPr marL="7620" marR="7620" marT="7620" marB="0" anchor="b">
+                    <a:lnL>
+                      <a:noFill/>
+                    </a:lnL>
+                    <a:lnR>
+                      <a:noFill/>
+                    </a:lnR>
+                    <a:lnT w="6350" cap="flat" cmpd="sng" algn="ctr">
+                      <a:solidFill>
+                        <a:srgbClr val="D86DCD"/>
+                      </a:solidFill>
+                      <a:prstDash val="solid"/>
+                      <a:round/>
+                      <a:headEnd type="none" w="med" len="med"/>
+                      <a:tailEnd type="none" w="med" len="med"/>
+                    </a:lnT>
+                    <a:lnB w="6350" cap="flat" cmpd="sng" algn="ctr">
+                      <a:solidFill>
+                        <a:srgbClr val="D86DCD"/>
+                      </a:solidFill>
+                      <a:prstDash val="solid"/>
+                      <a:round/>
+                      <a:headEnd type="none" w="med" len="med"/>
+                      <a:tailEnd type="none" w="med" len="med"/>
+                    </a:lnB>
+                    <a:solidFill>
+                      <a:srgbClr val="F2CEEF"/>
+                    </a:solidFill>
+                  </a:tcPr>
+                </a:tc>
+                <a:tc>
+                  <a:txBody>
+                    <a:bodyPr/>
+                    <a:lstStyle/>
+                    <a:p>
+                      <a:pPr algn="r" fontAlgn="b"/>
+                      <a:r>
+                        <a:rPr lang="en-US" sz="1800" b="0" i="0" u="none" strike="noStrike">
+                          <a:solidFill>
+                            <a:srgbClr val="000000"/>
+                          </a:solidFill>
+                          <a:effectLst/>
+                          <a:latin typeface="Aptos Narrow" panose="020B0004020202020204" pitchFamily="34" charset="0"/>
+                        </a:rPr>
+                        <a:t>5</a:t>
+                      </a:r>
+                    </a:p>
+                  </a:txBody>
+                  <a:tcPr marL="7620" marR="7620" marT="7620" marB="0" anchor="b">
+                    <a:lnL>
+                      <a:noFill/>
+                    </a:lnL>
+                    <a:lnR w="6350" cap="flat" cmpd="sng" algn="ctr">
+                      <a:solidFill>
+                        <a:srgbClr val="D86DCD"/>
+                      </a:solidFill>
+                      <a:prstDash val="solid"/>
+                      <a:round/>
+                      <a:headEnd type="none" w="med" len="med"/>
+                      <a:tailEnd type="none" w="med" len="med"/>
+                    </a:lnR>
+                    <a:lnT w="6350" cap="flat" cmpd="sng" algn="ctr">
+                      <a:solidFill>
+                        <a:srgbClr val="D86DCD"/>
+                      </a:solidFill>
+                      <a:prstDash val="solid"/>
+                      <a:round/>
+                      <a:headEnd type="none" w="med" len="med"/>
+                      <a:tailEnd type="none" w="med" len="med"/>
+                    </a:lnT>
+                    <a:lnB w="6350" cap="flat" cmpd="sng" algn="ctr">
+                      <a:solidFill>
+                        <a:srgbClr val="D86DCD"/>
+                      </a:solidFill>
+                      <a:prstDash val="solid"/>
+                      <a:round/>
+                      <a:headEnd type="none" w="med" len="med"/>
+                      <a:tailEnd type="none" w="med" len="med"/>
+                    </a:lnB>
+                    <a:solidFill>
+                      <a:srgbClr val="F2CEEF"/>
+                    </a:solidFill>
+                  </a:tcPr>
+                </a:tc>
+                <a:extLst>
+                  <a:ext uri="{0D108BD9-81ED-4DB2-BD59-A6C34878D82A}">
+                    <a16:rowId xmlns:a16="http://schemas.microsoft.com/office/drawing/2014/main" val="1110414863"/>
+                  </a:ext>
+                </a:extLst>
+              </a:tr>
+              <a:tr h="346236">
+                <a:tc>
+                  <a:txBody>
+                    <a:bodyPr/>
+                    <a:lstStyle/>
+                    <a:p>
+                      <a:pPr algn="l" fontAlgn="b"/>
+                      <a:r>
+                        <a:rPr lang="en-US" sz="1800" b="0" i="0" u="none" strike="noStrike">
+                          <a:solidFill>
+                            <a:srgbClr val="000000"/>
+                          </a:solidFill>
+                          <a:effectLst/>
+                          <a:latin typeface="Aptos Narrow" panose="020B0004020202020204" pitchFamily="34" charset="0"/>
+                        </a:rPr>
+                        <a:t>Ease of use</a:t>
+                      </a:r>
+                    </a:p>
+                  </a:txBody>
+                  <a:tcPr marL="7620" marR="7620" marT="7620" marB="0" anchor="b">
+                    <a:lnL w="6350" cap="flat" cmpd="sng" algn="ctr">
+                      <a:solidFill>
+                        <a:srgbClr val="D86DCD"/>
+                      </a:solidFill>
+                      <a:prstDash val="solid"/>
+                      <a:round/>
+                      <a:headEnd type="none" w="med" len="med"/>
+                      <a:tailEnd type="none" w="med" len="med"/>
+                    </a:lnL>
+                    <a:lnR>
+                      <a:noFill/>
+                    </a:lnR>
+                    <a:lnT w="6350" cap="flat" cmpd="sng" algn="ctr">
+                      <a:solidFill>
+                        <a:srgbClr val="D86DCD"/>
+                      </a:solidFill>
+                      <a:prstDash val="solid"/>
+                      <a:round/>
+                      <a:headEnd type="none" w="med" len="med"/>
+                      <a:tailEnd type="none" w="med" len="med"/>
+                    </a:lnT>
+                    <a:lnB w="6350" cap="flat" cmpd="sng" algn="ctr">
+                      <a:solidFill>
+                        <a:srgbClr val="D86DCD"/>
+                      </a:solidFill>
+                      <a:prstDash val="solid"/>
+                      <a:round/>
+                      <a:headEnd type="none" w="med" len="med"/>
+                      <a:tailEnd type="none" w="med" len="med"/>
+                    </a:lnB>
+                    <a:noFill/>
+                  </a:tcPr>
+                </a:tc>
+                <a:tc>
+                  <a:txBody>
+                    <a:bodyPr/>
+                    <a:lstStyle/>
+                    <a:p>
+                      <a:pPr algn="l" fontAlgn="b"/>
+                      <a:r>
+                        <a:rPr lang="en-US" sz="1800" b="0" i="0" u="none" strike="noStrike" dirty="0">
+                          <a:solidFill>
+                            <a:srgbClr val="000000"/>
+                          </a:solidFill>
+                          <a:effectLst/>
+                          <a:latin typeface="Aptos Narrow" panose="020B0004020202020204" pitchFamily="34" charset="0"/>
+                        </a:rPr>
+                        <a:t>Easy to use interface</a:t>
+                      </a:r>
+                    </a:p>
+                  </a:txBody>
+                  <a:tcPr marL="7620" marR="7620" marT="7620" marB="0" anchor="b">
+                    <a:lnL>
+                      <a:noFill/>
+                    </a:lnL>
+                    <a:lnR>
+                      <a:noFill/>
+                    </a:lnR>
+                    <a:lnT w="6350" cap="flat" cmpd="sng" algn="ctr">
+                      <a:solidFill>
+                        <a:srgbClr val="D86DCD"/>
+                      </a:solidFill>
+                      <a:prstDash val="solid"/>
+                      <a:round/>
+                      <a:headEnd type="none" w="med" len="med"/>
+                      <a:tailEnd type="none" w="med" len="med"/>
+                    </a:lnT>
+                    <a:lnB w="6350" cap="flat" cmpd="sng" algn="ctr">
+                      <a:solidFill>
+                        <a:srgbClr val="D86DCD"/>
+                      </a:solidFill>
+                      <a:prstDash val="solid"/>
+                      <a:round/>
+                      <a:headEnd type="none" w="med" len="med"/>
+                      <a:tailEnd type="none" w="med" len="med"/>
+                    </a:lnB>
+                    <a:noFill/>
+                  </a:tcPr>
+                </a:tc>
+                <a:tc>
+                  <a:txBody>
+                    <a:bodyPr/>
+                    <a:lstStyle/>
+                    <a:p>
+                      <a:pPr algn="r" fontAlgn="b"/>
+                      <a:r>
+                        <a:rPr lang="en-US" sz="1800" b="0" i="0" u="none" strike="noStrike" dirty="0">
+                          <a:solidFill>
+                            <a:srgbClr val="000000"/>
+                          </a:solidFill>
+                          <a:effectLst/>
+                          <a:latin typeface="Aptos Narrow" panose="020B0004020202020204" pitchFamily="34" charset="0"/>
+                        </a:rPr>
+                        <a:t>7</a:t>
+                      </a:r>
+                    </a:p>
+                  </a:txBody>
+                  <a:tcPr marL="7620" marR="7620" marT="7620" marB="0" anchor="b">
+                    <a:lnL>
+                      <a:noFill/>
+                    </a:lnL>
+                    <a:lnR>
+                      <a:noFill/>
+                    </a:lnR>
+                    <a:lnT w="6350" cap="flat" cmpd="sng" algn="ctr">
+                      <a:solidFill>
+                        <a:srgbClr val="D86DCD"/>
+                      </a:solidFill>
+                      <a:prstDash val="solid"/>
+                      <a:round/>
+                      <a:headEnd type="none" w="med" len="med"/>
+                      <a:tailEnd type="none" w="med" len="med"/>
+                    </a:lnT>
+                    <a:lnB w="6350" cap="flat" cmpd="sng" algn="ctr">
+                      <a:solidFill>
+                        <a:srgbClr val="D86DCD"/>
+                      </a:solidFill>
+                      <a:prstDash val="solid"/>
+                      <a:round/>
+                      <a:headEnd type="none" w="med" len="med"/>
+                      <a:tailEnd type="none" w="med" len="med"/>
+                    </a:lnB>
+                    <a:noFill/>
+                  </a:tcPr>
+                </a:tc>
+                <a:tc>
+                  <a:txBody>
+                    <a:bodyPr/>
+                    <a:lstStyle/>
+                    <a:p>
+                      <a:pPr algn="r" fontAlgn="b"/>
+                      <a:r>
+                        <a:rPr lang="en-US" sz="1800" b="0" i="0" u="none" strike="noStrike">
+                          <a:solidFill>
+                            <a:srgbClr val="000000"/>
+                          </a:solidFill>
+                          <a:effectLst/>
+                          <a:latin typeface="Aptos Narrow" panose="020B0004020202020204" pitchFamily="34" charset="0"/>
+                        </a:rPr>
+                        <a:t>5</a:t>
+                      </a:r>
+                    </a:p>
+                  </a:txBody>
+                  <a:tcPr marL="7620" marR="7620" marT="7620" marB="0" anchor="b">
+                    <a:lnL>
+                      <a:noFill/>
+                    </a:lnL>
+                    <a:lnR>
+                      <a:noFill/>
+                    </a:lnR>
+                    <a:lnT w="6350" cap="flat" cmpd="sng" algn="ctr">
+                      <a:solidFill>
+                        <a:srgbClr val="D86DCD"/>
+                      </a:solidFill>
+                      <a:prstDash val="solid"/>
+                      <a:round/>
+                      <a:headEnd type="none" w="med" len="med"/>
+                      <a:tailEnd type="none" w="med" len="med"/>
+                    </a:lnT>
+                    <a:lnB w="6350" cap="flat" cmpd="sng" algn="ctr">
+                      <a:solidFill>
+                        <a:srgbClr val="D86DCD"/>
+                      </a:solidFill>
+                      <a:prstDash val="solid"/>
+                      <a:round/>
+                      <a:headEnd type="none" w="med" len="med"/>
+                      <a:tailEnd type="none" w="med" len="med"/>
+                    </a:lnB>
+                    <a:noFill/>
+                  </a:tcPr>
+                </a:tc>
+                <a:tc>
+                  <a:txBody>
+                    <a:bodyPr/>
+                    <a:lstStyle/>
+                    <a:p>
+                      <a:pPr algn="r" fontAlgn="b"/>
+                      <a:r>
+                        <a:rPr lang="en-US" sz="1800" b="0" i="0" u="none" strike="noStrike">
+                          <a:solidFill>
+                            <a:srgbClr val="000000"/>
+                          </a:solidFill>
+                          <a:effectLst/>
+                          <a:latin typeface="Aptos Narrow" panose="020B0004020202020204" pitchFamily="34" charset="0"/>
+                        </a:rPr>
+                        <a:t>9</a:t>
+                      </a:r>
+                    </a:p>
+                  </a:txBody>
+                  <a:tcPr marL="7620" marR="7620" marT="7620" marB="0" anchor="b">
+                    <a:lnL>
+                      <a:noFill/>
+                    </a:lnL>
+                    <a:lnR>
+                      <a:noFill/>
+                    </a:lnR>
+                    <a:lnT w="6350" cap="flat" cmpd="sng" algn="ctr">
+                      <a:solidFill>
+                        <a:srgbClr val="D86DCD"/>
+                      </a:solidFill>
+                      <a:prstDash val="solid"/>
+                      <a:round/>
+                      <a:headEnd type="none" w="med" len="med"/>
+                      <a:tailEnd type="none" w="med" len="med"/>
+                    </a:lnT>
+                    <a:lnB w="6350" cap="flat" cmpd="sng" algn="ctr">
+                      <a:solidFill>
+                        <a:srgbClr val="D86DCD"/>
+                      </a:solidFill>
+                      <a:prstDash val="solid"/>
+                      <a:round/>
+                      <a:headEnd type="none" w="med" len="med"/>
+                      <a:tailEnd type="none" w="med" len="med"/>
+                    </a:lnB>
+                    <a:noFill/>
+                  </a:tcPr>
+                </a:tc>
+                <a:tc>
+                  <a:txBody>
+                    <a:bodyPr/>
+                    <a:lstStyle/>
+                    <a:p>
+                      <a:pPr algn="r" fontAlgn="b"/>
+                      <a:r>
+                        <a:rPr lang="en-US" sz="1800" b="0" i="0" u="none" strike="noStrike">
+                          <a:solidFill>
+                            <a:srgbClr val="000000"/>
+                          </a:solidFill>
+                          <a:effectLst/>
+                          <a:latin typeface="Aptos Narrow" panose="020B0004020202020204" pitchFamily="34" charset="0"/>
+                        </a:rPr>
+                        <a:t>3</a:t>
+                      </a:r>
+                    </a:p>
+                  </a:txBody>
+                  <a:tcPr marL="7620" marR="7620" marT="7620" marB="0" anchor="b">
+                    <a:lnL>
+                      <a:noFill/>
+                    </a:lnL>
+                    <a:lnR w="6350" cap="flat" cmpd="sng" algn="ctr">
+                      <a:solidFill>
+                        <a:srgbClr val="D86DCD"/>
+                      </a:solidFill>
+                      <a:prstDash val="solid"/>
+                      <a:round/>
+                      <a:headEnd type="none" w="med" len="med"/>
+                      <a:tailEnd type="none" w="med" len="med"/>
+                    </a:lnR>
+                    <a:lnT w="6350" cap="flat" cmpd="sng" algn="ctr">
+                      <a:solidFill>
+                        <a:srgbClr val="D86DCD"/>
+                      </a:solidFill>
+                      <a:prstDash val="solid"/>
+                      <a:round/>
+                      <a:headEnd type="none" w="med" len="med"/>
+                      <a:tailEnd type="none" w="med" len="med"/>
+                    </a:lnT>
+                    <a:lnB w="6350" cap="flat" cmpd="sng" algn="ctr">
+                      <a:solidFill>
+                        <a:srgbClr val="D86DCD"/>
+                      </a:solidFill>
+                      <a:prstDash val="solid"/>
+                      <a:round/>
+                      <a:headEnd type="none" w="med" len="med"/>
+                      <a:tailEnd type="none" w="med" len="med"/>
+                    </a:lnB>
+                    <a:noFill/>
+                  </a:tcPr>
+                </a:tc>
+                <a:extLst>
+                  <a:ext uri="{0D108BD9-81ED-4DB2-BD59-A6C34878D82A}">
+                    <a16:rowId xmlns:a16="http://schemas.microsoft.com/office/drawing/2014/main" val="3929837432"/>
+                  </a:ext>
+                </a:extLst>
+              </a:tr>
+              <a:tr h="346236">
+                <a:tc>
+                  <a:txBody>
+                    <a:bodyPr/>
+                    <a:lstStyle/>
+                    <a:p>
+                      <a:pPr algn="l" fontAlgn="b"/>
+                      <a:r>
+                        <a:rPr lang="en-US" sz="1800" b="0" i="0" u="none" strike="noStrike">
+                          <a:solidFill>
+                            <a:srgbClr val="000000"/>
+                          </a:solidFill>
+                          <a:effectLst/>
+                          <a:latin typeface="Aptos Narrow" panose="020B0004020202020204" pitchFamily="34" charset="0"/>
+                        </a:rPr>
+                        <a:t>Affordability</a:t>
+                      </a:r>
+                    </a:p>
+                  </a:txBody>
+                  <a:tcPr marL="7620" marR="7620" marT="7620" marB="0" anchor="b">
+                    <a:lnL w="6350" cap="flat" cmpd="sng" algn="ctr">
+                      <a:solidFill>
+                        <a:srgbClr val="D86DCD"/>
+                      </a:solidFill>
+                      <a:prstDash val="solid"/>
+                      <a:round/>
+                      <a:headEnd type="none" w="med" len="med"/>
+                      <a:tailEnd type="none" w="med" len="med"/>
+                    </a:lnL>
+                    <a:lnR>
+                      <a:noFill/>
+                    </a:lnR>
+                    <a:lnT w="6350" cap="flat" cmpd="sng" algn="ctr">
+                      <a:solidFill>
+                        <a:srgbClr val="D86DCD"/>
+                      </a:solidFill>
+                      <a:prstDash val="solid"/>
+                      <a:round/>
+                      <a:headEnd type="none" w="med" len="med"/>
+                      <a:tailEnd type="none" w="med" len="med"/>
+                    </a:lnT>
+                    <a:lnB w="6350" cap="flat" cmpd="sng" algn="ctr">
+                      <a:solidFill>
+                        <a:srgbClr val="D86DCD"/>
+                      </a:solidFill>
+                      <a:prstDash val="solid"/>
+                      <a:round/>
+                      <a:headEnd type="none" w="med" len="med"/>
+                      <a:tailEnd type="none" w="med" len="med"/>
+                    </a:lnB>
+                    <a:solidFill>
+                      <a:srgbClr val="F2CEEF"/>
+                    </a:solidFill>
+                  </a:tcPr>
+                </a:tc>
+                <a:tc>
+                  <a:txBody>
+                    <a:bodyPr/>
+                    <a:lstStyle/>
+                    <a:p>
+                      <a:pPr algn="l" fontAlgn="b"/>
+                      <a:r>
+                        <a:rPr lang="en-US" sz="1800" b="0" i="0" u="none" strike="noStrike" dirty="0">
+                          <a:solidFill>
+                            <a:srgbClr val="000000"/>
+                          </a:solidFill>
+                          <a:effectLst/>
+                          <a:latin typeface="Aptos Narrow" panose="020B0004020202020204" pitchFamily="34" charset="0"/>
+                        </a:rPr>
+                        <a:t>Unit production cost &lt; $200</a:t>
+                      </a:r>
+                    </a:p>
+                  </a:txBody>
+                  <a:tcPr marL="7620" marR="7620" marT="7620" marB="0" anchor="b">
+                    <a:lnL>
+                      <a:noFill/>
+                    </a:lnL>
+                    <a:lnR>
+                      <a:noFill/>
+                    </a:lnR>
+                    <a:lnT w="6350" cap="flat" cmpd="sng" algn="ctr">
+                      <a:solidFill>
+                        <a:srgbClr val="D86DCD"/>
+                      </a:solidFill>
+                      <a:prstDash val="solid"/>
+                      <a:round/>
+                      <a:headEnd type="none" w="med" len="med"/>
+                      <a:tailEnd type="none" w="med" len="med"/>
+                    </a:lnT>
+                    <a:lnB w="6350" cap="flat" cmpd="sng" algn="ctr">
+                      <a:solidFill>
+                        <a:srgbClr val="D86DCD"/>
+                      </a:solidFill>
+                      <a:prstDash val="solid"/>
+                      <a:round/>
+                      <a:headEnd type="none" w="med" len="med"/>
+                      <a:tailEnd type="none" w="med" len="med"/>
+                    </a:lnB>
+                    <a:solidFill>
+                      <a:srgbClr val="F2CEEF"/>
+                    </a:solidFill>
+                  </a:tcPr>
+                </a:tc>
+                <a:tc>
+                  <a:txBody>
+                    <a:bodyPr/>
+                    <a:lstStyle/>
+                    <a:p>
+                      <a:pPr algn="r" fontAlgn="b"/>
+                      <a:r>
+                        <a:rPr lang="en-US" sz="1800" b="0" i="0" u="none" strike="noStrike">
+                          <a:solidFill>
+                            <a:srgbClr val="000000"/>
+                          </a:solidFill>
+                          <a:effectLst/>
+                          <a:latin typeface="Aptos Narrow" panose="020B0004020202020204" pitchFamily="34" charset="0"/>
+                        </a:rPr>
+                        <a:t>3</a:t>
+                      </a:r>
+                    </a:p>
+                  </a:txBody>
+                  <a:tcPr marL="7620" marR="7620" marT="7620" marB="0" anchor="b">
+                    <a:lnL>
+                      <a:noFill/>
+                    </a:lnL>
+                    <a:lnR>
+                      <a:noFill/>
+                    </a:lnR>
+                    <a:lnT w="6350" cap="flat" cmpd="sng" algn="ctr">
+                      <a:solidFill>
+                        <a:srgbClr val="D86DCD"/>
+                      </a:solidFill>
+                      <a:prstDash val="solid"/>
+                      <a:round/>
+                      <a:headEnd type="none" w="med" len="med"/>
+                      <a:tailEnd type="none" w="med" len="med"/>
+                    </a:lnT>
+                    <a:lnB w="6350" cap="flat" cmpd="sng" algn="ctr">
+                      <a:solidFill>
+                        <a:srgbClr val="D86DCD"/>
+                      </a:solidFill>
+                      <a:prstDash val="solid"/>
+                      <a:round/>
+                      <a:headEnd type="none" w="med" len="med"/>
+                      <a:tailEnd type="none" w="med" len="med"/>
+                    </a:lnB>
+                    <a:solidFill>
+                      <a:srgbClr val="F2CEEF"/>
+                    </a:solidFill>
+                  </a:tcPr>
+                </a:tc>
+                <a:tc>
+                  <a:txBody>
+                    <a:bodyPr/>
+                    <a:lstStyle/>
+                    <a:p>
+                      <a:pPr algn="r" fontAlgn="b"/>
+                      <a:r>
+                        <a:rPr lang="en-US" sz="1800" b="0" i="0" u="none" strike="noStrike" dirty="0">
+                          <a:solidFill>
+                            <a:srgbClr val="000000"/>
+                          </a:solidFill>
+                          <a:effectLst/>
+                          <a:latin typeface="Aptos Narrow" panose="020B0004020202020204" pitchFamily="34" charset="0"/>
+                        </a:rPr>
+                        <a:t>5</a:t>
+                      </a:r>
+                    </a:p>
+                  </a:txBody>
+                  <a:tcPr marL="7620" marR="7620" marT="7620" marB="0" anchor="b">
+                    <a:lnL>
+                      <a:noFill/>
+                    </a:lnL>
+                    <a:lnR>
+                      <a:noFill/>
+                    </a:lnR>
+                    <a:lnT w="6350" cap="flat" cmpd="sng" algn="ctr">
+                      <a:solidFill>
+                        <a:srgbClr val="D86DCD"/>
+                      </a:solidFill>
+                      <a:prstDash val="solid"/>
+                      <a:round/>
+                      <a:headEnd type="none" w="med" len="med"/>
+                      <a:tailEnd type="none" w="med" len="med"/>
+                    </a:lnT>
+                    <a:lnB w="6350" cap="flat" cmpd="sng" algn="ctr">
+                      <a:solidFill>
+                        <a:srgbClr val="D86DCD"/>
+                      </a:solidFill>
+                      <a:prstDash val="solid"/>
+                      <a:round/>
+                      <a:headEnd type="none" w="med" len="med"/>
+                      <a:tailEnd type="none" w="med" len="med"/>
+                    </a:lnB>
+                    <a:solidFill>
+                      <a:srgbClr val="F2CEEF"/>
+                    </a:solidFill>
+                  </a:tcPr>
+                </a:tc>
+                <a:tc>
+                  <a:txBody>
+                    <a:bodyPr/>
+                    <a:lstStyle/>
+                    <a:p>
+                      <a:pPr algn="r" fontAlgn="b"/>
+                      <a:r>
+                        <a:rPr lang="en-US" sz="1800" b="0" i="0" u="none" strike="noStrike">
+                          <a:solidFill>
+                            <a:srgbClr val="000000"/>
+                          </a:solidFill>
+                          <a:effectLst/>
+                          <a:latin typeface="Aptos Narrow" panose="020B0004020202020204" pitchFamily="34" charset="0"/>
+                        </a:rPr>
+                        <a:t>7</a:t>
+                      </a:r>
+                    </a:p>
+                  </a:txBody>
+                  <a:tcPr marL="7620" marR="7620" marT="7620" marB="0" anchor="b">
+                    <a:lnL>
+                      <a:noFill/>
+                    </a:lnL>
+                    <a:lnR>
+                      <a:noFill/>
+                    </a:lnR>
+                    <a:lnT w="6350" cap="flat" cmpd="sng" algn="ctr">
+                      <a:solidFill>
+                        <a:srgbClr val="D86DCD"/>
+                      </a:solidFill>
+                      <a:prstDash val="solid"/>
+                      <a:round/>
+                      <a:headEnd type="none" w="med" len="med"/>
+                      <a:tailEnd type="none" w="med" len="med"/>
+                    </a:lnT>
+                    <a:lnB w="6350" cap="flat" cmpd="sng" algn="ctr">
+                      <a:solidFill>
+                        <a:srgbClr val="D86DCD"/>
+                      </a:solidFill>
+                      <a:prstDash val="solid"/>
+                      <a:round/>
+                      <a:headEnd type="none" w="med" len="med"/>
+                      <a:tailEnd type="none" w="med" len="med"/>
+                    </a:lnB>
+                    <a:solidFill>
+                      <a:srgbClr val="F2CEEF"/>
+                    </a:solidFill>
+                  </a:tcPr>
+                </a:tc>
+                <a:tc>
+                  <a:txBody>
+                    <a:bodyPr/>
+                    <a:lstStyle/>
+                    <a:p>
+                      <a:pPr algn="r" fontAlgn="b"/>
+                      <a:r>
+                        <a:rPr lang="en-US" sz="1800" b="0" i="0" u="none" strike="noStrike">
+                          <a:solidFill>
+                            <a:srgbClr val="000000"/>
+                          </a:solidFill>
+                          <a:effectLst/>
+                          <a:latin typeface="Aptos Narrow" panose="020B0004020202020204" pitchFamily="34" charset="0"/>
+                        </a:rPr>
+                        <a:t>3</a:t>
+                      </a:r>
+                    </a:p>
+                  </a:txBody>
+                  <a:tcPr marL="7620" marR="7620" marT="7620" marB="0" anchor="b">
+                    <a:lnL>
+                      <a:noFill/>
+                    </a:lnL>
+                    <a:lnR w="6350" cap="flat" cmpd="sng" algn="ctr">
+                      <a:solidFill>
+                        <a:srgbClr val="D86DCD"/>
+                      </a:solidFill>
+                      <a:prstDash val="solid"/>
+                      <a:round/>
+                      <a:headEnd type="none" w="med" len="med"/>
+                      <a:tailEnd type="none" w="med" len="med"/>
+                    </a:lnR>
+                    <a:lnT w="6350" cap="flat" cmpd="sng" algn="ctr">
+                      <a:solidFill>
+                        <a:srgbClr val="D86DCD"/>
+                      </a:solidFill>
+                      <a:prstDash val="solid"/>
+                      <a:round/>
+                      <a:headEnd type="none" w="med" len="med"/>
+                      <a:tailEnd type="none" w="med" len="med"/>
+                    </a:lnT>
+                    <a:lnB w="6350" cap="flat" cmpd="sng" algn="ctr">
+                      <a:solidFill>
+                        <a:srgbClr val="D86DCD"/>
+                      </a:solidFill>
+                      <a:prstDash val="solid"/>
+                      <a:round/>
+                      <a:headEnd type="none" w="med" len="med"/>
+                      <a:tailEnd type="none" w="med" len="med"/>
+                    </a:lnB>
+                    <a:solidFill>
+                      <a:srgbClr val="F2CEEF"/>
+                    </a:solidFill>
+                  </a:tcPr>
+                </a:tc>
+                <a:extLst>
+                  <a:ext uri="{0D108BD9-81ED-4DB2-BD59-A6C34878D82A}">
+                    <a16:rowId xmlns:a16="http://schemas.microsoft.com/office/drawing/2014/main" val="35067030"/>
+                  </a:ext>
+                </a:extLst>
+              </a:tr>
+              <a:tr h="346236">
+                <a:tc>
+                  <a:txBody>
+                    <a:bodyPr/>
+                    <a:lstStyle/>
+                    <a:p>
+                      <a:pPr algn="l" fontAlgn="b"/>
+                      <a:r>
+                        <a:rPr lang="en-US" sz="1800" b="0" i="0" u="none" strike="noStrike">
+                          <a:solidFill>
+                            <a:srgbClr val="000000"/>
+                          </a:solidFill>
+                          <a:effectLst/>
+                          <a:latin typeface="Aptos Narrow" panose="020B0004020202020204" pitchFamily="34" charset="0"/>
+                        </a:rPr>
+                        <a:t>Connectivity</a:t>
+                      </a:r>
+                    </a:p>
+                  </a:txBody>
+                  <a:tcPr marL="7620" marR="7620" marT="7620" marB="0" anchor="b">
+                    <a:lnL w="6350" cap="flat" cmpd="sng" algn="ctr">
+                      <a:solidFill>
+                        <a:srgbClr val="D86DCD"/>
+                      </a:solidFill>
+                      <a:prstDash val="solid"/>
+                      <a:round/>
+                      <a:headEnd type="none" w="med" len="med"/>
+                      <a:tailEnd type="none" w="med" len="med"/>
+                    </a:lnL>
+                    <a:lnR>
+                      <a:noFill/>
+                    </a:lnR>
+                    <a:lnT w="6350" cap="flat" cmpd="sng" algn="ctr">
+                      <a:solidFill>
+                        <a:srgbClr val="D86DCD"/>
+                      </a:solidFill>
+                      <a:prstDash val="solid"/>
+                      <a:round/>
+                      <a:headEnd type="none" w="med" len="med"/>
+                      <a:tailEnd type="none" w="med" len="med"/>
+                    </a:lnT>
+                    <a:lnB w="6350" cap="flat" cmpd="sng" algn="ctr">
+                      <a:solidFill>
+                        <a:srgbClr val="D86DCD"/>
+                      </a:solidFill>
+                      <a:prstDash val="solid"/>
+                      <a:round/>
+                      <a:headEnd type="none" w="med" len="med"/>
+                      <a:tailEnd type="none" w="med" len="med"/>
+                    </a:lnB>
+                    <a:noFill/>
+                  </a:tcPr>
+                </a:tc>
+                <a:tc>
+                  <a:txBody>
+                    <a:bodyPr/>
+                    <a:lstStyle/>
+                    <a:p>
+                      <a:pPr algn="l" fontAlgn="b"/>
+                      <a:r>
+                        <a:rPr lang="en-US" sz="1800" b="0" i="0" u="none" strike="noStrike" dirty="0">
+                          <a:solidFill>
+                            <a:srgbClr val="000000"/>
+                          </a:solidFill>
+                          <a:effectLst/>
+                          <a:latin typeface="Aptos Narrow" panose="020B0004020202020204" pitchFamily="34" charset="0"/>
+                        </a:rPr>
+                        <a:t>Be able to output data via serial</a:t>
+                      </a:r>
+                    </a:p>
+                  </a:txBody>
+                  <a:tcPr marL="7620" marR="7620" marT="7620" marB="0" anchor="b">
+                    <a:lnL>
+                      <a:noFill/>
+                    </a:lnL>
+                    <a:lnR>
+                      <a:noFill/>
+                    </a:lnR>
+                    <a:lnT w="6350" cap="flat" cmpd="sng" algn="ctr">
+                      <a:solidFill>
+                        <a:srgbClr val="D86DCD"/>
+                      </a:solidFill>
+                      <a:prstDash val="solid"/>
+                      <a:round/>
+                      <a:headEnd type="none" w="med" len="med"/>
+                      <a:tailEnd type="none" w="med" len="med"/>
+                    </a:lnT>
+                    <a:lnB w="6350" cap="flat" cmpd="sng" algn="ctr">
+                      <a:solidFill>
+                        <a:srgbClr val="D86DCD"/>
+                      </a:solidFill>
+                      <a:prstDash val="solid"/>
+                      <a:round/>
+                      <a:headEnd type="none" w="med" len="med"/>
+                      <a:tailEnd type="none" w="med" len="med"/>
+                    </a:lnB>
+                    <a:noFill/>
+                  </a:tcPr>
+                </a:tc>
+                <a:tc>
+                  <a:txBody>
+                    <a:bodyPr/>
+                    <a:lstStyle/>
+                    <a:p>
+                      <a:pPr algn="r" fontAlgn="b"/>
+                      <a:r>
+                        <a:rPr lang="en-US" sz="1800" b="0" i="0" u="none" strike="noStrike" dirty="0">
+                          <a:solidFill>
+                            <a:srgbClr val="000000"/>
+                          </a:solidFill>
+                          <a:effectLst/>
+                          <a:latin typeface="Aptos Narrow" panose="020B0004020202020204" pitchFamily="34" charset="0"/>
+                        </a:rPr>
+                        <a:t>5</a:t>
+                      </a:r>
+                    </a:p>
+                  </a:txBody>
+                  <a:tcPr marL="7620" marR="7620" marT="7620" marB="0" anchor="b">
+                    <a:lnL>
+                      <a:noFill/>
+                    </a:lnL>
+                    <a:lnR>
+                      <a:noFill/>
+                    </a:lnR>
+                    <a:lnT w="6350" cap="flat" cmpd="sng" algn="ctr">
+                      <a:solidFill>
+                        <a:srgbClr val="D86DCD"/>
+                      </a:solidFill>
+                      <a:prstDash val="solid"/>
+                      <a:round/>
+                      <a:headEnd type="none" w="med" len="med"/>
+                      <a:tailEnd type="none" w="med" len="med"/>
+                    </a:lnT>
+                    <a:lnB w="6350" cap="flat" cmpd="sng" algn="ctr">
+                      <a:solidFill>
+                        <a:srgbClr val="D86DCD"/>
+                      </a:solidFill>
+                      <a:prstDash val="solid"/>
+                      <a:round/>
+                      <a:headEnd type="none" w="med" len="med"/>
+                      <a:tailEnd type="none" w="med" len="med"/>
+                    </a:lnB>
+                    <a:noFill/>
+                  </a:tcPr>
+                </a:tc>
+                <a:tc>
+                  <a:txBody>
+                    <a:bodyPr/>
+                    <a:lstStyle/>
+                    <a:p>
+                      <a:pPr algn="r" fontAlgn="b"/>
+                      <a:r>
+                        <a:rPr lang="en-US" sz="1800" b="0" i="0" u="none" strike="noStrike" dirty="0">
+                          <a:solidFill>
+                            <a:srgbClr val="000000"/>
+                          </a:solidFill>
+                          <a:effectLst/>
+                          <a:latin typeface="Aptos Narrow" panose="020B0004020202020204" pitchFamily="34" charset="0"/>
+                        </a:rPr>
+                        <a:t>5</a:t>
+                      </a:r>
+                    </a:p>
+                  </a:txBody>
+                  <a:tcPr marL="7620" marR="7620" marT="7620" marB="0" anchor="b">
+                    <a:lnL>
+                      <a:noFill/>
+                    </a:lnL>
+                    <a:lnR>
+                      <a:noFill/>
+                    </a:lnR>
+                    <a:lnT w="6350" cap="flat" cmpd="sng" algn="ctr">
+                      <a:solidFill>
+                        <a:srgbClr val="D86DCD"/>
+                      </a:solidFill>
+                      <a:prstDash val="solid"/>
+                      <a:round/>
+                      <a:headEnd type="none" w="med" len="med"/>
+                      <a:tailEnd type="none" w="med" len="med"/>
+                    </a:lnT>
+                    <a:lnB w="6350" cap="flat" cmpd="sng" algn="ctr">
+                      <a:solidFill>
+                        <a:srgbClr val="D86DCD"/>
+                      </a:solidFill>
+                      <a:prstDash val="solid"/>
+                      <a:round/>
+                      <a:headEnd type="none" w="med" len="med"/>
+                      <a:tailEnd type="none" w="med" len="med"/>
+                    </a:lnB>
+                    <a:noFill/>
+                  </a:tcPr>
+                </a:tc>
+                <a:tc>
+                  <a:txBody>
+                    <a:bodyPr/>
+                    <a:lstStyle/>
+                    <a:p>
+                      <a:pPr algn="r" fontAlgn="b"/>
+                      <a:r>
+                        <a:rPr lang="en-US" sz="1800" b="0" i="0" u="none" strike="noStrike">
+                          <a:solidFill>
+                            <a:srgbClr val="000000"/>
+                          </a:solidFill>
+                          <a:effectLst/>
+                          <a:latin typeface="Aptos Narrow" panose="020B0004020202020204" pitchFamily="34" charset="0"/>
+                        </a:rPr>
+                        <a:t>5</a:t>
+                      </a:r>
+                    </a:p>
+                  </a:txBody>
+                  <a:tcPr marL="7620" marR="7620" marT="7620" marB="0" anchor="b">
+                    <a:lnL>
+                      <a:noFill/>
+                    </a:lnL>
+                    <a:lnR>
+                      <a:noFill/>
+                    </a:lnR>
+                    <a:lnT w="6350" cap="flat" cmpd="sng" algn="ctr">
+                      <a:solidFill>
+                        <a:srgbClr val="D86DCD"/>
+                      </a:solidFill>
+                      <a:prstDash val="solid"/>
+                      <a:round/>
+                      <a:headEnd type="none" w="med" len="med"/>
+                      <a:tailEnd type="none" w="med" len="med"/>
+                    </a:lnT>
+                    <a:lnB w="6350" cap="flat" cmpd="sng" algn="ctr">
+                      <a:solidFill>
+                        <a:srgbClr val="D86DCD"/>
+                      </a:solidFill>
+                      <a:prstDash val="solid"/>
+                      <a:round/>
+                      <a:headEnd type="none" w="med" len="med"/>
+                      <a:tailEnd type="none" w="med" len="med"/>
+                    </a:lnB>
+                    <a:noFill/>
+                  </a:tcPr>
+                </a:tc>
+                <a:tc>
+                  <a:txBody>
+                    <a:bodyPr/>
+                    <a:lstStyle/>
+                    <a:p>
+                      <a:pPr algn="r" fontAlgn="b"/>
+                      <a:r>
+                        <a:rPr lang="en-US" sz="1800" b="0" i="0" u="none" strike="noStrike">
+                          <a:solidFill>
+                            <a:srgbClr val="000000"/>
+                          </a:solidFill>
+                          <a:effectLst/>
+                          <a:latin typeface="Aptos Narrow" panose="020B0004020202020204" pitchFamily="34" charset="0"/>
+                        </a:rPr>
+                        <a:t>5</a:t>
+                      </a:r>
+                    </a:p>
+                  </a:txBody>
+                  <a:tcPr marL="7620" marR="7620" marT="7620" marB="0" anchor="b">
+                    <a:lnL>
+                      <a:noFill/>
+                    </a:lnL>
+                    <a:lnR w="6350" cap="flat" cmpd="sng" algn="ctr">
+                      <a:solidFill>
+                        <a:srgbClr val="D86DCD"/>
+                      </a:solidFill>
+                      <a:prstDash val="solid"/>
+                      <a:round/>
+                      <a:headEnd type="none" w="med" len="med"/>
+                      <a:tailEnd type="none" w="med" len="med"/>
+                    </a:lnR>
+                    <a:lnT w="6350" cap="flat" cmpd="sng" algn="ctr">
+                      <a:solidFill>
+                        <a:srgbClr val="D86DCD"/>
+                      </a:solidFill>
+                      <a:prstDash val="solid"/>
+                      <a:round/>
+                      <a:headEnd type="none" w="med" len="med"/>
+                      <a:tailEnd type="none" w="med" len="med"/>
+                    </a:lnT>
+                    <a:lnB w="6350" cap="flat" cmpd="sng" algn="ctr">
+                      <a:solidFill>
+                        <a:srgbClr val="D86DCD"/>
+                      </a:solidFill>
+                      <a:prstDash val="solid"/>
+                      <a:round/>
+                      <a:headEnd type="none" w="med" len="med"/>
+                      <a:tailEnd type="none" w="med" len="med"/>
+                    </a:lnB>
+                    <a:noFill/>
+                  </a:tcPr>
+                </a:tc>
+                <a:extLst>
+                  <a:ext uri="{0D108BD9-81ED-4DB2-BD59-A6C34878D82A}">
+                    <a16:rowId xmlns:a16="http://schemas.microsoft.com/office/drawing/2014/main" val="1942170335"/>
+                  </a:ext>
+                </a:extLst>
+              </a:tr>
+              <a:tr h="346236">
+                <a:tc>
+                  <a:txBody>
+                    <a:bodyPr/>
+                    <a:lstStyle/>
+                    <a:p>
+                      <a:pPr algn="l" fontAlgn="b"/>
+                      <a:r>
+                        <a:rPr lang="en-US" sz="1800" b="0" i="0" u="none" strike="noStrike">
+                          <a:solidFill>
+                            <a:srgbClr val="000000"/>
+                          </a:solidFill>
+                          <a:effectLst/>
+                          <a:latin typeface="Aptos Narrow" panose="020B0004020202020204" pitchFamily="34" charset="0"/>
+                        </a:rPr>
+                        <a:t>Reliability</a:t>
+                      </a:r>
+                    </a:p>
+                  </a:txBody>
+                  <a:tcPr marL="7620" marR="7620" marT="7620" marB="0" anchor="b">
+                    <a:lnL w="6350" cap="flat" cmpd="sng" algn="ctr">
+                      <a:solidFill>
+                        <a:srgbClr val="D86DCD"/>
+                      </a:solidFill>
+                      <a:prstDash val="solid"/>
+                      <a:round/>
+                      <a:headEnd type="none" w="med" len="med"/>
+                      <a:tailEnd type="none" w="med" len="med"/>
+                    </a:lnL>
+                    <a:lnR>
+                      <a:noFill/>
+                    </a:lnR>
+                    <a:lnT w="6350" cap="flat" cmpd="sng" algn="ctr">
+                      <a:solidFill>
+                        <a:srgbClr val="D86DCD"/>
+                      </a:solidFill>
+                      <a:prstDash val="solid"/>
+                      <a:round/>
+                      <a:headEnd type="none" w="med" len="med"/>
+                      <a:tailEnd type="none" w="med" len="med"/>
+                    </a:lnT>
+                    <a:lnB w="6350" cap="flat" cmpd="sng" algn="ctr">
+                      <a:solidFill>
+                        <a:srgbClr val="D86DCD"/>
+                      </a:solidFill>
+                      <a:prstDash val="solid"/>
+                      <a:round/>
+                      <a:headEnd type="none" w="med" len="med"/>
+                      <a:tailEnd type="none" w="med" len="med"/>
+                    </a:lnB>
+                    <a:solidFill>
+                      <a:srgbClr val="F2CEEF"/>
+                    </a:solidFill>
+                  </a:tcPr>
+                </a:tc>
+                <a:tc>
+                  <a:txBody>
+                    <a:bodyPr/>
+                    <a:lstStyle/>
+                    <a:p>
+                      <a:pPr algn="l" fontAlgn="b"/>
+                      <a:r>
+                        <a:rPr lang="en-US" sz="1800" b="0" i="0" u="none" strike="noStrike">
+                          <a:solidFill>
+                            <a:srgbClr val="000000"/>
+                          </a:solidFill>
+                          <a:effectLst/>
+                          <a:latin typeface="Aptos Narrow" panose="020B0004020202020204" pitchFamily="34" charset="0"/>
+                        </a:rPr>
+                        <a:t>Produces data consistantly</a:t>
+                      </a:r>
+                    </a:p>
+                  </a:txBody>
+                  <a:tcPr marL="7620" marR="7620" marT="7620" marB="0" anchor="b">
+                    <a:lnL>
+                      <a:noFill/>
+                    </a:lnL>
+                    <a:lnR>
+                      <a:noFill/>
+                    </a:lnR>
+                    <a:lnT w="6350" cap="flat" cmpd="sng" algn="ctr">
+                      <a:solidFill>
+                        <a:srgbClr val="D86DCD"/>
+                      </a:solidFill>
+                      <a:prstDash val="solid"/>
+                      <a:round/>
+                      <a:headEnd type="none" w="med" len="med"/>
+                      <a:tailEnd type="none" w="med" len="med"/>
+                    </a:lnT>
+                    <a:lnB w="6350" cap="flat" cmpd="sng" algn="ctr">
+                      <a:solidFill>
+                        <a:srgbClr val="D86DCD"/>
+                      </a:solidFill>
+                      <a:prstDash val="solid"/>
+                      <a:round/>
+                      <a:headEnd type="none" w="med" len="med"/>
+                      <a:tailEnd type="none" w="med" len="med"/>
+                    </a:lnB>
+                    <a:solidFill>
+                      <a:srgbClr val="F2CEEF"/>
+                    </a:solidFill>
+                  </a:tcPr>
+                </a:tc>
+                <a:tc>
+                  <a:txBody>
+                    <a:bodyPr/>
+                    <a:lstStyle/>
+                    <a:p>
+                      <a:pPr algn="r" fontAlgn="b"/>
+                      <a:r>
+                        <a:rPr lang="en-US" sz="1800" b="0" i="0" u="none" strike="noStrike" dirty="0">
+                          <a:solidFill>
+                            <a:srgbClr val="000000"/>
+                          </a:solidFill>
+                          <a:effectLst/>
+                          <a:latin typeface="Aptos Narrow" panose="020B0004020202020204" pitchFamily="34" charset="0"/>
+                        </a:rPr>
+                        <a:t>10</a:t>
+                      </a:r>
+                    </a:p>
+                  </a:txBody>
+                  <a:tcPr marL="7620" marR="7620" marT="7620" marB="0" anchor="b">
+                    <a:lnL>
+                      <a:noFill/>
+                    </a:lnL>
+                    <a:lnR>
+                      <a:noFill/>
+                    </a:lnR>
+                    <a:lnT w="6350" cap="flat" cmpd="sng" algn="ctr">
+                      <a:solidFill>
+                        <a:srgbClr val="D86DCD"/>
+                      </a:solidFill>
+                      <a:prstDash val="solid"/>
+                      <a:round/>
+                      <a:headEnd type="none" w="med" len="med"/>
+                      <a:tailEnd type="none" w="med" len="med"/>
+                    </a:lnT>
+                    <a:lnB w="6350" cap="flat" cmpd="sng" algn="ctr">
+                      <a:solidFill>
+                        <a:srgbClr val="D86DCD"/>
+                      </a:solidFill>
+                      <a:prstDash val="solid"/>
+                      <a:round/>
+                      <a:headEnd type="none" w="med" len="med"/>
+                      <a:tailEnd type="none" w="med" len="med"/>
+                    </a:lnB>
+                    <a:solidFill>
+                      <a:srgbClr val="F2CEEF"/>
+                    </a:solidFill>
+                  </a:tcPr>
+                </a:tc>
+                <a:tc>
+                  <a:txBody>
+                    <a:bodyPr/>
+                    <a:lstStyle/>
+                    <a:p>
+                      <a:pPr algn="r" fontAlgn="b"/>
+                      <a:r>
+                        <a:rPr lang="en-US" sz="1800" b="0" i="0" u="none" strike="noStrike" dirty="0">
+                          <a:solidFill>
+                            <a:srgbClr val="000000"/>
+                          </a:solidFill>
+                          <a:effectLst/>
+                          <a:latin typeface="Aptos Narrow" panose="020B0004020202020204" pitchFamily="34" charset="0"/>
+                        </a:rPr>
+                        <a:t>5</a:t>
+                      </a:r>
+                    </a:p>
+                  </a:txBody>
+                  <a:tcPr marL="7620" marR="7620" marT="7620" marB="0" anchor="b">
+                    <a:lnL>
+                      <a:noFill/>
+                    </a:lnL>
+                    <a:lnR>
+                      <a:noFill/>
+                    </a:lnR>
+                    <a:lnT w="6350" cap="flat" cmpd="sng" algn="ctr">
+                      <a:solidFill>
+                        <a:srgbClr val="D86DCD"/>
+                      </a:solidFill>
+                      <a:prstDash val="solid"/>
+                      <a:round/>
+                      <a:headEnd type="none" w="med" len="med"/>
+                      <a:tailEnd type="none" w="med" len="med"/>
+                    </a:lnT>
+                    <a:lnB w="6350" cap="flat" cmpd="sng" algn="ctr">
+                      <a:solidFill>
+                        <a:srgbClr val="D86DCD"/>
+                      </a:solidFill>
+                      <a:prstDash val="solid"/>
+                      <a:round/>
+                      <a:headEnd type="none" w="med" len="med"/>
+                      <a:tailEnd type="none" w="med" len="med"/>
+                    </a:lnB>
+                    <a:solidFill>
+                      <a:srgbClr val="F2CEEF"/>
+                    </a:solidFill>
+                  </a:tcPr>
+                </a:tc>
+                <a:tc>
+                  <a:txBody>
+                    <a:bodyPr/>
+                    <a:lstStyle/>
+                    <a:p>
+                      <a:pPr algn="r" fontAlgn="b"/>
+                      <a:r>
+                        <a:rPr lang="en-US" sz="1800" b="0" i="0" u="none" strike="noStrike">
+                          <a:solidFill>
+                            <a:srgbClr val="000000"/>
+                          </a:solidFill>
+                          <a:effectLst/>
+                          <a:latin typeface="Aptos Narrow" panose="020B0004020202020204" pitchFamily="34" charset="0"/>
+                        </a:rPr>
+                        <a:t>4</a:t>
+                      </a:r>
+                    </a:p>
+                  </a:txBody>
+                  <a:tcPr marL="7620" marR="7620" marT="7620" marB="0" anchor="b">
+                    <a:lnL>
+                      <a:noFill/>
+                    </a:lnL>
+                    <a:lnR>
+                      <a:noFill/>
+                    </a:lnR>
+                    <a:lnT w="6350" cap="flat" cmpd="sng" algn="ctr">
+                      <a:solidFill>
+                        <a:srgbClr val="D86DCD"/>
+                      </a:solidFill>
+                      <a:prstDash val="solid"/>
+                      <a:round/>
+                      <a:headEnd type="none" w="med" len="med"/>
+                      <a:tailEnd type="none" w="med" len="med"/>
+                    </a:lnT>
+                    <a:lnB w="6350" cap="flat" cmpd="sng" algn="ctr">
+                      <a:solidFill>
+                        <a:srgbClr val="D86DCD"/>
+                      </a:solidFill>
+                      <a:prstDash val="solid"/>
+                      <a:round/>
+                      <a:headEnd type="none" w="med" len="med"/>
+                      <a:tailEnd type="none" w="med" len="med"/>
+                    </a:lnB>
+                    <a:solidFill>
+                      <a:srgbClr val="F2CEEF"/>
+                    </a:solidFill>
+                  </a:tcPr>
+                </a:tc>
+                <a:tc>
+                  <a:txBody>
+                    <a:bodyPr/>
+                    <a:lstStyle/>
+                    <a:p>
+                      <a:pPr algn="r" fontAlgn="b"/>
+                      <a:r>
+                        <a:rPr lang="en-US" sz="1800" b="0" i="0" u="none" strike="noStrike">
+                          <a:solidFill>
+                            <a:srgbClr val="000000"/>
+                          </a:solidFill>
+                          <a:effectLst/>
+                          <a:latin typeface="Aptos Narrow" panose="020B0004020202020204" pitchFamily="34" charset="0"/>
+                        </a:rPr>
+                        <a:t>6</a:t>
+                      </a:r>
+                    </a:p>
+                  </a:txBody>
+                  <a:tcPr marL="7620" marR="7620" marT="7620" marB="0" anchor="b">
+                    <a:lnL>
+                      <a:noFill/>
+                    </a:lnL>
+                    <a:lnR w="6350" cap="flat" cmpd="sng" algn="ctr">
+                      <a:solidFill>
+                        <a:srgbClr val="D86DCD"/>
+                      </a:solidFill>
+                      <a:prstDash val="solid"/>
+                      <a:round/>
+                      <a:headEnd type="none" w="med" len="med"/>
+                      <a:tailEnd type="none" w="med" len="med"/>
+                    </a:lnR>
+                    <a:lnT w="6350" cap="flat" cmpd="sng" algn="ctr">
+                      <a:solidFill>
+                        <a:srgbClr val="D86DCD"/>
+                      </a:solidFill>
+                      <a:prstDash val="solid"/>
+                      <a:round/>
+                      <a:headEnd type="none" w="med" len="med"/>
+                      <a:tailEnd type="none" w="med" len="med"/>
+                    </a:lnT>
+                    <a:lnB w="6350" cap="flat" cmpd="sng" algn="ctr">
+                      <a:solidFill>
+                        <a:srgbClr val="D86DCD"/>
+                      </a:solidFill>
+                      <a:prstDash val="solid"/>
+                      <a:round/>
+                      <a:headEnd type="none" w="med" len="med"/>
+                      <a:tailEnd type="none" w="med" len="med"/>
+                    </a:lnB>
+                    <a:solidFill>
+                      <a:srgbClr val="F2CEEF"/>
+                    </a:solidFill>
+                  </a:tcPr>
+                </a:tc>
+                <a:extLst>
+                  <a:ext uri="{0D108BD9-81ED-4DB2-BD59-A6C34878D82A}">
+                    <a16:rowId xmlns:a16="http://schemas.microsoft.com/office/drawing/2014/main" val="2872628160"/>
+                  </a:ext>
+                </a:extLst>
+              </a:tr>
+              <a:tr h="346236">
+                <a:tc>
+                  <a:txBody>
+                    <a:bodyPr/>
+                    <a:lstStyle/>
+                    <a:p>
+                      <a:pPr algn="l" fontAlgn="b"/>
+                      <a:r>
+                        <a:rPr lang="en-US" sz="1800" b="0" i="0" u="none" strike="noStrike">
+                          <a:solidFill>
+                            <a:srgbClr val="000000"/>
+                          </a:solidFill>
+                          <a:effectLst/>
+                          <a:latin typeface="Aptos Narrow" panose="020B0004020202020204" pitchFamily="34" charset="0"/>
+                        </a:rPr>
+                        <a:t>Compact</a:t>
+                      </a:r>
+                    </a:p>
+                  </a:txBody>
+                  <a:tcPr marL="7620" marR="7620" marT="7620" marB="0" anchor="b">
+                    <a:lnL w="6350" cap="flat" cmpd="sng" algn="ctr">
+                      <a:solidFill>
+                        <a:srgbClr val="D86DCD"/>
+                      </a:solidFill>
+                      <a:prstDash val="solid"/>
+                      <a:round/>
+                      <a:headEnd type="none" w="med" len="med"/>
+                      <a:tailEnd type="none" w="med" len="med"/>
+                    </a:lnL>
+                    <a:lnR>
+                      <a:noFill/>
+                    </a:lnR>
+                    <a:lnT w="6350" cap="flat" cmpd="sng" algn="ctr">
+                      <a:solidFill>
+                        <a:srgbClr val="D86DCD"/>
+                      </a:solidFill>
+                      <a:prstDash val="solid"/>
+                      <a:round/>
+                      <a:headEnd type="none" w="med" len="med"/>
+                      <a:tailEnd type="none" w="med" len="med"/>
+                    </a:lnT>
+                    <a:lnB w="6350" cap="flat" cmpd="sng" algn="ctr">
+                      <a:solidFill>
+                        <a:srgbClr val="D86DCD"/>
+                      </a:solidFill>
+                      <a:prstDash val="solid"/>
+                      <a:round/>
+                      <a:headEnd type="none" w="med" len="med"/>
+                      <a:tailEnd type="none" w="med" len="med"/>
+                    </a:lnB>
+                    <a:noFill/>
+                  </a:tcPr>
+                </a:tc>
+                <a:tc>
+                  <a:txBody>
+                    <a:bodyPr/>
+                    <a:lstStyle/>
+                    <a:p>
+                      <a:pPr algn="l" fontAlgn="b"/>
+                      <a:r>
+                        <a:rPr lang="en-US" sz="1800" b="0" i="0" u="none" strike="noStrike">
+                          <a:solidFill>
+                            <a:srgbClr val="000000"/>
+                          </a:solidFill>
+                          <a:effectLst/>
+                          <a:latin typeface="Aptos Narrow" panose="020B0004020202020204" pitchFamily="34" charset="0"/>
+                        </a:rPr>
+                        <a:t>3 inches width, 4 inches length</a:t>
+                      </a:r>
+                    </a:p>
+                  </a:txBody>
+                  <a:tcPr marL="7620" marR="7620" marT="7620" marB="0" anchor="b">
+                    <a:lnL>
+                      <a:noFill/>
+                    </a:lnL>
+                    <a:lnR>
+                      <a:noFill/>
+                    </a:lnR>
+                    <a:lnT w="6350" cap="flat" cmpd="sng" algn="ctr">
+                      <a:solidFill>
+                        <a:srgbClr val="D86DCD"/>
+                      </a:solidFill>
+                      <a:prstDash val="solid"/>
+                      <a:round/>
+                      <a:headEnd type="none" w="med" len="med"/>
+                      <a:tailEnd type="none" w="med" len="med"/>
+                    </a:lnT>
+                    <a:lnB w="6350" cap="flat" cmpd="sng" algn="ctr">
+                      <a:solidFill>
+                        <a:srgbClr val="D86DCD"/>
+                      </a:solidFill>
+                      <a:prstDash val="solid"/>
+                      <a:round/>
+                      <a:headEnd type="none" w="med" len="med"/>
+                      <a:tailEnd type="none" w="med" len="med"/>
+                    </a:lnB>
+                    <a:noFill/>
+                  </a:tcPr>
+                </a:tc>
+                <a:tc>
+                  <a:txBody>
+                    <a:bodyPr/>
+                    <a:lstStyle/>
+                    <a:p>
+                      <a:pPr algn="r" fontAlgn="b"/>
+                      <a:r>
+                        <a:rPr lang="en-US" sz="1800" b="0" i="0" u="none" strike="noStrike">
+                          <a:solidFill>
+                            <a:srgbClr val="000000"/>
+                          </a:solidFill>
+                          <a:effectLst/>
+                          <a:latin typeface="Aptos Narrow" panose="020B0004020202020204" pitchFamily="34" charset="0"/>
+                        </a:rPr>
+                        <a:t>10</a:t>
+                      </a:r>
+                    </a:p>
+                  </a:txBody>
+                  <a:tcPr marL="7620" marR="7620" marT="7620" marB="0" anchor="b">
+                    <a:lnL>
+                      <a:noFill/>
+                    </a:lnL>
+                    <a:lnR>
+                      <a:noFill/>
+                    </a:lnR>
+                    <a:lnT w="6350" cap="flat" cmpd="sng" algn="ctr">
+                      <a:solidFill>
+                        <a:srgbClr val="D86DCD"/>
+                      </a:solidFill>
+                      <a:prstDash val="solid"/>
+                      <a:round/>
+                      <a:headEnd type="none" w="med" len="med"/>
+                      <a:tailEnd type="none" w="med" len="med"/>
+                    </a:lnT>
+                    <a:lnB w="6350" cap="flat" cmpd="sng" algn="ctr">
+                      <a:solidFill>
+                        <a:srgbClr val="D86DCD"/>
+                      </a:solidFill>
+                      <a:prstDash val="solid"/>
+                      <a:round/>
+                      <a:headEnd type="none" w="med" len="med"/>
+                      <a:tailEnd type="none" w="med" len="med"/>
+                    </a:lnB>
+                    <a:noFill/>
+                  </a:tcPr>
+                </a:tc>
+                <a:tc>
+                  <a:txBody>
+                    <a:bodyPr/>
+                    <a:lstStyle/>
+                    <a:p>
+                      <a:pPr algn="r" fontAlgn="b"/>
+                      <a:r>
+                        <a:rPr lang="en-US" sz="1800" b="0" i="0" u="none" strike="noStrike" dirty="0">
+                          <a:solidFill>
+                            <a:srgbClr val="000000"/>
+                          </a:solidFill>
+                          <a:effectLst/>
+                          <a:latin typeface="Aptos Narrow" panose="020B0004020202020204" pitchFamily="34" charset="0"/>
+                        </a:rPr>
+                        <a:t>5</a:t>
+                      </a:r>
+                    </a:p>
+                  </a:txBody>
+                  <a:tcPr marL="7620" marR="7620" marT="7620" marB="0" anchor="b">
+                    <a:lnL>
+                      <a:noFill/>
+                    </a:lnL>
+                    <a:lnR>
+                      <a:noFill/>
+                    </a:lnR>
+                    <a:lnT w="6350" cap="flat" cmpd="sng" algn="ctr">
+                      <a:solidFill>
+                        <a:srgbClr val="D86DCD"/>
+                      </a:solidFill>
+                      <a:prstDash val="solid"/>
+                      <a:round/>
+                      <a:headEnd type="none" w="med" len="med"/>
+                      <a:tailEnd type="none" w="med" len="med"/>
+                    </a:lnT>
+                    <a:lnB w="6350" cap="flat" cmpd="sng" algn="ctr">
+                      <a:solidFill>
+                        <a:srgbClr val="D86DCD"/>
+                      </a:solidFill>
+                      <a:prstDash val="solid"/>
+                      <a:round/>
+                      <a:headEnd type="none" w="med" len="med"/>
+                      <a:tailEnd type="none" w="med" len="med"/>
+                    </a:lnB>
+                    <a:noFill/>
+                  </a:tcPr>
+                </a:tc>
+                <a:tc>
+                  <a:txBody>
+                    <a:bodyPr/>
+                    <a:lstStyle/>
+                    <a:p>
+                      <a:pPr algn="r" fontAlgn="b"/>
+                      <a:r>
+                        <a:rPr lang="en-US" sz="1800" b="0" i="0" u="none" strike="noStrike" dirty="0">
+                          <a:solidFill>
+                            <a:srgbClr val="000000"/>
+                          </a:solidFill>
+                          <a:effectLst/>
+                          <a:latin typeface="Aptos Narrow" panose="020B0004020202020204" pitchFamily="34" charset="0"/>
+                        </a:rPr>
+                        <a:t>7</a:t>
+                      </a:r>
+                    </a:p>
+                  </a:txBody>
+                  <a:tcPr marL="7620" marR="7620" marT="7620" marB="0" anchor="b">
+                    <a:lnL>
+                      <a:noFill/>
+                    </a:lnL>
+                    <a:lnR>
+                      <a:noFill/>
+                    </a:lnR>
+                    <a:lnT w="6350" cap="flat" cmpd="sng" algn="ctr">
+                      <a:solidFill>
+                        <a:srgbClr val="D86DCD"/>
+                      </a:solidFill>
+                      <a:prstDash val="solid"/>
+                      <a:round/>
+                      <a:headEnd type="none" w="med" len="med"/>
+                      <a:tailEnd type="none" w="med" len="med"/>
+                    </a:lnT>
+                    <a:lnB w="6350" cap="flat" cmpd="sng" algn="ctr">
+                      <a:solidFill>
+                        <a:srgbClr val="D86DCD"/>
+                      </a:solidFill>
+                      <a:prstDash val="solid"/>
+                      <a:round/>
+                      <a:headEnd type="none" w="med" len="med"/>
+                      <a:tailEnd type="none" w="med" len="med"/>
+                    </a:lnB>
+                    <a:noFill/>
+                  </a:tcPr>
+                </a:tc>
+                <a:tc>
+                  <a:txBody>
+                    <a:bodyPr/>
+                    <a:lstStyle/>
+                    <a:p>
+                      <a:pPr algn="r" fontAlgn="b"/>
+                      <a:r>
+                        <a:rPr lang="en-US" sz="1800" b="0" i="0" u="none" strike="noStrike">
+                          <a:solidFill>
+                            <a:srgbClr val="000000"/>
+                          </a:solidFill>
+                          <a:effectLst/>
+                          <a:latin typeface="Aptos Narrow" panose="020B0004020202020204" pitchFamily="34" charset="0"/>
+                        </a:rPr>
+                        <a:t>5</a:t>
+                      </a:r>
+                    </a:p>
+                  </a:txBody>
+                  <a:tcPr marL="7620" marR="7620" marT="7620" marB="0" anchor="b">
+                    <a:lnL>
+                      <a:noFill/>
+                    </a:lnL>
+                    <a:lnR w="6350" cap="flat" cmpd="sng" algn="ctr">
+                      <a:solidFill>
+                        <a:srgbClr val="D86DCD"/>
+                      </a:solidFill>
+                      <a:prstDash val="solid"/>
+                      <a:round/>
+                      <a:headEnd type="none" w="med" len="med"/>
+                      <a:tailEnd type="none" w="med" len="med"/>
+                    </a:lnR>
+                    <a:lnT w="6350" cap="flat" cmpd="sng" algn="ctr">
+                      <a:solidFill>
+                        <a:srgbClr val="D86DCD"/>
+                      </a:solidFill>
+                      <a:prstDash val="solid"/>
+                      <a:round/>
+                      <a:headEnd type="none" w="med" len="med"/>
+                      <a:tailEnd type="none" w="med" len="med"/>
+                    </a:lnT>
+                    <a:lnB w="6350" cap="flat" cmpd="sng" algn="ctr">
+                      <a:solidFill>
+                        <a:srgbClr val="D86DCD"/>
+                      </a:solidFill>
+                      <a:prstDash val="solid"/>
+                      <a:round/>
+                      <a:headEnd type="none" w="med" len="med"/>
+                      <a:tailEnd type="none" w="med" len="med"/>
+                    </a:lnB>
+                    <a:noFill/>
+                  </a:tcPr>
+                </a:tc>
+                <a:extLst>
+                  <a:ext uri="{0D108BD9-81ED-4DB2-BD59-A6C34878D82A}">
+                    <a16:rowId xmlns:a16="http://schemas.microsoft.com/office/drawing/2014/main" val="1453787668"/>
+                  </a:ext>
+                </a:extLst>
+              </a:tr>
+              <a:tr h="346236">
+                <a:tc>
+                  <a:txBody>
+                    <a:bodyPr/>
+                    <a:lstStyle/>
+                    <a:p>
+                      <a:pPr algn="l" fontAlgn="b"/>
+                      <a:r>
+                        <a:rPr lang="en-US" sz="1800" b="0" i="0" u="none" strike="noStrike">
+                          <a:solidFill>
+                            <a:srgbClr val="000000"/>
+                          </a:solidFill>
+                          <a:effectLst/>
+                          <a:latin typeface="Aptos Narrow" panose="020B0004020202020204" pitchFamily="34" charset="0"/>
+                        </a:rPr>
+                        <a:t>Accuracy </a:t>
+                      </a:r>
+                    </a:p>
+                  </a:txBody>
+                  <a:tcPr marL="7620" marR="7620" marT="7620" marB="0" anchor="b">
+                    <a:lnL w="6350" cap="flat" cmpd="sng" algn="ctr">
+                      <a:solidFill>
+                        <a:srgbClr val="D86DCD"/>
+                      </a:solidFill>
+                      <a:prstDash val="solid"/>
+                      <a:round/>
+                      <a:headEnd type="none" w="med" len="med"/>
+                      <a:tailEnd type="none" w="med" len="med"/>
+                    </a:lnL>
+                    <a:lnR>
+                      <a:noFill/>
+                    </a:lnR>
+                    <a:lnT w="6350" cap="flat" cmpd="sng" algn="ctr">
+                      <a:solidFill>
+                        <a:srgbClr val="D86DCD"/>
+                      </a:solidFill>
+                      <a:prstDash val="solid"/>
+                      <a:round/>
+                      <a:headEnd type="none" w="med" len="med"/>
+                      <a:tailEnd type="none" w="med" len="med"/>
+                    </a:lnT>
+                    <a:lnB w="6350" cap="flat" cmpd="sng" algn="ctr">
+                      <a:solidFill>
+                        <a:srgbClr val="D86DCD"/>
+                      </a:solidFill>
+                      <a:prstDash val="solid"/>
+                      <a:round/>
+                      <a:headEnd type="none" w="med" len="med"/>
+                      <a:tailEnd type="none" w="med" len="med"/>
+                    </a:lnB>
+                    <a:solidFill>
+                      <a:srgbClr val="F2CEEF"/>
+                    </a:solidFill>
+                  </a:tcPr>
+                </a:tc>
+                <a:tc>
+                  <a:txBody>
+                    <a:bodyPr/>
+                    <a:lstStyle/>
+                    <a:p>
+                      <a:pPr algn="l" fontAlgn="b"/>
+                      <a:r>
+                        <a:rPr lang="en-US" sz="1800" b="0" i="0" u="none" strike="noStrike">
+                          <a:solidFill>
+                            <a:srgbClr val="000000"/>
+                          </a:solidFill>
+                          <a:effectLst/>
+                          <a:latin typeface="Aptos Narrow" panose="020B0004020202020204" pitchFamily="34" charset="0"/>
+                        </a:rPr>
+                        <a:t>Produces accurate data</a:t>
+                      </a:r>
+                    </a:p>
+                  </a:txBody>
+                  <a:tcPr marL="7620" marR="7620" marT="7620" marB="0" anchor="b">
+                    <a:lnL>
+                      <a:noFill/>
+                    </a:lnL>
+                    <a:lnR>
+                      <a:noFill/>
+                    </a:lnR>
+                    <a:lnT w="6350" cap="flat" cmpd="sng" algn="ctr">
+                      <a:solidFill>
+                        <a:srgbClr val="D86DCD"/>
+                      </a:solidFill>
+                      <a:prstDash val="solid"/>
+                      <a:round/>
+                      <a:headEnd type="none" w="med" len="med"/>
+                      <a:tailEnd type="none" w="med" len="med"/>
+                    </a:lnT>
+                    <a:lnB w="6350" cap="flat" cmpd="sng" algn="ctr">
+                      <a:solidFill>
+                        <a:srgbClr val="D86DCD"/>
+                      </a:solidFill>
+                      <a:prstDash val="solid"/>
+                      <a:round/>
+                      <a:headEnd type="none" w="med" len="med"/>
+                      <a:tailEnd type="none" w="med" len="med"/>
+                    </a:lnB>
+                    <a:solidFill>
+                      <a:srgbClr val="F2CEEF"/>
+                    </a:solidFill>
+                  </a:tcPr>
+                </a:tc>
+                <a:tc>
+                  <a:txBody>
+                    <a:bodyPr/>
+                    <a:lstStyle/>
+                    <a:p>
+                      <a:pPr algn="r" fontAlgn="b"/>
+                      <a:r>
+                        <a:rPr lang="en-US" sz="1800" b="0" i="0" u="none" strike="noStrike">
+                          <a:solidFill>
+                            <a:srgbClr val="000000"/>
+                          </a:solidFill>
+                          <a:effectLst/>
+                          <a:latin typeface="Aptos Narrow" panose="020B0004020202020204" pitchFamily="34" charset="0"/>
+                        </a:rPr>
+                        <a:t>7</a:t>
+                      </a:r>
+                    </a:p>
+                  </a:txBody>
+                  <a:tcPr marL="7620" marR="7620" marT="7620" marB="0" anchor="b">
+                    <a:lnL>
+                      <a:noFill/>
+                    </a:lnL>
+                    <a:lnR>
+                      <a:noFill/>
+                    </a:lnR>
+                    <a:lnT w="6350" cap="flat" cmpd="sng" algn="ctr">
+                      <a:solidFill>
+                        <a:srgbClr val="D86DCD"/>
+                      </a:solidFill>
+                      <a:prstDash val="solid"/>
+                      <a:round/>
+                      <a:headEnd type="none" w="med" len="med"/>
+                      <a:tailEnd type="none" w="med" len="med"/>
+                    </a:lnT>
+                    <a:lnB w="6350" cap="flat" cmpd="sng" algn="ctr">
+                      <a:solidFill>
+                        <a:srgbClr val="D86DCD"/>
+                      </a:solidFill>
+                      <a:prstDash val="solid"/>
+                      <a:round/>
+                      <a:headEnd type="none" w="med" len="med"/>
+                      <a:tailEnd type="none" w="med" len="med"/>
+                    </a:lnB>
+                    <a:solidFill>
+                      <a:srgbClr val="F2CEEF"/>
+                    </a:solidFill>
+                  </a:tcPr>
+                </a:tc>
+                <a:tc>
+                  <a:txBody>
+                    <a:bodyPr/>
+                    <a:lstStyle/>
+                    <a:p>
+                      <a:pPr algn="r" fontAlgn="b"/>
+                      <a:r>
+                        <a:rPr lang="en-US" sz="1800" b="0" i="0" u="none" strike="noStrike" dirty="0">
+                          <a:solidFill>
+                            <a:srgbClr val="000000"/>
+                          </a:solidFill>
+                          <a:effectLst/>
+                          <a:latin typeface="Aptos Narrow" panose="020B0004020202020204" pitchFamily="34" charset="0"/>
+                        </a:rPr>
+                        <a:t>5</a:t>
+                      </a:r>
+                    </a:p>
+                  </a:txBody>
+                  <a:tcPr marL="7620" marR="7620" marT="7620" marB="0" anchor="b">
+                    <a:lnL>
+                      <a:noFill/>
+                    </a:lnL>
+                    <a:lnR>
+                      <a:noFill/>
+                    </a:lnR>
+                    <a:lnT w="6350" cap="flat" cmpd="sng" algn="ctr">
+                      <a:solidFill>
+                        <a:srgbClr val="D86DCD"/>
+                      </a:solidFill>
+                      <a:prstDash val="solid"/>
+                      <a:round/>
+                      <a:headEnd type="none" w="med" len="med"/>
+                      <a:tailEnd type="none" w="med" len="med"/>
+                    </a:lnT>
+                    <a:lnB w="6350" cap="flat" cmpd="sng" algn="ctr">
+                      <a:solidFill>
+                        <a:srgbClr val="D86DCD"/>
+                      </a:solidFill>
+                      <a:prstDash val="solid"/>
+                      <a:round/>
+                      <a:headEnd type="none" w="med" len="med"/>
+                      <a:tailEnd type="none" w="med" len="med"/>
+                    </a:lnB>
+                    <a:solidFill>
+                      <a:srgbClr val="F2CEEF"/>
+                    </a:solidFill>
+                  </a:tcPr>
+                </a:tc>
+                <a:tc>
+                  <a:txBody>
+                    <a:bodyPr/>
+                    <a:lstStyle/>
+                    <a:p>
+                      <a:pPr algn="r" fontAlgn="b"/>
+                      <a:r>
+                        <a:rPr lang="en-US" sz="1800" b="0" i="0" u="none" strike="noStrike" dirty="0">
+                          <a:solidFill>
+                            <a:srgbClr val="000000"/>
+                          </a:solidFill>
+                          <a:effectLst/>
+                          <a:latin typeface="Aptos Narrow" panose="020B0004020202020204" pitchFamily="34" charset="0"/>
+                        </a:rPr>
+                        <a:t>4</a:t>
+                      </a:r>
+                    </a:p>
+                  </a:txBody>
+                  <a:tcPr marL="7620" marR="7620" marT="7620" marB="0" anchor="b">
+                    <a:lnL>
+                      <a:noFill/>
+                    </a:lnL>
+                    <a:lnR>
+                      <a:noFill/>
+                    </a:lnR>
+                    <a:lnT w="6350" cap="flat" cmpd="sng" algn="ctr">
+                      <a:solidFill>
+                        <a:srgbClr val="D86DCD"/>
+                      </a:solidFill>
+                      <a:prstDash val="solid"/>
+                      <a:round/>
+                      <a:headEnd type="none" w="med" len="med"/>
+                      <a:tailEnd type="none" w="med" len="med"/>
+                    </a:lnT>
+                    <a:lnB w="6350" cap="flat" cmpd="sng" algn="ctr">
+                      <a:solidFill>
+                        <a:srgbClr val="D86DCD"/>
+                      </a:solidFill>
+                      <a:prstDash val="solid"/>
+                      <a:round/>
+                      <a:headEnd type="none" w="med" len="med"/>
+                      <a:tailEnd type="none" w="med" len="med"/>
+                    </a:lnB>
+                    <a:solidFill>
+                      <a:srgbClr val="F2CEEF"/>
+                    </a:solidFill>
+                  </a:tcPr>
+                </a:tc>
+                <a:tc>
+                  <a:txBody>
+                    <a:bodyPr/>
+                    <a:lstStyle/>
+                    <a:p>
+                      <a:pPr algn="r" fontAlgn="b"/>
+                      <a:r>
+                        <a:rPr lang="en-US" sz="1800" b="0" i="0" u="none" strike="noStrike" dirty="0">
+                          <a:solidFill>
+                            <a:srgbClr val="000000"/>
+                          </a:solidFill>
+                          <a:effectLst/>
+                          <a:latin typeface="Aptos Narrow" panose="020B0004020202020204" pitchFamily="34" charset="0"/>
+                        </a:rPr>
+                        <a:t>7</a:t>
+                      </a:r>
+                    </a:p>
+                  </a:txBody>
+                  <a:tcPr marL="7620" marR="7620" marT="7620" marB="0" anchor="b">
+                    <a:lnL>
+                      <a:noFill/>
+                    </a:lnL>
+                    <a:lnR w="6350" cap="flat" cmpd="sng" algn="ctr">
+                      <a:solidFill>
+                        <a:srgbClr val="D86DCD"/>
+                      </a:solidFill>
+                      <a:prstDash val="solid"/>
+                      <a:round/>
+                      <a:headEnd type="none" w="med" len="med"/>
+                      <a:tailEnd type="none" w="med" len="med"/>
+                    </a:lnR>
+                    <a:lnT w="6350" cap="flat" cmpd="sng" algn="ctr">
+                      <a:solidFill>
+                        <a:srgbClr val="D86DCD"/>
+                      </a:solidFill>
+                      <a:prstDash val="solid"/>
+                      <a:round/>
+                      <a:headEnd type="none" w="med" len="med"/>
+                      <a:tailEnd type="none" w="med" len="med"/>
+                    </a:lnT>
+                    <a:lnB w="6350" cap="flat" cmpd="sng" algn="ctr">
+                      <a:solidFill>
+                        <a:srgbClr val="D86DCD"/>
+                      </a:solidFill>
+                      <a:prstDash val="solid"/>
+                      <a:round/>
+                      <a:headEnd type="none" w="med" len="med"/>
+                      <a:tailEnd type="none" w="med" len="med"/>
+                    </a:lnB>
+                    <a:solidFill>
+                      <a:srgbClr val="F2CEEF"/>
+                    </a:solidFill>
+                  </a:tcPr>
+                </a:tc>
+                <a:extLst>
+                  <a:ext uri="{0D108BD9-81ED-4DB2-BD59-A6C34878D82A}">
+                    <a16:rowId xmlns:a16="http://schemas.microsoft.com/office/drawing/2014/main" val="1257742356"/>
+                  </a:ext>
+                </a:extLst>
+              </a:tr>
+              <a:tr h="346236">
+                <a:tc>
+                  <a:txBody>
+                    <a:bodyPr/>
+                    <a:lstStyle/>
+                    <a:p>
+                      <a:pPr algn="l" fontAlgn="b"/>
+                      <a:r>
+                        <a:rPr lang="en-US" sz="1800" b="0" i="0" u="none" strike="noStrike">
+                          <a:solidFill>
+                            <a:srgbClr val="000000"/>
+                          </a:solidFill>
+                          <a:effectLst/>
+                          <a:latin typeface="Aptos Narrow" panose="020B0004020202020204" pitchFamily="34" charset="0"/>
+                        </a:rPr>
+                        <a:t>Efficiency</a:t>
+                      </a:r>
+                    </a:p>
+                  </a:txBody>
+                  <a:tcPr marL="7620" marR="7620" marT="7620" marB="0" anchor="b">
+                    <a:lnL w="6350" cap="flat" cmpd="sng" algn="ctr">
+                      <a:solidFill>
+                        <a:srgbClr val="D86DCD"/>
+                      </a:solidFill>
+                      <a:prstDash val="solid"/>
+                      <a:round/>
+                      <a:headEnd type="none" w="med" len="med"/>
+                      <a:tailEnd type="none" w="med" len="med"/>
+                    </a:lnL>
+                    <a:lnR>
+                      <a:noFill/>
+                    </a:lnR>
+                    <a:lnT w="6350" cap="flat" cmpd="sng" algn="ctr">
+                      <a:solidFill>
+                        <a:srgbClr val="D86DCD"/>
+                      </a:solidFill>
+                      <a:prstDash val="solid"/>
+                      <a:round/>
+                      <a:headEnd type="none" w="med" len="med"/>
+                      <a:tailEnd type="none" w="med" len="med"/>
+                    </a:lnT>
+                    <a:lnB w="6350" cap="flat" cmpd="sng" algn="ctr">
+                      <a:solidFill>
+                        <a:srgbClr val="D86DCD"/>
+                      </a:solidFill>
+                      <a:prstDash val="solid"/>
+                      <a:round/>
+                      <a:headEnd type="none" w="med" len="med"/>
+                      <a:tailEnd type="none" w="med" len="med"/>
+                    </a:lnB>
+                    <a:noFill/>
+                  </a:tcPr>
+                </a:tc>
+                <a:tc>
+                  <a:txBody>
+                    <a:bodyPr/>
+                    <a:lstStyle/>
+                    <a:p>
+                      <a:pPr algn="l" fontAlgn="b"/>
+                      <a:r>
+                        <a:rPr lang="en-US" sz="1800" b="0" i="0" u="none" strike="noStrike">
+                          <a:solidFill>
+                            <a:srgbClr val="000000"/>
+                          </a:solidFill>
+                          <a:effectLst/>
+                          <a:latin typeface="Aptos Narrow" panose="020B0004020202020204" pitchFamily="34" charset="0"/>
+                        </a:rPr>
+                        <a:t>Is effcient with the power it uses.</a:t>
+                      </a:r>
+                    </a:p>
+                  </a:txBody>
+                  <a:tcPr marL="7620" marR="7620" marT="7620" marB="0" anchor="b">
+                    <a:lnL>
+                      <a:noFill/>
+                    </a:lnL>
+                    <a:lnR>
+                      <a:noFill/>
+                    </a:lnR>
+                    <a:lnT w="6350" cap="flat" cmpd="sng" algn="ctr">
+                      <a:solidFill>
+                        <a:srgbClr val="D86DCD"/>
+                      </a:solidFill>
+                      <a:prstDash val="solid"/>
+                      <a:round/>
+                      <a:headEnd type="none" w="med" len="med"/>
+                      <a:tailEnd type="none" w="med" len="med"/>
+                    </a:lnT>
+                    <a:lnB w="6350" cap="flat" cmpd="sng" algn="ctr">
+                      <a:solidFill>
+                        <a:srgbClr val="D86DCD"/>
+                      </a:solidFill>
+                      <a:prstDash val="solid"/>
+                      <a:round/>
+                      <a:headEnd type="none" w="med" len="med"/>
+                      <a:tailEnd type="none" w="med" len="med"/>
+                    </a:lnB>
+                    <a:noFill/>
+                  </a:tcPr>
+                </a:tc>
+                <a:tc>
+                  <a:txBody>
+                    <a:bodyPr/>
+                    <a:lstStyle/>
+                    <a:p>
+                      <a:pPr algn="r" fontAlgn="b"/>
+                      <a:r>
+                        <a:rPr lang="en-US" sz="1800" b="0" i="0" u="none" strike="noStrike">
+                          <a:solidFill>
+                            <a:srgbClr val="000000"/>
+                          </a:solidFill>
+                          <a:effectLst/>
+                          <a:latin typeface="Aptos Narrow" panose="020B0004020202020204" pitchFamily="34" charset="0"/>
+                        </a:rPr>
+                        <a:t>4</a:t>
+                      </a:r>
+                    </a:p>
+                  </a:txBody>
+                  <a:tcPr marL="7620" marR="7620" marT="7620" marB="0" anchor="b">
+                    <a:lnL>
+                      <a:noFill/>
+                    </a:lnL>
+                    <a:lnR>
+                      <a:noFill/>
+                    </a:lnR>
+                    <a:lnT w="6350" cap="flat" cmpd="sng" algn="ctr">
+                      <a:solidFill>
+                        <a:srgbClr val="D86DCD"/>
+                      </a:solidFill>
+                      <a:prstDash val="solid"/>
+                      <a:round/>
+                      <a:headEnd type="none" w="med" len="med"/>
+                      <a:tailEnd type="none" w="med" len="med"/>
+                    </a:lnT>
+                    <a:lnB w="6350" cap="flat" cmpd="sng" algn="ctr">
+                      <a:solidFill>
+                        <a:srgbClr val="D86DCD"/>
+                      </a:solidFill>
+                      <a:prstDash val="solid"/>
+                      <a:round/>
+                      <a:headEnd type="none" w="med" len="med"/>
+                      <a:tailEnd type="none" w="med" len="med"/>
+                    </a:lnB>
+                    <a:noFill/>
+                  </a:tcPr>
+                </a:tc>
+                <a:tc>
+                  <a:txBody>
+                    <a:bodyPr/>
+                    <a:lstStyle/>
+                    <a:p>
+                      <a:pPr algn="r" fontAlgn="b"/>
+                      <a:r>
+                        <a:rPr lang="en-US" sz="1800" b="0" i="0" u="none" strike="noStrike">
+                          <a:solidFill>
+                            <a:srgbClr val="000000"/>
+                          </a:solidFill>
+                          <a:effectLst/>
+                          <a:latin typeface="Aptos Narrow" panose="020B0004020202020204" pitchFamily="34" charset="0"/>
+                        </a:rPr>
+                        <a:t>5</a:t>
+                      </a:r>
+                    </a:p>
+                  </a:txBody>
+                  <a:tcPr marL="7620" marR="7620" marT="7620" marB="0" anchor="b">
+                    <a:lnL>
+                      <a:noFill/>
+                    </a:lnL>
+                    <a:lnR>
+                      <a:noFill/>
+                    </a:lnR>
+                    <a:lnT w="6350" cap="flat" cmpd="sng" algn="ctr">
+                      <a:solidFill>
+                        <a:srgbClr val="D86DCD"/>
+                      </a:solidFill>
+                      <a:prstDash val="solid"/>
+                      <a:round/>
+                      <a:headEnd type="none" w="med" len="med"/>
+                      <a:tailEnd type="none" w="med" len="med"/>
+                    </a:lnT>
+                    <a:lnB w="6350" cap="flat" cmpd="sng" algn="ctr">
+                      <a:solidFill>
+                        <a:srgbClr val="D86DCD"/>
+                      </a:solidFill>
+                      <a:prstDash val="solid"/>
+                      <a:round/>
+                      <a:headEnd type="none" w="med" len="med"/>
+                      <a:tailEnd type="none" w="med" len="med"/>
+                    </a:lnB>
+                    <a:noFill/>
+                  </a:tcPr>
+                </a:tc>
+                <a:tc>
+                  <a:txBody>
+                    <a:bodyPr/>
+                    <a:lstStyle/>
+                    <a:p>
+                      <a:pPr algn="r" fontAlgn="b"/>
+                      <a:r>
+                        <a:rPr lang="en-US" sz="1800" b="0" i="0" u="none" strike="noStrike">
+                          <a:solidFill>
+                            <a:srgbClr val="000000"/>
+                          </a:solidFill>
+                          <a:effectLst/>
+                          <a:latin typeface="Aptos Narrow" panose="020B0004020202020204" pitchFamily="34" charset="0"/>
+                        </a:rPr>
+                        <a:t>4</a:t>
+                      </a:r>
+                    </a:p>
+                  </a:txBody>
+                  <a:tcPr marL="7620" marR="7620" marT="7620" marB="0" anchor="b">
+                    <a:lnL>
+                      <a:noFill/>
+                    </a:lnL>
+                    <a:lnR>
+                      <a:noFill/>
+                    </a:lnR>
+                    <a:lnT w="6350" cap="flat" cmpd="sng" algn="ctr">
+                      <a:solidFill>
+                        <a:srgbClr val="D86DCD"/>
+                      </a:solidFill>
+                      <a:prstDash val="solid"/>
+                      <a:round/>
+                      <a:headEnd type="none" w="med" len="med"/>
+                      <a:tailEnd type="none" w="med" len="med"/>
+                    </a:lnT>
+                    <a:lnB w="6350" cap="flat" cmpd="sng" algn="ctr">
+                      <a:solidFill>
+                        <a:srgbClr val="D86DCD"/>
+                      </a:solidFill>
+                      <a:prstDash val="solid"/>
+                      <a:round/>
+                      <a:headEnd type="none" w="med" len="med"/>
+                      <a:tailEnd type="none" w="med" len="med"/>
+                    </a:lnB>
+                    <a:noFill/>
+                  </a:tcPr>
+                </a:tc>
+                <a:tc>
+                  <a:txBody>
+                    <a:bodyPr/>
+                    <a:lstStyle/>
+                    <a:p>
+                      <a:pPr algn="r" fontAlgn="b"/>
+                      <a:r>
+                        <a:rPr lang="en-US" sz="1800" b="0" i="0" u="none" strike="noStrike" dirty="0">
+                          <a:solidFill>
+                            <a:srgbClr val="000000"/>
+                          </a:solidFill>
+                          <a:effectLst/>
+                          <a:latin typeface="Aptos Narrow" panose="020B0004020202020204" pitchFamily="34" charset="0"/>
+                        </a:rPr>
+                        <a:t>10</a:t>
+                      </a:r>
+                    </a:p>
+                  </a:txBody>
+                  <a:tcPr marL="7620" marR="7620" marT="7620" marB="0" anchor="b">
+                    <a:lnL>
+                      <a:noFill/>
+                    </a:lnL>
+                    <a:lnR w="6350" cap="flat" cmpd="sng" algn="ctr">
+                      <a:solidFill>
+                        <a:srgbClr val="D86DCD"/>
+                      </a:solidFill>
+                      <a:prstDash val="solid"/>
+                      <a:round/>
+                      <a:headEnd type="none" w="med" len="med"/>
+                      <a:tailEnd type="none" w="med" len="med"/>
+                    </a:lnR>
+                    <a:lnT w="6350" cap="flat" cmpd="sng" algn="ctr">
+                      <a:solidFill>
+                        <a:srgbClr val="D86DCD"/>
+                      </a:solidFill>
+                      <a:prstDash val="solid"/>
+                      <a:round/>
+                      <a:headEnd type="none" w="med" len="med"/>
+                      <a:tailEnd type="none" w="med" len="med"/>
+                    </a:lnT>
+                    <a:lnB w="6350" cap="flat" cmpd="sng" algn="ctr">
+                      <a:solidFill>
+                        <a:srgbClr val="D86DCD"/>
+                      </a:solidFill>
+                      <a:prstDash val="solid"/>
+                      <a:round/>
+                      <a:headEnd type="none" w="med" len="med"/>
+                      <a:tailEnd type="none" w="med" len="med"/>
+                    </a:lnB>
+                    <a:noFill/>
+                  </a:tcPr>
+                </a:tc>
+                <a:extLst>
+                  <a:ext uri="{0D108BD9-81ED-4DB2-BD59-A6C34878D82A}">
+                    <a16:rowId xmlns:a16="http://schemas.microsoft.com/office/drawing/2014/main" val="692433681"/>
+                  </a:ext>
+                </a:extLst>
+              </a:tr>
+              <a:tr h="346236">
+                <a:tc>
+                  <a:txBody>
+                    <a:bodyPr/>
+                    <a:lstStyle/>
+                    <a:p>
+                      <a:pPr algn="l" fontAlgn="b"/>
+                      <a:r>
+                        <a:rPr lang="en-US" sz="1800" b="0" i="0" u="none" strike="noStrike">
+                          <a:solidFill>
+                            <a:srgbClr val="000000"/>
+                          </a:solidFill>
+                          <a:effectLst/>
+                          <a:latin typeface="Aptos Narrow" panose="020B0004020202020204" pitchFamily="34" charset="0"/>
+                        </a:rPr>
+                        <a:t>Total</a:t>
+                      </a:r>
+                    </a:p>
+                  </a:txBody>
+                  <a:tcPr marL="7620" marR="7620" marT="7620" marB="0" anchor="b">
+                    <a:lnL w="6350" cap="flat" cmpd="sng" algn="ctr">
+                      <a:solidFill>
+                        <a:srgbClr val="D86DCD"/>
+                      </a:solidFill>
+                      <a:prstDash val="solid"/>
+                      <a:round/>
+                      <a:headEnd type="none" w="med" len="med"/>
+                      <a:tailEnd type="none" w="med" len="med"/>
+                    </a:lnL>
+                    <a:lnR>
+                      <a:noFill/>
+                    </a:lnR>
+                    <a:lnT w="6350" cap="flat" cmpd="sng" algn="ctr">
+                      <a:solidFill>
+                        <a:srgbClr val="D86DCD"/>
+                      </a:solidFill>
+                      <a:prstDash val="solid"/>
+                      <a:round/>
+                      <a:headEnd type="none" w="med" len="med"/>
+                      <a:tailEnd type="none" w="med" len="med"/>
+                    </a:lnT>
+                    <a:lnB w="6350" cap="flat" cmpd="sng" algn="ctr">
+                      <a:solidFill>
+                        <a:srgbClr val="D86DCD"/>
+                      </a:solidFill>
+                      <a:prstDash val="solid"/>
+                      <a:round/>
+                      <a:headEnd type="none" w="med" len="med"/>
+                      <a:tailEnd type="none" w="med" len="med"/>
+                    </a:lnB>
+                    <a:solidFill>
+                      <a:srgbClr val="F2CEEF"/>
+                    </a:solidFill>
+                  </a:tcPr>
+                </a:tc>
+                <a:tc>
+                  <a:txBody>
+                    <a:bodyPr/>
+                    <a:lstStyle/>
+                    <a:p>
+                      <a:pPr algn="l" fontAlgn="b"/>
+                      <a:endParaRPr lang="en-US" sz="1800" b="0" i="0" u="none" strike="noStrike" dirty="0">
+                        <a:solidFill>
+                          <a:srgbClr val="000000"/>
+                        </a:solidFill>
+                        <a:effectLst/>
+                        <a:latin typeface="Aptos Narrow" panose="020B0004020202020204" pitchFamily="34" charset="0"/>
+                      </a:endParaRPr>
+                    </a:p>
+                  </a:txBody>
+                  <a:tcPr marL="7620" marR="7620" marT="7620" marB="0" anchor="b">
+                    <a:lnL>
+                      <a:noFill/>
+                    </a:lnL>
+                    <a:lnR>
+                      <a:noFill/>
+                    </a:lnR>
+                    <a:lnT w="6350" cap="flat" cmpd="sng" algn="ctr">
+                      <a:solidFill>
+                        <a:srgbClr val="D86DCD"/>
+                      </a:solidFill>
+                      <a:prstDash val="solid"/>
+                      <a:round/>
+                      <a:headEnd type="none" w="med" len="med"/>
+                      <a:tailEnd type="none" w="med" len="med"/>
+                    </a:lnT>
+                    <a:lnB w="6350" cap="flat" cmpd="sng" algn="ctr">
+                      <a:solidFill>
+                        <a:srgbClr val="D86DCD"/>
+                      </a:solidFill>
+                      <a:prstDash val="solid"/>
+                      <a:round/>
+                      <a:headEnd type="none" w="med" len="med"/>
+                      <a:tailEnd type="none" w="med" len="med"/>
+                    </a:lnB>
+                    <a:solidFill>
+                      <a:srgbClr val="F2CEEF"/>
+                    </a:solidFill>
+                  </a:tcPr>
+                </a:tc>
+                <a:tc>
+                  <a:txBody>
+                    <a:bodyPr/>
+                    <a:lstStyle/>
+                    <a:p>
+                      <a:pPr algn="l" fontAlgn="b"/>
+                      <a:endParaRPr lang="en-US" sz="1800" b="0" i="0" u="none" strike="noStrike">
+                        <a:solidFill>
+                          <a:srgbClr val="000000"/>
+                        </a:solidFill>
+                        <a:effectLst/>
+                        <a:latin typeface="Aptos Narrow" panose="020B0004020202020204" pitchFamily="34" charset="0"/>
+                      </a:endParaRPr>
+                    </a:p>
+                  </a:txBody>
+                  <a:tcPr marL="7620" marR="7620" marT="7620" marB="0" anchor="b">
+                    <a:lnL>
+                      <a:noFill/>
+                    </a:lnL>
+                    <a:lnR>
+                      <a:noFill/>
+                    </a:lnR>
+                    <a:lnT w="6350" cap="flat" cmpd="sng" algn="ctr">
+                      <a:solidFill>
+                        <a:srgbClr val="D86DCD"/>
+                      </a:solidFill>
+                      <a:prstDash val="solid"/>
+                      <a:round/>
+                      <a:headEnd type="none" w="med" len="med"/>
+                      <a:tailEnd type="none" w="med" len="med"/>
+                    </a:lnT>
+                    <a:lnB w="6350" cap="flat" cmpd="sng" algn="ctr">
+                      <a:solidFill>
+                        <a:srgbClr val="D86DCD"/>
+                      </a:solidFill>
+                      <a:prstDash val="solid"/>
+                      <a:round/>
+                      <a:headEnd type="none" w="med" len="med"/>
+                      <a:tailEnd type="none" w="med" len="med"/>
+                    </a:lnB>
+                    <a:solidFill>
+                      <a:srgbClr val="F2CEEF"/>
+                    </a:solidFill>
+                  </a:tcPr>
+                </a:tc>
+                <a:tc>
+                  <a:txBody>
+                    <a:bodyPr/>
+                    <a:lstStyle/>
+                    <a:p>
+                      <a:pPr algn="r" fontAlgn="b"/>
+                      <a:r>
+                        <a:rPr lang="en-US" sz="1800" b="0" i="0" u="none" strike="noStrike">
+                          <a:solidFill>
+                            <a:srgbClr val="000000"/>
+                          </a:solidFill>
+                          <a:effectLst/>
+                          <a:latin typeface="Aptos Narrow" panose="020B0004020202020204" pitchFamily="34" charset="0"/>
+                        </a:rPr>
+                        <a:t>305</a:t>
+                      </a:r>
+                    </a:p>
+                  </a:txBody>
+                  <a:tcPr marL="7620" marR="7620" marT="7620" marB="0" anchor="b">
+                    <a:lnL>
+                      <a:noFill/>
+                    </a:lnL>
+                    <a:lnR>
+                      <a:noFill/>
+                    </a:lnR>
+                    <a:lnT w="6350" cap="flat" cmpd="sng" algn="ctr">
+                      <a:solidFill>
+                        <a:srgbClr val="D86DCD"/>
+                      </a:solidFill>
+                      <a:prstDash val="solid"/>
+                      <a:round/>
+                      <a:headEnd type="none" w="med" len="med"/>
+                      <a:tailEnd type="none" w="med" len="med"/>
+                    </a:lnT>
+                    <a:lnB w="6350" cap="flat" cmpd="sng" algn="ctr">
+                      <a:solidFill>
+                        <a:srgbClr val="D86DCD"/>
+                      </a:solidFill>
+                      <a:prstDash val="solid"/>
+                      <a:round/>
+                      <a:headEnd type="none" w="med" len="med"/>
+                      <a:tailEnd type="none" w="med" len="med"/>
+                    </a:lnB>
+                    <a:solidFill>
+                      <a:srgbClr val="F2CEEF"/>
+                    </a:solidFill>
+                  </a:tcPr>
+                </a:tc>
+                <a:tc>
+                  <a:txBody>
+                    <a:bodyPr/>
+                    <a:lstStyle/>
+                    <a:p>
+                      <a:pPr algn="r" fontAlgn="b"/>
+                      <a:r>
+                        <a:rPr lang="en-US" sz="1800" b="0" i="0" u="none" strike="noStrike">
+                          <a:solidFill>
+                            <a:srgbClr val="000000"/>
+                          </a:solidFill>
+                          <a:effectLst/>
+                          <a:latin typeface="Aptos Narrow" panose="020B0004020202020204" pitchFamily="34" charset="0"/>
+                        </a:rPr>
+                        <a:t>342</a:t>
+                      </a:r>
+                    </a:p>
+                  </a:txBody>
+                  <a:tcPr marL="7620" marR="7620" marT="7620" marB="0" anchor="b">
+                    <a:lnL>
+                      <a:noFill/>
+                    </a:lnL>
+                    <a:lnR>
+                      <a:noFill/>
+                    </a:lnR>
+                    <a:lnT w="6350" cap="flat" cmpd="sng" algn="ctr">
+                      <a:solidFill>
+                        <a:srgbClr val="D86DCD"/>
+                      </a:solidFill>
+                      <a:prstDash val="solid"/>
+                      <a:round/>
+                      <a:headEnd type="none" w="med" len="med"/>
+                      <a:tailEnd type="none" w="med" len="med"/>
+                    </a:lnT>
+                    <a:lnB w="6350" cap="flat" cmpd="sng" algn="ctr">
+                      <a:solidFill>
+                        <a:srgbClr val="D86DCD"/>
+                      </a:solidFill>
+                      <a:prstDash val="solid"/>
+                      <a:round/>
+                      <a:headEnd type="none" w="med" len="med"/>
+                      <a:tailEnd type="none" w="med" len="med"/>
+                    </a:lnB>
+                    <a:solidFill>
+                      <a:srgbClr val="F2CEEF"/>
+                    </a:solidFill>
+                  </a:tcPr>
+                </a:tc>
+                <a:tc>
+                  <a:txBody>
+                    <a:bodyPr/>
+                    <a:lstStyle/>
+                    <a:p>
+                      <a:pPr algn="r" fontAlgn="b"/>
+                      <a:r>
+                        <a:rPr lang="en-US" sz="1800" b="0" i="0" u="none" strike="noStrike" dirty="0">
+                          <a:solidFill>
+                            <a:srgbClr val="000000"/>
+                          </a:solidFill>
+                          <a:effectLst/>
+                          <a:latin typeface="Aptos Narrow" panose="020B0004020202020204" pitchFamily="34" charset="0"/>
+                        </a:rPr>
+                        <a:t>329</a:t>
+                      </a:r>
+                    </a:p>
+                  </a:txBody>
+                  <a:tcPr marL="7620" marR="7620" marT="7620" marB="0" anchor="b">
+                    <a:lnL>
+                      <a:noFill/>
+                    </a:lnL>
+                    <a:lnR w="6350" cap="flat" cmpd="sng" algn="ctr">
+                      <a:solidFill>
+                        <a:srgbClr val="D86DCD"/>
+                      </a:solidFill>
+                      <a:prstDash val="solid"/>
+                      <a:round/>
+                      <a:headEnd type="none" w="med" len="med"/>
+                      <a:tailEnd type="none" w="med" len="med"/>
+                    </a:lnR>
+                    <a:lnT w="6350" cap="flat" cmpd="sng" algn="ctr">
+                      <a:solidFill>
+                        <a:srgbClr val="D86DCD"/>
+                      </a:solidFill>
+                      <a:prstDash val="solid"/>
+                      <a:round/>
+                      <a:headEnd type="none" w="med" len="med"/>
+                      <a:tailEnd type="none" w="med" len="med"/>
+                    </a:lnT>
+                    <a:lnB w="6350" cap="flat" cmpd="sng" algn="ctr">
+                      <a:solidFill>
+                        <a:srgbClr val="D86DCD"/>
+                      </a:solidFill>
+                      <a:prstDash val="solid"/>
+                      <a:round/>
+                      <a:headEnd type="none" w="med" len="med"/>
+                      <a:tailEnd type="none" w="med" len="med"/>
+                    </a:lnB>
+                    <a:solidFill>
+                      <a:srgbClr val="F2CEEF"/>
+                    </a:solidFill>
+                  </a:tcPr>
+                </a:tc>
+                <a:extLst>
+                  <a:ext uri="{0D108BD9-81ED-4DB2-BD59-A6C34878D82A}">
+                    <a16:rowId xmlns:a16="http://schemas.microsoft.com/office/drawing/2014/main" val="3280041288"/>
+                  </a:ext>
+                </a:extLst>
+              </a:tr>
+            </a:tbl>
+          </a:graphicData>
+        </a:graphic>
+      </p:graphicFrame>
     </p:spTree>
     <p:extLst>
       <p:ext uri="{BB962C8B-B14F-4D97-AF65-F5344CB8AC3E}">
         <p14:creationId xmlns:p14="http://schemas.microsoft.com/office/powerpoint/2010/main" val="3763922397"/>
-      </p:ext>
-    </p:extLst>
-  </p:cSld>
-  <p:clrMapOvr>
-    <a:masterClrMapping/>
-  </p:clrMapOvr>
-</p:sld>
-</file>
-
-<file path=ppt/slides/slide9.xml><?xml version="1.0" encoding="utf-8"?>
-<p:sld xmlns:a="http://schemas.openxmlformats.org/drawingml/2006/main" xmlns:r="http://schemas.openxmlformats.org/officeDocument/2006/relationships" xmlns:p="http://schemas.openxmlformats.org/presentationml/2006/main">
-  <p:cSld>
-    <p:spTree>
-      <p:nvGrpSpPr>
-        <p:cNvPr id="1" name=""/>
-        <p:cNvGrpSpPr/>
-        <p:nvPr/>
-      </p:nvGrpSpPr>
-      <p:grpSpPr>
-        <a:xfrm>
-          <a:off x="0" y="0"/>
-          <a:ext cx="0" cy="0"/>
-          <a:chOff x="0" y="0"/>
-          <a:chExt cx="0" cy="0"/>
-        </a:xfrm>
-      </p:grpSpPr>
-      <p:sp>
-        <p:nvSpPr>
-          <p:cNvPr id="2" name="Title 1">
-            <a:extLst>
-              <a:ext uri="{FF2B5EF4-FFF2-40B4-BE49-F238E27FC236}">
-                <a16:creationId xmlns:a16="http://schemas.microsoft.com/office/drawing/2014/main" id="{3A1CEDC2-893C-CF43-1F41-5199C65CABA2}"/>
-              </a:ext>
-            </a:extLst>
-          </p:cNvPr>
-          <p:cNvSpPr>
-            <a:spLocks noGrp="1"/>
-          </p:cNvSpPr>
-          <p:nvPr>
-            <p:ph type="title"/>
-          </p:nvPr>
-        </p:nvSpPr>
-        <p:spPr/>
-        <p:txBody>
-          <a:bodyPr/>
-          <a:lstStyle/>
-          <a:p>
-            <a:r>
-              <a:rPr lang="en-US" dirty="0"/>
-              <a:t>Final Score and Selected Design</a:t>
-            </a:r>
-          </a:p>
-        </p:txBody>
-      </p:sp>
-      <p:sp>
-        <p:nvSpPr>
-          <p:cNvPr id="3" name="Content Placeholder 2">
-            <a:extLst>
-              <a:ext uri="{FF2B5EF4-FFF2-40B4-BE49-F238E27FC236}">
-                <a16:creationId xmlns:a16="http://schemas.microsoft.com/office/drawing/2014/main" id="{F2D43D32-B7E3-F4AE-CFC3-F57FA93EBFBB}"/>
-              </a:ext>
-            </a:extLst>
-          </p:cNvPr>
-          <p:cNvSpPr>
-            <a:spLocks noGrp="1"/>
-          </p:cNvSpPr>
-          <p:nvPr>
-            <p:ph idx="1"/>
-          </p:nvPr>
-        </p:nvSpPr>
-        <p:spPr/>
-        <p:txBody>
-          <a:bodyPr/>
-          <a:lstStyle/>
-          <a:p>
-            <a:endParaRPr lang="en-US" dirty="0">
-              <a:solidFill>
-                <a:schemeClr val="accent5">
-                  <a:lumMod val="75000"/>
-                </a:schemeClr>
-              </a:solidFill>
-            </a:endParaRPr>
-          </a:p>
-        </p:txBody>
-      </p:sp>
-    </p:spTree>
-    <p:extLst>
-      <p:ext uri="{BB962C8B-B14F-4D97-AF65-F5344CB8AC3E}">
-        <p14:creationId xmlns:p14="http://schemas.microsoft.com/office/powerpoint/2010/main" val="1831747689"/>
       </p:ext>
     </p:extLst>
   </p:cSld>
@@ -6208,20 +14520,20 @@
 </file>
 
 <file path=customXml/item1.xml><?xml version="1.0" encoding="utf-8"?>
-<p:properties xmlns:p="http://schemas.microsoft.com/office/2006/metadata/properties" xmlns:xsi="http://www.w3.org/2001/XMLSchema-instance" xmlns:pc="http://schemas.microsoft.com/office/infopath/2007/PartnerControls">
-  <documentManagement>
-    <_activity xmlns="218cae68-0ddc-43bb-9a29-52a0402d6cb9" xsi:nil="true"/>
-  </documentManagement>
-</p:properties>
-</file>
-
-<file path=customXml/item2.xml><?xml version="1.0" encoding="utf-8"?>
 <?mso-contentType ?>
 <FormTemplates xmlns="http://schemas.microsoft.com/sharepoint/v3/contenttype/forms">
   <Display>DocumentLibraryForm</Display>
   <Edit>DocumentLibraryForm</Edit>
   <New>DocumentLibraryForm</New>
 </FormTemplates>
+</file>
+
+<file path=customXml/item2.xml><?xml version="1.0" encoding="utf-8"?>
+<p:properties xmlns:p="http://schemas.microsoft.com/office/2006/metadata/properties" xmlns:xsi="http://www.w3.org/2001/XMLSchema-instance" xmlns:pc="http://schemas.microsoft.com/office/infopath/2007/PartnerControls">
+  <documentManagement>
+    <_activity xmlns="218cae68-0ddc-43bb-9a29-52a0402d6cb9" xsi:nil="true"/>
+  </documentManagement>
+</p:properties>
 </file>
 
 <file path=customXml/item3.xml><?xml version="1.0" encoding="utf-8"?>
@@ -6458,6 +14770,14 @@
 </file>
 
 <file path=customXml/itemProps1.xml><?xml version="1.0" encoding="utf-8"?>
+<ds:datastoreItem xmlns:ds="http://schemas.openxmlformats.org/officeDocument/2006/customXml" ds:itemID="{3A69843A-82BD-41BC-9CFD-7A6BCBCF50D4}">
+  <ds:schemaRefs>
+    <ds:schemaRef ds:uri="http://schemas.microsoft.com/sharepoint/v3/contenttype/forms"/>
+  </ds:schemaRefs>
+</ds:datastoreItem>
+</file>
+
+<file path=customXml/itemProps2.xml><?xml version="1.0" encoding="utf-8"?>
 <ds:datastoreItem xmlns:ds="http://schemas.openxmlformats.org/officeDocument/2006/customXml" ds:itemID="{B218F515-3D1B-44A5-8439-DF0479902099}">
   <ds:schemaRefs>
     <ds:schemaRef ds:uri="http://purl.org/dc/dcmitype/"/>
@@ -6470,14 +14790,6 @@
     <ds:schemaRef ds:uri="703aeb73-56ce-48f3-9277-f60cff690132"/>
     <ds:schemaRef ds:uri="http://schemas.microsoft.com/office/2006/metadata/properties"/>
     <ds:schemaRef ds:uri="http://purl.org/dc/elements/1.1/"/>
-  </ds:schemaRefs>
-</ds:datastoreItem>
-</file>
-
-<file path=customXml/itemProps2.xml><?xml version="1.0" encoding="utf-8"?>
-<ds:datastoreItem xmlns:ds="http://schemas.openxmlformats.org/officeDocument/2006/customXml" ds:itemID="{3A69843A-82BD-41BC-9CFD-7A6BCBCF50D4}">
-  <ds:schemaRefs>
-    <ds:schemaRef ds:uri="http://schemas.microsoft.com/sharepoint/v3/contenttype/forms"/>
   </ds:schemaRefs>
 </ds:datastoreItem>
 </file>

--- a/Documents/CDR/CDR_Presentation.pptx
+++ b/Documents/CDR/CDR_Presentation.pptx
@@ -12,9 +12,9 @@
     <p:sldId id="272" r:id="rId9"/>
     <p:sldId id="261" r:id="rId10"/>
     <p:sldId id="265" r:id="rId11"/>
-    <p:sldId id="264" r:id="rId12"/>
-    <p:sldId id="260" r:id="rId13"/>
-    <p:sldId id="270" r:id="rId14"/>
+    <p:sldId id="260" r:id="rId12"/>
+    <p:sldId id="270" r:id="rId13"/>
+    <p:sldId id="264" r:id="rId14"/>
     <p:sldId id="259" r:id="rId15"/>
     <p:sldId id="266" r:id="rId16"/>
     <p:sldId id="257" r:id="rId17"/>
@@ -282,7 +282,7 @@
           <a:p>
             <a:fld id="{A749A21A-B890-4700-B57E-1CFFBFCC9631}" type="datetimeFigureOut">
               <a:rPr lang="en-US" smtClean="0"/>
-              <a:t>10/3/2024</a:t>
+              <a:t>10/5/2024</a:t>
             </a:fld>
             <a:endParaRPr lang="en-US"/>
           </a:p>
@@ -480,7 +480,7 @@
           <a:p>
             <a:fld id="{A749A21A-B890-4700-B57E-1CFFBFCC9631}" type="datetimeFigureOut">
               <a:rPr lang="en-US" smtClean="0"/>
-              <a:t>10/3/2024</a:t>
+              <a:t>10/5/2024</a:t>
             </a:fld>
             <a:endParaRPr lang="en-US"/>
           </a:p>
@@ -688,7 +688,7 @@
           <a:p>
             <a:fld id="{A749A21A-B890-4700-B57E-1CFFBFCC9631}" type="datetimeFigureOut">
               <a:rPr lang="en-US" smtClean="0"/>
-              <a:t>10/3/2024</a:t>
+              <a:t>10/5/2024</a:t>
             </a:fld>
             <a:endParaRPr lang="en-US"/>
           </a:p>
@@ -886,7 +886,7 @@
           <a:p>
             <a:fld id="{A749A21A-B890-4700-B57E-1CFFBFCC9631}" type="datetimeFigureOut">
               <a:rPr lang="en-US" smtClean="0"/>
-              <a:t>10/3/2024</a:t>
+              <a:t>10/5/2024</a:t>
             </a:fld>
             <a:endParaRPr lang="en-US"/>
           </a:p>
@@ -1161,7 +1161,7 @@
           <a:p>
             <a:fld id="{A749A21A-B890-4700-B57E-1CFFBFCC9631}" type="datetimeFigureOut">
               <a:rPr lang="en-US" smtClean="0"/>
-              <a:t>10/3/2024</a:t>
+              <a:t>10/5/2024</a:t>
             </a:fld>
             <a:endParaRPr lang="en-US"/>
           </a:p>
@@ -1426,7 +1426,7 @@
           <a:p>
             <a:fld id="{A749A21A-B890-4700-B57E-1CFFBFCC9631}" type="datetimeFigureOut">
               <a:rPr lang="en-US" smtClean="0"/>
-              <a:t>10/3/2024</a:t>
+              <a:t>10/5/2024</a:t>
             </a:fld>
             <a:endParaRPr lang="en-US"/>
           </a:p>
@@ -1838,7 +1838,7 @@
           <a:p>
             <a:fld id="{A749A21A-B890-4700-B57E-1CFFBFCC9631}" type="datetimeFigureOut">
               <a:rPr lang="en-US" smtClean="0"/>
-              <a:t>10/3/2024</a:t>
+              <a:t>10/5/2024</a:t>
             </a:fld>
             <a:endParaRPr lang="en-US"/>
           </a:p>
@@ -1979,7 +1979,7 @@
           <a:p>
             <a:fld id="{A749A21A-B890-4700-B57E-1CFFBFCC9631}" type="datetimeFigureOut">
               <a:rPr lang="en-US" smtClean="0"/>
-              <a:t>10/3/2024</a:t>
+              <a:t>10/5/2024</a:t>
             </a:fld>
             <a:endParaRPr lang="en-US"/>
           </a:p>
@@ -2092,7 +2092,7 @@
           <a:p>
             <a:fld id="{A749A21A-B890-4700-B57E-1CFFBFCC9631}" type="datetimeFigureOut">
               <a:rPr lang="en-US" smtClean="0"/>
-              <a:t>10/3/2024</a:t>
+              <a:t>10/5/2024</a:t>
             </a:fld>
             <a:endParaRPr lang="en-US"/>
           </a:p>
@@ -2403,7 +2403,7 @@
           <a:p>
             <a:fld id="{A749A21A-B890-4700-B57E-1CFFBFCC9631}" type="datetimeFigureOut">
               <a:rPr lang="en-US" smtClean="0"/>
-              <a:t>10/3/2024</a:t>
+              <a:t>10/5/2024</a:t>
             </a:fld>
             <a:endParaRPr lang="en-US"/>
           </a:p>
@@ -2691,7 +2691,7 @@
           <a:p>
             <a:fld id="{A749A21A-B890-4700-B57E-1CFFBFCC9631}" type="datetimeFigureOut">
               <a:rPr lang="en-US" smtClean="0"/>
-              <a:t>10/3/2024</a:t>
+              <a:t>10/5/2024</a:t>
             </a:fld>
             <a:endParaRPr lang="en-US"/>
           </a:p>
@@ -2932,7 +2932,7 @@
           <a:p>
             <a:fld id="{A749A21A-B890-4700-B57E-1CFFBFCC9631}" type="datetimeFigureOut">
               <a:rPr lang="en-US" smtClean="0"/>
-              <a:t>10/3/2024</a:t>
+              <a:t>10/5/2024</a:t>
             </a:fld>
             <a:endParaRPr lang="en-US"/>
           </a:p>
@@ -4003,7 +4003,7 @@
           <p:cNvPr id="2" name="Title 1">
             <a:extLst>
               <a:ext uri="{FF2B5EF4-FFF2-40B4-BE49-F238E27FC236}">
-                <a16:creationId xmlns:a16="http://schemas.microsoft.com/office/drawing/2014/main" id="{3A1CEDC2-893C-CF43-1F41-5199C65CABA2}"/>
+                <a16:creationId xmlns:a16="http://schemas.microsoft.com/office/drawing/2014/main" id="{1DA02BB8-01E2-8330-AF3B-A60F3E480F14}"/>
               </a:ext>
             </a:extLst>
           </p:cNvPr>
@@ -4021,7 +4021,7 @@
           <a:p>
             <a:r>
               <a:rPr lang="en-US" dirty="0"/>
-              <a:t>Final Score and Selected Design</a:t>
+              <a:t>Microcontroller Options</a:t>
             </a:r>
           </a:p>
         </p:txBody>
@@ -4031,7 +4031,7 @@
           <p:cNvPr id="3" name="Content Placeholder 2">
             <a:extLst>
               <a:ext uri="{FF2B5EF4-FFF2-40B4-BE49-F238E27FC236}">
-                <a16:creationId xmlns:a16="http://schemas.microsoft.com/office/drawing/2014/main" id="{F2D43D32-B7E3-F4AE-CFC3-F57FA93EBFBB}"/>
+                <a16:creationId xmlns:a16="http://schemas.microsoft.com/office/drawing/2014/main" id="{5C0AC1E4-8DDB-4D15-9516-C3BA994C4CE0}"/>
               </a:ext>
             </a:extLst>
           </p:cNvPr>
@@ -4044,7 +4044,9 @@
         </p:nvSpPr>
         <p:spPr/>
         <p:txBody>
-          <a:bodyPr/>
+          <a:bodyPr>
+            <a:normAutofit/>
+          </a:bodyPr>
           <a:lstStyle/>
           <a:p>
             <a:r>
@@ -4055,18 +4057,112 @@
                   </a:schemeClr>
                 </a:solidFill>
               </a:rPr>
-              <a:t>Microcontrollers go </a:t>
+              <a:t>ESP32-C6:</a:t>
             </a:r>
+          </a:p>
+          <a:p>
+            <a:pPr lvl="1"/>
             <a:r>
-              <a:rPr lang="en-US" dirty="0" err="1">
+              <a:rPr lang="en-US" dirty="0">
                 <a:solidFill>
                   <a:schemeClr val="accent5">
                     <a:lumMod val="75000"/>
                   </a:schemeClr>
                 </a:solidFill>
               </a:rPr>
-              <a:t>brrr</a:t>
+              <a:t>Pros: User friendly, wireless connectivity, imbedded flash module built in</a:t>
             </a:r>
+          </a:p>
+          <a:p>
+            <a:pPr lvl="1"/>
+            <a:r>
+              <a:rPr lang="en-US" dirty="0">
+                <a:solidFill>
+                  <a:schemeClr val="accent5">
+                    <a:lumMod val="75000"/>
+                  </a:schemeClr>
+                </a:solidFill>
+              </a:rPr>
+              <a:t>Cons: Higher Power Consumption, takes up more board space.</a:t>
+            </a:r>
+          </a:p>
+          <a:p>
+            <a:r>
+              <a:rPr lang="en-US" dirty="0">
+                <a:solidFill>
+                  <a:schemeClr val="accent5">
+                    <a:lumMod val="75000"/>
+                  </a:schemeClr>
+                </a:solidFill>
+              </a:rPr>
+              <a:t>STM32F042F6:</a:t>
+            </a:r>
+          </a:p>
+          <a:p>
+            <a:pPr lvl="1"/>
+            <a:r>
+              <a:rPr lang="en-US" dirty="0">
+                <a:solidFill>
+                  <a:schemeClr val="accent5">
+                    <a:lumMod val="75000"/>
+                  </a:schemeClr>
+                </a:solidFill>
+              </a:rPr>
+              <a:t>Pros: Lower Power Consumption, Takes up small board space</a:t>
+            </a:r>
+          </a:p>
+          <a:p>
+            <a:pPr lvl="1"/>
+            <a:r>
+              <a:rPr lang="en-US" dirty="0">
+                <a:solidFill>
+                  <a:schemeClr val="accent5">
+                    <a:lumMod val="75000"/>
+                  </a:schemeClr>
+                </a:solidFill>
+              </a:rPr>
+              <a:t>Cons: Slower Clock Rate, low number of GPIO</a:t>
+            </a:r>
+          </a:p>
+          <a:p>
+            <a:r>
+              <a:rPr lang="en-US" dirty="0">
+                <a:solidFill>
+                  <a:schemeClr val="accent5">
+                    <a:lumMod val="75000"/>
+                  </a:schemeClr>
+                </a:solidFill>
+              </a:rPr>
+              <a:t>ATMMEGA328P:</a:t>
+            </a:r>
+          </a:p>
+          <a:p>
+            <a:pPr lvl="1"/>
+            <a:r>
+              <a:rPr lang="en-US" dirty="0">
+                <a:solidFill>
+                  <a:schemeClr val="accent5">
+                    <a:lumMod val="75000"/>
+                  </a:schemeClr>
+                </a:solidFill>
+              </a:rPr>
+              <a:t>Pros: Takes up small board space, lower power consumption, same chip used in Arduino uno.</a:t>
+            </a:r>
+          </a:p>
+          <a:p>
+            <a:pPr lvl="1"/>
+            <a:r>
+              <a:rPr lang="en-US" dirty="0">
+                <a:solidFill>
+                  <a:schemeClr val="accent5">
+                    <a:lumMod val="75000"/>
+                  </a:schemeClr>
+                </a:solidFill>
+              </a:rPr>
+              <a:t>Cons: 8-bit Processor, Only decent number of GPIO</a:t>
+            </a:r>
+          </a:p>
+          <a:p>
             <a:endParaRPr lang="en-US" dirty="0">
               <a:solidFill>
                 <a:schemeClr val="accent5">
@@ -4080,7 +4176,7 @@
     </p:spTree>
     <p:extLst>
       <p:ext uri="{BB962C8B-B14F-4D97-AF65-F5344CB8AC3E}">
-        <p14:creationId xmlns:p14="http://schemas.microsoft.com/office/powerpoint/2010/main" val="1831747689"/>
+        <p14:creationId xmlns:p14="http://schemas.microsoft.com/office/powerpoint/2010/main" val="4269999711"/>
       </p:ext>
     </p:extLst>
   </p:cSld>
@@ -4135,109 +4231,41 @@
           </a:p>
         </p:txBody>
       </p:sp>
-      <p:sp>
-        <p:nvSpPr>
-          <p:cNvPr id="3" name="Content Placeholder 2">
+      <p:pic>
+        <p:nvPicPr>
+          <p:cNvPr id="18" name="Content Placeholder 17" descr="A diagram of a computer system&#10;&#10;Description automatically generated">
             <a:extLst>
               <a:ext uri="{FF2B5EF4-FFF2-40B4-BE49-F238E27FC236}">
-                <a16:creationId xmlns:a16="http://schemas.microsoft.com/office/drawing/2014/main" id="{382034F8-C186-6B44-10C4-98CA9EB9D596}"/>
+                <a16:creationId xmlns:a16="http://schemas.microsoft.com/office/drawing/2014/main" id="{EA5F2ACD-8338-37B9-48E1-AD227DFE3BD1}"/>
               </a:ext>
             </a:extLst>
           </p:cNvPr>
-          <p:cNvSpPr>
-            <a:spLocks noGrp="1"/>
-          </p:cNvSpPr>
+          <p:cNvPicPr>
+            <a:picLocks noGrp="1" noChangeAspect="1"/>
+          </p:cNvPicPr>
           <p:nvPr>
             <p:ph idx="1"/>
           </p:nvPr>
-        </p:nvSpPr>
-        <p:spPr/>
-        <p:txBody>
-          <a:bodyPr/>
-          <a:lstStyle/>
-          <a:p>
-            <a:r>
-              <a:rPr lang="en-US" dirty="0">
-                <a:solidFill>
-                  <a:schemeClr val="accent5">
-                    <a:lumMod val="75000"/>
-                  </a:schemeClr>
-                </a:solidFill>
-              </a:rPr>
-              <a:t>We need a block diagram c:</a:t>
-            </a:r>
-          </a:p>
-        </p:txBody>
-      </p:sp>
-      <p:graphicFrame>
-        <p:nvGraphicFramePr>
-          <p:cNvPr id="12" name="Object 11">
+        </p:nvPicPr>
+        <p:blipFill>
+          <a:blip r:embed="rId2">
             <a:extLst>
-              <a:ext uri="{FF2B5EF4-FFF2-40B4-BE49-F238E27FC236}">
-                <a16:creationId xmlns:a16="http://schemas.microsoft.com/office/drawing/2014/main" id="{166FE0A4-4D8B-C501-D415-931635258017}"/>
+              <a:ext uri="{28A0092B-C50C-407E-A947-70E740481C1C}">
+                <a14:useLocalDpi xmlns:a14="http://schemas.microsoft.com/office/drawing/2010/main" val="0"/>
               </a:ext>
             </a:extLst>
-          </p:cNvPr>
-          <p:cNvGraphicFramePr>
-            <a:graphicFrameLocks noChangeAspect="1"/>
-          </p:cNvGraphicFramePr>
-          <p:nvPr>
-            <p:extLst>
-              <p:ext uri="{D42A27DB-BD31-4B8C-83A1-F6EECF244321}">
-                <p14:modId xmlns:p14="http://schemas.microsoft.com/office/powerpoint/2010/main" val="40233665"/>
-              </p:ext>
-            </p:extLst>
-          </p:nvPr>
-        </p:nvGraphicFramePr>
-        <p:xfrm>
-          <a:off x="6627353" y="221456"/>
-          <a:ext cx="4533900" cy="6415087"/>
-        </p:xfrm>
-        <a:graphic>
-          <a:graphicData uri="http://schemas.openxmlformats.org/presentationml/2006/ole">
-            <mc:AlternateContent xmlns:mc="http://schemas.openxmlformats.org/markup-compatibility/2006">
-              <mc:Choice xmlns:v="urn:schemas-microsoft-com:vml" Requires="v">
-                <p:oleObj name="Acrobat Document" r:id="rId2" imgW="4533723" imgH="6415677" progId="Acrobat.Document.DC">
-                  <p:embed/>
-                </p:oleObj>
-              </mc:Choice>
-              <mc:Fallback>
-                <p:oleObj name="Acrobat Document" r:id="rId2" imgW="4533723" imgH="6415677" progId="Acrobat.Document.DC">
-                  <p:embed/>
-                  <p:pic>
-                    <p:nvPicPr>
-                      <p:cNvPr id="12" name="Object 11">
-                        <a:extLst>
-                          <a:ext uri="{FF2B5EF4-FFF2-40B4-BE49-F238E27FC236}">
-                            <a16:creationId xmlns:a16="http://schemas.microsoft.com/office/drawing/2014/main" id="{166FE0A4-4D8B-C501-D415-931635258017}"/>
-                          </a:ext>
-                        </a:extLst>
-                      </p:cNvPr>
-                      <p:cNvPicPr/>
-                      <p:nvPr/>
-                    </p:nvPicPr>
-                    <p:blipFill>
-                      <a:blip r:embed="rId3"/>
-                      <a:stretch>
-                        <a:fillRect/>
-                      </a:stretch>
-                    </p:blipFill>
-                    <p:spPr>
-                      <a:xfrm>
-                        <a:off x="6627353" y="221456"/>
-                        <a:ext cx="4533900" cy="6415087"/>
-                      </a:xfrm>
-                      <a:prstGeom prst="rect">
-                        <a:avLst/>
-                      </a:prstGeom>
-                    </p:spPr>
-                  </p:pic>
-                </p:oleObj>
-              </mc:Fallback>
-            </mc:AlternateContent>
-          </a:graphicData>
-        </a:graphic>
-      </p:graphicFrame>
+          </a:blip>
+          <a:stretch>
+            <a:fillRect/>
+          </a:stretch>
+        </p:blipFill>
+        <p:spPr>
+          <a:xfrm>
+            <a:off x="3576554" y="1337187"/>
+            <a:ext cx="5038892" cy="5155688"/>
+          </a:xfrm>
+        </p:spPr>
+      </p:pic>
     </p:spTree>
     <p:extLst>
       <p:ext uri="{BB962C8B-B14F-4D97-AF65-F5344CB8AC3E}">
@@ -4325,20 +4353,10 @@
                   </a:schemeClr>
                 </a:solidFill>
               </a:rPr>
-              <a:t>USB – serial for data export</a:t>
+              <a:t>USB – </a:t>
             </a:r>
           </a:p>
           <a:p>
-            <a:r>
-              <a:rPr lang="en-US" dirty="0" err="1">
-                <a:solidFill>
-                  <a:schemeClr val="accent5">
-                    <a:lumMod val="75000"/>
-                  </a:schemeClr>
-                </a:solidFill>
-              </a:rPr>
-              <a:t>WiFi</a:t>
-            </a:r>
             <a:r>
               <a:rPr lang="en-US" dirty="0">
                 <a:solidFill>
@@ -4347,7 +4365,7 @@
                   </a:schemeClr>
                 </a:solidFill>
               </a:rPr>
-              <a:t> – ESP32 built in transceiver </a:t>
+              <a:t>Microcontroller – ESP32 built in transceiver </a:t>
             </a:r>
           </a:p>
           <a:p>
@@ -4359,19 +4377,7 @@
                   </a:schemeClr>
                 </a:solidFill>
               </a:rPr>
-              <a:t>SPI - sensors</a:t>
-            </a:r>
-          </a:p>
-          <a:p>
-            <a:r>
-              <a:rPr lang="en-US" dirty="0">
-                <a:solidFill>
-                  <a:schemeClr val="accent5">
-                    <a:lumMod val="75000"/>
-                  </a:schemeClr>
-                </a:solidFill>
-              </a:rPr>
-              <a:t>I2C - sensors</a:t>
+              <a:t>Sensors – SPI and I2C</a:t>
             </a:r>
           </a:p>
         </p:txBody>
@@ -4593,8 +4599,91 @@
                   </a:schemeClr>
                 </a:solidFill>
               </a:rPr>
-              <a:t>We can do this</a:t>
+              <a:t>Feasibility</a:t>
             </a:r>
+          </a:p>
+          <a:p>
+            <a:pPr lvl="1"/>
+            <a:r>
+              <a:rPr lang="en-US" dirty="0">
+                <a:solidFill>
+                  <a:schemeClr val="accent5">
+                    <a:lumMod val="75000"/>
+                  </a:schemeClr>
+                </a:solidFill>
+              </a:rPr>
+              <a:t>This project is feasible in our eyes. We must make sure to communicate well and stay on top of everything</a:t>
+            </a:r>
+          </a:p>
+          <a:p>
+            <a:pPr lvl="1"/>
+            <a:r>
+              <a:rPr lang="en-US" dirty="0">
+                <a:solidFill>
+                  <a:schemeClr val="accent5">
+                    <a:lumMod val="75000"/>
+                  </a:schemeClr>
+                </a:solidFill>
+              </a:rPr>
+              <a:t>We have a good group that covers each other weaknesses.</a:t>
+            </a:r>
+          </a:p>
+          <a:p>
+            <a:r>
+              <a:rPr lang="en-US" dirty="0">
+                <a:solidFill>
+                  <a:schemeClr val="accent5">
+                    <a:lumMod val="75000"/>
+                  </a:schemeClr>
+                </a:solidFill>
+              </a:rPr>
+              <a:t>Risks</a:t>
+            </a:r>
+          </a:p>
+          <a:p>
+            <a:pPr lvl="1"/>
+            <a:r>
+              <a:rPr lang="en-US" dirty="0">
+                <a:solidFill>
+                  <a:schemeClr val="accent5">
+                    <a:lumMod val="75000"/>
+                  </a:schemeClr>
+                </a:solidFill>
+              </a:rPr>
+              <a:t>Batteries</a:t>
+            </a:r>
+          </a:p>
+          <a:p>
+            <a:pPr lvl="2"/>
+            <a:r>
+              <a:rPr lang="en-US" dirty="0">
+                <a:solidFill>
+                  <a:schemeClr val="accent5">
+                    <a:lumMod val="75000"/>
+                  </a:schemeClr>
+                </a:solidFill>
+              </a:rPr>
+              <a:t>Overheating and damage to batteries can be a fire hazards.</a:t>
+            </a:r>
+          </a:p>
+          <a:p>
+            <a:pPr lvl="1"/>
+            <a:endParaRPr lang="en-US" dirty="0">
+              <a:solidFill>
+                <a:schemeClr val="accent5">
+                  <a:lumMod val="75000"/>
+                </a:schemeClr>
+              </a:solidFill>
+            </a:endParaRPr>
+          </a:p>
+          <a:p>
+            <a:endParaRPr lang="en-US" dirty="0">
+              <a:solidFill>
+                <a:schemeClr val="accent5">
+                  <a:lumMod val="75000"/>
+                </a:schemeClr>
+              </a:solidFill>
+            </a:endParaRPr>
           </a:p>
         </p:txBody>
       </p:sp>
@@ -4685,7 +4774,68 @@
                   </a:schemeClr>
                 </a:solidFill>
               </a:rPr>
-              <a:t>We’re just better</a:t>
+              <a:t>Our Choice:</a:t>
+            </a:r>
+          </a:p>
+          <a:p>
+            <a:pPr lvl="1"/>
+            <a:r>
+              <a:rPr lang="en-US" dirty="0">
+                <a:solidFill>
+                  <a:schemeClr val="accent5">
+                    <a:lumMod val="75000"/>
+                  </a:schemeClr>
+                </a:solidFill>
+              </a:rPr>
+              <a:t>Design 1: Microcontroller (ESP-32)</a:t>
+            </a:r>
+          </a:p>
+          <a:p>
+            <a:pPr marL="457200" lvl="1" indent="0">
+              <a:buNone/>
+            </a:pPr>
+            <a:endParaRPr lang="en-US" dirty="0">
+              <a:solidFill>
+                <a:schemeClr val="accent5">
+                  <a:lumMod val="75000"/>
+                </a:schemeClr>
+              </a:solidFill>
+            </a:endParaRPr>
+          </a:p>
+          <a:p>
+            <a:r>
+              <a:rPr lang="en-US" dirty="0">
+                <a:solidFill>
+                  <a:schemeClr val="accent5">
+                    <a:lumMod val="75000"/>
+                  </a:schemeClr>
+                </a:solidFill>
+              </a:rPr>
+              <a:t>Friendly</a:t>
+            </a:r>
+          </a:p>
+          <a:p>
+            <a:r>
+              <a:rPr lang="en-US" dirty="0">
+                <a:solidFill>
+                  <a:schemeClr val="accent5">
+                    <a:lumMod val="75000"/>
+                  </a:schemeClr>
+                </a:solidFill>
+              </a:rPr>
+              <a:t>Reliable</a:t>
+            </a:r>
+          </a:p>
+          <a:p>
+            <a:r>
+              <a:rPr lang="en-US" dirty="0">
+                <a:solidFill>
+                  <a:schemeClr val="accent5">
+                    <a:lumMod val="75000"/>
+                  </a:schemeClr>
+                </a:solidFill>
+              </a:rPr>
+              <a:t>Familiar to our group</a:t>
             </a:r>
           </a:p>
         </p:txBody>
@@ -10056,10 +10206,11 @@
                   </a:schemeClr>
                 </a:solidFill>
               </a:rPr>
-              <a:t>Microcontrollers:</a:t>
+              <a:t>Description:</a:t>
             </a:r>
           </a:p>
           <a:p>
+            <a:pPr lvl="1"/>
             <a:r>
               <a:rPr lang="en-US" dirty="0">
                 <a:solidFill>
@@ -10068,7 +10219,7 @@
                   </a:schemeClr>
                 </a:solidFill>
               </a:rPr>
-              <a:t>	Pros: Easy to use, lower power consumption</a:t>
+              <a:t>Microcontrollers are powerful small computers used on a single integrated circuit. They can range rapidly in variety when it coms to processing power, input/output capabilities, and data storage.</a:t>
             </a:r>
           </a:p>
           <a:p>
@@ -10080,10 +10231,77 @@
                   </a:schemeClr>
                 </a:solidFill>
               </a:rPr>
-              <a:t>	Cons: Serial execution, internal peripherals can limit scope.</a:t>
+              <a:t>Pros: </a:t>
             </a:r>
           </a:p>
           <a:p>
+            <a:pPr lvl="1"/>
+            <a:r>
+              <a:rPr lang="en-US" dirty="0">
+                <a:solidFill>
+                  <a:schemeClr val="accent5">
+                    <a:lumMod val="75000"/>
+                  </a:schemeClr>
+                </a:solidFill>
+              </a:rPr>
+              <a:t>Easy to use</a:t>
+            </a:r>
+          </a:p>
+          <a:p>
+            <a:pPr lvl="1"/>
+            <a:r>
+              <a:rPr lang="en-US" dirty="0">
+                <a:solidFill>
+                  <a:schemeClr val="accent5">
+                    <a:lumMod val="75000"/>
+                  </a:schemeClr>
+                </a:solidFill>
+              </a:rPr>
+              <a:t>Lower power consumption</a:t>
+            </a:r>
+          </a:p>
+          <a:p>
+            <a:r>
+              <a:rPr lang="en-US" dirty="0">
+                <a:solidFill>
+                  <a:schemeClr val="accent5">
+                    <a:lumMod val="75000"/>
+                  </a:schemeClr>
+                </a:solidFill>
+              </a:rPr>
+              <a:t>Cons: </a:t>
+            </a:r>
+          </a:p>
+          <a:p>
+            <a:pPr lvl="1"/>
+            <a:r>
+              <a:rPr lang="en-US" dirty="0">
+                <a:solidFill>
+                  <a:schemeClr val="accent5">
+                    <a:lumMod val="75000"/>
+                  </a:schemeClr>
+                </a:solidFill>
+              </a:rPr>
+              <a:t>Serial execution</a:t>
+            </a:r>
+          </a:p>
+          <a:p>
+            <a:pPr lvl="1"/>
+            <a:r>
+              <a:rPr lang="en-US" dirty="0">
+                <a:solidFill>
+                  <a:schemeClr val="accent5">
+                    <a:lumMod val="75000"/>
+                  </a:schemeClr>
+                </a:solidFill>
+              </a:rPr>
+              <a:t>Internal peripherals can limit scope.</a:t>
+            </a:r>
+          </a:p>
+          <a:p>
+            <a:pPr marL="0" indent="0">
+              <a:buNone/>
+            </a:pPr>
             <a:endParaRPr lang="en-US" dirty="0">
               <a:solidFill>
                 <a:schemeClr val="accent5">
@@ -10170,7 +10388,9 @@
         </p:nvSpPr>
         <p:spPr/>
         <p:txBody>
-          <a:bodyPr/>
+          <a:bodyPr>
+            <a:normAutofit/>
+          </a:bodyPr>
           <a:lstStyle/>
           <a:p>
             <a:r>
@@ -10181,10 +10401,11 @@
                   </a:schemeClr>
                 </a:solidFill>
               </a:rPr>
-              <a:t>FPGA: </a:t>
+              <a:t>Description:</a:t>
             </a:r>
           </a:p>
           <a:p>
+            <a:pPr lvl="1"/>
             <a:r>
               <a:rPr lang="en-US" dirty="0">
                 <a:solidFill>
@@ -10193,7 +10414,7 @@
                   </a:schemeClr>
                 </a:solidFill>
               </a:rPr>
-              <a:t>	Pros: Can be programmed at logic level (parallel processing).</a:t>
+              <a:t>FPGAs are a configurable integrated circuit that can be repeatedly programmed after manufacturing. FPGAs contain logic blocks and allow a programmer to connect these blocks and configure them.</a:t>
             </a:r>
           </a:p>
           <a:p>
@@ -10205,17 +10426,72 @@
                   </a:schemeClr>
                 </a:solidFill>
               </a:rPr>
-              <a:t>	Cons: More complex coding, no control of power consumption.</a:t>
+              <a:t>Pros:</a:t>
             </a:r>
           </a:p>
           <a:p>
-            <a:endParaRPr lang="en-US" dirty="0">
-              <a:solidFill>
-                <a:schemeClr val="accent5">
-                  <a:lumMod val="75000"/>
-                </a:schemeClr>
-              </a:solidFill>
-            </a:endParaRPr>
+            <a:pPr lvl="1"/>
+            <a:r>
+              <a:rPr lang="en-US" dirty="0">
+                <a:solidFill>
+                  <a:schemeClr val="accent5">
+                    <a:lumMod val="75000"/>
+                  </a:schemeClr>
+                </a:solidFill>
+              </a:rPr>
+              <a:t>Can be programmed at logic level (parallel processing).</a:t>
+            </a:r>
+          </a:p>
+          <a:p>
+            <a:pPr lvl="1"/>
+            <a:r>
+              <a:rPr lang="en-US" dirty="0">
+                <a:solidFill>
+                  <a:schemeClr val="accent5">
+                    <a:lumMod val="75000"/>
+                  </a:schemeClr>
+                </a:solidFill>
+              </a:rPr>
+              <a:t>Can be reprogrammed.</a:t>
+            </a:r>
+          </a:p>
+          <a:p>
+            <a:r>
+              <a:rPr lang="en-US" dirty="0">
+                <a:solidFill>
+                  <a:schemeClr val="accent5">
+                    <a:lumMod val="75000"/>
+                  </a:schemeClr>
+                </a:solidFill>
+              </a:rPr>
+              <a:t>Cons:</a:t>
+            </a:r>
+          </a:p>
+          <a:p>
+            <a:pPr lvl="1"/>
+            <a:r>
+              <a:rPr lang="en-US" dirty="0">
+                <a:solidFill>
+                  <a:schemeClr val="accent5">
+                    <a:lumMod val="75000"/>
+                  </a:schemeClr>
+                </a:solidFill>
+              </a:rPr>
+              <a:t>More complex coding</a:t>
+            </a:r>
+          </a:p>
+          <a:p>
+            <a:pPr lvl="1"/>
+            <a:r>
+              <a:rPr lang="en-US" dirty="0">
+                <a:solidFill>
+                  <a:schemeClr val="accent5">
+                    <a:lumMod val="75000"/>
+                  </a:schemeClr>
+                </a:solidFill>
+              </a:rPr>
+              <a:t>No control of power consumption.</a:t>
+            </a:r>
           </a:p>
         </p:txBody>
       </p:sp>
@@ -10233,225 +10509,6 @@
 </file>
 
 <file path=ppt/slides/slide8.xml><?xml version="1.0" encoding="utf-8"?>
-<p:sld xmlns:a="http://schemas.openxmlformats.org/drawingml/2006/main" xmlns:r="http://schemas.openxmlformats.org/officeDocument/2006/relationships" xmlns:p="http://schemas.openxmlformats.org/presentationml/2006/main">
-  <p:cSld>
-    <p:spTree>
-      <p:nvGrpSpPr>
-        <p:cNvPr id="1" name=""/>
-        <p:cNvGrpSpPr/>
-        <p:nvPr/>
-      </p:nvGrpSpPr>
-      <p:grpSpPr>
-        <a:xfrm>
-          <a:off x="0" y="0"/>
-          <a:ext cx="0" cy="0"/>
-          <a:chOff x="0" y="0"/>
-          <a:chExt cx="0" cy="0"/>
-        </a:xfrm>
-      </p:grpSpPr>
-      <p:sp>
-        <p:nvSpPr>
-          <p:cNvPr id="2" name="Title 1">
-            <a:extLst>
-              <a:ext uri="{FF2B5EF4-FFF2-40B4-BE49-F238E27FC236}">
-                <a16:creationId xmlns:a16="http://schemas.microsoft.com/office/drawing/2014/main" id="{1DA02BB8-01E2-8330-AF3B-A60F3E480F14}"/>
-              </a:ext>
-            </a:extLst>
-          </p:cNvPr>
-          <p:cNvSpPr>
-            <a:spLocks noGrp="1"/>
-          </p:cNvSpPr>
-          <p:nvPr>
-            <p:ph type="title"/>
-          </p:nvPr>
-        </p:nvSpPr>
-        <p:spPr/>
-        <p:txBody>
-          <a:bodyPr/>
-          <a:lstStyle/>
-          <a:p>
-            <a:r>
-              <a:rPr lang="en-US" dirty="0"/>
-              <a:t>Microcontroller Options</a:t>
-            </a:r>
-          </a:p>
-        </p:txBody>
-      </p:sp>
-      <p:sp>
-        <p:nvSpPr>
-          <p:cNvPr id="3" name="Content Placeholder 2">
-            <a:extLst>
-              <a:ext uri="{FF2B5EF4-FFF2-40B4-BE49-F238E27FC236}">
-                <a16:creationId xmlns:a16="http://schemas.microsoft.com/office/drawing/2014/main" id="{5C0AC1E4-8DDB-4D15-9516-C3BA994C4CE0}"/>
-              </a:ext>
-            </a:extLst>
-          </p:cNvPr>
-          <p:cNvSpPr>
-            <a:spLocks noGrp="1"/>
-          </p:cNvSpPr>
-          <p:nvPr>
-            <p:ph idx="1"/>
-          </p:nvPr>
-        </p:nvSpPr>
-        <p:spPr/>
-        <p:txBody>
-          <a:bodyPr>
-            <a:normAutofit fontScale="92500" lnSpcReduction="20000"/>
-          </a:bodyPr>
-          <a:lstStyle/>
-          <a:p>
-            <a:r>
-              <a:rPr lang="en-US" dirty="0">
-                <a:solidFill>
-                  <a:schemeClr val="accent5">
-                    <a:lumMod val="75000"/>
-                  </a:schemeClr>
-                </a:solidFill>
-              </a:rPr>
-              <a:t>ESP32-C6:</a:t>
-            </a:r>
-          </a:p>
-          <a:p>
-            <a:r>
-              <a:rPr lang="en-US" dirty="0">
-                <a:solidFill>
-                  <a:schemeClr val="accent5">
-                    <a:lumMod val="75000"/>
-                  </a:schemeClr>
-                </a:solidFill>
-              </a:rPr>
-              <a:t>	Pros: User friendly (more detail), wireless connectivity, imbedded flash module built in</a:t>
-            </a:r>
-          </a:p>
-          <a:p>
-            <a:r>
-              <a:rPr lang="en-US" dirty="0">
-                <a:solidFill>
-                  <a:schemeClr val="accent5">
-                    <a:lumMod val="75000"/>
-                  </a:schemeClr>
-                </a:solidFill>
-              </a:rPr>
-              <a:t>	Cons: Higher Power Consumption, takes up more board space.</a:t>
-            </a:r>
-          </a:p>
-          <a:p>
-            <a:r>
-              <a:rPr lang="en-US" dirty="0">
-                <a:solidFill>
-                  <a:schemeClr val="accent5">
-                    <a:lumMod val="75000"/>
-                  </a:schemeClr>
-                </a:solidFill>
-              </a:rPr>
-              <a:t>STM32F042F6:</a:t>
-            </a:r>
-          </a:p>
-          <a:p>
-            <a:r>
-              <a:rPr lang="en-US" dirty="0">
-                <a:solidFill>
-                  <a:schemeClr val="accent5">
-                    <a:lumMod val="75000"/>
-                  </a:schemeClr>
-                </a:solidFill>
-              </a:rPr>
-              <a:t>Pros: Lower Power Consumption, Takes up small board space</a:t>
-            </a:r>
-          </a:p>
-          <a:p>
-            <a:r>
-              <a:rPr lang="en-US" dirty="0">
-                <a:solidFill>
-                  <a:schemeClr val="accent5">
-                    <a:lumMod val="75000"/>
-                  </a:schemeClr>
-                </a:solidFill>
-              </a:rPr>
-              <a:t>	Cons: Slower Clock Rate, lower number of GPIO</a:t>
-            </a:r>
-          </a:p>
-          <a:p>
-            <a:r>
-              <a:rPr lang="en-US" dirty="0">
-                <a:solidFill>
-                  <a:schemeClr val="accent5">
-                    <a:lumMod val="75000"/>
-                  </a:schemeClr>
-                </a:solidFill>
-              </a:rPr>
-              <a:t>ATMMEGA328P:</a:t>
-            </a:r>
-          </a:p>
-          <a:p>
-            <a:r>
-              <a:rPr lang="en-US" dirty="0">
-                <a:solidFill>
-                  <a:schemeClr val="accent5">
-                    <a:lumMod val="75000"/>
-                  </a:schemeClr>
-                </a:solidFill>
-              </a:rPr>
-              <a:t>Pros: Takes up small board space, lower power consumption, literally is </a:t>
-            </a:r>
-            <a:r>
-              <a:rPr lang="en-US" dirty="0" err="1">
-                <a:solidFill>
-                  <a:schemeClr val="accent5">
-                    <a:lumMod val="75000"/>
-                  </a:schemeClr>
-                </a:solidFill>
-              </a:rPr>
-              <a:t>ardunio</a:t>
-            </a:r>
-            <a:r>
-              <a:rPr lang="en-US" dirty="0">
-                <a:solidFill>
-                  <a:schemeClr val="accent5">
-                    <a:lumMod val="75000"/>
-                  </a:schemeClr>
-                </a:solidFill>
-              </a:rPr>
-              <a:t> uno</a:t>
-            </a:r>
-          </a:p>
-          <a:p>
-            <a:r>
-              <a:rPr lang="en-US" dirty="0">
-                <a:solidFill>
-                  <a:schemeClr val="accent5">
-                    <a:lumMod val="75000"/>
-                  </a:schemeClr>
-                </a:solidFill>
-              </a:rPr>
-              <a:t>	Cons: 8-bit Processor, Ok number of GPIO</a:t>
-            </a:r>
-          </a:p>
-          <a:p>
-            <a:endParaRPr lang="en-US" dirty="0">
-              <a:solidFill>
-                <a:schemeClr val="accent5">
-                  <a:lumMod val="75000"/>
-                </a:schemeClr>
-              </a:solidFill>
-            </a:endParaRPr>
-          </a:p>
-        </p:txBody>
-      </p:sp>
-    </p:spTree>
-    <p:extLst>
-      <p:ext uri="{BB962C8B-B14F-4D97-AF65-F5344CB8AC3E}">
-        <p14:creationId xmlns:p14="http://schemas.microsoft.com/office/powerpoint/2010/main" val="4269999711"/>
-      </p:ext>
-    </p:extLst>
-  </p:cSld>
-  <p:clrMapOvr>
-    <a:masterClrMapping/>
-  </p:clrMapOvr>
-</p:sld>
-</file>
-
-<file path=ppt/slides/slide9.xml><?xml version="1.0" encoding="utf-8"?>
 <p:sld xmlns:a="http://schemas.openxmlformats.org/drawingml/2006/main" xmlns:r="http://schemas.openxmlformats.org/officeDocument/2006/relationships" xmlns:p="http://schemas.openxmlformats.org/presentationml/2006/main">
   <p:cSld>
     <p:spTree>
@@ -14195,6 +14252,160 @@
     <p:extLst>
       <p:ext uri="{BB962C8B-B14F-4D97-AF65-F5344CB8AC3E}">
         <p14:creationId xmlns:p14="http://schemas.microsoft.com/office/powerpoint/2010/main" val="3763922397"/>
+      </p:ext>
+    </p:extLst>
+  </p:cSld>
+  <p:clrMapOvr>
+    <a:masterClrMapping/>
+  </p:clrMapOvr>
+</p:sld>
+</file>
+
+<file path=ppt/slides/slide9.xml><?xml version="1.0" encoding="utf-8"?>
+<p:sld xmlns:a="http://schemas.openxmlformats.org/drawingml/2006/main" xmlns:r="http://schemas.openxmlformats.org/officeDocument/2006/relationships" xmlns:p="http://schemas.openxmlformats.org/presentationml/2006/main">
+  <p:cSld>
+    <p:spTree>
+      <p:nvGrpSpPr>
+        <p:cNvPr id="1" name=""/>
+        <p:cNvGrpSpPr/>
+        <p:nvPr/>
+      </p:nvGrpSpPr>
+      <p:grpSpPr>
+        <a:xfrm>
+          <a:off x="0" y="0"/>
+          <a:ext cx="0" cy="0"/>
+          <a:chOff x="0" y="0"/>
+          <a:chExt cx="0" cy="0"/>
+        </a:xfrm>
+      </p:grpSpPr>
+      <p:sp>
+        <p:nvSpPr>
+          <p:cNvPr id="2" name="Title 1">
+            <a:extLst>
+              <a:ext uri="{FF2B5EF4-FFF2-40B4-BE49-F238E27FC236}">
+                <a16:creationId xmlns:a16="http://schemas.microsoft.com/office/drawing/2014/main" id="{3A1CEDC2-893C-CF43-1F41-5199C65CABA2}"/>
+              </a:ext>
+            </a:extLst>
+          </p:cNvPr>
+          <p:cNvSpPr>
+            <a:spLocks noGrp="1"/>
+          </p:cNvSpPr>
+          <p:nvPr>
+            <p:ph type="title"/>
+          </p:nvPr>
+        </p:nvSpPr>
+        <p:spPr/>
+        <p:txBody>
+          <a:bodyPr/>
+          <a:lstStyle/>
+          <a:p>
+            <a:r>
+              <a:rPr lang="en-US" dirty="0"/>
+              <a:t>Final Score and Selected Design</a:t>
+            </a:r>
+          </a:p>
+        </p:txBody>
+      </p:sp>
+      <p:sp>
+        <p:nvSpPr>
+          <p:cNvPr id="3" name="Content Placeholder 2">
+            <a:extLst>
+              <a:ext uri="{FF2B5EF4-FFF2-40B4-BE49-F238E27FC236}">
+                <a16:creationId xmlns:a16="http://schemas.microsoft.com/office/drawing/2014/main" id="{F2D43D32-B7E3-F4AE-CFC3-F57FA93EBFBB}"/>
+              </a:ext>
+            </a:extLst>
+          </p:cNvPr>
+          <p:cNvSpPr>
+            <a:spLocks noGrp="1"/>
+          </p:cNvSpPr>
+          <p:nvPr>
+            <p:ph idx="1"/>
+          </p:nvPr>
+        </p:nvSpPr>
+        <p:spPr/>
+        <p:txBody>
+          <a:bodyPr/>
+          <a:lstStyle/>
+          <a:p>
+            <a:r>
+              <a:rPr lang="en-US" dirty="0">
+                <a:solidFill>
+                  <a:schemeClr val="accent5">
+                    <a:lumMod val="75000"/>
+                  </a:schemeClr>
+                </a:solidFill>
+              </a:rPr>
+              <a:t>Final Scores:</a:t>
+            </a:r>
+          </a:p>
+          <a:p>
+            <a:pPr lvl="1"/>
+            <a:r>
+              <a:rPr lang="en-US" dirty="0">
+                <a:solidFill>
+                  <a:schemeClr val="accent5">
+                    <a:lumMod val="75000"/>
+                  </a:schemeClr>
+                </a:solidFill>
+              </a:rPr>
+              <a:t>Microcontroller: 342</a:t>
+            </a:r>
+          </a:p>
+          <a:p>
+            <a:pPr lvl="1"/>
+            <a:r>
+              <a:rPr lang="en-US" dirty="0">
+                <a:solidFill>
+                  <a:schemeClr val="accent5">
+                    <a:lumMod val="75000"/>
+                  </a:schemeClr>
+                </a:solidFill>
+              </a:rPr>
+              <a:t>FPGA: 329</a:t>
+            </a:r>
+          </a:p>
+          <a:p>
+            <a:pPr marL="0" indent="0">
+              <a:buNone/>
+            </a:pPr>
+            <a:endParaRPr lang="en-US" dirty="0">
+              <a:solidFill>
+                <a:schemeClr val="accent5">
+                  <a:lumMod val="75000"/>
+                </a:schemeClr>
+              </a:solidFill>
+            </a:endParaRPr>
+          </a:p>
+          <a:p>
+            <a:r>
+              <a:rPr lang="en-US" dirty="0">
+                <a:solidFill>
+                  <a:schemeClr val="accent5">
+                    <a:lumMod val="75000"/>
+                  </a:schemeClr>
+                </a:solidFill>
+              </a:rPr>
+              <a:t>We have decided to go with a microcontroller as the main chip in our flight computer.</a:t>
+            </a:r>
+          </a:p>
+          <a:p>
+            <a:r>
+              <a:rPr lang="en-US" dirty="0">
+                <a:solidFill>
+                  <a:schemeClr val="accent5">
+                    <a:lumMod val="75000"/>
+                  </a:schemeClr>
+                </a:solidFill>
+              </a:rPr>
+              <a:t>But which microcontroller?</a:t>
+            </a:r>
+          </a:p>
+        </p:txBody>
+      </p:sp>
+    </p:spTree>
+    <p:extLst>
+      <p:ext uri="{BB962C8B-B14F-4D97-AF65-F5344CB8AC3E}">
+        <p14:creationId xmlns:p14="http://schemas.microsoft.com/office/powerpoint/2010/main" val="1831747689"/>
       </p:ext>
     </p:extLst>
   </p:cSld>
@@ -14520,20 +14731,20 @@
 </file>
 
 <file path=customXml/item1.xml><?xml version="1.0" encoding="utf-8"?>
+<p:properties xmlns:p="http://schemas.microsoft.com/office/2006/metadata/properties" xmlns:xsi="http://www.w3.org/2001/XMLSchema-instance" xmlns:pc="http://schemas.microsoft.com/office/infopath/2007/PartnerControls">
+  <documentManagement>
+    <_activity xmlns="218cae68-0ddc-43bb-9a29-52a0402d6cb9" xsi:nil="true"/>
+  </documentManagement>
+</p:properties>
+</file>
+
+<file path=customXml/item2.xml><?xml version="1.0" encoding="utf-8"?>
 <?mso-contentType ?>
 <FormTemplates xmlns="http://schemas.microsoft.com/sharepoint/v3/contenttype/forms">
   <Display>DocumentLibraryForm</Display>
   <Edit>DocumentLibraryForm</Edit>
   <New>DocumentLibraryForm</New>
 </FormTemplates>
-</file>
-
-<file path=customXml/item2.xml><?xml version="1.0" encoding="utf-8"?>
-<p:properties xmlns:p="http://schemas.microsoft.com/office/2006/metadata/properties" xmlns:xsi="http://www.w3.org/2001/XMLSchema-instance" xmlns:pc="http://schemas.microsoft.com/office/infopath/2007/PartnerControls">
-  <documentManagement>
-    <_activity xmlns="218cae68-0ddc-43bb-9a29-52a0402d6cb9" xsi:nil="true"/>
-  </documentManagement>
-</p:properties>
 </file>
 
 <file path=customXml/item3.xml><?xml version="1.0" encoding="utf-8"?>
@@ -14770,14 +14981,6 @@
 </file>
 
 <file path=customXml/itemProps1.xml><?xml version="1.0" encoding="utf-8"?>
-<ds:datastoreItem xmlns:ds="http://schemas.openxmlformats.org/officeDocument/2006/customXml" ds:itemID="{3A69843A-82BD-41BC-9CFD-7A6BCBCF50D4}">
-  <ds:schemaRefs>
-    <ds:schemaRef ds:uri="http://schemas.microsoft.com/sharepoint/v3/contenttype/forms"/>
-  </ds:schemaRefs>
-</ds:datastoreItem>
-</file>
-
-<file path=customXml/itemProps2.xml><?xml version="1.0" encoding="utf-8"?>
 <ds:datastoreItem xmlns:ds="http://schemas.openxmlformats.org/officeDocument/2006/customXml" ds:itemID="{B218F515-3D1B-44A5-8439-DF0479902099}">
   <ds:schemaRefs>
     <ds:schemaRef ds:uri="http://purl.org/dc/dcmitype/"/>
@@ -14790,6 +14993,14 @@
     <ds:schemaRef ds:uri="703aeb73-56ce-48f3-9277-f60cff690132"/>
     <ds:schemaRef ds:uri="http://schemas.microsoft.com/office/2006/metadata/properties"/>
     <ds:schemaRef ds:uri="http://purl.org/dc/elements/1.1/"/>
+  </ds:schemaRefs>
+</ds:datastoreItem>
+</file>
+
+<file path=customXml/itemProps2.xml><?xml version="1.0" encoding="utf-8"?>
+<ds:datastoreItem xmlns:ds="http://schemas.openxmlformats.org/officeDocument/2006/customXml" ds:itemID="{3A69843A-82BD-41BC-9CFD-7A6BCBCF50D4}">
+  <ds:schemaRefs>
+    <ds:schemaRef ds:uri="http://schemas.microsoft.com/sharepoint/v3/contenttype/forms"/>
   </ds:schemaRefs>
 </ds:datastoreItem>
 </file>

--- a/Documents/CDR/CDR_Presentation.pptx
+++ b/Documents/CDR/CDR_Presentation.pptx
@@ -282,7 +282,7 @@
           <a:p>
             <a:fld id="{A749A21A-B890-4700-B57E-1CFFBFCC9631}" type="datetimeFigureOut">
               <a:rPr lang="en-US" smtClean="0"/>
-              <a:t>10/5/2024</a:t>
+              <a:t>10/6/2024</a:t>
             </a:fld>
             <a:endParaRPr lang="en-US"/>
           </a:p>
@@ -480,7 +480,7 @@
           <a:p>
             <a:fld id="{A749A21A-B890-4700-B57E-1CFFBFCC9631}" type="datetimeFigureOut">
               <a:rPr lang="en-US" smtClean="0"/>
-              <a:t>10/5/2024</a:t>
+              <a:t>10/6/2024</a:t>
             </a:fld>
             <a:endParaRPr lang="en-US"/>
           </a:p>
@@ -688,7 +688,7 @@
           <a:p>
             <a:fld id="{A749A21A-B890-4700-B57E-1CFFBFCC9631}" type="datetimeFigureOut">
               <a:rPr lang="en-US" smtClean="0"/>
-              <a:t>10/5/2024</a:t>
+              <a:t>10/6/2024</a:t>
             </a:fld>
             <a:endParaRPr lang="en-US"/>
           </a:p>
@@ -886,7 +886,7 @@
           <a:p>
             <a:fld id="{A749A21A-B890-4700-B57E-1CFFBFCC9631}" type="datetimeFigureOut">
               <a:rPr lang="en-US" smtClean="0"/>
-              <a:t>10/5/2024</a:t>
+              <a:t>10/6/2024</a:t>
             </a:fld>
             <a:endParaRPr lang="en-US"/>
           </a:p>
@@ -1161,7 +1161,7 @@
           <a:p>
             <a:fld id="{A749A21A-B890-4700-B57E-1CFFBFCC9631}" type="datetimeFigureOut">
               <a:rPr lang="en-US" smtClean="0"/>
-              <a:t>10/5/2024</a:t>
+              <a:t>10/6/2024</a:t>
             </a:fld>
             <a:endParaRPr lang="en-US"/>
           </a:p>
@@ -1426,7 +1426,7 @@
           <a:p>
             <a:fld id="{A749A21A-B890-4700-B57E-1CFFBFCC9631}" type="datetimeFigureOut">
               <a:rPr lang="en-US" smtClean="0"/>
-              <a:t>10/5/2024</a:t>
+              <a:t>10/6/2024</a:t>
             </a:fld>
             <a:endParaRPr lang="en-US"/>
           </a:p>
@@ -1838,7 +1838,7 @@
           <a:p>
             <a:fld id="{A749A21A-B890-4700-B57E-1CFFBFCC9631}" type="datetimeFigureOut">
               <a:rPr lang="en-US" smtClean="0"/>
-              <a:t>10/5/2024</a:t>
+              <a:t>10/6/2024</a:t>
             </a:fld>
             <a:endParaRPr lang="en-US"/>
           </a:p>
@@ -1979,7 +1979,7 @@
           <a:p>
             <a:fld id="{A749A21A-B890-4700-B57E-1CFFBFCC9631}" type="datetimeFigureOut">
               <a:rPr lang="en-US" smtClean="0"/>
-              <a:t>10/5/2024</a:t>
+              <a:t>10/6/2024</a:t>
             </a:fld>
             <a:endParaRPr lang="en-US"/>
           </a:p>
@@ -2092,7 +2092,7 @@
           <a:p>
             <a:fld id="{A749A21A-B890-4700-B57E-1CFFBFCC9631}" type="datetimeFigureOut">
               <a:rPr lang="en-US" smtClean="0"/>
-              <a:t>10/5/2024</a:t>
+              <a:t>10/6/2024</a:t>
             </a:fld>
             <a:endParaRPr lang="en-US"/>
           </a:p>
@@ -2403,7 +2403,7 @@
           <a:p>
             <a:fld id="{A749A21A-B890-4700-B57E-1CFFBFCC9631}" type="datetimeFigureOut">
               <a:rPr lang="en-US" smtClean="0"/>
-              <a:t>10/5/2024</a:t>
+              <a:t>10/6/2024</a:t>
             </a:fld>
             <a:endParaRPr lang="en-US"/>
           </a:p>
@@ -2691,7 +2691,7 @@
           <a:p>
             <a:fld id="{A749A21A-B890-4700-B57E-1CFFBFCC9631}" type="datetimeFigureOut">
               <a:rPr lang="en-US" smtClean="0"/>
-              <a:t>10/5/2024</a:t>
+              <a:t>10/6/2024</a:t>
             </a:fld>
             <a:endParaRPr lang="en-US"/>
           </a:p>
@@ -2932,7 +2932,7 @@
           <a:p>
             <a:fld id="{A749A21A-B890-4700-B57E-1CFFBFCC9631}" type="datetimeFigureOut">
               <a:rPr lang="en-US" smtClean="0"/>
-              <a:t>10/5/2024</a:t>
+              <a:t>10/6/2024</a:t>
             </a:fld>
             <a:endParaRPr lang="en-US"/>
           </a:p>
@@ -4319,7 +4319,7 @@
           <a:p>
             <a:r>
               <a:rPr lang="en-US" dirty="0"/>
-              <a:t>Interfaces</a:t>
+              <a:t>Interfaces ?</a:t>
             </a:r>
           </a:p>
         </p:txBody>
@@ -4353,7 +4353,7 @@
                   </a:schemeClr>
                 </a:solidFill>
               </a:rPr>
-              <a:t>USB – </a:t>
+              <a:t>USB – Used for taking </a:t>
             </a:r>
           </a:p>
           <a:p>
@@ -4469,7 +4469,7 @@
                   </a:schemeClr>
                 </a:solidFill>
               </a:rPr>
-              <a:t>Two board revisions </a:t>
+              <a:t>Plan for two board revisions </a:t>
             </a:r>
           </a:p>
           <a:p>
@@ -4482,7 +4482,7 @@
                   </a:schemeClr>
                 </a:solidFill>
               </a:rPr>
-              <a:t>First one cheap with buttons for debugging</a:t>
+              <a:t>First one cheaper with buttons for debugging.</a:t>
             </a:r>
           </a:p>
           <a:p>
@@ -4495,7 +4495,7 @@
                   </a:schemeClr>
                 </a:solidFill>
               </a:rPr>
-              <a:t>Second not cheap to hopefully fly</a:t>
+              <a:t>Second revision to improve design and fly.</a:t>
             </a:r>
           </a:p>
           <a:p>
@@ -4507,7 +4507,71 @@
                   </a:schemeClr>
                 </a:solidFill>
               </a:rPr>
-              <a:t>List budget</a:t>
+              <a:t>First board Revision</a:t>
+            </a:r>
+          </a:p>
+          <a:p>
+            <a:pPr lvl="1"/>
+            <a:r>
+              <a:rPr lang="en-US" dirty="0">
+                <a:solidFill>
+                  <a:schemeClr val="accent5">
+                    <a:lumMod val="75000"/>
+                  </a:schemeClr>
+                </a:solidFill>
+              </a:rPr>
+              <a:t>PCB - $4.00</a:t>
+            </a:r>
+          </a:p>
+          <a:p>
+            <a:pPr lvl="1"/>
+            <a:r>
+              <a:rPr lang="en-US" dirty="0">
+                <a:solidFill>
+                  <a:schemeClr val="accent5">
+                    <a:lumMod val="75000"/>
+                  </a:schemeClr>
+                </a:solidFill>
+              </a:rPr>
+              <a:t>Temperature Sensor - $5.00</a:t>
+            </a:r>
+          </a:p>
+          <a:p>
+            <a:pPr lvl="1"/>
+            <a:r>
+              <a:rPr lang="en-US" dirty="0">
+                <a:solidFill>
+                  <a:schemeClr val="accent5">
+                    <a:lumMod val="75000"/>
+                  </a:schemeClr>
+                </a:solidFill>
+              </a:rPr>
+              <a:t>Microcontroller - $10.00</a:t>
+            </a:r>
+          </a:p>
+          <a:p>
+            <a:pPr lvl="1"/>
+            <a:r>
+              <a:rPr lang="en-US" dirty="0">
+                <a:solidFill>
+                  <a:schemeClr val="accent5">
+                    <a:lumMod val="75000"/>
+                  </a:schemeClr>
+                </a:solidFill>
+              </a:rPr>
+              <a:t>IMU - $30.00</a:t>
+            </a:r>
+          </a:p>
+          <a:p>
+            <a:r>
+              <a:rPr lang="en-US" dirty="0">
+                <a:solidFill>
+                  <a:schemeClr val="accent5">
+                    <a:lumMod val="75000"/>
+                  </a:schemeClr>
+                </a:solidFill>
+              </a:rPr>
+              <a:t>Total for first revision: $49.00</a:t>
             </a:r>
           </a:p>
         </p:txBody>
@@ -4664,6 +4728,32 @@
                 </a:solidFill>
               </a:rPr>
               <a:t>Overheating and damage to batteries can be a fire hazards.</a:t>
+            </a:r>
+          </a:p>
+          <a:p>
+            <a:pPr lvl="1"/>
+            <a:r>
+              <a:rPr lang="en-US" dirty="0">
+                <a:solidFill>
+                  <a:schemeClr val="accent5">
+                    <a:lumMod val="75000"/>
+                  </a:schemeClr>
+                </a:solidFill>
+              </a:rPr>
+              <a:t>Over budget</a:t>
+            </a:r>
+          </a:p>
+          <a:p>
+            <a:pPr lvl="2"/>
+            <a:r>
+              <a:rPr lang="en-US" dirty="0">
+                <a:solidFill>
+                  <a:schemeClr val="accent5">
+                    <a:lumMod val="75000"/>
+                  </a:schemeClr>
+                </a:solidFill>
+              </a:rPr>
+              <a:t>Underestimating price of various components and going over asking budget.</a:t>
             </a:r>
           </a:p>
           <a:p>
@@ -5572,7 +5662,7 @@
                   </a:schemeClr>
                 </a:solidFill>
               </a:rPr>
-              <a:t>Rocketry tried doing flight computer before and it never saw to completion.</a:t>
+              <a:t>Wildcat Rocketry has tried doing various flight computer before to varying degrees of success. None of them either being fully functional or going past one revision.</a:t>
             </a:r>
           </a:p>
           <a:p>
@@ -5584,8 +5674,29 @@
                   </a:schemeClr>
                 </a:solidFill>
               </a:rPr>
-              <a:t>Would be nice for rocketry to have its own customizable flight computer using this as a baseline</a:t>
+              <a:t>Wildcat Rocketry this year is taking a step back from trying to design a traditional flight computer and is going towards long range tracking problem solving.</a:t>
             </a:r>
+          </a:p>
+          <a:p>
+            <a:r>
+              <a:rPr lang="en-US" dirty="0">
+                <a:solidFill>
+                  <a:schemeClr val="accent5">
+                    <a:lumMod val="75000"/>
+                  </a:schemeClr>
+                </a:solidFill>
+              </a:rPr>
+              <a:t>This project is to make a dedicated flight computer for Wildcat Rocketry to use or build upon later.</a:t>
+            </a:r>
+          </a:p>
+          <a:p>
+            <a:endParaRPr lang="en-US" dirty="0">
+              <a:solidFill>
+                <a:schemeClr val="accent5">
+                  <a:lumMod val="75000"/>
+                </a:schemeClr>
+              </a:solidFill>
+            </a:endParaRPr>
           </a:p>
           <a:p>
             <a:endParaRPr lang="en-US" dirty="0">
@@ -5651,7 +5762,7 @@
           <a:p>
             <a:r>
               <a:rPr lang="en-US" dirty="0"/>
-              <a:t>Purpose and Objective</a:t>
+              <a:t>Purpose and Objective ?</a:t>
             </a:r>
           </a:p>
         </p:txBody>
@@ -5685,10 +5796,11 @@
                   </a:schemeClr>
                 </a:solidFill>
               </a:rPr>
-              <a:t>Build a mf flight computer</a:t>
+              <a:t>Purpose:</a:t>
             </a:r>
           </a:p>
           <a:p>
+            <a:pPr lvl="1"/>
             <a:r>
               <a:rPr lang="en-US" dirty="0">
                 <a:solidFill>
@@ -5697,7 +5809,32 @@
                   </a:schemeClr>
                 </a:solidFill>
               </a:rPr>
-              <a:t>Do it well lmao</a:t>
+              <a:t>Develop a flight computer to capture accurate flight data.</a:t>
+            </a:r>
+          </a:p>
+          <a:p>
+            <a:r>
+              <a:rPr lang="en-US" dirty="0">
+                <a:solidFill>
+                  <a:schemeClr val="accent5">
+                    <a:lumMod val="75000"/>
+                  </a:schemeClr>
+                </a:solidFill>
+              </a:rPr>
+              <a:t>Objective:</a:t>
+            </a:r>
+          </a:p>
+          <a:p>
+            <a:pPr lvl="1"/>
+            <a:r>
+              <a:rPr lang="en-US" dirty="0">
+                <a:solidFill>
+                  <a:schemeClr val="accent5">
+                    <a:lumMod val="75000"/>
+                  </a:schemeClr>
+                </a:solidFill>
+              </a:rPr>
+              <a:t>Design and build a traditional flight computer that can receive data during flight and accurately display flight data. </a:t>
             </a:r>
           </a:p>
           <a:p>
@@ -14731,23 +14868,6 @@
 </file>
 
 <file path=customXml/item1.xml><?xml version="1.0" encoding="utf-8"?>
-<p:properties xmlns:p="http://schemas.microsoft.com/office/2006/metadata/properties" xmlns:xsi="http://www.w3.org/2001/XMLSchema-instance" xmlns:pc="http://schemas.microsoft.com/office/infopath/2007/PartnerControls">
-  <documentManagement>
-    <_activity xmlns="218cae68-0ddc-43bb-9a29-52a0402d6cb9" xsi:nil="true"/>
-  </documentManagement>
-</p:properties>
-</file>
-
-<file path=customXml/item2.xml><?xml version="1.0" encoding="utf-8"?>
-<?mso-contentType ?>
-<FormTemplates xmlns="http://schemas.microsoft.com/sharepoint/v3/contenttype/forms">
-  <Display>DocumentLibraryForm</Display>
-  <Edit>DocumentLibraryForm</Edit>
-  <New>DocumentLibraryForm</New>
-</FormTemplates>
-</file>
-
-<file path=customXml/item3.xml><?xml version="1.0" encoding="utf-8"?>
 <ct:contentTypeSchema xmlns:ct="http://schemas.microsoft.com/office/2006/metadata/contentType" xmlns:ma="http://schemas.microsoft.com/office/2006/metadata/properties/metaAttributes" ct:_="" ma:_="" ma:contentTypeName="Document" ma:contentTypeID="0x0101009ADC84C2C2689F418E5BAD3CA70F51C1" ma:contentTypeVersion="15" ma:contentTypeDescription="Create a new document." ma:contentTypeScope="" ma:versionID="dfa36a507fa972b0dae0ef5557aeb3eb">
   <xsd:schema xmlns:xsd="http://www.w3.org/2001/XMLSchema" xmlns:xs="http://www.w3.org/2001/XMLSchema" xmlns:p="http://schemas.microsoft.com/office/2006/metadata/properties" xmlns:ns3="218cae68-0ddc-43bb-9a29-52a0402d6cb9" xmlns:ns4="703aeb73-56ce-48f3-9277-f60cff690132" targetNamespace="http://schemas.microsoft.com/office/2006/metadata/properties" ma:root="true" ma:fieldsID="cb78c5b39430d5080de0e1d97c12cd45" ns3:_="" ns4:_="">
     <xsd:import namespace="218cae68-0ddc-43bb-9a29-52a0402d6cb9"/>
@@ -14980,32 +15100,24 @@
 </ct:contentTypeSchema>
 </file>
 
-<file path=customXml/itemProps1.xml><?xml version="1.0" encoding="utf-8"?>
-<ds:datastoreItem xmlns:ds="http://schemas.openxmlformats.org/officeDocument/2006/customXml" ds:itemID="{B218F515-3D1B-44A5-8439-DF0479902099}">
-  <ds:schemaRefs>
-    <ds:schemaRef ds:uri="http://purl.org/dc/dcmitype/"/>
-    <ds:schemaRef ds:uri="http://schemas.openxmlformats.org/package/2006/metadata/core-properties"/>
-    <ds:schemaRef ds:uri="http://purl.org/dc/terms/"/>
-    <ds:schemaRef ds:uri="http://www.w3.org/XML/1998/namespace"/>
-    <ds:schemaRef ds:uri="218cae68-0ddc-43bb-9a29-52a0402d6cb9"/>
-    <ds:schemaRef ds:uri="http://schemas.microsoft.com/office/2006/documentManagement/types"/>
-    <ds:schemaRef ds:uri="http://schemas.microsoft.com/office/infopath/2007/PartnerControls"/>
-    <ds:schemaRef ds:uri="703aeb73-56ce-48f3-9277-f60cff690132"/>
-    <ds:schemaRef ds:uri="http://schemas.microsoft.com/office/2006/metadata/properties"/>
-    <ds:schemaRef ds:uri="http://purl.org/dc/elements/1.1/"/>
-  </ds:schemaRefs>
-</ds:datastoreItem>
+<file path=customXml/item2.xml><?xml version="1.0" encoding="utf-8"?>
+<?mso-contentType ?>
+<FormTemplates xmlns="http://schemas.microsoft.com/sharepoint/v3/contenttype/forms">
+  <Display>DocumentLibraryForm</Display>
+  <Edit>DocumentLibraryForm</Edit>
+  <New>DocumentLibraryForm</New>
+</FormTemplates>
 </file>
 
-<file path=customXml/itemProps2.xml><?xml version="1.0" encoding="utf-8"?>
-<ds:datastoreItem xmlns:ds="http://schemas.openxmlformats.org/officeDocument/2006/customXml" ds:itemID="{3A69843A-82BD-41BC-9CFD-7A6BCBCF50D4}">
-  <ds:schemaRefs>
-    <ds:schemaRef ds:uri="http://schemas.microsoft.com/sharepoint/v3/contenttype/forms"/>
-  </ds:schemaRefs>
-</ds:datastoreItem>
+<file path=customXml/item3.xml><?xml version="1.0" encoding="utf-8"?>
+<p:properties xmlns:p="http://schemas.microsoft.com/office/2006/metadata/properties" xmlns:xsi="http://www.w3.org/2001/XMLSchema-instance" xmlns:pc="http://schemas.microsoft.com/office/infopath/2007/PartnerControls">
+  <documentManagement>
+    <_activity xmlns="218cae68-0ddc-43bb-9a29-52a0402d6cb9" xsi:nil="true"/>
+  </documentManagement>
+</p:properties>
 </file>
 
-<file path=customXml/itemProps3.xml><?xml version="1.0" encoding="utf-8"?>
+<file path=customXml/itemProps1.xml><?xml version="1.0" encoding="utf-8"?>
 <ds:datastoreItem xmlns:ds="http://schemas.openxmlformats.org/officeDocument/2006/customXml" ds:itemID="{0058B037-F10E-47D7-816C-415ABC0EB55F}">
   <ds:schemaRefs>
     <ds:schemaRef ds:uri="http://schemas.microsoft.com/office/2006/metadata/contentType"/>
@@ -15022,4 +15134,29 @@
     <ds:schemaRef ds:uri="http://schemas.microsoft.com/internal/obd"/>
   </ds:schemaRefs>
 </ds:datastoreItem>
+</file>
+
+<file path=customXml/itemProps2.xml><?xml version="1.0" encoding="utf-8"?>
+<ds:datastoreItem xmlns:ds="http://schemas.openxmlformats.org/officeDocument/2006/customXml" ds:itemID="{3A69843A-82BD-41BC-9CFD-7A6BCBCF50D4}">
+  <ds:schemaRefs>
+    <ds:schemaRef ds:uri="http://schemas.microsoft.com/sharepoint/v3/contenttype/forms"/>
+  </ds:schemaRefs>
+</ds:datastoreItem>
+</file>
+
+<file path=customXml/itemProps3.xml><?xml version="1.0" encoding="utf-8"?>
+<ds:datastoreItem xmlns:ds="http://schemas.openxmlformats.org/officeDocument/2006/customXml" ds:itemID="{B218F515-3D1B-44A5-8439-DF0479902099}">
+  <ds:schemaRefs>
+    <ds:schemaRef ds:uri="http://purl.org/dc/dcmitype/"/>
+    <ds:schemaRef ds:uri="http://schemas.openxmlformats.org/package/2006/metadata/core-properties"/>
+    <ds:schemaRef ds:uri="http://purl.org/dc/terms/"/>
+    <ds:schemaRef ds:uri="http://www.w3.org/XML/1998/namespace"/>
+    <ds:schemaRef ds:uri="218cae68-0ddc-43bb-9a29-52a0402d6cb9"/>
+    <ds:schemaRef ds:uri="http://schemas.microsoft.com/office/2006/documentManagement/types"/>
+    <ds:schemaRef ds:uri="http://schemas.microsoft.com/office/infopath/2007/PartnerControls"/>
+    <ds:schemaRef ds:uri="703aeb73-56ce-48f3-9277-f60cff690132"/>
+    <ds:schemaRef ds:uri="http://schemas.microsoft.com/office/2006/metadata/properties"/>
+    <ds:schemaRef ds:uri="http://purl.org/dc/elements/1.1/"/>
+  </ds:schemaRefs>
+</ds:datastoreItem>
 </file>
--- a/Documents/CDR/CDR_Presentation.pptx
+++ b/Documents/CDR/CDR_Presentation.pptx
@@ -4,6 +4,9 @@
   <p:sldMasterIdLst>
     <p:sldMasterId id="2147483648" r:id="rId4"/>
   </p:sldMasterIdLst>
+  <p:notesMasterIdLst>
+    <p:notesMasterId r:id="rId20"/>
+  </p:notesMasterIdLst>
   <p:sldIdLst>
     <p:sldId id="256" r:id="rId5"/>
     <p:sldId id="263" r:id="rId6"/>
@@ -16,11 +19,10 @@
     <p:sldId id="270" r:id="rId13"/>
     <p:sldId id="264" r:id="rId14"/>
     <p:sldId id="259" r:id="rId15"/>
-    <p:sldId id="266" r:id="rId16"/>
-    <p:sldId id="257" r:id="rId17"/>
-    <p:sldId id="267" r:id="rId18"/>
-    <p:sldId id="271" r:id="rId19"/>
-    <p:sldId id="268" r:id="rId20"/>
+    <p:sldId id="257" r:id="rId16"/>
+    <p:sldId id="267" r:id="rId17"/>
+    <p:sldId id="271" r:id="rId18"/>
+    <p:sldId id="268" r:id="rId19"/>
   </p:sldIdLst>
   <p:sldSz cx="12192000" cy="6858000"/>
   <p:notesSz cx="6858000" cy="9144000"/>
@@ -133,6 +135,1567 @@
     <p1510:client id="{36DA765A-6406-4451-AB9D-F4E704F36BB7}" v="24" dt="2024-09-27T16:26:04.071"/>
   </p1510:revLst>
 </p1510:revInfo>
+</file>
+
+<file path=ppt/notesMasters/notesMaster1.xml><?xml version="1.0" encoding="utf-8"?>
+<p:notesMaster xmlns:a="http://schemas.openxmlformats.org/drawingml/2006/main" xmlns:r="http://schemas.openxmlformats.org/officeDocument/2006/relationships" xmlns:p="http://schemas.openxmlformats.org/presentationml/2006/main">
+  <p:cSld>
+    <p:bg>
+      <p:bgRef idx="1001">
+        <a:schemeClr val="bg1"/>
+      </p:bgRef>
+    </p:bg>
+    <p:spTree>
+      <p:nvGrpSpPr>
+        <p:cNvPr id="1" name=""/>
+        <p:cNvGrpSpPr/>
+        <p:nvPr/>
+      </p:nvGrpSpPr>
+      <p:grpSpPr>
+        <a:xfrm>
+          <a:off x="0" y="0"/>
+          <a:ext cx="0" cy="0"/>
+          <a:chOff x="0" y="0"/>
+          <a:chExt cx="0" cy="0"/>
+        </a:xfrm>
+      </p:grpSpPr>
+      <p:sp>
+        <p:nvSpPr>
+          <p:cNvPr id="2" name="Header Placeholder 1"/>
+          <p:cNvSpPr>
+            <a:spLocks noGrp="1"/>
+          </p:cNvSpPr>
+          <p:nvPr>
+            <p:ph type="hdr" sz="quarter"/>
+          </p:nvPr>
+        </p:nvSpPr>
+        <p:spPr>
+          <a:xfrm>
+            <a:off x="0" y="0"/>
+            <a:ext cx="2971800" cy="458788"/>
+          </a:xfrm>
+          <a:prstGeom prst="rect">
+            <a:avLst/>
+          </a:prstGeom>
+        </p:spPr>
+        <p:txBody>
+          <a:bodyPr vert="horz" lIns="91440" tIns="45720" rIns="91440" bIns="45720" rtlCol="0"/>
+          <a:lstStyle>
+            <a:lvl1pPr algn="l">
+              <a:defRPr sz="1200"/>
+            </a:lvl1pPr>
+          </a:lstStyle>
+          <a:p>
+            <a:endParaRPr lang="en-US"/>
+          </a:p>
+        </p:txBody>
+      </p:sp>
+      <p:sp>
+        <p:nvSpPr>
+          <p:cNvPr id="3" name="Date Placeholder 2"/>
+          <p:cNvSpPr>
+            <a:spLocks noGrp="1"/>
+          </p:cNvSpPr>
+          <p:nvPr>
+            <p:ph type="dt" idx="1"/>
+          </p:nvPr>
+        </p:nvSpPr>
+        <p:spPr>
+          <a:xfrm>
+            <a:off x="3884613" y="0"/>
+            <a:ext cx="2971800" cy="458788"/>
+          </a:xfrm>
+          <a:prstGeom prst="rect">
+            <a:avLst/>
+          </a:prstGeom>
+        </p:spPr>
+        <p:txBody>
+          <a:bodyPr vert="horz" lIns="91440" tIns="45720" rIns="91440" bIns="45720" rtlCol="0"/>
+          <a:lstStyle>
+            <a:lvl1pPr algn="r">
+              <a:defRPr sz="1200"/>
+            </a:lvl1pPr>
+          </a:lstStyle>
+          <a:p>
+            <a:fld id="{C3DCE7EF-75D0-4DB7-BD1A-FC94188B4058}" type="datetimeFigureOut">
+              <a:rPr lang="en-US" smtClean="0"/>
+              <a:t>10/6/2024</a:t>
+            </a:fld>
+            <a:endParaRPr lang="en-US"/>
+          </a:p>
+        </p:txBody>
+      </p:sp>
+      <p:sp>
+        <p:nvSpPr>
+          <p:cNvPr id="4" name="Slide Image Placeholder 3"/>
+          <p:cNvSpPr>
+            <a:spLocks noGrp="1" noRot="1" noChangeAspect="1"/>
+          </p:cNvSpPr>
+          <p:nvPr>
+            <p:ph type="sldImg" idx="2"/>
+          </p:nvPr>
+        </p:nvSpPr>
+        <p:spPr>
+          <a:xfrm>
+            <a:off x="685800" y="1143000"/>
+            <a:ext cx="5486400" cy="3086100"/>
+          </a:xfrm>
+          <a:prstGeom prst="rect">
+            <a:avLst/>
+          </a:prstGeom>
+          <a:noFill/>
+          <a:ln w="12700">
+            <a:solidFill>
+              <a:prstClr val="black"/>
+            </a:solidFill>
+          </a:ln>
+        </p:spPr>
+        <p:txBody>
+          <a:bodyPr vert="horz" lIns="91440" tIns="45720" rIns="91440" bIns="45720" rtlCol="0" anchor="ctr"/>
+          <a:lstStyle/>
+          <a:p>
+            <a:endParaRPr lang="en-US"/>
+          </a:p>
+        </p:txBody>
+      </p:sp>
+      <p:sp>
+        <p:nvSpPr>
+          <p:cNvPr id="5" name="Notes Placeholder 4"/>
+          <p:cNvSpPr>
+            <a:spLocks noGrp="1"/>
+          </p:cNvSpPr>
+          <p:nvPr>
+            <p:ph type="body" sz="quarter" idx="3"/>
+          </p:nvPr>
+        </p:nvSpPr>
+        <p:spPr>
+          <a:xfrm>
+            <a:off x="685800" y="4400550"/>
+            <a:ext cx="5486400" cy="3600450"/>
+          </a:xfrm>
+          <a:prstGeom prst="rect">
+            <a:avLst/>
+          </a:prstGeom>
+        </p:spPr>
+        <p:txBody>
+          <a:bodyPr vert="horz" lIns="91440" tIns="45720" rIns="91440" bIns="45720" rtlCol="0"/>
+          <a:lstStyle/>
+          <a:p>
+            <a:pPr lvl="0"/>
+            <a:r>
+              <a:rPr lang="en-US"/>
+              <a:t>Click to edit Master text styles</a:t>
+            </a:r>
+          </a:p>
+          <a:p>
+            <a:pPr lvl="1"/>
+            <a:r>
+              <a:rPr lang="en-US"/>
+              <a:t>Second level</a:t>
+            </a:r>
+          </a:p>
+          <a:p>
+            <a:pPr lvl="2"/>
+            <a:r>
+              <a:rPr lang="en-US"/>
+              <a:t>Third level</a:t>
+            </a:r>
+          </a:p>
+          <a:p>
+            <a:pPr lvl="3"/>
+            <a:r>
+              <a:rPr lang="en-US"/>
+              <a:t>Fourth level</a:t>
+            </a:r>
+          </a:p>
+          <a:p>
+            <a:pPr lvl="4"/>
+            <a:r>
+              <a:rPr lang="en-US"/>
+              <a:t>Fifth level</a:t>
+            </a:r>
+          </a:p>
+        </p:txBody>
+      </p:sp>
+      <p:sp>
+        <p:nvSpPr>
+          <p:cNvPr id="6" name="Footer Placeholder 5"/>
+          <p:cNvSpPr>
+            <a:spLocks noGrp="1"/>
+          </p:cNvSpPr>
+          <p:nvPr>
+            <p:ph type="ftr" sz="quarter" idx="4"/>
+          </p:nvPr>
+        </p:nvSpPr>
+        <p:spPr>
+          <a:xfrm>
+            <a:off x="0" y="8685213"/>
+            <a:ext cx="2971800" cy="458787"/>
+          </a:xfrm>
+          <a:prstGeom prst="rect">
+            <a:avLst/>
+          </a:prstGeom>
+        </p:spPr>
+        <p:txBody>
+          <a:bodyPr vert="horz" lIns="91440" tIns="45720" rIns="91440" bIns="45720" rtlCol="0" anchor="b"/>
+          <a:lstStyle>
+            <a:lvl1pPr algn="l">
+              <a:defRPr sz="1200"/>
+            </a:lvl1pPr>
+          </a:lstStyle>
+          <a:p>
+            <a:endParaRPr lang="en-US"/>
+          </a:p>
+        </p:txBody>
+      </p:sp>
+      <p:sp>
+        <p:nvSpPr>
+          <p:cNvPr id="7" name="Slide Number Placeholder 6"/>
+          <p:cNvSpPr>
+            <a:spLocks noGrp="1"/>
+          </p:cNvSpPr>
+          <p:nvPr>
+            <p:ph type="sldNum" sz="quarter" idx="5"/>
+          </p:nvPr>
+        </p:nvSpPr>
+        <p:spPr>
+          <a:xfrm>
+            <a:off x="3884613" y="8685213"/>
+            <a:ext cx="2971800" cy="458787"/>
+          </a:xfrm>
+          <a:prstGeom prst="rect">
+            <a:avLst/>
+          </a:prstGeom>
+        </p:spPr>
+        <p:txBody>
+          <a:bodyPr vert="horz" lIns="91440" tIns="45720" rIns="91440" bIns="45720" rtlCol="0" anchor="b"/>
+          <a:lstStyle>
+            <a:lvl1pPr algn="r">
+              <a:defRPr sz="1200"/>
+            </a:lvl1pPr>
+          </a:lstStyle>
+          <a:p>
+            <a:fld id="{E30B86DD-1E4E-4BA9-90B9-02C65521F8DF}" type="slidenum">
+              <a:rPr lang="en-US" smtClean="0"/>
+              <a:t>‹#›</a:t>
+            </a:fld>
+            <a:endParaRPr lang="en-US"/>
+          </a:p>
+        </p:txBody>
+      </p:sp>
+    </p:spTree>
+    <p:extLst>
+      <p:ext uri="{BB962C8B-B14F-4D97-AF65-F5344CB8AC3E}">
+        <p14:creationId xmlns:p14="http://schemas.microsoft.com/office/powerpoint/2010/main" val="3363992694"/>
+      </p:ext>
+    </p:extLst>
+  </p:cSld>
+  <p:clrMap bg1="lt1" tx1="dk1" bg2="lt2" tx2="dk2" accent1="accent1" accent2="accent2" accent3="accent3" accent4="accent4" accent5="accent5" accent6="accent6" hlink="hlink" folHlink="folHlink"/>
+  <p:notesStyle>
+    <a:lvl1pPr marL="0" algn="l" defTabSz="914400" rtl="0" eaLnBrk="1" latinLnBrk="0" hangingPunct="1">
+      <a:defRPr sz="1200" kern="1200">
+        <a:solidFill>
+          <a:schemeClr val="tx1"/>
+        </a:solidFill>
+        <a:latin typeface="+mn-lt"/>
+        <a:ea typeface="+mn-ea"/>
+        <a:cs typeface="+mn-cs"/>
+      </a:defRPr>
+    </a:lvl1pPr>
+    <a:lvl2pPr marL="457200" algn="l" defTabSz="914400" rtl="0" eaLnBrk="1" latinLnBrk="0" hangingPunct="1">
+      <a:defRPr sz="1200" kern="1200">
+        <a:solidFill>
+          <a:schemeClr val="tx1"/>
+        </a:solidFill>
+        <a:latin typeface="+mn-lt"/>
+        <a:ea typeface="+mn-ea"/>
+        <a:cs typeface="+mn-cs"/>
+      </a:defRPr>
+    </a:lvl2pPr>
+    <a:lvl3pPr marL="914400" algn="l" defTabSz="914400" rtl="0" eaLnBrk="1" latinLnBrk="0" hangingPunct="1">
+      <a:defRPr sz="1200" kern="1200">
+        <a:solidFill>
+          <a:schemeClr val="tx1"/>
+        </a:solidFill>
+        <a:latin typeface="+mn-lt"/>
+        <a:ea typeface="+mn-ea"/>
+        <a:cs typeface="+mn-cs"/>
+      </a:defRPr>
+    </a:lvl3pPr>
+    <a:lvl4pPr marL="1371600" algn="l" defTabSz="914400" rtl="0" eaLnBrk="1" latinLnBrk="0" hangingPunct="1">
+      <a:defRPr sz="1200" kern="1200">
+        <a:solidFill>
+          <a:schemeClr val="tx1"/>
+        </a:solidFill>
+        <a:latin typeface="+mn-lt"/>
+        <a:ea typeface="+mn-ea"/>
+        <a:cs typeface="+mn-cs"/>
+      </a:defRPr>
+    </a:lvl4pPr>
+    <a:lvl5pPr marL="1828800" algn="l" defTabSz="914400" rtl="0" eaLnBrk="1" latinLnBrk="0" hangingPunct="1">
+      <a:defRPr sz="1200" kern="1200">
+        <a:solidFill>
+          <a:schemeClr val="tx1"/>
+        </a:solidFill>
+        <a:latin typeface="+mn-lt"/>
+        <a:ea typeface="+mn-ea"/>
+        <a:cs typeface="+mn-cs"/>
+      </a:defRPr>
+    </a:lvl5pPr>
+    <a:lvl6pPr marL="2286000" algn="l" defTabSz="914400" rtl="0" eaLnBrk="1" latinLnBrk="0" hangingPunct="1">
+      <a:defRPr sz="1200" kern="1200">
+        <a:solidFill>
+          <a:schemeClr val="tx1"/>
+        </a:solidFill>
+        <a:latin typeface="+mn-lt"/>
+        <a:ea typeface="+mn-ea"/>
+        <a:cs typeface="+mn-cs"/>
+      </a:defRPr>
+    </a:lvl6pPr>
+    <a:lvl7pPr marL="2743200" algn="l" defTabSz="914400" rtl="0" eaLnBrk="1" latinLnBrk="0" hangingPunct="1">
+      <a:defRPr sz="1200" kern="1200">
+        <a:solidFill>
+          <a:schemeClr val="tx1"/>
+        </a:solidFill>
+        <a:latin typeface="+mn-lt"/>
+        <a:ea typeface="+mn-ea"/>
+        <a:cs typeface="+mn-cs"/>
+      </a:defRPr>
+    </a:lvl7pPr>
+    <a:lvl8pPr marL="3200400" algn="l" defTabSz="914400" rtl="0" eaLnBrk="1" latinLnBrk="0" hangingPunct="1">
+      <a:defRPr sz="1200" kern="1200">
+        <a:solidFill>
+          <a:schemeClr val="tx1"/>
+        </a:solidFill>
+        <a:latin typeface="+mn-lt"/>
+        <a:ea typeface="+mn-ea"/>
+        <a:cs typeface="+mn-cs"/>
+      </a:defRPr>
+    </a:lvl8pPr>
+    <a:lvl9pPr marL="3657600" algn="l" defTabSz="914400" rtl="0" eaLnBrk="1" latinLnBrk="0" hangingPunct="1">
+      <a:defRPr sz="1200" kern="1200">
+        <a:solidFill>
+          <a:schemeClr val="tx1"/>
+        </a:solidFill>
+        <a:latin typeface="+mn-lt"/>
+        <a:ea typeface="+mn-ea"/>
+        <a:cs typeface="+mn-cs"/>
+      </a:defRPr>
+    </a:lvl9pPr>
+  </p:notesStyle>
+</p:notesMaster>
+</file>
+
+<file path=ppt/notesSlides/notesSlide1.xml><?xml version="1.0" encoding="utf-8"?>
+<p:notes xmlns:a="http://schemas.openxmlformats.org/drawingml/2006/main" xmlns:r="http://schemas.openxmlformats.org/officeDocument/2006/relationships" xmlns:p="http://schemas.openxmlformats.org/presentationml/2006/main">
+  <p:cSld>
+    <p:spTree>
+      <p:nvGrpSpPr>
+        <p:cNvPr id="1" name=""/>
+        <p:cNvGrpSpPr/>
+        <p:nvPr/>
+      </p:nvGrpSpPr>
+      <p:grpSpPr>
+        <a:xfrm>
+          <a:off x="0" y="0"/>
+          <a:ext cx="0" cy="0"/>
+          <a:chOff x="0" y="0"/>
+          <a:chExt cx="0" cy="0"/>
+        </a:xfrm>
+      </p:grpSpPr>
+      <p:sp>
+        <p:nvSpPr>
+          <p:cNvPr id="2" name="Slide Image Placeholder 1"/>
+          <p:cNvSpPr>
+            <a:spLocks noGrp="1" noRot="1" noChangeAspect="1"/>
+          </p:cNvSpPr>
+          <p:nvPr>
+            <p:ph type="sldImg"/>
+          </p:nvPr>
+        </p:nvSpPr>
+        <p:spPr/>
+      </p:sp>
+      <p:sp>
+        <p:nvSpPr>
+          <p:cNvPr id="3" name="Notes Placeholder 2"/>
+          <p:cNvSpPr>
+            <a:spLocks noGrp="1"/>
+          </p:cNvSpPr>
+          <p:nvPr>
+            <p:ph type="body" idx="1"/>
+          </p:nvPr>
+        </p:nvSpPr>
+        <p:spPr/>
+        <p:txBody>
+          <a:bodyPr/>
+          <a:lstStyle/>
+          <a:p>
+            <a:r>
+              <a:rPr lang="en-US" dirty="0"/>
+              <a:t>Tannyr</a:t>
+            </a:r>
+          </a:p>
+        </p:txBody>
+      </p:sp>
+      <p:sp>
+        <p:nvSpPr>
+          <p:cNvPr id="4" name="Slide Number Placeholder 3"/>
+          <p:cNvSpPr>
+            <a:spLocks noGrp="1"/>
+          </p:cNvSpPr>
+          <p:nvPr>
+            <p:ph type="sldNum" sz="quarter" idx="5"/>
+          </p:nvPr>
+        </p:nvSpPr>
+        <p:spPr/>
+        <p:txBody>
+          <a:bodyPr/>
+          <a:lstStyle/>
+          <a:p>
+            <a:fld id="{E30B86DD-1E4E-4BA9-90B9-02C65521F8DF}" type="slidenum">
+              <a:rPr lang="en-US" smtClean="0"/>
+              <a:t>2</a:t>
+            </a:fld>
+            <a:endParaRPr lang="en-US"/>
+          </a:p>
+        </p:txBody>
+      </p:sp>
+    </p:spTree>
+    <p:extLst>
+      <p:ext uri="{BB962C8B-B14F-4D97-AF65-F5344CB8AC3E}">
+        <p14:creationId xmlns:p14="http://schemas.microsoft.com/office/powerpoint/2010/main" val="2141216061"/>
+      </p:ext>
+    </p:extLst>
+  </p:cSld>
+  <p:clrMapOvr>
+    <a:masterClrMapping/>
+  </p:clrMapOvr>
+</p:notes>
+</file>
+
+<file path=ppt/notesSlides/notesSlide10.xml><?xml version="1.0" encoding="utf-8"?>
+<p:notes xmlns:a="http://schemas.openxmlformats.org/drawingml/2006/main" xmlns:r="http://schemas.openxmlformats.org/officeDocument/2006/relationships" xmlns:p="http://schemas.openxmlformats.org/presentationml/2006/main">
+  <p:cSld>
+    <p:spTree>
+      <p:nvGrpSpPr>
+        <p:cNvPr id="1" name=""/>
+        <p:cNvGrpSpPr/>
+        <p:nvPr/>
+      </p:nvGrpSpPr>
+      <p:grpSpPr>
+        <a:xfrm>
+          <a:off x="0" y="0"/>
+          <a:ext cx="0" cy="0"/>
+          <a:chOff x="0" y="0"/>
+          <a:chExt cx="0" cy="0"/>
+        </a:xfrm>
+      </p:grpSpPr>
+      <p:sp>
+        <p:nvSpPr>
+          <p:cNvPr id="2" name="Slide Image Placeholder 1"/>
+          <p:cNvSpPr>
+            <a:spLocks noGrp="1" noRot="1" noChangeAspect="1"/>
+          </p:cNvSpPr>
+          <p:nvPr>
+            <p:ph type="sldImg"/>
+          </p:nvPr>
+        </p:nvSpPr>
+        <p:spPr/>
+      </p:sp>
+      <p:sp>
+        <p:nvSpPr>
+          <p:cNvPr id="3" name="Notes Placeholder 2"/>
+          <p:cNvSpPr>
+            <a:spLocks noGrp="1"/>
+          </p:cNvSpPr>
+          <p:nvPr>
+            <p:ph type="body" idx="1"/>
+          </p:nvPr>
+        </p:nvSpPr>
+        <p:spPr/>
+        <p:txBody>
+          <a:bodyPr/>
+          <a:lstStyle/>
+          <a:p>
+            <a:pPr marL="0" indent="0">
+              <a:buFont typeface="Arial" panose="020B0604020202020204" pitchFamily="34" charset="0"/>
+              <a:buNone/>
+            </a:pPr>
+            <a:r>
+              <a:rPr lang="en-US" sz="1200" dirty="0">
+                <a:solidFill>
+                  <a:schemeClr val="accent5">
+                    <a:lumMod val="75000"/>
+                  </a:schemeClr>
+                </a:solidFill>
+              </a:rPr>
+              <a:t>Gannon</a:t>
+            </a:r>
+          </a:p>
+          <a:p>
+            <a:pPr marL="457200" indent="-457200">
+              <a:buFont typeface="Arial" panose="020B0604020202020204" pitchFamily="34" charset="0"/>
+              <a:buChar char="•"/>
+            </a:pPr>
+            <a:r>
+              <a:rPr lang="en-US" sz="1200" dirty="0">
+                <a:solidFill>
+                  <a:schemeClr val="accent5">
+                    <a:lumMod val="75000"/>
+                  </a:schemeClr>
+                </a:solidFill>
+              </a:rPr>
+              <a:t>USB – Used for taking data from flight computer.</a:t>
+            </a:r>
+          </a:p>
+          <a:p>
+            <a:pPr marL="457200" indent="-457200">
+              <a:buFont typeface="Arial" panose="020B0604020202020204" pitchFamily="34" charset="0"/>
+              <a:buChar char="•"/>
+            </a:pPr>
+            <a:r>
+              <a:rPr lang="en-US" sz="1200" dirty="0">
+                <a:solidFill>
+                  <a:schemeClr val="accent5">
+                    <a:lumMod val="75000"/>
+                  </a:schemeClr>
+                </a:solidFill>
+              </a:rPr>
+              <a:t>Microcontroller – ESP32 built in transceiver to get data via </a:t>
+            </a:r>
+            <a:r>
+              <a:rPr lang="en-US" sz="1200" dirty="0" err="1">
+                <a:solidFill>
+                  <a:schemeClr val="accent5">
+                    <a:lumMod val="75000"/>
+                  </a:schemeClr>
+                </a:solidFill>
+              </a:rPr>
+              <a:t>WiFi</a:t>
+            </a:r>
+            <a:r>
+              <a:rPr lang="en-US" sz="1200" dirty="0">
+                <a:solidFill>
+                  <a:schemeClr val="accent5">
+                    <a:lumMod val="75000"/>
+                  </a:schemeClr>
+                </a:solidFill>
+              </a:rPr>
+              <a:t>.</a:t>
+            </a:r>
+          </a:p>
+          <a:p>
+            <a:pPr marL="457200" indent="-457200">
+              <a:buFont typeface="Arial" panose="020B0604020202020204" pitchFamily="34" charset="0"/>
+              <a:buChar char="•"/>
+            </a:pPr>
+            <a:r>
+              <a:rPr lang="en-US" sz="1200" dirty="0">
+                <a:solidFill>
+                  <a:schemeClr val="accent5">
+                    <a:lumMod val="75000"/>
+                  </a:schemeClr>
+                </a:solidFill>
+              </a:rPr>
+              <a:t>Sensors – Uses SPI and I2C to communicate with board.</a:t>
+            </a:r>
+          </a:p>
+          <a:p>
+            <a:endParaRPr lang="en-US" dirty="0"/>
+          </a:p>
+        </p:txBody>
+      </p:sp>
+      <p:sp>
+        <p:nvSpPr>
+          <p:cNvPr id="4" name="Slide Number Placeholder 3"/>
+          <p:cNvSpPr>
+            <a:spLocks noGrp="1"/>
+          </p:cNvSpPr>
+          <p:nvPr>
+            <p:ph type="sldNum" sz="quarter" idx="5"/>
+          </p:nvPr>
+        </p:nvSpPr>
+        <p:spPr/>
+        <p:txBody>
+          <a:bodyPr/>
+          <a:lstStyle/>
+          <a:p>
+            <a:fld id="{E30B86DD-1E4E-4BA9-90B9-02C65521F8DF}" type="slidenum">
+              <a:rPr lang="en-US" smtClean="0"/>
+              <a:t>11</a:t>
+            </a:fld>
+            <a:endParaRPr lang="en-US"/>
+          </a:p>
+        </p:txBody>
+      </p:sp>
+    </p:spTree>
+    <p:extLst>
+      <p:ext uri="{BB962C8B-B14F-4D97-AF65-F5344CB8AC3E}">
+        <p14:creationId xmlns:p14="http://schemas.microsoft.com/office/powerpoint/2010/main" val="1407168297"/>
+      </p:ext>
+    </p:extLst>
+  </p:cSld>
+  <p:clrMapOvr>
+    <a:masterClrMapping/>
+  </p:clrMapOvr>
+</p:notes>
+</file>
+
+<file path=ppt/notesSlides/notesSlide11.xml><?xml version="1.0" encoding="utf-8"?>
+<p:notes xmlns:a="http://schemas.openxmlformats.org/drawingml/2006/main" xmlns:r="http://schemas.openxmlformats.org/officeDocument/2006/relationships" xmlns:p="http://schemas.openxmlformats.org/presentationml/2006/main">
+  <p:cSld>
+    <p:spTree>
+      <p:nvGrpSpPr>
+        <p:cNvPr id="1" name=""/>
+        <p:cNvGrpSpPr/>
+        <p:nvPr/>
+      </p:nvGrpSpPr>
+      <p:grpSpPr>
+        <a:xfrm>
+          <a:off x="0" y="0"/>
+          <a:ext cx="0" cy="0"/>
+          <a:chOff x="0" y="0"/>
+          <a:chExt cx="0" cy="0"/>
+        </a:xfrm>
+      </p:grpSpPr>
+      <p:sp>
+        <p:nvSpPr>
+          <p:cNvPr id="2" name="Slide Image Placeholder 1"/>
+          <p:cNvSpPr>
+            <a:spLocks noGrp="1" noRot="1" noChangeAspect="1"/>
+          </p:cNvSpPr>
+          <p:nvPr>
+            <p:ph type="sldImg"/>
+          </p:nvPr>
+        </p:nvSpPr>
+        <p:spPr/>
+      </p:sp>
+      <p:sp>
+        <p:nvSpPr>
+          <p:cNvPr id="3" name="Notes Placeholder 2"/>
+          <p:cNvSpPr>
+            <a:spLocks noGrp="1"/>
+          </p:cNvSpPr>
+          <p:nvPr>
+            <p:ph type="body" idx="1"/>
+          </p:nvPr>
+        </p:nvSpPr>
+        <p:spPr/>
+        <p:txBody>
+          <a:bodyPr/>
+          <a:lstStyle/>
+          <a:p>
+            <a:r>
+              <a:rPr lang="en-US" dirty="0"/>
+              <a:t>Ethan</a:t>
+            </a:r>
+          </a:p>
+        </p:txBody>
+      </p:sp>
+      <p:sp>
+        <p:nvSpPr>
+          <p:cNvPr id="4" name="Slide Number Placeholder 3"/>
+          <p:cNvSpPr>
+            <a:spLocks noGrp="1"/>
+          </p:cNvSpPr>
+          <p:nvPr>
+            <p:ph type="sldNum" sz="quarter" idx="5"/>
+          </p:nvPr>
+        </p:nvSpPr>
+        <p:spPr/>
+        <p:txBody>
+          <a:bodyPr/>
+          <a:lstStyle/>
+          <a:p>
+            <a:fld id="{E30B86DD-1E4E-4BA9-90B9-02C65521F8DF}" type="slidenum">
+              <a:rPr lang="en-US" smtClean="0"/>
+              <a:t>12</a:t>
+            </a:fld>
+            <a:endParaRPr lang="en-US"/>
+          </a:p>
+        </p:txBody>
+      </p:sp>
+    </p:spTree>
+    <p:extLst>
+      <p:ext uri="{BB962C8B-B14F-4D97-AF65-F5344CB8AC3E}">
+        <p14:creationId xmlns:p14="http://schemas.microsoft.com/office/powerpoint/2010/main" val="688581299"/>
+      </p:ext>
+    </p:extLst>
+  </p:cSld>
+  <p:clrMapOvr>
+    <a:masterClrMapping/>
+  </p:clrMapOvr>
+</p:notes>
+</file>
+
+<file path=ppt/notesSlides/notesSlide12.xml><?xml version="1.0" encoding="utf-8"?>
+<p:notes xmlns:a="http://schemas.openxmlformats.org/drawingml/2006/main" xmlns:r="http://schemas.openxmlformats.org/officeDocument/2006/relationships" xmlns:p="http://schemas.openxmlformats.org/presentationml/2006/main">
+  <p:cSld>
+    <p:spTree>
+      <p:nvGrpSpPr>
+        <p:cNvPr id="1" name=""/>
+        <p:cNvGrpSpPr/>
+        <p:nvPr/>
+      </p:nvGrpSpPr>
+      <p:grpSpPr>
+        <a:xfrm>
+          <a:off x="0" y="0"/>
+          <a:ext cx="0" cy="0"/>
+          <a:chOff x="0" y="0"/>
+          <a:chExt cx="0" cy="0"/>
+        </a:xfrm>
+      </p:grpSpPr>
+      <p:sp>
+        <p:nvSpPr>
+          <p:cNvPr id="2" name="Slide Image Placeholder 1"/>
+          <p:cNvSpPr>
+            <a:spLocks noGrp="1" noRot="1" noChangeAspect="1"/>
+          </p:cNvSpPr>
+          <p:nvPr>
+            <p:ph type="sldImg"/>
+          </p:nvPr>
+        </p:nvSpPr>
+        <p:spPr/>
+      </p:sp>
+      <p:sp>
+        <p:nvSpPr>
+          <p:cNvPr id="3" name="Notes Placeholder 2"/>
+          <p:cNvSpPr>
+            <a:spLocks noGrp="1"/>
+          </p:cNvSpPr>
+          <p:nvPr>
+            <p:ph type="body" idx="1"/>
+          </p:nvPr>
+        </p:nvSpPr>
+        <p:spPr/>
+        <p:txBody>
+          <a:bodyPr/>
+          <a:lstStyle/>
+          <a:p>
+            <a:r>
+              <a:rPr lang="en-US" dirty="0"/>
+              <a:t>Ethan</a:t>
+            </a:r>
+          </a:p>
+        </p:txBody>
+      </p:sp>
+      <p:sp>
+        <p:nvSpPr>
+          <p:cNvPr id="4" name="Slide Number Placeholder 3"/>
+          <p:cNvSpPr>
+            <a:spLocks noGrp="1"/>
+          </p:cNvSpPr>
+          <p:nvPr>
+            <p:ph type="sldNum" sz="quarter" idx="5"/>
+          </p:nvPr>
+        </p:nvSpPr>
+        <p:spPr/>
+        <p:txBody>
+          <a:bodyPr/>
+          <a:lstStyle/>
+          <a:p>
+            <a:fld id="{E30B86DD-1E4E-4BA9-90B9-02C65521F8DF}" type="slidenum">
+              <a:rPr lang="en-US" smtClean="0"/>
+              <a:t>13</a:t>
+            </a:fld>
+            <a:endParaRPr lang="en-US"/>
+          </a:p>
+        </p:txBody>
+      </p:sp>
+    </p:spTree>
+    <p:extLst>
+      <p:ext uri="{BB962C8B-B14F-4D97-AF65-F5344CB8AC3E}">
+        <p14:creationId xmlns:p14="http://schemas.microsoft.com/office/powerpoint/2010/main" val="1537027200"/>
+      </p:ext>
+    </p:extLst>
+  </p:cSld>
+  <p:clrMapOvr>
+    <a:masterClrMapping/>
+  </p:clrMapOvr>
+</p:notes>
+</file>
+
+<file path=ppt/notesSlides/notesSlide13.xml><?xml version="1.0" encoding="utf-8"?>
+<p:notes xmlns:a="http://schemas.openxmlformats.org/drawingml/2006/main" xmlns:r="http://schemas.openxmlformats.org/officeDocument/2006/relationships" xmlns:p="http://schemas.openxmlformats.org/presentationml/2006/main">
+  <p:cSld>
+    <p:spTree>
+      <p:nvGrpSpPr>
+        <p:cNvPr id="1" name=""/>
+        <p:cNvGrpSpPr/>
+        <p:nvPr/>
+      </p:nvGrpSpPr>
+      <p:grpSpPr>
+        <a:xfrm>
+          <a:off x="0" y="0"/>
+          <a:ext cx="0" cy="0"/>
+          <a:chOff x="0" y="0"/>
+          <a:chExt cx="0" cy="0"/>
+        </a:xfrm>
+      </p:grpSpPr>
+      <p:sp>
+        <p:nvSpPr>
+          <p:cNvPr id="2" name="Slide Image Placeholder 1"/>
+          <p:cNvSpPr>
+            <a:spLocks noGrp="1" noRot="1" noChangeAspect="1"/>
+          </p:cNvSpPr>
+          <p:nvPr>
+            <p:ph type="sldImg"/>
+          </p:nvPr>
+        </p:nvSpPr>
+        <p:spPr/>
+      </p:sp>
+      <p:sp>
+        <p:nvSpPr>
+          <p:cNvPr id="3" name="Notes Placeholder 2"/>
+          <p:cNvSpPr>
+            <a:spLocks noGrp="1"/>
+          </p:cNvSpPr>
+          <p:nvPr>
+            <p:ph type="body" idx="1"/>
+          </p:nvPr>
+        </p:nvSpPr>
+        <p:spPr/>
+        <p:txBody>
+          <a:bodyPr/>
+          <a:lstStyle/>
+          <a:p>
+            <a:r>
+              <a:rPr lang="en-US" dirty="0"/>
+              <a:t>Ethan</a:t>
+            </a:r>
+          </a:p>
+        </p:txBody>
+      </p:sp>
+      <p:sp>
+        <p:nvSpPr>
+          <p:cNvPr id="4" name="Slide Number Placeholder 3"/>
+          <p:cNvSpPr>
+            <a:spLocks noGrp="1"/>
+          </p:cNvSpPr>
+          <p:nvPr>
+            <p:ph type="sldNum" sz="quarter" idx="5"/>
+          </p:nvPr>
+        </p:nvSpPr>
+        <p:spPr/>
+        <p:txBody>
+          <a:bodyPr/>
+          <a:lstStyle/>
+          <a:p>
+            <a:fld id="{E30B86DD-1E4E-4BA9-90B9-02C65521F8DF}" type="slidenum">
+              <a:rPr lang="en-US" smtClean="0"/>
+              <a:t>14</a:t>
+            </a:fld>
+            <a:endParaRPr lang="en-US"/>
+          </a:p>
+        </p:txBody>
+      </p:sp>
+    </p:spTree>
+    <p:extLst>
+      <p:ext uri="{BB962C8B-B14F-4D97-AF65-F5344CB8AC3E}">
+        <p14:creationId xmlns:p14="http://schemas.microsoft.com/office/powerpoint/2010/main" val="2869556612"/>
+      </p:ext>
+    </p:extLst>
+  </p:cSld>
+  <p:clrMapOvr>
+    <a:masterClrMapping/>
+  </p:clrMapOvr>
+</p:notes>
+</file>
+
+<file path=ppt/notesSlides/notesSlide2.xml><?xml version="1.0" encoding="utf-8"?>
+<p:notes xmlns:a="http://schemas.openxmlformats.org/drawingml/2006/main" xmlns:r="http://schemas.openxmlformats.org/officeDocument/2006/relationships" xmlns:p="http://schemas.openxmlformats.org/presentationml/2006/main">
+  <p:cSld>
+    <p:spTree>
+      <p:nvGrpSpPr>
+        <p:cNvPr id="1" name=""/>
+        <p:cNvGrpSpPr/>
+        <p:nvPr/>
+      </p:nvGrpSpPr>
+      <p:grpSpPr>
+        <a:xfrm>
+          <a:off x="0" y="0"/>
+          <a:ext cx="0" cy="0"/>
+          <a:chOff x="0" y="0"/>
+          <a:chExt cx="0" cy="0"/>
+        </a:xfrm>
+      </p:grpSpPr>
+      <p:sp>
+        <p:nvSpPr>
+          <p:cNvPr id="2" name="Slide Image Placeholder 1"/>
+          <p:cNvSpPr>
+            <a:spLocks noGrp="1" noRot="1" noChangeAspect="1"/>
+          </p:cNvSpPr>
+          <p:nvPr>
+            <p:ph type="sldImg"/>
+          </p:nvPr>
+        </p:nvSpPr>
+        <p:spPr/>
+      </p:sp>
+      <p:sp>
+        <p:nvSpPr>
+          <p:cNvPr id="3" name="Notes Placeholder 2"/>
+          <p:cNvSpPr>
+            <a:spLocks noGrp="1"/>
+          </p:cNvSpPr>
+          <p:nvPr>
+            <p:ph type="body" idx="1"/>
+          </p:nvPr>
+        </p:nvSpPr>
+        <p:spPr/>
+        <p:txBody>
+          <a:bodyPr/>
+          <a:lstStyle/>
+          <a:p>
+            <a:r>
+              <a:rPr lang="en-US" dirty="0"/>
+              <a:t>Tannyr</a:t>
+            </a:r>
+          </a:p>
+        </p:txBody>
+      </p:sp>
+      <p:sp>
+        <p:nvSpPr>
+          <p:cNvPr id="4" name="Slide Number Placeholder 3"/>
+          <p:cNvSpPr>
+            <a:spLocks noGrp="1"/>
+          </p:cNvSpPr>
+          <p:nvPr>
+            <p:ph type="sldNum" sz="quarter" idx="5"/>
+          </p:nvPr>
+        </p:nvSpPr>
+        <p:spPr/>
+        <p:txBody>
+          <a:bodyPr/>
+          <a:lstStyle/>
+          <a:p>
+            <a:fld id="{E30B86DD-1E4E-4BA9-90B9-02C65521F8DF}" type="slidenum">
+              <a:rPr lang="en-US" smtClean="0"/>
+              <a:t>3</a:t>
+            </a:fld>
+            <a:endParaRPr lang="en-US"/>
+          </a:p>
+        </p:txBody>
+      </p:sp>
+    </p:spTree>
+    <p:extLst>
+      <p:ext uri="{BB962C8B-B14F-4D97-AF65-F5344CB8AC3E}">
+        <p14:creationId xmlns:p14="http://schemas.microsoft.com/office/powerpoint/2010/main" val="2827476655"/>
+      </p:ext>
+    </p:extLst>
+  </p:cSld>
+  <p:clrMapOvr>
+    <a:masterClrMapping/>
+  </p:clrMapOvr>
+</p:notes>
+</file>
+
+<file path=ppt/notesSlides/notesSlide3.xml><?xml version="1.0" encoding="utf-8"?>
+<p:notes xmlns:a="http://schemas.openxmlformats.org/drawingml/2006/main" xmlns:r="http://schemas.openxmlformats.org/officeDocument/2006/relationships" xmlns:p="http://schemas.openxmlformats.org/presentationml/2006/main">
+  <p:cSld>
+    <p:spTree>
+      <p:nvGrpSpPr>
+        <p:cNvPr id="1" name=""/>
+        <p:cNvGrpSpPr/>
+        <p:nvPr/>
+      </p:nvGrpSpPr>
+      <p:grpSpPr>
+        <a:xfrm>
+          <a:off x="0" y="0"/>
+          <a:ext cx="0" cy="0"/>
+          <a:chOff x="0" y="0"/>
+          <a:chExt cx="0" cy="0"/>
+        </a:xfrm>
+      </p:grpSpPr>
+      <p:sp>
+        <p:nvSpPr>
+          <p:cNvPr id="2" name="Slide Image Placeholder 1"/>
+          <p:cNvSpPr>
+            <a:spLocks noGrp="1" noRot="1" noChangeAspect="1"/>
+          </p:cNvSpPr>
+          <p:nvPr>
+            <p:ph type="sldImg"/>
+          </p:nvPr>
+        </p:nvSpPr>
+        <p:spPr/>
+      </p:sp>
+      <p:sp>
+        <p:nvSpPr>
+          <p:cNvPr id="3" name="Notes Placeholder 2"/>
+          <p:cNvSpPr>
+            <a:spLocks noGrp="1"/>
+          </p:cNvSpPr>
+          <p:nvPr>
+            <p:ph type="body" idx="1"/>
+          </p:nvPr>
+        </p:nvSpPr>
+        <p:spPr/>
+        <p:txBody>
+          <a:bodyPr/>
+          <a:lstStyle/>
+          <a:p>
+            <a:r>
+              <a:rPr lang="en-US" dirty="0"/>
+              <a:t>Tannyr</a:t>
+            </a:r>
+          </a:p>
+        </p:txBody>
+      </p:sp>
+      <p:sp>
+        <p:nvSpPr>
+          <p:cNvPr id="4" name="Slide Number Placeholder 3"/>
+          <p:cNvSpPr>
+            <a:spLocks noGrp="1"/>
+          </p:cNvSpPr>
+          <p:nvPr>
+            <p:ph type="sldNum" sz="quarter" idx="5"/>
+          </p:nvPr>
+        </p:nvSpPr>
+        <p:spPr/>
+        <p:txBody>
+          <a:bodyPr/>
+          <a:lstStyle/>
+          <a:p>
+            <a:fld id="{E30B86DD-1E4E-4BA9-90B9-02C65521F8DF}" type="slidenum">
+              <a:rPr lang="en-US" smtClean="0"/>
+              <a:t>4</a:t>
+            </a:fld>
+            <a:endParaRPr lang="en-US"/>
+          </a:p>
+        </p:txBody>
+      </p:sp>
+    </p:spTree>
+    <p:extLst>
+      <p:ext uri="{BB962C8B-B14F-4D97-AF65-F5344CB8AC3E}">
+        <p14:creationId xmlns:p14="http://schemas.microsoft.com/office/powerpoint/2010/main" val="1195056078"/>
+      </p:ext>
+    </p:extLst>
+  </p:cSld>
+  <p:clrMapOvr>
+    <a:masterClrMapping/>
+  </p:clrMapOvr>
+</p:notes>
+</file>
+
+<file path=ppt/notesSlides/notesSlide4.xml><?xml version="1.0" encoding="utf-8"?>
+<p:notes xmlns:a="http://schemas.openxmlformats.org/drawingml/2006/main" xmlns:r="http://schemas.openxmlformats.org/officeDocument/2006/relationships" xmlns:p="http://schemas.openxmlformats.org/presentationml/2006/main">
+  <p:cSld>
+    <p:spTree>
+      <p:nvGrpSpPr>
+        <p:cNvPr id="1" name=""/>
+        <p:cNvGrpSpPr/>
+        <p:nvPr/>
+      </p:nvGrpSpPr>
+      <p:grpSpPr>
+        <a:xfrm>
+          <a:off x="0" y="0"/>
+          <a:ext cx="0" cy="0"/>
+          <a:chOff x="0" y="0"/>
+          <a:chExt cx="0" cy="0"/>
+        </a:xfrm>
+      </p:grpSpPr>
+      <p:sp>
+        <p:nvSpPr>
+          <p:cNvPr id="2" name="Slide Image Placeholder 1"/>
+          <p:cNvSpPr>
+            <a:spLocks noGrp="1" noRot="1" noChangeAspect="1"/>
+          </p:cNvSpPr>
+          <p:nvPr>
+            <p:ph type="sldImg"/>
+          </p:nvPr>
+        </p:nvSpPr>
+        <p:spPr/>
+      </p:sp>
+      <p:sp>
+        <p:nvSpPr>
+          <p:cNvPr id="3" name="Notes Placeholder 2"/>
+          <p:cNvSpPr>
+            <a:spLocks noGrp="1"/>
+          </p:cNvSpPr>
+          <p:nvPr>
+            <p:ph type="body" idx="1"/>
+          </p:nvPr>
+        </p:nvSpPr>
+        <p:spPr/>
+        <p:txBody>
+          <a:bodyPr/>
+          <a:lstStyle/>
+          <a:p>
+            <a:r>
+              <a:rPr lang="en-US" dirty="0"/>
+              <a:t>Tannyr</a:t>
+            </a:r>
+          </a:p>
+        </p:txBody>
+      </p:sp>
+      <p:sp>
+        <p:nvSpPr>
+          <p:cNvPr id="4" name="Slide Number Placeholder 3"/>
+          <p:cNvSpPr>
+            <a:spLocks noGrp="1"/>
+          </p:cNvSpPr>
+          <p:nvPr>
+            <p:ph type="sldNum" sz="quarter" idx="5"/>
+          </p:nvPr>
+        </p:nvSpPr>
+        <p:spPr/>
+        <p:txBody>
+          <a:bodyPr/>
+          <a:lstStyle/>
+          <a:p>
+            <a:fld id="{E30B86DD-1E4E-4BA9-90B9-02C65521F8DF}" type="slidenum">
+              <a:rPr lang="en-US" smtClean="0"/>
+              <a:t>5</a:t>
+            </a:fld>
+            <a:endParaRPr lang="en-US"/>
+          </a:p>
+        </p:txBody>
+      </p:sp>
+    </p:spTree>
+    <p:extLst>
+      <p:ext uri="{BB962C8B-B14F-4D97-AF65-F5344CB8AC3E}">
+        <p14:creationId xmlns:p14="http://schemas.microsoft.com/office/powerpoint/2010/main" val="2956292897"/>
+      </p:ext>
+    </p:extLst>
+  </p:cSld>
+  <p:clrMapOvr>
+    <a:masterClrMapping/>
+  </p:clrMapOvr>
+</p:notes>
+</file>
+
+<file path=ppt/notesSlides/notesSlide5.xml><?xml version="1.0" encoding="utf-8"?>
+<p:notes xmlns:a="http://schemas.openxmlformats.org/drawingml/2006/main" xmlns:r="http://schemas.openxmlformats.org/officeDocument/2006/relationships" xmlns:p="http://schemas.openxmlformats.org/presentationml/2006/main">
+  <p:cSld>
+    <p:spTree>
+      <p:nvGrpSpPr>
+        <p:cNvPr id="1" name=""/>
+        <p:cNvGrpSpPr/>
+        <p:nvPr/>
+      </p:nvGrpSpPr>
+      <p:grpSpPr>
+        <a:xfrm>
+          <a:off x="0" y="0"/>
+          <a:ext cx="0" cy="0"/>
+          <a:chOff x="0" y="0"/>
+          <a:chExt cx="0" cy="0"/>
+        </a:xfrm>
+      </p:grpSpPr>
+      <p:sp>
+        <p:nvSpPr>
+          <p:cNvPr id="2" name="Slide Image Placeholder 1"/>
+          <p:cNvSpPr>
+            <a:spLocks noGrp="1" noRot="1" noChangeAspect="1"/>
+          </p:cNvSpPr>
+          <p:nvPr>
+            <p:ph type="sldImg"/>
+          </p:nvPr>
+        </p:nvSpPr>
+        <p:spPr/>
+      </p:sp>
+      <p:sp>
+        <p:nvSpPr>
+          <p:cNvPr id="3" name="Notes Placeholder 2"/>
+          <p:cNvSpPr>
+            <a:spLocks noGrp="1"/>
+          </p:cNvSpPr>
+          <p:nvPr>
+            <p:ph type="body" idx="1"/>
+          </p:nvPr>
+        </p:nvSpPr>
+        <p:spPr/>
+        <p:txBody>
+          <a:bodyPr/>
+          <a:lstStyle/>
+          <a:p>
+            <a:r>
+              <a:rPr lang="en-US" dirty="0"/>
+              <a:t>Nathan</a:t>
+            </a:r>
+          </a:p>
+        </p:txBody>
+      </p:sp>
+      <p:sp>
+        <p:nvSpPr>
+          <p:cNvPr id="4" name="Slide Number Placeholder 3"/>
+          <p:cNvSpPr>
+            <a:spLocks noGrp="1"/>
+          </p:cNvSpPr>
+          <p:nvPr>
+            <p:ph type="sldNum" sz="quarter" idx="5"/>
+          </p:nvPr>
+        </p:nvSpPr>
+        <p:spPr/>
+        <p:txBody>
+          <a:bodyPr/>
+          <a:lstStyle/>
+          <a:p>
+            <a:fld id="{E30B86DD-1E4E-4BA9-90B9-02C65521F8DF}" type="slidenum">
+              <a:rPr lang="en-US" smtClean="0"/>
+              <a:t>6</a:t>
+            </a:fld>
+            <a:endParaRPr lang="en-US"/>
+          </a:p>
+        </p:txBody>
+      </p:sp>
+    </p:spTree>
+    <p:extLst>
+      <p:ext uri="{BB962C8B-B14F-4D97-AF65-F5344CB8AC3E}">
+        <p14:creationId xmlns:p14="http://schemas.microsoft.com/office/powerpoint/2010/main" val="1918727849"/>
+      </p:ext>
+    </p:extLst>
+  </p:cSld>
+  <p:clrMapOvr>
+    <a:masterClrMapping/>
+  </p:clrMapOvr>
+</p:notes>
+</file>
+
+<file path=ppt/notesSlides/notesSlide6.xml><?xml version="1.0" encoding="utf-8"?>
+<p:notes xmlns:a="http://schemas.openxmlformats.org/drawingml/2006/main" xmlns:r="http://schemas.openxmlformats.org/officeDocument/2006/relationships" xmlns:p="http://schemas.openxmlformats.org/presentationml/2006/main">
+  <p:cSld>
+    <p:spTree>
+      <p:nvGrpSpPr>
+        <p:cNvPr id="1" name=""/>
+        <p:cNvGrpSpPr/>
+        <p:nvPr/>
+      </p:nvGrpSpPr>
+      <p:grpSpPr>
+        <a:xfrm>
+          <a:off x="0" y="0"/>
+          <a:ext cx="0" cy="0"/>
+          <a:chOff x="0" y="0"/>
+          <a:chExt cx="0" cy="0"/>
+        </a:xfrm>
+      </p:grpSpPr>
+      <p:sp>
+        <p:nvSpPr>
+          <p:cNvPr id="2" name="Slide Image Placeholder 1"/>
+          <p:cNvSpPr>
+            <a:spLocks noGrp="1" noRot="1" noChangeAspect="1"/>
+          </p:cNvSpPr>
+          <p:nvPr>
+            <p:ph type="sldImg"/>
+          </p:nvPr>
+        </p:nvSpPr>
+        <p:spPr/>
+      </p:sp>
+      <p:sp>
+        <p:nvSpPr>
+          <p:cNvPr id="3" name="Notes Placeholder 2"/>
+          <p:cNvSpPr>
+            <a:spLocks noGrp="1"/>
+          </p:cNvSpPr>
+          <p:nvPr>
+            <p:ph type="body" idx="1"/>
+          </p:nvPr>
+        </p:nvSpPr>
+        <p:spPr/>
+        <p:txBody>
+          <a:bodyPr/>
+          <a:lstStyle/>
+          <a:p>
+            <a:r>
+              <a:rPr lang="en-US" dirty="0"/>
+              <a:t>Nathan</a:t>
+            </a:r>
+          </a:p>
+        </p:txBody>
+      </p:sp>
+      <p:sp>
+        <p:nvSpPr>
+          <p:cNvPr id="4" name="Slide Number Placeholder 3"/>
+          <p:cNvSpPr>
+            <a:spLocks noGrp="1"/>
+          </p:cNvSpPr>
+          <p:nvPr>
+            <p:ph type="sldNum" sz="quarter" idx="5"/>
+          </p:nvPr>
+        </p:nvSpPr>
+        <p:spPr/>
+        <p:txBody>
+          <a:bodyPr/>
+          <a:lstStyle/>
+          <a:p>
+            <a:fld id="{E30B86DD-1E4E-4BA9-90B9-02C65521F8DF}" type="slidenum">
+              <a:rPr lang="en-US" smtClean="0"/>
+              <a:t>7</a:t>
+            </a:fld>
+            <a:endParaRPr lang="en-US"/>
+          </a:p>
+        </p:txBody>
+      </p:sp>
+    </p:spTree>
+    <p:extLst>
+      <p:ext uri="{BB962C8B-B14F-4D97-AF65-F5344CB8AC3E}">
+        <p14:creationId xmlns:p14="http://schemas.microsoft.com/office/powerpoint/2010/main" val="3885815677"/>
+      </p:ext>
+    </p:extLst>
+  </p:cSld>
+  <p:clrMapOvr>
+    <a:masterClrMapping/>
+  </p:clrMapOvr>
+</p:notes>
+</file>
+
+<file path=ppt/notesSlides/notesSlide7.xml><?xml version="1.0" encoding="utf-8"?>
+<p:notes xmlns:a="http://schemas.openxmlformats.org/drawingml/2006/main" xmlns:r="http://schemas.openxmlformats.org/officeDocument/2006/relationships" xmlns:p="http://schemas.openxmlformats.org/presentationml/2006/main">
+  <p:cSld>
+    <p:spTree>
+      <p:nvGrpSpPr>
+        <p:cNvPr id="1" name=""/>
+        <p:cNvGrpSpPr/>
+        <p:nvPr/>
+      </p:nvGrpSpPr>
+      <p:grpSpPr>
+        <a:xfrm>
+          <a:off x="0" y="0"/>
+          <a:ext cx="0" cy="0"/>
+          <a:chOff x="0" y="0"/>
+          <a:chExt cx="0" cy="0"/>
+        </a:xfrm>
+      </p:grpSpPr>
+      <p:sp>
+        <p:nvSpPr>
+          <p:cNvPr id="2" name="Slide Image Placeholder 1"/>
+          <p:cNvSpPr>
+            <a:spLocks noGrp="1" noRot="1" noChangeAspect="1"/>
+          </p:cNvSpPr>
+          <p:nvPr>
+            <p:ph type="sldImg"/>
+          </p:nvPr>
+        </p:nvSpPr>
+        <p:spPr/>
+      </p:sp>
+      <p:sp>
+        <p:nvSpPr>
+          <p:cNvPr id="3" name="Notes Placeholder 2"/>
+          <p:cNvSpPr>
+            <a:spLocks noGrp="1"/>
+          </p:cNvSpPr>
+          <p:nvPr>
+            <p:ph type="body" idx="1"/>
+          </p:nvPr>
+        </p:nvSpPr>
+        <p:spPr/>
+        <p:txBody>
+          <a:bodyPr/>
+          <a:lstStyle/>
+          <a:p>
+            <a:r>
+              <a:rPr lang="en-US" dirty="0"/>
+              <a:t>Nathan</a:t>
+            </a:r>
+          </a:p>
+        </p:txBody>
+      </p:sp>
+      <p:sp>
+        <p:nvSpPr>
+          <p:cNvPr id="4" name="Slide Number Placeholder 3"/>
+          <p:cNvSpPr>
+            <a:spLocks noGrp="1"/>
+          </p:cNvSpPr>
+          <p:nvPr>
+            <p:ph type="sldNum" sz="quarter" idx="5"/>
+          </p:nvPr>
+        </p:nvSpPr>
+        <p:spPr/>
+        <p:txBody>
+          <a:bodyPr/>
+          <a:lstStyle/>
+          <a:p>
+            <a:fld id="{E30B86DD-1E4E-4BA9-90B9-02C65521F8DF}" type="slidenum">
+              <a:rPr lang="en-US" smtClean="0"/>
+              <a:t>8</a:t>
+            </a:fld>
+            <a:endParaRPr lang="en-US"/>
+          </a:p>
+        </p:txBody>
+      </p:sp>
+    </p:spTree>
+    <p:extLst>
+      <p:ext uri="{BB962C8B-B14F-4D97-AF65-F5344CB8AC3E}">
+        <p14:creationId xmlns:p14="http://schemas.microsoft.com/office/powerpoint/2010/main" val="1902545171"/>
+      </p:ext>
+    </p:extLst>
+  </p:cSld>
+  <p:clrMapOvr>
+    <a:masterClrMapping/>
+  </p:clrMapOvr>
+</p:notes>
+</file>
+
+<file path=ppt/notesSlides/notesSlide8.xml><?xml version="1.0" encoding="utf-8"?>
+<p:notes xmlns:a="http://schemas.openxmlformats.org/drawingml/2006/main" xmlns:r="http://schemas.openxmlformats.org/officeDocument/2006/relationships" xmlns:p="http://schemas.openxmlformats.org/presentationml/2006/main">
+  <p:cSld>
+    <p:spTree>
+      <p:nvGrpSpPr>
+        <p:cNvPr id="1" name=""/>
+        <p:cNvGrpSpPr/>
+        <p:nvPr/>
+      </p:nvGrpSpPr>
+      <p:grpSpPr>
+        <a:xfrm>
+          <a:off x="0" y="0"/>
+          <a:ext cx="0" cy="0"/>
+          <a:chOff x="0" y="0"/>
+          <a:chExt cx="0" cy="0"/>
+        </a:xfrm>
+      </p:grpSpPr>
+      <p:sp>
+        <p:nvSpPr>
+          <p:cNvPr id="2" name="Slide Image Placeholder 1"/>
+          <p:cNvSpPr>
+            <a:spLocks noGrp="1" noRot="1" noChangeAspect="1"/>
+          </p:cNvSpPr>
+          <p:nvPr>
+            <p:ph type="sldImg"/>
+          </p:nvPr>
+        </p:nvSpPr>
+        <p:spPr/>
+      </p:sp>
+      <p:sp>
+        <p:nvSpPr>
+          <p:cNvPr id="3" name="Notes Placeholder 2"/>
+          <p:cNvSpPr>
+            <a:spLocks noGrp="1"/>
+          </p:cNvSpPr>
+          <p:nvPr>
+            <p:ph type="body" idx="1"/>
+          </p:nvPr>
+        </p:nvSpPr>
+        <p:spPr/>
+        <p:txBody>
+          <a:bodyPr/>
+          <a:lstStyle/>
+          <a:p>
+            <a:r>
+              <a:rPr lang="en-US" dirty="0"/>
+              <a:t>Nathan</a:t>
+            </a:r>
+          </a:p>
+        </p:txBody>
+      </p:sp>
+      <p:sp>
+        <p:nvSpPr>
+          <p:cNvPr id="4" name="Slide Number Placeholder 3"/>
+          <p:cNvSpPr>
+            <a:spLocks noGrp="1"/>
+          </p:cNvSpPr>
+          <p:nvPr>
+            <p:ph type="sldNum" sz="quarter" idx="5"/>
+          </p:nvPr>
+        </p:nvSpPr>
+        <p:spPr/>
+        <p:txBody>
+          <a:bodyPr/>
+          <a:lstStyle/>
+          <a:p>
+            <a:fld id="{E30B86DD-1E4E-4BA9-90B9-02C65521F8DF}" type="slidenum">
+              <a:rPr lang="en-US" smtClean="0"/>
+              <a:t>9</a:t>
+            </a:fld>
+            <a:endParaRPr lang="en-US"/>
+          </a:p>
+        </p:txBody>
+      </p:sp>
+    </p:spTree>
+    <p:extLst>
+      <p:ext uri="{BB962C8B-B14F-4D97-AF65-F5344CB8AC3E}">
+        <p14:creationId xmlns:p14="http://schemas.microsoft.com/office/powerpoint/2010/main" val="2149630475"/>
+      </p:ext>
+    </p:extLst>
+  </p:cSld>
+  <p:clrMapOvr>
+    <a:masterClrMapping/>
+  </p:clrMapOvr>
+</p:notes>
+</file>
+
+<file path=ppt/notesSlides/notesSlide9.xml><?xml version="1.0" encoding="utf-8"?>
+<p:notes xmlns:a="http://schemas.openxmlformats.org/drawingml/2006/main" xmlns:r="http://schemas.openxmlformats.org/officeDocument/2006/relationships" xmlns:p="http://schemas.openxmlformats.org/presentationml/2006/main">
+  <p:cSld>
+    <p:spTree>
+      <p:nvGrpSpPr>
+        <p:cNvPr id="1" name=""/>
+        <p:cNvGrpSpPr/>
+        <p:nvPr/>
+      </p:nvGrpSpPr>
+      <p:grpSpPr>
+        <a:xfrm>
+          <a:off x="0" y="0"/>
+          <a:ext cx="0" cy="0"/>
+          <a:chOff x="0" y="0"/>
+          <a:chExt cx="0" cy="0"/>
+        </a:xfrm>
+      </p:grpSpPr>
+      <p:sp>
+        <p:nvSpPr>
+          <p:cNvPr id="2" name="Slide Image Placeholder 1"/>
+          <p:cNvSpPr>
+            <a:spLocks noGrp="1" noRot="1" noChangeAspect="1"/>
+          </p:cNvSpPr>
+          <p:nvPr>
+            <p:ph type="sldImg"/>
+          </p:nvPr>
+        </p:nvSpPr>
+        <p:spPr/>
+      </p:sp>
+      <p:sp>
+        <p:nvSpPr>
+          <p:cNvPr id="3" name="Notes Placeholder 2"/>
+          <p:cNvSpPr>
+            <a:spLocks noGrp="1"/>
+          </p:cNvSpPr>
+          <p:nvPr>
+            <p:ph type="body" idx="1"/>
+          </p:nvPr>
+        </p:nvSpPr>
+        <p:spPr/>
+        <p:txBody>
+          <a:bodyPr/>
+          <a:lstStyle/>
+          <a:p>
+            <a:r>
+              <a:rPr lang="en-US" dirty="0"/>
+              <a:t>Gannon</a:t>
+            </a:r>
+          </a:p>
+        </p:txBody>
+      </p:sp>
+      <p:sp>
+        <p:nvSpPr>
+          <p:cNvPr id="4" name="Slide Number Placeholder 3"/>
+          <p:cNvSpPr>
+            <a:spLocks noGrp="1"/>
+          </p:cNvSpPr>
+          <p:nvPr>
+            <p:ph type="sldNum" sz="quarter" idx="5"/>
+          </p:nvPr>
+        </p:nvSpPr>
+        <p:spPr/>
+        <p:txBody>
+          <a:bodyPr/>
+          <a:lstStyle/>
+          <a:p>
+            <a:fld id="{E30B86DD-1E4E-4BA9-90B9-02C65521F8DF}" type="slidenum">
+              <a:rPr lang="en-US" smtClean="0"/>
+              <a:t>10</a:t>
+            </a:fld>
+            <a:endParaRPr lang="en-US"/>
+          </a:p>
+        </p:txBody>
+      </p:sp>
+    </p:spTree>
+    <p:extLst>
+      <p:ext uri="{BB962C8B-B14F-4D97-AF65-F5344CB8AC3E}">
+        <p14:creationId xmlns:p14="http://schemas.microsoft.com/office/powerpoint/2010/main" val="3112269996"/>
+      </p:ext>
+    </p:extLst>
+  </p:cSld>
+  <p:clrMapOvr>
+    <a:masterClrMapping/>
+  </p:clrMapOvr>
+</p:notes>
 </file>
 
 <file path=ppt/slideLayouts/slideLayout1.xml><?xml version="1.0" encoding="utf-8"?>
@@ -4248,7 +5811,7 @@
           </p:nvPr>
         </p:nvPicPr>
         <p:blipFill>
-          <a:blip r:embed="rId2">
+          <a:blip r:embed="rId3">
             <a:extLst>
               <a:ext uri="{28A0092B-C50C-407E-A947-70E740481C1C}">
                 <a14:useLocalDpi xmlns:a14="http://schemas.microsoft.com/office/drawing/2010/main" val="0"/>
@@ -4261,7 +5824,7 @@
         </p:blipFill>
         <p:spPr>
           <a:xfrm>
-            <a:off x="3576554" y="1337187"/>
+            <a:off x="4776090" y="851156"/>
             <a:ext cx="5038892" cy="5155688"/>
           </a:xfrm>
         </p:spPr>
@@ -4301,7 +5864,7 @@
           <p:cNvPr id="2" name="Title 1">
             <a:extLst>
               <a:ext uri="{FF2B5EF4-FFF2-40B4-BE49-F238E27FC236}">
-                <a16:creationId xmlns:a16="http://schemas.microsoft.com/office/drawing/2014/main" id="{05A2DF96-20C7-747C-7E82-DC4FE967DFDF}"/>
+                <a16:creationId xmlns:a16="http://schemas.microsoft.com/office/drawing/2014/main" id="{B67A333E-5C75-96D2-6959-292C687D5673}"/>
               </a:ext>
             </a:extLst>
           </p:cNvPr>
@@ -4319,7 +5882,7 @@
           <a:p>
             <a:r>
               <a:rPr lang="en-US" dirty="0"/>
-              <a:t>Interfaces ?</a:t>
+              <a:t>Cost/Budget</a:t>
             </a:r>
           </a:p>
         </p:txBody>
@@ -4329,7 +5892,7 @@
           <p:cNvPr id="3" name="Content Placeholder 2">
             <a:extLst>
               <a:ext uri="{FF2B5EF4-FFF2-40B4-BE49-F238E27FC236}">
-                <a16:creationId xmlns:a16="http://schemas.microsoft.com/office/drawing/2014/main" id="{3839CEE8-F836-F00E-4173-836D6B3D3F54}"/>
+                <a16:creationId xmlns:a16="http://schemas.microsoft.com/office/drawing/2014/main" id="{0FF5FD38-A45D-7408-58B5-6DAAD75B63BB}"/>
               </a:ext>
             </a:extLst>
           </p:cNvPr>
@@ -4353,10 +5916,11 @@
                   </a:schemeClr>
                 </a:solidFill>
               </a:rPr>
-              <a:t>USB – Used for taking </a:t>
+              <a:t>Plan for two board revisions </a:t>
             </a:r>
           </a:p>
           <a:p>
+            <a:pPr lvl="1"/>
             <a:r>
               <a:rPr lang="en-US" dirty="0">
                 <a:solidFill>
@@ -4365,10 +5929,11 @@
                   </a:schemeClr>
                 </a:solidFill>
               </a:rPr>
-              <a:t>Microcontroller – ESP32 built in transceiver </a:t>
+              <a:t>First one cheaper with buttons for debugging.</a:t>
             </a:r>
           </a:p>
           <a:p>
+            <a:pPr lvl="1"/>
             <a:r>
               <a:rPr lang="en-US" dirty="0">
                 <a:solidFill>
@@ -4377,7 +5942,83 @@
                   </a:schemeClr>
                 </a:solidFill>
               </a:rPr>
-              <a:t>Sensors – SPI and I2C</a:t>
+              <a:t>Second revision to improve design and fly.</a:t>
+            </a:r>
+          </a:p>
+          <a:p>
+            <a:r>
+              <a:rPr lang="en-US" dirty="0">
+                <a:solidFill>
+                  <a:schemeClr val="accent5">
+                    <a:lumMod val="75000"/>
+                  </a:schemeClr>
+                </a:solidFill>
+              </a:rPr>
+              <a:t>First board Revision</a:t>
+            </a:r>
+          </a:p>
+          <a:p>
+            <a:pPr lvl="1"/>
+            <a:r>
+              <a:rPr lang="en-US" dirty="0">
+                <a:solidFill>
+                  <a:schemeClr val="accent5">
+                    <a:lumMod val="75000"/>
+                  </a:schemeClr>
+                </a:solidFill>
+              </a:rPr>
+              <a:t>PCB - $4.00</a:t>
+            </a:r>
+          </a:p>
+          <a:p>
+            <a:pPr lvl="1"/>
+            <a:r>
+              <a:rPr lang="en-US" dirty="0">
+                <a:solidFill>
+                  <a:schemeClr val="accent5">
+                    <a:lumMod val="75000"/>
+                  </a:schemeClr>
+                </a:solidFill>
+              </a:rPr>
+              <a:t>Temperature Sensor - $5.00</a:t>
+            </a:r>
+          </a:p>
+          <a:p>
+            <a:pPr lvl="1"/>
+            <a:r>
+              <a:rPr lang="en-US" dirty="0">
+                <a:solidFill>
+                  <a:schemeClr val="accent5">
+                    <a:lumMod val="75000"/>
+                  </a:schemeClr>
+                </a:solidFill>
+              </a:rPr>
+              <a:t>Microcontroller - $10.00</a:t>
+            </a:r>
+          </a:p>
+          <a:p>
+            <a:pPr lvl="1"/>
+            <a:r>
+              <a:rPr lang="en-US" dirty="0">
+                <a:solidFill>
+                  <a:schemeClr val="accent5">
+                    <a:lumMod val="75000"/>
+                  </a:schemeClr>
+                </a:solidFill>
+              </a:rPr>
+              <a:t>IMU - $30.00</a:t>
+            </a:r>
+          </a:p>
+          <a:p>
+            <a:r>
+              <a:rPr lang="en-US" dirty="0">
+                <a:solidFill>
+                  <a:schemeClr val="accent5">
+                    <a:lumMod val="75000"/>
+                  </a:schemeClr>
+                </a:solidFill>
+              </a:rPr>
+              <a:t>Total for first revision: $49.00</a:t>
             </a:r>
           </a:p>
         </p:txBody>
@@ -4385,7 +6026,7 @@
     </p:spTree>
     <p:extLst>
       <p:ext uri="{BB962C8B-B14F-4D97-AF65-F5344CB8AC3E}">
-        <p14:creationId xmlns:p14="http://schemas.microsoft.com/office/powerpoint/2010/main" val="1227231928"/>
+        <p14:creationId xmlns:p14="http://schemas.microsoft.com/office/powerpoint/2010/main" val="982414475"/>
       </p:ext>
     </p:extLst>
   </p:cSld>
@@ -4417,7 +6058,7 @@
           <p:cNvPr id="2" name="Title 1">
             <a:extLst>
               <a:ext uri="{FF2B5EF4-FFF2-40B4-BE49-F238E27FC236}">
-                <a16:creationId xmlns:a16="http://schemas.microsoft.com/office/drawing/2014/main" id="{B67A333E-5C75-96D2-6959-292C687D5673}"/>
+                <a16:creationId xmlns:a16="http://schemas.microsoft.com/office/drawing/2014/main" id="{65FEEB9D-C258-6356-E64F-0226C0C1E2D9}"/>
               </a:ext>
             </a:extLst>
           </p:cNvPr>
@@ -4435,7 +6076,7 @@
           <a:p>
             <a:r>
               <a:rPr lang="en-US" dirty="0"/>
-              <a:t>Cost/Budget</a:t>
+              <a:t>Feasibility Assessment/Risks</a:t>
             </a:r>
           </a:p>
         </p:txBody>
@@ -4445,7 +6086,7 @@
           <p:cNvPr id="3" name="Content Placeholder 2">
             <a:extLst>
               <a:ext uri="{FF2B5EF4-FFF2-40B4-BE49-F238E27FC236}">
-                <a16:creationId xmlns:a16="http://schemas.microsoft.com/office/drawing/2014/main" id="{0FF5FD38-A45D-7408-58B5-6DAAD75B63BB}"/>
+                <a16:creationId xmlns:a16="http://schemas.microsoft.com/office/drawing/2014/main" id="{8A3AF3FC-0E98-B368-78EC-704185C5ED60}"/>
               </a:ext>
             </a:extLst>
           </p:cNvPr>
@@ -4458,7 +6099,9 @@
         </p:nvSpPr>
         <p:spPr/>
         <p:txBody>
-          <a:bodyPr/>
+          <a:bodyPr>
+            <a:normAutofit lnSpcReduction="10000"/>
+          </a:bodyPr>
           <a:lstStyle/>
           <a:p>
             <a:r>
@@ -4469,7 +6112,7 @@
                   </a:schemeClr>
                 </a:solidFill>
               </a:rPr>
-              <a:t>Plan for two board revisions </a:t>
+              <a:t>Feasibility</a:t>
             </a:r>
           </a:p>
           <a:p>
@@ -4482,7 +6125,7 @@
                   </a:schemeClr>
                 </a:solidFill>
               </a:rPr>
-              <a:t>First one cheaper with buttons for debugging.</a:t>
+              <a:t>This project is feasible in our eyes. We must make sure to communicate well and stay on top of everything.</a:t>
             </a:r>
           </a:p>
           <a:p>
@@ -4495,7 +6138,7 @@
                   </a:schemeClr>
                 </a:solidFill>
               </a:rPr>
-              <a:t>Second revision to improve design and fly.</a:t>
+              <a:t>We have a good group that covers each other weaknesses. We have a balance between EE and CMPEN.</a:t>
             </a:r>
           </a:p>
           <a:p>
@@ -4507,7 +6150,7 @@
                   </a:schemeClr>
                 </a:solidFill>
               </a:rPr>
-              <a:t>First board Revision</a:t>
+              <a:t>Risks</a:t>
             </a:r>
           </a:p>
           <a:p>
@@ -4520,7 +6163,20 @@
                   </a:schemeClr>
                 </a:solidFill>
               </a:rPr>
-              <a:t>PCB - $4.00</a:t>
+              <a:t>Batteries</a:t>
+            </a:r>
+          </a:p>
+          <a:p>
+            <a:pPr lvl="2"/>
+            <a:r>
+              <a:rPr lang="en-US" dirty="0">
+                <a:solidFill>
+                  <a:schemeClr val="accent5">
+                    <a:lumMod val="75000"/>
+                  </a:schemeClr>
+                </a:solidFill>
+              </a:rPr>
+              <a:t>Overheating and damage to batteries can be a fire hazards.</a:t>
             </a:r>
           </a:p>
           <a:p>
@@ -4533,7 +6189,20 @@
                   </a:schemeClr>
                 </a:solidFill>
               </a:rPr>
-              <a:t>Temperature Sensor - $5.00</a:t>
+              <a:t>Over budget</a:t>
+            </a:r>
+          </a:p>
+          <a:p>
+            <a:pPr lvl="2"/>
+            <a:r>
+              <a:rPr lang="en-US" dirty="0">
+                <a:solidFill>
+                  <a:schemeClr val="accent5">
+                    <a:lumMod val="75000"/>
+                  </a:schemeClr>
+                </a:solidFill>
+              </a:rPr>
+              <a:t>Underestimating price of various components and going over asking budget.</a:t>
             </a:r>
           </a:p>
           <a:p>
@@ -4546,11 +6215,11 @@
                   </a:schemeClr>
                 </a:solidFill>
               </a:rPr>
-              <a:t>Microcontroller - $10.00</a:t>
+              <a:t>Vibration/Bad Flight</a:t>
             </a:r>
           </a:p>
           <a:p>
-            <a:pPr lvl="1"/>
+            <a:pPr lvl="2"/>
             <a:r>
               <a:rPr lang="en-US" dirty="0">
                 <a:solidFill>
@@ -4559,27 +6228,34 @@
                   </a:schemeClr>
                 </a:solidFill>
               </a:rPr>
-              <a:t>IMU - $30.00</a:t>
+              <a:t>If the rocket has a bad flight, it can rattle the electronics with vibrations.</a:t>
             </a:r>
           </a:p>
           <a:p>
-            <a:r>
-              <a:rPr lang="en-US" dirty="0">
-                <a:solidFill>
-                  <a:schemeClr val="accent5">
-                    <a:lumMod val="75000"/>
-                  </a:schemeClr>
-                </a:solidFill>
-              </a:rPr>
-              <a:t>Total for first revision: $49.00</a:t>
-            </a:r>
+            <a:pPr lvl="1"/>
+            <a:endParaRPr lang="en-US" dirty="0">
+              <a:solidFill>
+                <a:schemeClr val="accent5">
+                  <a:lumMod val="75000"/>
+                </a:schemeClr>
+              </a:solidFill>
+            </a:endParaRPr>
+          </a:p>
+          <a:p>
+            <a:endParaRPr lang="en-US" dirty="0">
+              <a:solidFill>
+                <a:schemeClr val="accent5">
+                  <a:lumMod val="75000"/>
+                </a:schemeClr>
+              </a:solidFill>
+            </a:endParaRPr>
           </a:p>
         </p:txBody>
       </p:sp>
     </p:spTree>
     <p:extLst>
       <p:ext uri="{BB962C8B-B14F-4D97-AF65-F5344CB8AC3E}">
-        <p14:creationId xmlns:p14="http://schemas.microsoft.com/office/powerpoint/2010/main" val="982414475"/>
+        <p14:creationId xmlns:p14="http://schemas.microsoft.com/office/powerpoint/2010/main" val="1862518142"/>
       </p:ext>
     </p:extLst>
   </p:cSld>
@@ -4629,7 +6305,7 @@
           <a:p>
             <a:r>
               <a:rPr lang="en-US" dirty="0"/>
-              <a:t>Feasibility Assessment/Risks</a:t>
+              <a:t>Conclusion</a:t>
             </a:r>
           </a:p>
         </p:txBody>
@@ -4663,207 +6339,6 @@
                   </a:schemeClr>
                 </a:solidFill>
               </a:rPr>
-              <a:t>Feasibility</a:t>
-            </a:r>
-          </a:p>
-          <a:p>
-            <a:pPr lvl="1"/>
-            <a:r>
-              <a:rPr lang="en-US" dirty="0">
-                <a:solidFill>
-                  <a:schemeClr val="accent5">
-                    <a:lumMod val="75000"/>
-                  </a:schemeClr>
-                </a:solidFill>
-              </a:rPr>
-              <a:t>This project is feasible in our eyes. We must make sure to communicate well and stay on top of everything</a:t>
-            </a:r>
-          </a:p>
-          <a:p>
-            <a:pPr lvl="1"/>
-            <a:r>
-              <a:rPr lang="en-US" dirty="0">
-                <a:solidFill>
-                  <a:schemeClr val="accent5">
-                    <a:lumMod val="75000"/>
-                  </a:schemeClr>
-                </a:solidFill>
-              </a:rPr>
-              <a:t>We have a good group that covers each other weaknesses.</a:t>
-            </a:r>
-          </a:p>
-          <a:p>
-            <a:r>
-              <a:rPr lang="en-US" dirty="0">
-                <a:solidFill>
-                  <a:schemeClr val="accent5">
-                    <a:lumMod val="75000"/>
-                  </a:schemeClr>
-                </a:solidFill>
-              </a:rPr>
-              <a:t>Risks</a:t>
-            </a:r>
-          </a:p>
-          <a:p>
-            <a:pPr lvl="1"/>
-            <a:r>
-              <a:rPr lang="en-US" dirty="0">
-                <a:solidFill>
-                  <a:schemeClr val="accent5">
-                    <a:lumMod val="75000"/>
-                  </a:schemeClr>
-                </a:solidFill>
-              </a:rPr>
-              <a:t>Batteries</a:t>
-            </a:r>
-          </a:p>
-          <a:p>
-            <a:pPr lvl="2"/>
-            <a:r>
-              <a:rPr lang="en-US" dirty="0">
-                <a:solidFill>
-                  <a:schemeClr val="accent5">
-                    <a:lumMod val="75000"/>
-                  </a:schemeClr>
-                </a:solidFill>
-              </a:rPr>
-              <a:t>Overheating and damage to batteries can be a fire hazards.</a:t>
-            </a:r>
-          </a:p>
-          <a:p>
-            <a:pPr lvl="1"/>
-            <a:r>
-              <a:rPr lang="en-US" dirty="0">
-                <a:solidFill>
-                  <a:schemeClr val="accent5">
-                    <a:lumMod val="75000"/>
-                  </a:schemeClr>
-                </a:solidFill>
-              </a:rPr>
-              <a:t>Over budget</a:t>
-            </a:r>
-          </a:p>
-          <a:p>
-            <a:pPr lvl="2"/>
-            <a:r>
-              <a:rPr lang="en-US" dirty="0">
-                <a:solidFill>
-                  <a:schemeClr val="accent5">
-                    <a:lumMod val="75000"/>
-                  </a:schemeClr>
-                </a:solidFill>
-              </a:rPr>
-              <a:t>Underestimating price of various components and going over asking budget.</a:t>
-            </a:r>
-          </a:p>
-          <a:p>
-            <a:pPr lvl="1"/>
-            <a:endParaRPr lang="en-US" dirty="0">
-              <a:solidFill>
-                <a:schemeClr val="accent5">
-                  <a:lumMod val="75000"/>
-                </a:schemeClr>
-              </a:solidFill>
-            </a:endParaRPr>
-          </a:p>
-          <a:p>
-            <a:endParaRPr lang="en-US" dirty="0">
-              <a:solidFill>
-                <a:schemeClr val="accent5">
-                  <a:lumMod val="75000"/>
-                </a:schemeClr>
-              </a:solidFill>
-            </a:endParaRPr>
-          </a:p>
-        </p:txBody>
-      </p:sp>
-    </p:spTree>
-    <p:extLst>
-      <p:ext uri="{BB962C8B-B14F-4D97-AF65-F5344CB8AC3E}">
-        <p14:creationId xmlns:p14="http://schemas.microsoft.com/office/powerpoint/2010/main" val="1862518142"/>
-      </p:ext>
-    </p:extLst>
-  </p:cSld>
-  <p:clrMapOvr>
-    <a:masterClrMapping/>
-  </p:clrMapOvr>
-</p:sld>
-</file>
-
-<file path=ppt/slides/slide15.xml><?xml version="1.0" encoding="utf-8"?>
-<p:sld xmlns:a="http://schemas.openxmlformats.org/drawingml/2006/main" xmlns:r="http://schemas.openxmlformats.org/officeDocument/2006/relationships" xmlns:p="http://schemas.openxmlformats.org/presentationml/2006/main">
-  <p:cSld>
-    <p:spTree>
-      <p:nvGrpSpPr>
-        <p:cNvPr id="1" name=""/>
-        <p:cNvGrpSpPr/>
-        <p:nvPr/>
-      </p:nvGrpSpPr>
-      <p:grpSpPr>
-        <a:xfrm>
-          <a:off x="0" y="0"/>
-          <a:ext cx="0" cy="0"/>
-          <a:chOff x="0" y="0"/>
-          <a:chExt cx="0" cy="0"/>
-        </a:xfrm>
-      </p:grpSpPr>
-      <p:sp>
-        <p:nvSpPr>
-          <p:cNvPr id="2" name="Title 1">
-            <a:extLst>
-              <a:ext uri="{FF2B5EF4-FFF2-40B4-BE49-F238E27FC236}">
-                <a16:creationId xmlns:a16="http://schemas.microsoft.com/office/drawing/2014/main" id="{65FEEB9D-C258-6356-E64F-0226C0C1E2D9}"/>
-              </a:ext>
-            </a:extLst>
-          </p:cNvPr>
-          <p:cNvSpPr>
-            <a:spLocks noGrp="1"/>
-          </p:cNvSpPr>
-          <p:nvPr>
-            <p:ph type="title"/>
-          </p:nvPr>
-        </p:nvSpPr>
-        <p:spPr/>
-        <p:txBody>
-          <a:bodyPr/>
-          <a:lstStyle/>
-          <a:p>
-            <a:r>
-              <a:rPr lang="en-US" dirty="0"/>
-              <a:t>Conclusion</a:t>
-            </a:r>
-          </a:p>
-        </p:txBody>
-      </p:sp>
-      <p:sp>
-        <p:nvSpPr>
-          <p:cNvPr id="3" name="Content Placeholder 2">
-            <a:extLst>
-              <a:ext uri="{FF2B5EF4-FFF2-40B4-BE49-F238E27FC236}">
-                <a16:creationId xmlns:a16="http://schemas.microsoft.com/office/drawing/2014/main" id="{8A3AF3FC-0E98-B368-78EC-704185C5ED60}"/>
-              </a:ext>
-            </a:extLst>
-          </p:cNvPr>
-          <p:cNvSpPr>
-            <a:spLocks noGrp="1"/>
-          </p:cNvSpPr>
-          <p:nvPr>
-            <p:ph idx="1"/>
-          </p:nvPr>
-        </p:nvSpPr>
-        <p:spPr/>
-        <p:txBody>
-          <a:bodyPr/>
-          <a:lstStyle/>
-          <a:p>
-            <a:r>
-              <a:rPr lang="en-US" dirty="0">
-                <a:solidFill>
-                  <a:schemeClr val="accent5">
-                    <a:lumMod val="75000"/>
-                  </a:schemeClr>
-                </a:solidFill>
-              </a:rPr>
               <a:t>Our Choice:</a:t>
             </a:r>
           </a:p>
@@ -4943,7 +6418,7 @@
 </p:sld>
 </file>
 
-<file path=ppt/slides/slide16.xml><?xml version="1.0" encoding="utf-8"?>
+<file path=ppt/slides/slide15.xml><?xml version="1.0" encoding="utf-8"?>
 <p:sld xmlns:a="http://schemas.openxmlformats.org/drawingml/2006/main" xmlns:r="http://schemas.openxmlformats.org/officeDocument/2006/relationships" xmlns:p="http://schemas.openxmlformats.org/presentationml/2006/main">
   <p:cSld>
     <p:bg>
@@ -5762,7 +7237,7 @@
           <a:p>
             <a:r>
               <a:rPr lang="en-US" dirty="0"/>
-              <a:t>Purpose and Objective ?</a:t>
+              <a:t>Purpose and Objective</a:t>
             </a:r>
           </a:p>
         </p:txBody>
@@ -14867,7 +16342,331 @@
 </a:theme>
 </file>
 
+<file path=ppt/theme/theme2.xml><?xml version="1.0" encoding="utf-8"?>
+<a:theme xmlns:a="http://schemas.openxmlformats.org/drawingml/2006/main" name="Office Theme">
+  <a:themeElements>
+    <a:clrScheme name="Office">
+      <a:dk1>
+        <a:sysClr val="windowText" lastClr="000000"/>
+      </a:dk1>
+      <a:lt1>
+        <a:sysClr val="window" lastClr="FFFFFF"/>
+      </a:lt1>
+      <a:dk2>
+        <a:srgbClr val="0E2841"/>
+      </a:dk2>
+      <a:lt2>
+        <a:srgbClr val="E8E8E8"/>
+      </a:lt2>
+      <a:accent1>
+        <a:srgbClr val="156082"/>
+      </a:accent1>
+      <a:accent2>
+        <a:srgbClr val="E97132"/>
+      </a:accent2>
+      <a:accent3>
+        <a:srgbClr val="196B24"/>
+      </a:accent3>
+      <a:accent4>
+        <a:srgbClr val="0F9ED5"/>
+      </a:accent4>
+      <a:accent5>
+        <a:srgbClr val="A02B93"/>
+      </a:accent5>
+      <a:accent6>
+        <a:srgbClr val="4EA72E"/>
+      </a:accent6>
+      <a:hlink>
+        <a:srgbClr val="467886"/>
+      </a:hlink>
+      <a:folHlink>
+        <a:srgbClr val="96607D"/>
+      </a:folHlink>
+    </a:clrScheme>
+    <a:fontScheme name="Office">
+      <a:majorFont>
+        <a:latin typeface="Aptos Display" panose="02110004020202020204"/>
+        <a:ea typeface=""/>
+        <a:cs typeface=""/>
+        <a:font script="Jpan" typeface="游ゴシック Light"/>
+        <a:font script="Hang" typeface="맑은 고딕"/>
+        <a:font script="Hans" typeface="等线 Light"/>
+        <a:font script="Hant" typeface="新細明體"/>
+        <a:font script="Arab" typeface="Times New Roman"/>
+        <a:font script="Hebr" typeface="Times New Roman"/>
+        <a:font script="Thai" typeface="Angsana New"/>
+        <a:font script="Ethi" typeface="Nyala"/>
+        <a:font script="Beng" typeface="Vrinda"/>
+        <a:font script="Gujr" typeface="Shruti"/>
+        <a:font script="Khmr" typeface="MoolBoran"/>
+        <a:font script="Knda" typeface="Tunga"/>
+        <a:font script="Guru" typeface="Raavi"/>
+        <a:font script="Cans" typeface="Euphemia"/>
+        <a:font script="Cher" typeface="Plantagenet Cherokee"/>
+        <a:font script="Yiii" typeface="Microsoft Yi Baiti"/>
+        <a:font script="Tibt" typeface="Microsoft Himalaya"/>
+        <a:font script="Thaa" typeface="MV Boli"/>
+        <a:font script="Deva" typeface="Mangal"/>
+        <a:font script="Telu" typeface="Gautami"/>
+        <a:font script="Taml" typeface="Latha"/>
+        <a:font script="Syrc" typeface="Estrangelo Edessa"/>
+        <a:font script="Orya" typeface="Kalinga"/>
+        <a:font script="Mlym" typeface="Kartika"/>
+        <a:font script="Laoo" typeface="DokChampa"/>
+        <a:font script="Sinh" typeface="Iskoola Pota"/>
+        <a:font script="Mong" typeface="Mongolian Baiti"/>
+        <a:font script="Viet" typeface="Times New Roman"/>
+        <a:font script="Uigh" typeface="Microsoft Uighur"/>
+        <a:font script="Geor" typeface="Sylfaen"/>
+        <a:font script="Armn" typeface="Arial"/>
+        <a:font script="Bugi" typeface="Leelawadee UI"/>
+        <a:font script="Bopo" typeface="Microsoft JhengHei"/>
+        <a:font script="Java" typeface="Javanese Text"/>
+        <a:font script="Lisu" typeface="Segoe UI"/>
+        <a:font script="Mymr" typeface="Myanmar Text"/>
+        <a:font script="Nkoo" typeface="Ebrima"/>
+        <a:font script="Olck" typeface="Nirmala UI"/>
+        <a:font script="Osma" typeface="Ebrima"/>
+        <a:font script="Phag" typeface="Phagspa"/>
+        <a:font script="Syrn" typeface="Estrangelo Edessa"/>
+        <a:font script="Syrj" typeface="Estrangelo Edessa"/>
+        <a:font script="Syre" typeface="Estrangelo Edessa"/>
+        <a:font script="Sora" typeface="Nirmala UI"/>
+        <a:font script="Tale" typeface="Microsoft Tai Le"/>
+        <a:font script="Talu" typeface="Microsoft New Tai Lue"/>
+        <a:font script="Tfng" typeface="Ebrima"/>
+      </a:majorFont>
+      <a:minorFont>
+        <a:latin typeface="Aptos" panose="02110004020202020204"/>
+        <a:ea typeface=""/>
+        <a:cs typeface=""/>
+        <a:font script="Jpan" typeface="游ゴシック"/>
+        <a:font script="Hang" typeface="맑은 고딕"/>
+        <a:font script="Hans" typeface="等线"/>
+        <a:font script="Hant" typeface="新細明體"/>
+        <a:font script="Arab" typeface="Arial"/>
+        <a:font script="Hebr" typeface="Arial"/>
+        <a:font script="Thai" typeface="Cordia New"/>
+        <a:font script="Ethi" typeface="Nyala"/>
+        <a:font script="Beng" typeface="Vrinda"/>
+        <a:font script="Gujr" typeface="Shruti"/>
+        <a:font script="Khmr" typeface="DaunPenh"/>
+        <a:font script="Knda" typeface="Tunga"/>
+        <a:font script="Guru" typeface="Raavi"/>
+        <a:font script="Cans" typeface="Euphemia"/>
+        <a:font script="Cher" typeface="Plantagenet Cherokee"/>
+        <a:font script="Yiii" typeface="Microsoft Yi Baiti"/>
+        <a:font script="Tibt" typeface="Microsoft Himalaya"/>
+        <a:font script="Thaa" typeface="MV Boli"/>
+        <a:font script="Deva" typeface="Mangal"/>
+        <a:font script="Telu" typeface="Gautami"/>
+        <a:font script="Taml" typeface="Latha"/>
+        <a:font script="Syrc" typeface="Estrangelo Edessa"/>
+        <a:font script="Orya" typeface="Kalinga"/>
+        <a:font script="Mlym" typeface="Kartika"/>
+        <a:font script="Laoo" typeface="DokChampa"/>
+        <a:font script="Sinh" typeface="Iskoola Pota"/>
+        <a:font script="Mong" typeface="Mongolian Baiti"/>
+        <a:font script="Viet" typeface="Arial"/>
+        <a:font script="Uigh" typeface="Microsoft Uighur"/>
+        <a:font script="Geor" typeface="Sylfaen"/>
+        <a:font script="Armn" typeface="Arial"/>
+        <a:font script="Bugi" typeface="Leelawadee UI"/>
+        <a:font script="Bopo" typeface="Microsoft JhengHei"/>
+        <a:font script="Java" typeface="Javanese Text"/>
+        <a:font script="Lisu" typeface="Segoe UI"/>
+        <a:font script="Mymr" typeface="Myanmar Text"/>
+        <a:font script="Nkoo" typeface="Ebrima"/>
+        <a:font script="Olck" typeface="Nirmala UI"/>
+        <a:font script="Osma" typeface="Ebrima"/>
+        <a:font script="Phag" typeface="Phagspa"/>
+        <a:font script="Syrn" typeface="Estrangelo Edessa"/>
+        <a:font script="Syrj" typeface="Estrangelo Edessa"/>
+        <a:font script="Syre" typeface="Estrangelo Edessa"/>
+        <a:font script="Sora" typeface="Nirmala UI"/>
+        <a:font script="Tale" typeface="Microsoft Tai Le"/>
+        <a:font script="Talu" typeface="Microsoft New Tai Lue"/>
+        <a:font script="Tfng" typeface="Ebrima"/>
+      </a:minorFont>
+    </a:fontScheme>
+    <a:fmtScheme name="Office">
+      <a:fillStyleLst>
+        <a:solidFill>
+          <a:schemeClr val="phClr"/>
+        </a:solidFill>
+        <a:gradFill rotWithShape="1">
+          <a:gsLst>
+            <a:gs pos="0">
+              <a:schemeClr val="phClr">
+                <a:lumMod val="110000"/>
+                <a:satMod val="105000"/>
+                <a:tint val="67000"/>
+              </a:schemeClr>
+            </a:gs>
+            <a:gs pos="50000">
+              <a:schemeClr val="phClr">
+                <a:lumMod val="105000"/>
+                <a:satMod val="103000"/>
+                <a:tint val="73000"/>
+              </a:schemeClr>
+            </a:gs>
+            <a:gs pos="100000">
+              <a:schemeClr val="phClr">
+                <a:lumMod val="105000"/>
+                <a:satMod val="109000"/>
+                <a:tint val="81000"/>
+              </a:schemeClr>
+            </a:gs>
+          </a:gsLst>
+          <a:lin ang="5400000" scaled="0"/>
+        </a:gradFill>
+        <a:gradFill rotWithShape="1">
+          <a:gsLst>
+            <a:gs pos="0">
+              <a:schemeClr val="phClr">
+                <a:satMod val="103000"/>
+                <a:lumMod val="102000"/>
+                <a:tint val="94000"/>
+              </a:schemeClr>
+            </a:gs>
+            <a:gs pos="50000">
+              <a:schemeClr val="phClr">
+                <a:satMod val="110000"/>
+                <a:lumMod val="100000"/>
+                <a:shade val="100000"/>
+              </a:schemeClr>
+            </a:gs>
+            <a:gs pos="100000">
+              <a:schemeClr val="phClr">
+                <a:lumMod val="99000"/>
+                <a:satMod val="120000"/>
+                <a:shade val="78000"/>
+              </a:schemeClr>
+            </a:gs>
+          </a:gsLst>
+          <a:lin ang="5400000" scaled="0"/>
+        </a:gradFill>
+      </a:fillStyleLst>
+      <a:lnStyleLst>
+        <a:ln w="12700" cap="flat" cmpd="sng" algn="ctr">
+          <a:solidFill>
+            <a:schemeClr val="phClr"/>
+          </a:solidFill>
+          <a:prstDash val="solid"/>
+          <a:miter lim="800000"/>
+        </a:ln>
+        <a:ln w="19050" cap="flat" cmpd="sng" algn="ctr">
+          <a:solidFill>
+            <a:schemeClr val="phClr"/>
+          </a:solidFill>
+          <a:prstDash val="solid"/>
+          <a:miter lim="800000"/>
+        </a:ln>
+        <a:ln w="25400" cap="flat" cmpd="sng" algn="ctr">
+          <a:solidFill>
+            <a:schemeClr val="phClr"/>
+          </a:solidFill>
+          <a:prstDash val="solid"/>
+          <a:miter lim="800000"/>
+        </a:ln>
+      </a:lnStyleLst>
+      <a:effectStyleLst>
+        <a:effectStyle>
+          <a:effectLst/>
+        </a:effectStyle>
+        <a:effectStyle>
+          <a:effectLst/>
+        </a:effectStyle>
+        <a:effectStyle>
+          <a:effectLst>
+            <a:outerShdw blurRad="57150" dist="19050" dir="5400000" algn="ctr" rotWithShape="0">
+              <a:srgbClr val="000000">
+                <a:alpha val="63000"/>
+              </a:srgbClr>
+            </a:outerShdw>
+          </a:effectLst>
+        </a:effectStyle>
+      </a:effectStyleLst>
+      <a:bgFillStyleLst>
+        <a:solidFill>
+          <a:schemeClr val="phClr"/>
+        </a:solidFill>
+        <a:solidFill>
+          <a:schemeClr val="phClr">
+            <a:tint val="95000"/>
+            <a:satMod val="170000"/>
+          </a:schemeClr>
+        </a:solidFill>
+        <a:gradFill rotWithShape="1">
+          <a:gsLst>
+            <a:gs pos="0">
+              <a:schemeClr val="phClr">
+                <a:tint val="93000"/>
+                <a:satMod val="150000"/>
+                <a:shade val="98000"/>
+                <a:lumMod val="102000"/>
+              </a:schemeClr>
+            </a:gs>
+            <a:gs pos="50000">
+              <a:schemeClr val="phClr">
+                <a:tint val="98000"/>
+                <a:satMod val="130000"/>
+                <a:shade val="90000"/>
+                <a:lumMod val="103000"/>
+              </a:schemeClr>
+            </a:gs>
+            <a:gs pos="100000">
+              <a:schemeClr val="phClr">
+                <a:shade val="63000"/>
+                <a:satMod val="120000"/>
+              </a:schemeClr>
+            </a:gs>
+          </a:gsLst>
+          <a:lin ang="5400000" scaled="0"/>
+        </a:gradFill>
+      </a:bgFillStyleLst>
+    </a:fmtScheme>
+  </a:themeElements>
+  <a:objectDefaults>
+    <a:lnDef>
+      <a:spPr/>
+      <a:bodyPr/>
+      <a:lstStyle/>
+      <a:style>
+        <a:lnRef idx="2">
+          <a:schemeClr val="accent1"/>
+        </a:lnRef>
+        <a:fillRef idx="0">
+          <a:schemeClr val="accent1"/>
+        </a:fillRef>
+        <a:effectRef idx="1">
+          <a:schemeClr val="accent1"/>
+        </a:effectRef>
+        <a:fontRef idx="minor">
+          <a:schemeClr val="tx1"/>
+        </a:fontRef>
+      </a:style>
+    </a:lnDef>
+  </a:objectDefaults>
+  <a:extraClrSchemeLst/>
+  <a:extLst>
+    <a:ext uri="{05A4C25C-085E-4340-85A3-A5531E510DB2}">
+      <thm15:themeFamily xmlns:thm15="http://schemas.microsoft.com/office/thememl/2012/main" name="Office Theme" id="{2E142A2C-CD16-42D6-873A-C26D2A0506FA}" vid="{1BDDFF52-6CD6-40A5-AB3C-68EB2F1E4D0A}"/>
+    </a:ext>
+  </a:extLst>
+</a:theme>
+</file>
+
 <file path=customXml/item1.xml><?xml version="1.0" encoding="utf-8"?>
+<?mso-contentType ?>
+<FormTemplates xmlns="http://schemas.microsoft.com/sharepoint/v3/contenttype/forms">
+  <Display>DocumentLibraryForm</Display>
+  <Edit>DocumentLibraryForm</Edit>
+  <New>DocumentLibraryForm</New>
+</FormTemplates>
+</file>
+
+<file path=customXml/item2.xml><?xml version="1.0" encoding="utf-8"?>
 <ct:contentTypeSchema xmlns:ct="http://schemas.microsoft.com/office/2006/metadata/contentType" xmlns:ma="http://schemas.microsoft.com/office/2006/metadata/properties/metaAttributes" ct:_="" ma:_="" ma:contentTypeName="Document" ma:contentTypeID="0x0101009ADC84C2C2689F418E5BAD3CA70F51C1" ma:contentTypeVersion="15" ma:contentTypeDescription="Create a new document." ma:contentTypeScope="" ma:versionID="dfa36a507fa972b0dae0ef5557aeb3eb">
   <xsd:schema xmlns:xsd="http://www.w3.org/2001/XMLSchema" xmlns:xs="http://www.w3.org/2001/XMLSchema" xmlns:p="http://schemas.microsoft.com/office/2006/metadata/properties" xmlns:ns3="218cae68-0ddc-43bb-9a29-52a0402d6cb9" xmlns:ns4="703aeb73-56ce-48f3-9277-f60cff690132" targetNamespace="http://schemas.microsoft.com/office/2006/metadata/properties" ma:root="true" ma:fieldsID="cb78c5b39430d5080de0e1d97c12cd45" ns3:_="" ns4:_="">
     <xsd:import namespace="218cae68-0ddc-43bb-9a29-52a0402d6cb9"/>
@@ -15100,15 +16899,6 @@
 </ct:contentTypeSchema>
 </file>
 
-<file path=customXml/item2.xml><?xml version="1.0" encoding="utf-8"?>
-<?mso-contentType ?>
-<FormTemplates xmlns="http://schemas.microsoft.com/sharepoint/v3/contenttype/forms">
-  <Display>DocumentLibraryForm</Display>
-  <Edit>DocumentLibraryForm</Edit>
-  <New>DocumentLibraryForm</New>
-</FormTemplates>
-</file>
-
 <file path=customXml/item3.xml><?xml version="1.0" encoding="utf-8"?>
 <p:properties xmlns:p="http://schemas.microsoft.com/office/2006/metadata/properties" xmlns:xsi="http://www.w3.org/2001/XMLSchema-instance" xmlns:pc="http://schemas.microsoft.com/office/infopath/2007/PartnerControls">
   <documentManagement>
@@ -15118,6 +16908,14 @@
 </file>
 
 <file path=customXml/itemProps1.xml><?xml version="1.0" encoding="utf-8"?>
+<ds:datastoreItem xmlns:ds="http://schemas.openxmlformats.org/officeDocument/2006/customXml" ds:itemID="{3A69843A-82BD-41BC-9CFD-7A6BCBCF50D4}">
+  <ds:schemaRefs>
+    <ds:schemaRef ds:uri="http://schemas.microsoft.com/sharepoint/v3/contenttype/forms"/>
+  </ds:schemaRefs>
+</ds:datastoreItem>
+</file>
+
+<file path=customXml/itemProps2.xml><?xml version="1.0" encoding="utf-8"?>
 <ds:datastoreItem xmlns:ds="http://schemas.openxmlformats.org/officeDocument/2006/customXml" ds:itemID="{0058B037-F10E-47D7-816C-415ABC0EB55F}">
   <ds:schemaRefs>
     <ds:schemaRef ds:uri="http://schemas.microsoft.com/office/2006/metadata/contentType"/>
@@ -15132,14 +16930,6 @@
     <ds:schemaRef ds:uri="http://purl.org/dc/elements/1.1/"/>
     <ds:schemaRef ds:uri="http://purl.org/dc/terms/"/>
     <ds:schemaRef ds:uri="http://schemas.microsoft.com/internal/obd"/>
-  </ds:schemaRefs>
-</ds:datastoreItem>
-</file>
-
-<file path=customXml/itemProps2.xml><?xml version="1.0" encoding="utf-8"?>
-<ds:datastoreItem xmlns:ds="http://schemas.openxmlformats.org/officeDocument/2006/customXml" ds:itemID="{3A69843A-82BD-41BC-9CFD-7A6BCBCF50D4}">
-  <ds:schemaRefs>
-    <ds:schemaRef ds:uri="http://schemas.microsoft.com/sharepoint/v3/contenttype/forms"/>
   </ds:schemaRefs>
 </ds:datastoreItem>
 </file>

--- a/Documents/CDR/CDR_Presentation.pptx
+++ b/Documents/CDR/CDR_Presentation.pptx
@@ -11831,7 +11831,7 @@
                   </a:schemeClr>
                 </a:solidFill>
               </a:rPr>
-              <a:t>Microcontrollers are powerful small computers used on a single integrated circuit. They can range rapidly in variety when it coms to processing power, input/output capabilities, and data storage.</a:t>
+              <a:t>Microcontrollers are powerful small computers used on a single integrated circuit. They can range rapidly in variety when it comes to processing power, input/output capabilities, and data storage.</a:t>
             </a:r>
           </a:p>
           <a:p>
@@ -16658,15 +16658,6 @@
 </file>
 
 <file path=customXml/item1.xml><?xml version="1.0" encoding="utf-8"?>
-<?mso-contentType ?>
-<FormTemplates xmlns="http://schemas.microsoft.com/sharepoint/v3/contenttype/forms">
-  <Display>DocumentLibraryForm</Display>
-  <Edit>DocumentLibraryForm</Edit>
-  <New>DocumentLibraryForm</New>
-</FormTemplates>
-</file>
-
-<file path=customXml/item2.xml><?xml version="1.0" encoding="utf-8"?>
 <ct:contentTypeSchema xmlns:ct="http://schemas.microsoft.com/office/2006/metadata/contentType" xmlns:ma="http://schemas.microsoft.com/office/2006/metadata/properties/metaAttributes" ct:_="" ma:_="" ma:contentTypeName="Document" ma:contentTypeID="0x0101009ADC84C2C2689F418E5BAD3CA70F51C1" ma:contentTypeVersion="15" ma:contentTypeDescription="Create a new document." ma:contentTypeScope="" ma:versionID="dfa36a507fa972b0dae0ef5557aeb3eb">
   <xsd:schema xmlns:xsd="http://www.w3.org/2001/XMLSchema" xmlns:xs="http://www.w3.org/2001/XMLSchema" xmlns:p="http://schemas.microsoft.com/office/2006/metadata/properties" xmlns:ns3="218cae68-0ddc-43bb-9a29-52a0402d6cb9" xmlns:ns4="703aeb73-56ce-48f3-9277-f60cff690132" targetNamespace="http://schemas.microsoft.com/office/2006/metadata/properties" ma:root="true" ma:fieldsID="cb78c5b39430d5080de0e1d97c12cd45" ns3:_="" ns4:_="">
     <xsd:import namespace="218cae68-0ddc-43bb-9a29-52a0402d6cb9"/>
@@ -16899,6 +16890,15 @@
 </ct:contentTypeSchema>
 </file>
 
+<file path=customXml/item2.xml><?xml version="1.0" encoding="utf-8"?>
+<?mso-contentType ?>
+<FormTemplates xmlns="http://schemas.microsoft.com/sharepoint/v3/contenttype/forms">
+  <Display>DocumentLibraryForm</Display>
+  <Edit>DocumentLibraryForm</Edit>
+  <New>DocumentLibraryForm</New>
+</FormTemplates>
+</file>
+
 <file path=customXml/item3.xml><?xml version="1.0" encoding="utf-8"?>
 <p:properties xmlns:p="http://schemas.microsoft.com/office/2006/metadata/properties" xmlns:xsi="http://www.w3.org/2001/XMLSchema-instance" xmlns:pc="http://schemas.microsoft.com/office/infopath/2007/PartnerControls">
   <documentManagement>
@@ -16908,14 +16908,6 @@
 </file>
 
 <file path=customXml/itemProps1.xml><?xml version="1.0" encoding="utf-8"?>
-<ds:datastoreItem xmlns:ds="http://schemas.openxmlformats.org/officeDocument/2006/customXml" ds:itemID="{3A69843A-82BD-41BC-9CFD-7A6BCBCF50D4}">
-  <ds:schemaRefs>
-    <ds:schemaRef ds:uri="http://schemas.microsoft.com/sharepoint/v3/contenttype/forms"/>
-  </ds:schemaRefs>
-</ds:datastoreItem>
-</file>
-
-<file path=customXml/itemProps2.xml><?xml version="1.0" encoding="utf-8"?>
 <ds:datastoreItem xmlns:ds="http://schemas.openxmlformats.org/officeDocument/2006/customXml" ds:itemID="{0058B037-F10E-47D7-816C-415ABC0EB55F}">
   <ds:schemaRefs>
     <ds:schemaRef ds:uri="http://schemas.microsoft.com/office/2006/metadata/contentType"/>
@@ -16930,6 +16922,14 @@
     <ds:schemaRef ds:uri="http://purl.org/dc/elements/1.1/"/>
     <ds:schemaRef ds:uri="http://purl.org/dc/terms/"/>
     <ds:schemaRef ds:uri="http://schemas.microsoft.com/internal/obd"/>
+  </ds:schemaRefs>
+</ds:datastoreItem>
+</file>
+
+<file path=customXml/itemProps2.xml><?xml version="1.0" encoding="utf-8"?>
+<ds:datastoreItem xmlns:ds="http://schemas.openxmlformats.org/officeDocument/2006/customXml" ds:itemID="{3A69843A-82BD-41BC-9CFD-7A6BCBCF50D4}">
+  <ds:schemaRefs>
+    <ds:schemaRef ds:uri="http://schemas.microsoft.com/sharepoint/v3/contenttype/forms"/>
   </ds:schemaRefs>
 </ds:datastoreItem>
 </file>

--- a/Documents/CDR/CDR_Presentation.pptx
+++ b/Documents/CDR/CDR_Presentation.pptx
@@ -219,7 +219,7 @@
           <a:p>
             <a:fld id="{C3DCE7EF-75D0-4DB7-BD1A-FC94188B4058}" type="datetimeFigureOut">
               <a:rPr lang="en-US" smtClean="0"/>
-              <a:t>10/6/2024</a:t>
+              <a:t>06-Oct-24</a:t>
             </a:fld>
             <a:endParaRPr lang="en-US"/>
           </a:p>
@@ -1845,7 +1845,7 @@
           <a:p>
             <a:fld id="{A749A21A-B890-4700-B57E-1CFFBFCC9631}" type="datetimeFigureOut">
               <a:rPr lang="en-US" smtClean="0"/>
-              <a:t>10/6/2024</a:t>
+              <a:t>06-Oct-24</a:t>
             </a:fld>
             <a:endParaRPr lang="en-US"/>
           </a:p>
@@ -2043,7 +2043,7 @@
           <a:p>
             <a:fld id="{A749A21A-B890-4700-B57E-1CFFBFCC9631}" type="datetimeFigureOut">
               <a:rPr lang="en-US" smtClean="0"/>
-              <a:t>10/6/2024</a:t>
+              <a:t>06-Oct-24</a:t>
             </a:fld>
             <a:endParaRPr lang="en-US"/>
           </a:p>
@@ -2251,7 +2251,7 @@
           <a:p>
             <a:fld id="{A749A21A-B890-4700-B57E-1CFFBFCC9631}" type="datetimeFigureOut">
               <a:rPr lang="en-US" smtClean="0"/>
-              <a:t>10/6/2024</a:t>
+              <a:t>06-Oct-24</a:t>
             </a:fld>
             <a:endParaRPr lang="en-US"/>
           </a:p>
@@ -2449,7 +2449,7 @@
           <a:p>
             <a:fld id="{A749A21A-B890-4700-B57E-1CFFBFCC9631}" type="datetimeFigureOut">
               <a:rPr lang="en-US" smtClean="0"/>
-              <a:t>10/6/2024</a:t>
+              <a:t>06-Oct-24</a:t>
             </a:fld>
             <a:endParaRPr lang="en-US"/>
           </a:p>
@@ -2724,7 +2724,7 @@
           <a:p>
             <a:fld id="{A749A21A-B890-4700-B57E-1CFFBFCC9631}" type="datetimeFigureOut">
               <a:rPr lang="en-US" smtClean="0"/>
-              <a:t>10/6/2024</a:t>
+              <a:t>06-Oct-24</a:t>
             </a:fld>
             <a:endParaRPr lang="en-US"/>
           </a:p>
@@ -2989,7 +2989,7 @@
           <a:p>
             <a:fld id="{A749A21A-B890-4700-B57E-1CFFBFCC9631}" type="datetimeFigureOut">
               <a:rPr lang="en-US" smtClean="0"/>
-              <a:t>10/6/2024</a:t>
+              <a:t>06-Oct-24</a:t>
             </a:fld>
             <a:endParaRPr lang="en-US"/>
           </a:p>
@@ -3401,7 +3401,7 @@
           <a:p>
             <a:fld id="{A749A21A-B890-4700-B57E-1CFFBFCC9631}" type="datetimeFigureOut">
               <a:rPr lang="en-US" smtClean="0"/>
-              <a:t>10/6/2024</a:t>
+              <a:t>06-Oct-24</a:t>
             </a:fld>
             <a:endParaRPr lang="en-US"/>
           </a:p>
@@ -3542,7 +3542,7 @@
           <a:p>
             <a:fld id="{A749A21A-B890-4700-B57E-1CFFBFCC9631}" type="datetimeFigureOut">
               <a:rPr lang="en-US" smtClean="0"/>
-              <a:t>10/6/2024</a:t>
+              <a:t>06-Oct-24</a:t>
             </a:fld>
             <a:endParaRPr lang="en-US"/>
           </a:p>
@@ -3655,7 +3655,7 @@
           <a:p>
             <a:fld id="{A749A21A-B890-4700-B57E-1CFFBFCC9631}" type="datetimeFigureOut">
               <a:rPr lang="en-US" smtClean="0"/>
-              <a:t>10/6/2024</a:t>
+              <a:t>06-Oct-24</a:t>
             </a:fld>
             <a:endParaRPr lang="en-US"/>
           </a:p>
@@ -3966,7 +3966,7 @@
           <a:p>
             <a:fld id="{A749A21A-B890-4700-B57E-1CFFBFCC9631}" type="datetimeFigureOut">
               <a:rPr lang="en-US" smtClean="0"/>
-              <a:t>10/6/2024</a:t>
+              <a:t>06-Oct-24</a:t>
             </a:fld>
             <a:endParaRPr lang="en-US"/>
           </a:p>
@@ -4254,7 +4254,7 @@
           <a:p>
             <a:fld id="{A749A21A-B890-4700-B57E-1CFFBFCC9631}" type="datetimeFigureOut">
               <a:rPr lang="en-US" smtClean="0"/>
-              <a:t>10/6/2024</a:t>
+              <a:t>06-Oct-24</a:t>
             </a:fld>
             <a:endParaRPr lang="en-US"/>
           </a:p>
@@ -4495,7 +4495,7 @@
           <a:p>
             <a:fld id="{A749A21A-B890-4700-B57E-1CFFBFCC9631}" type="datetimeFigureOut">
               <a:rPr lang="en-US" smtClean="0"/>
-              <a:t>10/6/2024</a:t>
+              <a:t>06-Oct-24</a:t>
             </a:fld>
             <a:endParaRPr lang="en-US"/>
           </a:p>
@@ -11807,7 +11807,9 @@
         </p:nvSpPr>
         <p:spPr/>
         <p:txBody>
-          <a:bodyPr/>
+          <a:bodyPr>
+            <a:normAutofit/>
+          </a:bodyPr>
           <a:lstStyle/>
           <a:p>
             <a:r>
@@ -11831,7 +11833,7 @@
                   </a:schemeClr>
                 </a:solidFill>
               </a:rPr>
-              <a:t>Microcontrollers are powerful small computers used on a single integrated circuit. They can range rapidly in variety when it comes to processing power, input/output capabilities, and data storage.</a:t>
+              <a:t>Microcontrollers are powerful small computers used on a single integrated circuit. There is a wide variety of microcontrollers, differing with regards to processing power, I/O capabilities, and data storage.</a:t>
             </a:r>
           </a:p>
           <a:p>
@@ -11881,7 +11883,7 @@
                   </a:schemeClr>
                 </a:solidFill>
               </a:rPr>
-              <a:t>Cons: </a:t>
+              <a:t>Cons:</a:t>
             </a:r>
           </a:p>
           <a:p>
@@ -12181,56 +12183,56 @@
             <p:ph idx="1"/>
             <p:extLst>
               <p:ext uri="{D42A27DB-BD31-4B8C-83A1-F6EECF244321}">
-                <p14:modId xmlns:p14="http://schemas.microsoft.com/office/powerpoint/2010/main" val="3734804060"/>
+                <p14:modId xmlns:p14="http://schemas.microsoft.com/office/powerpoint/2010/main" val="626824166"/>
               </p:ext>
             </p:extLst>
           </p:nvPr>
         </p:nvGraphicFramePr>
         <p:xfrm>
-          <a:off x="838200" y="1563328"/>
-          <a:ext cx="10852355" cy="4847306"/>
+          <a:off x="525516" y="1563328"/>
+          <a:ext cx="11165037" cy="4847306"/>
         </p:xfrm>
         <a:graphic>
           <a:graphicData uri="http://schemas.openxmlformats.org/drawingml/2006/table">
             <a:tbl>
               <a:tblPr/>
               <a:tblGrid>
-                <a:gridCol w="2618078">
+                <a:gridCol w="2693511">
                   <a:extLst>
                     <a:ext uri="{9D8B030D-6E8A-4147-A177-3AD203B41FA5}">
                       <a16:colId xmlns:a16="http://schemas.microsoft.com/office/drawing/2014/main" val="826042442"/>
                     </a:ext>
                   </a:extLst>
                 </a:gridCol>
-                <a:gridCol w="3525960">
+                <a:gridCol w="3627551">
                   <a:extLst>
                     <a:ext uri="{9D8B030D-6E8A-4147-A177-3AD203B41FA5}">
                       <a16:colId xmlns:a16="http://schemas.microsoft.com/office/drawing/2014/main" val="2525948420"/>
                     </a:ext>
                   </a:extLst>
                 </a:gridCol>
-                <a:gridCol w="1287925">
+                <a:gridCol w="1325033">
                   <a:extLst>
                     <a:ext uri="{9D8B030D-6E8A-4147-A177-3AD203B41FA5}">
                       <a16:colId xmlns:a16="http://schemas.microsoft.com/office/drawing/2014/main" val="1353973659"/>
                     </a:ext>
                   </a:extLst>
                 </a:gridCol>
-                <a:gridCol w="1562402">
+                <a:gridCol w="1607419">
                   <a:extLst>
                     <a:ext uri="{9D8B030D-6E8A-4147-A177-3AD203B41FA5}">
                       <a16:colId xmlns:a16="http://schemas.microsoft.com/office/drawing/2014/main" val="2848882343"/>
                     </a:ext>
                   </a:extLst>
                 </a:gridCol>
-                <a:gridCol w="907882">
+                <a:gridCol w="934040">
                   <a:extLst>
                     <a:ext uri="{9D8B030D-6E8A-4147-A177-3AD203B41FA5}">
                       <a16:colId xmlns:a16="http://schemas.microsoft.com/office/drawing/2014/main" val="632705235"/>
                     </a:ext>
                   </a:extLst>
                 </a:gridCol>
-                <a:gridCol w="950108">
+                <a:gridCol w="977483">
                   <a:extLst>
                     <a:ext uri="{9D8B030D-6E8A-4147-A177-3AD203B41FA5}">
                       <a16:colId xmlns:a16="http://schemas.microsoft.com/office/drawing/2014/main" val="3417539016"/>
@@ -12300,7 +12302,7 @@
                     <a:p>
                       <a:pPr algn="ctr" fontAlgn="ctr"/>
                       <a:r>
-                        <a:rPr lang="en-US" sz="1800" b="1" i="0" u="none" strike="noStrike" dirty="0">
+                        <a:rPr lang="en-US" sz="1800" b="1" i="0" u="none" strike="noStrike">
                           <a:solidFill>
                             <a:srgbClr val="FFFFFF"/>
                           </a:solidFill>
@@ -12553,7 +12555,7 @@
                     <a:p>
                       <a:pPr algn="l" fontAlgn="b"/>
                       <a:r>
-                        <a:rPr lang="en-US" sz="1800" b="0" i="0" u="none" strike="noStrike" dirty="0">
+                        <a:rPr lang="en-US" sz="1800" b="0" i="0" u="none" strike="noStrike">
                           <a:solidFill>
                             <a:srgbClr val="000000"/>
                           </a:solidFill>
@@ -12607,7 +12609,7 @@
                     <a:p>
                       <a:pPr algn="l" fontAlgn="b"/>
                       <a:r>
-                        <a:rPr lang="en-US" sz="1800" b="0" i="0" u="none" strike="noStrike" dirty="0">
+                        <a:rPr lang="en-US" sz="1800" b="0" i="0" u="none" strike="noStrike">
                           <a:solidFill>
                             <a:srgbClr val="000000"/>
                           </a:solidFill>
@@ -12653,7 +12655,7 @@
                     <a:bodyPr/>
                     <a:lstStyle/>
                     <a:p>
-                      <a:pPr algn="r" fontAlgn="b"/>
+                      <a:pPr algn="ctr" fontAlgn="b"/>
                       <a:r>
                         <a:rPr lang="en-US" sz="1800" b="0" i="0" u="none" strike="noStrike">
                           <a:solidFill>
@@ -12701,7 +12703,7 @@
                     <a:bodyPr/>
                     <a:lstStyle/>
                     <a:p>
-                      <a:pPr algn="r" fontAlgn="b"/>
+                      <a:pPr algn="ctr" fontAlgn="b"/>
                       <a:r>
                         <a:rPr lang="en-US" sz="1800" b="0" i="0" u="none" strike="noStrike">
                           <a:solidFill>
@@ -12749,7 +12751,7 @@
                     <a:bodyPr/>
                     <a:lstStyle/>
                     <a:p>
-                      <a:pPr algn="r" fontAlgn="b"/>
+                      <a:pPr algn="ctr" fontAlgn="b"/>
                       <a:r>
                         <a:rPr lang="en-US" sz="1800" b="0" i="0" u="none" strike="noStrike">
                           <a:solidFill>
@@ -12797,7 +12799,7 @@
                     <a:bodyPr/>
                     <a:lstStyle/>
                     <a:p>
-                      <a:pPr algn="r" fontAlgn="b"/>
+                      <a:pPr algn="ctr" fontAlgn="b"/>
                       <a:r>
                         <a:rPr lang="en-US" sz="1800" b="0" i="0" u="none" strike="noStrike">
                           <a:solidFill>
@@ -12860,7 +12862,7 @@
                     <a:p>
                       <a:pPr algn="l" fontAlgn="b"/>
                       <a:r>
-                        <a:rPr lang="en-US" sz="1800" b="0" i="0" u="none" strike="noStrike" dirty="0">
+                        <a:rPr lang="en-US" sz="1800" b="0" i="0" u="none" strike="noStrike">
                           <a:solidFill>
                             <a:srgbClr val="000000"/>
                           </a:solidFill>
@@ -12912,7 +12914,7 @@
                     <a:p>
                       <a:pPr algn="l" fontAlgn="b"/>
                       <a:r>
-                        <a:rPr lang="en-US" sz="1800" b="0" i="0" u="none" strike="noStrike" dirty="0">
+                        <a:rPr lang="en-US" sz="1800" b="0" i="0" u="none" strike="noStrike">
                           <a:solidFill>
                             <a:srgbClr val="000000"/>
                           </a:solidFill>
@@ -12956,7 +12958,7 @@
                     <a:bodyPr/>
                     <a:lstStyle/>
                     <a:p>
-                      <a:pPr algn="r" fontAlgn="b"/>
+                      <a:pPr algn="ctr" fontAlgn="b"/>
                       <a:r>
                         <a:rPr lang="en-US" sz="1800" b="0" i="0" u="none" strike="noStrike">
                           <a:solidFill>
@@ -13002,7 +13004,7 @@
                     <a:bodyPr/>
                     <a:lstStyle/>
                     <a:p>
-                      <a:pPr algn="r" fontAlgn="b"/>
+                      <a:pPr algn="ctr" fontAlgn="b"/>
                       <a:r>
                         <a:rPr lang="en-US" sz="1800" b="0" i="0" u="none" strike="noStrike">
                           <a:solidFill>
@@ -13048,7 +13050,7 @@
                     <a:bodyPr/>
                     <a:lstStyle/>
                     <a:p>
-                      <a:pPr algn="r" fontAlgn="b"/>
+                      <a:pPr algn="ctr" fontAlgn="b"/>
                       <a:r>
                         <a:rPr lang="en-US" sz="1800" b="0" i="0" u="none" strike="noStrike">
                           <a:solidFill>
@@ -13094,7 +13096,7 @@
                     <a:bodyPr/>
                     <a:lstStyle/>
                     <a:p>
-                      <a:pPr algn="r" fontAlgn="b"/>
+                      <a:pPr algn="ctr" fontAlgn="b"/>
                       <a:r>
                         <a:rPr lang="en-US" sz="1800" b="0" i="0" u="none" strike="noStrike">
                           <a:solidFill>
@@ -13255,7 +13257,7 @@
                     <a:bodyPr/>
                     <a:lstStyle/>
                     <a:p>
-                      <a:pPr algn="r" fontAlgn="b"/>
+                      <a:pPr algn="ctr" fontAlgn="b"/>
                       <a:r>
                         <a:rPr lang="en-US" sz="1800" b="0" i="0" u="none" strike="noStrike">
                           <a:solidFill>
@@ -13303,7 +13305,7 @@
                     <a:bodyPr/>
                     <a:lstStyle/>
                     <a:p>
-                      <a:pPr algn="r" fontAlgn="b"/>
+                      <a:pPr algn="ctr" fontAlgn="b"/>
                       <a:r>
                         <a:rPr lang="en-US" sz="1800" b="0" i="0" u="none" strike="noStrike">
                           <a:solidFill>
@@ -13351,7 +13353,7 @@
                     <a:bodyPr/>
                     <a:lstStyle/>
                     <a:p>
-                      <a:pPr algn="r" fontAlgn="b"/>
+                      <a:pPr algn="ctr" fontAlgn="b"/>
                       <a:r>
                         <a:rPr lang="en-US" sz="1800" b="0" i="0" u="none" strike="noStrike">
                           <a:solidFill>
@@ -13399,7 +13401,7 @@
                     <a:bodyPr/>
                     <a:lstStyle/>
                     <a:p>
-                      <a:pPr algn="r" fontAlgn="b"/>
+                      <a:pPr algn="ctr" fontAlgn="b"/>
                       <a:r>
                         <a:rPr lang="en-US" sz="1800" b="0" i="0" u="none" strike="noStrike">
                           <a:solidFill>
@@ -13514,7 +13516,7 @@
                     <a:p>
                       <a:pPr algn="l" fontAlgn="b"/>
                       <a:r>
-                        <a:rPr lang="en-US" sz="1800" b="0" i="0" u="none" strike="noStrike" dirty="0">
+                        <a:rPr lang="en-US" sz="1800" b="0" i="0" u="none" strike="noStrike">
                           <a:solidFill>
                             <a:srgbClr val="000000"/>
                           </a:solidFill>
@@ -13558,9 +13560,9 @@
                     <a:bodyPr/>
                     <a:lstStyle/>
                     <a:p>
-                      <a:pPr algn="r" fontAlgn="b"/>
+                      <a:pPr algn="ctr" fontAlgn="b"/>
                       <a:r>
-                        <a:rPr lang="en-US" sz="1800" b="0" i="0" u="none" strike="noStrike" dirty="0">
+                        <a:rPr lang="en-US" sz="1800" b="0" i="0" u="none" strike="noStrike">
                           <a:solidFill>
                             <a:srgbClr val="000000"/>
                           </a:solidFill>
@@ -13604,7 +13606,7 @@
                     <a:bodyPr/>
                     <a:lstStyle/>
                     <a:p>
-                      <a:pPr algn="r" fontAlgn="b"/>
+                      <a:pPr algn="ctr" fontAlgn="b"/>
                       <a:r>
                         <a:rPr lang="en-US" sz="1800" b="0" i="0" u="none" strike="noStrike">
                           <a:solidFill>
@@ -13650,7 +13652,7 @@
                     <a:bodyPr/>
                     <a:lstStyle/>
                     <a:p>
-                      <a:pPr algn="r" fontAlgn="b"/>
+                      <a:pPr algn="ctr" fontAlgn="b"/>
                       <a:r>
                         <a:rPr lang="en-US" sz="1800" b="0" i="0" u="none" strike="noStrike">
                           <a:solidFill>
@@ -13696,7 +13698,7 @@
                     <a:bodyPr/>
                     <a:lstStyle/>
                     <a:p>
-                      <a:pPr algn="r" fontAlgn="b"/>
+                      <a:pPr algn="ctr" fontAlgn="b"/>
                       <a:r>
                         <a:rPr lang="en-US" sz="1800" b="0" i="0" u="none" strike="noStrike">
                           <a:solidFill>
@@ -13857,7 +13859,7 @@
                     <a:bodyPr/>
                     <a:lstStyle/>
                     <a:p>
-                      <a:pPr algn="r" fontAlgn="b"/>
+                      <a:pPr algn="ctr" fontAlgn="b"/>
                       <a:r>
                         <a:rPr lang="en-US" sz="1800" b="0" i="0" u="none" strike="noStrike">
                           <a:solidFill>
@@ -13905,9 +13907,9 @@
                     <a:bodyPr/>
                     <a:lstStyle/>
                     <a:p>
-                      <a:pPr algn="r" fontAlgn="b"/>
+                      <a:pPr algn="ctr" fontAlgn="b"/>
                       <a:r>
-                        <a:rPr lang="en-US" sz="1800" b="0" i="0" u="none" strike="noStrike" dirty="0">
+                        <a:rPr lang="en-US" sz="1800" b="0" i="0" u="none" strike="noStrike">
                           <a:solidFill>
                             <a:srgbClr val="000000"/>
                           </a:solidFill>
@@ -13953,7 +13955,7 @@
                     <a:bodyPr/>
                     <a:lstStyle/>
                     <a:p>
-                      <a:pPr algn="r" fontAlgn="b"/>
+                      <a:pPr algn="ctr" fontAlgn="b"/>
                       <a:r>
                         <a:rPr lang="en-US" sz="1800" b="0" i="0" u="none" strike="noStrike">
                           <a:solidFill>
@@ -14001,7 +14003,7 @@
                     <a:bodyPr/>
                     <a:lstStyle/>
                     <a:p>
-                      <a:pPr algn="r" fontAlgn="b"/>
+                      <a:pPr algn="ctr" fontAlgn="b"/>
                       <a:r>
                         <a:rPr lang="en-US" sz="1800" b="0" i="0" u="none" strike="noStrike">
                           <a:solidFill>
@@ -14116,7 +14118,7 @@
                     <a:p>
                       <a:pPr algn="l" fontAlgn="b"/>
                       <a:r>
-                        <a:rPr lang="en-US" sz="1800" b="0" i="0" u="none" strike="noStrike" dirty="0">
+                        <a:rPr lang="en-US" sz="1800" b="0" i="0" u="none" strike="noStrike">
                           <a:solidFill>
                             <a:srgbClr val="000000"/>
                           </a:solidFill>
@@ -14160,99 +14162,7 @@
                     <a:bodyPr/>
                     <a:lstStyle/>
                     <a:p>
-                      <a:pPr algn="r" fontAlgn="b"/>
-                      <a:r>
-                        <a:rPr lang="en-US" sz="1800" b="0" i="0" u="none" strike="noStrike" dirty="0">
-                          <a:solidFill>
-                            <a:srgbClr val="000000"/>
-                          </a:solidFill>
-                          <a:effectLst/>
-                          <a:latin typeface="Aptos Narrow" panose="020B0004020202020204" pitchFamily="34" charset="0"/>
-                        </a:rPr>
-                        <a:t>5</a:t>
-                      </a:r>
-                    </a:p>
-                  </a:txBody>
-                  <a:tcPr marL="7620" marR="7620" marT="7620" marB="0" anchor="b">
-                    <a:lnL>
-                      <a:noFill/>
-                    </a:lnL>
-                    <a:lnR>
-                      <a:noFill/>
-                    </a:lnR>
-                    <a:lnT w="6350" cap="flat" cmpd="sng" algn="ctr">
-                      <a:solidFill>
-                        <a:srgbClr val="D86DCD"/>
-                      </a:solidFill>
-                      <a:prstDash val="solid"/>
-                      <a:round/>
-                      <a:headEnd type="none" w="med" len="med"/>
-                      <a:tailEnd type="none" w="med" len="med"/>
-                    </a:lnT>
-                    <a:lnB w="6350" cap="flat" cmpd="sng" algn="ctr">
-                      <a:solidFill>
-                        <a:srgbClr val="D86DCD"/>
-                      </a:solidFill>
-                      <a:prstDash val="solid"/>
-                      <a:round/>
-                      <a:headEnd type="none" w="med" len="med"/>
-                      <a:tailEnd type="none" w="med" len="med"/>
-                    </a:lnB>
-                    <a:noFill/>
-                  </a:tcPr>
-                </a:tc>
-                <a:tc>
-                  <a:txBody>
-                    <a:bodyPr/>
-                    <a:lstStyle/>
-                    <a:p>
-                      <a:pPr algn="r" fontAlgn="b"/>
-                      <a:r>
-                        <a:rPr lang="en-US" sz="1800" b="0" i="0" u="none" strike="noStrike" dirty="0">
-                          <a:solidFill>
-                            <a:srgbClr val="000000"/>
-                          </a:solidFill>
-                          <a:effectLst/>
-                          <a:latin typeface="Aptos Narrow" panose="020B0004020202020204" pitchFamily="34" charset="0"/>
-                        </a:rPr>
-                        <a:t>5</a:t>
-                      </a:r>
-                    </a:p>
-                  </a:txBody>
-                  <a:tcPr marL="7620" marR="7620" marT="7620" marB="0" anchor="b">
-                    <a:lnL>
-                      <a:noFill/>
-                    </a:lnL>
-                    <a:lnR>
-                      <a:noFill/>
-                    </a:lnR>
-                    <a:lnT w="6350" cap="flat" cmpd="sng" algn="ctr">
-                      <a:solidFill>
-                        <a:srgbClr val="D86DCD"/>
-                      </a:solidFill>
-                      <a:prstDash val="solid"/>
-                      <a:round/>
-                      <a:headEnd type="none" w="med" len="med"/>
-                      <a:tailEnd type="none" w="med" len="med"/>
-                    </a:lnT>
-                    <a:lnB w="6350" cap="flat" cmpd="sng" algn="ctr">
-                      <a:solidFill>
-                        <a:srgbClr val="D86DCD"/>
-                      </a:solidFill>
-                      <a:prstDash val="solid"/>
-                      <a:round/>
-                      <a:headEnd type="none" w="med" len="med"/>
-                      <a:tailEnd type="none" w="med" len="med"/>
-                    </a:lnB>
-                    <a:noFill/>
-                  </a:tcPr>
-                </a:tc>
-                <a:tc>
-                  <a:txBody>
-                    <a:bodyPr/>
-                    <a:lstStyle/>
-                    <a:p>
-                      <a:pPr algn="r" fontAlgn="b"/>
+                      <a:pPr algn="ctr" fontAlgn="b"/>
                       <a:r>
                         <a:rPr lang="en-US" sz="1800" b="0" i="0" u="none" strike="noStrike">
                           <a:solidFill>
@@ -14298,7 +14208,99 @@
                     <a:bodyPr/>
                     <a:lstStyle/>
                     <a:p>
-                      <a:pPr algn="r" fontAlgn="b"/>
+                      <a:pPr algn="ctr" fontAlgn="b"/>
+                      <a:r>
+                        <a:rPr lang="en-US" sz="1800" b="0" i="0" u="none" strike="noStrike">
+                          <a:solidFill>
+                            <a:srgbClr val="000000"/>
+                          </a:solidFill>
+                          <a:effectLst/>
+                          <a:latin typeface="Aptos Narrow" panose="020B0004020202020204" pitchFamily="34" charset="0"/>
+                        </a:rPr>
+                        <a:t>5</a:t>
+                      </a:r>
+                    </a:p>
+                  </a:txBody>
+                  <a:tcPr marL="7620" marR="7620" marT="7620" marB="0" anchor="b">
+                    <a:lnL>
+                      <a:noFill/>
+                    </a:lnL>
+                    <a:lnR>
+                      <a:noFill/>
+                    </a:lnR>
+                    <a:lnT w="6350" cap="flat" cmpd="sng" algn="ctr">
+                      <a:solidFill>
+                        <a:srgbClr val="D86DCD"/>
+                      </a:solidFill>
+                      <a:prstDash val="solid"/>
+                      <a:round/>
+                      <a:headEnd type="none" w="med" len="med"/>
+                      <a:tailEnd type="none" w="med" len="med"/>
+                    </a:lnT>
+                    <a:lnB w="6350" cap="flat" cmpd="sng" algn="ctr">
+                      <a:solidFill>
+                        <a:srgbClr val="D86DCD"/>
+                      </a:solidFill>
+                      <a:prstDash val="solid"/>
+                      <a:round/>
+                      <a:headEnd type="none" w="med" len="med"/>
+                      <a:tailEnd type="none" w="med" len="med"/>
+                    </a:lnB>
+                    <a:noFill/>
+                  </a:tcPr>
+                </a:tc>
+                <a:tc>
+                  <a:txBody>
+                    <a:bodyPr/>
+                    <a:lstStyle/>
+                    <a:p>
+                      <a:pPr algn="ctr" fontAlgn="b"/>
+                      <a:r>
+                        <a:rPr lang="en-US" sz="1800" b="0" i="0" u="none" strike="noStrike">
+                          <a:solidFill>
+                            <a:srgbClr val="000000"/>
+                          </a:solidFill>
+                          <a:effectLst/>
+                          <a:latin typeface="Aptos Narrow" panose="020B0004020202020204" pitchFamily="34" charset="0"/>
+                        </a:rPr>
+                        <a:t>5</a:t>
+                      </a:r>
+                    </a:p>
+                  </a:txBody>
+                  <a:tcPr marL="7620" marR="7620" marT="7620" marB="0" anchor="b">
+                    <a:lnL>
+                      <a:noFill/>
+                    </a:lnL>
+                    <a:lnR>
+                      <a:noFill/>
+                    </a:lnR>
+                    <a:lnT w="6350" cap="flat" cmpd="sng" algn="ctr">
+                      <a:solidFill>
+                        <a:srgbClr val="D86DCD"/>
+                      </a:solidFill>
+                      <a:prstDash val="solid"/>
+                      <a:round/>
+                      <a:headEnd type="none" w="med" len="med"/>
+                      <a:tailEnd type="none" w="med" len="med"/>
+                    </a:lnT>
+                    <a:lnB w="6350" cap="flat" cmpd="sng" algn="ctr">
+                      <a:solidFill>
+                        <a:srgbClr val="D86DCD"/>
+                      </a:solidFill>
+                      <a:prstDash val="solid"/>
+                      <a:round/>
+                      <a:headEnd type="none" w="med" len="med"/>
+                      <a:tailEnd type="none" w="med" len="med"/>
+                    </a:lnB>
+                    <a:noFill/>
+                  </a:tcPr>
+                </a:tc>
+                <a:tc>
+                  <a:txBody>
+                    <a:bodyPr/>
+                    <a:lstStyle/>
+                    <a:p>
+                      <a:pPr algn="ctr" fontAlgn="b"/>
                       <a:r>
                         <a:rPr lang="en-US" sz="1800" b="0" i="0" u="none" strike="noStrike">
                           <a:solidFill>
@@ -14459,9 +14461,9 @@
                     <a:bodyPr/>
                     <a:lstStyle/>
                     <a:p>
-                      <a:pPr algn="r" fontAlgn="b"/>
+                      <a:pPr algn="ctr" fontAlgn="b"/>
                       <a:r>
-                        <a:rPr lang="en-US" sz="1800" b="0" i="0" u="none" strike="noStrike" dirty="0">
+                        <a:rPr lang="en-US" sz="1800" b="0" i="0" u="none" strike="noStrike">
                           <a:solidFill>
                             <a:srgbClr val="000000"/>
                           </a:solidFill>
@@ -14507,9 +14509,9 @@
                     <a:bodyPr/>
                     <a:lstStyle/>
                     <a:p>
-                      <a:pPr algn="r" fontAlgn="b"/>
+                      <a:pPr algn="ctr" fontAlgn="b"/>
                       <a:r>
-                        <a:rPr lang="en-US" sz="1800" b="0" i="0" u="none" strike="noStrike" dirty="0">
+                        <a:rPr lang="en-US" sz="1800" b="0" i="0" u="none" strike="noStrike">
                           <a:solidFill>
                             <a:srgbClr val="000000"/>
                           </a:solidFill>
@@ -14555,7 +14557,7 @@
                     <a:bodyPr/>
                     <a:lstStyle/>
                     <a:p>
-                      <a:pPr algn="r" fontAlgn="b"/>
+                      <a:pPr algn="ctr" fontAlgn="b"/>
                       <a:r>
                         <a:rPr lang="en-US" sz="1800" b="0" i="0" u="none" strike="noStrike">
                           <a:solidFill>
@@ -14603,7 +14605,7 @@
                     <a:bodyPr/>
                     <a:lstStyle/>
                     <a:p>
-                      <a:pPr algn="r" fontAlgn="b"/>
+                      <a:pPr algn="ctr" fontAlgn="b"/>
                       <a:r>
                         <a:rPr lang="en-US" sz="1800" b="0" i="0" u="none" strike="noStrike">
                           <a:solidFill>
@@ -14762,7 +14764,7 @@
                     <a:bodyPr/>
                     <a:lstStyle/>
                     <a:p>
-                      <a:pPr algn="r" fontAlgn="b"/>
+                      <a:pPr algn="ctr" fontAlgn="b"/>
                       <a:r>
                         <a:rPr lang="en-US" sz="1800" b="0" i="0" u="none" strike="noStrike">
                           <a:solidFill>
@@ -14808,9 +14810,9 @@
                     <a:bodyPr/>
                     <a:lstStyle/>
                     <a:p>
-                      <a:pPr algn="r" fontAlgn="b"/>
+                      <a:pPr algn="ctr" fontAlgn="b"/>
                       <a:r>
-                        <a:rPr lang="en-US" sz="1800" b="0" i="0" u="none" strike="noStrike" dirty="0">
+                        <a:rPr lang="en-US" sz="1800" b="0" i="0" u="none" strike="noStrike">
                           <a:solidFill>
                             <a:srgbClr val="000000"/>
                           </a:solidFill>
@@ -14854,9 +14856,9 @@
                     <a:bodyPr/>
                     <a:lstStyle/>
                     <a:p>
-                      <a:pPr algn="r" fontAlgn="b"/>
+                      <a:pPr algn="ctr" fontAlgn="b"/>
                       <a:r>
-                        <a:rPr lang="en-US" sz="1800" b="0" i="0" u="none" strike="noStrike" dirty="0">
+                        <a:rPr lang="en-US" sz="1800" b="0" i="0" u="none" strike="noStrike">
                           <a:solidFill>
                             <a:srgbClr val="000000"/>
                           </a:solidFill>
@@ -14900,7 +14902,7 @@
                     <a:bodyPr/>
                     <a:lstStyle/>
                     <a:p>
-                      <a:pPr algn="r" fontAlgn="b"/>
+                      <a:pPr algn="ctr" fontAlgn="b"/>
                       <a:r>
                         <a:rPr lang="en-US" sz="1800" b="0" i="0" u="none" strike="noStrike">
                           <a:solidFill>
@@ -15061,9 +15063,9 @@
                     <a:bodyPr/>
                     <a:lstStyle/>
                     <a:p>
-                      <a:pPr algn="r" fontAlgn="b"/>
+                      <a:pPr algn="ctr" fontAlgn="b"/>
                       <a:r>
-                        <a:rPr lang="en-US" sz="1800" b="0" i="0" u="none" strike="noStrike">
+                        <a:rPr lang="en-US" sz="1800" b="0" i="0" u="none" strike="noStrike" dirty="0">
                           <a:solidFill>
                             <a:srgbClr val="000000"/>
                           </a:solidFill>
@@ -15109,9 +15111,9 @@
                     <a:bodyPr/>
                     <a:lstStyle/>
                     <a:p>
-                      <a:pPr algn="r" fontAlgn="b"/>
+                      <a:pPr algn="ctr" fontAlgn="b"/>
                       <a:r>
-                        <a:rPr lang="en-US" sz="1800" b="0" i="0" u="none" strike="noStrike" dirty="0">
+                        <a:rPr lang="en-US" sz="1800" b="0" i="0" u="none" strike="noStrike">
                           <a:solidFill>
                             <a:srgbClr val="000000"/>
                           </a:solidFill>
@@ -15157,9 +15159,9 @@
                     <a:bodyPr/>
                     <a:lstStyle/>
                     <a:p>
-                      <a:pPr algn="r" fontAlgn="b"/>
+                      <a:pPr algn="ctr" fontAlgn="b"/>
                       <a:r>
-                        <a:rPr lang="en-US" sz="1800" b="0" i="0" u="none" strike="noStrike" dirty="0">
+                        <a:rPr lang="en-US" sz="1800" b="0" i="0" u="none" strike="noStrike">
                           <a:solidFill>
                             <a:srgbClr val="000000"/>
                           </a:solidFill>
@@ -15205,9 +15207,9 @@
                     <a:bodyPr/>
                     <a:lstStyle/>
                     <a:p>
-                      <a:pPr algn="r" fontAlgn="b"/>
+                      <a:pPr algn="ctr" fontAlgn="b"/>
                       <a:r>
-                        <a:rPr lang="en-US" sz="1800" b="0" i="0" u="none" strike="noStrike" dirty="0">
+                        <a:rPr lang="en-US" sz="1800" b="0" i="0" u="none" strike="noStrike">
                           <a:solidFill>
                             <a:srgbClr val="000000"/>
                           </a:solidFill>
@@ -15364,7 +15366,7 @@
                     <a:bodyPr/>
                     <a:lstStyle/>
                     <a:p>
-                      <a:pPr algn="r" fontAlgn="b"/>
+                      <a:pPr algn="ctr" fontAlgn="b"/>
                       <a:r>
                         <a:rPr lang="en-US" sz="1800" b="0" i="0" u="none" strike="noStrike">
                           <a:solidFill>
@@ -15410,7 +15412,7 @@
                     <a:bodyPr/>
                     <a:lstStyle/>
                     <a:p>
-                      <a:pPr algn="r" fontAlgn="b"/>
+                      <a:pPr algn="ctr" fontAlgn="b"/>
                       <a:r>
                         <a:rPr lang="en-US" sz="1800" b="0" i="0" u="none" strike="noStrike">
                           <a:solidFill>
@@ -15456,7 +15458,7 @@
                     <a:bodyPr/>
                     <a:lstStyle/>
                     <a:p>
-                      <a:pPr algn="r" fontAlgn="b"/>
+                      <a:pPr algn="ctr" fontAlgn="b"/>
                       <a:r>
                         <a:rPr lang="en-US" sz="1800" b="0" i="0" u="none" strike="noStrike">
                           <a:solidFill>
@@ -15502,7 +15504,7 @@
                     <a:bodyPr/>
                     <a:lstStyle/>
                     <a:p>
-                      <a:pPr algn="r" fontAlgn="b"/>
+                      <a:pPr algn="ctr" fontAlgn="b"/>
                       <a:r>
                         <a:rPr lang="en-US" sz="1800" b="0" i="0" u="none" strike="noStrike" dirty="0">
                           <a:solidFill>
@@ -15616,7 +15618,7 @@
                     <a:lstStyle/>
                     <a:p>
                       <a:pPr algn="l" fontAlgn="b"/>
-                      <a:endParaRPr lang="en-US" sz="1800" b="0" i="0" u="none" strike="noStrike" dirty="0">
+                      <a:endParaRPr lang="en-US" sz="1800" b="0" i="0" u="none" strike="noStrike">
                         <a:solidFill>
                           <a:srgbClr val="000000"/>
                         </a:solidFill>
@@ -15660,7 +15662,7 @@
                     <a:bodyPr/>
                     <a:lstStyle/>
                     <a:p>
-                      <a:pPr algn="l" fontAlgn="b"/>
+                      <a:pPr algn="ctr" fontAlgn="b"/>
                       <a:endParaRPr lang="en-US" sz="1800" b="0" i="0" u="none" strike="noStrike">
                         <a:solidFill>
                           <a:srgbClr val="000000"/>
@@ -15705,9 +15707,9 @@
                     <a:bodyPr/>
                     <a:lstStyle/>
                     <a:p>
-                      <a:pPr algn="r" fontAlgn="b"/>
+                      <a:pPr algn="ctr" fontAlgn="b"/>
                       <a:r>
-                        <a:rPr lang="en-US" sz="1800" b="0" i="0" u="none" strike="noStrike">
+                        <a:rPr lang="en-US" sz="1800" b="0" i="0" u="none" strike="noStrike" dirty="0">
                           <a:solidFill>
                             <a:srgbClr val="000000"/>
                           </a:solidFill>
@@ -15753,7 +15755,7 @@
                     <a:bodyPr/>
                     <a:lstStyle/>
                     <a:p>
-                      <a:pPr algn="r" fontAlgn="b"/>
+                      <a:pPr algn="ctr" fontAlgn="b"/>
                       <a:r>
                         <a:rPr lang="en-US" sz="1800" b="0" i="0" u="none" strike="noStrike">
                           <a:solidFill>
@@ -15801,7 +15803,7 @@
                     <a:bodyPr/>
                     <a:lstStyle/>
                     <a:p>
-                      <a:pPr algn="r" fontAlgn="b"/>
+                      <a:pPr algn="ctr" fontAlgn="b"/>
                       <a:r>
                         <a:rPr lang="en-US" sz="1800" b="0" i="0" u="none" strike="noStrike" dirty="0">
                           <a:solidFill>
@@ -16658,6 +16660,15 @@
 </file>
 
 <file path=customXml/item1.xml><?xml version="1.0" encoding="utf-8"?>
+<?mso-contentType ?>
+<FormTemplates xmlns="http://schemas.microsoft.com/sharepoint/v3/contenttype/forms">
+  <Display>DocumentLibraryForm</Display>
+  <Edit>DocumentLibraryForm</Edit>
+  <New>DocumentLibraryForm</New>
+</FormTemplates>
+</file>
+
+<file path=customXml/item2.xml><?xml version="1.0" encoding="utf-8"?>
 <ct:contentTypeSchema xmlns:ct="http://schemas.microsoft.com/office/2006/metadata/contentType" xmlns:ma="http://schemas.microsoft.com/office/2006/metadata/properties/metaAttributes" ct:_="" ma:_="" ma:contentTypeName="Document" ma:contentTypeID="0x0101009ADC84C2C2689F418E5BAD3CA70F51C1" ma:contentTypeVersion="15" ma:contentTypeDescription="Create a new document." ma:contentTypeScope="" ma:versionID="dfa36a507fa972b0dae0ef5557aeb3eb">
   <xsd:schema xmlns:xsd="http://www.w3.org/2001/XMLSchema" xmlns:xs="http://www.w3.org/2001/XMLSchema" xmlns:p="http://schemas.microsoft.com/office/2006/metadata/properties" xmlns:ns3="218cae68-0ddc-43bb-9a29-52a0402d6cb9" xmlns:ns4="703aeb73-56ce-48f3-9277-f60cff690132" targetNamespace="http://schemas.microsoft.com/office/2006/metadata/properties" ma:root="true" ma:fieldsID="cb78c5b39430d5080de0e1d97c12cd45" ns3:_="" ns4:_="">
     <xsd:import namespace="218cae68-0ddc-43bb-9a29-52a0402d6cb9"/>
@@ -16890,15 +16901,6 @@
 </ct:contentTypeSchema>
 </file>
 
-<file path=customXml/item2.xml><?xml version="1.0" encoding="utf-8"?>
-<?mso-contentType ?>
-<FormTemplates xmlns="http://schemas.microsoft.com/sharepoint/v3/contenttype/forms">
-  <Display>DocumentLibraryForm</Display>
-  <Edit>DocumentLibraryForm</Edit>
-  <New>DocumentLibraryForm</New>
-</FormTemplates>
-</file>
-
 <file path=customXml/item3.xml><?xml version="1.0" encoding="utf-8"?>
 <p:properties xmlns:p="http://schemas.microsoft.com/office/2006/metadata/properties" xmlns:xsi="http://www.w3.org/2001/XMLSchema-instance" xmlns:pc="http://schemas.microsoft.com/office/infopath/2007/PartnerControls">
   <documentManagement>
@@ -16908,6 +16910,14 @@
 </file>
 
 <file path=customXml/itemProps1.xml><?xml version="1.0" encoding="utf-8"?>
+<ds:datastoreItem xmlns:ds="http://schemas.openxmlformats.org/officeDocument/2006/customXml" ds:itemID="{3A69843A-82BD-41BC-9CFD-7A6BCBCF50D4}">
+  <ds:schemaRefs>
+    <ds:schemaRef ds:uri="http://schemas.microsoft.com/sharepoint/v3/contenttype/forms"/>
+  </ds:schemaRefs>
+</ds:datastoreItem>
+</file>
+
+<file path=customXml/itemProps2.xml><?xml version="1.0" encoding="utf-8"?>
 <ds:datastoreItem xmlns:ds="http://schemas.openxmlformats.org/officeDocument/2006/customXml" ds:itemID="{0058B037-F10E-47D7-816C-415ABC0EB55F}">
   <ds:schemaRefs>
     <ds:schemaRef ds:uri="http://schemas.microsoft.com/office/2006/metadata/contentType"/>
@@ -16922,14 +16932,6 @@
     <ds:schemaRef ds:uri="http://purl.org/dc/elements/1.1/"/>
     <ds:schemaRef ds:uri="http://purl.org/dc/terms/"/>
     <ds:schemaRef ds:uri="http://schemas.microsoft.com/internal/obd"/>
-  </ds:schemaRefs>
-</ds:datastoreItem>
-</file>
-
-<file path=customXml/itemProps2.xml><?xml version="1.0" encoding="utf-8"?>
-<ds:datastoreItem xmlns:ds="http://schemas.openxmlformats.org/officeDocument/2006/customXml" ds:itemID="{3A69843A-82BD-41BC-9CFD-7A6BCBCF50D4}">
-  <ds:schemaRefs>
-    <ds:schemaRef ds:uri="http://schemas.microsoft.com/sharepoint/v3/contenttype/forms"/>
   </ds:schemaRefs>
 </ds:datastoreItem>
 </file>

--- a/Documents/CDR/CDR_Presentation.pptx
+++ b/Documents/CDR/CDR_Presentation.pptx
@@ -219,7 +219,7 @@
           <a:p>
             <a:fld id="{C3DCE7EF-75D0-4DB7-BD1A-FC94188B4058}" type="datetimeFigureOut">
               <a:rPr lang="en-US" smtClean="0"/>
-              <a:t>06-Oct-24</a:t>
+              <a:t>10/7/2024</a:t>
             </a:fld>
             <a:endParaRPr lang="en-US"/>
           </a:p>
@@ -1845,7 +1845,7 @@
           <a:p>
             <a:fld id="{A749A21A-B890-4700-B57E-1CFFBFCC9631}" type="datetimeFigureOut">
               <a:rPr lang="en-US" smtClean="0"/>
-              <a:t>06-Oct-24</a:t>
+              <a:t>10/7/2024</a:t>
             </a:fld>
             <a:endParaRPr lang="en-US"/>
           </a:p>
@@ -2043,7 +2043,7 @@
           <a:p>
             <a:fld id="{A749A21A-B890-4700-B57E-1CFFBFCC9631}" type="datetimeFigureOut">
               <a:rPr lang="en-US" smtClean="0"/>
-              <a:t>06-Oct-24</a:t>
+              <a:t>10/7/2024</a:t>
             </a:fld>
             <a:endParaRPr lang="en-US"/>
           </a:p>
@@ -2251,7 +2251,7 @@
           <a:p>
             <a:fld id="{A749A21A-B890-4700-B57E-1CFFBFCC9631}" type="datetimeFigureOut">
               <a:rPr lang="en-US" smtClean="0"/>
-              <a:t>06-Oct-24</a:t>
+              <a:t>10/7/2024</a:t>
             </a:fld>
             <a:endParaRPr lang="en-US"/>
           </a:p>
@@ -2449,7 +2449,7 @@
           <a:p>
             <a:fld id="{A749A21A-B890-4700-B57E-1CFFBFCC9631}" type="datetimeFigureOut">
               <a:rPr lang="en-US" smtClean="0"/>
-              <a:t>06-Oct-24</a:t>
+              <a:t>10/7/2024</a:t>
             </a:fld>
             <a:endParaRPr lang="en-US"/>
           </a:p>
@@ -2724,7 +2724,7 @@
           <a:p>
             <a:fld id="{A749A21A-B890-4700-B57E-1CFFBFCC9631}" type="datetimeFigureOut">
               <a:rPr lang="en-US" smtClean="0"/>
-              <a:t>06-Oct-24</a:t>
+              <a:t>10/7/2024</a:t>
             </a:fld>
             <a:endParaRPr lang="en-US"/>
           </a:p>
@@ -2989,7 +2989,7 @@
           <a:p>
             <a:fld id="{A749A21A-B890-4700-B57E-1CFFBFCC9631}" type="datetimeFigureOut">
               <a:rPr lang="en-US" smtClean="0"/>
-              <a:t>06-Oct-24</a:t>
+              <a:t>10/7/2024</a:t>
             </a:fld>
             <a:endParaRPr lang="en-US"/>
           </a:p>
@@ -3401,7 +3401,7 @@
           <a:p>
             <a:fld id="{A749A21A-B890-4700-B57E-1CFFBFCC9631}" type="datetimeFigureOut">
               <a:rPr lang="en-US" smtClean="0"/>
-              <a:t>06-Oct-24</a:t>
+              <a:t>10/7/2024</a:t>
             </a:fld>
             <a:endParaRPr lang="en-US"/>
           </a:p>
@@ -3542,7 +3542,7 @@
           <a:p>
             <a:fld id="{A749A21A-B890-4700-B57E-1CFFBFCC9631}" type="datetimeFigureOut">
               <a:rPr lang="en-US" smtClean="0"/>
-              <a:t>06-Oct-24</a:t>
+              <a:t>10/7/2024</a:t>
             </a:fld>
             <a:endParaRPr lang="en-US"/>
           </a:p>
@@ -3655,7 +3655,7 @@
           <a:p>
             <a:fld id="{A749A21A-B890-4700-B57E-1CFFBFCC9631}" type="datetimeFigureOut">
               <a:rPr lang="en-US" smtClean="0"/>
-              <a:t>06-Oct-24</a:t>
+              <a:t>10/7/2024</a:t>
             </a:fld>
             <a:endParaRPr lang="en-US"/>
           </a:p>
@@ -3966,7 +3966,7 @@
           <a:p>
             <a:fld id="{A749A21A-B890-4700-B57E-1CFFBFCC9631}" type="datetimeFigureOut">
               <a:rPr lang="en-US" smtClean="0"/>
-              <a:t>06-Oct-24</a:t>
+              <a:t>10/7/2024</a:t>
             </a:fld>
             <a:endParaRPr lang="en-US"/>
           </a:p>
@@ -4254,7 +4254,7 @@
           <a:p>
             <a:fld id="{A749A21A-B890-4700-B57E-1CFFBFCC9631}" type="datetimeFigureOut">
               <a:rPr lang="en-US" smtClean="0"/>
-              <a:t>06-Oct-24</a:t>
+              <a:t>10/7/2024</a:t>
             </a:fld>
             <a:endParaRPr lang="en-US"/>
           </a:p>
@@ -4495,7 +4495,7 @@
           <a:p>
             <a:fld id="{A749A21A-B890-4700-B57E-1CFFBFCC9631}" type="datetimeFigureOut">
               <a:rPr lang="en-US" smtClean="0"/>
-              <a:t>06-Oct-24</a:t>
+              <a:t>10/7/2024</a:t>
             </a:fld>
             <a:endParaRPr lang="en-US"/>
           </a:p>
@@ -5980,7 +5980,7 @@
                   </a:schemeClr>
                 </a:solidFill>
               </a:rPr>
-              <a:t>Temperature Sensor - $5.00</a:t>
+              <a:t>Sensors - $20.00</a:t>
             </a:r>
           </a:p>
           <a:p>
@@ -6018,7 +6018,7 @@
                   </a:schemeClr>
                 </a:solidFill>
               </a:rPr>
-              <a:t>Total for first revision: $49.00</a:t>
+              <a:t>Total for first revision: $64.00</a:t>
             </a:r>
           </a:p>
         </p:txBody>
@@ -6376,7 +6376,7 @@
                   </a:schemeClr>
                 </a:solidFill>
               </a:rPr>
-              <a:t>Friendly</a:t>
+              <a:t>User friendly</a:t>
             </a:r>
           </a:p>
           <a:p>
@@ -11871,7 +11871,7 @@
                   </a:schemeClr>
                 </a:solidFill>
               </a:rPr>
-              <a:t>Lower power consumption</a:t>
+              <a:t>Controlled power consumption</a:t>
             </a:r>
           </a:p>
           <a:p>
@@ -12183,7 +12183,7 @@
             <p:ph idx="1"/>
             <p:extLst>
               <p:ext uri="{D42A27DB-BD31-4B8C-83A1-F6EECF244321}">
-                <p14:modId xmlns:p14="http://schemas.microsoft.com/office/powerpoint/2010/main" val="626824166"/>
+                <p14:modId xmlns:p14="http://schemas.microsoft.com/office/powerpoint/2010/main" val="2872707050"/>
               </p:ext>
             </p:extLst>
           </p:nvPr>
@@ -13052,14 +13052,14 @@
                     <a:p>
                       <a:pPr algn="ctr" fontAlgn="b"/>
                       <a:r>
-                        <a:rPr lang="en-US" sz="1800" b="0" i="0" u="none" strike="noStrike">
+                        <a:rPr lang="en-US" sz="1800" b="0" i="0" u="none" strike="noStrike" dirty="0">
                           <a:solidFill>
                             <a:srgbClr val="000000"/>
                           </a:solidFill>
                           <a:effectLst/>
                           <a:latin typeface="Aptos Narrow" panose="020B0004020202020204" pitchFamily="34" charset="0"/>
                         </a:rPr>
-                        <a:t>3</a:t>
+                        <a:t>7</a:t>
                       </a:r>
                     </a:p>
                   </a:txBody>
@@ -13098,14 +13098,14 @@
                     <a:p>
                       <a:pPr algn="ctr" fontAlgn="b"/>
                       <a:r>
-                        <a:rPr lang="en-US" sz="1800" b="0" i="0" u="none" strike="noStrike">
+                        <a:rPr lang="en-US" sz="1800" b="0" i="0" u="none" strike="noStrike" dirty="0">
                           <a:solidFill>
                             <a:srgbClr val="000000"/>
                           </a:solidFill>
                           <a:effectLst/>
                           <a:latin typeface="Aptos Narrow" panose="020B0004020202020204" pitchFamily="34" charset="0"/>
                         </a:rPr>
-                        <a:t>5</a:t>
+                        <a:t>3</a:t>
                       </a:r>
                     </a:p>
                   </a:txBody>
@@ -15757,14 +15757,14 @@
                     <a:p>
                       <a:pPr algn="ctr" fontAlgn="b"/>
                       <a:r>
-                        <a:rPr lang="en-US" sz="1800" b="0" i="0" u="none" strike="noStrike">
+                        <a:rPr lang="en-US" sz="1800" b="0" i="0" u="none" strike="noStrike" dirty="0">
                           <a:solidFill>
                             <a:srgbClr val="000000"/>
                           </a:solidFill>
                           <a:effectLst/>
                           <a:latin typeface="Aptos Narrow" panose="020B0004020202020204" pitchFamily="34" charset="0"/>
                         </a:rPr>
-                        <a:t>342</a:t>
+                        <a:t>362</a:t>
                       </a:r>
                     </a:p>
                   </a:txBody>
@@ -15812,7 +15812,7 @@
                           <a:effectLst/>
                           <a:latin typeface="Aptos Narrow" panose="020B0004020202020204" pitchFamily="34" charset="0"/>
                         </a:rPr>
-                        <a:t>329</a:t>
+                        <a:t>319</a:t>
                       </a:r>
                     </a:p>
                   </a:txBody>
@@ -15962,7 +15962,7 @@
                   </a:schemeClr>
                 </a:solidFill>
               </a:rPr>
-              <a:t>Microcontroller: 342</a:t>
+              <a:t>Microcontroller: 362</a:t>
             </a:r>
           </a:p>
           <a:p>
@@ -15975,7 +15975,7 @@
                   </a:schemeClr>
                 </a:solidFill>
               </a:rPr>
-              <a:t>FPGA: 329</a:t>
+              <a:t>FPGA: 319</a:t>
             </a:r>
           </a:p>
           <a:p>
@@ -16660,15 +16660,6 @@
 </file>
 
 <file path=customXml/item1.xml><?xml version="1.0" encoding="utf-8"?>
-<?mso-contentType ?>
-<FormTemplates xmlns="http://schemas.microsoft.com/sharepoint/v3/contenttype/forms">
-  <Display>DocumentLibraryForm</Display>
-  <Edit>DocumentLibraryForm</Edit>
-  <New>DocumentLibraryForm</New>
-</FormTemplates>
-</file>
-
-<file path=customXml/item2.xml><?xml version="1.0" encoding="utf-8"?>
 <ct:contentTypeSchema xmlns:ct="http://schemas.microsoft.com/office/2006/metadata/contentType" xmlns:ma="http://schemas.microsoft.com/office/2006/metadata/properties/metaAttributes" ct:_="" ma:_="" ma:contentTypeName="Document" ma:contentTypeID="0x0101009ADC84C2C2689F418E5BAD3CA70F51C1" ma:contentTypeVersion="15" ma:contentTypeDescription="Create a new document." ma:contentTypeScope="" ma:versionID="dfa36a507fa972b0dae0ef5557aeb3eb">
   <xsd:schema xmlns:xsd="http://www.w3.org/2001/XMLSchema" xmlns:xs="http://www.w3.org/2001/XMLSchema" xmlns:p="http://schemas.microsoft.com/office/2006/metadata/properties" xmlns:ns3="218cae68-0ddc-43bb-9a29-52a0402d6cb9" xmlns:ns4="703aeb73-56ce-48f3-9277-f60cff690132" targetNamespace="http://schemas.microsoft.com/office/2006/metadata/properties" ma:root="true" ma:fieldsID="cb78c5b39430d5080de0e1d97c12cd45" ns3:_="" ns4:_="">
     <xsd:import namespace="218cae68-0ddc-43bb-9a29-52a0402d6cb9"/>
@@ -16901,6 +16892,15 @@
 </ct:contentTypeSchema>
 </file>
 
+<file path=customXml/item2.xml><?xml version="1.0" encoding="utf-8"?>
+<?mso-contentType ?>
+<FormTemplates xmlns="http://schemas.microsoft.com/sharepoint/v3/contenttype/forms">
+  <Display>DocumentLibraryForm</Display>
+  <Edit>DocumentLibraryForm</Edit>
+  <New>DocumentLibraryForm</New>
+</FormTemplates>
+</file>
+
 <file path=customXml/item3.xml><?xml version="1.0" encoding="utf-8"?>
 <p:properties xmlns:p="http://schemas.microsoft.com/office/2006/metadata/properties" xmlns:xsi="http://www.w3.org/2001/XMLSchema-instance" xmlns:pc="http://schemas.microsoft.com/office/infopath/2007/PartnerControls">
   <documentManagement>
@@ -16910,14 +16910,6 @@
 </file>
 
 <file path=customXml/itemProps1.xml><?xml version="1.0" encoding="utf-8"?>
-<ds:datastoreItem xmlns:ds="http://schemas.openxmlformats.org/officeDocument/2006/customXml" ds:itemID="{3A69843A-82BD-41BC-9CFD-7A6BCBCF50D4}">
-  <ds:schemaRefs>
-    <ds:schemaRef ds:uri="http://schemas.microsoft.com/sharepoint/v3/contenttype/forms"/>
-  </ds:schemaRefs>
-</ds:datastoreItem>
-</file>
-
-<file path=customXml/itemProps2.xml><?xml version="1.0" encoding="utf-8"?>
 <ds:datastoreItem xmlns:ds="http://schemas.openxmlformats.org/officeDocument/2006/customXml" ds:itemID="{0058B037-F10E-47D7-816C-415ABC0EB55F}">
   <ds:schemaRefs>
     <ds:schemaRef ds:uri="http://schemas.microsoft.com/office/2006/metadata/contentType"/>
@@ -16932,6 +16924,14 @@
     <ds:schemaRef ds:uri="http://purl.org/dc/elements/1.1/"/>
     <ds:schemaRef ds:uri="http://purl.org/dc/terms/"/>
     <ds:schemaRef ds:uri="http://schemas.microsoft.com/internal/obd"/>
+  </ds:schemaRefs>
+</ds:datastoreItem>
+</file>
+
+<file path=customXml/itemProps2.xml><?xml version="1.0" encoding="utf-8"?>
+<ds:datastoreItem xmlns:ds="http://schemas.openxmlformats.org/officeDocument/2006/customXml" ds:itemID="{3A69843A-82BD-41BC-9CFD-7A6BCBCF50D4}">
+  <ds:schemaRefs>
+    <ds:schemaRef ds:uri="http://schemas.microsoft.com/sharepoint/v3/contenttype/forms"/>
   </ds:schemaRefs>
 </ds:datastoreItem>
 </file>

--- a/Documents/CDR/CDR_Presentation.pptx
+++ b/Documents/CDR/CDR_Presentation.pptx
@@ -1484,6 +1484,12 @@
             <a:r>
               <a:rPr lang="en-US" dirty="0"/>
               <a:t>Nathan</a:t>
+            </a:r>
+          </a:p>
+          <a:p>
+            <a:r>
+              <a:rPr lang="en-US" dirty="0"/>
+              <a:t>Compact – FPGA requires more peripherals </a:t>
             </a:r>
           </a:p>
         </p:txBody>
@@ -5736,6 +5742,55 @@
           </a:p>
         </p:txBody>
       </p:sp>
+      <p:sp>
+        <p:nvSpPr>
+          <p:cNvPr id="4" name="Star: 5 Points 3">
+            <a:extLst>
+              <a:ext uri="{FF2B5EF4-FFF2-40B4-BE49-F238E27FC236}">
+                <a16:creationId xmlns:a16="http://schemas.microsoft.com/office/drawing/2014/main" id="{863A6361-5275-8DC5-52FC-B7674AAAB947}"/>
+              </a:ext>
+            </a:extLst>
+          </p:cNvPr>
+          <p:cNvSpPr/>
+          <p:nvPr/>
+        </p:nvSpPr>
+        <p:spPr>
+          <a:xfrm>
+            <a:off x="257503" y="1690688"/>
+            <a:ext cx="609600" cy="546538"/>
+          </a:xfrm>
+          <a:prstGeom prst="star5">
+            <a:avLst/>
+          </a:prstGeom>
+          <a:solidFill>
+            <a:srgbClr val="FFC000"/>
+          </a:solidFill>
+        </p:spPr>
+        <p:style>
+          <a:lnRef idx="2">
+            <a:schemeClr val="accent1">
+              <a:shade val="15000"/>
+            </a:schemeClr>
+          </a:lnRef>
+          <a:fillRef idx="1">
+            <a:schemeClr val="accent1"/>
+          </a:fillRef>
+          <a:effectRef idx="0">
+            <a:schemeClr val="accent1"/>
+          </a:effectRef>
+          <a:fontRef idx="minor">
+            <a:schemeClr val="lt1"/>
+          </a:fontRef>
+        </p:style>
+        <p:txBody>
+          <a:bodyPr rtlCol="0" anchor="ctr"/>
+          <a:lstStyle/>
+          <a:p>
+            <a:pPr algn="ctr"/>
+            <a:endParaRPr lang="en-US"/>
+          </a:p>
+        </p:txBody>
+      </p:sp>
     </p:spTree>
     <p:extLst>
       <p:ext uri="{BB962C8B-B14F-4D97-AF65-F5344CB8AC3E}">
@@ -12169,10 +12224,10 @@
       </p:sp>
       <p:graphicFrame>
         <p:nvGraphicFramePr>
-          <p:cNvPr id="10" name="Content Placeholder 9">
+          <p:cNvPr id="6" name="Content Placeholder 5">
             <a:extLst>
               <a:ext uri="{FF2B5EF4-FFF2-40B4-BE49-F238E27FC236}">
-                <a16:creationId xmlns:a16="http://schemas.microsoft.com/office/drawing/2014/main" id="{2055233A-3C24-7E70-77F2-597DECCAF2C7}"/>
+                <a16:creationId xmlns:a16="http://schemas.microsoft.com/office/drawing/2014/main" id="{FE04E0AF-CCD1-1987-9D91-09817E50AD6D}"/>
               </a:ext>
             </a:extLst>
           </p:cNvPr>
@@ -12183,64 +12238,64 @@
             <p:ph idx="1"/>
             <p:extLst>
               <p:ext uri="{D42A27DB-BD31-4B8C-83A1-F6EECF244321}">
-                <p14:modId xmlns:p14="http://schemas.microsoft.com/office/powerpoint/2010/main" val="2872707050"/>
+                <p14:modId xmlns:p14="http://schemas.microsoft.com/office/powerpoint/2010/main" val="2230336417"/>
               </p:ext>
             </p:extLst>
           </p:nvPr>
         </p:nvGraphicFramePr>
         <p:xfrm>
-          <a:off x="525516" y="1563328"/>
-          <a:ext cx="11165037" cy="4847306"/>
+          <a:off x="838200" y="1608083"/>
+          <a:ext cx="10515599" cy="4884789"/>
         </p:xfrm>
         <a:graphic>
           <a:graphicData uri="http://schemas.openxmlformats.org/drawingml/2006/table">
             <a:tbl>
               <a:tblPr/>
               <a:tblGrid>
-                <a:gridCol w="2693511">
+                <a:gridCol w="2536837">
                   <a:extLst>
                     <a:ext uri="{9D8B030D-6E8A-4147-A177-3AD203B41FA5}">
-                      <a16:colId xmlns:a16="http://schemas.microsoft.com/office/drawing/2014/main" val="826042442"/>
+                      <a16:colId xmlns:a16="http://schemas.microsoft.com/office/drawing/2014/main" val="3764745571"/>
                     </a:ext>
                   </a:extLst>
                 </a:gridCol>
-                <a:gridCol w="3627551">
+                <a:gridCol w="3416547">
                   <a:extLst>
                     <a:ext uri="{9D8B030D-6E8A-4147-A177-3AD203B41FA5}">
-                      <a16:colId xmlns:a16="http://schemas.microsoft.com/office/drawing/2014/main" val="2525948420"/>
+                      <a16:colId xmlns:a16="http://schemas.microsoft.com/office/drawing/2014/main" val="4188430028"/>
                     </a:ext>
                   </a:extLst>
                 </a:gridCol>
-                <a:gridCol w="1325033">
+                <a:gridCol w="1247960">
                   <a:extLst>
                     <a:ext uri="{9D8B030D-6E8A-4147-A177-3AD203B41FA5}">
-                      <a16:colId xmlns:a16="http://schemas.microsoft.com/office/drawing/2014/main" val="1353973659"/>
+                      <a16:colId xmlns:a16="http://schemas.microsoft.com/office/drawing/2014/main" val="3696496376"/>
                     </a:ext>
                   </a:extLst>
                 </a:gridCol>
-                <a:gridCol w="1607419">
+                <a:gridCol w="1513919">
                   <a:extLst>
                     <a:ext uri="{9D8B030D-6E8A-4147-A177-3AD203B41FA5}">
-                      <a16:colId xmlns:a16="http://schemas.microsoft.com/office/drawing/2014/main" val="2848882343"/>
+                      <a16:colId xmlns:a16="http://schemas.microsoft.com/office/drawing/2014/main" val="3157680924"/>
                     </a:ext>
                   </a:extLst>
                 </a:gridCol>
-                <a:gridCol w="934040">
+                <a:gridCol w="879710">
                   <a:extLst>
                     <a:ext uri="{9D8B030D-6E8A-4147-A177-3AD203B41FA5}">
-                      <a16:colId xmlns:a16="http://schemas.microsoft.com/office/drawing/2014/main" val="632705235"/>
+                      <a16:colId xmlns:a16="http://schemas.microsoft.com/office/drawing/2014/main" val="2171266899"/>
                     </a:ext>
                   </a:extLst>
                 </a:gridCol>
-                <a:gridCol w="977483">
+                <a:gridCol w="920626">
                   <a:extLst>
                     <a:ext uri="{9D8B030D-6E8A-4147-A177-3AD203B41FA5}">
-                      <a16:colId xmlns:a16="http://schemas.microsoft.com/office/drawing/2014/main" val="3417539016"/>
+                      <a16:colId xmlns:a16="http://schemas.microsoft.com/office/drawing/2014/main" val="1780493251"/>
                     </a:ext>
                   </a:extLst>
                 </a:gridCol>
               </a:tblGrid>
-              <a:tr h="692473">
+              <a:tr h="751506">
                 <a:tc>
                   <a:txBody>
                     <a:bodyPr/>
@@ -12543,11 +12598,11 @@
                 </a:tc>
                 <a:extLst>
                   <a:ext uri="{0D108BD9-81ED-4DB2-BD59-A6C34878D82A}">
-                    <a16:rowId xmlns:a16="http://schemas.microsoft.com/office/drawing/2014/main" val="1323351052"/>
+                    <a16:rowId xmlns:a16="http://schemas.microsoft.com/office/drawing/2014/main" val="3539611267"/>
                   </a:ext>
                 </a:extLst>
               </a:tr>
-              <a:tr h="346236">
+              <a:tr h="375753">
                 <a:tc>
                   <a:txBody>
                     <a:bodyPr/>
@@ -12609,7 +12664,7 @@
                     <a:p>
                       <a:pPr algn="l" fontAlgn="b"/>
                       <a:r>
-                        <a:rPr lang="en-US" sz="1800" b="0" i="0" u="none" strike="noStrike">
+                        <a:rPr lang="en-US" sz="1800" b="0" i="0" u="none" strike="noStrike" dirty="0">
                           <a:solidFill>
                             <a:srgbClr val="000000"/>
                           </a:solidFill>
@@ -12850,11 +12905,11 @@
                 </a:tc>
                 <a:extLst>
                   <a:ext uri="{0D108BD9-81ED-4DB2-BD59-A6C34878D82A}">
-                    <a16:rowId xmlns:a16="http://schemas.microsoft.com/office/drawing/2014/main" val="2743558533"/>
+                    <a16:rowId xmlns:a16="http://schemas.microsoft.com/office/drawing/2014/main" val="2983366855"/>
                   </a:ext>
                 </a:extLst>
               </a:tr>
-              <a:tr h="346236">
+              <a:tr h="375753">
                 <a:tc>
                   <a:txBody>
                     <a:bodyPr/>
@@ -12914,7 +12969,7 @@
                     <a:p>
                       <a:pPr algn="l" fontAlgn="b"/>
                       <a:r>
-                        <a:rPr lang="en-US" sz="1800" b="0" i="0" u="none" strike="noStrike">
+                        <a:rPr lang="en-US" sz="1800" b="0" i="0" u="none" strike="noStrike" dirty="0">
                           <a:solidFill>
                             <a:srgbClr val="000000"/>
                           </a:solidFill>
@@ -13052,7 +13107,7 @@
                     <a:p>
                       <a:pPr algn="ctr" fontAlgn="b"/>
                       <a:r>
-                        <a:rPr lang="en-US" sz="1800" b="0" i="0" u="none" strike="noStrike" dirty="0">
+                        <a:rPr lang="en-US" sz="1800" b="0" i="0" u="none" strike="noStrike">
                           <a:solidFill>
                             <a:srgbClr val="000000"/>
                           </a:solidFill>
@@ -13098,7 +13153,7 @@
                     <a:p>
                       <a:pPr algn="ctr" fontAlgn="b"/>
                       <a:r>
-                        <a:rPr lang="en-US" sz="1800" b="0" i="0" u="none" strike="noStrike" dirty="0">
+                        <a:rPr lang="en-US" sz="1800" b="0" i="0" u="none" strike="noStrike">
                           <a:solidFill>
                             <a:srgbClr val="000000"/>
                           </a:solidFill>
@@ -13145,11 +13200,11 @@
                 </a:tc>
                 <a:extLst>
                   <a:ext uri="{0D108BD9-81ED-4DB2-BD59-A6C34878D82A}">
-                    <a16:rowId xmlns:a16="http://schemas.microsoft.com/office/drawing/2014/main" val="2076793931"/>
+                    <a16:rowId xmlns:a16="http://schemas.microsoft.com/office/drawing/2014/main" val="1086163361"/>
                   </a:ext>
                 </a:extLst>
               </a:tr>
-              <a:tr h="692473">
+              <a:tr h="751506">
                 <a:tc>
                   <a:txBody>
                     <a:bodyPr/>
@@ -13452,11 +13507,11 @@
                 </a:tc>
                 <a:extLst>
                   <a:ext uri="{0D108BD9-81ED-4DB2-BD59-A6C34878D82A}">
-                    <a16:rowId xmlns:a16="http://schemas.microsoft.com/office/drawing/2014/main" val="1110414863"/>
+                    <a16:rowId xmlns:a16="http://schemas.microsoft.com/office/drawing/2014/main" val="4041819142"/>
                   </a:ext>
                 </a:extLst>
               </a:tr>
-              <a:tr h="346236">
+              <a:tr h="375753">
                 <a:tc>
                   <a:txBody>
                     <a:bodyPr/>
@@ -13516,7 +13571,7 @@
                     <a:p>
                       <a:pPr algn="l" fontAlgn="b"/>
                       <a:r>
-                        <a:rPr lang="en-US" sz="1800" b="0" i="0" u="none" strike="noStrike">
+                        <a:rPr lang="en-US" sz="1800" b="0" i="0" u="none" strike="noStrike" dirty="0">
                           <a:solidFill>
                             <a:srgbClr val="000000"/>
                           </a:solidFill>
@@ -13747,11 +13802,11 @@
                 </a:tc>
                 <a:extLst>
                   <a:ext uri="{0D108BD9-81ED-4DB2-BD59-A6C34878D82A}">
-                    <a16:rowId xmlns:a16="http://schemas.microsoft.com/office/drawing/2014/main" val="3929837432"/>
+                    <a16:rowId xmlns:a16="http://schemas.microsoft.com/office/drawing/2014/main" val="2806712045"/>
                   </a:ext>
                 </a:extLst>
               </a:tr>
-              <a:tr h="346236">
+              <a:tr h="375753">
                 <a:tc>
                   <a:txBody>
                     <a:bodyPr/>
@@ -13813,6 +13868,54 @@
                     <a:p>
                       <a:pPr algn="l" fontAlgn="b"/>
                       <a:r>
+                        <a:rPr lang="en-US" sz="1800" b="0" i="0" u="none" strike="noStrike">
+                          <a:solidFill>
+                            <a:srgbClr val="000000"/>
+                          </a:solidFill>
+                          <a:effectLst/>
+                          <a:latin typeface="Aptos Narrow" panose="020B0004020202020204" pitchFamily="34" charset="0"/>
+                        </a:rPr>
+                        <a:t>Unit production cost &lt; $200</a:t>
+                      </a:r>
+                    </a:p>
+                  </a:txBody>
+                  <a:tcPr marL="7620" marR="7620" marT="7620" marB="0" anchor="b">
+                    <a:lnL>
+                      <a:noFill/>
+                    </a:lnL>
+                    <a:lnR>
+                      <a:noFill/>
+                    </a:lnR>
+                    <a:lnT w="6350" cap="flat" cmpd="sng" algn="ctr">
+                      <a:solidFill>
+                        <a:srgbClr val="D86DCD"/>
+                      </a:solidFill>
+                      <a:prstDash val="solid"/>
+                      <a:round/>
+                      <a:headEnd type="none" w="med" len="med"/>
+                      <a:tailEnd type="none" w="med" len="med"/>
+                    </a:lnT>
+                    <a:lnB w="6350" cap="flat" cmpd="sng" algn="ctr">
+                      <a:solidFill>
+                        <a:srgbClr val="D86DCD"/>
+                      </a:solidFill>
+                      <a:prstDash val="solid"/>
+                      <a:round/>
+                      <a:headEnd type="none" w="med" len="med"/>
+                      <a:tailEnd type="none" w="med" len="med"/>
+                    </a:lnB>
+                    <a:solidFill>
+                      <a:srgbClr val="F2CEEF"/>
+                    </a:solidFill>
+                  </a:tcPr>
+                </a:tc>
+                <a:tc>
+                  <a:txBody>
+                    <a:bodyPr/>
+                    <a:lstStyle/>
+                    <a:p>
+                      <a:pPr algn="ctr" fontAlgn="b"/>
+                      <a:r>
                         <a:rPr lang="en-US" sz="1800" b="0" i="0" u="none" strike="noStrike" dirty="0">
                           <a:solidFill>
                             <a:srgbClr val="000000"/>
@@ -13820,7 +13923,103 @@
                           <a:effectLst/>
                           <a:latin typeface="Aptos Narrow" panose="020B0004020202020204" pitchFamily="34" charset="0"/>
                         </a:rPr>
-                        <a:t>Unit production cost &lt; $200</a:t>
+                        <a:t>3</a:t>
+                      </a:r>
+                    </a:p>
+                  </a:txBody>
+                  <a:tcPr marL="7620" marR="7620" marT="7620" marB="0" anchor="b">
+                    <a:lnL>
+                      <a:noFill/>
+                    </a:lnL>
+                    <a:lnR>
+                      <a:noFill/>
+                    </a:lnR>
+                    <a:lnT w="6350" cap="flat" cmpd="sng" algn="ctr">
+                      <a:solidFill>
+                        <a:srgbClr val="D86DCD"/>
+                      </a:solidFill>
+                      <a:prstDash val="solid"/>
+                      <a:round/>
+                      <a:headEnd type="none" w="med" len="med"/>
+                      <a:tailEnd type="none" w="med" len="med"/>
+                    </a:lnT>
+                    <a:lnB w="6350" cap="flat" cmpd="sng" algn="ctr">
+                      <a:solidFill>
+                        <a:srgbClr val="D86DCD"/>
+                      </a:solidFill>
+                      <a:prstDash val="solid"/>
+                      <a:round/>
+                      <a:headEnd type="none" w="med" len="med"/>
+                      <a:tailEnd type="none" w="med" len="med"/>
+                    </a:lnB>
+                    <a:solidFill>
+                      <a:srgbClr val="F2CEEF"/>
+                    </a:solidFill>
+                  </a:tcPr>
+                </a:tc>
+                <a:tc>
+                  <a:txBody>
+                    <a:bodyPr/>
+                    <a:lstStyle/>
+                    <a:p>
+                      <a:pPr algn="ctr" fontAlgn="b"/>
+                      <a:r>
+                        <a:rPr lang="en-US" sz="1800" b="0" i="0" u="none" strike="noStrike">
+                          <a:solidFill>
+                            <a:srgbClr val="000000"/>
+                          </a:solidFill>
+                          <a:effectLst/>
+                          <a:latin typeface="Aptos Narrow" panose="020B0004020202020204" pitchFamily="34" charset="0"/>
+                        </a:rPr>
+                        <a:t>5</a:t>
+                      </a:r>
+                    </a:p>
+                  </a:txBody>
+                  <a:tcPr marL="7620" marR="7620" marT="7620" marB="0" anchor="b">
+                    <a:lnL>
+                      <a:noFill/>
+                    </a:lnL>
+                    <a:lnR>
+                      <a:noFill/>
+                    </a:lnR>
+                    <a:lnT w="6350" cap="flat" cmpd="sng" algn="ctr">
+                      <a:solidFill>
+                        <a:srgbClr val="D86DCD"/>
+                      </a:solidFill>
+                      <a:prstDash val="solid"/>
+                      <a:round/>
+                      <a:headEnd type="none" w="med" len="med"/>
+                      <a:tailEnd type="none" w="med" len="med"/>
+                    </a:lnT>
+                    <a:lnB w="6350" cap="flat" cmpd="sng" algn="ctr">
+                      <a:solidFill>
+                        <a:srgbClr val="D86DCD"/>
+                      </a:solidFill>
+                      <a:prstDash val="solid"/>
+                      <a:round/>
+                      <a:headEnd type="none" w="med" len="med"/>
+                      <a:tailEnd type="none" w="med" len="med"/>
+                    </a:lnB>
+                    <a:solidFill>
+                      <a:srgbClr val="F2CEEF"/>
+                    </a:solidFill>
+                  </a:tcPr>
+                </a:tc>
+                <a:tc>
+                  <a:txBody>
+                    <a:bodyPr/>
+                    <a:lstStyle/>
+                    <a:p>
+                      <a:pPr algn="ctr" fontAlgn="b"/>
+                      <a:r>
+                        <a:rPr lang="en-US" sz="1800" b="0" i="0" u="none" strike="noStrike">
+                          <a:solidFill>
+                            <a:srgbClr val="000000"/>
+                          </a:solidFill>
+                          <a:effectLst/>
+                          <a:latin typeface="Aptos Narrow" panose="020B0004020202020204" pitchFamily="34" charset="0"/>
+                        </a:rPr>
+                        <a:t>7</a:t>
                       </a:r>
                     </a:p>
                   </a:txBody>
@@ -13876,6 +14075,1066 @@
                     <a:lnL>
                       <a:noFill/>
                     </a:lnL>
+                    <a:lnR w="6350" cap="flat" cmpd="sng" algn="ctr">
+                      <a:solidFill>
+                        <a:srgbClr val="D86DCD"/>
+                      </a:solidFill>
+                      <a:prstDash val="solid"/>
+                      <a:round/>
+                      <a:headEnd type="none" w="med" len="med"/>
+                      <a:tailEnd type="none" w="med" len="med"/>
+                    </a:lnR>
+                    <a:lnT w="6350" cap="flat" cmpd="sng" algn="ctr">
+                      <a:solidFill>
+                        <a:srgbClr val="D86DCD"/>
+                      </a:solidFill>
+                      <a:prstDash val="solid"/>
+                      <a:round/>
+                      <a:headEnd type="none" w="med" len="med"/>
+                      <a:tailEnd type="none" w="med" len="med"/>
+                    </a:lnT>
+                    <a:lnB w="6350" cap="flat" cmpd="sng" algn="ctr">
+                      <a:solidFill>
+                        <a:srgbClr val="D86DCD"/>
+                      </a:solidFill>
+                      <a:prstDash val="solid"/>
+                      <a:round/>
+                      <a:headEnd type="none" w="med" len="med"/>
+                      <a:tailEnd type="none" w="med" len="med"/>
+                    </a:lnB>
+                    <a:solidFill>
+                      <a:srgbClr val="F2CEEF"/>
+                    </a:solidFill>
+                  </a:tcPr>
+                </a:tc>
+                <a:extLst>
+                  <a:ext uri="{0D108BD9-81ED-4DB2-BD59-A6C34878D82A}">
+                    <a16:rowId xmlns:a16="http://schemas.microsoft.com/office/drawing/2014/main" val="1806574741"/>
+                  </a:ext>
+                </a:extLst>
+              </a:tr>
+              <a:tr h="375753">
+                <a:tc>
+                  <a:txBody>
+                    <a:bodyPr/>
+                    <a:lstStyle/>
+                    <a:p>
+                      <a:pPr algn="l" fontAlgn="b"/>
+                      <a:r>
+                        <a:rPr lang="en-US" sz="1800" b="0" i="0" u="none" strike="noStrike">
+                          <a:solidFill>
+                            <a:srgbClr val="000000"/>
+                          </a:solidFill>
+                          <a:effectLst/>
+                          <a:latin typeface="Aptos Narrow" panose="020B0004020202020204" pitchFamily="34" charset="0"/>
+                        </a:rPr>
+                        <a:t>Connectivity</a:t>
+                      </a:r>
+                    </a:p>
+                  </a:txBody>
+                  <a:tcPr marL="7620" marR="7620" marT="7620" marB="0" anchor="b">
+                    <a:lnL w="6350" cap="flat" cmpd="sng" algn="ctr">
+                      <a:solidFill>
+                        <a:srgbClr val="D86DCD"/>
+                      </a:solidFill>
+                      <a:prstDash val="solid"/>
+                      <a:round/>
+                      <a:headEnd type="none" w="med" len="med"/>
+                      <a:tailEnd type="none" w="med" len="med"/>
+                    </a:lnL>
+                    <a:lnR>
+                      <a:noFill/>
+                    </a:lnR>
+                    <a:lnT w="6350" cap="flat" cmpd="sng" algn="ctr">
+                      <a:solidFill>
+                        <a:srgbClr val="D86DCD"/>
+                      </a:solidFill>
+                      <a:prstDash val="solid"/>
+                      <a:round/>
+                      <a:headEnd type="none" w="med" len="med"/>
+                      <a:tailEnd type="none" w="med" len="med"/>
+                    </a:lnT>
+                    <a:lnB w="6350" cap="flat" cmpd="sng" algn="ctr">
+                      <a:solidFill>
+                        <a:srgbClr val="D86DCD"/>
+                      </a:solidFill>
+                      <a:prstDash val="solid"/>
+                      <a:round/>
+                      <a:headEnd type="none" w="med" len="med"/>
+                      <a:tailEnd type="none" w="med" len="med"/>
+                    </a:lnB>
+                    <a:noFill/>
+                  </a:tcPr>
+                </a:tc>
+                <a:tc>
+                  <a:txBody>
+                    <a:bodyPr/>
+                    <a:lstStyle/>
+                    <a:p>
+                      <a:pPr algn="l" fontAlgn="b"/>
+                      <a:r>
+                        <a:rPr lang="en-US" sz="1800" b="0" i="0" u="none" strike="noStrike">
+                          <a:solidFill>
+                            <a:srgbClr val="000000"/>
+                          </a:solidFill>
+                          <a:effectLst/>
+                          <a:latin typeface="Aptos Narrow" panose="020B0004020202020204" pitchFamily="34" charset="0"/>
+                        </a:rPr>
+                        <a:t>Be able to output data via serial</a:t>
+                      </a:r>
+                    </a:p>
+                  </a:txBody>
+                  <a:tcPr marL="7620" marR="7620" marT="7620" marB="0" anchor="b">
+                    <a:lnL>
+                      <a:noFill/>
+                    </a:lnL>
+                    <a:lnR>
+                      <a:noFill/>
+                    </a:lnR>
+                    <a:lnT w="6350" cap="flat" cmpd="sng" algn="ctr">
+                      <a:solidFill>
+                        <a:srgbClr val="D86DCD"/>
+                      </a:solidFill>
+                      <a:prstDash val="solid"/>
+                      <a:round/>
+                      <a:headEnd type="none" w="med" len="med"/>
+                      <a:tailEnd type="none" w="med" len="med"/>
+                    </a:lnT>
+                    <a:lnB w="6350" cap="flat" cmpd="sng" algn="ctr">
+                      <a:solidFill>
+                        <a:srgbClr val="D86DCD"/>
+                      </a:solidFill>
+                      <a:prstDash val="solid"/>
+                      <a:round/>
+                      <a:headEnd type="none" w="med" len="med"/>
+                      <a:tailEnd type="none" w="med" len="med"/>
+                    </a:lnB>
+                    <a:noFill/>
+                  </a:tcPr>
+                </a:tc>
+                <a:tc>
+                  <a:txBody>
+                    <a:bodyPr/>
+                    <a:lstStyle/>
+                    <a:p>
+                      <a:pPr algn="ctr" fontAlgn="b"/>
+                      <a:r>
+                        <a:rPr lang="en-US" sz="1800" b="0" i="0" u="none" strike="noStrike" dirty="0">
+                          <a:solidFill>
+                            <a:srgbClr val="000000"/>
+                          </a:solidFill>
+                          <a:effectLst/>
+                          <a:latin typeface="Aptos Narrow" panose="020B0004020202020204" pitchFamily="34" charset="0"/>
+                        </a:rPr>
+                        <a:t>5</a:t>
+                      </a:r>
+                    </a:p>
+                  </a:txBody>
+                  <a:tcPr marL="7620" marR="7620" marT="7620" marB="0" anchor="b">
+                    <a:lnL>
+                      <a:noFill/>
+                    </a:lnL>
+                    <a:lnR>
+                      <a:noFill/>
+                    </a:lnR>
+                    <a:lnT w="6350" cap="flat" cmpd="sng" algn="ctr">
+                      <a:solidFill>
+                        <a:srgbClr val="D86DCD"/>
+                      </a:solidFill>
+                      <a:prstDash val="solid"/>
+                      <a:round/>
+                      <a:headEnd type="none" w="med" len="med"/>
+                      <a:tailEnd type="none" w="med" len="med"/>
+                    </a:lnT>
+                    <a:lnB w="6350" cap="flat" cmpd="sng" algn="ctr">
+                      <a:solidFill>
+                        <a:srgbClr val="D86DCD"/>
+                      </a:solidFill>
+                      <a:prstDash val="solid"/>
+                      <a:round/>
+                      <a:headEnd type="none" w="med" len="med"/>
+                      <a:tailEnd type="none" w="med" len="med"/>
+                    </a:lnB>
+                    <a:noFill/>
+                  </a:tcPr>
+                </a:tc>
+                <a:tc>
+                  <a:txBody>
+                    <a:bodyPr/>
+                    <a:lstStyle/>
+                    <a:p>
+                      <a:pPr algn="ctr" fontAlgn="b"/>
+                      <a:r>
+                        <a:rPr lang="en-US" sz="1800" b="0" i="0" u="none" strike="noStrike">
+                          <a:solidFill>
+                            <a:srgbClr val="000000"/>
+                          </a:solidFill>
+                          <a:effectLst/>
+                          <a:latin typeface="Aptos Narrow" panose="020B0004020202020204" pitchFamily="34" charset="0"/>
+                        </a:rPr>
+                        <a:t>5</a:t>
+                      </a:r>
+                    </a:p>
+                  </a:txBody>
+                  <a:tcPr marL="7620" marR="7620" marT="7620" marB="0" anchor="b">
+                    <a:lnL>
+                      <a:noFill/>
+                    </a:lnL>
+                    <a:lnR>
+                      <a:noFill/>
+                    </a:lnR>
+                    <a:lnT w="6350" cap="flat" cmpd="sng" algn="ctr">
+                      <a:solidFill>
+                        <a:srgbClr val="D86DCD"/>
+                      </a:solidFill>
+                      <a:prstDash val="solid"/>
+                      <a:round/>
+                      <a:headEnd type="none" w="med" len="med"/>
+                      <a:tailEnd type="none" w="med" len="med"/>
+                    </a:lnT>
+                    <a:lnB w="6350" cap="flat" cmpd="sng" algn="ctr">
+                      <a:solidFill>
+                        <a:srgbClr val="D86DCD"/>
+                      </a:solidFill>
+                      <a:prstDash val="solid"/>
+                      <a:round/>
+                      <a:headEnd type="none" w="med" len="med"/>
+                      <a:tailEnd type="none" w="med" len="med"/>
+                    </a:lnB>
+                    <a:noFill/>
+                  </a:tcPr>
+                </a:tc>
+                <a:tc>
+                  <a:txBody>
+                    <a:bodyPr/>
+                    <a:lstStyle/>
+                    <a:p>
+                      <a:pPr algn="ctr" fontAlgn="b"/>
+                      <a:r>
+                        <a:rPr lang="en-US" sz="1800" b="0" i="0" u="none" strike="noStrike">
+                          <a:solidFill>
+                            <a:srgbClr val="000000"/>
+                          </a:solidFill>
+                          <a:effectLst/>
+                          <a:latin typeface="Aptos Narrow" panose="020B0004020202020204" pitchFamily="34" charset="0"/>
+                        </a:rPr>
+                        <a:t>5</a:t>
+                      </a:r>
+                    </a:p>
+                  </a:txBody>
+                  <a:tcPr marL="7620" marR="7620" marT="7620" marB="0" anchor="b">
+                    <a:lnL>
+                      <a:noFill/>
+                    </a:lnL>
+                    <a:lnR>
+                      <a:noFill/>
+                    </a:lnR>
+                    <a:lnT w="6350" cap="flat" cmpd="sng" algn="ctr">
+                      <a:solidFill>
+                        <a:srgbClr val="D86DCD"/>
+                      </a:solidFill>
+                      <a:prstDash val="solid"/>
+                      <a:round/>
+                      <a:headEnd type="none" w="med" len="med"/>
+                      <a:tailEnd type="none" w="med" len="med"/>
+                    </a:lnT>
+                    <a:lnB w="6350" cap="flat" cmpd="sng" algn="ctr">
+                      <a:solidFill>
+                        <a:srgbClr val="D86DCD"/>
+                      </a:solidFill>
+                      <a:prstDash val="solid"/>
+                      <a:round/>
+                      <a:headEnd type="none" w="med" len="med"/>
+                      <a:tailEnd type="none" w="med" len="med"/>
+                    </a:lnB>
+                    <a:noFill/>
+                  </a:tcPr>
+                </a:tc>
+                <a:tc>
+                  <a:txBody>
+                    <a:bodyPr/>
+                    <a:lstStyle/>
+                    <a:p>
+                      <a:pPr algn="ctr" fontAlgn="b"/>
+                      <a:r>
+                        <a:rPr lang="en-US" sz="1800" b="0" i="0" u="none" strike="noStrike">
+                          <a:solidFill>
+                            <a:srgbClr val="000000"/>
+                          </a:solidFill>
+                          <a:effectLst/>
+                          <a:latin typeface="Aptos Narrow" panose="020B0004020202020204" pitchFamily="34" charset="0"/>
+                        </a:rPr>
+                        <a:t>5</a:t>
+                      </a:r>
+                    </a:p>
+                  </a:txBody>
+                  <a:tcPr marL="7620" marR="7620" marT="7620" marB="0" anchor="b">
+                    <a:lnL>
+                      <a:noFill/>
+                    </a:lnL>
+                    <a:lnR w="6350" cap="flat" cmpd="sng" algn="ctr">
+                      <a:solidFill>
+                        <a:srgbClr val="D86DCD"/>
+                      </a:solidFill>
+                      <a:prstDash val="solid"/>
+                      <a:round/>
+                      <a:headEnd type="none" w="med" len="med"/>
+                      <a:tailEnd type="none" w="med" len="med"/>
+                    </a:lnR>
+                    <a:lnT w="6350" cap="flat" cmpd="sng" algn="ctr">
+                      <a:solidFill>
+                        <a:srgbClr val="D86DCD"/>
+                      </a:solidFill>
+                      <a:prstDash val="solid"/>
+                      <a:round/>
+                      <a:headEnd type="none" w="med" len="med"/>
+                      <a:tailEnd type="none" w="med" len="med"/>
+                    </a:lnT>
+                    <a:lnB w="6350" cap="flat" cmpd="sng" algn="ctr">
+                      <a:solidFill>
+                        <a:srgbClr val="D86DCD"/>
+                      </a:solidFill>
+                      <a:prstDash val="solid"/>
+                      <a:round/>
+                      <a:headEnd type="none" w="med" len="med"/>
+                      <a:tailEnd type="none" w="med" len="med"/>
+                    </a:lnB>
+                    <a:noFill/>
+                  </a:tcPr>
+                </a:tc>
+                <a:extLst>
+                  <a:ext uri="{0D108BD9-81ED-4DB2-BD59-A6C34878D82A}">
+                    <a16:rowId xmlns:a16="http://schemas.microsoft.com/office/drawing/2014/main" val="2913353068"/>
+                  </a:ext>
+                </a:extLst>
+              </a:tr>
+              <a:tr h="375753">
+                <a:tc>
+                  <a:txBody>
+                    <a:bodyPr/>
+                    <a:lstStyle/>
+                    <a:p>
+                      <a:pPr algn="l" fontAlgn="b"/>
+                      <a:r>
+                        <a:rPr lang="en-US" sz="1800" b="0" i="0" u="none" strike="noStrike">
+                          <a:solidFill>
+                            <a:srgbClr val="000000"/>
+                          </a:solidFill>
+                          <a:effectLst/>
+                          <a:latin typeface="Aptos Narrow" panose="020B0004020202020204" pitchFamily="34" charset="0"/>
+                        </a:rPr>
+                        <a:t>Reliability</a:t>
+                      </a:r>
+                    </a:p>
+                  </a:txBody>
+                  <a:tcPr marL="7620" marR="7620" marT="7620" marB="0" anchor="b">
+                    <a:lnL w="6350" cap="flat" cmpd="sng" algn="ctr">
+                      <a:solidFill>
+                        <a:srgbClr val="D86DCD"/>
+                      </a:solidFill>
+                      <a:prstDash val="solid"/>
+                      <a:round/>
+                      <a:headEnd type="none" w="med" len="med"/>
+                      <a:tailEnd type="none" w="med" len="med"/>
+                    </a:lnL>
+                    <a:lnR>
+                      <a:noFill/>
+                    </a:lnR>
+                    <a:lnT w="6350" cap="flat" cmpd="sng" algn="ctr">
+                      <a:solidFill>
+                        <a:srgbClr val="D86DCD"/>
+                      </a:solidFill>
+                      <a:prstDash val="solid"/>
+                      <a:round/>
+                      <a:headEnd type="none" w="med" len="med"/>
+                      <a:tailEnd type="none" w="med" len="med"/>
+                    </a:lnT>
+                    <a:lnB w="6350" cap="flat" cmpd="sng" algn="ctr">
+                      <a:solidFill>
+                        <a:srgbClr val="D86DCD"/>
+                      </a:solidFill>
+                      <a:prstDash val="solid"/>
+                      <a:round/>
+                      <a:headEnd type="none" w="med" len="med"/>
+                      <a:tailEnd type="none" w="med" len="med"/>
+                    </a:lnB>
+                    <a:solidFill>
+                      <a:srgbClr val="F2CEEF"/>
+                    </a:solidFill>
+                  </a:tcPr>
+                </a:tc>
+                <a:tc>
+                  <a:txBody>
+                    <a:bodyPr/>
+                    <a:lstStyle/>
+                    <a:p>
+                      <a:pPr algn="l" fontAlgn="b"/>
+                      <a:r>
+                        <a:rPr lang="en-US" sz="1800" b="0" i="0" u="none" strike="noStrike">
+                          <a:solidFill>
+                            <a:srgbClr val="000000"/>
+                          </a:solidFill>
+                          <a:effectLst/>
+                          <a:latin typeface="Aptos Narrow" panose="020B0004020202020204" pitchFamily="34" charset="0"/>
+                        </a:rPr>
+                        <a:t>Produces data consistantly</a:t>
+                      </a:r>
+                    </a:p>
+                  </a:txBody>
+                  <a:tcPr marL="7620" marR="7620" marT="7620" marB="0" anchor="b">
+                    <a:lnL>
+                      <a:noFill/>
+                    </a:lnL>
+                    <a:lnR>
+                      <a:noFill/>
+                    </a:lnR>
+                    <a:lnT w="6350" cap="flat" cmpd="sng" algn="ctr">
+                      <a:solidFill>
+                        <a:srgbClr val="D86DCD"/>
+                      </a:solidFill>
+                      <a:prstDash val="solid"/>
+                      <a:round/>
+                      <a:headEnd type="none" w="med" len="med"/>
+                      <a:tailEnd type="none" w="med" len="med"/>
+                    </a:lnT>
+                    <a:lnB w="6350" cap="flat" cmpd="sng" algn="ctr">
+                      <a:solidFill>
+                        <a:srgbClr val="D86DCD"/>
+                      </a:solidFill>
+                      <a:prstDash val="solid"/>
+                      <a:round/>
+                      <a:headEnd type="none" w="med" len="med"/>
+                      <a:tailEnd type="none" w="med" len="med"/>
+                    </a:lnB>
+                    <a:solidFill>
+                      <a:srgbClr val="F2CEEF"/>
+                    </a:solidFill>
+                  </a:tcPr>
+                </a:tc>
+                <a:tc>
+                  <a:txBody>
+                    <a:bodyPr/>
+                    <a:lstStyle/>
+                    <a:p>
+                      <a:pPr algn="ctr" fontAlgn="b"/>
+                      <a:r>
+                        <a:rPr lang="en-US" sz="1800" b="0" i="0" u="none" strike="noStrike">
+                          <a:solidFill>
+                            <a:srgbClr val="000000"/>
+                          </a:solidFill>
+                          <a:effectLst/>
+                          <a:latin typeface="Aptos Narrow" panose="020B0004020202020204" pitchFamily="34" charset="0"/>
+                        </a:rPr>
+                        <a:t>10</a:t>
+                      </a:r>
+                    </a:p>
+                  </a:txBody>
+                  <a:tcPr marL="7620" marR="7620" marT="7620" marB="0" anchor="b">
+                    <a:lnL>
+                      <a:noFill/>
+                    </a:lnL>
+                    <a:lnR>
+                      <a:noFill/>
+                    </a:lnR>
+                    <a:lnT w="6350" cap="flat" cmpd="sng" algn="ctr">
+                      <a:solidFill>
+                        <a:srgbClr val="D86DCD"/>
+                      </a:solidFill>
+                      <a:prstDash val="solid"/>
+                      <a:round/>
+                      <a:headEnd type="none" w="med" len="med"/>
+                      <a:tailEnd type="none" w="med" len="med"/>
+                    </a:lnT>
+                    <a:lnB w="6350" cap="flat" cmpd="sng" algn="ctr">
+                      <a:solidFill>
+                        <a:srgbClr val="D86DCD"/>
+                      </a:solidFill>
+                      <a:prstDash val="solid"/>
+                      <a:round/>
+                      <a:headEnd type="none" w="med" len="med"/>
+                      <a:tailEnd type="none" w="med" len="med"/>
+                    </a:lnB>
+                    <a:solidFill>
+                      <a:srgbClr val="F2CEEF"/>
+                    </a:solidFill>
+                  </a:tcPr>
+                </a:tc>
+                <a:tc>
+                  <a:txBody>
+                    <a:bodyPr/>
+                    <a:lstStyle/>
+                    <a:p>
+                      <a:pPr algn="ctr" fontAlgn="b"/>
+                      <a:r>
+                        <a:rPr lang="en-US" sz="1800" b="0" i="0" u="none" strike="noStrike" dirty="0">
+                          <a:solidFill>
+                            <a:srgbClr val="000000"/>
+                          </a:solidFill>
+                          <a:effectLst/>
+                          <a:latin typeface="Aptos Narrow" panose="020B0004020202020204" pitchFamily="34" charset="0"/>
+                        </a:rPr>
+                        <a:t>5</a:t>
+                      </a:r>
+                    </a:p>
+                  </a:txBody>
+                  <a:tcPr marL="7620" marR="7620" marT="7620" marB="0" anchor="b">
+                    <a:lnL>
+                      <a:noFill/>
+                    </a:lnL>
+                    <a:lnR>
+                      <a:noFill/>
+                    </a:lnR>
+                    <a:lnT w="6350" cap="flat" cmpd="sng" algn="ctr">
+                      <a:solidFill>
+                        <a:srgbClr val="D86DCD"/>
+                      </a:solidFill>
+                      <a:prstDash val="solid"/>
+                      <a:round/>
+                      <a:headEnd type="none" w="med" len="med"/>
+                      <a:tailEnd type="none" w="med" len="med"/>
+                    </a:lnT>
+                    <a:lnB w="6350" cap="flat" cmpd="sng" algn="ctr">
+                      <a:solidFill>
+                        <a:srgbClr val="D86DCD"/>
+                      </a:solidFill>
+                      <a:prstDash val="solid"/>
+                      <a:round/>
+                      <a:headEnd type="none" w="med" len="med"/>
+                      <a:tailEnd type="none" w="med" len="med"/>
+                    </a:lnB>
+                    <a:solidFill>
+                      <a:srgbClr val="F2CEEF"/>
+                    </a:solidFill>
+                  </a:tcPr>
+                </a:tc>
+                <a:tc>
+                  <a:txBody>
+                    <a:bodyPr/>
+                    <a:lstStyle/>
+                    <a:p>
+                      <a:pPr algn="ctr" fontAlgn="b"/>
+                      <a:r>
+                        <a:rPr lang="en-US" sz="1800" b="0" i="0" u="none" strike="noStrike">
+                          <a:solidFill>
+                            <a:srgbClr val="000000"/>
+                          </a:solidFill>
+                          <a:effectLst/>
+                          <a:latin typeface="Aptos Narrow" panose="020B0004020202020204" pitchFamily="34" charset="0"/>
+                        </a:rPr>
+                        <a:t>4</a:t>
+                      </a:r>
+                    </a:p>
+                  </a:txBody>
+                  <a:tcPr marL="7620" marR="7620" marT="7620" marB="0" anchor="b">
+                    <a:lnL>
+                      <a:noFill/>
+                    </a:lnL>
+                    <a:lnR>
+                      <a:noFill/>
+                    </a:lnR>
+                    <a:lnT w="6350" cap="flat" cmpd="sng" algn="ctr">
+                      <a:solidFill>
+                        <a:srgbClr val="D86DCD"/>
+                      </a:solidFill>
+                      <a:prstDash val="solid"/>
+                      <a:round/>
+                      <a:headEnd type="none" w="med" len="med"/>
+                      <a:tailEnd type="none" w="med" len="med"/>
+                    </a:lnT>
+                    <a:lnB w="6350" cap="flat" cmpd="sng" algn="ctr">
+                      <a:solidFill>
+                        <a:srgbClr val="D86DCD"/>
+                      </a:solidFill>
+                      <a:prstDash val="solid"/>
+                      <a:round/>
+                      <a:headEnd type="none" w="med" len="med"/>
+                      <a:tailEnd type="none" w="med" len="med"/>
+                    </a:lnB>
+                    <a:solidFill>
+                      <a:srgbClr val="F2CEEF"/>
+                    </a:solidFill>
+                  </a:tcPr>
+                </a:tc>
+                <a:tc>
+                  <a:txBody>
+                    <a:bodyPr/>
+                    <a:lstStyle/>
+                    <a:p>
+                      <a:pPr algn="ctr" fontAlgn="b"/>
+                      <a:r>
+                        <a:rPr lang="en-US" sz="1800" b="0" i="0" u="none" strike="noStrike">
+                          <a:solidFill>
+                            <a:srgbClr val="000000"/>
+                          </a:solidFill>
+                          <a:effectLst/>
+                          <a:latin typeface="Aptos Narrow" panose="020B0004020202020204" pitchFamily="34" charset="0"/>
+                        </a:rPr>
+                        <a:t>6</a:t>
+                      </a:r>
+                    </a:p>
+                  </a:txBody>
+                  <a:tcPr marL="7620" marR="7620" marT="7620" marB="0" anchor="b">
+                    <a:lnL>
+                      <a:noFill/>
+                    </a:lnL>
+                    <a:lnR w="6350" cap="flat" cmpd="sng" algn="ctr">
+                      <a:solidFill>
+                        <a:srgbClr val="D86DCD"/>
+                      </a:solidFill>
+                      <a:prstDash val="solid"/>
+                      <a:round/>
+                      <a:headEnd type="none" w="med" len="med"/>
+                      <a:tailEnd type="none" w="med" len="med"/>
+                    </a:lnR>
+                    <a:lnT w="6350" cap="flat" cmpd="sng" algn="ctr">
+                      <a:solidFill>
+                        <a:srgbClr val="D86DCD"/>
+                      </a:solidFill>
+                      <a:prstDash val="solid"/>
+                      <a:round/>
+                      <a:headEnd type="none" w="med" len="med"/>
+                      <a:tailEnd type="none" w="med" len="med"/>
+                    </a:lnT>
+                    <a:lnB w="6350" cap="flat" cmpd="sng" algn="ctr">
+                      <a:solidFill>
+                        <a:srgbClr val="D86DCD"/>
+                      </a:solidFill>
+                      <a:prstDash val="solid"/>
+                      <a:round/>
+                      <a:headEnd type="none" w="med" len="med"/>
+                      <a:tailEnd type="none" w="med" len="med"/>
+                    </a:lnB>
+                    <a:solidFill>
+                      <a:srgbClr val="F2CEEF"/>
+                    </a:solidFill>
+                  </a:tcPr>
+                </a:tc>
+                <a:extLst>
+                  <a:ext uri="{0D108BD9-81ED-4DB2-BD59-A6C34878D82A}">
+                    <a16:rowId xmlns:a16="http://schemas.microsoft.com/office/drawing/2014/main" val="3639402190"/>
+                  </a:ext>
+                </a:extLst>
+              </a:tr>
+              <a:tr h="375753">
+                <a:tc>
+                  <a:txBody>
+                    <a:bodyPr/>
+                    <a:lstStyle/>
+                    <a:p>
+                      <a:pPr algn="l" fontAlgn="b"/>
+                      <a:r>
+                        <a:rPr lang="en-US" sz="1800" b="0" i="0" u="none" strike="noStrike">
+                          <a:solidFill>
+                            <a:srgbClr val="000000"/>
+                          </a:solidFill>
+                          <a:effectLst/>
+                          <a:latin typeface="Aptos Narrow" panose="020B0004020202020204" pitchFamily="34" charset="0"/>
+                        </a:rPr>
+                        <a:t>Compact</a:t>
+                      </a:r>
+                    </a:p>
+                  </a:txBody>
+                  <a:tcPr marL="7620" marR="7620" marT="7620" marB="0" anchor="b">
+                    <a:lnL w="6350" cap="flat" cmpd="sng" algn="ctr">
+                      <a:solidFill>
+                        <a:srgbClr val="D86DCD"/>
+                      </a:solidFill>
+                      <a:prstDash val="solid"/>
+                      <a:round/>
+                      <a:headEnd type="none" w="med" len="med"/>
+                      <a:tailEnd type="none" w="med" len="med"/>
+                    </a:lnL>
+                    <a:lnR>
+                      <a:noFill/>
+                    </a:lnR>
+                    <a:lnT w="6350" cap="flat" cmpd="sng" algn="ctr">
+                      <a:solidFill>
+                        <a:srgbClr val="D86DCD"/>
+                      </a:solidFill>
+                      <a:prstDash val="solid"/>
+                      <a:round/>
+                      <a:headEnd type="none" w="med" len="med"/>
+                      <a:tailEnd type="none" w="med" len="med"/>
+                    </a:lnT>
+                    <a:lnB w="6350" cap="flat" cmpd="sng" algn="ctr">
+                      <a:solidFill>
+                        <a:srgbClr val="D86DCD"/>
+                      </a:solidFill>
+                      <a:prstDash val="solid"/>
+                      <a:round/>
+                      <a:headEnd type="none" w="med" len="med"/>
+                      <a:tailEnd type="none" w="med" len="med"/>
+                    </a:lnB>
+                    <a:noFill/>
+                  </a:tcPr>
+                </a:tc>
+                <a:tc>
+                  <a:txBody>
+                    <a:bodyPr/>
+                    <a:lstStyle/>
+                    <a:p>
+                      <a:pPr algn="l" fontAlgn="b"/>
+                      <a:r>
+                        <a:rPr lang="en-US" sz="1800" b="0" i="0" u="none" strike="noStrike">
+                          <a:solidFill>
+                            <a:srgbClr val="000000"/>
+                          </a:solidFill>
+                          <a:effectLst/>
+                          <a:latin typeface="Aptos Narrow" panose="020B0004020202020204" pitchFamily="34" charset="0"/>
+                        </a:rPr>
+                        <a:t>3 inches width, 4 inches length</a:t>
+                      </a:r>
+                    </a:p>
+                  </a:txBody>
+                  <a:tcPr marL="7620" marR="7620" marT="7620" marB="0" anchor="b">
+                    <a:lnL>
+                      <a:noFill/>
+                    </a:lnL>
+                    <a:lnR>
+                      <a:noFill/>
+                    </a:lnR>
+                    <a:lnT w="6350" cap="flat" cmpd="sng" algn="ctr">
+                      <a:solidFill>
+                        <a:srgbClr val="D86DCD"/>
+                      </a:solidFill>
+                      <a:prstDash val="solid"/>
+                      <a:round/>
+                      <a:headEnd type="none" w="med" len="med"/>
+                      <a:tailEnd type="none" w="med" len="med"/>
+                    </a:lnT>
+                    <a:lnB w="6350" cap="flat" cmpd="sng" algn="ctr">
+                      <a:solidFill>
+                        <a:srgbClr val="D86DCD"/>
+                      </a:solidFill>
+                      <a:prstDash val="solid"/>
+                      <a:round/>
+                      <a:headEnd type="none" w="med" len="med"/>
+                      <a:tailEnd type="none" w="med" len="med"/>
+                    </a:lnB>
+                    <a:noFill/>
+                  </a:tcPr>
+                </a:tc>
+                <a:tc>
+                  <a:txBody>
+                    <a:bodyPr/>
+                    <a:lstStyle/>
+                    <a:p>
+                      <a:pPr algn="ctr" fontAlgn="b"/>
+                      <a:r>
+                        <a:rPr lang="en-US" sz="1800" b="0" i="0" u="none" strike="noStrike">
+                          <a:solidFill>
+                            <a:srgbClr val="000000"/>
+                          </a:solidFill>
+                          <a:effectLst/>
+                          <a:latin typeface="Aptos Narrow" panose="020B0004020202020204" pitchFamily="34" charset="0"/>
+                        </a:rPr>
+                        <a:t>10</a:t>
+                      </a:r>
+                    </a:p>
+                  </a:txBody>
+                  <a:tcPr marL="7620" marR="7620" marT="7620" marB="0" anchor="b">
+                    <a:lnL>
+                      <a:noFill/>
+                    </a:lnL>
+                    <a:lnR>
+                      <a:noFill/>
+                    </a:lnR>
+                    <a:lnT w="6350" cap="flat" cmpd="sng" algn="ctr">
+                      <a:solidFill>
+                        <a:srgbClr val="D86DCD"/>
+                      </a:solidFill>
+                      <a:prstDash val="solid"/>
+                      <a:round/>
+                      <a:headEnd type="none" w="med" len="med"/>
+                      <a:tailEnd type="none" w="med" len="med"/>
+                    </a:lnT>
+                    <a:lnB w="6350" cap="flat" cmpd="sng" algn="ctr">
+                      <a:solidFill>
+                        <a:srgbClr val="D86DCD"/>
+                      </a:solidFill>
+                      <a:prstDash val="solid"/>
+                      <a:round/>
+                      <a:headEnd type="none" w="med" len="med"/>
+                      <a:tailEnd type="none" w="med" len="med"/>
+                    </a:lnB>
+                    <a:noFill/>
+                  </a:tcPr>
+                </a:tc>
+                <a:tc>
+                  <a:txBody>
+                    <a:bodyPr/>
+                    <a:lstStyle/>
+                    <a:p>
+                      <a:pPr algn="ctr" fontAlgn="b"/>
+                      <a:r>
+                        <a:rPr lang="en-US" sz="1800" b="0" i="0" u="none" strike="noStrike" dirty="0">
+                          <a:solidFill>
+                            <a:srgbClr val="000000"/>
+                          </a:solidFill>
+                          <a:effectLst/>
+                          <a:latin typeface="Aptos Narrow" panose="020B0004020202020204" pitchFamily="34" charset="0"/>
+                        </a:rPr>
+                        <a:t>5</a:t>
+                      </a:r>
+                    </a:p>
+                  </a:txBody>
+                  <a:tcPr marL="7620" marR="7620" marT="7620" marB="0" anchor="b">
+                    <a:lnL>
+                      <a:noFill/>
+                    </a:lnL>
+                    <a:lnR>
+                      <a:noFill/>
+                    </a:lnR>
+                    <a:lnT w="6350" cap="flat" cmpd="sng" algn="ctr">
+                      <a:solidFill>
+                        <a:srgbClr val="D86DCD"/>
+                      </a:solidFill>
+                      <a:prstDash val="solid"/>
+                      <a:round/>
+                      <a:headEnd type="none" w="med" len="med"/>
+                      <a:tailEnd type="none" w="med" len="med"/>
+                    </a:lnT>
+                    <a:lnB w="6350" cap="flat" cmpd="sng" algn="ctr">
+                      <a:solidFill>
+                        <a:srgbClr val="D86DCD"/>
+                      </a:solidFill>
+                      <a:prstDash val="solid"/>
+                      <a:round/>
+                      <a:headEnd type="none" w="med" len="med"/>
+                      <a:tailEnd type="none" w="med" len="med"/>
+                    </a:lnB>
+                    <a:noFill/>
+                  </a:tcPr>
+                </a:tc>
+                <a:tc>
+                  <a:txBody>
+                    <a:bodyPr/>
+                    <a:lstStyle/>
+                    <a:p>
+                      <a:pPr algn="ctr" fontAlgn="b"/>
+                      <a:r>
+                        <a:rPr lang="en-US" sz="1800" b="0" i="0" u="none" strike="noStrike">
+                          <a:solidFill>
+                            <a:srgbClr val="000000"/>
+                          </a:solidFill>
+                          <a:effectLst/>
+                          <a:latin typeface="Aptos Narrow" panose="020B0004020202020204" pitchFamily="34" charset="0"/>
+                        </a:rPr>
+                        <a:t>7</a:t>
+                      </a:r>
+                    </a:p>
+                  </a:txBody>
+                  <a:tcPr marL="7620" marR="7620" marT="7620" marB="0" anchor="b">
+                    <a:lnL>
+                      <a:noFill/>
+                    </a:lnL>
+                    <a:lnR>
+                      <a:noFill/>
+                    </a:lnR>
+                    <a:lnT w="6350" cap="flat" cmpd="sng" algn="ctr">
+                      <a:solidFill>
+                        <a:srgbClr val="D86DCD"/>
+                      </a:solidFill>
+                      <a:prstDash val="solid"/>
+                      <a:round/>
+                      <a:headEnd type="none" w="med" len="med"/>
+                      <a:tailEnd type="none" w="med" len="med"/>
+                    </a:lnT>
+                    <a:lnB w="6350" cap="flat" cmpd="sng" algn="ctr">
+                      <a:solidFill>
+                        <a:srgbClr val="D86DCD"/>
+                      </a:solidFill>
+                      <a:prstDash val="solid"/>
+                      <a:round/>
+                      <a:headEnd type="none" w="med" len="med"/>
+                      <a:tailEnd type="none" w="med" len="med"/>
+                    </a:lnB>
+                    <a:noFill/>
+                  </a:tcPr>
+                </a:tc>
+                <a:tc>
+                  <a:txBody>
+                    <a:bodyPr/>
+                    <a:lstStyle/>
+                    <a:p>
+                      <a:pPr algn="ctr" fontAlgn="b"/>
+                      <a:r>
+                        <a:rPr lang="en-US" sz="1800" b="0" i="0" u="none" strike="noStrike">
+                          <a:solidFill>
+                            <a:srgbClr val="000000"/>
+                          </a:solidFill>
+                          <a:effectLst/>
+                          <a:latin typeface="Aptos Narrow" panose="020B0004020202020204" pitchFamily="34" charset="0"/>
+                        </a:rPr>
+                        <a:t>5</a:t>
+                      </a:r>
+                    </a:p>
+                  </a:txBody>
+                  <a:tcPr marL="7620" marR="7620" marT="7620" marB="0" anchor="b">
+                    <a:lnL>
+                      <a:noFill/>
+                    </a:lnL>
+                    <a:lnR w="6350" cap="flat" cmpd="sng" algn="ctr">
+                      <a:solidFill>
+                        <a:srgbClr val="D86DCD"/>
+                      </a:solidFill>
+                      <a:prstDash val="solid"/>
+                      <a:round/>
+                      <a:headEnd type="none" w="med" len="med"/>
+                      <a:tailEnd type="none" w="med" len="med"/>
+                    </a:lnR>
+                    <a:lnT w="6350" cap="flat" cmpd="sng" algn="ctr">
+                      <a:solidFill>
+                        <a:srgbClr val="D86DCD"/>
+                      </a:solidFill>
+                      <a:prstDash val="solid"/>
+                      <a:round/>
+                      <a:headEnd type="none" w="med" len="med"/>
+                      <a:tailEnd type="none" w="med" len="med"/>
+                    </a:lnT>
+                    <a:lnB w="6350" cap="flat" cmpd="sng" algn="ctr">
+                      <a:solidFill>
+                        <a:srgbClr val="D86DCD"/>
+                      </a:solidFill>
+                      <a:prstDash val="solid"/>
+                      <a:round/>
+                      <a:headEnd type="none" w="med" len="med"/>
+                      <a:tailEnd type="none" w="med" len="med"/>
+                    </a:lnB>
+                    <a:noFill/>
+                  </a:tcPr>
+                </a:tc>
+                <a:extLst>
+                  <a:ext uri="{0D108BD9-81ED-4DB2-BD59-A6C34878D82A}">
+                    <a16:rowId xmlns:a16="http://schemas.microsoft.com/office/drawing/2014/main" val="2831621966"/>
+                  </a:ext>
+                </a:extLst>
+              </a:tr>
+              <a:tr h="375753">
+                <a:tc>
+                  <a:txBody>
+                    <a:bodyPr/>
+                    <a:lstStyle/>
+                    <a:p>
+                      <a:pPr algn="l" fontAlgn="b"/>
+                      <a:r>
+                        <a:rPr lang="en-US" sz="1800" b="0" i="0" u="none" strike="noStrike">
+                          <a:solidFill>
+                            <a:srgbClr val="000000"/>
+                          </a:solidFill>
+                          <a:effectLst/>
+                          <a:latin typeface="Aptos Narrow" panose="020B0004020202020204" pitchFamily="34" charset="0"/>
+                        </a:rPr>
+                        <a:t>Accuracy </a:t>
+                      </a:r>
+                    </a:p>
+                  </a:txBody>
+                  <a:tcPr marL="7620" marR="7620" marT="7620" marB="0" anchor="b">
+                    <a:lnL w="6350" cap="flat" cmpd="sng" algn="ctr">
+                      <a:solidFill>
+                        <a:srgbClr val="D86DCD"/>
+                      </a:solidFill>
+                      <a:prstDash val="solid"/>
+                      <a:round/>
+                      <a:headEnd type="none" w="med" len="med"/>
+                      <a:tailEnd type="none" w="med" len="med"/>
+                    </a:lnL>
+                    <a:lnR>
+                      <a:noFill/>
+                    </a:lnR>
+                    <a:lnT w="6350" cap="flat" cmpd="sng" algn="ctr">
+                      <a:solidFill>
+                        <a:srgbClr val="D86DCD"/>
+                      </a:solidFill>
+                      <a:prstDash val="solid"/>
+                      <a:round/>
+                      <a:headEnd type="none" w="med" len="med"/>
+                      <a:tailEnd type="none" w="med" len="med"/>
+                    </a:lnT>
+                    <a:lnB w="6350" cap="flat" cmpd="sng" algn="ctr">
+                      <a:solidFill>
+                        <a:srgbClr val="D86DCD"/>
+                      </a:solidFill>
+                      <a:prstDash val="solid"/>
+                      <a:round/>
+                      <a:headEnd type="none" w="med" len="med"/>
+                      <a:tailEnd type="none" w="med" len="med"/>
+                    </a:lnB>
+                    <a:solidFill>
+                      <a:srgbClr val="F2CEEF"/>
+                    </a:solidFill>
+                  </a:tcPr>
+                </a:tc>
+                <a:tc>
+                  <a:txBody>
+                    <a:bodyPr/>
+                    <a:lstStyle/>
+                    <a:p>
+                      <a:pPr algn="l" fontAlgn="b"/>
+                      <a:r>
+                        <a:rPr lang="en-US" sz="1800" b="0" i="0" u="none" strike="noStrike">
+                          <a:solidFill>
+                            <a:srgbClr val="000000"/>
+                          </a:solidFill>
+                          <a:effectLst/>
+                          <a:latin typeface="Aptos Narrow" panose="020B0004020202020204" pitchFamily="34" charset="0"/>
+                        </a:rPr>
+                        <a:t>Produces accurate data</a:t>
+                      </a:r>
+                    </a:p>
+                  </a:txBody>
+                  <a:tcPr marL="7620" marR="7620" marT="7620" marB="0" anchor="b">
+                    <a:lnL>
+                      <a:noFill/>
+                    </a:lnL>
+                    <a:lnR>
+                      <a:noFill/>
+                    </a:lnR>
+                    <a:lnT w="6350" cap="flat" cmpd="sng" algn="ctr">
+                      <a:solidFill>
+                        <a:srgbClr val="D86DCD"/>
+                      </a:solidFill>
+                      <a:prstDash val="solid"/>
+                      <a:round/>
+                      <a:headEnd type="none" w="med" len="med"/>
+                      <a:tailEnd type="none" w="med" len="med"/>
+                    </a:lnT>
+                    <a:lnB w="6350" cap="flat" cmpd="sng" algn="ctr">
+                      <a:solidFill>
+                        <a:srgbClr val="D86DCD"/>
+                      </a:solidFill>
+                      <a:prstDash val="solid"/>
+                      <a:round/>
+                      <a:headEnd type="none" w="med" len="med"/>
+                      <a:tailEnd type="none" w="med" len="med"/>
+                    </a:lnB>
+                    <a:solidFill>
+                      <a:srgbClr val="F2CEEF"/>
+                    </a:solidFill>
+                  </a:tcPr>
+                </a:tc>
+                <a:tc>
+                  <a:txBody>
+                    <a:bodyPr/>
+                    <a:lstStyle/>
+                    <a:p>
+                      <a:pPr algn="ctr" fontAlgn="b"/>
+                      <a:r>
+                        <a:rPr lang="en-US" sz="1800" b="0" i="0" u="none" strike="noStrike">
+                          <a:solidFill>
+                            <a:srgbClr val="000000"/>
+                          </a:solidFill>
+                          <a:effectLst/>
+                          <a:latin typeface="Aptos Narrow" panose="020B0004020202020204" pitchFamily="34" charset="0"/>
+                        </a:rPr>
+                        <a:t>7</a:t>
+                      </a:r>
+                    </a:p>
+                  </a:txBody>
+                  <a:tcPr marL="7620" marR="7620" marT="7620" marB="0" anchor="b">
+                    <a:lnL>
+                      <a:noFill/>
+                    </a:lnL>
                     <a:lnR>
                       <a:noFill/>
                     </a:lnR>
@@ -13957,609 +15216,7 @@
                     <a:p>
                       <a:pPr algn="ctr" fontAlgn="b"/>
                       <a:r>
-                        <a:rPr lang="en-US" sz="1800" b="0" i="0" u="none" strike="noStrike">
-                          <a:solidFill>
-                            <a:srgbClr val="000000"/>
-                          </a:solidFill>
-                          <a:effectLst/>
-                          <a:latin typeface="Aptos Narrow" panose="020B0004020202020204" pitchFamily="34" charset="0"/>
-                        </a:rPr>
-                        <a:t>7</a:t>
-                      </a:r>
-                    </a:p>
-                  </a:txBody>
-                  <a:tcPr marL="7620" marR="7620" marT="7620" marB="0" anchor="b">
-                    <a:lnL>
-                      <a:noFill/>
-                    </a:lnL>
-                    <a:lnR>
-                      <a:noFill/>
-                    </a:lnR>
-                    <a:lnT w="6350" cap="flat" cmpd="sng" algn="ctr">
-                      <a:solidFill>
-                        <a:srgbClr val="D86DCD"/>
-                      </a:solidFill>
-                      <a:prstDash val="solid"/>
-                      <a:round/>
-                      <a:headEnd type="none" w="med" len="med"/>
-                      <a:tailEnd type="none" w="med" len="med"/>
-                    </a:lnT>
-                    <a:lnB w="6350" cap="flat" cmpd="sng" algn="ctr">
-                      <a:solidFill>
-                        <a:srgbClr val="D86DCD"/>
-                      </a:solidFill>
-                      <a:prstDash val="solid"/>
-                      <a:round/>
-                      <a:headEnd type="none" w="med" len="med"/>
-                      <a:tailEnd type="none" w="med" len="med"/>
-                    </a:lnB>
-                    <a:solidFill>
-                      <a:srgbClr val="F2CEEF"/>
-                    </a:solidFill>
-                  </a:tcPr>
-                </a:tc>
-                <a:tc>
-                  <a:txBody>
-                    <a:bodyPr/>
-                    <a:lstStyle/>
-                    <a:p>
-                      <a:pPr algn="ctr" fontAlgn="b"/>
-                      <a:r>
-                        <a:rPr lang="en-US" sz="1800" b="0" i="0" u="none" strike="noStrike">
-                          <a:solidFill>
-                            <a:srgbClr val="000000"/>
-                          </a:solidFill>
-                          <a:effectLst/>
-                          <a:latin typeface="Aptos Narrow" panose="020B0004020202020204" pitchFamily="34" charset="0"/>
-                        </a:rPr>
-                        <a:t>3</a:t>
-                      </a:r>
-                    </a:p>
-                  </a:txBody>
-                  <a:tcPr marL="7620" marR="7620" marT="7620" marB="0" anchor="b">
-                    <a:lnL>
-                      <a:noFill/>
-                    </a:lnL>
-                    <a:lnR w="6350" cap="flat" cmpd="sng" algn="ctr">
-                      <a:solidFill>
-                        <a:srgbClr val="D86DCD"/>
-                      </a:solidFill>
-                      <a:prstDash val="solid"/>
-                      <a:round/>
-                      <a:headEnd type="none" w="med" len="med"/>
-                      <a:tailEnd type="none" w="med" len="med"/>
-                    </a:lnR>
-                    <a:lnT w="6350" cap="flat" cmpd="sng" algn="ctr">
-                      <a:solidFill>
-                        <a:srgbClr val="D86DCD"/>
-                      </a:solidFill>
-                      <a:prstDash val="solid"/>
-                      <a:round/>
-                      <a:headEnd type="none" w="med" len="med"/>
-                      <a:tailEnd type="none" w="med" len="med"/>
-                    </a:lnT>
-                    <a:lnB w="6350" cap="flat" cmpd="sng" algn="ctr">
-                      <a:solidFill>
-                        <a:srgbClr val="D86DCD"/>
-                      </a:solidFill>
-                      <a:prstDash val="solid"/>
-                      <a:round/>
-                      <a:headEnd type="none" w="med" len="med"/>
-                      <a:tailEnd type="none" w="med" len="med"/>
-                    </a:lnB>
-                    <a:solidFill>
-                      <a:srgbClr val="F2CEEF"/>
-                    </a:solidFill>
-                  </a:tcPr>
-                </a:tc>
-                <a:extLst>
-                  <a:ext uri="{0D108BD9-81ED-4DB2-BD59-A6C34878D82A}">
-                    <a16:rowId xmlns:a16="http://schemas.microsoft.com/office/drawing/2014/main" val="35067030"/>
-                  </a:ext>
-                </a:extLst>
-              </a:tr>
-              <a:tr h="346236">
-                <a:tc>
-                  <a:txBody>
-                    <a:bodyPr/>
-                    <a:lstStyle/>
-                    <a:p>
-                      <a:pPr algn="l" fontAlgn="b"/>
-                      <a:r>
-                        <a:rPr lang="en-US" sz="1800" b="0" i="0" u="none" strike="noStrike">
-                          <a:solidFill>
-                            <a:srgbClr val="000000"/>
-                          </a:solidFill>
-                          <a:effectLst/>
-                          <a:latin typeface="Aptos Narrow" panose="020B0004020202020204" pitchFamily="34" charset="0"/>
-                        </a:rPr>
-                        <a:t>Connectivity</a:t>
-                      </a:r>
-                    </a:p>
-                  </a:txBody>
-                  <a:tcPr marL="7620" marR="7620" marT="7620" marB="0" anchor="b">
-                    <a:lnL w="6350" cap="flat" cmpd="sng" algn="ctr">
-                      <a:solidFill>
-                        <a:srgbClr val="D86DCD"/>
-                      </a:solidFill>
-                      <a:prstDash val="solid"/>
-                      <a:round/>
-                      <a:headEnd type="none" w="med" len="med"/>
-                      <a:tailEnd type="none" w="med" len="med"/>
-                    </a:lnL>
-                    <a:lnR>
-                      <a:noFill/>
-                    </a:lnR>
-                    <a:lnT w="6350" cap="flat" cmpd="sng" algn="ctr">
-                      <a:solidFill>
-                        <a:srgbClr val="D86DCD"/>
-                      </a:solidFill>
-                      <a:prstDash val="solid"/>
-                      <a:round/>
-                      <a:headEnd type="none" w="med" len="med"/>
-                      <a:tailEnd type="none" w="med" len="med"/>
-                    </a:lnT>
-                    <a:lnB w="6350" cap="flat" cmpd="sng" algn="ctr">
-                      <a:solidFill>
-                        <a:srgbClr val="D86DCD"/>
-                      </a:solidFill>
-                      <a:prstDash val="solid"/>
-                      <a:round/>
-                      <a:headEnd type="none" w="med" len="med"/>
-                      <a:tailEnd type="none" w="med" len="med"/>
-                    </a:lnB>
-                    <a:noFill/>
-                  </a:tcPr>
-                </a:tc>
-                <a:tc>
-                  <a:txBody>
-                    <a:bodyPr/>
-                    <a:lstStyle/>
-                    <a:p>
-                      <a:pPr algn="l" fontAlgn="b"/>
-                      <a:r>
-                        <a:rPr lang="en-US" sz="1800" b="0" i="0" u="none" strike="noStrike">
-                          <a:solidFill>
-                            <a:srgbClr val="000000"/>
-                          </a:solidFill>
-                          <a:effectLst/>
-                          <a:latin typeface="Aptos Narrow" panose="020B0004020202020204" pitchFamily="34" charset="0"/>
-                        </a:rPr>
-                        <a:t>Be able to output data via serial</a:t>
-                      </a:r>
-                    </a:p>
-                  </a:txBody>
-                  <a:tcPr marL="7620" marR="7620" marT="7620" marB="0" anchor="b">
-                    <a:lnL>
-                      <a:noFill/>
-                    </a:lnL>
-                    <a:lnR>
-                      <a:noFill/>
-                    </a:lnR>
-                    <a:lnT w="6350" cap="flat" cmpd="sng" algn="ctr">
-                      <a:solidFill>
-                        <a:srgbClr val="D86DCD"/>
-                      </a:solidFill>
-                      <a:prstDash val="solid"/>
-                      <a:round/>
-                      <a:headEnd type="none" w="med" len="med"/>
-                      <a:tailEnd type="none" w="med" len="med"/>
-                    </a:lnT>
-                    <a:lnB w="6350" cap="flat" cmpd="sng" algn="ctr">
-                      <a:solidFill>
-                        <a:srgbClr val="D86DCD"/>
-                      </a:solidFill>
-                      <a:prstDash val="solid"/>
-                      <a:round/>
-                      <a:headEnd type="none" w="med" len="med"/>
-                      <a:tailEnd type="none" w="med" len="med"/>
-                    </a:lnB>
-                    <a:noFill/>
-                  </a:tcPr>
-                </a:tc>
-                <a:tc>
-                  <a:txBody>
-                    <a:bodyPr/>
-                    <a:lstStyle/>
-                    <a:p>
-                      <a:pPr algn="ctr" fontAlgn="b"/>
-                      <a:r>
-                        <a:rPr lang="en-US" sz="1800" b="0" i="0" u="none" strike="noStrike">
-                          <a:solidFill>
-                            <a:srgbClr val="000000"/>
-                          </a:solidFill>
-                          <a:effectLst/>
-                          <a:latin typeface="Aptos Narrow" panose="020B0004020202020204" pitchFamily="34" charset="0"/>
-                        </a:rPr>
-                        <a:t>5</a:t>
-                      </a:r>
-                    </a:p>
-                  </a:txBody>
-                  <a:tcPr marL="7620" marR="7620" marT="7620" marB="0" anchor="b">
-                    <a:lnL>
-                      <a:noFill/>
-                    </a:lnL>
-                    <a:lnR>
-                      <a:noFill/>
-                    </a:lnR>
-                    <a:lnT w="6350" cap="flat" cmpd="sng" algn="ctr">
-                      <a:solidFill>
-                        <a:srgbClr val="D86DCD"/>
-                      </a:solidFill>
-                      <a:prstDash val="solid"/>
-                      <a:round/>
-                      <a:headEnd type="none" w="med" len="med"/>
-                      <a:tailEnd type="none" w="med" len="med"/>
-                    </a:lnT>
-                    <a:lnB w="6350" cap="flat" cmpd="sng" algn="ctr">
-                      <a:solidFill>
-                        <a:srgbClr val="D86DCD"/>
-                      </a:solidFill>
-                      <a:prstDash val="solid"/>
-                      <a:round/>
-                      <a:headEnd type="none" w="med" len="med"/>
-                      <a:tailEnd type="none" w="med" len="med"/>
-                    </a:lnB>
-                    <a:noFill/>
-                  </a:tcPr>
-                </a:tc>
-                <a:tc>
-                  <a:txBody>
-                    <a:bodyPr/>
-                    <a:lstStyle/>
-                    <a:p>
-                      <a:pPr algn="ctr" fontAlgn="b"/>
-                      <a:r>
-                        <a:rPr lang="en-US" sz="1800" b="0" i="0" u="none" strike="noStrike">
-                          <a:solidFill>
-                            <a:srgbClr val="000000"/>
-                          </a:solidFill>
-                          <a:effectLst/>
-                          <a:latin typeface="Aptos Narrow" panose="020B0004020202020204" pitchFamily="34" charset="0"/>
-                        </a:rPr>
-                        <a:t>5</a:t>
-                      </a:r>
-                    </a:p>
-                  </a:txBody>
-                  <a:tcPr marL="7620" marR="7620" marT="7620" marB="0" anchor="b">
-                    <a:lnL>
-                      <a:noFill/>
-                    </a:lnL>
-                    <a:lnR>
-                      <a:noFill/>
-                    </a:lnR>
-                    <a:lnT w="6350" cap="flat" cmpd="sng" algn="ctr">
-                      <a:solidFill>
-                        <a:srgbClr val="D86DCD"/>
-                      </a:solidFill>
-                      <a:prstDash val="solid"/>
-                      <a:round/>
-                      <a:headEnd type="none" w="med" len="med"/>
-                      <a:tailEnd type="none" w="med" len="med"/>
-                    </a:lnT>
-                    <a:lnB w="6350" cap="flat" cmpd="sng" algn="ctr">
-                      <a:solidFill>
-                        <a:srgbClr val="D86DCD"/>
-                      </a:solidFill>
-                      <a:prstDash val="solid"/>
-                      <a:round/>
-                      <a:headEnd type="none" w="med" len="med"/>
-                      <a:tailEnd type="none" w="med" len="med"/>
-                    </a:lnB>
-                    <a:noFill/>
-                  </a:tcPr>
-                </a:tc>
-                <a:tc>
-                  <a:txBody>
-                    <a:bodyPr/>
-                    <a:lstStyle/>
-                    <a:p>
-                      <a:pPr algn="ctr" fontAlgn="b"/>
-                      <a:r>
-                        <a:rPr lang="en-US" sz="1800" b="0" i="0" u="none" strike="noStrike">
-                          <a:solidFill>
-                            <a:srgbClr val="000000"/>
-                          </a:solidFill>
-                          <a:effectLst/>
-                          <a:latin typeface="Aptos Narrow" panose="020B0004020202020204" pitchFamily="34" charset="0"/>
-                        </a:rPr>
-                        <a:t>5</a:t>
-                      </a:r>
-                    </a:p>
-                  </a:txBody>
-                  <a:tcPr marL="7620" marR="7620" marT="7620" marB="0" anchor="b">
-                    <a:lnL>
-                      <a:noFill/>
-                    </a:lnL>
-                    <a:lnR>
-                      <a:noFill/>
-                    </a:lnR>
-                    <a:lnT w="6350" cap="flat" cmpd="sng" algn="ctr">
-                      <a:solidFill>
-                        <a:srgbClr val="D86DCD"/>
-                      </a:solidFill>
-                      <a:prstDash val="solid"/>
-                      <a:round/>
-                      <a:headEnd type="none" w="med" len="med"/>
-                      <a:tailEnd type="none" w="med" len="med"/>
-                    </a:lnT>
-                    <a:lnB w="6350" cap="flat" cmpd="sng" algn="ctr">
-                      <a:solidFill>
-                        <a:srgbClr val="D86DCD"/>
-                      </a:solidFill>
-                      <a:prstDash val="solid"/>
-                      <a:round/>
-                      <a:headEnd type="none" w="med" len="med"/>
-                      <a:tailEnd type="none" w="med" len="med"/>
-                    </a:lnB>
-                    <a:noFill/>
-                  </a:tcPr>
-                </a:tc>
-                <a:tc>
-                  <a:txBody>
-                    <a:bodyPr/>
-                    <a:lstStyle/>
-                    <a:p>
-                      <a:pPr algn="ctr" fontAlgn="b"/>
-                      <a:r>
-                        <a:rPr lang="en-US" sz="1800" b="0" i="0" u="none" strike="noStrike">
-                          <a:solidFill>
-                            <a:srgbClr val="000000"/>
-                          </a:solidFill>
-                          <a:effectLst/>
-                          <a:latin typeface="Aptos Narrow" panose="020B0004020202020204" pitchFamily="34" charset="0"/>
-                        </a:rPr>
-                        <a:t>5</a:t>
-                      </a:r>
-                    </a:p>
-                  </a:txBody>
-                  <a:tcPr marL="7620" marR="7620" marT="7620" marB="0" anchor="b">
-                    <a:lnL>
-                      <a:noFill/>
-                    </a:lnL>
-                    <a:lnR w="6350" cap="flat" cmpd="sng" algn="ctr">
-                      <a:solidFill>
-                        <a:srgbClr val="D86DCD"/>
-                      </a:solidFill>
-                      <a:prstDash val="solid"/>
-                      <a:round/>
-                      <a:headEnd type="none" w="med" len="med"/>
-                      <a:tailEnd type="none" w="med" len="med"/>
-                    </a:lnR>
-                    <a:lnT w="6350" cap="flat" cmpd="sng" algn="ctr">
-                      <a:solidFill>
-                        <a:srgbClr val="D86DCD"/>
-                      </a:solidFill>
-                      <a:prstDash val="solid"/>
-                      <a:round/>
-                      <a:headEnd type="none" w="med" len="med"/>
-                      <a:tailEnd type="none" w="med" len="med"/>
-                    </a:lnT>
-                    <a:lnB w="6350" cap="flat" cmpd="sng" algn="ctr">
-                      <a:solidFill>
-                        <a:srgbClr val="D86DCD"/>
-                      </a:solidFill>
-                      <a:prstDash val="solid"/>
-                      <a:round/>
-                      <a:headEnd type="none" w="med" len="med"/>
-                      <a:tailEnd type="none" w="med" len="med"/>
-                    </a:lnB>
-                    <a:noFill/>
-                  </a:tcPr>
-                </a:tc>
-                <a:extLst>
-                  <a:ext uri="{0D108BD9-81ED-4DB2-BD59-A6C34878D82A}">
-                    <a16:rowId xmlns:a16="http://schemas.microsoft.com/office/drawing/2014/main" val="1942170335"/>
-                  </a:ext>
-                </a:extLst>
-              </a:tr>
-              <a:tr h="346236">
-                <a:tc>
-                  <a:txBody>
-                    <a:bodyPr/>
-                    <a:lstStyle/>
-                    <a:p>
-                      <a:pPr algn="l" fontAlgn="b"/>
-                      <a:r>
-                        <a:rPr lang="en-US" sz="1800" b="0" i="0" u="none" strike="noStrike">
-                          <a:solidFill>
-                            <a:srgbClr val="000000"/>
-                          </a:solidFill>
-                          <a:effectLst/>
-                          <a:latin typeface="Aptos Narrow" panose="020B0004020202020204" pitchFamily="34" charset="0"/>
-                        </a:rPr>
-                        <a:t>Reliability</a:t>
-                      </a:r>
-                    </a:p>
-                  </a:txBody>
-                  <a:tcPr marL="7620" marR="7620" marT="7620" marB="0" anchor="b">
-                    <a:lnL w="6350" cap="flat" cmpd="sng" algn="ctr">
-                      <a:solidFill>
-                        <a:srgbClr val="D86DCD"/>
-                      </a:solidFill>
-                      <a:prstDash val="solid"/>
-                      <a:round/>
-                      <a:headEnd type="none" w="med" len="med"/>
-                      <a:tailEnd type="none" w="med" len="med"/>
-                    </a:lnL>
-                    <a:lnR>
-                      <a:noFill/>
-                    </a:lnR>
-                    <a:lnT w="6350" cap="flat" cmpd="sng" algn="ctr">
-                      <a:solidFill>
-                        <a:srgbClr val="D86DCD"/>
-                      </a:solidFill>
-                      <a:prstDash val="solid"/>
-                      <a:round/>
-                      <a:headEnd type="none" w="med" len="med"/>
-                      <a:tailEnd type="none" w="med" len="med"/>
-                    </a:lnT>
-                    <a:lnB w="6350" cap="flat" cmpd="sng" algn="ctr">
-                      <a:solidFill>
-                        <a:srgbClr val="D86DCD"/>
-                      </a:solidFill>
-                      <a:prstDash val="solid"/>
-                      <a:round/>
-                      <a:headEnd type="none" w="med" len="med"/>
-                      <a:tailEnd type="none" w="med" len="med"/>
-                    </a:lnB>
-                    <a:solidFill>
-                      <a:srgbClr val="F2CEEF"/>
-                    </a:solidFill>
-                  </a:tcPr>
-                </a:tc>
-                <a:tc>
-                  <a:txBody>
-                    <a:bodyPr/>
-                    <a:lstStyle/>
-                    <a:p>
-                      <a:pPr algn="l" fontAlgn="b"/>
-                      <a:r>
-                        <a:rPr lang="en-US" sz="1800" b="0" i="0" u="none" strike="noStrike">
-                          <a:solidFill>
-                            <a:srgbClr val="000000"/>
-                          </a:solidFill>
-                          <a:effectLst/>
-                          <a:latin typeface="Aptos Narrow" panose="020B0004020202020204" pitchFamily="34" charset="0"/>
-                        </a:rPr>
-                        <a:t>Produces data consistantly</a:t>
-                      </a:r>
-                    </a:p>
-                  </a:txBody>
-                  <a:tcPr marL="7620" marR="7620" marT="7620" marB="0" anchor="b">
-                    <a:lnL>
-                      <a:noFill/>
-                    </a:lnL>
-                    <a:lnR>
-                      <a:noFill/>
-                    </a:lnR>
-                    <a:lnT w="6350" cap="flat" cmpd="sng" algn="ctr">
-                      <a:solidFill>
-                        <a:srgbClr val="D86DCD"/>
-                      </a:solidFill>
-                      <a:prstDash val="solid"/>
-                      <a:round/>
-                      <a:headEnd type="none" w="med" len="med"/>
-                      <a:tailEnd type="none" w="med" len="med"/>
-                    </a:lnT>
-                    <a:lnB w="6350" cap="flat" cmpd="sng" algn="ctr">
-                      <a:solidFill>
-                        <a:srgbClr val="D86DCD"/>
-                      </a:solidFill>
-                      <a:prstDash val="solid"/>
-                      <a:round/>
-                      <a:headEnd type="none" w="med" len="med"/>
-                      <a:tailEnd type="none" w="med" len="med"/>
-                    </a:lnB>
-                    <a:solidFill>
-                      <a:srgbClr val="F2CEEF"/>
-                    </a:solidFill>
-                  </a:tcPr>
-                </a:tc>
-                <a:tc>
-                  <a:txBody>
-                    <a:bodyPr/>
-                    <a:lstStyle/>
-                    <a:p>
-                      <a:pPr algn="ctr" fontAlgn="b"/>
-                      <a:r>
-                        <a:rPr lang="en-US" sz="1800" b="0" i="0" u="none" strike="noStrike">
-                          <a:solidFill>
-                            <a:srgbClr val="000000"/>
-                          </a:solidFill>
-                          <a:effectLst/>
-                          <a:latin typeface="Aptos Narrow" panose="020B0004020202020204" pitchFamily="34" charset="0"/>
-                        </a:rPr>
-                        <a:t>10</a:t>
-                      </a:r>
-                    </a:p>
-                  </a:txBody>
-                  <a:tcPr marL="7620" marR="7620" marT="7620" marB="0" anchor="b">
-                    <a:lnL>
-                      <a:noFill/>
-                    </a:lnL>
-                    <a:lnR>
-                      <a:noFill/>
-                    </a:lnR>
-                    <a:lnT w="6350" cap="flat" cmpd="sng" algn="ctr">
-                      <a:solidFill>
-                        <a:srgbClr val="D86DCD"/>
-                      </a:solidFill>
-                      <a:prstDash val="solid"/>
-                      <a:round/>
-                      <a:headEnd type="none" w="med" len="med"/>
-                      <a:tailEnd type="none" w="med" len="med"/>
-                    </a:lnT>
-                    <a:lnB w="6350" cap="flat" cmpd="sng" algn="ctr">
-                      <a:solidFill>
-                        <a:srgbClr val="D86DCD"/>
-                      </a:solidFill>
-                      <a:prstDash val="solid"/>
-                      <a:round/>
-                      <a:headEnd type="none" w="med" len="med"/>
-                      <a:tailEnd type="none" w="med" len="med"/>
-                    </a:lnB>
-                    <a:solidFill>
-                      <a:srgbClr val="F2CEEF"/>
-                    </a:solidFill>
-                  </a:tcPr>
-                </a:tc>
-                <a:tc>
-                  <a:txBody>
-                    <a:bodyPr/>
-                    <a:lstStyle/>
-                    <a:p>
-                      <a:pPr algn="ctr" fontAlgn="b"/>
-                      <a:r>
-                        <a:rPr lang="en-US" sz="1800" b="0" i="0" u="none" strike="noStrike">
-                          <a:solidFill>
-                            <a:srgbClr val="000000"/>
-                          </a:solidFill>
-                          <a:effectLst/>
-                          <a:latin typeface="Aptos Narrow" panose="020B0004020202020204" pitchFamily="34" charset="0"/>
-                        </a:rPr>
-                        <a:t>5</a:t>
-                      </a:r>
-                    </a:p>
-                  </a:txBody>
-                  <a:tcPr marL="7620" marR="7620" marT="7620" marB="0" anchor="b">
-                    <a:lnL>
-                      <a:noFill/>
-                    </a:lnL>
-                    <a:lnR>
-                      <a:noFill/>
-                    </a:lnR>
-                    <a:lnT w="6350" cap="flat" cmpd="sng" algn="ctr">
-                      <a:solidFill>
-                        <a:srgbClr val="D86DCD"/>
-                      </a:solidFill>
-                      <a:prstDash val="solid"/>
-                      <a:round/>
-                      <a:headEnd type="none" w="med" len="med"/>
-                      <a:tailEnd type="none" w="med" len="med"/>
-                    </a:lnT>
-                    <a:lnB w="6350" cap="flat" cmpd="sng" algn="ctr">
-                      <a:solidFill>
-                        <a:srgbClr val="D86DCD"/>
-                      </a:solidFill>
-                      <a:prstDash val="solid"/>
-                      <a:round/>
-                      <a:headEnd type="none" w="med" len="med"/>
-                      <a:tailEnd type="none" w="med" len="med"/>
-                    </a:lnB>
-                    <a:solidFill>
-                      <a:srgbClr val="F2CEEF"/>
-                    </a:solidFill>
-                  </a:tcPr>
-                </a:tc>
-                <a:tc>
-                  <a:txBody>
-                    <a:bodyPr/>
-                    <a:lstStyle/>
-                    <a:p>
-                      <a:pPr algn="ctr" fontAlgn="b"/>
-                      <a:r>
-                        <a:rPr lang="en-US" sz="1800" b="0" i="0" u="none" strike="noStrike">
+                        <a:rPr lang="en-US" sz="1800" b="0" i="0" u="none" strike="noStrike" dirty="0">
                           <a:solidFill>
                             <a:srgbClr val="000000"/>
                           </a:solidFill>
@@ -14567,464 +15224,6 @@
                           <a:latin typeface="Aptos Narrow" panose="020B0004020202020204" pitchFamily="34" charset="0"/>
                         </a:rPr>
                         <a:t>4</a:t>
-                      </a:r>
-                    </a:p>
-                  </a:txBody>
-                  <a:tcPr marL="7620" marR="7620" marT="7620" marB="0" anchor="b">
-                    <a:lnL>
-                      <a:noFill/>
-                    </a:lnL>
-                    <a:lnR>
-                      <a:noFill/>
-                    </a:lnR>
-                    <a:lnT w="6350" cap="flat" cmpd="sng" algn="ctr">
-                      <a:solidFill>
-                        <a:srgbClr val="D86DCD"/>
-                      </a:solidFill>
-                      <a:prstDash val="solid"/>
-                      <a:round/>
-                      <a:headEnd type="none" w="med" len="med"/>
-                      <a:tailEnd type="none" w="med" len="med"/>
-                    </a:lnT>
-                    <a:lnB w="6350" cap="flat" cmpd="sng" algn="ctr">
-                      <a:solidFill>
-                        <a:srgbClr val="D86DCD"/>
-                      </a:solidFill>
-                      <a:prstDash val="solid"/>
-                      <a:round/>
-                      <a:headEnd type="none" w="med" len="med"/>
-                      <a:tailEnd type="none" w="med" len="med"/>
-                    </a:lnB>
-                    <a:solidFill>
-                      <a:srgbClr val="F2CEEF"/>
-                    </a:solidFill>
-                  </a:tcPr>
-                </a:tc>
-                <a:tc>
-                  <a:txBody>
-                    <a:bodyPr/>
-                    <a:lstStyle/>
-                    <a:p>
-                      <a:pPr algn="ctr" fontAlgn="b"/>
-                      <a:r>
-                        <a:rPr lang="en-US" sz="1800" b="0" i="0" u="none" strike="noStrike">
-                          <a:solidFill>
-                            <a:srgbClr val="000000"/>
-                          </a:solidFill>
-                          <a:effectLst/>
-                          <a:latin typeface="Aptos Narrow" panose="020B0004020202020204" pitchFamily="34" charset="0"/>
-                        </a:rPr>
-                        <a:t>6</a:t>
-                      </a:r>
-                    </a:p>
-                  </a:txBody>
-                  <a:tcPr marL="7620" marR="7620" marT="7620" marB="0" anchor="b">
-                    <a:lnL>
-                      <a:noFill/>
-                    </a:lnL>
-                    <a:lnR w="6350" cap="flat" cmpd="sng" algn="ctr">
-                      <a:solidFill>
-                        <a:srgbClr val="D86DCD"/>
-                      </a:solidFill>
-                      <a:prstDash val="solid"/>
-                      <a:round/>
-                      <a:headEnd type="none" w="med" len="med"/>
-                      <a:tailEnd type="none" w="med" len="med"/>
-                    </a:lnR>
-                    <a:lnT w="6350" cap="flat" cmpd="sng" algn="ctr">
-                      <a:solidFill>
-                        <a:srgbClr val="D86DCD"/>
-                      </a:solidFill>
-                      <a:prstDash val="solid"/>
-                      <a:round/>
-                      <a:headEnd type="none" w="med" len="med"/>
-                      <a:tailEnd type="none" w="med" len="med"/>
-                    </a:lnT>
-                    <a:lnB w="6350" cap="flat" cmpd="sng" algn="ctr">
-                      <a:solidFill>
-                        <a:srgbClr val="D86DCD"/>
-                      </a:solidFill>
-                      <a:prstDash val="solid"/>
-                      <a:round/>
-                      <a:headEnd type="none" w="med" len="med"/>
-                      <a:tailEnd type="none" w="med" len="med"/>
-                    </a:lnB>
-                    <a:solidFill>
-                      <a:srgbClr val="F2CEEF"/>
-                    </a:solidFill>
-                  </a:tcPr>
-                </a:tc>
-                <a:extLst>
-                  <a:ext uri="{0D108BD9-81ED-4DB2-BD59-A6C34878D82A}">
-                    <a16:rowId xmlns:a16="http://schemas.microsoft.com/office/drawing/2014/main" val="2872628160"/>
-                  </a:ext>
-                </a:extLst>
-              </a:tr>
-              <a:tr h="346236">
-                <a:tc>
-                  <a:txBody>
-                    <a:bodyPr/>
-                    <a:lstStyle/>
-                    <a:p>
-                      <a:pPr algn="l" fontAlgn="b"/>
-                      <a:r>
-                        <a:rPr lang="en-US" sz="1800" b="0" i="0" u="none" strike="noStrike">
-                          <a:solidFill>
-                            <a:srgbClr val="000000"/>
-                          </a:solidFill>
-                          <a:effectLst/>
-                          <a:latin typeface="Aptos Narrow" panose="020B0004020202020204" pitchFamily="34" charset="0"/>
-                        </a:rPr>
-                        <a:t>Compact</a:t>
-                      </a:r>
-                    </a:p>
-                  </a:txBody>
-                  <a:tcPr marL="7620" marR="7620" marT="7620" marB="0" anchor="b">
-                    <a:lnL w="6350" cap="flat" cmpd="sng" algn="ctr">
-                      <a:solidFill>
-                        <a:srgbClr val="D86DCD"/>
-                      </a:solidFill>
-                      <a:prstDash val="solid"/>
-                      <a:round/>
-                      <a:headEnd type="none" w="med" len="med"/>
-                      <a:tailEnd type="none" w="med" len="med"/>
-                    </a:lnL>
-                    <a:lnR>
-                      <a:noFill/>
-                    </a:lnR>
-                    <a:lnT w="6350" cap="flat" cmpd="sng" algn="ctr">
-                      <a:solidFill>
-                        <a:srgbClr val="D86DCD"/>
-                      </a:solidFill>
-                      <a:prstDash val="solid"/>
-                      <a:round/>
-                      <a:headEnd type="none" w="med" len="med"/>
-                      <a:tailEnd type="none" w="med" len="med"/>
-                    </a:lnT>
-                    <a:lnB w="6350" cap="flat" cmpd="sng" algn="ctr">
-                      <a:solidFill>
-                        <a:srgbClr val="D86DCD"/>
-                      </a:solidFill>
-                      <a:prstDash val="solid"/>
-                      <a:round/>
-                      <a:headEnd type="none" w="med" len="med"/>
-                      <a:tailEnd type="none" w="med" len="med"/>
-                    </a:lnB>
-                    <a:noFill/>
-                  </a:tcPr>
-                </a:tc>
-                <a:tc>
-                  <a:txBody>
-                    <a:bodyPr/>
-                    <a:lstStyle/>
-                    <a:p>
-                      <a:pPr algn="l" fontAlgn="b"/>
-                      <a:r>
-                        <a:rPr lang="en-US" sz="1800" b="0" i="0" u="none" strike="noStrike">
-                          <a:solidFill>
-                            <a:srgbClr val="000000"/>
-                          </a:solidFill>
-                          <a:effectLst/>
-                          <a:latin typeface="Aptos Narrow" panose="020B0004020202020204" pitchFamily="34" charset="0"/>
-                        </a:rPr>
-                        <a:t>3 inches width, 4 inches length</a:t>
-                      </a:r>
-                    </a:p>
-                  </a:txBody>
-                  <a:tcPr marL="7620" marR="7620" marT="7620" marB="0" anchor="b">
-                    <a:lnL>
-                      <a:noFill/>
-                    </a:lnL>
-                    <a:lnR>
-                      <a:noFill/>
-                    </a:lnR>
-                    <a:lnT w="6350" cap="flat" cmpd="sng" algn="ctr">
-                      <a:solidFill>
-                        <a:srgbClr val="D86DCD"/>
-                      </a:solidFill>
-                      <a:prstDash val="solid"/>
-                      <a:round/>
-                      <a:headEnd type="none" w="med" len="med"/>
-                      <a:tailEnd type="none" w="med" len="med"/>
-                    </a:lnT>
-                    <a:lnB w="6350" cap="flat" cmpd="sng" algn="ctr">
-                      <a:solidFill>
-                        <a:srgbClr val="D86DCD"/>
-                      </a:solidFill>
-                      <a:prstDash val="solid"/>
-                      <a:round/>
-                      <a:headEnd type="none" w="med" len="med"/>
-                      <a:tailEnd type="none" w="med" len="med"/>
-                    </a:lnB>
-                    <a:noFill/>
-                  </a:tcPr>
-                </a:tc>
-                <a:tc>
-                  <a:txBody>
-                    <a:bodyPr/>
-                    <a:lstStyle/>
-                    <a:p>
-                      <a:pPr algn="ctr" fontAlgn="b"/>
-                      <a:r>
-                        <a:rPr lang="en-US" sz="1800" b="0" i="0" u="none" strike="noStrike">
-                          <a:solidFill>
-                            <a:srgbClr val="000000"/>
-                          </a:solidFill>
-                          <a:effectLst/>
-                          <a:latin typeface="Aptos Narrow" panose="020B0004020202020204" pitchFamily="34" charset="0"/>
-                        </a:rPr>
-                        <a:t>10</a:t>
-                      </a:r>
-                    </a:p>
-                  </a:txBody>
-                  <a:tcPr marL="7620" marR="7620" marT="7620" marB="0" anchor="b">
-                    <a:lnL>
-                      <a:noFill/>
-                    </a:lnL>
-                    <a:lnR>
-                      <a:noFill/>
-                    </a:lnR>
-                    <a:lnT w="6350" cap="flat" cmpd="sng" algn="ctr">
-                      <a:solidFill>
-                        <a:srgbClr val="D86DCD"/>
-                      </a:solidFill>
-                      <a:prstDash val="solid"/>
-                      <a:round/>
-                      <a:headEnd type="none" w="med" len="med"/>
-                      <a:tailEnd type="none" w="med" len="med"/>
-                    </a:lnT>
-                    <a:lnB w="6350" cap="flat" cmpd="sng" algn="ctr">
-                      <a:solidFill>
-                        <a:srgbClr val="D86DCD"/>
-                      </a:solidFill>
-                      <a:prstDash val="solid"/>
-                      <a:round/>
-                      <a:headEnd type="none" w="med" len="med"/>
-                      <a:tailEnd type="none" w="med" len="med"/>
-                    </a:lnB>
-                    <a:noFill/>
-                  </a:tcPr>
-                </a:tc>
-                <a:tc>
-                  <a:txBody>
-                    <a:bodyPr/>
-                    <a:lstStyle/>
-                    <a:p>
-                      <a:pPr algn="ctr" fontAlgn="b"/>
-                      <a:r>
-                        <a:rPr lang="en-US" sz="1800" b="0" i="0" u="none" strike="noStrike">
-                          <a:solidFill>
-                            <a:srgbClr val="000000"/>
-                          </a:solidFill>
-                          <a:effectLst/>
-                          <a:latin typeface="Aptos Narrow" panose="020B0004020202020204" pitchFamily="34" charset="0"/>
-                        </a:rPr>
-                        <a:t>5</a:t>
-                      </a:r>
-                    </a:p>
-                  </a:txBody>
-                  <a:tcPr marL="7620" marR="7620" marT="7620" marB="0" anchor="b">
-                    <a:lnL>
-                      <a:noFill/>
-                    </a:lnL>
-                    <a:lnR>
-                      <a:noFill/>
-                    </a:lnR>
-                    <a:lnT w="6350" cap="flat" cmpd="sng" algn="ctr">
-                      <a:solidFill>
-                        <a:srgbClr val="D86DCD"/>
-                      </a:solidFill>
-                      <a:prstDash val="solid"/>
-                      <a:round/>
-                      <a:headEnd type="none" w="med" len="med"/>
-                      <a:tailEnd type="none" w="med" len="med"/>
-                    </a:lnT>
-                    <a:lnB w="6350" cap="flat" cmpd="sng" algn="ctr">
-                      <a:solidFill>
-                        <a:srgbClr val="D86DCD"/>
-                      </a:solidFill>
-                      <a:prstDash val="solid"/>
-                      <a:round/>
-                      <a:headEnd type="none" w="med" len="med"/>
-                      <a:tailEnd type="none" w="med" len="med"/>
-                    </a:lnB>
-                    <a:noFill/>
-                  </a:tcPr>
-                </a:tc>
-                <a:tc>
-                  <a:txBody>
-                    <a:bodyPr/>
-                    <a:lstStyle/>
-                    <a:p>
-                      <a:pPr algn="ctr" fontAlgn="b"/>
-                      <a:r>
-                        <a:rPr lang="en-US" sz="1800" b="0" i="0" u="none" strike="noStrike">
-                          <a:solidFill>
-                            <a:srgbClr val="000000"/>
-                          </a:solidFill>
-                          <a:effectLst/>
-                          <a:latin typeface="Aptos Narrow" panose="020B0004020202020204" pitchFamily="34" charset="0"/>
-                        </a:rPr>
-                        <a:t>7</a:t>
-                      </a:r>
-                    </a:p>
-                  </a:txBody>
-                  <a:tcPr marL="7620" marR="7620" marT="7620" marB="0" anchor="b">
-                    <a:lnL>
-                      <a:noFill/>
-                    </a:lnL>
-                    <a:lnR>
-                      <a:noFill/>
-                    </a:lnR>
-                    <a:lnT w="6350" cap="flat" cmpd="sng" algn="ctr">
-                      <a:solidFill>
-                        <a:srgbClr val="D86DCD"/>
-                      </a:solidFill>
-                      <a:prstDash val="solid"/>
-                      <a:round/>
-                      <a:headEnd type="none" w="med" len="med"/>
-                      <a:tailEnd type="none" w="med" len="med"/>
-                    </a:lnT>
-                    <a:lnB w="6350" cap="flat" cmpd="sng" algn="ctr">
-                      <a:solidFill>
-                        <a:srgbClr val="D86DCD"/>
-                      </a:solidFill>
-                      <a:prstDash val="solid"/>
-                      <a:round/>
-                      <a:headEnd type="none" w="med" len="med"/>
-                      <a:tailEnd type="none" w="med" len="med"/>
-                    </a:lnB>
-                    <a:noFill/>
-                  </a:tcPr>
-                </a:tc>
-                <a:tc>
-                  <a:txBody>
-                    <a:bodyPr/>
-                    <a:lstStyle/>
-                    <a:p>
-                      <a:pPr algn="ctr" fontAlgn="b"/>
-                      <a:r>
-                        <a:rPr lang="en-US" sz="1800" b="0" i="0" u="none" strike="noStrike">
-                          <a:solidFill>
-                            <a:srgbClr val="000000"/>
-                          </a:solidFill>
-                          <a:effectLst/>
-                          <a:latin typeface="Aptos Narrow" panose="020B0004020202020204" pitchFamily="34" charset="0"/>
-                        </a:rPr>
-                        <a:t>5</a:t>
-                      </a:r>
-                    </a:p>
-                  </a:txBody>
-                  <a:tcPr marL="7620" marR="7620" marT="7620" marB="0" anchor="b">
-                    <a:lnL>
-                      <a:noFill/>
-                    </a:lnL>
-                    <a:lnR w="6350" cap="flat" cmpd="sng" algn="ctr">
-                      <a:solidFill>
-                        <a:srgbClr val="D86DCD"/>
-                      </a:solidFill>
-                      <a:prstDash val="solid"/>
-                      <a:round/>
-                      <a:headEnd type="none" w="med" len="med"/>
-                      <a:tailEnd type="none" w="med" len="med"/>
-                    </a:lnR>
-                    <a:lnT w="6350" cap="flat" cmpd="sng" algn="ctr">
-                      <a:solidFill>
-                        <a:srgbClr val="D86DCD"/>
-                      </a:solidFill>
-                      <a:prstDash val="solid"/>
-                      <a:round/>
-                      <a:headEnd type="none" w="med" len="med"/>
-                      <a:tailEnd type="none" w="med" len="med"/>
-                    </a:lnT>
-                    <a:lnB w="6350" cap="flat" cmpd="sng" algn="ctr">
-                      <a:solidFill>
-                        <a:srgbClr val="D86DCD"/>
-                      </a:solidFill>
-                      <a:prstDash val="solid"/>
-                      <a:round/>
-                      <a:headEnd type="none" w="med" len="med"/>
-                      <a:tailEnd type="none" w="med" len="med"/>
-                    </a:lnB>
-                    <a:noFill/>
-                  </a:tcPr>
-                </a:tc>
-                <a:extLst>
-                  <a:ext uri="{0D108BD9-81ED-4DB2-BD59-A6C34878D82A}">
-                    <a16:rowId xmlns:a16="http://schemas.microsoft.com/office/drawing/2014/main" val="1453787668"/>
-                  </a:ext>
-                </a:extLst>
-              </a:tr>
-              <a:tr h="346236">
-                <a:tc>
-                  <a:txBody>
-                    <a:bodyPr/>
-                    <a:lstStyle/>
-                    <a:p>
-                      <a:pPr algn="l" fontAlgn="b"/>
-                      <a:r>
-                        <a:rPr lang="en-US" sz="1800" b="0" i="0" u="none" strike="noStrike">
-                          <a:solidFill>
-                            <a:srgbClr val="000000"/>
-                          </a:solidFill>
-                          <a:effectLst/>
-                          <a:latin typeface="Aptos Narrow" panose="020B0004020202020204" pitchFamily="34" charset="0"/>
-                        </a:rPr>
-                        <a:t>Accuracy </a:t>
-                      </a:r>
-                    </a:p>
-                  </a:txBody>
-                  <a:tcPr marL="7620" marR="7620" marT="7620" marB="0" anchor="b">
-                    <a:lnL w="6350" cap="flat" cmpd="sng" algn="ctr">
-                      <a:solidFill>
-                        <a:srgbClr val="D86DCD"/>
-                      </a:solidFill>
-                      <a:prstDash val="solid"/>
-                      <a:round/>
-                      <a:headEnd type="none" w="med" len="med"/>
-                      <a:tailEnd type="none" w="med" len="med"/>
-                    </a:lnL>
-                    <a:lnR>
-                      <a:noFill/>
-                    </a:lnR>
-                    <a:lnT w="6350" cap="flat" cmpd="sng" algn="ctr">
-                      <a:solidFill>
-                        <a:srgbClr val="D86DCD"/>
-                      </a:solidFill>
-                      <a:prstDash val="solid"/>
-                      <a:round/>
-                      <a:headEnd type="none" w="med" len="med"/>
-                      <a:tailEnd type="none" w="med" len="med"/>
-                    </a:lnT>
-                    <a:lnB w="6350" cap="flat" cmpd="sng" algn="ctr">
-                      <a:solidFill>
-                        <a:srgbClr val="D86DCD"/>
-                      </a:solidFill>
-                      <a:prstDash val="solid"/>
-                      <a:round/>
-                      <a:headEnd type="none" w="med" len="med"/>
-                      <a:tailEnd type="none" w="med" len="med"/>
-                    </a:lnB>
-                    <a:solidFill>
-                      <a:srgbClr val="F2CEEF"/>
-                    </a:solidFill>
-                  </a:tcPr>
-                </a:tc>
-                <a:tc>
-                  <a:txBody>
-                    <a:bodyPr/>
-                    <a:lstStyle/>
-                    <a:p>
-                      <a:pPr algn="l" fontAlgn="b"/>
-                      <a:r>
-                        <a:rPr lang="en-US" sz="1800" b="0" i="0" u="none" strike="noStrike">
-                          <a:solidFill>
-                            <a:srgbClr val="000000"/>
-                          </a:solidFill>
-                          <a:effectLst/>
-                          <a:latin typeface="Aptos Narrow" panose="020B0004020202020204" pitchFamily="34" charset="0"/>
-                        </a:rPr>
-                        <a:t>Produces accurate data</a:t>
                       </a:r>
                     </a:p>
                   </a:txBody>
@@ -15080,150 +15279,6 @@
                     <a:lnL>
                       <a:noFill/>
                     </a:lnL>
-                    <a:lnR>
-                      <a:noFill/>
-                    </a:lnR>
-                    <a:lnT w="6350" cap="flat" cmpd="sng" algn="ctr">
-                      <a:solidFill>
-                        <a:srgbClr val="D86DCD"/>
-                      </a:solidFill>
-                      <a:prstDash val="solid"/>
-                      <a:round/>
-                      <a:headEnd type="none" w="med" len="med"/>
-                      <a:tailEnd type="none" w="med" len="med"/>
-                    </a:lnT>
-                    <a:lnB w="6350" cap="flat" cmpd="sng" algn="ctr">
-                      <a:solidFill>
-                        <a:srgbClr val="D86DCD"/>
-                      </a:solidFill>
-                      <a:prstDash val="solid"/>
-                      <a:round/>
-                      <a:headEnd type="none" w="med" len="med"/>
-                      <a:tailEnd type="none" w="med" len="med"/>
-                    </a:lnB>
-                    <a:solidFill>
-                      <a:srgbClr val="F2CEEF"/>
-                    </a:solidFill>
-                  </a:tcPr>
-                </a:tc>
-                <a:tc>
-                  <a:txBody>
-                    <a:bodyPr/>
-                    <a:lstStyle/>
-                    <a:p>
-                      <a:pPr algn="ctr" fontAlgn="b"/>
-                      <a:r>
-                        <a:rPr lang="en-US" sz="1800" b="0" i="0" u="none" strike="noStrike">
-                          <a:solidFill>
-                            <a:srgbClr val="000000"/>
-                          </a:solidFill>
-                          <a:effectLst/>
-                          <a:latin typeface="Aptos Narrow" panose="020B0004020202020204" pitchFamily="34" charset="0"/>
-                        </a:rPr>
-                        <a:t>5</a:t>
-                      </a:r>
-                    </a:p>
-                  </a:txBody>
-                  <a:tcPr marL="7620" marR="7620" marT="7620" marB="0" anchor="b">
-                    <a:lnL>
-                      <a:noFill/>
-                    </a:lnL>
-                    <a:lnR>
-                      <a:noFill/>
-                    </a:lnR>
-                    <a:lnT w="6350" cap="flat" cmpd="sng" algn="ctr">
-                      <a:solidFill>
-                        <a:srgbClr val="D86DCD"/>
-                      </a:solidFill>
-                      <a:prstDash val="solid"/>
-                      <a:round/>
-                      <a:headEnd type="none" w="med" len="med"/>
-                      <a:tailEnd type="none" w="med" len="med"/>
-                    </a:lnT>
-                    <a:lnB w="6350" cap="flat" cmpd="sng" algn="ctr">
-                      <a:solidFill>
-                        <a:srgbClr val="D86DCD"/>
-                      </a:solidFill>
-                      <a:prstDash val="solid"/>
-                      <a:round/>
-                      <a:headEnd type="none" w="med" len="med"/>
-                      <a:tailEnd type="none" w="med" len="med"/>
-                    </a:lnB>
-                    <a:solidFill>
-                      <a:srgbClr val="F2CEEF"/>
-                    </a:solidFill>
-                  </a:tcPr>
-                </a:tc>
-                <a:tc>
-                  <a:txBody>
-                    <a:bodyPr/>
-                    <a:lstStyle/>
-                    <a:p>
-                      <a:pPr algn="ctr" fontAlgn="b"/>
-                      <a:r>
-                        <a:rPr lang="en-US" sz="1800" b="0" i="0" u="none" strike="noStrike">
-                          <a:solidFill>
-                            <a:srgbClr val="000000"/>
-                          </a:solidFill>
-                          <a:effectLst/>
-                          <a:latin typeface="Aptos Narrow" panose="020B0004020202020204" pitchFamily="34" charset="0"/>
-                        </a:rPr>
-                        <a:t>4</a:t>
-                      </a:r>
-                    </a:p>
-                  </a:txBody>
-                  <a:tcPr marL="7620" marR="7620" marT="7620" marB="0" anchor="b">
-                    <a:lnL>
-                      <a:noFill/>
-                    </a:lnL>
-                    <a:lnR>
-                      <a:noFill/>
-                    </a:lnR>
-                    <a:lnT w="6350" cap="flat" cmpd="sng" algn="ctr">
-                      <a:solidFill>
-                        <a:srgbClr val="D86DCD"/>
-                      </a:solidFill>
-                      <a:prstDash val="solid"/>
-                      <a:round/>
-                      <a:headEnd type="none" w="med" len="med"/>
-                      <a:tailEnd type="none" w="med" len="med"/>
-                    </a:lnT>
-                    <a:lnB w="6350" cap="flat" cmpd="sng" algn="ctr">
-                      <a:solidFill>
-                        <a:srgbClr val="D86DCD"/>
-                      </a:solidFill>
-                      <a:prstDash val="solid"/>
-                      <a:round/>
-                      <a:headEnd type="none" w="med" len="med"/>
-                      <a:tailEnd type="none" w="med" len="med"/>
-                    </a:lnB>
-                    <a:solidFill>
-                      <a:srgbClr val="F2CEEF"/>
-                    </a:solidFill>
-                  </a:tcPr>
-                </a:tc>
-                <a:tc>
-                  <a:txBody>
-                    <a:bodyPr/>
-                    <a:lstStyle/>
-                    <a:p>
-                      <a:pPr algn="ctr" fontAlgn="b"/>
-                      <a:r>
-                        <a:rPr lang="en-US" sz="1800" b="0" i="0" u="none" strike="noStrike">
-                          <a:solidFill>
-                            <a:srgbClr val="000000"/>
-                          </a:solidFill>
-                          <a:effectLst/>
-                          <a:latin typeface="Aptos Narrow" panose="020B0004020202020204" pitchFamily="34" charset="0"/>
-                        </a:rPr>
-                        <a:t>7</a:t>
-                      </a:r>
-                    </a:p>
-                  </a:txBody>
-                  <a:tcPr marL="7620" marR="7620" marT="7620" marB="0" anchor="b">
-                    <a:lnL>
-                      <a:noFill/>
-                    </a:lnL>
                     <a:lnR w="6350" cap="flat" cmpd="sng" algn="ctr">
                       <a:solidFill>
                         <a:srgbClr val="D86DCD"/>
@@ -15258,306 +15313,11 @@
                 </a:tc>
                 <a:extLst>
                   <a:ext uri="{0D108BD9-81ED-4DB2-BD59-A6C34878D82A}">
-                    <a16:rowId xmlns:a16="http://schemas.microsoft.com/office/drawing/2014/main" val="1257742356"/>
+                    <a16:rowId xmlns:a16="http://schemas.microsoft.com/office/drawing/2014/main" val="2372000129"/>
                   </a:ext>
                 </a:extLst>
               </a:tr>
-              <a:tr h="346236">
-                <a:tc>
-                  <a:txBody>
-                    <a:bodyPr/>
-                    <a:lstStyle/>
-                    <a:p>
-                      <a:pPr algn="l" fontAlgn="b"/>
-                      <a:r>
-                        <a:rPr lang="en-US" sz="1800" b="0" i="0" u="none" strike="noStrike">
-                          <a:solidFill>
-                            <a:srgbClr val="000000"/>
-                          </a:solidFill>
-                          <a:effectLst/>
-                          <a:latin typeface="Aptos Narrow" panose="020B0004020202020204" pitchFamily="34" charset="0"/>
-                        </a:rPr>
-                        <a:t>Efficiency</a:t>
-                      </a:r>
-                    </a:p>
-                  </a:txBody>
-                  <a:tcPr marL="7620" marR="7620" marT="7620" marB="0" anchor="b">
-                    <a:lnL w="6350" cap="flat" cmpd="sng" algn="ctr">
-                      <a:solidFill>
-                        <a:srgbClr val="D86DCD"/>
-                      </a:solidFill>
-                      <a:prstDash val="solid"/>
-                      <a:round/>
-                      <a:headEnd type="none" w="med" len="med"/>
-                      <a:tailEnd type="none" w="med" len="med"/>
-                    </a:lnL>
-                    <a:lnR>
-                      <a:noFill/>
-                    </a:lnR>
-                    <a:lnT w="6350" cap="flat" cmpd="sng" algn="ctr">
-                      <a:solidFill>
-                        <a:srgbClr val="D86DCD"/>
-                      </a:solidFill>
-                      <a:prstDash val="solid"/>
-                      <a:round/>
-                      <a:headEnd type="none" w="med" len="med"/>
-                      <a:tailEnd type="none" w="med" len="med"/>
-                    </a:lnT>
-                    <a:lnB w="6350" cap="flat" cmpd="sng" algn="ctr">
-                      <a:solidFill>
-                        <a:srgbClr val="D86DCD"/>
-                      </a:solidFill>
-                      <a:prstDash val="solid"/>
-                      <a:round/>
-                      <a:headEnd type="none" w="med" len="med"/>
-                      <a:tailEnd type="none" w="med" len="med"/>
-                    </a:lnB>
-                    <a:noFill/>
-                  </a:tcPr>
-                </a:tc>
-                <a:tc>
-                  <a:txBody>
-                    <a:bodyPr/>
-                    <a:lstStyle/>
-                    <a:p>
-                      <a:pPr algn="l" fontAlgn="b"/>
-                      <a:r>
-                        <a:rPr lang="en-US" sz="1800" b="0" i="0" u="none" strike="noStrike">
-                          <a:solidFill>
-                            <a:srgbClr val="000000"/>
-                          </a:solidFill>
-                          <a:effectLst/>
-                          <a:latin typeface="Aptos Narrow" panose="020B0004020202020204" pitchFamily="34" charset="0"/>
-                        </a:rPr>
-                        <a:t>Is effcient with the power it uses.</a:t>
-                      </a:r>
-                    </a:p>
-                  </a:txBody>
-                  <a:tcPr marL="7620" marR="7620" marT="7620" marB="0" anchor="b">
-                    <a:lnL>
-                      <a:noFill/>
-                    </a:lnL>
-                    <a:lnR>
-                      <a:noFill/>
-                    </a:lnR>
-                    <a:lnT w="6350" cap="flat" cmpd="sng" algn="ctr">
-                      <a:solidFill>
-                        <a:srgbClr val="D86DCD"/>
-                      </a:solidFill>
-                      <a:prstDash val="solid"/>
-                      <a:round/>
-                      <a:headEnd type="none" w="med" len="med"/>
-                      <a:tailEnd type="none" w="med" len="med"/>
-                    </a:lnT>
-                    <a:lnB w="6350" cap="flat" cmpd="sng" algn="ctr">
-                      <a:solidFill>
-                        <a:srgbClr val="D86DCD"/>
-                      </a:solidFill>
-                      <a:prstDash val="solid"/>
-                      <a:round/>
-                      <a:headEnd type="none" w="med" len="med"/>
-                      <a:tailEnd type="none" w="med" len="med"/>
-                    </a:lnB>
-                    <a:noFill/>
-                  </a:tcPr>
-                </a:tc>
-                <a:tc>
-                  <a:txBody>
-                    <a:bodyPr/>
-                    <a:lstStyle/>
-                    <a:p>
-                      <a:pPr algn="ctr" fontAlgn="b"/>
-                      <a:r>
-                        <a:rPr lang="en-US" sz="1800" b="0" i="0" u="none" strike="noStrike">
-                          <a:solidFill>
-                            <a:srgbClr val="000000"/>
-                          </a:solidFill>
-                          <a:effectLst/>
-                          <a:latin typeface="Aptos Narrow" panose="020B0004020202020204" pitchFamily="34" charset="0"/>
-                        </a:rPr>
-                        <a:t>4</a:t>
-                      </a:r>
-                    </a:p>
-                  </a:txBody>
-                  <a:tcPr marL="7620" marR="7620" marT="7620" marB="0" anchor="b">
-                    <a:lnL>
-                      <a:noFill/>
-                    </a:lnL>
-                    <a:lnR>
-                      <a:noFill/>
-                    </a:lnR>
-                    <a:lnT w="6350" cap="flat" cmpd="sng" algn="ctr">
-                      <a:solidFill>
-                        <a:srgbClr val="D86DCD"/>
-                      </a:solidFill>
-                      <a:prstDash val="solid"/>
-                      <a:round/>
-                      <a:headEnd type="none" w="med" len="med"/>
-                      <a:tailEnd type="none" w="med" len="med"/>
-                    </a:lnT>
-                    <a:lnB w="6350" cap="flat" cmpd="sng" algn="ctr">
-                      <a:solidFill>
-                        <a:srgbClr val="D86DCD"/>
-                      </a:solidFill>
-                      <a:prstDash val="solid"/>
-                      <a:round/>
-                      <a:headEnd type="none" w="med" len="med"/>
-                      <a:tailEnd type="none" w="med" len="med"/>
-                    </a:lnB>
-                    <a:noFill/>
-                  </a:tcPr>
-                </a:tc>
-                <a:tc>
-                  <a:txBody>
-                    <a:bodyPr/>
-                    <a:lstStyle/>
-                    <a:p>
-                      <a:pPr algn="ctr" fontAlgn="b"/>
-                      <a:r>
-                        <a:rPr lang="en-US" sz="1800" b="0" i="0" u="none" strike="noStrike">
-                          <a:solidFill>
-                            <a:srgbClr val="000000"/>
-                          </a:solidFill>
-                          <a:effectLst/>
-                          <a:latin typeface="Aptos Narrow" panose="020B0004020202020204" pitchFamily="34" charset="0"/>
-                        </a:rPr>
-                        <a:t>5</a:t>
-                      </a:r>
-                    </a:p>
-                  </a:txBody>
-                  <a:tcPr marL="7620" marR="7620" marT="7620" marB="0" anchor="b">
-                    <a:lnL>
-                      <a:noFill/>
-                    </a:lnL>
-                    <a:lnR>
-                      <a:noFill/>
-                    </a:lnR>
-                    <a:lnT w="6350" cap="flat" cmpd="sng" algn="ctr">
-                      <a:solidFill>
-                        <a:srgbClr val="D86DCD"/>
-                      </a:solidFill>
-                      <a:prstDash val="solid"/>
-                      <a:round/>
-                      <a:headEnd type="none" w="med" len="med"/>
-                      <a:tailEnd type="none" w="med" len="med"/>
-                    </a:lnT>
-                    <a:lnB w="6350" cap="flat" cmpd="sng" algn="ctr">
-                      <a:solidFill>
-                        <a:srgbClr val="D86DCD"/>
-                      </a:solidFill>
-                      <a:prstDash val="solid"/>
-                      <a:round/>
-                      <a:headEnd type="none" w="med" len="med"/>
-                      <a:tailEnd type="none" w="med" len="med"/>
-                    </a:lnB>
-                    <a:noFill/>
-                  </a:tcPr>
-                </a:tc>
-                <a:tc>
-                  <a:txBody>
-                    <a:bodyPr/>
-                    <a:lstStyle/>
-                    <a:p>
-                      <a:pPr algn="ctr" fontAlgn="b"/>
-                      <a:r>
-                        <a:rPr lang="en-US" sz="1800" b="0" i="0" u="none" strike="noStrike">
-                          <a:solidFill>
-                            <a:srgbClr val="000000"/>
-                          </a:solidFill>
-                          <a:effectLst/>
-                          <a:latin typeface="Aptos Narrow" panose="020B0004020202020204" pitchFamily="34" charset="0"/>
-                        </a:rPr>
-                        <a:t>4</a:t>
-                      </a:r>
-                    </a:p>
-                  </a:txBody>
-                  <a:tcPr marL="7620" marR="7620" marT="7620" marB="0" anchor="b">
-                    <a:lnL>
-                      <a:noFill/>
-                    </a:lnL>
-                    <a:lnR>
-                      <a:noFill/>
-                    </a:lnR>
-                    <a:lnT w="6350" cap="flat" cmpd="sng" algn="ctr">
-                      <a:solidFill>
-                        <a:srgbClr val="D86DCD"/>
-                      </a:solidFill>
-                      <a:prstDash val="solid"/>
-                      <a:round/>
-                      <a:headEnd type="none" w="med" len="med"/>
-                      <a:tailEnd type="none" w="med" len="med"/>
-                    </a:lnT>
-                    <a:lnB w="6350" cap="flat" cmpd="sng" algn="ctr">
-                      <a:solidFill>
-                        <a:srgbClr val="D86DCD"/>
-                      </a:solidFill>
-                      <a:prstDash val="solid"/>
-                      <a:round/>
-                      <a:headEnd type="none" w="med" len="med"/>
-                      <a:tailEnd type="none" w="med" len="med"/>
-                    </a:lnB>
-                    <a:noFill/>
-                  </a:tcPr>
-                </a:tc>
-                <a:tc>
-                  <a:txBody>
-                    <a:bodyPr/>
-                    <a:lstStyle/>
-                    <a:p>
-                      <a:pPr algn="ctr" fontAlgn="b"/>
-                      <a:r>
-                        <a:rPr lang="en-US" sz="1800" b="0" i="0" u="none" strike="noStrike" dirty="0">
-                          <a:solidFill>
-                            <a:srgbClr val="000000"/>
-                          </a:solidFill>
-                          <a:effectLst/>
-                          <a:latin typeface="Aptos Narrow" panose="020B0004020202020204" pitchFamily="34" charset="0"/>
-                        </a:rPr>
-                        <a:t>10</a:t>
-                      </a:r>
-                    </a:p>
-                  </a:txBody>
-                  <a:tcPr marL="7620" marR="7620" marT="7620" marB="0" anchor="b">
-                    <a:lnL>
-                      <a:noFill/>
-                    </a:lnL>
-                    <a:lnR w="6350" cap="flat" cmpd="sng" algn="ctr">
-                      <a:solidFill>
-                        <a:srgbClr val="D86DCD"/>
-                      </a:solidFill>
-                      <a:prstDash val="solid"/>
-                      <a:round/>
-                      <a:headEnd type="none" w="med" len="med"/>
-                      <a:tailEnd type="none" w="med" len="med"/>
-                    </a:lnR>
-                    <a:lnT w="6350" cap="flat" cmpd="sng" algn="ctr">
-                      <a:solidFill>
-                        <a:srgbClr val="D86DCD"/>
-                      </a:solidFill>
-                      <a:prstDash val="solid"/>
-                      <a:round/>
-                      <a:headEnd type="none" w="med" len="med"/>
-                      <a:tailEnd type="none" w="med" len="med"/>
-                    </a:lnT>
-                    <a:lnB w="6350" cap="flat" cmpd="sng" algn="ctr">
-                      <a:solidFill>
-                        <a:srgbClr val="D86DCD"/>
-                      </a:solidFill>
-                      <a:prstDash val="solid"/>
-                      <a:round/>
-                      <a:headEnd type="none" w="med" len="med"/>
-                      <a:tailEnd type="none" w="med" len="med"/>
-                    </a:lnB>
-                    <a:noFill/>
-                  </a:tcPr>
-                </a:tc>
-                <a:extLst>
-                  <a:ext uri="{0D108BD9-81ED-4DB2-BD59-A6C34878D82A}">
-                    <a16:rowId xmlns:a16="http://schemas.microsoft.com/office/drawing/2014/main" val="692433681"/>
-                  </a:ext>
-                </a:extLst>
-              </a:tr>
-              <a:tr h="346236">
+              <a:tr h="375753">
                 <a:tc>
                   <a:txBody>
                     <a:bodyPr/>
@@ -15607,9 +15367,7 @@
                       <a:headEnd type="none" w="med" len="med"/>
                       <a:tailEnd type="none" w="med" len="med"/>
                     </a:lnB>
-                    <a:solidFill>
-                      <a:srgbClr val="F2CEEF"/>
-                    </a:solidFill>
+                    <a:noFill/>
                   </a:tcPr>
                 </a:tc>
                 <a:tc>
@@ -15652,9 +15410,7 @@
                       <a:headEnd type="none" w="med" len="med"/>
                       <a:tailEnd type="none" w="med" len="med"/>
                     </a:lnB>
-                    <a:solidFill>
-                      <a:srgbClr val="F2CEEF"/>
-                    </a:solidFill>
+                    <a:noFill/>
                   </a:tcPr>
                 </a:tc>
                 <a:tc>
@@ -15697,9 +15453,99 @@
                       <a:headEnd type="none" w="med" len="med"/>
                       <a:tailEnd type="none" w="med" len="med"/>
                     </a:lnB>
-                    <a:solidFill>
-                      <a:srgbClr val="F2CEEF"/>
-                    </a:solidFill>
+                    <a:noFill/>
+                  </a:tcPr>
+                </a:tc>
+                <a:tc>
+                  <a:txBody>
+                    <a:bodyPr/>
+                    <a:lstStyle/>
+                    <a:p>
+                      <a:pPr algn="ctr" fontAlgn="b"/>
+                      <a:r>
+                        <a:rPr lang="en-US" sz="1800" b="0" i="0" u="none" strike="noStrike">
+                          <a:solidFill>
+                            <a:srgbClr val="000000"/>
+                          </a:solidFill>
+                          <a:effectLst/>
+                          <a:latin typeface="Aptos Narrow" panose="020B0004020202020204" pitchFamily="34" charset="0"/>
+                        </a:rPr>
+                        <a:t>285</a:t>
+                      </a:r>
+                    </a:p>
+                  </a:txBody>
+                  <a:tcPr marL="7620" marR="7620" marT="7620" marB="0" anchor="b">
+                    <a:lnL>
+                      <a:noFill/>
+                    </a:lnL>
+                    <a:lnR>
+                      <a:noFill/>
+                    </a:lnR>
+                    <a:lnT w="6350" cap="flat" cmpd="sng" algn="ctr">
+                      <a:solidFill>
+                        <a:srgbClr val="D86DCD"/>
+                      </a:solidFill>
+                      <a:prstDash val="solid"/>
+                      <a:round/>
+                      <a:headEnd type="none" w="med" len="med"/>
+                      <a:tailEnd type="none" w="med" len="med"/>
+                    </a:lnT>
+                    <a:lnB w="6350" cap="flat" cmpd="sng" algn="ctr">
+                      <a:solidFill>
+                        <a:srgbClr val="D86DCD"/>
+                      </a:solidFill>
+                      <a:prstDash val="solid"/>
+                      <a:round/>
+                      <a:headEnd type="none" w="med" len="med"/>
+                      <a:tailEnd type="none" w="med" len="med"/>
+                    </a:lnB>
+                    <a:noFill/>
+                  </a:tcPr>
+                </a:tc>
+                <a:tc>
+                  <a:txBody>
+                    <a:bodyPr/>
+                    <a:lstStyle/>
+                    <a:p>
+                      <a:pPr algn="ctr" fontAlgn="b"/>
+                      <a:r>
+                        <a:rPr lang="en-US" sz="1800" b="0" i="0" u="none" strike="noStrike">
+                          <a:solidFill>
+                            <a:srgbClr val="000000"/>
+                          </a:solidFill>
+                          <a:effectLst/>
+                          <a:latin typeface="Aptos Narrow" panose="020B0004020202020204" pitchFamily="34" charset="0"/>
+                        </a:rPr>
+                        <a:t>346</a:t>
+                      </a:r>
+                    </a:p>
+                  </a:txBody>
+                  <a:tcPr marL="7620" marR="7620" marT="7620" marB="0" anchor="b">
+                    <a:lnL>
+                      <a:noFill/>
+                    </a:lnL>
+                    <a:lnR>
+                      <a:noFill/>
+                    </a:lnR>
+                    <a:lnT w="6350" cap="flat" cmpd="sng" algn="ctr">
+                      <a:solidFill>
+                        <a:srgbClr val="D86DCD"/>
+                      </a:solidFill>
+                      <a:prstDash val="solid"/>
+                      <a:round/>
+                      <a:headEnd type="none" w="med" len="med"/>
+                      <a:tailEnd type="none" w="med" len="med"/>
+                    </a:lnT>
+                    <a:lnB w="6350" cap="flat" cmpd="sng" algn="ctr">
+                      <a:solidFill>
+                        <a:srgbClr val="D86DCD"/>
+                      </a:solidFill>
+                      <a:prstDash val="solid"/>
+                      <a:round/>
+                      <a:headEnd type="none" w="med" len="med"/>
+                      <a:tailEnd type="none" w="med" len="med"/>
+                    </a:lnB>
+                    <a:noFill/>
                   </a:tcPr>
                 </a:tc>
                 <a:tc>
@@ -15716,7 +15562,7 @@
                           <a:effectLst/>
                           <a:latin typeface="Aptos Narrow" panose="020B0004020202020204" pitchFamily="34" charset="0"/>
                         </a:rPr>
-                        <a:t>305</a:t>
+                        <a:t>279</a:t>
                       </a:r>
                     </a:p>
                   </a:txBody>
@@ -15724,8 +15570,14 @@
                     <a:lnL>
                       <a:noFill/>
                     </a:lnL>
-                    <a:lnR>
-                      <a:noFill/>
+                    <a:lnR w="6350" cap="flat" cmpd="sng" algn="ctr">
+                      <a:solidFill>
+                        <a:srgbClr val="D86DCD"/>
+                      </a:solidFill>
+                      <a:prstDash val="solid"/>
+                      <a:round/>
+                      <a:headEnd type="none" w="med" len="med"/>
+                      <a:tailEnd type="none" w="med" len="med"/>
                     </a:lnR>
                     <a:lnT w="6350" cap="flat" cmpd="sng" algn="ctr">
                       <a:solidFill>
@@ -15745,116 +15597,12 @@
                       <a:headEnd type="none" w="med" len="med"/>
                       <a:tailEnd type="none" w="med" len="med"/>
                     </a:lnB>
-                    <a:solidFill>
-                      <a:srgbClr val="F2CEEF"/>
-                    </a:solidFill>
-                  </a:tcPr>
-                </a:tc>
-                <a:tc>
-                  <a:txBody>
-                    <a:bodyPr/>
-                    <a:lstStyle/>
-                    <a:p>
-                      <a:pPr algn="ctr" fontAlgn="b"/>
-                      <a:r>
-                        <a:rPr lang="en-US" sz="1800" b="0" i="0" u="none" strike="noStrike" dirty="0">
-                          <a:solidFill>
-                            <a:srgbClr val="000000"/>
-                          </a:solidFill>
-                          <a:effectLst/>
-                          <a:latin typeface="Aptos Narrow" panose="020B0004020202020204" pitchFamily="34" charset="0"/>
-                        </a:rPr>
-                        <a:t>362</a:t>
-                      </a:r>
-                    </a:p>
-                  </a:txBody>
-                  <a:tcPr marL="7620" marR="7620" marT="7620" marB="0" anchor="b">
-                    <a:lnL>
-                      <a:noFill/>
-                    </a:lnL>
-                    <a:lnR>
-                      <a:noFill/>
-                    </a:lnR>
-                    <a:lnT w="6350" cap="flat" cmpd="sng" algn="ctr">
-                      <a:solidFill>
-                        <a:srgbClr val="D86DCD"/>
-                      </a:solidFill>
-                      <a:prstDash val="solid"/>
-                      <a:round/>
-                      <a:headEnd type="none" w="med" len="med"/>
-                      <a:tailEnd type="none" w="med" len="med"/>
-                    </a:lnT>
-                    <a:lnB w="6350" cap="flat" cmpd="sng" algn="ctr">
-                      <a:solidFill>
-                        <a:srgbClr val="D86DCD"/>
-                      </a:solidFill>
-                      <a:prstDash val="solid"/>
-                      <a:round/>
-                      <a:headEnd type="none" w="med" len="med"/>
-                      <a:tailEnd type="none" w="med" len="med"/>
-                    </a:lnB>
-                    <a:solidFill>
-                      <a:srgbClr val="F2CEEF"/>
-                    </a:solidFill>
-                  </a:tcPr>
-                </a:tc>
-                <a:tc>
-                  <a:txBody>
-                    <a:bodyPr/>
-                    <a:lstStyle/>
-                    <a:p>
-                      <a:pPr algn="ctr" fontAlgn="b"/>
-                      <a:r>
-                        <a:rPr lang="en-US" sz="1800" b="0" i="0" u="none" strike="noStrike" dirty="0">
-                          <a:solidFill>
-                            <a:srgbClr val="000000"/>
-                          </a:solidFill>
-                          <a:effectLst/>
-                          <a:latin typeface="Aptos Narrow" panose="020B0004020202020204" pitchFamily="34" charset="0"/>
-                        </a:rPr>
-                        <a:t>319</a:t>
-                      </a:r>
-                    </a:p>
-                  </a:txBody>
-                  <a:tcPr marL="7620" marR="7620" marT="7620" marB="0" anchor="b">
-                    <a:lnL>
-                      <a:noFill/>
-                    </a:lnL>
-                    <a:lnR w="6350" cap="flat" cmpd="sng" algn="ctr">
-                      <a:solidFill>
-                        <a:srgbClr val="D86DCD"/>
-                      </a:solidFill>
-                      <a:prstDash val="solid"/>
-                      <a:round/>
-                      <a:headEnd type="none" w="med" len="med"/>
-                      <a:tailEnd type="none" w="med" len="med"/>
-                    </a:lnR>
-                    <a:lnT w="6350" cap="flat" cmpd="sng" algn="ctr">
-                      <a:solidFill>
-                        <a:srgbClr val="D86DCD"/>
-                      </a:solidFill>
-                      <a:prstDash val="solid"/>
-                      <a:round/>
-                      <a:headEnd type="none" w="med" len="med"/>
-                      <a:tailEnd type="none" w="med" len="med"/>
-                    </a:lnT>
-                    <a:lnB w="6350" cap="flat" cmpd="sng" algn="ctr">
-                      <a:solidFill>
-                        <a:srgbClr val="D86DCD"/>
-                      </a:solidFill>
-                      <a:prstDash val="solid"/>
-                      <a:round/>
-                      <a:headEnd type="none" w="med" len="med"/>
-                      <a:tailEnd type="none" w="med" len="med"/>
-                    </a:lnB>
-                    <a:solidFill>
-                      <a:srgbClr val="F2CEEF"/>
-                    </a:solidFill>
+                    <a:noFill/>
                   </a:tcPr>
                 </a:tc>
                 <a:extLst>
                   <a:ext uri="{0D108BD9-81ED-4DB2-BD59-A6C34878D82A}">
-                    <a16:rowId xmlns:a16="http://schemas.microsoft.com/office/drawing/2014/main" val="3280041288"/>
+                    <a16:rowId xmlns:a16="http://schemas.microsoft.com/office/drawing/2014/main" val="410792196"/>
                   </a:ext>
                 </a:extLst>
               </a:tr>
@@ -16660,6 +16408,15 @@
 </file>
 
 <file path=customXml/item1.xml><?xml version="1.0" encoding="utf-8"?>
+<?mso-contentType ?>
+<FormTemplates xmlns="http://schemas.microsoft.com/sharepoint/v3/contenttype/forms">
+  <Display>DocumentLibraryForm</Display>
+  <Edit>DocumentLibraryForm</Edit>
+  <New>DocumentLibraryForm</New>
+</FormTemplates>
+</file>
+
+<file path=customXml/item2.xml><?xml version="1.0" encoding="utf-8"?>
 <ct:contentTypeSchema xmlns:ct="http://schemas.microsoft.com/office/2006/metadata/contentType" xmlns:ma="http://schemas.microsoft.com/office/2006/metadata/properties/metaAttributes" ct:_="" ma:_="" ma:contentTypeName="Document" ma:contentTypeID="0x0101009ADC84C2C2689F418E5BAD3CA70F51C1" ma:contentTypeVersion="15" ma:contentTypeDescription="Create a new document." ma:contentTypeScope="" ma:versionID="dfa36a507fa972b0dae0ef5557aeb3eb">
   <xsd:schema xmlns:xsd="http://www.w3.org/2001/XMLSchema" xmlns:xs="http://www.w3.org/2001/XMLSchema" xmlns:p="http://schemas.microsoft.com/office/2006/metadata/properties" xmlns:ns3="218cae68-0ddc-43bb-9a29-52a0402d6cb9" xmlns:ns4="703aeb73-56ce-48f3-9277-f60cff690132" targetNamespace="http://schemas.microsoft.com/office/2006/metadata/properties" ma:root="true" ma:fieldsID="cb78c5b39430d5080de0e1d97c12cd45" ns3:_="" ns4:_="">
     <xsd:import namespace="218cae68-0ddc-43bb-9a29-52a0402d6cb9"/>
@@ -16892,15 +16649,6 @@
 </ct:contentTypeSchema>
 </file>
 
-<file path=customXml/item2.xml><?xml version="1.0" encoding="utf-8"?>
-<?mso-contentType ?>
-<FormTemplates xmlns="http://schemas.microsoft.com/sharepoint/v3/contenttype/forms">
-  <Display>DocumentLibraryForm</Display>
-  <Edit>DocumentLibraryForm</Edit>
-  <New>DocumentLibraryForm</New>
-</FormTemplates>
-</file>
-
 <file path=customXml/item3.xml><?xml version="1.0" encoding="utf-8"?>
 <p:properties xmlns:p="http://schemas.microsoft.com/office/2006/metadata/properties" xmlns:xsi="http://www.w3.org/2001/XMLSchema-instance" xmlns:pc="http://schemas.microsoft.com/office/infopath/2007/PartnerControls">
   <documentManagement>
@@ -16910,6 +16658,14 @@
 </file>
 
 <file path=customXml/itemProps1.xml><?xml version="1.0" encoding="utf-8"?>
+<ds:datastoreItem xmlns:ds="http://schemas.openxmlformats.org/officeDocument/2006/customXml" ds:itemID="{3A69843A-82BD-41BC-9CFD-7A6BCBCF50D4}">
+  <ds:schemaRefs>
+    <ds:schemaRef ds:uri="http://schemas.microsoft.com/sharepoint/v3/contenttype/forms"/>
+  </ds:schemaRefs>
+</ds:datastoreItem>
+</file>
+
+<file path=customXml/itemProps2.xml><?xml version="1.0" encoding="utf-8"?>
 <ds:datastoreItem xmlns:ds="http://schemas.openxmlformats.org/officeDocument/2006/customXml" ds:itemID="{0058B037-F10E-47D7-816C-415ABC0EB55F}">
   <ds:schemaRefs>
     <ds:schemaRef ds:uri="http://schemas.microsoft.com/office/2006/metadata/contentType"/>
@@ -16924,14 +16680,6 @@
     <ds:schemaRef ds:uri="http://purl.org/dc/elements/1.1/"/>
     <ds:schemaRef ds:uri="http://purl.org/dc/terms/"/>
     <ds:schemaRef ds:uri="http://schemas.microsoft.com/internal/obd"/>
-  </ds:schemaRefs>
-</ds:datastoreItem>
-</file>
-
-<file path=customXml/itemProps2.xml><?xml version="1.0" encoding="utf-8"?>
-<ds:datastoreItem xmlns:ds="http://schemas.openxmlformats.org/officeDocument/2006/customXml" ds:itemID="{3A69843A-82BD-41BC-9CFD-7A6BCBCF50D4}">
-  <ds:schemaRefs>
-    <ds:schemaRef ds:uri="http://schemas.microsoft.com/sharepoint/v3/contenttype/forms"/>
   </ds:schemaRefs>
 </ds:datastoreItem>
 </file>

--- a/Documents/CDR/CDR_Presentation.pptx
+++ b/Documents/CDR/CDR_Presentation.pptx
@@ -219,7 +219,7 @@
           <a:p>
             <a:fld id="{C3DCE7EF-75D0-4DB7-BD1A-FC94188B4058}" type="datetimeFigureOut">
               <a:rPr lang="en-US" smtClean="0"/>
-              <a:t>10/7/2024</a:t>
+              <a:t>10/8/2024</a:t>
             </a:fld>
             <a:endParaRPr lang="en-US"/>
           </a:p>
@@ -1851,7 +1851,7 @@
           <a:p>
             <a:fld id="{A749A21A-B890-4700-B57E-1CFFBFCC9631}" type="datetimeFigureOut">
               <a:rPr lang="en-US" smtClean="0"/>
-              <a:t>10/7/2024</a:t>
+              <a:t>10/8/2024</a:t>
             </a:fld>
             <a:endParaRPr lang="en-US"/>
           </a:p>
@@ -2049,7 +2049,7 @@
           <a:p>
             <a:fld id="{A749A21A-B890-4700-B57E-1CFFBFCC9631}" type="datetimeFigureOut">
               <a:rPr lang="en-US" smtClean="0"/>
-              <a:t>10/7/2024</a:t>
+              <a:t>10/8/2024</a:t>
             </a:fld>
             <a:endParaRPr lang="en-US"/>
           </a:p>
@@ -2257,7 +2257,7 @@
           <a:p>
             <a:fld id="{A749A21A-B890-4700-B57E-1CFFBFCC9631}" type="datetimeFigureOut">
               <a:rPr lang="en-US" smtClean="0"/>
-              <a:t>10/7/2024</a:t>
+              <a:t>10/8/2024</a:t>
             </a:fld>
             <a:endParaRPr lang="en-US"/>
           </a:p>
@@ -2455,7 +2455,7 @@
           <a:p>
             <a:fld id="{A749A21A-B890-4700-B57E-1CFFBFCC9631}" type="datetimeFigureOut">
               <a:rPr lang="en-US" smtClean="0"/>
-              <a:t>10/7/2024</a:t>
+              <a:t>10/8/2024</a:t>
             </a:fld>
             <a:endParaRPr lang="en-US"/>
           </a:p>
@@ -2730,7 +2730,7 @@
           <a:p>
             <a:fld id="{A749A21A-B890-4700-B57E-1CFFBFCC9631}" type="datetimeFigureOut">
               <a:rPr lang="en-US" smtClean="0"/>
-              <a:t>10/7/2024</a:t>
+              <a:t>10/8/2024</a:t>
             </a:fld>
             <a:endParaRPr lang="en-US"/>
           </a:p>
@@ -2995,7 +2995,7 @@
           <a:p>
             <a:fld id="{A749A21A-B890-4700-B57E-1CFFBFCC9631}" type="datetimeFigureOut">
               <a:rPr lang="en-US" smtClean="0"/>
-              <a:t>10/7/2024</a:t>
+              <a:t>10/8/2024</a:t>
             </a:fld>
             <a:endParaRPr lang="en-US"/>
           </a:p>
@@ -3407,7 +3407,7 @@
           <a:p>
             <a:fld id="{A749A21A-B890-4700-B57E-1CFFBFCC9631}" type="datetimeFigureOut">
               <a:rPr lang="en-US" smtClean="0"/>
-              <a:t>10/7/2024</a:t>
+              <a:t>10/8/2024</a:t>
             </a:fld>
             <a:endParaRPr lang="en-US"/>
           </a:p>
@@ -3548,7 +3548,7 @@
           <a:p>
             <a:fld id="{A749A21A-B890-4700-B57E-1CFFBFCC9631}" type="datetimeFigureOut">
               <a:rPr lang="en-US" smtClean="0"/>
-              <a:t>10/7/2024</a:t>
+              <a:t>10/8/2024</a:t>
             </a:fld>
             <a:endParaRPr lang="en-US"/>
           </a:p>
@@ -3661,7 +3661,7 @@
           <a:p>
             <a:fld id="{A749A21A-B890-4700-B57E-1CFFBFCC9631}" type="datetimeFigureOut">
               <a:rPr lang="en-US" smtClean="0"/>
-              <a:t>10/7/2024</a:t>
+              <a:t>10/8/2024</a:t>
             </a:fld>
             <a:endParaRPr lang="en-US"/>
           </a:p>
@@ -3972,7 +3972,7 @@
           <a:p>
             <a:fld id="{A749A21A-B890-4700-B57E-1CFFBFCC9631}" type="datetimeFigureOut">
               <a:rPr lang="en-US" smtClean="0"/>
-              <a:t>10/7/2024</a:t>
+              <a:t>10/8/2024</a:t>
             </a:fld>
             <a:endParaRPr lang="en-US"/>
           </a:p>
@@ -4260,7 +4260,7 @@
           <a:p>
             <a:fld id="{A749A21A-B890-4700-B57E-1CFFBFCC9631}" type="datetimeFigureOut">
               <a:rPr lang="en-US" smtClean="0"/>
-              <a:t>10/7/2024</a:t>
+              <a:t>10/8/2024</a:t>
             </a:fld>
             <a:endParaRPr lang="en-US"/>
           </a:p>
@@ -4501,7 +4501,7 @@
           <a:p>
             <a:fld id="{A749A21A-B890-4700-B57E-1CFFBFCC9631}" type="datetimeFigureOut">
               <a:rPr lang="en-US" smtClean="0"/>
-              <a:t>10/7/2024</a:t>
+              <a:t>10/8/2024</a:t>
             </a:fld>
             <a:endParaRPr lang="en-US"/>
           </a:p>
@@ -5553,6 +5553,14 @@
 <file path=ppt/slides/slide10.xml><?xml version="1.0" encoding="utf-8"?>
 <p:sld xmlns:a="http://schemas.openxmlformats.org/drawingml/2006/main" xmlns:r="http://schemas.openxmlformats.org/officeDocument/2006/relationships" xmlns:p="http://schemas.openxmlformats.org/presentationml/2006/main">
   <p:cSld>
+    <p:bg>
+      <p:bgPr>
+        <a:solidFill>
+          <a:schemeClr val="bg1"/>
+        </a:solidFill>
+        <a:effectLst/>
+      </p:bgPr>
+    </p:bg>
     <p:spTree>
       <p:nvGrpSpPr>
         <p:cNvPr id="1" name=""/>
@@ -5567,6 +5575,66 @@
           <a:chExt cx="0" cy="0"/>
         </a:xfrm>
       </p:grpSpPr>
+      <p:sp useBgFill="1">
+        <p:nvSpPr>
+          <p:cNvPr id="9" name="Rectangle 8">
+            <a:extLst>
+              <a:ext uri="{FF2B5EF4-FFF2-40B4-BE49-F238E27FC236}">
+                <a16:creationId xmlns:a16="http://schemas.microsoft.com/office/drawing/2014/main" id="{100EDD19-6802-4EC3-95CE-CFFAB042CFD6}"/>
+              </a:ext>
+              <a:ext uri="{C183D7F6-B498-43B3-948B-1728B52AA6E4}">
+                <adec:decorative xmlns:adec="http://schemas.microsoft.com/office/drawing/2017/decorative" val="1"/>
+              </a:ext>
+            </a:extLst>
+          </p:cNvPr>
+          <p:cNvSpPr>
+            <a:spLocks noGrp="1" noRot="1" noChangeAspect="1" noMove="1" noResize="1" noEditPoints="1" noAdjustHandles="1" noChangeArrowheads="1" noChangeShapeType="1" noTextEdit="1"/>
+          </p:cNvSpPr>
+          <p:nvPr>
+            <p:extLst>
+              <p:ext uri="{386F3935-93C4-4BCD-93E2-E3B085C9AB24}">
+                <p16:designElem xmlns:p16="http://schemas.microsoft.com/office/powerpoint/2015/main" val="1"/>
+              </p:ext>
+            </p:extLst>
+          </p:nvPr>
+        </p:nvSpPr>
+        <p:spPr>
+          <a:xfrm>
+            <a:off x="0" y="0"/>
+            <a:ext cx="12188952" cy="6858000"/>
+          </a:xfrm>
+          <a:prstGeom prst="rect">
+            <a:avLst/>
+          </a:prstGeom>
+          <a:ln>
+            <a:noFill/>
+          </a:ln>
+        </p:spPr>
+        <p:style>
+          <a:lnRef idx="2">
+            <a:schemeClr val="accent1">
+              <a:shade val="50000"/>
+            </a:schemeClr>
+          </a:lnRef>
+          <a:fillRef idx="1">
+            <a:schemeClr val="accent1"/>
+          </a:fillRef>
+          <a:effectRef idx="0">
+            <a:schemeClr val="accent1"/>
+          </a:effectRef>
+          <a:fontRef idx="minor">
+            <a:schemeClr val="lt1"/>
+          </a:fontRef>
+        </p:style>
+        <p:txBody>
+          <a:bodyPr rtlCol="0" anchor="ctr"/>
+          <a:lstStyle/>
+          <a:p>
+            <a:pPr algn="ctr"/>
+            <a:endParaRPr lang="en-US"/>
+          </a:p>
+        </p:txBody>
+      </p:sp>
       <p:sp>
         <p:nvSpPr>
           <p:cNvPr id="2" name="Title 1">
@@ -5583,15 +5651,660 @@
             <p:ph type="title"/>
           </p:nvPr>
         </p:nvSpPr>
-        <p:spPr/>
+        <p:spPr>
+          <a:xfrm>
+            <a:off x="838200" y="365125"/>
+            <a:ext cx="10515600" cy="1325563"/>
+          </a:xfrm>
+        </p:spPr>
         <p:txBody>
-          <a:bodyPr/>
+          <a:bodyPr>
+            <a:normAutofit/>
+          </a:bodyPr>
           <a:lstStyle/>
           <a:p>
             <a:r>
-              <a:rPr lang="en-US" dirty="0"/>
+              <a:rPr lang="en-US" sz="5400"/>
               <a:t>Microcontroller Options</a:t>
             </a:r>
+          </a:p>
+        </p:txBody>
+      </p:sp>
+      <p:sp>
+        <p:nvSpPr>
+          <p:cNvPr id="11" name="sketch line">
+            <a:extLst>
+              <a:ext uri="{FF2B5EF4-FFF2-40B4-BE49-F238E27FC236}">
+                <a16:creationId xmlns:a16="http://schemas.microsoft.com/office/drawing/2014/main" id="{DB17E863-922E-4C26-BD64-E8FD41D28661}"/>
+              </a:ext>
+              <a:ext uri="{C183D7F6-B498-43B3-948B-1728B52AA6E4}">
+                <adec:decorative xmlns:adec="http://schemas.microsoft.com/office/drawing/2017/decorative" val="1"/>
+              </a:ext>
+            </a:extLst>
+          </p:cNvPr>
+          <p:cNvSpPr>
+            <a:spLocks noGrp="1" noRot="1" noChangeAspect="1" noMove="1" noResize="1" noEditPoints="1" noAdjustHandles="1" noChangeArrowheads="1" noChangeShapeType="1" noTextEdit="1"/>
+          </p:cNvSpPr>
+          <p:nvPr>
+            <p:extLst>
+              <p:ext uri="{386F3935-93C4-4BCD-93E2-E3B085C9AB24}">
+                <p16:designElem xmlns:p16="http://schemas.microsoft.com/office/powerpoint/2015/main" val="1"/>
+              </p:ext>
+            </p:extLst>
+          </p:nvPr>
+        </p:nvSpPr>
+        <p:spPr>
+          <a:xfrm>
+            <a:off x="669036" y="1677373"/>
+            <a:ext cx="10853928" cy="18288"/>
+          </a:xfrm>
+          <a:custGeom>
+            <a:avLst/>
+            <a:gdLst>
+              <a:gd name="connsiteX0" fmla="*/ 0 w 10853928"/>
+              <a:gd name="connsiteY0" fmla="*/ 0 h 18288"/>
+              <a:gd name="connsiteX1" fmla="*/ 461292 w 10853928"/>
+              <a:gd name="connsiteY1" fmla="*/ 0 h 18288"/>
+              <a:gd name="connsiteX2" fmla="*/ 1139662 w 10853928"/>
+              <a:gd name="connsiteY2" fmla="*/ 0 h 18288"/>
+              <a:gd name="connsiteX3" fmla="*/ 1926572 w 10853928"/>
+              <a:gd name="connsiteY3" fmla="*/ 0 h 18288"/>
+              <a:gd name="connsiteX4" fmla="*/ 2279325 w 10853928"/>
+              <a:gd name="connsiteY4" fmla="*/ 0 h 18288"/>
+              <a:gd name="connsiteX5" fmla="*/ 2632078 w 10853928"/>
+              <a:gd name="connsiteY5" fmla="*/ 0 h 18288"/>
+              <a:gd name="connsiteX6" fmla="*/ 3527527 w 10853928"/>
+              <a:gd name="connsiteY6" fmla="*/ 0 h 18288"/>
+              <a:gd name="connsiteX7" fmla="*/ 4205897 w 10853928"/>
+              <a:gd name="connsiteY7" fmla="*/ 0 h 18288"/>
+              <a:gd name="connsiteX8" fmla="*/ 4558650 w 10853928"/>
+              <a:gd name="connsiteY8" fmla="*/ 0 h 18288"/>
+              <a:gd name="connsiteX9" fmla="*/ 5237020 w 10853928"/>
+              <a:gd name="connsiteY9" fmla="*/ 0 h 18288"/>
+              <a:gd name="connsiteX10" fmla="*/ 6132469 w 10853928"/>
+              <a:gd name="connsiteY10" fmla="*/ 0 h 18288"/>
+              <a:gd name="connsiteX11" fmla="*/ 6702301 w 10853928"/>
+              <a:gd name="connsiteY11" fmla="*/ 0 h 18288"/>
+              <a:gd name="connsiteX12" fmla="*/ 7272132 w 10853928"/>
+              <a:gd name="connsiteY12" fmla="*/ 0 h 18288"/>
+              <a:gd name="connsiteX13" fmla="*/ 7950502 w 10853928"/>
+              <a:gd name="connsiteY13" fmla="*/ 0 h 18288"/>
+              <a:gd name="connsiteX14" fmla="*/ 8737412 w 10853928"/>
+              <a:gd name="connsiteY14" fmla="*/ 0 h 18288"/>
+              <a:gd name="connsiteX15" fmla="*/ 9524322 w 10853928"/>
+              <a:gd name="connsiteY15" fmla="*/ 0 h 18288"/>
+              <a:gd name="connsiteX16" fmla="*/ 10853928 w 10853928"/>
+              <a:gd name="connsiteY16" fmla="*/ 0 h 18288"/>
+              <a:gd name="connsiteX17" fmla="*/ 10853928 w 10853928"/>
+              <a:gd name="connsiteY17" fmla="*/ 18288 h 18288"/>
+              <a:gd name="connsiteX18" fmla="*/ 10392636 w 10853928"/>
+              <a:gd name="connsiteY18" fmla="*/ 18288 h 18288"/>
+              <a:gd name="connsiteX19" fmla="*/ 9497187 w 10853928"/>
+              <a:gd name="connsiteY19" fmla="*/ 18288 h 18288"/>
+              <a:gd name="connsiteX20" fmla="*/ 8818817 w 10853928"/>
+              <a:gd name="connsiteY20" fmla="*/ 18288 h 18288"/>
+              <a:gd name="connsiteX21" fmla="*/ 8466064 w 10853928"/>
+              <a:gd name="connsiteY21" fmla="*/ 18288 h 18288"/>
+              <a:gd name="connsiteX22" fmla="*/ 7787693 w 10853928"/>
+              <a:gd name="connsiteY22" fmla="*/ 18288 h 18288"/>
+              <a:gd name="connsiteX23" fmla="*/ 7217862 w 10853928"/>
+              <a:gd name="connsiteY23" fmla="*/ 18288 h 18288"/>
+              <a:gd name="connsiteX24" fmla="*/ 6648031 w 10853928"/>
+              <a:gd name="connsiteY24" fmla="*/ 18288 h 18288"/>
+              <a:gd name="connsiteX25" fmla="*/ 6078200 w 10853928"/>
+              <a:gd name="connsiteY25" fmla="*/ 18288 h 18288"/>
+              <a:gd name="connsiteX26" fmla="*/ 5508368 w 10853928"/>
+              <a:gd name="connsiteY26" fmla="*/ 18288 h 18288"/>
+              <a:gd name="connsiteX27" fmla="*/ 4721459 w 10853928"/>
+              <a:gd name="connsiteY27" fmla="*/ 18288 h 18288"/>
+              <a:gd name="connsiteX28" fmla="*/ 4043088 w 10853928"/>
+              <a:gd name="connsiteY28" fmla="*/ 18288 h 18288"/>
+              <a:gd name="connsiteX29" fmla="*/ 3690336 w 10853928"/>
+              <a:gd name="connsiteY29" fmla="*/ 18288 h 18288"/>
+              <a:gd name="connsiteX30" fmla="*/ 3120504 w 10853928"/>
+              <a:gd name="connsiteY30" fmla="*/ 18288 h 18288"/>
+              <a:gd name="connsiteX31" fmla="*/ 2333595 w 10853928"/>
+              <a:gd name="connsiteY31" fmla="*/ 18288 h 18288"/>
+              <a:gd name="connsiteX32" fmla="*/ 1872303 w 10853928"/>
+              <a:gd name="connsiteY32" fmla="*/ 18288 h 18288"/>
+              <a:gd name="connsiteX33" fmla="*/ 976854 w 10853928"/>
+              <a:gd name="connsiteY33" fmla="*/ 18288 h 18288"/>
+              <a:gd name="connsiteX34" fmla="*/ 0 w 10853928"/>
+              <a:gd name="connsiteY34" fmla="*/ 18288 h 18288"/>
+              <a:gd name="connsiteX35" fmla="*/ 0 w 10853928"/>
+              <a:gd name="connsiteY35" fmla="*/ 0 h 18288"/>
+            </a:gdLst>
+            <a:ahLst/>
+            <a:cxnLst>
+              <a:cxn ang="0">
+                <a:pos x="connsiteX0" y="connsiteY0"/>
+              </a:cxn>
+              <a:cxn ang="0">
+                <a:pos x="connsiteX1" y="connsiteY1"/>
+              </a:cxn>
+              <a:cxn ang="0">
+                <a:pos x="connsiteX2" y="connsiteY2"/>
+              </a:cxn>
+              <a:cxn ang="0">
+                <a:pos x="connsiteX3" y="connsiteY3"/>
+              </a:cxn>
+              <a:cxn ang="0">
+                <a:pos x="connsiteX4" y="connsiteY4"/>
+              </a:cxn>
+              <a:cxn ang="0">
+                <a:pos x="connsiteX5" y="connsiteY5"/>
+              </a:cxn>
+              <a:cxn ang="0">
+                <a:pos x="connsiteX6" y="connsiteY6"/>
+              </a:cxn>
+              <a:cxn ang="0">
+                <a:pos x="connsiteX7" y="connsiteY7"/>
+              </a:cxn>
+              <a:cxn ang="0">
+                <a:pos x="connsiteX8" y="connsiteY8"/>
+              </a:cxn>
+              <a:cxn ang="0">
+                <a:pos x="connsiteX9" y="connsiteY9"/>
+              </a:cxn>
+              <a:cxn ang="0">
+                <a:pos x="connsiteX10" y="connsiteY10"/>
+              </a:cxn>
+              <a:cxn ang="0">
+                <a:pos x="connsiteX11" y="connsiteY11"/>
+              </a:cxn>
+              <a:cxn ang="0">
+                <a:pos x="connsiteX12" y="connsiteY12"/>
+              </a:cxn>
+              <a:cxn ang="0">
+                <a:pos x="connsiteX13" y="connsiteY13"/>
+              </a:cxn>
+              <a:cxn ang="0">
+                <a:pos x="connsiteX14" y="connsiteY14"/>
+              </a:cxn>
+              <a:cxn ang="0">
+                <a:pos x="connsiteX15" y="connsiteY15"/>
+              </a:cxn>
+              <a:cxn ang="0">
+                <a:pos x="connsiteX16" y="connsiteY16"/>
+              </a:cxn>
+              <a:cxn ang="0">
+                <a:pos x="connsiteX17" y="connsiteY17"/>
+              </a:cxn>
+              <a:cxn ang="0">
+                <a:pos x="connsiteX18" y="connsiteY18"/>
+              </a:cxn>
+              <a:cxn ang="0">
+                <a:pos x="connsiteX19" y="connsiteY19"/>
+              </a:cxn>
+              <a:cxn ang="0">
+                <a:pos x="connsiteX20" y="connsiteY20"/>
+              </a:cxn>
+              <a:cxn ang="0">
+                <a:pos x="connsiteX21" y="connsiteY21"/>
+              </a:cxn>
+              <a:cxn ang="0">
+                <a:pos x="connsiteX22" y="connsiteY22"/>
+              </a:cxn>
+              <a:cxn ang="0">
+                <a:pos x="connsiteX23" y="connsiteY23"/>
+              </a:cxn>
+              <a:cxn ang="0">
+                <a:pos x="connsiteX24" y="connsiteY24"/>
+              </a:cxn>
+              <a:cxn ang="0">
+                <a:pos x="connsiteX25" y="connsiteY25"/>
+              </a:cxn>
+              <a:cxn ang="0">
+                <a:pos x="connsiteX26" y="connsiteY26"/>
+              </a:cxn>
+              <a:cxn ang="0">
+                <a:pos x="connsiteX27" y="connsiteY27"/>
+              </a:cxn>
+              <a:cxn ang="0">
+                <a:pos x="connsiteX28" y="connsiteY28"/>
+              </a:cxn>
+              <a:cxn ang="0">
+                <a:pos x="connsiteX29" y="connsiteY29"/>
+              </a:cxn>
+              <a:cxn ang="0">
+                <a:pos x="connsiteX30" y="connsiteY30"/>
+              </a:cxn>
+              <a:cxn ang="0">
+                <a:pos x="connsiteX31" y="connsiteY31"/>
+              </a:cxn>
+              <a:cxn ang="0">
+                <a:pos x="connsiteX32" y="connsiteY32"/>
+              </a:cxn>
+              <a:cxn ang="0">
+                <a:pos x="connsiteX33" y="connsiteY33"/>
+              </a:cxn>
+              <a:cxn ang="0">
+                <a:pos x="connsiteX34" y="connsiteY34"/>
+              </a:cxn>
+              <a:cxn ang="0">
+                <a:pos x="connsiteX35" y="connsiteY35"/>
+              </a:cxn>
+            </a:cxnLst>
+            <a:rect l="l" t="t" r="r" b="b"/>
+            <a:pathLst>
+              <a:path w="10853928" h="18288" fill="none" extrusionOk="0">
+                <a:moveTo>
+                  <a:pt x="0" y="0"/>
+                </a:moveTo>
+                <a:cubicBezTo>
+                  <a:pt x="146993" y="-19076"/>
+                  <a:pt x="347684" y="-4790"/>
+                  <a:pt x="461292" y="0"/>
+                </a:cubicBezTo>
+                <a:cubicBezTo>
+                  <a:pt x="574900" y="4790"/>
+                  <a:pt x="808367" y="19821"/>
+                  <a:pt x="1139662" y="0"/>
+                </a:cubicBezTo>
+                <a:cubicBezTo>
+                  <a:pt x="1470957" y="-19821"/>
+                  <a:pt x="1627405" y="5721"/>
+                  <a:pt x="1926572" y="0"/>
+                </a:cubicBezTo>
+                <a:cubicBezTo>
+                  <a:pt x="2225739" y="-5721"/>
+                  <a:pt x="2137730" y="-3235"/>
+                  <a:pt x="2279325" y="0"/>
+                </a:cubicBezTo>
+                <a:cubicBezTo>
+                  <a:pt x="2420920" y="3235"/>
+                  <a:pt x="2456518" y="9685"/>
+                  <a:pt x="2632078" y="0"/>
+                </a:cubicBezTo>
+                <a:cubicBezTo>
+                  <a:pt x="2807638" y="-9685"/>
+                  <a:pt x="3211516" y="-43007"/>
+                  <a:pt x="3527527" y="0"/>
+                </a:cubicBezTo>
+                <a:cubicBezTo>
+                  <a:pt x="3843538" y="43007"/>
+                  <a:pt x="4058833" y="22042"/>
+                  <a:pt x="4205897" y="0"/>
+                </a:cubicBezTo>
+                <a:cubicBezTo>
+                  <a:pt x="4352961" y="-22042"/>
+                  <a:pt x="4474805" y="-11846"/>
+                  <a:pt x="4558650" y="0"/>
+                </a:cubicBezTo>
+                <a:cubicBezTo>
+                  <a:pt x="4642495" y="11846"/>
+                  <a:pt x="5041928" y="-6069"/>
+                  <a:pt x="5237020" y="0"/>
+                </a:cubicBezTo>
+                <a:cubicBezTo>
+                  <a:pt x="5432112" y="6069"/>
+                  <a:pt x="5943266" y="-17479"/>
+                  <a:pt x="6132469" y="0"/>
+                </a:cubicBezTo>
+                <a:cubicBezTo>
+                  <a:pt x="6321672" y="17479"/>
+                  <a:pt x="6483872" y="26234"/>
+                  <a:pt x="6702301" y="0"/>
+                </a:cubicBezTo>
+                <a:cubicBezTo>
+                  <a:pt x="6920730" y="-26234"/>
+                  <a:pt x="6991194" y="-15156"/>
+                  <a:pt x="7272132" y="0"/>
+                </a:cubicBezTo>
+                <a:cubicBezTo>
+                  <a:pt x="7553070" y="15156"/>
+                  <a:pt x="7684444" y="-32961"/>
+                  <a:pt x="7950502" y="0"/>
+                </a:cubicBezTo>
+                <a:cubicBezTo>
+                  <a:pt x="8216560" y="32961"/>
+                  <a:pt x="8493290" y="-10491"/>
+                  <a:pt x="8737412" y="0"/>
+                </a:cubicBezTo>
+                <a:cubicBezTo>
+                  <a:pt x="8981534" y="10491"/>
+                  <a:pt x="9191586" y="-13899"/>
+                  <a:pt x="9524322" y="0"/>
+                </a:cubicBezTo>
+                <a:cubicBezTo>
+                  <a:pt x="9857058" y="13899"/>
+                  <a:pt x="10297509" y="7485"/>
+                  <a:pt x="10853928" y="0"/>
+                </a:cubicBezTo>
+                <a:cubicBezTo>
+                  <a:pt x="10854574" y="4451"/>
+                  <a:pt x="10854418" y="9226"/>
+                  <a:pt x="10853928" y="18288"/>
+                </a:cubicBezTo>
+                <a:cubicBezTo>
+                  <a:pt x="10691638" y="28522"/>
+                  <a:pt x="10574319" y="29578"/>
+                  <a:pt x="10392636" y="18288"/>
+                </a:cubicBezTo>
+                <a:cubicBezTo>
+                  <a:pt x="10210953" y="6998"/>
+                  <a:pt x="9836277" y="-16742"/>
+                  <a:pt x="9497187" y="18288"/>
+                </a:cubicBezTo>
+                <a:cubicBezTo>
+                  <a:pt x="9158097" y="53318"/>
+                  <a:pt x="9119479" y="30714"/>
+                  <a:pt x="8818817" y="18288"/>
+                </a:cubicBezTo>
+                <a:cubicBezTo>
+                  <a:pt x="8518155" y="5863"/>
+                  <a:pt x="8640037" y="6483"/>
+                  <a:pt x="8466064" y="18288"/>
+                </a:cubicBezTo>
+                <a:cubicBezTo>
+                  <a:pt x="8292091" y="30093"/>
+                  <a:pt x="7997656" y="18914"/>
+                  <a:pt x="7787693" y="18288"/>
+                </a:cubicBezTo>
+                <a:cubicBezTo>
+                  <a:pt x="7577730" y="17662"/>
+                  <a:pt x="7412468" y="21416"/>
+                  <a:pt x="7217862" y="18288"/>
+                </a:cubicBezTo>
+                <a:cubicBezTo>
+                  <a:pt x="7023256" y="15160"/>
+                  <a:pt x="6898018" y="14824"/>
+                  <a:pt x="6648031" y="18288"/>
+                </a:cubicBezTo>
+                <a:cubicBezTo>
+                  <a:pt x="6398044" y="21752"/>
+                  <a:pt x="6254402" y="38625"/>
+                  <a:pt x="6078200" y="18288"/>
+                </a:cubicBezTo>
+                <a:cubicBezTo>
+                  <a:pt x="5901998" y="-2049"/>
+                  <a:pt x="5622886" y="3213"/>
+                  <a:pt x="5508368" y="18288"/>
+                </a:cubicBezTo>
+                <a:cubicBezTo>
+                  <a:pt x="5393850" y="33363"/>
+                  <a:pt x="5036260" y="26830"/>
+                  <a:pt x="4721459" y="18288"/>
+                </a:cubicBezTo>
+                <a:cubicBezTo>
+                  <a:pt x="4406658" y="9746"/>
+                  <a:pt x="4239221" y="41551"/>
+                  <a:pt x="4043088" y="18288"/>
+                </a:cubicBezTo>
+                <a:cubicBezTo>
+                  <a:pt x="3846955" y="-4975"/>
+                  <a:pt x="3818802" y="34658"/>
+                  <a:pt x="3690336" y="18288"/>
+                </a:cubicBezTo>
+                <a:cubicBezTo>
+                  <a:pt x="3561870" y="1918"/>
+                  <a:pt x="3265491" y="42194"/>
+                  <a:pt x="3120504" y="18288"/>
+                </a:cubicBezTo>
+                <a:cubicBezTo>
+                  <a:pt x="2975517" y="-5618"/>
+                  <a:pt x="2720254" y="36673"/>
+                  <a:pt x="2333595" y="18288"/>
+                </a:cubicBezTo>
+                <a:cubicBezTo>
+                  <a:pt x="1946936" y="-97"/>
+                  <a:pt x="2097241" y="5776"/>
+                  <a:pt x="1872303" y="18288"/>
+                </a:cubicBezTo>
+                <a:cubicBezTo>
+                  <a:pt x="1647365" y="30800"/>
+                  <a:pt x="1282708" y="45380"/>
+                  <a:pt x="976854" y="18288"/>
+                </a:cubicBezTo>
+                <a:cubicBezTo>
+                  <a:pt x="671000" y="-8804"/>
+                  <a:pt x="408401" y="-12775"/>
+                  <a:pt x="0" y="18288"/>
+                </a:cubicBezTo>
+                <a:cubicBezTo>
+                  <a:pt x="-213" y="9468"/>
+                  <a:pt x="187" y="4459"/>
+                  <a:pt x="0" y="0"/>
+                </a:cubicBezTo>
+                <a:close/>
+              </a:path>
+              <a:path w="10853928" h="18288" stroke="0" extrusionOk="0">
+                <a:moveTo>
+                  <a:pt x="0" y="0"/>
+                </a:moveTo>
+                <a:cubicBezTo>
+                  <a:pt x="267322" y="15284"/>
+                  <a:pt x="415388" y="-21048"/>
+                  <a:pt x="569831" y="0"/>
+                </a:cubicBezTo>
+                <a:cubicBezTo>
+                  <a:pt x="724274" y="21048"/>
+                  <a:pt x="769333" y="-2353"/>
+                  <a:pt x="922584" y="0"/>
+                </a:cubicBezTo>
+                <a:cubicBezTo>
+                  <a:pt x="1075835" y="2353"/>
+                  <a:pt x="1399490" y="-145"/>
+                  <a:pt x="1818033" y="0"/>
+                </a:cubicBezTo>
+                <a:cubicBezTo>
+                  <a:pt x="2236576" y="145"/>
+                  <a:pt x="2145330" y="5482"/>
+                  <a:pt x="2387864" y="0"/>
+                </a:cubicBezTo>
+                <a:cubicBezTo>
+                  <a:pt x="2630398" y="-5482"/>
+                  <a:pt x="2793207" y="18487"/>
+                  <a:pt x="2957695" y="0"/>
+                </a:cubicBezTo>
+                <a:cubicBezTo>
+                  <a:pt x="3122183" y="-18487"/>
+                  <a:pt x="3579141" y="19003"/>
+                  <a:pt x="3853144" y="0"/>
+                </a:cubicBezTo>
+                <a:cubicBezTo>
+                  <a:pt x="4127147" y="-19003"/>
+                  <a:pt x="4209857" y="12211"/>
+                  <a:pt x="4314436" y="0"/>
+                </a:cubicBezTo>
+                <a:cubicBezTo>
+                  <a:pt x="4419015" y="-12211"/>
+                  <a:pt x="4762459" y="-17220"/>
+                  <a:pt x="5209885" y="0"/>
+                </a:cubicBezTo>
+                <a:cubicBezTo>
+                  <a:pt x="5657311" y="17220"/>
+                  <a:pt x="5692663" y="-3290"/>
+                  <a:pt x="6105335" y="0"/>
+                </a:cubicBezTo>
+                <a:cubicBezTo>
+                  <a:pt x="6518007" y="3290"/>
+                  <a:pt x="6455516" y="-5124"/>
+                  <a:pt x="6783705" y="0"/>
+                </a:cubicBezTo>
+                <a:cubicBezTo>
+                  <a:pt x="7111894" y="5124"/>
+                  <a:pt x="7441941" y="-17829"/>
+                  <a:pt x="7679154" y="0"/>
+                </a:cubicBezTo>
+                <a:cubicBezTo>
+                  <a:pt x="7916367" y="17829"/>
+                  <a:pt x="8102967" y="-24363"/>
+                  <a:pt x="8248985" y="0"/>
+                </a:cubicBezTo>
+                <a:cubicBezTo>
+                  <a:pt x="8395003" y="24363"/>
+                  <a:pt x="8552393" y="25505"/>
+                  <a:pt x="8818817" y="0"/>
+                </a:cubicBezTo>
+                <a:cubicBezTo>
+                  <a:pt x="9085241" y="-25505"/>
+                  <a:pt x="9411308" y="38000"/>
+                  <a:pt x="9605726" y="0"/>
+                </a:cubicBezTo>
+                <a:cubicBezTo>
+                  <a:pt x="9800144" y="-38000"/>
+                  <a:pt x="10006468" y="-25741"/>
+                  <a:pt x="10175558" y="0"/>
+                </a:cubicBezTo>
+                <a:cubicBezTo>
+                  <a:pt x="10344648" y="25741"/>
+                  <a:pt x="10696282" y="695"/>
+                  <a:pt x="10853928" y="0"/>
+                </a:cubicBezTo>
+                <a:cubicBezTo>
+                  <a:pt x="10853521" y="8690"/>
+                  <a:pt x="10853774" y="14141"/>
+                  <a:pt x="10853928" y="18288"/>
+                </a:cubicBezTo>
+                <a:cubicBezTo>
+                  <a:pt x="10608124" y="24255"/>
+                  <a:pt x="10343415" y="22307"/>
+                  <a:pt x="10067018" y="18288"/>
+                </a:cubicBezTo>
+                <a:cubicBezTo>
+                  <a:pt x="9790621" y="14270"/>
+                  <a:pt x="9843266" y="3564"/>
+                  <a:pt x="9714266" y="18288"/>
+                </a:cubicBezTo>
+                <a:cubicBezTo>
+                  <a:pt x="9585266" y="33012"/>
+                  <a:pt x="9379484" y="1875"/>
+                  <a:pt x="9252974" y="18288"/>
+                </a:cubicBezTo>
+                <a:cubicBezTo>
+                  <a:pt x="9126464" y="34701"/>
+                  <a:pt x="8580678" y="-4904"/>
+                  <a:pt x="8357525" y="18288"/>
+                </a:cubicBezTo>
+                <a:cubicBezTo>
+                  <a:pt x="8134372" y="41480"/>
+                  <a:pt x="7903199" y="26458"/>
+                  <a:pt x="7679154" y="18288"/>
+                </a:cubicBezTo>
+                <a:cubicBezTo>
+                  <a:pt x="7455109" y="10118"/>
+                  <a:pt x="7435944" y="27109"/>
+                  <a:pt x="7217862" y="18288"/>
+                </a:cubicBezTo>
+                <a:cubicBezTo>
+                  <a:pt x="6999780" y="9467"/>
+                  <a:pt x="6680409" y="18985"/>
+                  <a:pt x="6539492" y="18288"/>
+                </a:cubicBezTo>
+                <a:cubicBezTo>
+                  <a:pt x="6398575" y="17592"/>
+                  <a:pt x="6312077" y="33018"/>
+                  <a:pt x="6186739" y="18288"/>
+                </a:cubicBezTo>
+                <a:cubicBezTo>
+                  <a:pt x="6061401" y="3558"/>
+                  <a:pt x="5947033" y="12075"/>
+                  <a:pt x="5833986" y="18288"/>
+                </a:cubicBezTo>
+                <a:cubicBezTo>
+                  <a:pt x="5720939" y="24501"/>
+                  <a:pt x="5482226" y="8586"/>
+                  <a:pt x="5155616" y="18288"/>
+                </a:cubicBezTo>
+                <a:cubicBezTo>
+                  <a:pt x="4829006" y="27991"/>
+                  <a:pt x="4841274" y="29316"/>
+                  <a:pt x="4694324" y="18288"/>
+                </a:cubicBezTo>
+                <a:cubicBezTo>
+                  <a:pt x="4547374" y="7260"/>
+                  <a:pt x="4077675" y="7013"/>
+                  <a:pt x="3907414" y="18288"/>
+                </a:cubicBezTo>
+                <a:cubicBezTo>
+                  <a:pt x="3737153" y="29564"/>
+                  <a:pt x="3538393" y="21630"/>
+                  <a:pt x="3446122" y="18288"/>
+                </a:cubicBezTo>
+                <a:cubicBezTo>
+                  <a:pt x="3353851" y="14946"/>
+                  <a:pt x="2990320" y="-8091"/>
+                  <a:pt x="2659212" y="18288"/>
+                </a:cubicBezTo>
+                <a:cubicBezTo>
+                  <a:pt x="2328104" y="44667"/>
+                  <a:pt x="2427653" y="9607"/>
+                  <a:pt x="2306460" y="18288"/>
+                </a:cubicBezTo>
+                <a:cubicBezTo>
+                  <a:pt x="2185267" y="26969"/>
+                  <a:pt x="1719763" y="3717"/>
+                  <a:pt x="1519550" y="18288"/>
+                </a:cubicBezTo>
+                <a:cubicBezTo>
+                  <a:pt x="1319337" y="32860"/>
+                  <a:pt x="1167371" y="17040"/>
+                  <a:pt x="1058258" y="18288"/>
+                </a:cubicBezTo>
+                <a:cubicBezTo>
+                  <a:pt x="949145" y="19536"/>
+                  <a:pt x="780234" y="31447"/>
+                  <a:pt x="705505" y="18288"/>
+                </a:cubicBezTo>
+                <a:cubicBezTo>
+                  <a:pt x="630776" y="5129"/>
+                  <a:pt x="215796" y="30056"/>
+                  <a:pt x="0" y="18288"/>
+                </a:cubicBezTo>
+                <a:cubicBezTo>
+                  <a:pt x="-53" y="11301"/>
+                  <a:pt x="-649" y="7756"/>
+                  <a:pt x="0" y="0"/>
+                </a:cubicBezTo>
+                <a:close/>
+              </a:path>
+            </a:pathLst>
+          </a:custGeom>
+          <a:solidFill>
+            <a:schemeClr val="accent2"/>
+          </a:solidFill>
+          <a:ln w="41275" cap="rnd">
+            <a:solidFill>
+              <a:schemeClr val="accent2"/>
+            </a:solidFill>
+            <a:round/>
+            <a:extLst>
+              <a:ext uri="{C807C97D-BFC1-408E-A445-0C87EB9F89A2}">
+                <ask:lineSketchStyleProps xmlns:ask="http://schemas.microsoft.com/office/drawing/2018/sketchyshapes" sd="1219033472">
+                  <a:prstGeom prst="rect">
+                    <a:avLst/>
+                  </a:prstGeom>
+                  <ask:type>
+                    <ask:lineSketchFreehand/>
+                  </ask:type>
+                </ask:lineSketchStyleProps>
+              </a:ext>
+            </a:extLst>
+          </a:ln>
+        </p:spPr>
+        <p:style>
+          <a:lnRef idx="2">
+            <a:schemeClr val="accent1">
+              <a:shade val="50000"/>
+            </a:schemeClr>
+          </a:lnRef>
+          <a:fillRef idx="1">
+            <a:schemeClr val="accent1"/>
+          </a:fillRef>
+          <a:effectRef idx="0">
+            <a:schemeClr val="accent1"/>
+          </a:effectRef>
+          <a:fontRef idx="minor">
+            <a:schemeClr val="lt1"/>
+          </a:fontRef>
+        </p:style>
+        <p:txBody>
+          <a:bodyPr rtlCol="0" anchor="ctr"/>
+          <a:lstStyle/>
+          <a:p>
+            <a:pPr algn="ctr"/>
+            <a:endParaRPr lang="en-US"/>
           </a:p>
         </p:txBody>
       </p:sp>
@@ -5611,7 +6324,12 @@
             <p:ph idx="1"/>
           </p:nvPr>
         </p:nvSpPr>
-        <p:spPr/>
+        <p:spPr>
+          <a:xfrm>
+            <a:off x="838200" y="1929384"/>
+            <a:ext cx="10515600" cy="4251960"/>
+          </a:xfrm>
+        </p:spPr>
         <p:txBody>
           <a:bodyPr>
             <a:normAutofit/>
@@ -5619,7 +6337,7 @@
           <a:lstStyle/>
           <a:p>
             <a:r>
-              <a:rPr lang="en-US" dirty="0">
+              <a:rPr lang="en-US" sz="2400" dirty="0">
                 <a:solidFill>
                   <a:schemeClr val="accent5">
                     <a:lumMod val="75000"/>
@@ -5657,7 +6375,7 @@
           </a:p>
           <a:p>
             <a:r>
-              <a:rPr lang="en-US" dirty="0">
+              <a:rPr lang="en-US" sz="2400" dirty="0">
                 <a:solidFill>
                   <a:schemeClr val="accent5">
                     <a:lumMod val="75000"/>
@@ -5695,7 +6413,7 @@
           </a:p>
           <a:p>
             <a:r>
-              <a:rPr lang="en-US" dirty="0">
+              <a:rPr lang="en-US" sz="2400" dirty="0">
                 <a:solidFill>
                   <a:schemeClr val="accent5">
                     <a:lumMod val="75000"/>
@@ -5728,17 +6446,11 @@
                   </a:schemeClr>
                 </a:solidFill>
               </a:rPr>
-              <a:t>Cons: 8-bit Processor, Only decent number of GPIO</a:t>
+              <a:t>Cons: 8-bit Processor, Low number of GPIO</a:t>
             </a:r>
           </a:p>
           <a:p>
-            <a:endParaRPr lang="en-US" dirty="0">
-              <a:solidFill>
-                <a:schemeClr val="accent5">
-                  <a:lumMod val="75000"/>
-                </a:schemeClr>
-              </a:solidFill>
-            </a:endParaRPr>
+            <a:endParaRPr lang="en-US" sz="2200" dirty="0"/>
           </a:p>
         </p:txBody>
       </p:sp>
@@ -5756,7 +6468,7 @@
         </p:nvSpPr>
         <p:spPr>
           <a:xfrm>
-            <a:off x="257503" y="1690688"/>
+            <a:off x="228600" y="1782544"/>
             <a:ext cx="609600" cy="546538"/>
           </a:xfrm>
           <a:prstGeom prst="star5">
@@ -5807,6 +6519,14 @@
 <file path=ppt/slides/slide11.xml><?xml version="1.0" encoding="utf-8"?>
 <p:sld xmlns:a="http://schemas.openxmlformats.org/drawingml/2006/main" xmlns:r="http://schemas.openxmlformats.org/officeDocument/2006/relationships" xmlns:p="http://schemas.openxmlformats.org/presentationml/2006/main">
   <p:cSld>
+    <p:bg>
+      <p:bgPr>
+        <a:solidFill>
+          <a:schemeClr val="bg1"/>
+        </a:solidFill>
+        <a:effectLst/>
+      </p:bgPr>
+    </p:bg>
     <p:spTree>
       <p:nvGrpSpPr>
         <p:cNvPr id="1" name=""/>
@@ -5823,6 +6543,72 @@
       </p:grpSpPr>
       <p:sp>
         <p:nvSpPr>
+          <p:cNvPr id="11" name="Down Arrow 7">
+            <a:extLst>
+              <a:ext uri="{FF2B5EF4-FFF2-40B4-BE49-F238E27FC236}">
+                <a16:creationId xmlns:a16="http://schemas.microsoft.com/office/drawing/2014/main" id="{D4771268-CB57-404A-9271-370EB28F6090}"/>
+              </a:ext>
+              <a:ext uri="{C183D7F6-B498-43B3-948B-1728B52AA6E4}">
+                <adec:decorative xmlns:adec="http://schemas.microsoft.com/office/drawing/2017/decorative" val="1"/>
+              </a:ext>
+            </a:extLst>
+          </p:cNvPr>
+          <p:cNvSpPr>
+            <a:spLocks noGrp="1" noRot="1" noChangeAspect="1" noMove="1" noResize="1" noEditPoints="1" noAdjustHandles="1" noChangeArrowheads="1" noChangeShapeType="1" noTextEdit="1"/>
+          </p:cNvSpPr>
+          <p:nvPr>
+            <p:extLst>
+              <p:ext uri="{386F3935-93C4-4BCD-93E2-E3B085C9AB24}">
+                <p16:designElem xmlns:p16="http://schemas.microsoft.com/office/powerpoint/2015/main" val="1"/>
+              </p:ext>
+            </p:extLst>
+          </p:nvPr>
+        </p:nvSpPr>
+        <p:spPr>
+          <a:xfrm rot="16200000">
+            <a:off x="800100" y="1491343"/>
+            <a:ext cx="3333749" cy="3499103"/>
+          </a:xfrm>
+          <a:prstGeom prst="downArrow">
+            <a:avLst>
+              <a:gd name="adj1" fmla="val 100000"/>
+              <a:gd name="adj2" fmla="val 15788"/>
+            </a:avLst>
+          </a:prstGeom>
+          <a:solidFill>
+            <a:srgbClr val="404040"/>
+          </a:solidFill>
+          <a:ln w="53975">
+            <a:noFill/>
+          </a:ln>
+        </p:spPr>
+        <p:style>
+          <a:lnRef idx="2">
+            <a:schemeClr val="accent1">
+              <a:shade val="50000"/>
+            </a:schemeClr>
+          </a:lnRef>
+          <a:fillRef idx="1">
+            <a:schemeClr val="accent1"/>
+          </a:fillRef>
+          <a:effectRef idx="0">
+            <a:schemeClr val="accent1"/>
+          </a:effectRef>
+          <a:fontRef idx="minor">
+            <a:schemeClr val="lt1"/>
+          </a:fontRef>
+        </p:style>
+        <p:txBody>
+          <a:bodyPr rtlCol="0" anchor="ctr"/>
+          <a:lstStyle/>
+          <a:p>
+            <a:pPr algn="ctr"/>
+            <a:endParaRPr lang="en-US"/>
+          </a:p>
+        </p:txBody>
+      </p:sp>
+      <p:sp>
+        <p:nvSpPr>
           <p:cNvPr id="2" name="Title 1">
             <a:extLst>
               <a:ext uri="{FF2B5EF4-FFF2-40B4-BE49-F238E27FC236}">
@@ -5837,24 +6623,40 @@
             <p:ph type="title"/>
           </p:nvPr>
         </p:nvSpPr>
-        <p:spPr/>
+        <p:spPr>
+          <a:xfrm>
+            <a:off x="1028700" y="1967266"/>
+            <a:ext cx="2628900" cy="2547257"/>
+          </a:xfrm>
+          <a:noFill/>
+        </p:spPr>
         <p:txBody>
-          <a:bodyPr/>
+          <a:bodyPr vert="horz" lIns="91440" tIns="45720" rIns="91440" bIns="45720" rtlCol="0" anchor="ctr">
+            <a:normAutofit/>
+          </a:bodyPr>
           <a:lstStyle/>
           <a:p>
+            <a:pPr algn="ctr"/>
             <a:r>
-              <a:rPr lang="en-US" dirty="0"/>
-              <a:t>Block Diagram</a:t>
+              <a:rPr lang="en-US" sz="3600" kern="1200" dirty="0">
+                <a:solidFill>
+                  <a:srgbClr val="FFFFFF"/>
+                </a:solidFill>
+                <a:latin typeface="+mj-lt"/>
+                <a:ea typeface="+mj-ea"/>
+                <a:cs typeface="+mj-cs"/>
+              </a:rPr>
+              <a:t>Block Diagram &amp; Interfaces</a:t>
             </a:r>
           </a:p>
         </p:txBody>
       </p:sp>
       <p:pic>
         <p:nvPicPr>
-          <p:cNvPr id="18" name="Content Placeholder 17" descr="A diagram of a computer system&#10;&#10;Description automatically generated">
+          <p:cNvPr id="6" name="Content Placeholder 5" descr="A diagram of a computer&#10;&#10;Description automatically generated">
             <a:extLst>
               <a:ext uri="{FF2B5EF4-FFF2-40B4-BE49-F238E27FC236}">
-                <a16:creationId xmlns:a16="http://schemas.microsoft.com/office/drawing/2014/main" id="{EA5F2ACD-8338-37B9-48E1-AD227DFE3BD1}"/>
+                <a16:creationId xmlns:a16="http://schemas.microsoft.com/office/drawing/2014/main" id="{8601FEE0-B250-1F6A-8691-431F57EBEBEB}"/>
               </a:ext>
             </a:extLst>
           </p:cNvPr>
@@ -5879,9 +6681,12 @@
         </p:blipFill>
         <p:spPr>
           <a:xfrm>
-            <a:off x="4776090" y="851156"/>
-            <a:ext cx="5038892" cy="5155688"/>
+            <a:off x="5411141" y="643466"/>
+            <a:ext cx="5513050" cy="5568739"/>
           </a:xfrm>
+          <a:prstGeom prst="rect">
+            <a:avLst/>
+          </a:prstGeom>
         </p:spPr>
       </p:pic>
     </p:spTree>
@@ -5900,6 +6705,14 @@
 <file path=ppt/slides/slide12.xml><?xml version="1.0" encoding="utf-8"?>
 <p:sld xmlns:a="http://schemas.openxmlformats.org/drawingml/2006/main" xmlns:r="http://schemas.openxmlformats.org/officeDocument/2006/relationships" xmlns:p="http://schemas.openxmlformats.org/presentationml/2006/main">
   <p:cSld>
+    <p:bg>
+      <p:bgPr>
+        <a:solidFill>
+          <a:schemeClr val="bg1"/>
+        </a:solidFill>
+        <a:effectLst/>
+      </p:bgPr>
+    </p:bg>
     <p:spTree>
       <p:nvGrpSpPr>
         <p:cNvPr id="1" name=""/>
@@ -5914,6 +6727,66 @@
           <a:chExt cx="0" cy="0"/>
         </a:xfrm>
       </p:grpSpPr>
+      <p:sp useBgFill="1">
+        <p:nvSpPr>
+          <p:cNvPr id="8" name="Rectangle 7">
+            <a:extLst>
+              <a:ext uri="{FF2B5EF4-FFF2-40B4-BE49-F238E27FC236}">
+                <a16:creationId xmlns:a16="http://schemas.microsoft.com/office/drawing/2014/main" id="{100EDD19-6802-4EC3-95CE-CFFAB042CFD6}"/>
+              </a:ext>
+              <a:ext uri="{C183D7F6-B498-43B3-948B-1728B52AA6E4}">
+                <adec:decorative xmlns:adec="http://schemas.microsoft.com/office/drawing/2017/decorative" val="1"/>
+              </a:ext>
+            </a:extLst>
+          </p:cNvPr>
+          <p:cNvSpPr>
+            <a:spLocks noGrp="1" noRot="1" noChangeAspect="1" noMove="1" noResize="1" noEditPoints="1" noAdjustHandles="1" noChangeArrowheads="1" noChangeShapeType="1" noTextEdit="1"/>
+          </p:cNvSpPr>
+          <p:nvPr>
+            <p:extLst>
+              <p:ext uri="{386F3935-93C4-4BCD-93E2-E3B085C9AB24}">
+                <p16:designElem xmlns:p16="http://schemas.microsoft.com/office/powerpoint/2015/main" val="1"/>
+              </p:ext>
+            </p:extLst>
+          </p:nvPr>
+        </p:nvSpPr>
+        <p:spPr>
+          <a:xfrm>
+            <a:off x="0" y="0"/>
+            <a:ext cx="12188952" cy="6858000"/>
+          </a:xfrm>
+          <a:prstGeom prst="rect">
+            <a:avLst/>
+          </a:prstGeom>
+          <a:ln>
+            <a:noFill/>
+          </a:ln>
+        </p:spPr>
+        <p:style>
+          <a:lnRef idx="2">
+            <a:schemeClr val="accent1">
+              <a:shade val="50000"/>
+            </a:schemeClr>
+          </a:lnRef>
+          <a:fillRef idx="1">
+            <a:schemeClr val="accent1"/>
+          </a:fillRef>
+          <a:effectRef idx="0">
+            <a:schemeClr val="accent1"/>
+          </a:effectRef>
+          <a:fontRef idx="minor">
+            <a:schemeClr val="lt1"/>
+          </a:fontRef>
+        </p:style>
+        <p:txBody>
+          <a:bodyPr rtlCol="0" anchor="ctr"/>
+          <a:lstStyle/>
+          <a:p>
+            <a:pPr algn="ctr"/>
+            <a:endParaRPr lang="en-US"/>
+          </a:p>
+        </p:txBody>
+      </p:sp>
       <p:sp>
         <p:nvSpPr>
           <p:cNvPr id="2" name="Title 1">
@@ -5930,15 +6803,660 @@
             <p:ph type="title"/>
           </p:nvPr>
         </p:nvSpPr>
-        <p:spPr/>
+        <p:spPr>
+          <a:xfrm>
+            <a:off x="838200" y="365125"/>
+            <a:ext cx="10515600" cy="1325563"/>
+          </a:xfrm>
+        </p:spPr>
         <p:txBody>
-          <a:bodyPr/>
+          <a:bodyPr>
+            <a:normAutofit/>
+          </a:bodyPr>
           <a:lstStyle/>
           <a:p>
             <a:r>
-              <a:rPr lang="en-US" dirty="0"/>
+              <a:rPr lang="en-US" sz="5400"/>
               <a:t>Cost/Budget</a:t>
             </a:r>
+          </a:p>
+        </p:txBody>
+      </p:sp>
+      <p:sp>
+        <p:nvSpPr>
+          <p:cNvPr id="10" name="sketch line">
+            <a:extLst>
+              <a:ext uri="{FF2B5EF4-FFF2-40B4-BE49-F238E27FC236}">
+                <a16:creationId xmlns:a16="http://schemas.microsoft.com/office/drawing/2014/main" id="{DB17E863-922E-4C26-BD64-E8FD41D28661}"/>
+              </a:ext>
+              <a:ext uri="{C183D7F6-B498-43B3-948B-1728B52AA6E4}">
+                <adec:decorative xmlns:adec="http://schemas.microsoft.com/office/drawing/2017/decorative" val="1"/>
+              </a:ext>
+            </a:extLst>
+          </p:cNvPr>
+          <p:cNvSpPr>
+            <a:spLocks noGrp="1" noRot="1" noChangeAspect="1" noMove="1" noResize="1" noEditPoints="1" noAdjustHandles="1" noChangeArrowheads="1" noChangeShapeType="1" noTextEdit="1"/>
+          </p:cNvSpPr>
+          <p:nvPr>
+            <p:extLst>
+              <p:ext uri="{386F3935-93C4-4BCD-93E2-E3B085C9AB24}">
+                <p16:designElem xmlns:p16="http://schemas.microsoft.com/office/powerpoint/2015/main" val="1"/>
+              </p:ext>
+            </p:extLst>
+          </p:nvPr>
+        </p:nvSpPr>
+        <p:spPr>
+          <a:xfrm>
+            <a:off x="669036" y="1677373"/>
+            <a:ext cx="10853928" cy="18288"/>
+          </a:xfrm>
+          <a:custGeom>
+            <a:avLst/>
+            <a:gdLst>
+              <a:gd name="connsiteX0" fmla="*/ 0 w 10853928"/>
+              <a:gd name="connsiteY0" fmla="*/ 0 h 18288"/>
+              <a:gd name="connsiteX1" fmla="*/ 461292 w 10853928"/>
+              <a:gd name="connsiteY1" fmla="*/ 0 h 18288"/>
+              <a:gd name="connsiteX2" fmla="*/ 1139662 w 10853928"/>
+              <a:gd name="connsiteY2" fmla="*/ 0 h 18288"/>
+              <a:gd name="connsiteX3" fmla="*/ 1926572 w 10853928"/>
+              <a:gd name="connsiteY3" fmla="*/ 0 h 18288"/>
+              <a:gd name="connsiteX4" fmla="*/ 2279325 w 10853928"/>
+              <a:gd name="connsiteY4" fmla="*/ 0 h 18288"/>
+              <a:gd name="connsiteX5" fmla="*/ 2632078 w 10853928"/>
+              <a:gd name="connsiteY5" fmla="*/ 0 h 18288"/>
+              <a:gd name="connsiteX6" fmla="*/ 3527527 w 10853928"/>
+              <a:gd name="connsiteY6" fmla="*/ 0 h 18288"/>
+              <a:gd name="connsiteX7" fmla="*/ 4205897 w 10853928"/>
+              <a:gd name="connsiteY7" fmla="*/ 0 h 18288"/>
+              <a:gd name="connsiteX8" fmla="*/ 4558650 w 10853928"/>
+              <a:gd name="connsiteY8" fmla="*/ 0 h 18288"/>
+              <a:gd name="connsiteX9" fmla="*/ 5237020 w 10853928"/>
+              <a:gd name="connsiteY9" fmla="*/ 0 h 18288"/>
+              <a:gd name="connsiteX10" fmla="*/ 6132469 w 10853928"/>
+              <a:gd name="connsiteY10" fmla="*/ 0 h 18288"/>
+              <a:gd name="connsiteX11" fmla="*/ 6702301 w 10853928"/>
+              <a:gd name="connsiteY11" fmla="*/ 0 h 18288"/>
+              <a:gd name="connsiteX12" fmla="*/ 7272132 w 10853928"/>
+              <a:gd name="connsiteY12" fmla="*/ 0 h 18288"/>
+              <a:gd name="connsiteX13" fmla="*/ 7950502 w 10853928"/>
+              <a:gd name="connsiteY13" fmla="*/ 0 h 18288"/>
+              <a:gd name="connsiteX14" fmla="*/ 8737412 w 10853928"/>
+              <a:gd name="connsiteY14" fmla="*/ 0 h 18288"/>
+              <a:gd name="connsiteX15" fmla="*/ 9524322 w 10853928"/>
+              <a:gd name="connsiteY15" fmla="*/ 0 h 18288"/>
+              <a:gd name="connsiteX16" fmla="*/ 10853928 w 10853928"/>
+              <a:gd name="connsiteY16" fmla="*/ 0 h 18288"/>
+              <a:gd name="connsiteX17" fmla="*/ 10853928 w 10853928"/>
+              <a:gd name="connsiteY17" fmla="*/ 18288 h 18288"/>
+              <a:gd name="connsiteX18" fmla="*/ 10392636 w 10853928"/>
+              <a:gd name="connsiteY18" fmla="*/ 18288 h 18288"/>
+              <a:gd name="connsiteX19" fmla="*/ 9497187 w 10853928"/>
+              <a:gd name="connsiteY19" fmla="*/ 18288 h 18288"/>
+              <a:gd name="connsiteX20" fmla="*/ 8818817 w 10853928"/>
+              <a:gd name="connsiteY20" fmla="*/ 18288 h 18288"/>
+              <a:gd name="connsiteX21" fmla="*/ 8466064 w 10853928"/>
+              <a:gd name="connsiteY21" fmla="*/ 18288 h 18288"/>
+              <a:gd name="connsiteX22" fmla="*/ 7787693 w 10853928"/>
+              <a:gd name="connsiteY22" fmla="*/ 18288 h 18288"/>
+              <a:gd name="connsiteX23" fmla="*/ 7217862 w 10853928"/>
+              <a:gd name="connsiteY23" fmla="*/ 18288 h 18288"/>
+              <a:gd name="connsiteX24" fmla="*/ 6648031 w 10853928"/>
+              <a:gd name="connsiteY24" fmla="*/ 18288 h 18288"/>
+              <a:gd name="connsiteX25" fmla="*/ 6078200 w 10853928"/>
+              <a:gd name="connsiteY25" fmla="*/ 18288 h 18288"/>
+              <a:gd name="connsiteX26" fmla="*/ 5508368 w 10853928"/>
+              <a:gd name="connsiteY26" fmla="*/ 18288 h 18288"/>
+              <a:gd name="connsiteX27" fmla="*/ 4721459 w 10853928"/>
+              <a:gd name="connsiteY27" fmla="*/ 18288 h 18288"/>
+              <a:gd name="connsiteX28" fmla="*/ 4043088 w 10853928"/>
+              <a:gd name="connsiteY28" fmla="*/ 18288 h 18288"/>
+              <a:gd name="connsiteX29" fmla="*/ 3690336 w 10853928"/>
+              <a:gd name="connsiteY29" fmla="*/ 18288 h 18288"/>
+              <a:gd name="connsiteX30" fmla="*/ 3120504 w 10853928"/>
+              <a:gd name="connsiteY30" fmla="*/ 18288 h 18288"/>
+              <a:gd name="connsiteX31" fmla="*/ 2333595 w 10853928"/>
+              <a:gd name="connsiteY31" fmla="*/ 18288 h 18288"/>
+              <a:gd name="connsiteX32" fmla="*/ 1872303 w 10853928"/>
+              <a:gd name="connsiteY32" fmla="*/ 18288 h 18288"/>
+              <a:gd name="connsiteX33" fmla="*/ 976854 w 10853928"/>
+              <a:gd name="connsiteY33" fmla="*/ 18288 h 18288"/>
+              <a:gd name="connsiteX34" fmla="*/ 0 w 10853928"/>
+              <a:gd name="connsiteY34" fmla="*/ 18288 h 18288"/>
+              <a:gd name="connsiteX35" fmla="*/ 0 w 10853928"/>
+              <a:gd name="connsiteY35" fmla="*/ 0 h 18288"/>
+            </a:gdLst>
+            <a:ahLst/>
+            <a:cxnLst>
+              <a:cxn ang="0">
+                <a:pos x="connsiteX0" y="connsiteY0"/>
+              </a:cxn>
+              <a:cxn ang="0">
+                <a:pos x="connsiteX1" y="connsiteY1"/>
+              </a:cxn>
+              <a:cxn ang="0">
+                <a:pos x="connsiteX2" y="connsiteY2"/>
+              </a:cxn>
+              <a:cxn ang="0">
+                <a:pos x="connsiteX3" y="connsiteY3"/>
+              </a:cxn>
+              <a:cxn ang="0">
+                <a:pos x="connsiteX4" y="connsiteY4"/>
+              </a:cxn>
+              <a:cxn ang="0">
+                <a:pos x="connsiteX5" y="connsiteY5"/>
+              </a:cxn>
+              <a:cxn ang="0">
+                <a:pos x="connsiteX6" y="connsiteY6"/>
+              </a:cxn>
+              <a:cxn ang="0">
+                <a:pos x="connsiteX7" y="connsiteY7"/>
+              </a:cxn>
+              <a:cxn ang="0">
+                <a:pos x="connsiteX8" y="connsiteY8"/>
+              </a:cxn>
+              <a:cxn ang="0">
+                <a:pos x="connsiteX9" y="connsiteY9"/>
+              </a:cxn>
+              <a:cxn ang="0">
+                <a:pos x="connsiteX10" y="connsiteY10"/>
+              </a:cxn>
+              <a:cxn ang="0">
+                <a:pos x="connsiteX11" y="connsiteY11"/>
+              </a:cxn>
+              <a:cxn ang="0">
+                <a:pos x="connsiteX12" y="connsiteY12"/>
+              </a:cxn>
+              <a:cxn ang="0">
+                <a:pos x="connsiteX13" y="connsiteY13"/>
+              </a:cxn>
+              <a:cxn ang="0">
+                <a:pos x="connsiteX14" y="connsiteY14"/>
+              </a:cxn>
+              <a:cxn ang="0">
+                <a:pos x="connsiteX15" y="connsiteY15"/>
+              </a:cxn>
+              <a:cxn ang="0">
+                <a:pos x="connsiteX16" y="connsiteY16"/>
+              </a:cxn>
+              <a:cxn ang="0">
+                <a:pos x="connsiteX17" y="connsiteY17"/>
+              </a:cxn>
+              <a:cxn ang="0">
+                <a:pos x="connsiteX18" y="connsiteY18"/>
+              </a:cxn>
+              <a:cxn ang="0">
+                <a:pos x="connsiteX19" y="connsiteY19"/>
+              </a:cxn>
+              <a:cxn ang="0">
+                <a:pos x="connsiteX20" y="connsiteY20"/>
+              </a:cxn>
+              <a:cxn ang="0">
+                <a:pos x="connsiteX21" y="connsiteY21"/>
+              </a:cxn>
+              <a:cxn ang="0">
+                <a:pos x="connsiteX22" y="connsiteY22"/>
+              </a:cxn>
+              <a:cxn ang="0">
+                <a:pos x="connsiteX23" y="connsiteY23"/>
+              </a:cxn>
+              <a:cxn ang="0">
+                <a:pos x="connsiteX24" y="connsiteY24"/>
+              </a:cxn>
+              <a:cxn ang="0">
+                <a:pos x="connsiteX25" y="connsiteY25"/>
+              </a:cxn>
+              <a:cxn ang="0">
+                <a:pos x="connsiteX26" y="connsiteY26"/>
+              </a:cxn>
+              <a:cxn ang="0">
+                <a:pos x="connsiteX27" y="connsiteY27"/>
+              </a:cxn>
+              <a:cxn ang="0">
+                <a:pos x="connsiteX28" y="connsiteY28"/>
+              </a:cxn>
+              <a:cxn ang="0">
+                <a:pos x="connsiteX29" y="connsiteY29"/>
+              </a:cxn>
+              <a:cxn ang="0">
+                <a:pos x="connsiteX30" y="connsiteY30"/>
+              </a:cxn>
+              <a:cxn ang="0">
+                <a:pos x="connsiteX31" y="connsiteY31"/>
+              </a:cxn>
+              <a:cxn ang="0">
+                <a:pos x="connsiteX32" y="connsiteY32"/>
+              </a:cxn>
+              <a:cxn ang="0">
+                <a:pos x="connsiteX33" y="connsiteY33"/>
+              </a:cxn>
+              <a:cxn ang="0">
+                <a:pos x="connsiteX34" y="connsiteY34"/>
+              </a:cxn>
+              <a:cxn ang="0">
+                <a:pos x="connsiteX35" y="connsiteY35"/>
+              </a:cxn>
+            </a:cxnLst>
+            <a:rect l="l" t="t" r="r" b="b"/>
+            <a:pathLst>
+              <a:path w="10853928" h="18288" fill="none" extrusionOk="0">
+                <a:moveTo>
+                  <a:pt x="0" y="0"/>
+                </a:moveTo>
+                <a:cubicBezTo>
+                  <a:pt x="146993" y="-19076"/>
+                  <a:pt x="347684" y="-4790"/>
+                  <a:pt x="461292" y="0"/>
+                </a:cubicBezTo>
+                <a:cubicBezTo>
+                  <a:pt x="574900" y="4790"/>
+                  <a:pt x="808367" y="19821"/>
+                  <a:pt x="1139662" y="0"/>
+                </a:cubicBezTo>
+                <a:cubicBezTo>
+                  <a:pt x="1470957" y="-19821"/>
+                  <a:pt x="1627405" y="5721"/>
+                  <a:pt x="1926572" y="0"/>
+                </a:cubicBezTo>
+                <a:cubicBezTo>
+                  <a:pt x="2225739" y="-5721"/>
+                  <a:pt x="2137730" y="-3235"/>
+                  <a:pt x="2279325" y="0"/>
+                </a:cubicBezTo>
+                <a:cubicBezTo>
+                  <a:pt x="2420920" y="3235"/>
+                  <a:pt x="2456518" y="9685"/>
+                  <a:pt x="2632078" y="0"/>
+                </a:cubicBezTo>
+                <a:cubicBezTo>
+                  <a:pt x="2807638" y="-9685"/>
+                  <a:pt x="3211516" y="-43007"/>
+                  <a:pt x="3527527" y="0"/>
+                </a:cubicBezTo>
+                <a:cubicBezTo>
+                  <a:pt x="3843538" y="43007"/>
+                  <a:pt x="4058833" y="22042"/>
+                  <a:pt x="4205897" y="0"/>
+                </a:cubicBezTo>
+                <a:cubicBezTo>
+                  <a:pt x="4352961" y="-22042"/>
+                  <a:pt x="4474805" y="-11846"/>
+                  <a:pt x="4558650" y="0"/>
+                </a:cubicBezTo>
+                <a:cubicBezTo>
+                  <a:pt x="4642495" y="11846"/>
+                  <a:pt x="5041928" y="-6069"/>
+                  <a:pt x="5237020" y="0"/>
+                </a:cubicBezTo>
+                <a:cubicBezTo>
+                  <a:pt x="5432112" y="6069"/>
+                  <a:pt x="5943266" y="-17479"/>
+                  <a:pt x="6132469" y="0"/>
+                </a:cubicBezTo>
+                <a:cubicBezTo>
+                  <a:pt x="6321672" y="17479"/>
+                  <a:pt x="6483872" y="26234"/>
+                  <a:pt x="6702301" y="0"/>
+                </a:cubicBezTo>
+                <a:cubicBezTo>
+                  <a:pt x="6920730" y="-26234"/>
+                  <a:pt x="6991194" y="-15156"/>
+                  <a:pt x="7272132" y="0"/>
+                </a:cubicBezTo>
+                <a:cubicBezTo>
+                  <a:pt x="7553070" y="15156"/>
+                  <a:pt x="7684444" y="-32961"/>
+                  <a:pt x="7950502" y="0"/>
+                </a:cubicBezTo>
+                <a:cubicBezTo>
+                  <a:pt x="8216560" y="32961"/>
+                  <a:pt x="8493290" y="-10491"/>
+                  <a:pt x="8737412" y="0"/>
+                </a:cubicBezTo>
+                <a:cubicBezTo>
+                  <a:pt x="8981534" y="10491"/>
+                  <a:pt x="9191586" y="-13899"/>
+                  <a:pt x="9524322" y="0"/>
+                </a:cubicBezTo>
+                <a:cubicBezTo>
+                  <a:pt x="9857058" y="13899"/>
+                  <a:pt x="10297509" y="7485"/>
+                  <a:pt x="10853928" y="0"/>
+                </a:cubicBezTo>
+                <a:cubicBezTo>
+                  <a:pt x="10854574" y="4451"/>
+                  <a:pt x="10854418" y="9226"/>
+                  <a:pt x="10853928" y="18288"/>
+                </a:cubicBezTo>
+                <a:cubicBezTo>
+                  <a:pt x="10691638" y="28522"/>
+                  <a:pt x="10574319" y="29578"/>
+                  <a:pt x="10392636" y="18288"/>
+                </a:cubicBezTo>
+                <a:cubicBezTo>
+                  <a:pt x="10210953" y="6998"/>
+                  <a:pt x="9836277" y="-16742"/>
+                  <a:pt x="9497187" y="18288"/>
+                </a:cubicBezTo>
+                <a:cubicBezTo>
+                  <a:pt x="9158097" y="53318"/>
+                  <a:pt x="9119479" y="30714"/>
+                  <a:pt x="8818817" y="18288"/>
+                </a:cubicBezTo>
+                <a:cubicBezTo>
+                  <a:pt x="8518155" y="5863"/>
+                  <a:pt x="8640037" y="6483"/>
+                  <a:pt x="8466064" y="18288"/>
+                </a:cubicBezTo>
+                <a:cubicBezTo>
+                  <a:pt x="8292091" y="30093"/>
+                  <a:pt x="7997656" y="18914"/>
+                  <a:pt x="7787693" y="18288"/>
+                </a:cubicBezTo>
+                <a:cubicBezTo>
+                  <a:pt x="7577730" y="17662"/>
+                  <a:pt x="7412468" y="21416"/>
+                  <a:pt x="7217862" y="18288"/>
+                </a:cubicBezTo>
+                <a:cubicBezTo>
+                  <a:pt x="7023256" y="15160"/>
+                  <a:pt x="6898018" y="14824"/>
+                  <a:pt x="6648031" y="18288"/>
+                </a:cubicBezTo>
+                <a:cubicBezTo>
+                  <a:pt x="6398044" y="21752"/>
+                  <a:pt x="6254402" y="38625"/>
+                  <a:pt x="6078200" y="18288"/>
+                </a:cubicBezTo>
+                <a:cubicBezTo>
+                  <a:pt x="5901998" y="-2049"/>
+                  <a:pt x="5622886" y="3213"/>
+                  <a:pt x="5508368" y="18288"/>
+                </a:cubicBezTo>
+                <a:cubicBezTo>
+                  <a:pt x="5393850" y="33363"/>
+                  <a:pt x="5036260" y="26830"/>
+                  <a:pt x="4721459" y="18288"/>
+                </a:cubicBezTo>
+                <a:cubicBezTo>
+                  <a:pt x="4406658" y="9746"/>
+                  <a:pt x="4239221" y="41551"/>
+                  <a:pt x="4043088" y="18288"/>
+                </a:cubicBezTo>
+                <a:cubicBezTo>
+                  <a:pt x="3846955" y="-4975"/>
+                  <a:pt x="3818802" y="34658"/>
+                  <a:pt x="3690336" y="18288"/>
+                </a:cubicBezTo>
+                <a:cubicBezTo>
+                  <a:pt x="3561870" y="1918"/>
+                  <a:pt x="3265491" y="42194"/>
+                  <a:pt x="3120504" y="18288"/>
+                </a:cubicBezTo>
+                <a:cubicBezTo>
+                  <a:pt x="2975517" y="-5618"/>
+                  <a:pt x="2720254" y="36673"/>
+                  <a:pt x="2333595" y="18288"/>
+                </a:cubicBezTo>
+                <a:cubicBezTo>
+                  <a:pt x="1946936" y="-97"/>
+                  <a:pt x="2097241" y="5776"/>
+                  <a:pt x="1872303" y="18288"/>
+                </a:cubicBezTo>
+                <a:cubicBezTo>
+                  <a:pt x="1647365" y="30800"/>
+                  <a:pt x="1282708" y="45380"/>
+                  <a:pt x="976854" y="18288"/>
+                </a:cubicBezTo>
+                <a:cubicBezTo>
+                  <a:pt x="671000" y="-8804"/>
+                  <a:pt x="408401" y="-12775"/>
+                  <a:pt x="0" y="18288"/>
+                </a:cubicBezTo>
+                <a:cubicBezTo>
+                  <a:pt x="-213" y="9468"/>
+                  <a:pt x="187" y="4459"/>
+                  <a:pt x="0" y="0"/>
+                </a:cubicBezTo>
+                <a:close/>
+              </a:path>
+              <a:path w="10853928" h="18288" stroke="0" extrusionOk="0">
+                <a:moveTo>
+                  <a:pt x="0" y="0"/>
+                </a:moveTo>
+                <a:cubicBezTo>
+                  <a:pt x="267322" y="15284"/>
+                  <a:pt x="415388" y="-21048"/>
+                  <a:pt x="569831" y="0"/>
+                </a:cubicBezTo>
+                <a:cubicBezTo>
+                  <a:pt x="724274" y="21048"/>
+                  <a:pt x="769333" y="-2353"/>
+                  <a:pt x="922584" y="0"/>
+                </a:cubicBezTo>
+                <a:cubicBezTo>
+                  <a:pt x="1075835" y="2353"/>
+                  <a:pt x="1399490" y="-145"/>
+                  <a:pt x="1818033" y="0"/>
+                </a:cubicBezTo>
+                <a:cubicBezTo>
+                  <a:pt x="2236576" y="145"/>
+                  <a:pt x="2145330" y="5482"/>
+                  <a:pt x="2387864" y="0"/>
+                </a:cubicBezTo>
+                <a:cubicBezTo>
+                  <a:pt x="2630398" y="-5482"/>
+                  <a:pt x="2793207" y="18487"/>
+                  <a:pt x="2957695" y="0"/>
+                </a:cubicBezTo>
+                <a:cubicBezTo>
+                  <a:pt x="3122183" y="-18487"/>
+                  <a:pt x="3579141" y="19003"/>
+                  <a:pt x="3853144" y="0"/>
+                </a:cubicBezTo>
+                <a:cubicBezTo>
+                  <a:pt x="4127147" y="-19003"/>
+                  <a:pt x="4209857" y="12211"/>
+                  <a:pt x="4314436" y="0"/>
+                </a:cubicBezTo>
+                <a:cubicBezTo>
+                  <a:pt x="4419015" y="-12211"/>
+                  <a:pt x="4762459" y="-17220"/>
+                  <a:pt x="5209885" y="0"/>
+                </a:cubicBezTo>
+                <a:cubicBezTo>
+                  <a:pt x="5657311" y="17220"/>
+                  <a:pt x="5692663" y="-3290"/>
+                  <a:pt x="6105335" y="0"/>
+                </a:cubicBezTo>
+                <a:cubicBezTo>
+                  <a:pt x="6518007" y="3290"/>
+                  <a:pt x="6455516" y="-5124"/>
+                  <a:pt x="6783705" y="0"/>
+                </a:cubicBezTo>
+                <a:cubicBezTo>
+                  <a:pt x="7111894" y="5124"/>
+                  <a:pt x="7441941" y="-17829"/>
+                  <a:pt x="7679154" y="0"/>
+                </a:cubicBezTo>
+                <a:cubicBezTo>
+                  <a:pt x="7916367" y="17829"/>
+                  <a:pt x="8102967" y="-24363"/>
+                  <a:pt x="8248985" y="0"/>
+                </a:cubicBezTo>
+                <a:cubicBezTo>
+                  <a:pt x="8395003" y="24363"/>
+                  <a:pt x="8552393" y="25505"/>
+                  <a:pt x="8818817" y="0"/>
+                </a:cubicBezTo>
+                <a:cubicBezTo>
+                  <a:pt x="9085241" y="-25505"/>
+                  <a:pt x="9411308" y="38000"/>
+                  <a:pt x="9605726" y="0"/>
+                </a:cubicBezTo>
+                <a:cubicBezTo>
+                  <a:pt x="9800144" y="-38000"/>
+                  <a:pt x="10006468" y="-25741"/>
+                  <a:pt x="10175558" y="0"/>
+                </a:cubicBezTo>
+                <a:cubicBezTo>
+                  <a:pt x="10344648" y="25741"/>
+                  <a:pt x="10696282" y="695"/>
+                  <a:pt x="10853928" y="0"/>
+                </a:cubicBezTo>
+                <a:cubicBezTo>
+                  <a:pt x="10853521" y="8690"/>
+                  <a:pt x="10853774" y="14141"/>
+                  <a:pt x="10853928" y="18288"/>
+                </a:cubicBezTo>
+                <a:cubicBezTo>
+                  <a:pt x="10608124" y="24255"/>
+                  <a:pt x="10343415" y="22307"/>
+                  <a:pt x="10067018" y="18288"/>
+                </a:cubicBezTo>
+                <a:cubicBezTo>
+                  <a:pt x="9790621" y="14270"/>
+                  <a:pt x="9843266" y="3564"/>
+                  <a:pt x="9714266" y="18288"/>
+                </a:cubicBezTo>
+                <a:cubicBezTo>
+                  <a:pt x="9585266" y="33012"/>
+                  <a:pt x="9379484" y="1875"/>
+                  <a:pt x="9252974" y="18288"/>
+                </a:cubicBezTo>
+                <a:cubicBezTo>
+                  <a:pt x="9126464" y="34701"/>
+                  <a:pt x="8580678" y="-4904"/>
+                  <a:pt x="8357525" y="18288"/>
+                </a:cubicBezTo>
+                <a:cubicBezTo>
+                  <a:pt x="8134372" y="41480"/>
+                  <a:pt x="7903199" y="26458"/>
+                  <a:pt x="7679154" y="18288"/>
+                </a:cubicBezTo>
+                <a:cubicBezTo>
+                  <a:pt x="7455109" y="10118"/>
+                  <a:pt x="7435944" y="27109"/>
+                  <a:pt x="7217862" y="18288"/>
+                </a:cubicBezTo>
+                <a:cubicBezTo>
+                  <a:pt x="6999780" y="9467"/>
+                  <a:pt x="6680409" y="18985"/>
+                  <a:pt x="6539492" y="18288"/>
+                </a:cubicBezTo>
+                <a:cubicBezTo>
+                  <a:pt x="6398575" y="17592"/>
+                  <a:pt x="6312077" y="33018"/>
+                  <a:pt x="6186739" y="18288"/>
+                </a:cubicBezTo>
+                <a:cubicBezTo>
+                  <a:pt x="6061401" y="3558"/>
+                  <a:pt x="5947033" y="12075"/>
+                  <a:pt x="5833986" y="18288"/>
+                </a:cubicBezTo>
+                <a:cubicBezTo>
+                  <a:pt x="5720939" y="24501"/>
+                  <a:pt x="5482226" y="8586"/>
+                  <a:pt x="5155616" y="18288"/>
+                </a:cubicBezTo>
+                <a:cubicBezTo>
+                  <a:pt x="4829006" y="27991"/>
+                  <a:pt x="4841274" y="29316"/>
+                  <a:pt x="4694324" y="18288"/>
+                </a:cubicBezTo>
+                <a:cubicBezTo>
+                  <a:pt x="4547374" y="7260"/>
+                  <a:pt x="4077675" y="7013"/>
+                  <a:pt x="3907414" y="18288"/>
+                </a:cubicBezTo>
+                <a:cubicBezTo>
+                  <a:pt x="3737153" y="29564"/>
+                  <a:pt x="3538393" y="21630"/>
+                  <a:pt x="3446122" y="18288"/>
+                </a:cubicBezTo>
+                <a:cubicBezTo>
+                  <a:pt x="3353851" y="14946"/>
+                  <a:pt x="2990320" y="-8091"/>
+                  <a:pt x="2659212" y="18288"/>
+                </a:cubicBezTo>
+                <a:cubicBezTo>
+                  <a:pt x="2328104" y="44667"/>
+                  <a:pt x="2427653" y="9607"/>
+                  <a:pt x="2306460" y="18288"/>
+                </a:cubicBezTo>
+                <a:cubicBezTo>
+                  <a:pt x="2185267" y="26969"/>
+                  <a:pt x="1719763" y="3717"/>
+                  <a:pt x="1519550" y="18288"/>
+                </a:cubicBezTo>
+                <a:cubicBezTo>
+                  <a:pt x="1319337" y="32860"/>
+                  <a:pt x="1167371" y="17040"/>
+                  <a:pt x="1058258" y="18288"/>
+                </a:cubicBezTo>
+                <a:cubicBezTo>
+                  <a:pt x="949145" y="19536"/>
+                  <a:pt x="780234" y="31447"/>
+                  <a:pt x="705505" y="18288"/>
+                </a:cubicBezTo>
+                <a:cubicBezTo>
+                  <a:pt x="630776" y="5129"/>
+                  <a:pt x="215796" y="30056"/>
+                  <a:pt x="0" y="18288"/>
+                </a:cubicBezTo>
+                <a:cubicBezTo>
+                  <a:pt x="-53" y="11301"/>
+                  <a:pt x="-649" y="7756"/>
+                  <a:pt x="0" y="0"/>
+                </a:cubicBezTo>
+                <a:close/>
+              </a:path>
+            </a:pathLst>
+          </a:custGeom>
+          <a:solidFill>
+            <a:schemeClr val="accent2"/>
+          </a:solidFill>
+          <a:ln w="41275" cap="rnd">
+            <a:solidFill>
+              <a:schemeClr val="accent2"/>
+            </a:solidFill>
+            <a:round/>
+            <a:extLst>
+              <a:ext uri="{C807C97D-BFC1-408E-A445-0C87EB9F89A2}">
+                <ask:lineSketchStyleProps xmlns:ask="http://schemas.microsoft.com/office/drawing/2018/sketchyshapes" sd="1219033472">
+                  <a:prstGeom prst="rect">
+                    <a:avLst/>
+                  </a:prstGeom>
+                  <ask:type>
+                    <ask:lineSketchFreehand/>
+                  </ask:type>
+                </ask:lineSketchStyleProps>
+              </a:ext>
+            </a:extLst>
+          </a:ln>
+        </p:spPr>
+        <p:style>
+          <a:lnRef idx="2">
+            <a:schemeClr val="accent1">
+              <a:shade val="50000"/>
+            </a:schemeClr>
+          </a:lnRef>
+          <a:fillRef idx="1">
+            <a:schemeClr val="accent1"/>
+          </a:fillRef>
+          <a:effectRef idx="0">
+            <a:schemeClr val="accent1"/>
+          </a:effectRef>
+          <a:fontRef idx="minor">
+            <a:schemeClr val="lt1"/>
+          </a:fontRef>
+        </p:style>
+        <p:txBody>
+          <a:bodyPr rtlCol="0" anchor="ctr"/>
+          <a:lstStyle/>
+          <a:p>
+            <a:pPr algn="ctr"/>
+            <a:endParaRPr lang="en-US"/>
           </a:p>
         </p:txBody>
       </p:sp>
@@ -5958,9 +7476,16 @@
             <p:ph idx="1"/>
           </p:nvPr>
         </p:nvSpPr>
-        <p:spPr/>
+        <p:spPr>
+          <a:xfrm>
+            <a:off x="838200" y="1929384"/>
+            <a:ext cx="10515600" cy="4251960"/>
+          </a:xfrm>
+        </p:spPr>
         <p:txBody>
-          <a:bodyPr/>
+          <a:bodyPr>
+            <a:normAutofit/>
+          </a:bodyPr>
           <a:lstStyle/>
           <a:p>
             <a:r>
@@ -5977,7 +7502,7 @@
           <a:p>
             <a:pPr lvl="1"/>
             <a:r>
-              <a:rPr lang="en-US" dirty="0">
+              <a:rPr lang="en-US" sz="2800" dirty="0">
                 <a:solidFill>
                   <a:schemeClr val="accent5">
                     <a:lumMod val="75000"/>
@@ -5990,7 +7515,7 @@
           <a:p>
             <a:pPr lvl="1"/>
             <a:r>
-              <a:rPr lang="en-US" dirty="0">
+              <a:rPr lang="en-US" sz="2800" dirty="0">
                 <a:solidFill>
                   <a:schemeClr val="accent5">
                     <a:lumMod val="75000"/>
@@ -6015,7 +7540,7 @@
           <a:p>
             <a:pPr lvl="1"/>
             <a:r>
-              <a:rPr lang="en-US" dirty="0">
+              <a:rPr lang="en-US" sz="2800" dirty="0">
                 <a:solidFill>
                   <a:schemeClr val="accent5">
                     <a:lumMod val="75000"/>
@@ -6028,7 +7553,7 @@
           <a:p>
             <a:pPr lvl="1"/>
             <a:r>
-              <a:rPr lang="en-US" dirty="0">
+              <a:rPr lang="en-US" sz="2800" dirty="0">
                 <a:solidFill>
                   <a:schemeClr val="accent5">
                     <a:lumMod val="75000"/>
@@ -6041,7 +7566,7 @@
           <a:p>
             <a:pPr lvl="1"/>
             <a:r>
-              <a:rPr lang="en-US" dirty="0">
+              <a:rPr lang="en-US" sz="2800" dirty="0">
                 <a:solidFill>
                   <a:schemeClr val="accent5">
                     <a:lumMod val="75000"/>
@@ -6054,7 +7579,7 @@
           <a:p>
             <a:pPr lvl="1"/>
             <a:r>
-              <a:rPr lang="en-US" dirty="0">
+              <a:rPr lang="en-US" sz="2800" dirty="0">
                 <a:solidFill>
                   <a:schemeClr val="accent5">
                     <a:lumMod val="75000"/>
@@ -6094,6 +7619,14 @@
 <file path=ppt/slides/slide13.xml><?xml version="1.0" encoding="utf-8"?>
 <p:sld xmlns:a="http://schemas.openxmlformats.org/drawingml/2006/main" xmlns:r="http://schemas.openxmlformats.org/officeDocument/2006/relationships" xmlns:p="http://schemas.openxmlformats.org/presentationml/2006/main">
   <p:cSld>
+    <p:bg>
+      <p:bgPr>
+        <a:solidFill>
+          <a:schemeClr val="bg1"/>
+        </a:solidFill>
+        <a:effectLst/>
+      </p:bgPr>
+    </p:bg>
     <p:spTree>
       <p:nvGrpSpPr>
         <p:cNvPr id="1" name=""/>
@@ -6108,6 +7641,66 @@
           <a:chExt cx="0" cy="0"/>
         </a:xfrm>
       </p:grpSpPr>
+      <p:sp useBgFill="1">
+        <p:nvSpPr>
+          <p:cNvPr id="8" name="Rectangle 7">
+            <a:extLst>
+              <a:ext uri="{FF2B5EF4-FFF2-40B4-BE49-F238E27FC236}">
+                <a16:creationId xmlns:a16="http://schemas.microsoft.com/office/drawing/2014/main" id="{100EDD19-6802-4EC3-95CE-CFFAB042CFD6}"/>
+              </a:ext>
+              <a:ext uri="{C183D7F6-B498-43B3-948B-1728B52AA6E4}">
+                <adec:decorative xmlns:adec="http://schemas.microsoft.com/office/drawing/2017/decorative" val="1"/>
+              </a:ext>
+            </a:extLst>
+          </p:cNvPr>
+          <p:cNvSpPr>
+            <a:spLocks noGrp="1" noRot="1" noChangeAspect="1" noMove="1" noResize="1" noEditPoints="1" noAdjustHandles="1" noChangeArrowheads="1" noChangeShapeType="1" noTextEdit="1"/>
+          </p:cNvSpPr>
+          <p:nvPr>
+            <p:extLst>
+              <p:ext uri="{386F3935-93C4-4BCD-93E2-E3B085C9AB24}">
+                <p16:designElem xmlns:p16="http://schemas.microsoft.com/office/powerpoint/2015/main" val="1"/>
+              </p:ext>
+            </p:extLst>
+          </p:nvPr>
+        </p:nvSpPr>
+        <p:spPr>
+          <a:xfrm>
+            <a:off x="0" y="0"/>
+            <a:ext cx="12188952" cy="6858000"/>
+          </a:xfrm>
+          <a:prstGeom prst="rect">
+            <a:avLst/>
+          </a:prstGeom>
+          <a:ln>
+            <a:noFill/>
+          </a:ln>
+        </p:spPr>
+        <p:style>
+          <a:lnRef idx="2">
+            <a:schemeClr val="accent1">
+              <a:shade val="50000"/>
+            </a:schemeClr>
+          </a:lnRef>
+          <a:fillRef idx="1">
+            <a:schemeClr val="accent1"/>
+          </a:fillRef>
+          <a:effectRef idx="0">
+            <a:schemeClr val="accent1"/>
+          </a:effectRef>
+          <a:fontRef idx="minor">
+            <a:schemeClr val="lt1"/>
+          </a:fontRef>
+        </p:style>
+        <p:txBody>
+          <a:bodyPr rtlCol="0" anchor="ctr"/>
+          <a:lstStyle/>
+          <a:p>
+            <a:pPr algn="ctr"/>
+            <a:endParaRPr lang="en-US"/>
+          </a:p>
+        </p:txBody>
+      </p:sp>
       <p:sp>
         <p:nvSpPr>
           <p:cNvPr id="2" name="Title 1">
@@ -6124,15 +7717,660 @@
             <p:ph type="title"/>
           </p:nvPr>
         </p:nvSpPr>
-        <p:spPr/>
+        <p:spPr>
+          <a:xfrm>
+            <a:off x="838200" y="365125"/>
+            <a:ext cx="10515600" cy="1325563"/>
+          </a:xfrm>
+        </p:spPr>
         <p:txBody>
-          <a:bodyPr/>
+          <a:bodyPr>
+            <a:normAutofit/>
+          </a:bodyPr>
           <a:lstStyle/>
           <a:p>
             <a:r>
-              <a:rPr lang="en-US" dirty="0"/>
+              <a:rPr lang="en-US" sz="5400"/>
               <a:t>Feasibility Assessment/Risks</a:t>
             </a:r>
+          </a:p>
+        </p:txBody>
+      </p:sp>
+      <p:sp>
+        <p:nvSpPr>
+          <p:cNvPr id="10" name="sketch line">
+            <a:extLst>
+              <a:ext uri="{FF2B5EF4-FFF2-40B4-BE49-F238E27FC236}">
+                <a16:creationId xmlns:a16="http://schemas.microsoft.com/office/drawing/2014/main" id="{DB17E863-922E-4C26-BD64-E8FD41D28661}"/>
+              </a:ext>
+              <a:ext uri="{C183D7F6-B498-43B3-948B-1728B52AA6E4}">
+                <adec:decorative xmlns:adec="http://schemas.microsoft.com/office/drawing/2017/decorative" val="1"/>
+              </a:ext>
+            </a:extLst>
+          </p:cNvPr>
+          <p:cNvSpPr>
+            <a:spLocks noGrp="1" noRot="1" noChangeAspect="1" noMove="1" noResize="1" noEditPoints="1" noAdjustHandles="1" noChangeArrowheads="1" noChangeShapeType="1" noTextEdit="1"/>
+          </p:cNvSpPr>
+          <p:nvPr>
+            <p:extLst>
+              <p:ext uri="{386F3935-93C4-4BCD-93E2-E3B085C9AB24}">
+                <p16:designElem xmlns:p16="http://schemas.microsoft.com/office/powerpoint/2015/main" val="1"/>
+              </p:ext>
+            </p:extLst>
+          </p:nvPr>
+        </p:nvSpPr>
+        <p:spPr>
+          <a:xfrm>
+            <a:off x="669036" y="1677373"/>
+            <a:ext cx="10853928" cy="18288"/>
+          </a:xfrm>
+          <a:custGeom>
+            <a:avLst/>
+            <a:gdLst>
+              <a:gd name="connsiteX0" fmla="*/ 0 w 10853928"/>
+              <a:gd name="connsiteY0" fmla="*/ 0 h 18288"/>
+              <a:gd name="connsiteX1" fmla="*/ 461292 w 10853928"/>
+              <a:gd name="connsiteY1" fmla="*/ 0 h 18288"/>
+              <a:gd name="connsiteX2" fmla="*/ 1139662 w 10853928"/>
+              <a:gd name="connsiteY2" fmla="*/ 0 h 18288"/>
+              <a:gd name="connsiteX3" fmla="*/ 1926572 w 10853928"/>
+              <a:gd name="connsiteY3" fmla="*/ 0 h 18288"/>
+              <a:gd name="connsiteX4" fmla="*/ 2279325 w 10853928"/>
+              <a:gd name="connsiteY4" fmla="*/ 0 h 18288"/>
+              <a:gd name="connsiteX5" fmla="*/ 2632078 w 10853928"/>
+              <a:gd name="connsiteY5" fmla="*/ 0 h 18288"/>
+              <a:gd name="connsiteX6" fmla="*/ 3527527 w 10853928"/>
+              <a:gd name="connsiteY6" fmla="*/ 0 h 18288"/>
+              <a:gd name="connsiteX7" fmla="*/ 4205897 w 10853928"/>
+              <a:gd name="connsiteY7" fmla="*/ 0 h 18288"/>
+              <a:gd name="connsiteX8" fmla="*/ 4558650 w 10853928"/>
+              <a:gd name="connsiteY8" fmla="*/ 0 h 18288"/>
+              <a:gd name="connsiteX9" fmla="*/ 5237020 w 10853928"/>
+              <a:gd name="connsiteY9" fmla="*/ 0 h 18288"/>
+              <a:gd name="connsiteX10" fmla="*/ 6132469 w 10853928"/>
+              <a:gd name="connsiteY10" fmla="*/ 0 h 18288"/>
+              <a:gd name="connsiteX11" fmla="*/ 6702301 w 10853928"/>
+              <a:gd name="connsiteY11" fmla="*/ 0 h 18288"/>
+              <a:gd name="connsiteX12" fmla="*/ 7272132 w 10853928"/>
+              <a:gd name="connsiteY12" fmla="*/ 0 h 18288"/>
+              <a:gd name="connsiteX13" fmla="*/ 7950502 w 10853928"/>
+              <a:gd name="connsiteY13" fmla="*/ 0 h 18288"/>
+              <a:gd name="connsiteX14" fmla="*/ 8737412 w 10853928"/>
+              <a:gd name="connsiteY14" fmla="*/ 0 h 18288"/>
+              <a:gd name="connsiteX15" fmla="*/ 9524322 w 10853928"/>
+              <a:gd name="connsiteY15" fmla="*/ 0 h 18288"/>
+              <a:gd name="connsiteX16" fmla="*/ 10853928 w 10853928"/>
+              <a:gd name="connsiteY16" fmla="*/ 0 h 18288"/>
+              <a:gd name="connsiteX17" fmla="*/ 10853928 w 10853928"/>
+              <a:gd name="connsiteY17" fmla="*/ 18288 h 18288"/>
+              <a:gd name="connsiteX18" fmla="*/ 10392636 w 10853928"/>
+              <a:gd name="connsiteY18" fmla="*/ 18288 h 18288"/>
+              <a:gd name="connsiteX19" fmla="*/ 9497187 w 10853928"/>
+              <a:gd name="connsiteY19" fmla="*/ 18288 h 18288"/>
+              <a:gd name="connsiteX20" fmla="*/ 8818817 w 10853928"/>
+              <a:gd name="connsiteY20" fmla="*/ 18288 h 18288"/>
+              <a:gd name="connsiteX21" fmla="*/ 8466064 w 10853928"/>
+              <a:gd name="connsiteY21" fmla="*/ 18288 h 18288"/>
+              <a:gd name="connsiteX22" fmla="*/ 7787693 w 10853928"/>
+              <a:gd name="connsiteY22" fmla="*/ 18288 h 18288"/>
+              <a:gd name="connsiteX23" fmla="*/ 7217862 w 10853928"/>
+              <a:gd name="connsiteY23" fmla="*/ 18288 h 18288"/>
+              <a:gd name="connsiteX24" fmla="*/ 6648031 w 10853928"/>
+              <a:gd name="connsiteY24" fmla="*/ 18288 h 18288"/>
+              <a:gd name="connsiteX25" fmla="*/ 6078200 w 10853928"/>
+              <a:gd name="connsiteY25" fmla="*/ 18288 h 18288"/>
+              <a:gd name="connsiteX26" fmla="*/ 5508368 w 10853928"/>
+              <a:gd name="connsiteY26" fmla="*/ 18288 h 18288"/>
+              <a:gd name="connsiteX27" fmla="*/ 4721459 w 10853928"/>
+              <a:gd name="connsiteY27" fmla="*/ 18288 h 18288"/>
+              <a:gd name="connsiteX28" fmla="*/ 4043088 w 10853928"/>
+              <a:gd name="connsiteY28" fmla="*/ 18288 h 18288"/>
+              <a:gd name="connsiteX29" fmla="*/ 3690336 w 10853928"/>
+              <a:gd name="connsiteY29" fmla="*/ 18288 h 18288"/>
+              <a:gd name="connsiteX30" fmla="*/ 3120504 w 10853928"/>
+              <a:gd name="connsiteY30" fmla="*/ 18288 h 18288"/>
+              <a:gd name="connsiteX31" fmla="*/ 2333595 w 10853928"/>
+              <a:gd name="connsiteY31" fmla="*/ 18288 h 18288"/>
+              <a:gd name="connsiteX32" fmla="*/ 1872303 w 10853928"/>
+              <a:gd name="connsiteY32" fmla="*/ 18288 h 18288"/>
+              <a:gd name="connsiteX33" fmla="*/ 976854 w 10853928"/>
+              <a:gd name="connsiteY33" fmla="*/ 18288 h 18288"/>
+              <a:gd name="connsiteX34" fmla="*/ 0 w 10853928"/>
+              <a:gd name="connsiteY34" fmla="*/ 18288 h 18288"/>
+              <a:gd name="connsiteX35" fmla="*/ 0 w 10853928"/>
+              <a:gd name="connsiteY35" fmla="*/ 0 h 18288"/>
+            </a:gdLst>
+            <a:ahLst/>
+            <a:cxnLst>
+              <a:cxn ang="0">
+                <a:pos x="connsiteX0" y="connsiteY0"/>
+              </a:cxn>
+              <a:cxn ang="0">
+                <a:pos x="connsiteX1" y="connsiteY1"/>
+              </a:cxn>
+              <a:cxn ang="0">
+                <a:pos x="connsiteX2" y="connsiteY2"/>
+              </a:cxn>
+              <a:cxn ang="0">
+                <a:pos x="connsiteX3" y="connsiteY3"/>
+              </a:cxn>
+              <a:cxn ang="0">
+                <a:pos x="connsiteX4" y="connsiteY4"/>
+              </a:cxn>
+              <a:cxn ang="0">
+                <a:pos x="connsiteX5" y="connsiteY5"/>
+              </a:cxn>
+              <a:cxn ang="0">
+                <a:pos x="connsiteX6" y="connsiteY6"/>
+              </a:cxn>
+              <a:cxn ang="0">
+                <a:pos x="connsiteX7" y="connsiteY7"/>
+              </a:cxn>
+              <a:cxn ang="0">
+                <a:pos x="connsiteX8" y="connsiteY8"/>
+              </a:cxn>
+              <a:cxn ang="0">
+                <a:pos x="connsiteX9" y="connsiteY9"/>
+              </a:cxn>
+              <a:cxn ang="0">
+                <a:pos x="connsiteX10" y="connsiteY10"/>
+              </a:cxn>
+              <a:cxn ang="0">
+                <a:pos x="connsiteX11" y="connsiteY11"/>
+              </a:cxn>
+              <a:cxn ang="0">
+                <a:pos x="connsiteX12" y="connsiteY12"/>
+              </a:cxn>
+              <a:cxn ang="0">
+                <a:pos x="connsiteX13" y="connsiteY13"/>
+              </a:cxn>
+              <a:cxn ang="0">
+                <a:pos x="connsiteX14" y="connsiteY14"/>
+              </a:cxn>
+              <a:cxn ang="0">
+                <a:pos x="connsiteX15" y="connsiteY15"/>
+              </a:cxn>
+              <a:cxn ang="0">
+                <a:pos x="connsiteX16" y="connsiteY16"/>
+              </a:cxn>
+              <a:cxn ang="0">
+                <a:pos x="connsiteX17" y="connsiteY17"/>
+              </a:cxn>
+              <a:cxn ang="0">
+                <a:pos x="connsiteX18" y="connsiteY18"/>
+              </a:cxn>
+              <a:cxn ang="0">
+                <a:pos x="connsiteX19" y="connsiteY19"/>
+              </a:cxn>
+              <a:cxn ang="0">
+                <a:pos x="connsiteX20" y="connsiteY20"/>
+              </a:cxn>
+              <a:cxn ang="0">
+                <a:pos x="connsiteX21" y="connsiteY21"/>
+              </a:cxn>
+              <a:cxn ang="0">
+                <a:pos x="connsiteX22" y="connsiteY22"/>
+              </a:cxn>
+              <a:cxn ang="0">
+                <a:pos x="connsiteX23" y="connsiteY23"/>
+              </a:cxn>
+              <a:cxn ang="0">
+                <a:pos x="connsiteX24" y="connsiteY24"/>
+              </a:cxn>
+              <a:cxn ang="0">
+                <a:pos x="connsiteX25" y="connsiteY25"/>
+              </a:cxn>
+              <a:cxn ang="0">
+                <a:pos x="connsiteX26" y="connsiteY26"/>
+              </a:cxn>
+              <a:cxn ang="0">
+                <a:pos x="connsiteX27" y="connsiteY27"/>
+              </a:cxn>
+              <a:cxn ang="0">
+                <a:pos x="connsiteX28" y="connsiteY28"/>
+              </a:cxn>
+              <a:cxn ang="0">
+                <a:pos x="connsiteX29" y="connsiteY29"/>
+              </a:cxn>
+              <a:cxn ang="0">
+                <a:pos x="connsiteX30" y="connsiteY30"/>
+              </a:cxn>
+              <a:cxn ang="0">
+                <a:pos x="connsiteX31" y="connsiteY31"/>
+              </a:cxn>
+              <a:cxn ang="0">
+                <a:pos x="connsiteX32" y="connsiteY32"/>
+              </a:cxn>
+              <a:cxn ang="0">
+                <a:pos x="connsiteX33" y="connsiteY33"/>
+              </a:cxn>
+              <a:cxn ang="0">
+                <a:pos x="connsiteX34" y="connsiteY34"/>
+              </a:cxn>
+              <a:cxn ang="0">
+                <a:pos x="connsiteX35" y="connsiteY35"/>
+              </a:cxn>
+            </a:cxnLst>
+            <a:rect l="l" t="t" r="r" b="b"/>
+            <a:pathLst>
+              <a:path w="10853928" h="18288" fill="none" extrusionOk="0">
+                <a:moveTo>
+                  <a:pt x="0" y="0"/>
+                </a:moveTo>
+                <a:cubicBezTo>
+                  <a:pt x="146993" y="-19076"/>
+                  <a:pt x="347684" y="-4790"/>
+                  <a:pt x="461292" y="0"/>
+                </a:cubicBezTo>
+                <a:cubicBezTo>
+                  <a:pt x="574900" y="4790"/>
+                  <a:pt x="808367" y="19821"/>
+                  <a:pt x="1139662" y="0"/>
+                </a:cubicBezTo>
+                <a:cubicBezTo>
+                  <a:pt x="1470957" y="-19821"/>
+                  <a:pt x="1627405" y="5721"/>
+                  <a:pt x="1926572" y="0"/>
+                </a:cubicBezTo>
+                <a:cubicBezTo>
+                  <a:pt x="2225739" y="-5721"/>
+                  <a:pt x="2137730" y="-3235"/>
+                  <a:pt x="2279325" y="0"/>
+                </a:cubicBezTo>
+                <a:cubicBezTo>
+                  <a:pt x="2420920" y="3235"/>
+                  <a:pt x="2456518" y="9685"/>
+                  <a:pt x="2632078" y="0"/>
+                </a:cubicBezTo>
+                <a:cubicBezTo>
+                  <a:pt x="2807638" y="-9685"/>
+                  <a:pt x="3211516" y="-43007"/>
+                  <a:pt x="3527527" y="0"/>
+                </a:cubicBezTo>
+                <a:cubicBezTo>
+                  <a:pt x="3843538" y="43007"/>
+                  <a:pt x="4058833" y="22042"/>
+                  <a:pt x="4205897" y="0"/>
+                </a:cubicBezTo>
+                <a:cubicBezTo>
+                  <a:pt x="4352961" y="-22042"/>
+                  <a:pt x="4474805" y="-11846"/>
+                  <a:pt x="4558650" y="0"/>
+                </a:cubicBezTo>
+                <a:cubicBezTo>
+                  <a:pt x="4642495" y="11846"/>
+                  <a:pt x="5041928" y="-6069"/>
+                  <a:pt x="5237020" y="0"/>
+                </a:cubicBezTo>
+                <a:cubicBezTo>
+                  <a:pt x="5432112" y="6069"/>
+                  <a:pt x="5943266" y="-17479"/>
+                  <a:pt x="6132469" y="0"/>
+                </a:cubicBezTo>
+                <a:cubicBezTo>
+                  <a:pt x="6321672" y="17479"/>
+                  <a:pt x="6483872" y="26234"/>
+                  <a:pt x="6702301" y="0"/>
+                </a:cubicBezTo>
+                <a:cubicBezTo>
+                  <a:pt x="6920730" y="-26234"/>
+                  <a:pt x="6991194" y="-15156"/>
+                  <a:pt x="7272132" y="0"/>
+                </a:cubicBezTo>
+                <a:cubicBezTo>
+                  <a:pt x="7553070" y="15156"/>
+                  <a:pt x="7684444" y="-32961"/>
+                  <a:pt x="7950502" y="0"/>
+                </a:cubicBezTo>
+                <a:cubicBezTo>
+                  <a:pt x="8216560" y="32961"/>
+                  <a:pt x="8493290" y="-10491"/>
+                  <a:pt x="8737412" y="0"/>
+                </a:cubicBezTo>
+                <a:cubicBezTo>
+                  <a:pt x="8981534" y="10491"/>
+                  <a:pt x="9191586" y="-13899"/>
+                  <a:pt x="9524322" y="0"/>
+                </a:cubicBezTo>
+                <a:cubicBezTo>
+                  <a:pt x="9857058" y="13899"/>
+                  <a:pt x="10297509" y="7485"/>
+                  <a:pt x="10853928" y="0"/>
+                </a:cubicBezTo>
+                <a:cubicBezTo>
+                  <a:pt x="10854574" y="4451"/>
+                  <a:pt x="10854418" y="9226"/>
+                  <a:pt x="10853928" y="18288"/>
+                </a:cubicBezTo>
+                <a:cubicBezTo>
+                  <a:pt x="10691638" y="28522"/>
+                  <a:pt x="10574319" y="29578"/>
+                  <a:pt x="10392636" y="18288"/>
+                </a:cubicBezTo>
+                <a:cubicBezTo>
+                  <a:pt x="10210953" y="6998"/>
+                  <a:pt x="9836277" y="-16742"/>
+                  <a:pt x="9497187" y="18288"/>
+                </a:cubicBezTo>
+                <a:cubicBezTo>
+                  <a:pt x="9158097" y="53318"/>
+                  <a:pt x="9119479" y="30714"/>
+                  <a:pt x="8818817" y="18288"/>
+                </a:cubicBezTo>
+                <a:cubicBezTo>
+                  <a:pt x="8518155" y="5863"/>
+                  <a:pt x="8640037" y="6483"/>
+                  <a:pt x="8466064" y="18288"/>
+                </a:cubicBezTo>
+                <a:cubicBezTo>
+                  <a:pt x="8292091" y="30093"/>
+                  <a:pt x="7997656" y="18914"/>
+                  <a:pt x="7787693" y="18288"/>
+                </a:cubicBezTo>
+                <a:cubicBezTo>
+                  <a:pt x="7577730" y="17662"/>
+                  <a:pt x="7412468" y="21416"/>
+                  <a:pt x="7217862" y="18288"/>
+                </a:cubicBezTo>
+                <a:cubicBezTo>
+                  <a:pt x="7023256" y="15160"/>
+                  <a:pt x="6898018" y="14824"/>
+                  <a:pt x="6648031" y="18288"/>
+                </a:cubicBezTo>
+                <a:cubicBezTo>
+                  <a:pt x="6398044" y="21752"/>
+                  <a:pt x="6254402" y="38625"/>
+                  <a:pt x="6078200" y="18288"/>
+                </a:cubicBezTo>
+                <a:cubicBezTo>
+                  <a:pt x="5901998" y="-2049"/>
+                  <a:pt x="5622886" y="3213"/>
+                  <a:pt x="5508368" y="18288"/>
+                </a:cubicBezTo>
+                <a:cubicBezTo>
+                  <a:pt x="5393850" y="33363"/>
+                  <a:pt x="5036260" y="26830"/>
+                  <a:pt x="4721459" y="18288"/>
+                </a:cubicBezTo>
+                <a:cubicBezTo>
+                  <a:pt x="4406658" y="9746"/>
+                  <a:pt x="4239221" y="41551"/>
+                  <a:pt x="4043088" y="18288"/>
+                </a:cubicBezTo>
+                <a:cubicBezTo>
+                  <a:pt x="3846955" y="-4975"/>
+                  <a:pt x="3818802" y="34658"/>
+                  <a:pt x="3690336" y="18288"/>
+                </a:cubicBezTo>
+                <a:cubicBezTo>
+                  <a:pt x="3561870" y="1918"/>
+                  <a:pt x="3265491" y="42194"/>
+                  <a:pt x="3120504" y="18288"/>
+                </a:cubicBezTo>
+                <a:cubicBezTo>
+                  <a:pt x="2975517" y="-5618"/>
+                  <a:pt x="2720254" y="36673"/>
+                  <a:pt x="2333595" y="18288"/>
+                </a:cubicBezTo>
+                <a:cubicBezTo>
+                  <a:pt x="1946936" y="-97"/>
+                  <a:pt x="2097241" y="5776"/>
+                  <a:pt x="1872303" y="18288"/>
+                </a:cubicBezTo>
+                <a:cubicBezTo>
+                  <a:pt x="1647365" y="30800"/>
+                  <a:pt x="1282708" y="45380"/>
+                  <a:pt x="976854" y="18288"/>
+                </a:cubicBezTo>
+                <a:cubicBezTo>
+                  <a:pt x="671000" y="-8804"/>
+                  <a:pt x="408401" y="-12775"/>
+                  <a:pt x="0" y="18288"/>
+                </a:cubicBezTo>
+                <a:cubicBezTo>
+                  <a:pt x="-213" y="9468"/>
+                  <a:pt x="187" y="4459"/>
+                  <a:pt x="0" y="0"/>
+                </a:cubicBezTo>
+                <a:close/>
+              </a:path>
+              <a:path w="10853928" h="18288" stroke="0" extrusionOk="0">
+                <a:moveTo>
+                  <a:pt x="0" y="0"/>
+                </a:moveTo>
+                <a:cubicBezTo>
+                  <a:pt x="267322" y="15284"/>
+                  <a:pt x="415388" y="-21048"/>
+                  <a:pt x="569831" y="0"/>
+                </a:cubicBezTo>
+                <a:cubicBezTo>
+                  <a:pt x="724274" y="21048"/>
+                  <a:pt x="769333" y="-2353"/>
+                  <a:pt x="922584" y="0"/>
+                </a:cubicBezTo>
+                <a:cubicBezTo>
+                  <a:pt x="1075835" y="2353"/>
+                  <a:pt x="1399490" y="-145"/>
+                  <a:pt x="1818033" y="0"/>
+                </a:cubicBezTo>
+                <a:cubicBezTo>
+                  <a:pt x="2236576" y="145"/>
+                  <a:pt x="2145330" y="5482"/>
+                  <a:pt x="2387864" y="0"/>
+                </a:cubicBezTo>
+                <a:cubicBezTo>
+                  <a:pt x="2630398" y="-5482"/>
+                  <a:pt x="2793207" y="18487"/>
+                  <a:pt x="2957695" y="0"/>
+                </a:cubicBezTo>
+                <a:cubicBezTo>
+                  <a:pt x="3122183" y="-18487"/>
+                  <a:pt x="3579141" y="19003"/>
+                  <a:pt x="3853144" y="0"/>
+                </a:cubicBezTo>
+                <a:cubicBezTo>
+                  <a:pt x="4127147" y="-19003"/>
+                  <a:pt x="4209857" y="12211"/>
+                  <a:pt x="4314436" y="0"/>
+                </a:cubicBezTo>
+                <a:cubicBezTo>
+                  <a:pt x="4419015" y="-12211"/>
+                  <a:pt x="4762459" y="-17220"/>
+                  <a:pt x="5209885" y="0"/>
+                </a:cubicBezTo>
+                <a:cubicBezTo>
+                  <a:pt x="5657311" y="17220"/>
+                  <a:pt x="5692663" y="-3290"/>
+                  <a:pt x="6105335" y="0"/>
+                </a:cubicBezTo>
+                <a:cubicBezTo>
+                  <a:pt x="6518007" y="3290"/>
+                  <a:pt x="6455516" y="-5124"/>
+                  <a:pt x="6783705" y="0"/>
+                </a:cubicBezTo>
+                <a:cubicBezTo>
+                  <a:pt x="7111894" y="5124"/>
+                  <a:pt x="7441941" y="-17829"/>
+                  <a:pt x="7679154" y="0"/>
+                </a:cubicBezTo>
+                <a:cubicBezTo>
+                  <a:pt x="7916367" y="17829"/>
+                  <a:pt x="8102967" y="-24363"/>
+                  <a:pt x="8248985" y="0"/>
+                </a:cubicBezTo>
+                <a:cubicBezTo>
+                  <a:pt x="8395003" y="24363"/>
+                  <a:pt x="8552393" y="25505"/>
+                  <a:pt x="8818817" y="0"/>
+                </a:cubicBezTo>
+                <a:cubicBezTo>
+                  <a:pt x="9085241" y="-25505"/>
+                  <a:pt x="9411308" y="38000"/>
+                  <a:pt x="9605726" y="0"/>
+                </a:cubicBezTo>
+                <a:cubicBezTo>
+                  <a:pt x="9800144" y="-38000"/>
+                  <a:pt x="10006468" y="-25741"/>
+                  <a:pt x="10175558" y="0"/>
+                </a:cubicBezTo>
+                <a:cubicBezTo>
+                  <a:pt x="10344648" y="25741"/>
+                  <a:pt x="10696282" y="695"/>
+                  <a:pt x="10853928" y="0"/>
+                </a:cubicBezTo>
+                <a:cubicBezTo>
+                  <a:pt x="10853521" y="8690"/>
+                  <a:pt x="10853774" y="14141"/>
+                  <a:pt x="10853928" y="18288"/>
+                </a:cubicBezTo>
+                <a:cubicBezTo>
+                  <a:pt x="10608124" y="24255"/>
+                  <a:pt x="10343415" y="22307"/>
+                  <a:pt x="10067018" y="18288"/>
+                </a:cubicBezTo>
+                <a:cubicBezTo>
+                  <a:pt x="9790621" y="14270"/>
+                  <a:pt x="9843266" y="3564"/>
+                  <a:pt x="9714266" y="18288"/>
+                </a:cubicBezTo>
+                <a:cubicBezTo>
+                  <a:pt x="9585266" y="33012"/>
+                  <a:pt x="9379484" y="1875"/>
+                  <a:pt x="9252974" y="18288"/>
+                </a:cubicBezTo>
+                <a:cubicBezTo>
+                  <a:pt x="9126464" y="34701"/>
+                  <a:pt x="8580678" y="-4904"/>
+                  <a:pt x="8357525" y="18288"/>
+                </a:cubicBezTo>
+                <a:cubicBezTo>
+                  <a:pt x="8134372" y="41480"/>
+                  <a:pt x="7903199" y="26458"/>
+                  <a:pt x="7679154" y="18288"/>
+                </a:cubicBezTo>
+                <a:cubicBezTo>
+                  <a:pt x="7455109" y="10118"/>
+                  <a:pt x="7435944" y="27109"/>
+                  <a:pt x="7217862" y="18288"/>
+                </a:cubicBezTo>
+                <a:cubicBezTo>
+                  <a:pt x="6999780" y="9467"/>
+                  <a:pt x="6680409" y="18985"/>
+                  <a:pt x="6539492" y="18288"/>
+                </a:cubicBezTo>
+                <a:cubicBezTo>
+                  <a:pt x="6398575" y="17592"/>
+                  <a:pt x="6312077" y="33018"/>
+                  <a:pt x="6186739" y="18288"/>
+                </a:cubicBezTo>
+                <a:cubicBezTo>
+                  <a:pt x="6061401" y="3558"/>
+                  <a:pt x="5947033" y="12075"/>
+                  <a:pt x="5833986" y="18288"/>
+                </a:cubicBezTo>
+                <a:cubicBezTo>
+                  <a:pt x="5720939" y="24501"/>
+                  <a:pt x="5482226" y="8586"/>
+                  <a:pt x="5155616" y="18288"/>
+                </a:cubicBezTo>
+                <a:cubicBezTo>
+                  <a:pt x="4829006" y="27991"/>
+                  <a:pt x="4841274" y="29316"/>
+                  <a:pt x="4694324" y="18288"/>
+                </a:cubicBezTo>
+                <a:cubicBezTo>
+                  <a:pt x="4547374" y="7260"/>
+                  <a:pt x="4077675" y="7013"/>
+                  <a:pt x="3907414" y="18288"/>
+                </a:cubicBezTo>
+                <a:cubicBezTo>
+                  <a:pt x="3737153" y="29564"/>
+                  <a:pt x="3538393" y="21630"/>
+                  <a:pt x="3446122" y="18288"/>
+                </a:cubicBezTo>
+                <a:cubicBezTo>
+                  <a:pt x="3353851" y="14946"/>
+                  <a:pt x="2990320" y="-8091"/>
+                  <a:pt x="2659212" y="18288"/>
+                </a:cubicBezTo>
+                <a:cubicBezTo>
+                  <a:pt x="2328104" y="44667"/>
+                  <a:pt x="2427653" y="9607"/>
+                  <a:pt x="2306460" y="18288"/>
+                </a:cubicBezTo>
+                <a:cubicBezTo>
+                  <a:pt x="2185267" y="26969"/>
+                  <a:pt x="1719763" y="3717"/>
+                  <a:pt x="1519550" y="18288"/>
+                </a:cubicBezTo>
+                <a:cubicBezTo>
+                  <a:pt x="1319337" y="32860"/>
+                  <a:pt x="1167371" y="17040"/>
+                  <a:pt x="1058258" y="18288"/>
+                </a:cubicBezTo>
+                <a:cubicBezTo>
+                  <a:pt x="949145" y="19536"/>
+                  <a:pt x="780234" y="31447"/>
+                  <a:pt x="705505" y="18288"/>
+                </a:cubicBezTo>
+                <a:cubicBezTo>
+                  <a:pt x="630776" y="5129"/>
+                  <a:pt x="215796" y="30056"/>
+                  <a:pt x="0" y="18288"/>
+                </a:cubicBezTo>
+                <a:cubicBezTo>
+                  <a:pt x="-53" y="11301"/>
+                  <a:pt x="-649" y="7756"/>
+                  <a:pt x="0" y="0"/>
+                </a:cubicBezTo>
+                <a:close/>
+              </a:path>
+            </a:pathLst>
+          </a:custGeom>
+          <a:solidFill>
+            <a:schemeClr val="accent2"/>
+          </a:solidFill>
+          <a:ln w="41275" cap="rnd">
+            <a:solidFill>
+              <a:schemeClr val="accent2"/>
+            </a:solidFill>
+            <a:round/>
+            <a:extLst>
+              <a:ext uri="{C807C97D-BFC1-408E-A445-0C87EB9F89A2}">
+                <ask:lineSketchStyleProps xmlns:ask="http://schemas.microsoft.com/office/drawing/2018/sketchyshapes" sd="1219033472">
+                  <a:prstGeom prst="rect">
+                    <a:avLst/>
+                  </a:prstGeom>
+                  <ask:type>
+                    <ask:lineSketchFreehand/>
+                  </ask:type>
+                </ask:lineSketchStyleProps>
+              </a:ext>
+            </a:extLst>
+          </a:ln>
+        </p:spPr>
+        <p:style>
+          <a:lnRef idx="2">
+            <a:schemeClr val="accent1">
+              <a:shade val="50000"/>
+            </a:schemeClr>
+          </a:lnRef>
+          <a:fillRef idx="1">
+            <a:schemeClr val="accent1"/>
+          </a:fillRef>
+          <a:effectRef idx="0">
+            <a:schemeClr val="accent1"/>
+          </a:effectRef>
+          <a:fontRef idx="minor">
+            <a:schemeClr val="lt1"/>
+          </a:fontRef>
+        </p:style>
+        <p:txBody>
+          <a:bodyPr rtlCol="0" anchor="ctr"/>
+          <a:lstStyle/>
+          <a:p>
+            <a:pPr algn="ctr"/>
+            <a:endParaRPr lang="en-US"/>
           </a:p>
         </p:txBody>
       </p:sp>
@@ -6152,15 +8390,20 @@
             <p:ph idx="1"/>
           </p:nvPr>
         </p:nvSpPr>
-        <p:spPr/>
+        <p:spPr>
+          <a:xfrm>
+            <a:off x="838200" y="1929383"/>
+            <a:ext cx="10515600" cy="4563491"/>
+          </a:xfrm>
+        </p:spPr>
         <p:txBody>
           <a:bodyPr>
-            <a:normAutofit lnSpcReduction="10000"/>
+            <a:normAutofit fontScale="92500"/>
           </a:bodyPr>
           <a:lstStyle/>
           <a:p>
             <a:r>
-              <a:rPr lang="en-US" dirty="0">
+              <a:rPr lang="en-US" sz="2400" dirty="0">
                 <a:solidFill>
                   <a:schemeClr val="accent5">
                     <a:lumMod val="75000"/>
@@ -6198,7 +8441,7 @@
           </a:p>
           <a:p>
             <a:r>
-              <a:rPr lang="en-US" dirty="0">
+              <a:rPr lang="en-US" sz="2400" dirty="0">
                 <a:solidFill>
                   <a:schemeClr val="accent5">
                     <a:lumMod val="75000"/>
@@ -6224,7 +8467,7 @@
           <a:p>
             <a:pPr lvl="2"/>
             <a:r>
-              <a:rPr lang="en-US" dirty="0">
+              <a:rPr lang="en-US" sz="2400" dirty="0">
                 <a:solidFill>
                   <a:schemeClr val="accent5">
                     <a:lumMod val="75000"/>
@@ -6250,7 +8493,7 @@
           <a:p>
             <a:pPr lvl="2"/>
             <a:r>
-              <a:rPr lang="en-US" dirty="0">
+              <a:rPr lang="en-US" sz="2400" dirty="0">
                 <a:solidFill>
                   <a:schemeClr val="accent5">
                     <a:lumMod val="75000"/>
@@ -6276,7 +8519,7 @@
           <a:p>
             <a:pPr lvl="2"/>
             <a:r>
-              <a:rPr lang="en-US" dirty="0">
+              <a:rPr lang="en-US" sz="2400" dirty="0">
                 <a:solidFill>
                   <a:schemeClr val="accent5">
                     <a:lumMod val="75000"/>
@@ -6288,22 +8531,10 @@
           </a:p>
           <a:p>
             <a:pPr lvl="1"/>
-            <a:endParaRPr lang="en-US" dirty="0">
-              <a:solidFill>
-                <a:schemeClr val="accent5">
-                  <a:lumMod val="75000"/>
-                </a:schemeClr>
-              </a:solidFill>
-            </a:endParaRPr>
-          </a:p>
-          <a:p>
-            <a:endParaRPr lang="en-US" dirty="0">
-              <a:solidFill>
-                <a:schemeClr val="accent5">
-                  <a:lumMod val="75000"/>
-                </a:schemeClr>
-              </a:solidFill>
-            </a:endParaRPr>
+            <a:endParaRPr lang="en-US" sz="2000" dirty="0"/>
+          </a:p>
+          <a:p>
+            <a:endParaRPr lang="en-US" sz="2000" dirty="0"/>
           </a:p>
         </p:txBody>
       </p:sp>
@@ -6323,6 +8554,14 @@
 <file path=ppt/slides/slide14.xml><?xml version="1.0" encoding="utf-8"?>
 <p:sld xmlns:a="http://schemas.openxmlformats.org/drawingml/2006/main" xmlns:r="http://schemas.openxmlformats.org/officeDocument/2006/relationships" xmlns:p="http://schemas.openxmlformats.org/presentationml/2006/main">
   <p:cSld>
+    <p:bg>
+      <p:bgPr>
+        <a:solidFill>
+          <a:schemeClr val="bg1"/>
+        </a:solidFill>
+        <a:effectLst/>
+      </p:bgPr>
+    </p:bg>
     <p:spTree>
       <p:nvGrpSpPr>
         <p:cNvPr id="1" name=""/>
@@ -6337,6 +8576,66 @@
           <a:chExt cx="0" cy="0"/>
         </a:xfrm>
       </p:grpSpPr>
+      <p:sp useBgFill="1">
+        <p:nvSpPr>
+          <p:cNvPr id="8" name="Rectangle 7">
+            <a:extLst>
+              <a:ext uri="{FF2B5EF4-FFF2-40B4-BE49-F238E27FC236}">
+                <a16:creationId xmlns:a16="http://schemas.microsoft.com/office/drawing/2014/main" id="{100EDD19-6802-4EC3-95CE-CFFAB042CFD6}"/>
+              </a:ext>
+              <a:ext uri="{C183D7F6-B498-43B3-948B-1728B52AA6E4}">
+                <adec:decorative xmlns:adec="http://schemas.microsoft.com/office/drawing/2017/decorative" val="1"/>
+              </a:ext>
+            </a:extLst>
+          </p:cNvPr>
+          <p:cNvSpPr>
+            <a:spLocks noGrp="1" noRot="1" noChangeAspect="1" noMove="1" noResize="1" noEditPoints="1" noAdjustHandles="1" noChangeArrowheads="1" noChangeShapeType="1" noTextEdit="1"/>
+          </p:cNvSpPr>
+          <p:nvPr>
+            <p:extLst>
+              <p:ext uri="{386F3935-93C4-4BCD-93E2-E3B085C9AB24}">
+                <p16:designElem xmlns:p16="http://schemas.microsoft.com/office/powerpoint/2015/main" val="1"/>
+              </p:ext>
+            </p:extLst>
+          </p:nvPr>
+        </p:nvSpPr>
+        <p:spPr>
+          <a:xfrm>
+            <a:off x="0" y="0"/>
+            <a:ext cx="12188952" cy="6858000"/>
+          </a:xfrm>
+          <a:prstGeom prst="rect">
+            <a:avLst/>
+          </a:prstGeom>
+          <a:ln>
+            <a:noFill/>
+          </a:ln>
+        </p:spPr>
+        <p:style>
+          <a:lnRef idx="2">
+            <a:schemeClr val="accent1">
+              <a:shade val="50000"/>
+            </a:schemeClr>
+          </a:lnRef>
+          <a:fillRef idx="1">
+            <a:schemeClr val="accent1"/>
+          </a:fillRef>
+          <a:effectRef idx="0">
+            <a:schemeClr val="accent1"/>
+          </a:effectRef>
+          <a:fontRef idx="minor">
+            <a:schemeClr val="lt1"/>
+          </a:fontRef>
+        </p:style>
+        <p:txBody>
+          <a:bodyPr rtlCol="0" anchor="ctr"/>
+          <a:lstStyle/>
+          <a:p>
+            <a:pPr algn="ctr"/>
+            <a:endParaRPr lang="en-US"/>
+          </a:p>
+        </p:txBody>
+      </p:sp>
       <p:sp>
         <p:nvSpPr>
           <p:cNvPr id="2" name="Title 1">
@@ -6353,15 +8652,660 @@
             <p:ph type="title"/>
           </p:nvPr>
         </p:nvSpPr>
-        <p:spPr/>
+        <p:spPr>
+          <a:xfrm>
+            <a:off x="838200" y="365125"/>
+            <a:ext cx="10515600" cy="1325563"/>
+          </a:xfrm>
+        </p:spPr>
         <p:txBody>
-          <a:bodyPr/>
+          <a:bodyPr>
+            <a:normAutofit/>
+          </a:bodyPr>
           <a:lstStyle/>
           <a:p>
             <a:r>
-              <a:rPr lang="en-US" dirty="0"/>
+              <a:rPr lang="en-US" sz="5400"/>
               <a:t>Conclusion</a:t>
             </a:r>
+          </a:p>
+        </p:txBody>
+      </p:sp>
+      <p:sp>
+        <p:nvSpPr>
+          <p:cNvPr id="10" name="sketch line">
+            <a:extLst>
+              <a:ext uri="{FF2B5EF4-FFF2-40B4-BE49-F238E27FC236}">
+                <a16:creationId xmlns:a16="http://schemas.microsoft.com/office/drawing/2014/main" id="{DB17E863-922E-4C26-BD64-E8FD41D28661}"/>
+              </a:ext>
+              <a:ext uri="{C183D7F6-B498-43B3-948B-1728B52AA6E4}">
+                <adec:decorative xmlns:adec="http://schemas.microsoft.com/office/drawing/2017/decorative" val="1"/>
+              </a:ext>
+            </a:extLst>
+          </p:cNvPr>
+          <p:cNvSpPr>
+            <a:spLocks noGrp="1" noRot="1" noChangeAspect="1" noMove="1" noResize="1" noEditPoints="1" noAdjustHandles="1" noChangeArrowheads="1" noChangeShapeType="1" noTextEdit="1"/>
+          </p:cNvSpPr>
+          <p:nvPr>
+            <p:extLst>
+              <p:ext uri="{386F3935-93C4-4BCD-93E2-E3B085C9AB24}">
+                <p16:designElem xmlns:p16="http://schemas.microsoft.com/office/powerpoint/2015/main" val="1"/>
+              </p:ext>
+            </p:extLst>
+          </p:nvPr>
+        </p:nvSpPr>
+        <p:spPr>
+          <a:xfrm>
+            <a:off x="669036" y="1677373"/>
+            <a:ext cx="10853928" cy="18288"/>
+          </a:xfrm>
+          <a:custGeom>
+            <a:avLst/>
+            <a:gdLst>
+              <a:gd name="connsiteX0" fmla="*/ 0 w 10853928"/>
+              <a:gd name="connsiteY0" fmla="*/ 0 h 18288"/>
+              <a:gd name="connsiteX1" fmla="*/ 461292 w 10853928"/>
+              <a:gd name="connsiteY1" fmla="*/ 0 h 18288"/>
+              <a:gd name="connsiteX2" fmla="*/ 1139662 w 10853928"/>
+              <a:gd name="connsiteY2" fmla="*/ 0 h 18288"/>
+              <a:gd name="connsiteX3" fmla="*/ 1926572 w 10853928"/>
+              <a:gd name="connsiteY3" fmla="*/ 0 h 18288"/>
+              <a:gd name="connsiteX4" fmla="*/ 2279325 w 10853928"/>
+              <a:gd name="connsiteY4" fmla="*/ 0 h 18288"/>
+              <a:gd name="connsiteX5" fmla="*/ 2632078 w 10853928"/>
+              <a:gd name="connsiteY5" fmla="*/ 0 h 18288"/>
+              <a:gd name="connsiteX6" fmla="*/ 3527527 w 10853928"/>
+              <a:gd name="connsiteY6" fmla="*/ 0 h 18288"/>
+              <a:gd name="connsiteX7" fmla="*/ 4205897 w 10853928"/>
+              <a:gd name="connsiteY7" fmla="*/ 0 h 18288"/>
+              <a:gd name="connsiteX8" fmla="*/ 4558650 w 10853928"/>
+              <a:gd name="connsiteY8" fmla="*/ 0 h 18288"/>
+              <a:gd name="connsiteX9" fmla="*/ 5237020 w 10853928"/>
+              <a:gd name="connsiteY9" fmla="*/ 0 h 18288"/>
+              <a:gd name="connsiteX10" fmla="*/ 6132469 w 10853928"/>
+              <a:gd name="connsiteY10" fmla="*/ 0 h 18288"/>
+              <a:gd name="connsiteX11" fmla="*/ 6702301 w 10853928"/>
+              <a:gd name="connsiteY11" fmla="*/ 0 h 18288"/>
+              <a:gd name="connsiteX12" fmla="*/ 7272132 w 10853928"/>
+              <a:gd name="connsiteY12" fmla="*/ 0 h 18288"/>
+              <a:gd name="connsiteX13" fmla="*/ 7950502 w 10853928"/>
+              <a:gd name="connsiteY13" fmla="*/ 0 h 18288"/>
+              <a:gd name="connsiteX14" fmla="*/ 8737412 w 10853928"/>
+              <a:gd name="connsiteY14" fmla="*/ 0 h 18288"/>
+              <a:gd name="connsiteX15" fmla="*/ 9524322 w 10853928"/>
+              <a:gd name="connsiteY15" fmla="*/ 0 h 18288"/>
+              <a:gd name="connsiteX16" fmla="*/ 10853928 w 10853928"/>
+              <a:gd name="connsiteY16" fmla="*/ 0 h 18288"/>
+              <a:gd name="connsiteX17" fmla="*/ 10853928 w 10853928"/>
+              <a:gd name="connsiteY17" fmla="*/ 18288 h 18288"/>
+              <a:gd name="connsiteX18" fmla="*/ 10392636 w 10853928"/>
+              <a:gd name="connsiteY18" fmla="*/ 18288 h 18288"/>
+              <a:gd name="connsiteX19" fmla="*/ 9497187 w 10853928"/>
+              <a:gd name="connsiteY19" fmla="*/ 18288 h 18288"/>
+              <a:gd name="connsiteX20" fmla="*/ 8818817 w 10853928"/>
+              <a:gd name="connsiteY20" fmla="*/ 18288 h 18288"/>
+              <a:gd name="connsiteX21" fmla="*/ 8466064 w 10853928"/>
+              <a:gd name="connsiteY21" fmla="*/ 18288 h 18288"/>
+              <a:gd name="connsiteX22" fmla="*/ 7787693 w 10853928"/>
+              <a:gd name="connsiteY22" fmla="*/ 18288 h 18288"/>
+              <a:gd name="connsiteX23" fmla="*/ 7217862 w 10853928"/>
+              <a:gd name="connsiteY23" fmla="*/ 18288 h 18288"/>
+              <a:gd name="connsiteX24" fmla="*/ 6648031 w 10853928"/>
+              <a:gd name="connsiteY24" fmla="*/ 18288 h 18288"/>
+              <a:gd name="connsiteX25" fmla="*/ 6078200 w 10853928"/>
+              <a:gd name="connsiteY25" fmla="*/ 18288 h 18288"/>
+              <a:gd name="connsiteX26" fmla="*/ 5508368 w 10853928"/>
+              <a:gd name="connsiteY26" fmla="*/ 18288 h 18288"/>
+              <a:gd name="connsiteX27" fmla="*/ 4721459 w 10853928"/>
+              <a:gd name="connsiteY27" fmla="*/ 18288 h 18288"/>
+              <a:gd name="connsiteX28" fmla="*/ 4043088 w 10853928"/>
+              <a:gd name="connsiteY28" fmla="*/ 18288 h 18288"/>
+              <a:gd name="connsiteX29" fmla="*/ 3690336 w 10853928"/>
+              <a:gd name="connsiteY29" fmla="*/ 18288 h 18288"/>
+              <a:gd name="connsiteX30" fmla="*/ 3120504 w 10853928"/>
+              <a:gd name="connsiteY30" fmla="*/ 18288 h 18288"/>
+              <a:gd name="connsiteX31" fmla="*/ 2333595 w 10853928"/>
+              <a:gd name="connsiteY31" fmla="*/ 18288 h 18288"/>
+              <a:gd name="connsiteX32" fmla="*/ 1872303 w 10853928"/>
+              <a:gd name="connsiteY32" fmla="*/ 18288 h 18288"/>
+              <a:gd name="connsiteX33" fmla="*/ 976854 w 10853928"/>
+              <a:gd name="connsiteY33" fmla="*/ 18288 h 18288"/>
+              <a:gd name="connsiteX34" fmla="*/ 0 w 10853928"/>
+              <a:gd name="connsiteY34" fmla="*/ 18288 h 18288"/>
+              <a:gd name="connsiteX35" fmla="*/ 0 w 10853928"/>
+              <a:gd name="connsiteY35" fmla="*/ 0 h 18288"/>
+            </a:gdLst>
+            <a:ahLst/>
+            <a:cxnLst>
+              <a:cxn ang="0">
+                <a:pos x="connsiteX0" y="connsiteY0"/>
+              </a:cxn>
+              <a:cxn ang="0">
+                <a:pos x="connsiteX1" y="connsiteY1"/>
+              </a:cxn>
+              <a:cxn ang="0">
+                <a:pos x="connsiteX2" y="connsiteY2"/>
+              </a:cxn>
+              <a:cxn ang="0">
+                <a:pos x="connsiteX3" y="connsiteY3"/>
+              </a:cxn>
+              <a:cxn ang="0">
+                <a:pos x="connsiteX4" y="connsiteY4"/>
+              </a:cxn>
+              <a:cxn ang="0">
+                <a:pos x="connsiteX5" y="connsiteY5"/>
+              </a:cxn>
+              <a:cxn ang="0">
+                <a:pos x="connsiteX6" y="connsiteY6"/>
+              </a:cxn>
+              <a:cxn ang="0">
+                <a:pos x="connsiteX7" y="connsiteY7"/>
+              </a:cxn>
+              <a:cxn ang="0">
+                <a:pos x="connsiteX8" y="connsiteY8"/>
+              </a:cxn>
+              <a:cxn ang="0">
+                <a:pos x="connsiteX9" y="connsiteY9"/>
+              </a:cxn>
+              <a:cxn ang="0">
+                <a:pos x="connsiteX10" y="connsiteY10"/>
+              </a:cxn>
+              <a:cxn ang="0">
+                <a:pos x="connsiteX11" y="connsiteY11"/>
+              </a:cxn>
+              <a:cxn ang="0">
+                <a:pos x="connsiteX12" y="connsiteY12"/>
+              </a:cxn>
+              <a:cxn ang="0">
+                <a:pos x="connsiteX13" y="connsiteY13"/>
+              </a:cxn>
+              <a:cxn ang="0">
+                <a:pos x="connsiteX14" y="connsiteY14"/>
+              </a:cxn>
+              <a:cxn ang="0">
+                <a:pos x="connsiteX15" y="connsiteY15"/>
+              </a:cxn>
+              <a:cxn ang="0">
+                <a:pos x="connsiteX16" y="connsiteY16"/>
+              </a:cxn>
+              <a:cxn ang="0">
+                <a:pos x="connsiteX17" y="connsiteY17"/>
+              </a:cxn>
+              <a:cxn ang="0">
+                <a:pos x="connsiteX18" y="connsiteY18"/>
+              </a:cxn>
+              <a:cxn ang="0">
+                <a:pos x="connsiteX19" y="connsiteY19"/>
+              </a:cxn>
+              <a:cxn ang="0">
+                <a:pos x="connsiteX20" y="connsiteY20"/>
+              </a:cxn>
+              <a:cxn ang="0">
+                <a:pos x="connsiteX21" y="connsiteY21"/>
+              </a:cxn>
+              <a:cxn ang="0">
+                <a:pos x="connsiteX22" y="connsiteY22"/>
+              </a:cxn>
+              <a:cxn ang="0">
+                <a:pos x="connsiteX23" y="connsiteY23"/>
+              </a:cxn>
+              <a:cxn ang="0">
+                <a:pos x="connsiteX24" y="connsiteY24"/>
+              </a:cxn>
+              <a:cxn ang="0">
+                <a:pos x="connsiteX25" y="connsiteY25"/>
+              </a:cxn>
+              <a:cxn ang="0">
+                <a:pos x="connsiteX26" y="connsiteY26"/>
+              </a:cxn>
+              <a:cxn ang="0">
+                <a:pos x="connsiteX27" y="connsiteY27"/>
+              </a:cxn>
+              <a:cxn ang="0">
+                <a:pos x="connsiteX28" y="connsiteY28"/>
+              </a:cxn>
+              <a:cxn ang="0">
+                <a:pos x="connsiteX29" y="connsiteY29"/>
+              </a:cxn>
+              <a:cxn ang="0">
+                <a:pos x="connsiteX30" y="connsiteY30"/>
+              </a:cxn>
+              <a:cxn ang="0">
+                <a:pos x="connsiteX31" y="connsiteY31"/>
+              </a:cxn>
+              <a:cxn ang="0">
+                <a:pos x="connsiteX32" y="connsiteY32"/>
+              </a:cxn>
+              <a:cxn ang="0">
+                <a:pos x="connsiteX33" y="connsiteY33"/>
+              </a:cxn>
+              <a:cxn ang="0">
+                <a:pos x="connsiteX34" y="connsiteY34"/>
+              </a:cxn>
+              <a:cxn ang="0">
+                <a:pos x="connsiteX35" y="connsiteY35"/>
+              </a:cxn>
+            </a:cxnLst>
+            <a:rect l="l" t="t" r="r" b="b"/>
+            <a:pathLst>
+              <a:path w="10853928" h="18288" fill="none" extrusionOk="0">
+                <a:moveTo>
+                  <a:pt x="0" y="0"/>
+                </a:moveTo>
+                <a:cubicBezTo>
+                  <a:pt x="146993" y="-19076"/>
+                  <a:pt x="347684" y="-4790"/>
+                  <a:pt x="461292" y="0"/>
+                </a:cubicBezTo>
+                <a:cubicBezTo>
+                  <a:pt x="574900" y="4790"/>
+                  <a:pt x="808367" y="19821"/>
+                  <a:pt x="1139662" y="0"/>
+                </a:cubicBezTo>
+                <a:cubicBezTo>
+                  <a:pt x="1470957" y="-19821"/>
+                  <a:pt x="1627405" y="5721"/>
+                  <a:pt x="1926572" y="0"/>
+                </a:cubicBezTo>
+                <a:cubicBezTo>
+                  <a:pt x="2225739" y="-5721"/>
+                  <a:pt x="2137730" y="-3235"/>
+                  <a:pt x="2279325" y="0"/>
+                </a:cubicBezTo>
+                <a:cubicBezTo>
+                  <a:pt x="2420920" y="3235"/>
+                  <a:pt x="2456518" y="9685"/>
+                  <a:pt x="2632078" y="0"/>
+                </a:cubicBezTo>
+                <a:cubicBezTo>
+                  <a:pt x="2807638" y="-9685"/>
+                  <a:pt x="3211516" y="-43007"/>
+                  <a:pt x="3527527" y="0"/>
+                </a:cubicBezTo>
+                <a:cubicBezTo>
+                  <a:pt x="3843538" y="43007"/>
+                  <a:pt x="4058833" y="22042"/>
+                  <a:pt x="4205897" y="0"/>
+                </a:cubicBezTo>
+                <a:cubicBezTo>
+                  <a:pt x="4352961" y="-22042"/>
+                  <a:pt x="4474805" y="-11846"/>
+                  <a:pt x="4558650" y="0"/>
+                </a:cubicBezTo>
+                <a:cubicBezTo>
+                  <a:pt x="4642495" y="11846"/>
+                  <a:pt x="5041928" y="-6069"/>
+                  <a:pt x="5237020" y="0"/>
+                </a:cubicBezTo>
+                <a:cubicBezTo>
+                  <a:pt x="5432112" y="6069"/>
+                  <a:pt x="5943266" y="-17479"/>
+                  <a:pt x="6132469" y="0"/>
+                </a:cubicBezTo>
+                <a:cubicBezTo>
+                  <a:pt x="6321672" y="17479"/>
+                  <a:pt x="6483872" y="26234"/>
+                  <a:pt x="6702301" y="0"/>
+                </a:cubicBezTo>
+                <a:cubicBezTo>
+                  <a:pt x="6920730" y="-26234"/>
+                  <a:pt x="6991194" y="-15156"/>
+                  <a:pt x="7272132" y="0"/>
+                </a:cubicBezTo>
+                <a:cubicBezTo>
+                  <a:pt x="7553070" y="15156"/>
+                  <a:pt x="7684444" y="-32961"/>
+                  <a:pt x="7950502" y="0"/>
+                </a:cubicBezTo>
+                <a:cubicBezTo>
+                  <a:pt x="8216560" y="32961"/>
+                  <a:pt x="8493290" y="-10491"/>
+                  <a:pt x="8737412" y="0"/>
+                </a:cubicBezTo>
+                <a:cubicBezTo>
+                  <a:pt x="8981534" y="10491"/>
+                  <a:pt x="9191586" y="-13899"/>
+                  <a:pt x="9524322" y="0"/>
+                </a:cubicBezTo>
+                <a:cubicBezTo>
+                  <a:pt x="9857058" y="13899"/>
+                  <a:pt x="10297509" y="7485"/>
+                  <a:pt x="10853928" y="0"/>
+                </a:cubicBezTo>
+                <a:cubicBezTo>
+                  <a:pt x="10854574" y="4451"/>
+                  <a:pt x="10854418" y="9226"/>
+                  <a:pt x="10853928" y="18288"/>
+                </a:cubicBezTo>
+                <a:cubicBezTo>
+                  <a:pt x="10691638" y="28522"/>
+                  <a:pt x="10574319" y="29578"/>
+                  <a:pt x="10392636" y="18288"/>
+                </a:cubicBezTo>
+                <a:cubicBezTo>
+                  <a:pt x="10210953" y="6998"/>
+                  <a:pt x="9836277" y="-16742"/>
+                  <a:pt x="9497187" y="18288"/>
+                </a:cubicBezTo>
+                <a:cubicBezTo>
+                  <a:pt x="9158097" y="53318"/>
+                  <a:pt x="9119479" y="30714"/>
+                  <a:pt x="8818817" y="18288"/>
+                </a:cubicBezTo>
+                <a:cubicBezTo>
+                  <a:pt x="8518155" y="5863"/>
+                  <a:pt x="8640037" y="6483"/>
+                  <a:pt x="8466064" y="18288"/>
+                </a:cubicBezTo>
+                <a:cubicBezTo>
+                  <a:pt x="8292091" y="30093"/>
+                  <a:pt x="7997656" y="18914"/>
+                  <a:pt x="7787693" y="18288"/>
+                </a:cubicBezTo>
+                <a:cubicBezTo>
+                  <a:pt x="7577730" y="17662"/>
+                  <a:pt x="7412468" y="21416"/>
+                  <a:pt x="7217862" y="18288"/>
+                </a:cubicBezTo>
+                <a:cubicBezTo>
+                  <a:pt x="7023256" y="15160"/>
+                  <a:pt x="6898018" y="14824"/>
+                  <a:pt x="6648031" y="18288"/>
+                </a:cubicBezTo>
+                <a:cubicBezTo>
+                  <a:pt x="6398044" y="21752"/>
+                  <a:pt x="6254402" y="38625"/>
+                  <a:pt x="6078200" y="18288"/>
+                </a:cubicBezTo>
+                <a:cubicBezTo>
+                  <a:pt x="5901998" y="-2049"/>
+                  <a:pt x="5622886" y="3213"/>
+                  <a:pt x="5508368" y="18288"/>
+                </a:cubicBezTo>
+                <a:cubicBezTo>
+                  <a:pt x="5393850" y="33363"/>
+                  <a:pt x="5036260" y="26830"/>
+                  <a:pt x="4721459" y="18288"/>
+                </a:cubicBezTo>
+                <a:cubicBezTo>
+                  <a:pt x="4406658" y="9746"/>
+                  <a:pt x="4239221" y="41551"/>
+                  <a:pt x="4043088" y="18288"/>
+                </a:cubicBezTo>
+                <a:cubicBezTo>
+                  <a:pt x="3846955" y="-4975"/>
+                  <a:pt x="3818802" y="34658"/>
+                  <a:pt x="3690336" y="18288"/>
+                </a:cubicBezTo>
+                <a:cubicBezTo>
+                  <a:pt x="3561870" y="1918"/>
+                  <a:pt x="3265491" y="42194"/>
+                  <a:pt x="3120504" y="18288"/>
+                </a:cubicBezTo>
+                <a:cubicBezTo>
+                  <a:pt x="2975517" y="-5618"/>
+                  <a:pt x="2720254" y="36673"/>
+                  <a:pt x="2333595" y="18288"/>
+                </a:cubicBezTo>
+                <a:cubicBezTo>
+                  <a:pt x="1946936" y="-97"/>
+                  <a:pt x="2097241" y="5776"/>
+                  <a:pt x="1872303" y="18288"/>
+                </a:cubicBezTo>
+                <a:cubicBezTo>
+                  <a:pt x="1647365" y="30800"/>
+                  <a:pt x="1282708" y="45380"/>
+                  <a:pt x="976854" y="18288"/>
+                </a:cubicBezTo>
+                <a:cubicBezTo>
+                  <a:pt x="671000" y="-8804"/>
+                  <a:pt x="408401" y="-12775"/>
+                  <a:pt x="0" y="18288"/>
+                </a:cubicBezTo>
+                <a:cubicBezTo>
+                  <a:pt x="-213" y="9468"/>
+                  <a:pt x="187" y="4459"/>
+                  <a:pt x="0" y="0"/>
+                </a:cubicBezTo>
+                <a:close/>
+              </a:path>
+              <a:path w="10853928" h="18288" stroke="0" extrusionOk="0">
+                <a:moveTo>
+                  <a:pt x="0" y="0"/>
+                </a:moveTo>
+                <a:cubicBezTo>
+                  <a:pt x="267322" y="15284"/>
+                  <a:pt x="415388" y="-21048"/>
+                  <a:pt x="569831" y="0"/>
+                </a:cubicBezTo>
+                <a:cubicBezTo>
+                  <a:pt x="724274" y="21048"/>
+                  <a:pt x="769333" y="-2353"/>
+                  <a:pt x="922584" y="0"/>
+                </a:cubicBezTo>
+                <a:cubicBezTo>
+                  <a:pt x="1075835" y="2353"/>
+                  <a:pt x="1399490" y="-145"/>
+                  <a:pt x="1818033" y="0"/>
+                </a:cubicBezTo>
+                <a:cubicBezTo>
+                  <a:pt x="2236576" y="145"/>
+                  <a:pt x="2145330" y="5482"/>
+                  <a:pt x="2387864" y="0"/>
+                </a:cubicBezTo>
+                <a:cubicBezTo>
+                  <a:pt x="2630398" y="-5482"/>
+                  <a:pt x="2793207" y="18487"/>
+                  <a:pt x="2957695" y="0"/>
+                </a:cubicBezTo>
+                <a:cubicBezTo>
+                  <a:pt x="3122183" y="-18487"/>
+                  <a:pt x="3579141" y="19003"/>
+                  <a:pt x="3853144" y="0"/>
+                </a:cubicBezTo>
+                <a:cubicBezTo>
+                  <a:pt x="4127147" y="-19003"/>
+                  <a:pt x="4209857" y="12211"/>
+                  <a:pt x="4314436" y="0"/>
+                </a:cubicBezTo>
+                <a:cubicBezTo>
+                  <a:pt x="4419015" y="-12211"/>
+                  <a:pt x="4762459" y="-17220"/>
+                  <a:pt x="5209885" y="0"/>
+                </a:cubicBezTo>
+                <a:cubicBezTo>
+                  <a:pt x="5657311" y="17220"/>
+                  <a:pt x="5692663" y="-3290"/>
+                  <a:pt x="6105335" y="0"/>
+                </a:cubicBezTo>
+                <a:cubicBezTo>
+                  <a:pt x="6518007" y="3290"/>
+                  <a:pt x="6455516" y="-5124"/>
+                  <a:pt x="6783705" y="0"/>
+                </a:cubicBezTo>
+                <a:cubicBezTo>
+                  <a:pt x="7111894" y="5124"/>
+                  <a:pt x="7441941" y="-17829"/>
+                  <a:pt x="7679154" y="0"/>
+                </a:cubicBezTo>
+                <a:cubicBezTo>
+                  <a:pt x="7916367" y="17829"/>
+                  <a:pt x="8102967" y="-24363"/>
+                  <a:pt x="8248985" y="0"/>
+                </a:cubicBezTo>
+                <a:cubicBezTo>
+                  <a:pt x="8395003" y="24363"/>
+                  <a:pt x="8552393" y="25505"/>
+                  <a:pt x="8818817" y="0"/>
+                </a:cubicBezTo>
+                <a:cubicBezTo>
+                  <a:pt x="9085241" y="-25505"/>
+                  <a:pt x="9411308" y="38000"/>
+                  <a:pt x="9605726" y="0"/>
+                </a:cubicBezTo>
+                <a:cubicBezTo>
+                  <a:pt x="9800144" y="-38000"/>
+                  <a:pt x="10006468" y="-25741"/>
+                  <a:pt x="10175558" y="0"/>
+                </a:cubicBezTo>
+                <a:cubicBezTo>
+                  <a:pt x="10344648" y="25741"/>
+                  <a:pt x="10696282" y="695"/>
+                  <a:pt x="10853928" y="0"/>
+                </a:cubicBezTo>
+                <a:cubicBezTo>
+                  <a:pt x="10853521" y="8690"/>
+                  <a:pt x="10853774" y="14141"/>
+                  <a:pt x="10853928" y="18288"/>
+                </a:cubicBezTo>
+                <a:cubicBezTo>
+                  <a:pt x="10608124" y="24255"/>
+                  <a:pt x="10343415" y="22307"/>
+                  <a:pt x="10067018" y="18288"/>
+                </a:cubicBezTo>
+                <a:cubicBezTo>
+                  <a:pt x="9790621" y="14270"/>
+                  <a:pt x="9843266" y="3564"/>
+                  <a:pt x="9714266" y="18288"/>
+                </a:cubicBezTo>
+                <a:cubicBezTo>
+                  <a:pt x="9585266" y="33012"/>
+                  <a:pt x="9379484" y="1875"/>
+                  <a:pt x="9252974" y="18288"/>
+                </a:cubicBezTo>
+                <a:cubicBezTo>
+                  <a:pt x="9126464" y="34701"/>
+                  <a:pt x="8580678" y="-4904"/>
+                  <a:pt x="8357525" y="18288"/>
+                </a:cubicBezTo>
+                <a:cubicBezTo>
+                  <a:pt x="8134372" y="41480"/>
+                  <a:pt x="7903199" y="26458"/>
+                  <a:pt x="7679154" y="18288"/>
+                </a:cubicBezTo>
+                <a:cubicBezTo>
+                  <a:pt x="7455109" y="10118"/>
+                  <a:pt x="7435944" y="27109"/>
+                  <a:pt x="7217862" y="18288"/>
+                </a:cubicBezTo>
+                <a:cubicBezTo>
+                  <a:pt x="6999780" y="9467"/>
+                  <a:pt x="6680409" y="18985"/>
+                  <a:pt x="6539492" y="18288"/>
+                </a:cubicBezTo>
+                <a:cubicBezTo>
+                  <a:pt x="6398575" y="17592"/>
+                  <a:pt x="6312077" y="33018"/>
+                  <a:pt x="6186739" y="18288"/>
+                </a:cubicBezTo>
+                <a:cubicBezTo>
+                  <a:pt x="6061401" y="3558"/>
+                  <a:pt x="5947033" y="12075"/>
+                  <a:pt x="5833986" y="18288"/>
+                </a:cubicBezTo>
+                <a:cubicBezTo>
+                  <a:pt x="5720939" y="24501"/>
+                  <a:pt x="5482226" y="8586"/>
+                  <a:pt x="5155616" y="18288"/>
+                </a:cubicBezTo>
+                <a:cubicBezTo>
+                  <a:pt x="4829006" y="27991"/>
+                  <a:pt x="4841274" y="29316"/>
+                  <a:pt x="4694324" y="18288"/>
+                </a:cubicBezTo>
+                <a:cubicBezTo>
+                  <a:pt x="4547374" y="7260"/>
+                  <a:pt x="4077675" y="7013"/>
+                  <a:pt x="3907414" y="18288"/>
+                </a:cubicBezTo>
+                <a:cubicBezTo>
+                  <a:pt x="3737153" y="29564"/>
+                  <a:pt x="3538393" y="21630"/>
+                  <a:pt x="3446122" y="18288"/>
+                </a:cubicBezTo>
+                <a:cubicBezTo>
+                  <a:pt x="3353851" y="14946"/>
+                  <a:pt x="2990320" y="-8091"/>
+                  <a:pt x="2659212" y="18288"/>
+                </a:cubicBezTo>
+                <a:cubicBezTo>
+                  <a:pt x="2328104" y="44667"/>
+                  <a:pt x="2427653" y="9607"/>
+                  <a:pt x="2306460" y="18288"/>
+                </a:cubicBezTo>
+                <a:cubicBezTo>
+                  <a:pt x="2185267" y="26969"/>
+                  <a:pt x="1719763" y="3717"/>
+                  <a:pt x="1519550" y="18288"/>
+                </a:cubicBezTo>
+                <a:cubicBezTo>
+                  <a:pt x="1319337" y="32860"/>
+                  <a:pt x="1167371" y="17040"/>
+                  <a:pt x="1058258" y="18288"/>
+                </a:cubicBezTo>
+                <a:cubicBezTo>
+                  <a:pt x="949145" y="19536"/>
+                  <a:pt x="780234" y="31447"/>
+                  <a:pt x="705505" y="18288"/>
+                </a:cubicBezTo>
+                <a:cubicBezTo>
+                  <a:pt x="630776" y="5129"/>
+                  <a:pt x="215796" y="30056"/>
+                  <a:pt x="0" y="18288"/>
+                </a:cubicBezTo>
+                <a:cubicBezTo>
+                  <a:pt x="-53" y="11301"/>
+                  <a:pt x="-649" y="7756"/>
+                  <a:pt x="0" y="0"/>
+                </a:cubicBezTo>
+                <a:close/>
+              </a:path>
+            </a:pathLst>
+          </a:custGeom>
+          <a:solidFill>
+            <a:schemeClr val="accent2"/>
+          </a:solidFill>
+          <a:ln w="41275" cap="rnd">
+            <a:solidFill>
+              <a:schemeClr val="accent2"/>
+            </a:solidFill>
+            <a:round/>
+            <a:extLst>
+              <a:ext uri="{C807C97D-BFC1-408E-A445-0C87EB9F89A2}">
+                <ask:lineSketchStyleProps xmlns:ask="http://schemas.microsoft.com/office/drawing/2018/sketchyshapes" sd="1219033472">
+                  <a:prstGeom prst="rect">
+                    <a:avLst/>
+                  </a:prstGeom>
+                  <ask:type>
+                    <ask:lineSketchFreehand/>
+                  </ask:type>
+                </ask:lineSketchStyleProps>
+              </a:ext>
+            </a:extLst>
+          </a:ln>
+        </p:spPr>
+        <p:style>
+          <a:lnRef idx="2">
+            <a:schemeClr val="accent1">
+              <a:shade val="50000"/>
+            </a:schemeClr>
+          </a:lnRef>
+          <a:fillRef idx="1">
+            <a:schemeClr val="accent1"/>
+          </a:fillRef>
+          <a:effectRef idx="0">
+            <a:schemeClr val="accent1"/>
+          </a:effectRef>
+          <a:fontRef idx="minor">
+            <a:schemeClr val="lt1"/>
+          </a:fontRef>
+        </p:style>
+        <p:txBody>
+          <a:bodyPr rtlCol="0" anchor="ctr"/>
+          <a:lstStyle/>
+          <a:p>
+            <a:pPr algn="ctr"/>
+            <a:endParaRPr lang="en-US"/>
           </a:p>
         </p:txBody>
       </p:sp>
@@ -6381,9 +9325,16 @@
             <p:ph idx="1"/>
           </p:nvPr>
         </p:nvSpPr>
-        <p:spPr/>
+        <p:spPr>
+          <a:xfrm>
+            <a:off x="838200" y="1929384"/>
+            <a:ext cx="10515600" cy="4251960"/>
+          </a:xfrm>
+        </p:spPr>
         <p:txBody>
-          <a:bodyPr/>
+          <a:bodyPr>
+            <a:normAutofit/>
+          </a:bodyPr>
           <a:lstStyle/>
           <a:p>
             <a:r>
@@ -6400,7 +9351,7 @@
           <a:p>
             <a:pPr lvl="1"/>
             <a:r>
-              <a:rPr lang="en-US" dirty="0">
+              <a:rPr lang="en-US" sz="2800" dirty="0">
                 <a:solidFill>
                   <a:schemeClr val="accent5">
                     <a:lumMod val="75000"/>
@@ -6414,7 +9365,7 @@
             <a:pPr marL="457200" lvl="1" indent="0">
               <a:buNone/>
             </a:pPr>
-            <a:endParaRPr lang="en-US" dirty="0">
+            <a:endParaRPr lang="en-US" sz="2800" dirty="0">
               <a:solidFill>
                 <a:schemeClr val="accent5">
                   <a:lumMod val="75000"/>
@@ -6460,6 +9411,42 @@
           </a:p>
         </p:txBody>
       </p:sp>
+      <p:pic>
+        <p:nvPicPr>
+          <p:cNvPr id="7" name="Picture 6" descr="A logo with a purple and white design&#10;&#10;Description automatically generated">
+            <a:extLst>
+              <a:ext uri="{FF2B5EF4-FFF2-40B4-BE49-F238E27FC236}">
+                <a16:creationId xmlns:a16="http://schemas.microsoft.com/office/drawing/2014/main" id="{A7D16336-DD93-C3D0-B79C-7406128F7335}"/>
+              </a:ext>
+            </a:extLst>
+          </p:cNvPr>
+          <p:cNvPicPr>
+            <a:picLocks noChangeAspect="1"/>
+          </p:cNvPicPr>
+          <p:nvPr/>
+        </p:nvPicPr>
+        <p:blipFill>
+          <a:blip r:embed="rId3">
+            <a:extLst>
+              <a:ext uri="{28A0092B-C50C-407E-A947-70E740481C1C}">
+                <a14:useLocalDpi xmlns:a14="http://schemas.microsoft.com/office/drawing/2010/main" val="0"/>
+              </a:ext>
+            </a:extLst>
+          </a:blip>
+          <a:stretch>
+            <a:fillRect/>
+          </a:stretch>
+        </p:blipFill>
+        <p:spPr>
+          <a:xfrm>
+            <a:off x="7291552" y="2352819"/>
+            <a:ext cx="4062248" cy="4062248"/>
+          </a:xfrm>
+          <a:prstGeom prst="rect">
+            <a:avLst/>
+          </a:prstGeom>
+        </p:spPr>
+      </p:pic>
     </p:spTree>
     <p:extLst>
       <p:ext uri="{BB962C8B-B14F-4D97-AF65-F5344CB8AC3E}">
@@ -7121,6 +10108,14 @@
 <file path=ppt/slides/slide2.xml><?xml version="1.0" encoding="utf-8"?>
 <p:sld xmlns:a="http://schemas.openxmlformats.org/drawingml/2006/main" xmlns:r="http://schemas.openxmlformats.org/officeDocument/2006/relationships" xmlns:p="http://schemas.openxmlformats.org/presentationml/2006/main">
   <p:cSld>
+    <p:bg>
+      <p:bgPr>
+        <a:solidFill>
+          <a:schemeClr val="bg1"/>
+        </a:solidFill>
+        <a:effectLst/>
+      </p:bgPr>
+    </p:bg>
     <p:spTree>
       <p:nvGrpSpPr>
         <p:cNvPr id="1" name=""/>
@@ -7135,6 +10130,66 @@
           <a:chExt cx="0" cy="0"/>
         </a:xfrm>
       </p:grpSpPr>
+      <p:sp useBgFill="1">
+        <p:nvSpPr>
+          <p:cNvPr id="8" name="Rectangle 7">
+            <a:extLst>
+              <a:ext uri="{FF2B5EF4-FFF2-40B4-BE49-F238E27FC236}">
+                <a16:creationId xmlns:a16="http://schemas.microsoft.com/office/drawing/2014/main" id="{100EDD19-6802-4EC3-95CE-CFFAB042CFD6}"/>
+              </a:ext>
+              <a:ext uri="{C183D7F6-B498-43B3-948B-1728B52AA6E4}">
+                <adec:decorative xmlns:adec="http://schemas.microsoft.com/office/drawing/2017/decorative" val="1"/>
+              </a:ext>
+            </a:extLst>
+          </p:cNvPr>
+          <p:cNvSpPr>
+            <a:spLocks noGrp="1" noRot="1" noChangeAspect="1" noMove="1" noResize="1" noEditPoints="1" noAdjustHandles="1" noChangeArrowheads="1" noChangeShapeType="1" noTextEdit="1"/>
+          </p:cNvSpPr>
+          <p:nvPr>
+            <p:extLst>
+              <p:ext uri="{386F3935-93C4-4BCD-93E2-E3B085C9AB24}">
+                <p16:designElem xmlns:p16="http://schemas.microsoft.com/office/powerpoint/2015/main" val="1"/>
+              </p:ext>
+            </p:extLst>
+          </p:nvPr>
+        </p:nvSpPr>
+        <p:spPr>
+          <a:xfrm>
+            <a:off x="0" y="0"/>
+            <a:ext cx="12188952" cy="6858000"/>
+          </a:xfrm>
+          <a:prstGeom prst="rect">
+            <a:avLst/>
+          </a:prstGeom>
+          <a:ln>
+            <a:noFill/>
+          </a:ln>
+        </p:spPr>
+        <p:style>
+          <a:lnRef idx="2">
+            <a:schemeClr val="accent1">
+              <a:shade val="50000"/>
+            </a:schemeClr>
+          </a:lnRef>
+          <a:fillRef idx="1">
+            <a:schemeClr val="accent1"/>
+          </a:fillRef>
+          <a:effectRef idx="0">
+            <a:schemeClr val="accent1"/>
+          </a:effectRef>
+          <a:fontRef idx="minor">
+            <a:schemeClr val="lt1"/>
+          </a:fontRef>
+        </p:style>
+        <p:txBody>
+          <a:bodyPr rtlCol="0" anchor="ctr"/>
+          <a:lstStyle/>
+          <a:p>
+            <a:pPr algn="ctr"/>
+            <a:endParaRPr lang="en-US"/>
+          </a:p>
+        </p:txBody>
+      </p:sp>
       <p:sp>
         <p:nvSpPr>
           <p:cNvPr id="2" name="Title 1">
@@ -7151,15 +10206,660 @@
             <p:ph type="title"/>
           </p:nvPr>
         </p:nvSpPr>
-        <p:spPr/>
+        <p:spPr>
+          <a:xfrm>
+            <a:off x="838200" y="365125"/>
+            <a:ext cx="10515600" cy="1325563"/>
+          </a:xfrm>
+        </p:spPr>
         <p:txBody>
-          <a:bodyPr/>
+          <a:bodyPr>
+            <a:normAutofit/>
+          </a:bodyPr>
           <a:lstStyle/>
           <a:p>
             <a:r>
-              <a:rPr lang="en-US" dirty="0"/>
+              <a:rPr lang="en-US" sz="5400"/>
               <a:t>Problem Statement</a:t>
             </a:r>
+          </a:p>
+        </p:txBody>
+      </p:sp>
+      <p:sp>
+        <p:nvSpPr>
+          <p:cNvPr id="10" name="sketch line">
+            <a:extLst>
+              <a:ext uri="{FF2B5EF4-FFF2-40B4-BE49-F238E27FC236}">
+                <a16:creationId xmlns:a16="http://schemas.microsoft.com/office/drawing/2014/main" id="{DB17E863-922E-4C26-BD64-E8FD41D28661}"/>
+              </a:ext>
+              <a:ext uri="{C183D7F6-B498-43B3-948B-1728B52AA6E4}">
+                <adec:decorative xmlns:adec="http://schemas.microsoft.com/office/drawing/2017/decorative" val="1"/>
+              </a:ext>
+            </a:extLst>
+          </p:cNvPr>
+          <p:cNvSpPr>
+            <a:spLocks noGrp="1" noRot="1" noChangeAspect="1" noMove="1" noResize="1" noEditPoints="1" noAdjustHandles="1" noChangeArrowheads="1" noChangeShapeType="1" noTextEdit="1"/>
+          </p:cNvSpPr>
+          <p:nvPr>
+            <p:extLst>
+              <p:ext uri="{386F3935-93C4-4BCD-93E2-E3B085C9AB24}">
+                <p16:designElem xmlns:p16="http://schemas.microsoft.com/office/powerpoint/2015/main" val="1"/>
+              </p:ext>
+            </p:extLst>
+          </p:nvPr>
+        </p:nvSpPr>
+        <p:spPr>
+          <a:xfrm>
+            <a:off x="669036" y="1677373"/>
+            <a:ext cx="10853928" cy="18288"/>
+          </a:xfrm>
+          <a:custGeom>
+            <a:avLst/>
+            <a:gdLst>
+              <a:gd name="connsiteX0" fmla="*/ 0 w 10853928"/>
+              <a:gd name="connsiteY0" fmla="*/ 0 h 18288"/>
+              <a:gd name="connsiteX1" fmla="*/ 461292 w 10853928"/>
+              <a:gd name="connsiteY1" fmla="*/ 0 h 18288"/>
+              <a:gd name="connsiteX2" fmla="*/ 1139662 w 10853928"/>
+              <a:gd name="connsiteY2" fmla="*/ 0 h 18288"/>
+              <a:gd name="connsiteX3" fmla="*/ 1926572 w 10853928"/>
+              <a:gd name="connsiteY3" fmla="*/ 0 h 18288"/>
+              <a:gd name="connsiteX4" fmla="*/ 2279325 w 10853928"/>
+              <a:gd name="connsiteY4" fmla="*/ 0 h 18288"/>
+              <a:gd name="connsiteX5" fmla="*/ 2632078 w 10853928"/>
+              <a:gd name="connsiteY5" fmla="*/ 0 h 18288"/>
+              <a:gd name="connsiteX6" fmla="*/ 3527527 w 10853928"/>
+              <a:gd name="connsiteY6" fmla="*/ 0 h 18288"/>
+              <a:gd name="connsiteX7" fmla="*/ 4205897 w 10853928"/>
+              <a:gd name="connsiteY7" fmla="*/ 0 h 18288"/>
+              <a:gd name="connsiteX8" fmla="*/ 4558650 w 10853928"/>
+              <a:gd name="connsiteY8" fmla="*/ 0 h 18288"/>
+              <a:gd name="connsiteX9" fmla="*/ 5237020 w 10853928"/>
+              <a:gd name="connsiteY9" fmla="*/ 0 h 18288"/>
+              <a:gd name="connsiteX10" fmla="*/ 6132469 w 10853928"/>
+              <a:gd name="connsiteY10" fmla="*/ 0 h 18288"/>
+              <a:gd name="connsiteX11" fmla="*/ 6702301 w 10853928"/>
+              <a:gd name="connsiteY11" fmla="*/ 0 h 18288"/>
+              <a:gd name="connsiteX12" fmla="*/ 7272132 w 10853928"/>
+              <a:gd name="connsiteY12" fmla="*/ 0 h 18288"/>
+              <a:gd name="connsiteX13" fmla="*/ 7950502 w 10853928"/>
+              <a:gd name="connsiteY13" fmla="*/ 0 h 18288"/>
+              <a:gd name="connsiteX14" fmla="*/ 8737412 w 10853928"/>
+              <a:gd name="connsiteY14" fmla="*/ 0 h 18288"/>
+              <a:gd name="connsiteX15" fmla="*/ 9524322 w 10853928"/>
+              <a:gd name="connsiteY15" fmla="*/ 0 h 18288"/>
+              <a:gd name="connsiteX16" fmla="*/ 10853928 w 10853928"/>
+              <a:gd name="connsiteY16" fmla="*/ 0 h 18288"/>
+              <a:gd name="connsiteX17" fmla="*/ 10853928 w 10853928"/>
+              <a:gd name="connsiteY17" fmla="*/ 18288 h 18288"/>
+              <a:gd name="connsiteX18" fmla="*/ 10392636 w 10853928"/>
+              <a:gd name="connsiteY18" fmla="*/ 18288 h 18288"/>
+              <a:gd name="connsiteX19" fmla="*/ 9497187 w 10853928"/>
+              <a:gd name="connsiteY19" fmla="*/ 18288 h 18288"/>
+              <a:gd name="connsiteX20" fmla="*/ 8818817 w 10853928"/>
+              <a:gd name="connsiteY20" fmla="*/ 18288 h 18288"/>
+              <a:gd name="connsiteX21" fmla="*/ 8466064 w 10853928"/>
+              <a:gd name="connsiteY21" fmla="*/ 18288 h 18288"/>
+              <a:gd name="connsiteX22" fmla="*/ 7787693 w 10853928"/>
+              <a:gd name="connsiteY22" fmla="*/ 18288 h 18288"/>
+              <a:gd name="connsiteX23" fmla="*/ 7217862 w 10853928"/>
+              <a:gd name="connsiteY23" fmla="*/ 18288 h 18288"/>
+              <a:gd name="connsiteX24" fmla="*/ 6648031 w 10853928"/>
+              <a:gd name="connsiteY24" fmla="*/ 18288 h 18288"/>
+              <a:gd name="connsiteX25" fmla="*/ 6078200 w 10853928"/>
+              <a:gd name="connsiteY25" fmla="*/ 18288 h 18288"/>
+              <a:gd name="connsiteX26" fmla="*/ 5508368 w 10853928"/>
+              <a:gd name="connsiteY26" fmla="*/ 18288 h 18288"/>
+              <a:gd name="connsiteX27" fmla="*/ 4721459 w 10853928"/>
+              <a:gd name="connsiteY27" fmla="*/ 18288 h 18288"/>
+              <a:gd name="connsiteX28" fmla="*/ 4043088 w 10853928"/>
+              <a:gd name="connsiteY28" fmla="*/ 18288 h 18288"/>
+              <a:gd name="connsiteX29" fmla="*/ 3690336 w 10853928"/>
+              <a:gd name="connsiteY29" fmla="*/ 18288 h 18288"/>
+              <a:gd name="connsiteX30" fmla="*/ 3120504 w 10853928"/>
+              <a:gd name="connsiteY30" fmla="*/ 18288 h 18288"/>
+              <a:gd name="connsiteX31" fmla="*/ 2333595 w 10853928"/>
+              <a:gd name="connsiteY31" fmla="*/ 18288 h 18288"/>
+              <a:gd name="connsiteX32" fmla="*/ 1872303 w 10853928"/>
+              <a:gd name="connsiteY32" fmla="*/ 18288 h 18288"/>
+              <a:gd name="connsiteX33" fmla="*/ 976854 w 10853928"/>
+              <a:gd name="connsiteY33" fmla="*/ 18288 h 18288"/>
+              <a:gd name="connsiteX34" fmla="*/ 0 w 10853928"/>
+              <a:gd name="connsiteY34" fmla="*/ 18288 h 18288"/>
+              <a:gd name="connsiteX35" fmla="*/ 0 w 10853928"/>
+              <a:gd name="connsiteY35" fmla="*/ 0 h 18288"/>
+            </a:gdLst>
+            <a:ahLst/>
+            <a:cxnLst>
+              <a:cxn ang="0">
+                <a:pos x="connsiteX0" y="connsiteY0"/>
+              </a:cxn>
+              <a:cxn ang="0">
+                <a:pos x="connsiteX1" y="connsiteY1"/>
+              </a:cxn>
+              <a:cxn ang="0">
+                <a:pos x="connsiteX2" y="connsiteY2"/>
+              </a:cxn>
+              <a:cxn ang="0">
+                <a:pos x="connsiteX3" y="connsiteY3"/>
+              </a:cxn>
+              <a:cxn ang="0">
+                <a:pos x="connsiteX4" y="connsiteY4"/>
+              </a:cxn>
+              <a:cxn ang="0">
+                <a:pos x="connsiteX5" y="connsiteY5"/>
+              </a:cxn>
+              <a:cxn ang="0">
+                <a:pos x="connsiteX6" y="connsiteY6"/>
+              </a:cxn>
+              <a:cxn ang="0">
+                <a:pos x="connsiteX7" y="connsiteY7"/>
+              </a:cxn>
+              <a:cxn ang="0">
+                <a:pos x="connsiteX8" y="connsiteY8"/>
+              </a:cxn>
+              <a:cxn ang="0">
+                <a:pos x="connsiteX9" y="connsiteY9"/>
+              </a:cxn>
+              <a:cxn ang="0">
+                <a:pos x="connsiteX10" y="connsiteY10"/>
+              </a:cxn>
+              <a:cxn ang="0">
+                <a:pos x="connsiteX11" y="connsiteY11"/>
+              </a:cxn>
+              <a:cxn ang="0">
+                <a:pos x="connsiteX12" y="connsiteY12"/>
+              </a:cxn>
+              <a:cxn ang="0">
+                <a:pos x="connsiteX13" y="connsiteY13"/>
+              </a:cxn>
+              <a:cxn ang="0">
+                <a:pos x="connsiteX14" y="connsiteY14"/>
+              </a:cxn>
+              <a:cxn ang="0">
+                <a:pos x="connsiteX15" y="connsiteY15"/>
+              </a:cxn>
+              <a:cxn ang="0">
+                <a:pos x="connsiteX16" y="connsiteY16"/>
+              </a:cxn>
+              <a:cxn ang="0">
+                <a:pos x="connsiteX17" y="connsiteY17"/>
+              </a:cxn>
+              <a:cxn ang="0">
+                <a:pos x="connsiteX18" y="connsiteY18"/>
+              </a:cxn>
+              <a:cxn ang="0">
+                <a:pos x="connsiteX19" y="connsiteY19"/>
+              </a:cxn>
+              <a:cxn ang="0">
+                <a:pos x="connsiteX20" y="connsiteY20"/>
+              </a:cxn>
+              <a:cxn ang="0">
+                <a:pos x="connsiteX21" y="connsiteY21"/>
+              </a:cxn>
+              <a:cxn ang="0">
+                <a:pos x="connsiteX22" y="connsiteY22"/>
+              </a:cxn>
+              <a:cxn ang="0">
+                <a:pos x="connsiteX23" y="connsiteY23"/>
+              </a:cxn>
+              <a:cxn ang="0">
+                <a:pos x="connsiteX24" y="connsiteY24"/>
+              </a:cxn>
+              <a:cxn ang="0">
+                <a:pos x="connsiteX25" y="connsiteY25"/>
+              </a:cxn>
+              <a:cxn ang="0">
+                <a:pos x="connsiteX26" y="connsiteY26"/>
+              </a:cxn>
+              <a:cxn ang="0">
+                <a:pos x="connsiteX27" y="connsiteY27"/>
+              </a:cxn>
+              <a:cxn ang="0">
+                <a:pos x="connsiteX28" y="connsiteY28"/>
+              </a:cxn>
+              <a:cxn ang="0">
+                <a:pos x="connsiteX29" y="connsiteY29"/>
+              </a:cxn>
+              <a:cxn ang="0">
+                <a:pos x="connsiteX30" y="connsiteY30"/>
+              </a:cxn>
+              <a:cxn ang="0">
+                <a:pos x="connsiteX31" y="connsiteY31"/>
+              </a:cxn>
+              <a:cxn ang="0">
+                <a:pos x="connsiteX32" y="connsiteY32"/>
+              </a:cxn>
+              <a:cxn ang="0">
+                <a:pos x="connsiteX33" y="connsiteY33"/>
+              </a:cxn>
+              <a:cxn ang="0">
+                <a:pos x="connsiteX34" y="connsiteY34"/>
+              </a:cxn>
+              <a:cxn ang="0">
+                <a:pos x="connsiteX35" y="connsiteY35"/>
+              </a:cxn>
+            </a:cxnLst>
+            <a:rect l="l" t="t" r="r" b="b"/>
+            <a:pathLst>
+              <a:path w="10853928" h="18288" fill="none" extrusionOk="0">
+                <a:moveTo>
+                  <a:pt x="0" y="0"/>
+                </a:moveTo>
+                <a:cubicBezTo>
+                  <a:pt x="146993" y="-19076"/>
+                  <a:pt x="347684" y="-4790"/>
+                  <a:pt x="461292" y="0"/>
+                </a:cubicBezTo>
+                <a:cubicBezTo>
+                  <a:pt x="574900" y="4790"/>
+                  <a:pt x="808367" y="19821"/>
+                  <a:pt x="1139662" y="0"/>
+                </a:cubicBezTo>
+                <a:cubicBezTo>
+                  <a:pt x="1470957" y="-19821"/>
+                  <a:pt x="1627405" y="5721"/>
+                  <a:pt x="1926572" y="0"/>
+                </a:cubicBezTo>
+                <a:cubicBezTo>
+                  <a:pt x="2225739" y="-5721"/>
+                  <a:pt x="2137730" y="-3235"/>
+                  <a:pt x="2279325" y="0"/>
+                </a:cubicBezTo>
+                <a:cubicBezTo>
+                  <a:pt x="2420920" y="3235"/>
+                  <a:pt x="2456518" y="9685"/>
+                  <a:pt x="2632078" y="0"/>
+                </a:cubicBezTo>
+                <a:cubicBezTo>
+                  <a:pt x="2807638" y="-9685"/>
+                  <a:pt x="3211516" y="-43007"/>
+                  <a:pt x="3527527" y="0"/>
+                </a:cubicBezTo>
+                <a:cubicBezTo>
+                  <a:pt x="3843538" y="43007"/>
+                  <a:pt x="4058833" y="22042"/>
+                  <a:pt x="4205897" y="0"/>
+                </a:cubicBezTo>
+                <a:cubicBezTo>
+                  <a:pt x="4352961" y="-22042"/>
+                  <a:pt x="4474805" y="-11846"/>
+                  <a:pt x="4558650" y="0"/>
+                </a:cubicBezTo>
+                <a:cubicBezTo>
+                  <a:pt x="4642495" y="11846"/>
+                  <a:pt x="5041928" y="-6069"/>
+                  <a:pt x="5237020" y="0"/>
+                </a:cubicBezTo>
+                <a:cubicBezTo>
+                  <a:pt x="5432112" y="6069"/>
+                  <a:pt x="5943266" y="-17479"/>
+                  <a:pt x="6132469" y="0"/>
+                </a:cubicBezTo>
+                <a:cubicBezTo>
+                  <a:pt x="6321672" y="17479"/>
+                  <a:pt x="6483872" y="26234"/>
+                  <a:pt x="6702301" y="0"/>
+                </a:cubicBezTo>
+                <a:cubicBezTo>
+                  <a:pt x="6920730" y="-26234"/>
+                  <a:pt x="6991194" y="-15156"/>
+                  <a:pt x="7272132" y="0"/>
+                </a:cubicBezTo>
+                <a:cubicBezTo>
+                  <a:pt x="7553070" y="15156"/>
+                  <a:pt x="7684444" y="-32961"/>
+                  <a:pt x="7950502" y="0"/>
+                </a:cubicBezTo>
+                <a:cubicBezTo>
+                  <a:pt x="8216560" y="32961"/>
+                  <a:pt x="8493290" y="-10491"/>
+                  <a:pt x="8737412" y="0"/>
+                </a:cubicBezTo>
+                <a:cubicBezTo>
+                  <a:pt x="8981534" y="10491"/>
+                  <a:pt x="9191586" y="-13899"/>
+                  <a:pt x="9524322" y="0"/>
+                </a:cubicBezTo>
+                <a:cubicBezTo>
+                  <a:pt x="9857058" y="13899"/>
+                  <a:pt x="10297509" y="7485"/>
+                  <a:pt x="10853928" y="0"/>
+                </a:cubicBezTo>
+                <a:cubicBezTo>
+                  <a:pt x="10854574" y="4451"/>
+                  <a:pt x="10854418" y="9226"/>
+                  <a:pt x="10853928" y="18288"/>
+                </a:cubicBezTo>
+                <a:cubicBezTo>
+                  <a:pt x="10691638" y="28522"/>
+                  <a:pt x="10574319" y="29578"/>
+                  <a:pt x="10392636" y="18288"/>
+                </a:cubicBezTo>
+                <a:cubicBezTo>
+                  <a:pt x="10210953" y="6998"/>
+                  <a:pt x="9836277" y="-16742"/>
+                  <a:pt x="9497187" y="18288"/>
+                </a:cubicBezTo>
+                <a:cubicBezTo>
+                  <a:pt x="9158097" y="53318"/>
+                  <a:pt x="9119479" y="30714"/>
+                  <a:pt x="8818817" y="18288"/>
+                </a:cubicBezTo>
+                <a:cubicBezTo>
+                  <a:pt x="8518155" y="5863"/>
+                  <a:pt x="8640037" y="6483"/>
+                  <a:pt x="8466064" y="18288"/>
+                </a:cubicBezTo>
+                <a:cubicBezTo>
+                  <a:pt x="8292091" y="30093"/>
+                  <a:pt x="7997656" y="18914"/>
+                  <a:pt x="7787693" y="18288"/>
+                </a:cubicBezTo>
+                <a:cubicBezTo>
+                  <a:pt x="7577730" y="17662"/>
+                  <a:pt x="7412468" y="21416"/>
+                  <a:pt x="7217862" y="18288"/>
+                </a:cubicBezTo>
+                <a:cubicBezTo>
+                  <a:pt x="7023256" y="15160"/>
+                  <a:pt x="6898018" y="14824"/>
+                  <a:pt x="6648031" y="18288"/>
+                </a:cubicBezTo>
+                <a:cubicBezTo>
+                  <a:pt x="6398044" y="21752"/>
+                  <a:pt x="6254402" y="38625"/>
+                  <a:pt x="6078200" y="18288"/>
+                </a:cubicBezTo>
+                <a:cubicBezTo>
+                  <a:pt x="5901998" y="-2049"/>
+                  <a:pt x="5622886" y="3213"/>
+                  <a:pt x="5508368" y="18288"/>
+                </a:cubicBezTo>
+                <a:cubicBezTo>
+                  <a:pt x="5393850" y="33363"/>
+                  <a:pt x="5036260" y="26830"/>
+                  <a:pt x="4721459" y="18288"/>
+                </a:cubicBezTo>
+                <a:cubicBezTo>
+                  <a:pt x="4406658" y="9746"/>
+                  <a:pt x="4239221" y="41551"/>
+                  <a:pt x="4043088" y="18288"/>
+                </a:cubicBezTo>
+                <a:cubicBezTo>
+                  <a:pt x="3846955" y="-4975"/>
+                  <a:pt x="3818802" y="34658"/>
+                  <a:pt x="3690336" y="18288"/>
+                </a:cubicBezTo>
+                <a:cubicBezTo>
+                  <a:pt x="3561870" y="1918"/>
+                  <a:pt x="3265491" y="42194"/>
+                  <a:pt x="3120504" y="18288"/>
+                </a:cubicBezTo>
+                <a:cubicBezTo>
+                  <a:pt x="2975517" y="-5618"/>
+                  <a:pt x="2720254" y="36673"/>
+                  <a:pt x="2333595" y="18288"/>
+                </a:cubicBezTo>
+                <a:cubicBezTo>
+                  <a:pt x="1946936" y="-97"/>
+                  <a:pt x="2097241" y="5776"/>
+                  <a:pt x="1872303" y="18288"/>
+                </a:cubicBezTo>
+                <a:cubicBezTo>
+                  <a:pt x="1647365" y="30800"/>
+                  <a:pt x="1282708" y="45380"/>
+                  <a:pt x="976854" y="18288"/>
+                </a:cubicBezTo>
+                <a:cubicBezTo>
+                  <a:pt x="671000" y="-8804"/>
+                  <a:pt x="408401" y="-12775"/>
+                  <a:pt x="0" y="18288"/>
+                </a:cubicBezTo>
+                <a:cubicBezTo>
+                  <a:pt x="-213" y="9468"/>
+                  <a:pt x="187" y="4459"/>
+                  <a:pt x="0" y="0"/>
+                </a:cubicBezTo>
+                <a:close/>
+              </a:path>
+              <a:path w="10853928" h="18288" stroke="0" extrusionOk="0">
+                <a:moveTo>
+                  <a:pt x="0" y="0"/>
+                </a:moveTo>
+                <a:cubicBezTo>
+                  <a:pt x="267322" y="15284"/>
+                  <a:pt x="415388" y="-21048"/>
+                  <a:pt x="569831" y="0"/>
+                </a:cubicBezTo>
+                <a:cubicBezTo>
+                  <a:pt x="724274" y="21048"/>
+                  <a:pt x="769333" y="-2353"/>
+                  <a:pt x="922584" y="0"/>
+                </a:cubicBezTo>
+                <a:cubicBezTo>
+                  <a:pt x="1075835" y="2353"/>
+                  <a:pt x="1399490" y="-145"/>
+                  <a:pt x="1818033" y="0"/>
+                </a:cubicBezTo>
+                <a:cubicBezTo>
+                  <a:pt x="2236576" y="145"/>
+                  <a:pt x="2145330" y="5482"/>
+                  <a:pt x="2387864" y="0"/>
+                </a:cubicBezTo>
+                <a:cubicBezTo>
+                  <a:pt x="2630398" y="-5482"/>
+                  <a:pt x="2793207" y="18487"/>
+                  <a:pt x="2957695" y="0"/>
+                </a:cubicBezTo>
+                <a:cubicBezTo>
+                  <a:pt x="3122183" y="-18487"/>
+                  <a:pt x="3579141" y="19003"/>
+                  <a:pt x="3853144" y="0"/>
+                </a:cubicBezTo>
+                <a:cubicBezTo>
+                  <a:pt x="4127147" y="-19003"/>
+                  <a:pt x="4209857" y="12211"/>
+                  <a:pt x="4314436" y="0"/>
+                </a:cubicBezTo>
+                <a:cubicBezTo>
+                  <a:pt x="4419015" y="-12211"/>
+                  <a:pt x="4762459" y="-17220"/>
+                  <a:pt x="5209885" y="0"/>
+                </a:cubicBezTo>
+                <a:cubicBezTo>
+                  <a:pt x="5657311" y="17220"/>
+                  <a:pt x="5692663" y="-3290"/>
+                  <a:pt x="6105335" y="0"/>
+                </a:cubicBezTo>
+                <a:cubicBezTo>
+                  <a:pt x="6518007" y="3290"/>
+                  <a:pt x="6455516" y="-5124"/>
+                  <a:pt x="6783705" y="0"/>
+                </a:cubicBezTo>
+                <a:cubicBezTo>
+                  <a:pt x="7111894" y="5124"/>
+                  <a:pt x="7441941" y="-17829"/>
+                  <a:pt x="7679154" y="0"/>
+                </a:cubicBezTo>
+                <a:cubicBezTo>
+                  <a:pt x="7916367" y="17829"/>
+                  <a:pt x="8102967" y="-24363"/>
+                  <a:pt x="8248985" y="0"/>
+                </a:cubicBezTo>
+                <a:cubicBezTo>
+                  <a:pt x="8395003" y="24363"/>
+                  <a:pt x="8552393" y="25505"/>
+                  <a:pt x="8818817" y="0"/>
+                </a:cubicBezTo>
+                <a:cubicBezTo>
+                  <a:pt x="9085241" y="-25505"/>
+                  <a:pt x="9411308" y="38000"/>
+                  <a:pt x="9605726" y="0"/>
+                </a:cubicBezTo>
+                <a:cubicBezTo>
+                  <a:pt x="9800144" y="-38000"/>
+                  <a:pt x="10006468" y="-25741"/>
+                  <a:pt x="10175558" y="0"/>
+                </a:cubicBezTo>
+                <a:cubicBezTo>
+                  <a:pt x="10344648" y="25741"/>
+                  <a:pt x="10696282" y="695"/>
+                  <a:pt x="10853928" y="0"/>
+                </a:cubicBezTo>
+                <a:cubicBezTo>
+                  <a:pt x="10853521" y="8690"/>
+                  <a:pt x="10853774" y="14141"/>
+                  <a:pt x="10853928" y="18288"/>
+                </a:cubicBezTo>
+                <a:cubicBezTo>
+                  <a:pt x="10608124" y="24255"/>
+                  <a:pt x="10343415" y="22307"/>
+                  <a:pt x="10067018" y="18288"/>
+                </a:cubicBezTo>
+                <a:cubicBezTo>
+                  <a:pt x="9790621" y="14270"/>
+                  <a:pt x="9843266" y="3564"/>
+                  <a:pt x="9714266" y="18288"/>
+                </a:cubicBezTo>
+                <a:cubicBezTo>
+                  <a:pt x="9585266" y="33012"/>
+                  <a:pt x="9379484" y="1875"/>
+                  <a:pt x="9252974" y="18288"/>
+                </a:cubicBezTo>
+                <a:cubicBezTo>
+                  <a:pt x="9126464" y="34701"/>
+                  <a:pt x="8580678" y="-4904"/>
+                  <a:pt x="8357525" y="18288"/>
+                </a:cubicBezTo>
+                <a:cubicBezTo>
+                  <a:pt x="8134372" y="41480"/>
+                  <a:pt x="7903199" y="26458"/>
+                  <a:pt x="7679154" y="18288"/>
+                </a:cubicBezTo>
+                <a:cubicBezTo>
+                  <a:pt x="7455109" y="10118"/>
+                  <a:pt x="7435944" y="27109"/>
+                  <a:pt x="7217862" y="18288"/>
+                </a:cubicBezTo>
+                <a:cubicBezTo>
+                  <a:pt x="6999780" y="9467"/>
+                  <a:pt x="6680409" y="18985"/>
+                  <a:pt x="6539492" y="18288"/>
+                </a:cubicBezTo>
+                <a:cubicBezTo>
+                  <a:pt x="6398575" y="17592"/>
+                  <a:pt x="6312077" y="33018"/>
+                  <a:pt x="6186739" y="18288"/>
+                </a:cubicBezTo>
+                <a:cubicBezTo>
+                  <a:pt x="6061401" y="3558"/>
+                  <a:pt x="5947033" y="12075"/>
+                  <a:pt x="5833986" y="18288"/>
+                </a:cubicBezTo>
+                <a:cubicBezTo>
+                  <a:pt x="5720939" y="24501"/>
+                  <a:pt x="5482226" y="8586"/>
+                  <a:pt x="5155616" y="18288"/>
+                </a:cubicBezTo>
+                <a:cubicBezTo>
+                  <a:pt x="4829006" y="27991"/>
+                  <a:pt x="4841274" y="29316"/>
+                  <a:pt x="4694324" y="18288"/>
+                </a:cubicBezTo>
+                <a:cubicBezTo>
+                  <a:pt x="4547374" y="7260"/>
+                  <a:pt x="4077675" y="7013"/>
+                  <a:pt x="3907414" y="18288"/>
+                </a:cubicBezTo>
+                <a:cubicBezTo>
+                  <a:pt x="3737153" y="29564"/>
+                  <a:pt x="3538393" y="21630"/>
+                  <a:pt x="3446122" y="18288"/>
+                </a:cubicBezTo>
+                <a:cubicBezTo>
+                  <a:pt x="3353851" y="14946"/>
+                  <a:pt x="2990320" y="-8091"/>
+                  <a:pt x="2659212" y="18288"/>
+                </a:cubicBezTo>
+                <a:cubicBezTo>
+                  <a:pt x="2328104" y="44667"/>
+                  <a:pt x="2427653" y="9607"/>
+                  <a:pt x="2306460" y="18288"/>
+                </a:cubicBezTo>
+                <a:cubicBezTo>
+                  <a:pt x="2185267" y="26969"/>
+                  <a:pt x="1719763" y="3717"/>
+                  <a:pt x="1519550" y="18288"/>
+                </a:cubicBezTo>
+                <a:cubicBezTo>
+                  <a:pt x="1319337" y="32860"/>
+                  <a:pt x="1167371" y="17040"/>
+                  <a:pt x="1058258" y="18288"/>
+                </a:cubicBezTo>
+                <a:cubicBezTo>
+                  <a:pt x="949145" y="19536"/>
+                  <a:pt x="780234" y="31447"/>
+                  <a:pt x="705505" y="18288"/>
+                </a:cubicBezTo>
+                <a:cubicBezTo>
+                  <a:pt x="630776" y="5129"/>
+                  <a:pt x="215796" y="30056"/>
+                  <a:pt x="0" y="18288"/>
+                </a:cubicBezTo>
+                <a:cubicBezTo>
+                  <a:pt x="-53" y="11301"/>
+                  <a:pt x="-649" y="7756"/>
+                  <a:pt x="0" y="0"/>
+                </a:cubicBezTo>
+                <a:close/>
+              </a:path>
+            </a:pathLst>
+          </a:custGeom>
+          <a:solidFill>
+            <a:schemeClr val="accent2"/>
+          </a:solidFill>
+          <a:ln w="41275" cap="rnd">
+            <a:solidFill>
+              <a:schemeClr val="accent2"/>
+            </a:solidFill>
+            <a:round/>
+            <a:extLst>
+              <a:ext uri="{C807C97D-BFC1-408E-A445-0C87EB9F89A2}">
+                <ask:lineSketchStyleProps xmlns:ask="http://schemas.microsoft.com/office/drawing/2018/sketchyshapes" sd="1219033472">
+                  <a:prstGeom prst="rect">
+                    <a:avLst/>
+                  </a:prstGeom>
+                  <ask:type>
+                    <ask:lineSketchFreehand/>
+                  </ask:type>
+                </ask:lineSketchStyleProps>
+              </a:ext>
+            </a:extLst>
+          </a:ln>
+        </p:spPr>
+        <p:style>
+          <a:lnRef idx="2">
+            <a:schemeClr val="accent1">
+              <a:shade val="50000"/>
+            </a:schemeClr>
+          </a:lnRef>
+          <a:fillRef idx="1">
+            <a:schemeClr val="accent1"/>
+          </a:fillRef>
+          <a:effectRef idx="0">
+            <a:schemeClr val="accent1"/>
+          </a:effectRef>
+          <a:fontRef idx="minor">
+            <a:schemeClr val="lt1"/>
+          </a:fontRef>
+        </p:style>
+        <p:txBody>
+          <a:bodyPr rtlCol="0" anchor="ctr"/>
+          <a:lstStyle/>
+          <a:p>
+            <a:pPr algn="ctr"/>
+            <a:endParaRPr lang="en-US"/>
           </a:p>
         </p:txBody>
       </p:sp>
@@ -7179,13 +10879,20 @@
             <p:ph idx="1"/>
           </p:nvPr>
         </p:nvSpPr>
-        <p:spPr/>
+        <p:spPr>
+          <a:xfrm>
+            <a:off x="838200" y="1929384"/>
+            <a:ext cx="10515600" cy="4251960"/>
+          </a:xfrm>
+        </p:spPr>
         <p:txBody>
-          <a:bodyPr/>
+          <a:bodyPr>
+            <a:normAutofit/>
+          </a:bodyPr>
           <a:lstStyle/>
           <a:p>
             <a:r>
-              <a:rPr lang="en-US" dirty="0">
+              <a:rPr lang="en-US" sz="3200" dirty="0">
                 <a:solidFill>
                   <a:schemeClr val="accent5">
                     <a:lumMod val="75000"/>
@@ -7197,7 +10904,7 @@
           </a:p>
           <a:p>
             <a:r>
-              <a:rPr lang="en-US" dirty="0">
+              <a:rPr lang="en-US" sz="3200" dirty="0">
                 <a:solidFill>
                   <a:schemeClr val="accent5">
                     <a:lumMod val="75000"/>
@@ -7209,7 +10916,7 @@
           </a:p>
           <a:p>
             <a:r>
-              <a:rPr lang="en-US" dirty="0">
+              <a:rPr lang="en-US" sz="3200" dirty="0">
                 <a:solidFill>
                   <a:schemeClr val="accent5">
                     <a:lumMod val="75000"/>
@@ -7220,22 +10927,10 @@
             </a:r>
           </a:p>
           <a:p>
-            <a:endParaRPr lang="en-US" dirty="0">
-              <a:solidFill>
-                <a:schemeClr val="accent5">
-                  <a:lumMod val="75000"/>
-                </a:schemeClr>
-              </a:solidFill>
-            </a:endParaRPr>
-          </a:p>
-          <a:p>
-            <a:endParaRPr lang="en-US" dirty="0">
-              <a:solidFill>
-                <a:schemeClr val="accent5">
-                  <a:lumMod val="75000"/>
-                </a:schemeClr>
-              </a:solidFill>
-            </a:endParaRPr>
+            <a:endParaRPr lang="en-US" sz="2200" dirty="0"/>
+          </a:p>
+          <a:p>
+            <a:endParaRPr lang="en-US" sz="2200" dirty="0"/>
           </a:p>
         </p:txBody>
       </p:sp>
@@ -7255,6 +10950,14 @@
 <file path=ppt/slides/slide3.xml><?xml version="1.0" encoding="utf-8"?>
 <p:sld xmlns:a="http://schemas.openxmlformats.org/drawingml/2006/main" xmlns:r="http://schemas.openxmlformats.org/officeDocument/2006/relationships" xmlns:p="http://schemas.openxmlformats.org/presentationml/2006/main">
   <p:cSld>
+    <p:bg>
+      <p:bgPr>
+        <a:solidFill>
+          <a:schemeClr val="bg1"/>
+        </a:solidFill>
+        <a:effectLst/>
+      </p:bgPr>
+    </p:bg>
     <p:spTree>
       <p:nvGrpSpPr>
         <p:cNvPr id="1" name=""/>
@@ -7269,6 +10972,66 @@
           <a:chExt cx="0" cy="0"/>
         </a:xfrm>
       </p:grpSpPr>
+      <p:sp useBgFill="1">
+        <p:nvSpPr>
+          <p:cNvPr id="10" name="Rectangle 9">
+            <a:extLst>
+              <a:ext uri="{FF2B5EF4-FFF2-40B4-BE49-F238E27FC236}">
+                <a16:creationId xmlns:a16="http://schemas.microsoft.com/office/drawing/2014/main" id="{F13C74B1-5B17-4795-BED0-7140497B445A}"/>
+              </a:ext>
+              <a:ext uri="{C183D7F6-B498-43B3-948B-1728B52AA6E4}">
+                <adec:decorative xmlns:adec="http://schemas.microsoft.com/office/drawing/2017/decorative" val="1"/>
+              </a:ext>
+            </a:extLst>
+          </p:cNvPr>
+          <p:cNvSpPr>
+            <a:spLocks noGrp="1" noRot="1" noChangeAspect="1" noMove="1" noResize="1" noEditPoints="1" noAdjustHandles="1" noChangeArrowheads="1" noChangeShapeType="1" noTextEdit="1"/>
+          </p:cNvSpPr>
+          <p:nvPr>
+            <p:extLst>
+              <p:ext uri="{386F3935-93C4-4BCD-93E2-E3B085C9AB24}">
+                <p16:designElem xmlns:p16="http://schemas.microsoft.com/office/powerpoint/2015/main" val="1"/>
+              </p:ext>
+            </p:extLst>
+          </p:nvPr>
+        </p:nvSpPr>
+        <p:spPr>
+          <a:xfrm>
+            <a:off x="0" y="0"/>
+            <a:ext cx="12188952" cy="6858000"/>
+          </a:xfrm>
+          <a:prstGeom prst="rect">
+            <a:avLst/>
+          </a:prstGeom>
+          <a:ln>
+            <a:noFill/>
+          </a:ln>
+        </p:spPr>
+        <p:style>
+          <a:lnRef idx="2">
+            <a:schemeClr val="accent1">
+              <a:shade val="50000"/>
+            </a:schemeClr>
+          </a:lnRef>
+          <a:fillRef idx="1">
+            <a:schemeClr val="accent1"/>
+          </a:fillRef>
+          <a:effectRef idx="0">
+            <a:schemeClr val="accent1"/>
+          </a:effectRef>
+          <a:fontRef idx="minor">
+            <a:schemeClr val="lt1"/>
+          </a:fontRef>
+        </p:style>
+        <p:txBody>
+          <a:bodyPr rtlCol="0" anchor="ctr"/>
+          <a:lstStyle/>
+          <a:p>
+            <a:pPr algn="ctr"/>
+            <a:endParaRPr lang="en-US"/>
+          </a:p>
+        </p:txBody>
+      </p:sp>
       <p:sp>
         <p:nvSpPr>
           <p:cNvPr id="2" name="Title 1">
@@ -7285,15 +11048,305 @@
             <p:ph type="title"/>
           </p:nvPr>
         </p:nvSpPr>
-        <p:spPr/>
+        <p:spPr>
+          <a:xfrm>
+            <a:off x="640080" y="325369"/>
+            <a:ext cx="4368602" cy="1956841"/>
+          </a:xfrm>
+        </p:spPr>
         <p:txBody>
-          <a:bodyPr/>
+          <a:bodyPr anchor="b">
+            <a:normAutofit/>
+          </a:bodyPr>
           <a:lstStyle/>
           <a:p>
             <a:r>
-              <a:rPr lang="en-US" dirty="0"/>
+              <a:rPr lang="en-US" sz="5400" dirty="0"/>
               <a:t>Purpose and Objective</a:t>
             </a:r>
+          </a:p>
+        </p:txBody>
+      </p:sp>
+      <p:sp>
+        <p:nvSpPr>
+          <p:cNvPr id="12" name="sketchy line">
+            <a:extLst>
+              <a:ext uri="{FF2B5EF4-FFF2-40B4-BE49-F238E27FC236}">
+                <a16:creationId xmlns:a16="http://schemas.microsoft.com/office/drawing/2014/main" id="{D4974D33-8DC5-464E-8C6D-BE58F0669C17}"/>
+              </a:ext>
+              <a:ext uri="{C183D7F6-B498-43B3-948B-1728B52AA6E4}">
+                <adec:decorative xmlns:adec="http://schemas.microsoft.com/office/drawing/2017/decorative" val="1"/>
+              </a:ext>
+            </a:extLst>
+          </p:cNvPr>
+          <p:cNvSpPr>
+            <a:spLocks noGrp="1" noRot="1" noChangeAspect="1" noMove="1" noResize="1" noEditPoints="1" noAdjustHandles="1" noChangeArrowheads="1" noChangeShapeType="1" noTextEdit="1"/>
+          </p:cNvSpPr>
+          <p:nvPr>
+            <p:extLst>
+              <p:ext uri="{386F3935-93C4-4BCD-93E2-E3B085C9AB24}">
+                <p16:designElem xmlns:p16="http://schemas.microsoft.com/office/powerpoint/2015/main" val="1"/>
+              </p:ext>
+            </p:extLst>
+          </p:nvPr>
+        </p:nvSpPr>
+        <p:spPr>
+          <a:xfrm>
+            <a:off x="640080" y="2586994"/>
+            <a:ext cx="3474720" cy="18288"/>
+          </a:xfrm>
+          <a:custGeom>
+            <a:avLst/>
+            <a:gdLst>
+              <a:gd name="connsiteX0" fmla="*/ 0 w 3474720"/>
+              <a:gd name="connsiteY0" fmla="*/ 0 h 18288"/>
+              <a:gd name="connsiteX1" fmla="*/ 694944 w 3474720"/>
+              <a:gd name="connsiteY1" fmla="*/ 0 h 18288"/>
+              <a:gd name="connsiteX2" fmla="*/ 1355141 w 3474720"/>
+              <a:gd name="connsiteY2" fmla="*/ 0 h 18288"/>
+              <a:gd name="connsiteX3" fmla="*/ 2015338 w 3474720"/>
+              <a:gd name="connsiteY3" fmla="*/ 0 h 18288"/>
+              <a:gd name="connsiteX4" fmla="*/ 2779776 w 3474720"/>
+              <a:gd name="connsiteY4" fmla="*/ 0 h 18288"/>
+              <a:gd name="connsiteX5" fmla="*/ 3474720 w 3474720"/>
+              <a:gd name="connsiteY5" fmla="*/ 0 h 18288"/>
+              <a:gd name="connsiteX6" fmla="*/ 3474720 w 3474720"/>
+              <a:gd name="connsiteY6" fmla="*/ 18288 h 18288"/>
+              <a:gd name="connsiteX7" fmla="*/ 2779776 w 3474720"/>
+              <a:gd name="connsiteY7" fmla="*/ 18288 h 18288"/>
+              <a:gd name="connsiteX8" fmla="*/ 2189074 w 3474720"/>
+              <a:gd name="connsiteY8" fmla="*/ 18288 h 18288"/>
+              <a:gd name="connsiteX9" fmla="*/ 1528877 w 3474720"/>
+              <a:gd name="connsiteY9" fmla="*/ 18288 h 18288"/>
+              <a:gd name="connsiteX10" fmla="*/ 868680 w 3474720"/>
+              <a:gd name="connsiteY10" fmla="*/ 18288 h 18288"/>
+              <a:gd name="connsiteX11" fmla="*/ 0 w 3474720"/>
+              <a:gd name="connsiteY11" fmla="*/ 18288 h 18288"/>
+              <a:gd name="connsiteX12" fmla="*/ 0 w 3474720"/>
+              <a:gd name="connsiteY12" fmla="*/ 0 h 18288"/>
+            </a:gdLst>
+            <a:ahLst/>
+            <a:cxnLst>
+              <a:cxn ang="0">
+                <a:pos x="connsiteX0" y="connsiteY0"/>
+              </a:cxn>
+              <a:cxn ang="0">
+                <a:pos x="connsiteX1" y="connsiteY1"/>
+              </a:cxn>
+              <a:cxn ang="0">
+                <a:pos x="connsiteX2" y="connsiteY2"/>
+              </a:cxn>
+              <a:cxn ang="0">
+                <a:pos x="connsiteX3" y="connsiteY3"/>
+              </a:cxn>
+              <a:cxn ang="0">
+                <a:pos x="connsiteX4" y="connsiteY4"/>
+              </a:cxn>
+              <a:cxn ang="0">
+                <a:pos x="connsiteX5" y="connsiteY5"/>
+              </a:cxn>
+              <a:cxn ang="0">
+                <a:pos x="connsiteX6" y="connsiteY6"/>
+              </a:cxn>
+              <a:cxn ang="0">
+                <a:pos x="connsiteX7" y="connsiteY7"/>
+              </a:cxn>
+              <a:cxn ang="0">
+                <a:pos x="connsiteX8" y="connsiteY8"/>
+              </a:cxn>
+              <a:cxn ang="0">
+                <a:pos x="connsiteX9" y="connsiteY9"/>
+              </a:cxn>
+              <a:cxn ang="0">
+                <a:pos x="connsiteX10" y="connsiteY10"/>
+              </a:cxn>
+              <a:cxn ang="0">
+                <a:pos x="connsiteX11" y="connsiteY11"/>
+              </a:cxn>
+              <a:cxn ang="0">
+                <a:pos x="connsiteX12" y="connsiteY12"/>
+              </a:cxn>
+            </a:cxnLst>
+            <a:rect l="l" t="t" r="r" b="b"/>
+            <a:pathLst>
+              <a:path w="3474720" h="18288" fill="none" extrusionOk="0">
+                <a:moveTo>
+                  <a:pt x="0" y="0"/>
+                </a:moveTo>
+                <a:cubicBezTo>
+                  <a:pt x="224454" y="-14544"/>
+                  <a:pt x="495407" y="26540"/>
+                  <a:pt x="694944" y="0"/>
+                </a:cubicBezTo>
+                <a:cubicBezTo>
+                  <a:pt x="894481" y="-26540"/>
+                  <a:pt x="1130063" y="24713"/>
+                  <a:pt x="1355141" y="0"/>
+                </a:cubicBezTo>
+                <a:cubicBezTo>
+                  <a:pt x="1580219" y="-24713"/>
+                  <a:pt x="1820099" y="26695"/>
+                  <a:pt x="2015338" y="0"/>
+                </a:cubicBezTo>
+                <a:cubicBezTo>
+                  <a:pt x="2210577" y="-26695"/>
+                  <a:pt x="2402045" y="165"/>
+                  <a:pt x="2779776" y="0"/>
+                </a:cubicBezTo>
+                <a:cubicBezTo>
+                  <a:pt x="3157507" y="-165"/>
+                  <a:pt x="3286859" y="-15571"/>
+                  <a:pt x="3474720" y="0"/>
+                </a:cubicBezTo>
+                <a:cubicBezTo>
+                  <a:pt x="3474286" y="7551"/>
+                  <a:pt x="3474253" y="9822"/>
+                  <a:pt x="3474720" y="18288"/>
+                </a:cubicBezTo>
+                <a:cubicBezTo>
+                  <a:pt x="3233904" y="29845"/>
+                  <a:pt x="2945134" y="-5256"/>
+                  <a:pt x="2779776" y="18288"/>
+                </a:cubicBezTo>
+                <a:cubicBezTo>
+                  <a:pt x="2614418" y="41832"/>
+                  <a:pt x="2339768" y="22709"/>
+                  <a:pt x="2189074" y="18288"/>
+                </a:cubicBezTo>
+                <a:cubicBezTo>
+                  <a:pt x="2038380" y="13867"/>
+                  <a:pt x="1817434" y="-4947"/>
+                  <a:pt x="1528877" y="18288"/>
+                </a:cubicBezTo>
+                <a:cubicBezTo>
+                  <a:pt x="1240320" y="41523"/>
+                  <a:pt x="1042447" y="37198"/>
+                  <a:pt x="868680" y="18288"/>
+                </a:cubicBezTo>
+                <a:cubicBezTo>
+                  <a:pt x="694913" y="-622"/>
+                  <a:pt x="233232" y="44909"/>
+                  <a:pt x="0" y="18288"/>
+                </a:cubicBezTo>
+                <a:cubicBezTo>
+                  <a:pt x="60" y="11696"/>
+                  <a:pt x="66" y="3758"/>
+                  <a:pt x="0" y="0"/>
+                </a:cubicBezTo>
+                <a:close/>
+              </a:path>
+              <a:path w="3474720" h="18288" stroke="0" extrusionOk="0">
+                <a:moveTo>
+                  <a:pt x="0" y="0"/>
+                </a:moveTo>
+                <a:cubicBezTo>
+                  <a:pt x="202328" y="-14716"/>
+                  <a:pt x="332722" y="-11499"/>
+                  <a:pt x="625450" y="0"/>
+                </a:cubicBezTo>
+                <a:cubicBezTo>
+                  <a:pt x="918178" y="11499"/>
+                  <a:pt x="1096688" y="5123"/>
+                  <a:pt x="1389888" y="0"/>
+                </a:cubicBezTo>
+                <a:cubicBezTo>
+                  <a:pt x="1683088" y="-5123"/>
+                  <a:pt x="1835981" y="-14038"/>
+                  <a:pt x="1980590" y="0"/>
+                </a:cubicBezTo>
+                <a:cubicBezTo>
+                  <a:pt x="2125199" y="14038"/>
+                  <a:pt x="2396099" y="-7203"/>
+                  <a:pt x="2571293" y="0"/>
+                </a:cubicBezTo>
+                <a:cubicBezTo>
+                  <a:pt x="2746487" y="7203"/>
+                  <a:pt x="3041609" y="-12036"/>
+                  <a:pt x="3474720" y="0"/>
+                </a:cubicBezTo>
+                <a:cubicBezTo>
+                  <a:pt x="3474638" y="4406"/>
+                  <a:pt x="3474631" y="9982"/>
+                  <a:pt x="3474720" y="18288"/>
+                </a:cubicBezTo>
+                <a:cubicBezTo>
+                  <a:pt x="3324873" y="21876"/>
+                  <a:pt x="3136771" y="12587"/>
+                  <a:pt x="2814523" y="18288"/>
+                </a:cubicBezTo>
+                <a:cubicBezTo>
+                  <a:pt x="2492275" y="23989"/>
+                  <a:pt x="2294402" y="47111"/>
+                  <a:pt x="2154326" y="18288"/>
+                </a:cubicBezTo>
+                <a:cubicBezTo>
+                  <a:pt x="2014250" y="-10535"/>
+                  <a:pt x="1820317" y="33903"/>
+                  <a:pt x="1494130" y="18288"/>
+                </a:cubicBezTo>
+                <a:cubicBezTo>
+                  <a:pt x="1167943" y="2673"/>
+                  <a:pt x="948432" y="14868"/>
+                  <a:pt x="729691" y="18288"/>
+                </a:cubicBezTo>
+                <a:cubicBezTo>
+                  <a:pt x="510950" y="21708"/>
+                  <a:pt x="264032" y="24354"/>
+                  <a:pt x="0" y="18288"/>
+                </a:cubicBezTo>
+                <a:cubicBezTo>
+                  <a:pt x="189" y="14288"/>
+                  <a:pt x="-703" y="3747"/>
+                  <a:pt x="0" y="0"/>
+                </a:cubicBezTo>
+                <a:close/>
+              </a:path>
+            </a:pathLst>
+          </a:custGeom>
+          <a:solidFill>
+            <a:schemeClr val="accent2"/>
+          </a:solidFill>
+          <a:ln w="44450" cap="rnd">
+            <a:solidFill>
+              <a:schemeClr val="accent2"/>
+            </a:solidFill>
+            <a:round/>
+            <a:extLst>
+              <a:ext uri="{C807C97D-BFC1-408E-A445-0C87EB9F89A2}">
+                <ask:lineSketchStyleProps xmlns:ask="http://schemas.microsoft.com/office/drawing/2018/sketchyshapes" sd="2863741219">
+                  <a:prstGeom prst="rect">
+                    <a:avLst/>
+                  </a:prstGeom>
+                  <ask:type>
+                    <ask:lineSketchFreehand/>
+                  </ask:type>
+                </ask:lineSketchStyleProps>
+              </a:ext>
+            </a:extLst>
+          </a:ln>
+        </p:spPr>
+        <p:style>
+          <a:lnRef idx="2">
+            <a:schemeClr val="accent1">
+              <a:shade val="50000"/>
+            </a:schemeClr>
+          </a:lnRef>
+          <a:fillRef idx="1">
+            <a:schemeClr val="accent1"/>
+          </a:fillRef>
+          <a:effectRef idx="0">
+            <a:schemeClr val="accent1"/>
+          </a:effectRef>
+          <a:fontRef idx="minor">
+            <a:schemeClr val="lt1"/>
+          </a:fontRef>
+        </p:style>
+        <p:txBody>
+          <a:bodyPr rtlCol="0" anchor="ctr"/>
+          <a:lstStyle/>
+          <a:p>
+            <a:pPr algn="ctr"/>
+            <a:endParaRPr lang="en-US"/>
           </a:p>
         </p:txBody>
       </p:sp>
@@ -7313,13 +11366,20 @@
             <p:ph idx="1"/>
           </p:nvPr>
         </p:nvSpPr>
-        <p:spPr/>
+        <p:spPr>
+          <a:xfrm>
+            <a:off x="640080" y="2872899"/>
+            <a:ext cx="4243589" cy="3320668"/>
+          </a:xfrm>
+        </p:spPr>
         <p:txBody>
-          <a:bodyPr/>
+          <a:bodyPr>
+            <a:normAutofit/>
+          </a:bodyPr>
           <a:lstStyle/>
           <a:p>
             <a:r>
-              <a:rPr lang="en-US" dirty="0">
+              <a:rPr lang="en-US" sz="2000" dirty="0">
                 <a:solidFill>
                   <a:schemeClr val="accent5">
                     <a:lumMod val="75000"/>
@@ -7332,7 +11392,7 @@
           <a:p>
             <a:pPr lvl="1"/>
             <a:r>
-              <a:rPr lang="en-US" dirty="0">
+              <a:rPr lang="en-US" sz="2000" dirty="0">
                 <a:solidFill>
                   <a:schemeClr val="accent5">
                     <a:lumMod val="75000"/>
@@ -7344,7 +11404,7 @@
           </a:p>
           <a:p>
             <a:r>
-              <a:rPr lang="en-US" dirty="0">
+              <a:rPr lang="en-US" sz="2000" dirty="0">
                 <a:solidFill>
                   <a:schemeClr val="accent5">
                     <a:lumMod val="75000"/>
@@ -7357,7 +11417,7 @@
           <a:p>
             <a:pPr lvl="1"/>
             <a:r>
-              <a:rPr lang="en-US" dirty="0">
+              <a:rPr lang="en-US" sz="2000" dirty="0">
                 <a:solidFill>
                   <a:schemeClr val="accent5">
                     <a:lumMod val="75000"/>
@@ -7368,7 +11428,7 @@
             </a:r>
           </a:p>
           <a:p>
-            <a:endParaRPr lang="en-US" dirty="0">
+            <a:endParaRPr lang="en-US" sz="2000" dirty="0">
               <a:solidFill>
                 <a:schemeClr val="accent5">
                   <a:lumMod val="75000"/>
@@ -7378,6 +11438,153 @@
           </a:p>
         </p:txBody>
       </p:sp>
+      <p:pic>
+        <p:nvPicPr>
+          <p:cNvPr id="5" name="Picture 4" descr="A black circuit board with white text&#10;&#10;Description automatically generated">
+            <a:extLst>
+              <a:ext uri="{FF2B5EF4-FFF2-40B4-BE49-F238E27FC236}">
+                <a16:creationId xmlns:a16="http://schemas.microsoft.com/office/drawing/2014/main" id="{56692170-09A7-DCDA-B212-66A646D2DAF2}"/>
+              </a:ext>
+            </a:extLst>
+          </p:cNvPr>
+          <p:cNvPicPr>
+            <a:picLocks noChangeAspect="1"/>
+          </p:cNvPicPr>
+          <p:nvPr/>
+        </p:nvPicPr>
+        <p:blipFill>
+          <a:blip r:embed="rId3">
+            <a:extLst>
+              <a:ext uri="{28A0092B-C50C-407E-A947-70E740481C1C}">
+                <a14:useLocalDpi xmlns:a14="http://schemas.microsoft.com/office/drawing/2010/main" val="0"/>
+              </a:ext>
+            </a:extLst>
+          </a:blip>
+          <a:srcRect t="14943" r="-1" b="10283"/>
+          <a:stretch/>
+        </p:blipFill>
+        <p:spPr>
+          <a:xfrm>
+            <a:off x="5311702" y="10"/>
+            <a:ext cx="6878775" cy="6857990"/>
+          </a:xfrm>
+          <a:custGeom>
+            <a:avLst/>
+            <a:gdLst/>
+            <a:ahLst/>
+            <a:cxnLst/>
+            <a:rect l="l" t="t" r="r" b="b"/>
+            <a:pathLst>
+              <a:path w="6878775" h="6858000">
+                <a:moveTo>
+                  <a:pt x="1102973" y="0"/>
+                </a:moveTo>
+                <a:lnTo>
+                  <a:pt x="1160688" y="0"/>
+                </a:lnTo>
+                <a:lnTo>
+                  <a:pt x="983189" y="331786"/>
+                </a:lnTo>
+                <a:cubicBezTo>
+                  <a:pt x="914866" y="469145"/>
+                  <a:pt x="850355" y="608712"/>
+                  <a:pt x="789261" y="750263"/>
+                </a:cubicBezTo>
+                <a:cubicBezTo>
+                  <a:pt x="774307" y="784928"/>
+                  <a:pt x="759992" y="819849"/>
+                  <a:pt x="745295" y="854514"/>
+                </a:cubicBezTo>
+                <a:cubicBezTo>
+                  <a:pt x="756682" y="845393"/>
+                  <a:pt x="765489" y="833492"/>
+                  <a:pt x="770857" y="819975"/>
+                </a:cubicBezTo>
+                <a:cubicBezTo>
+                  <a:pt x="879943" y="589569"/>
+                  <a:pt x="999605" y="365513"/>
+                  <a:pt x="1131329" y="148742"/>
+                </a:cubicBezTo>
+                <a:lnTo>
+                  <a:pt x="1227589" y="0"/>
+                </a:lnTo>
+                <a:lnTo>
+                  <a:pt x="6878775" y="0"/>
+                </a:lnTo>
+                <a:lnTo>
+                  <a:pt x="6878775" y="6858000"/>
+                </a:lnTo>
+                <a:lnTo>
+                  <a:pt x="713521" y="6858000"/>
+                </a:lnTo>
+                <a:lnTo>
+                  <a:pt x="625642" y="6670527"/>
+                </a:lnTo>
+                <a:cubicBezTo>
+                  <a:pt x="507232" y="6398531"/>
+                  <a:pt x="403083" y="6118381"/>
+                  <a:pt x="312785" y="5830359"/>
+                </a:cubicBezTo>
+                <a:cubicBezTo>
+                  <a:pt x="278149" y="5719759"/>
+                  <a:pt x="248879" y="5607635"/>
+                  <a:pt x="212198" y="5480401"/>
+                </a:cubicBezTo>
+                <a:cubicBezTo>
+                  <a:pt x="212208" y="5491601"/>
+                  <a:pt x="212803" y="5502788"/>
+                  <a:pt x="213988" y="5513923"/>
+                </a:cubicBezTo>
+                <a:cubicBezTo>
+                  <a:pt x="264089" y="5723695"/>
+                  <a:pt x="307290" y="5935370"/>
+                  <a:pt x="365826" y="6142729"/>
+                </a:cubicBezTo>
+                <a:cubicBezTo>
+                  <a:pt x="433152" y="6380817"/>
+                  <a:pt x="510068" y="6614016"/>
+                  <a:pt x="597975" y="6841549"/>
+                </a:cubicBezTo>
+                <a:lnTo>
+                  <a:pt x="604824" y="6858000"/>
+                </a:lnTo>
+                <a:lnTo>
+                  <a:pt x="552056" y="6858000"/>
+                </a:lnTo>
+                <a:lnTo>
+                  <a:pt x="539576" y="6828295"/>
+                </a:lnTo>
+                <a:cubicBezTo>
+                  <a:pt x="380597" y="6414594"/>
+                  <a:pt x="260223" y="5988893"/>
+                  <a:pt x="171555" y="5552906"/>
+                </a:cubicBezTo>
+                <a:cubicBezTo>
+                  <a:pt x="91163" y="5157998"/>
+                  <a:pt x="43746" y="4758899"/>
+                  <a:pt x="12305" y="4357388"/>
+                </a:cubicBezTo>
+                <a:cubicBezTo>
+                  <a:pt x="-14281" y="4013908"/>
+                  <a:pt x="4507" y="3672965"/>
+                  <a:pt x="46684" y="3331516"/>
+                </a:cubicBezTo>
+                <a:cubicBezTo>
+                  <a:pt x="127203" y="2664286"/>
+                  <a:pt x="277819" y="2007265"/>
+                  <a:pt x="496065" y="1371196"/>
+                </a:cubicBezTo>
+                <a:cubicBezTo>
+                  <a:pt x="636273" y="966066"/>
+                  <a:pt x="800445" y="573253"/>
+                  <a:pt x="995723" y="196614"/>
+                </a:cubicBezTo>
+                <a:close/>
+              </a:path>
+            </a:pathLst>
+          </a:custGeom>
+        </p:spPr>
+      </p:pic>
     </p:spTree>
     <p:extLst>
       <p:ext uri="{BB962C8B-B14F-4D97-AF65-F5344CB8AC3E}">
@@ -11802,6 +16009,14 @@
 <file path=ppt/slides/slide6.xml><?xml version="1.0" encoding="utf-8"?>
 <p:sld xmlns:a="http://schemas.openxmlformats.org/drawingml/2006/main" xmlns:r="http://schemas.openxmlformats.org/officeDocument/2006/relationships" xmlns:p="http://schemas.openxmlformats.org/presentationml/2006/main">
   <p:cSld>
+    <p:bg>
+      <p:bgPr>
+        <a:solidFill>
+          <a:schemeClr val="bg1"/>
+        </a:solidFill>
+        <a:effectLst/>
+      </p:bgPr>
+    </p:bg>
     <p:spTree>
       <p:nvGrpSpPr>
         <p:cNvPr id="1" name=""/>
@@ -11816,6 +16031,66 @@
           <a:chExt cx="0" cy="0"/>
         </a:xfrm>
       </p:grpSpPr>
+      <p:sp useBgFill="1">
+        <p:nvSpPr>
+          <p:cNvPr id="10" name="Rectangle 9">
+            <a:extLst>
+              <a:ext uri="{FF2B5EF4-FFF2-40B4-BE49-F238E27FC236}">
+                <a16:creationId xmlns:a16="http://schemas.microsoft.com/office/drawing/2014/main" id="{45D37F4E-DDB4-456B-97E0-9937730A039F}"/>
+              </a:ext>
+              <a:ext uri="{C183D7F6-B498-43B3-948B-1728B52AA6E4}">
+                <adec:decorative xmlns:adec="http://schemas.microsoft.com/office/drawing/2017/decorative" val="1"/>
+              </a:ext>
+            </a:extLst>
+          </p:cNvPr>
+          <p:cNvSpPr>
+            <a:spLocks noGrp="1" noRot="1" noChangeAspect="1" noMove="1" noResize="1" noEditPoints="1" noAdjustHandles="1" noChangeArrowheads="1" noChangeShapeType="1" noTextEdit="1"/>
+          </p:cNvSpPr>
+          <p:nvPr>
+            <p:extLst>
+              <p:ext uri="{386F3935-93C4-4BCD-93E2-E3B085C9AB24}">
+                <p16:designElem xmlns:p16="http://schemas.microsoft.com/office/powerpoint/2015/main" val="1"/>
+              </p:ext>
+            </p:extLst>
+          </p:nvPr>
+        </p:nvSpPr>
+        <p:spPr>
+          <a:xfrm>
+            <a:off x="0" y="0"/>
+            <a:ext cx="12188952" cy="6858000"/>
+          </a:xfrm>
+          <a:prstGeom prst="rect">
+            <a:avLst/>
+          </a:prstGeom>
+          <a:ln>
+            <a:noFill/>
+          </a:ln>
+        </p:spPr>
+        <p:style>
+          <a:lnRef idx="2">
+            <a:schemeClr val="accent1">
+              <a:shade val="50000"/>
+            </a:schemeClr>
+          </a:lnRef>
+          <a:fillRef idx="1">
+            <a:schemeClr val="accent1"/>
+          </a:fillRef>
+          <a:effectRef idx="0">
+            <a:schemeClr val="accent1"/>
+          </a:effectRef>
+          <a:fontRef idx="minor">
+            <a:schemeClr val="lt1"/>
+          </a:fontRef>
+        </p:style>
+        <p:txBody>
+          <a:bodyPr rtlCol="0" anchor="ctr"/>
+          <a:lstStyle/>
+          <a:p>
+            <a:pPr algn="ctr"/>
+            <a:endParaRPr lang="en-US"/>
+          </a:p>
+        </p:txBody>
+      </p:sp>
       <p:sp>
         <p:nvSpPr>
           <p:cNvPr id="2" name="Title 1">
@@ -11832,15 +16107,684 @@
             <p:ph type="title"/>
           </p:nvPr>
         </p:nvSpPr>
-        <p:spPr/>
+        <p:spPr>
+          <a:xfrm>
+            <a:off x="572493" y="238539"/>
+            <a:ext cx="11018520" cy="1434415"/>
+          </a:xfrm>
+        </p:spPr>
         <p:txBody>
-          <a:bodyPr/>
+          <a:bodyPr anchor="b">
+            <a:normAutofit/>
+          </a:bodyPr>
           <a:lstStyle/>
           <a:p>
             <a:r>
-              <a:rPr lang="en-US" dirty="0"/>
+              <a:rPr lang="en-US" sz="5400"/>
               <a:t>Design Concept 1: Microcontroller</a:t>
             </a:r>
+          </a:p>
+        </p:txBody>
+      </p:sp>
+      <p:sp>
+        <p:nvSpPr>
+          <p:cNvPr id="12" name="sketchy line">
+            <a:extLst>
+              <a:ext uri="{FF2B5EF4-FFF2-40B4-BE49-F238E27FC236}">
+                <a16:creationId xmlns:a16="http://schemas.microsoft.com/office/drawing/2014/main" id="{B2DD41CD-8F47-4F56-AD12-4E2FF7696987}"/>
+              </a:ext>
+              <a:ext uri="{C183D7F6-B498-43B3-948B-1728B52AA6E4}">
+                <adec:decorative xmlns:adec="http://schemas.microsoft.com/office/drawing/2017/decorative" val="1"/>
+              </a:ext>
+            </a:extLst>
+          </p:cNvPr>
+          <p:cNvSpPr>
+            <a:spLocks noGrp="1" noRot="1" noChangeAspect="1" noMove="1" noResize="1" noEditPoints="1" noAdjustHandles="1" noChangeArrowheads="1" noChangeShapeType="1" noTextEdit="1"/>
+          </p:cNvSpPr>
+          <p:nvPr>
+            <p:extLst>
+              <p:ext uri="{386F3935-93C4-4BCD-93E2-E3B085C9AB24}">
+                <p16:designElem xmlns:p16="http://schemas.microsoft.com/office/powerpoint/2015/main" val="1"/>
+              </p:ext>
+            </p:extLst>
+          </p:nvPr>
+        </p:nvSpPr>
+        <p:spPr>
+          <a:xfrm>
+            <a:off x="572493" y="1681544"/>
+            <a:ext cx="10972800" cy="18288"/>
+          </a:xfrm>
+          <a:custGeom>
+            <a:avLst/>
+            <a:gdLst>
+              <a:gd name="connsiteX0" fmla="*/ 0 w 10972800"/>
+              <a:gd name="connsiteY0" fmla="*/ 0 h 18288"/>
+              <a:gd name="connsiteX1" fmla="*/ 356616 w 10972800"/>
+              <a:gd name="connsiteY1" fmla="*/ 0 h 18288"/>
+              <a:gd name="connsiteX2" fmla="*/ 1042416 w 10972800"/>
+              <a:gd name="connsiteY2" fmla="*/ 0 h 18288"/>
+              <a:gd name="connsiteX3" fmla="*/ 1947672 w 10972800"/>
+              <a:gd name="connsiteY3" fmla="*/ 0 h 18288"/>
+              <a:gd name="connsiteX4" fmla="*/ 2633472 w 10972800"/>
+              <a:gd name="connsiteY4" fmla="*/ 0 h 18288"/>
+              <a:gd name="connsiteX5" fmla="*/ 2990088 w 10972800"/>
+              <a:gd name="connsiteY5" fmla="*/ 0 h 18288"/>
+              <a:gd name="connsiteX6" fmla="*/ 3456432 w 10972800"/>
+              <a:gd name="connsiteY6" fmla="*/ 0 h 18288"/>
+              <a:gd name="connsiteX7" fmla="*/ 4361688 w 10972800"/>
+              <a:gd name="connsiteY7" fmla="*/ 0 h 18288"/>
+              <a:gd name="connsiteX8" fmla="*/ 5266944 w 10972800"/>
+              <a:gd name="connsiteY8" fmla="*/ 0 h 18288"/>
+              <a:gd name="connsiteX9" fmla="*/ 6172200 w 10972800"/>
+              <a:gd name="connsiteY9" fmla="*/ 0 h 18288"/>
+              <a:gd name="connsiteX10" fmla="*/ 6528816 w 10972800"/>
+              <a:gd name="connsiteY10" fmla="*/ 0 h 18288"/>
+              <a:gd name="connsiteX11" fmla="*/ 7214616 w 10972800"/>
+              <a:gd name="connsiteY11" fmla="*/ 0 h 18288"/>
+              <a:gd name="connsiteX12" fmla="*/ 7790688 w 10972800"/>
+              <a:gd name="connsiteY12" fmla="*/ 0 h 18288"/>
+              <a:gd name="connsiteX13" fmla="*/ 8147304 w 10972800"/>
+              <a:gd name="connsiteY13" fmla="*/ 0 h 18288"/>
+              <a:gd name="connsiteX14" fmla="*/ 9052560 w 10972800"/>
+              <a:gd name="connsiteY14" fmla="*/ 0 h 18288"/>
+              <a:gd name="connsiteX15" fmla="*/ 9409176 w 10972800"/>
+              <a:gd name="connsiteY15" fmla="*/ 0 h 18288"/>
+              <a:gd name="connsiteX16" fmla="*/ 9765792 w 10972800"/>
+              <a:gd name="connsiteY16" fmla="*/ 0 h 18288"/>
+              <a:gd name="connsiteX17" fmla="*/ 10341864 w 10972800"/>
+              <a:gd name="connsiteY17" fmla="*/ 0 h 18288"/>
+              <a:gd name="connsiteX18" fmla="*/ 10972800 w 10972800"/>
+              <a:gd name="connsiteY18" fmla="*/ 0 h 18288"/>
+              <a:gd name="connsiteX19" fmla="*/ 10972800 w 10972800"/>
+              <a:gd name="connsiteY19" fmla="*/ 18288 h 18288"/>
+              <a:gd name="connsiteX20" fmla="*/ 10177272 w 10972800"/>
+              <a:gd name="connsiteY20" fmla="*/ 18288 h 18288"/>
+              <a:gd name="connsiteX21" fmla="*/ 9820656 w 10972800"/>
+              <a:gd name="connsiteY21" fmla="*/ 18288 h 18288"/>
+              <a:gd name="connsiteX22" fmla="*/ 9464040 w 10972800"/>
+              <a:gd name="connsiteY22" fmla="*/ 18288 h 18288"/>
+              <a:gd name="connsiteX23" fmla="*/ 8778240 w 10972800"/>
+              <a:gd name="connsiteY23" fmla="*/ 18288 h 18288"/>
+              <a:gd name="connsiteX24" fmla="*/ 8421624 w 10972800"/>
+              <a:gd name="connsiteY24" fmla="*/ 18288 h 18288"/>
+              <a:gd name="connsiteX25" fmla="*/ 7735824 w 10972800"/>
+              <a:gd name="connsiteY25" fmla="*/ 18288 h 18288"/>
+              <a:gd name="connsiteX26" fmla="*/ 6940296 w 10972800"/>
+              <a:gd name="connsiteY26" fmla="*/ 18288 h 18288"/>
+              <a:gd name="connsiteX27" fmla="*/ 6254496 w 10972800"/>
+              <a:gd name="connsiteY27" fmla="*/ 18288 h 18288"/>
+              <a:gd name="connsiteX28" fmla="*/ 5458968 w 10972800"/>
+              <a:gd name="connsiteY28" fmla="*/ 18288 h 18288"/>
+              <a:gd name="connsiteX29" fmla="*/ 4663440 w 10972800"/>
+              <a:gd name="connsiteY29" fmla="*/ 18288 h 18288"/>
+              <a:gd name="connsiteX30" fmla="*/ 4306824 w 10972800"/>
+              <a:gd name="connsiteY30" fmla="*/ 18288 h 18288"/>
+              <a:gd name="connsiteX31" fmla="*/ 3840480 w 10972800"/>
+              <a:gd name="connsiteY31" fmla="*/ 18288 h 18288"/>
+              <a:gd name="connsiteX32" fmla="*/ 3264408 w 10972800"/>
+              <a:gd name="connsiteY32" fmla="*/ 18288 h 18288"/>
+              <a:gd name="connsiteX33" fmla="*/ 2578608 w 10972800"/>
+              <a:gd name="connsiteY33" fmla="*/ 18288 h 18288"/>
+              <a:gd name="connsiteX34" fmla="*/ 1673352 w 10972800"/>
+              <a:gd name="connsiteY34" fmla="*/ 18288 h 18288"/>
+              <a:gd name="connsiteX35" fmla="*/ 877824 w 10972800"/>
+              <a:gd name="connsiteY35" fmla="*/ 18288 h 18288"/>
+              <a:gd name="connsiteX36" fmla="*/ 0 w 10972800"/>
+              <a:gd name="connsiteY36" fmla="*/ 18288 h 18288"/>
+              <a:gd name="connsiteX37" fmla="*/ 0 w 10972800"/>
+              <a:gd name="connsiteY37" fmla="*/ 0 h 18288"/>
+            </a:gdLst>
+            <a:ahLst/>
+            <a:cxnLst>
+              <a:cxn ang="0">
+                <a:pos x="connsiteX0" y="connsiteY0"/>
+              </a:cxn>
+              <a:cxn ang="0">
+                <a:pos x="connsiteX1" y="connsiteY1"/>
+              </a:cxn>
+              <a:cxn ang="0">
+                <a:pos x="connsiteX2" y="connsiteY2"/>
+              </a:cxn>
+              <a:cxn ang="0">
+                <a:pos x="connsiteX3" y="connsiteY3"/>
+              </a:cxn>
+              <a:cxn ang="0">
+                <a:pos x="connsiteX4" y="connsiteY4"/>
+              </a:cxn>
+              <a:cxn ang="0">
+                <a:pos x="connsiteX5" y="connsiteY5"/>
+              </a:cxn>
+              <a:cxn ang="0">
+                <a:pos x="connsiteX6" y="connsiteY6"/>
+              </a:cxn>
+              <a:cxn ang="0">
+                <a:pos x="connsiteX7" y="connsiteY7"/>
+              </a:cxn>
+              <a:cxn ang="0">
+                <a:pos x="connsiteX8" y="connsiteY8"/>
+              </a:cxn>
+              <a:cxn ang="0">
+                <a:pos x="connsiteX9" y="connsiteY9"/>
+              </a:cxn>
+              <a:cxn ang="0">
+                <a:pos x="connsiteX10" y="connsiteY10"/>
+              </a:cxn>
+              <a:cxn ang="0">
+                <a:pos x="connsiteX11" y="connsiteY11"/>
+              </a:cxn>
+              <a:cxn ang="0">
+                <a:pos x="connsiteX12" y="connsiteY12"/>
+              </a:cxn>
+              <a:cxn ang="0">
+                <a:pos x="connsiteX13" y="connsiteY13"/>
+              </a:cxn>
+              <a:cxn ang="0">
+                <a:pos x="connsiteX14" y="connsiteY14"/>
+              </a:cxn>
+              <a:cxn ang="0">
+                <a:pos x="connsiteX15" y="connsiteY15"/>
+              </a:cxn>
+              <a:cxn ang="0">
+                <a:pos x="connsiteX16" y="connsiteY16"/>
+              </a:cxn>
+              <a:cxn ang="0">
+                <a:pos x="connsiteX17" y="connsiteY17"/>
+              </a:cxn>
+              <a:cxn ang="0">
+                <a:pos x="connsiteX18" y="connsiteY18"/>
+              </a:cxn>
+              <a:cxn ang="0">
+                <a:pos x="connsiteX19" y="connsiteY19"/>
+              </a:cxn>
+              <a:cxn ang="0">
+                <a:pos x="connsiteX20" y="connsiteY20"/>
+              </a:cxn>
+              <a:cxn ang="0">
+                <a:pos x="connsiteX21" y="connsiteY21"/>
+              </a:cxn>
+              <a:cxn ang="0">
+                <a:pos x="connsiteX22" y="connsiteY22"/>
+              </a:cxn>
+              <a:cxn ang="0">
+                <a:pos x="connsiteX23" y="connsiteY23"/>
+              </a:cxn>
+              <a:cxn ang="0">
+                <a:pos x="connsiteX24" y="connsiteY24"/>
+              </a:cxn>
+              <a:cxn ang="0">
+                <a:pos x="connsiteX25" y="connsiteY25"/>
+              </a:cxn>
+              <a:cxn ang="0">
+                <a:pos x="connsiteX26" y="connsiteY26"/>
+              </a:cxn>
+              <a:cxn ang="0">
+                <a:pos x="connsiteX27" y="connsiteY27"/>
+              </a:cxn>
+              <a:cxn ang="0">
+                <a:pos x="connsiteX28" y="connsiteY28"/>
+              </a:cxn>
+              <a:cxn ang="0">
+                <a:pos x="connsiteX29" y="connsiteY29"/>
+              </a:cxn>
+              <a:cxn ang="0">
+                <a:pos x="connsiteX30" y="connsiteY30"/>
+              </a:cxn>
+              <a:cxn ang="0">
+                <a:pos x="connsiteX31" y="connsiteY31"/>
+              </a:cxn>
+              <a:cxn ang="0">
+                <a:pos x="connsiteX32" y="connsiteY32"/>
+              </a:cxn>
+              <a:cxn ang="0">
+                <a:pos x="connsiteX33" y="connsiteY33"/>
+              </a:cxn>
+              <a:cxn ang="0">
+                <a:pos x="connsiteX34" y="connsiteY34"/>
+              </a:cxn>
+              <a:cxn ang="0">
+                <a:pos x="connsiteX35" y="connsiteY35"/>
+              </a:cxn>
+              <a:cxn ang="0">
+                <a:pos x="connsiteX36" y="connsiteY36"/>
+              </a:cxn>
+              <a:cxn ang="0">
+                <a:pos x="connsiteX37" y="connsiteY37"/>
+              </a:cxn>
+            </a:cxnLst>
+            <a:rect l="l" t="t" r="r" b="b"/>
+            <a:pathLst>
+              <a:path w="10972800" h="18288" fill="none" extrusionOk="0">
+                <a:moveTo>
+                  <a:pt x="0" y="0"/>
+                </a:moveTo>
+                <a:cubicBezTo>
+                  <a:pt x="165916" y="-1866"/>
+                  <a:pt x="188720" y="13756"/>
+                  <a:pt x="356616" y="0"/>
+                </a:cubicBezTo>
+                <a:cubicBezTo>
+                  <a:pt x="524512" y="-13756"/>
+                  <a:pt x="734781" y="8922"/>
+                  <a:pt x="1042416" y="0"/>
+                </a:cubicBezTo>
+                <a:cubicBezTo>
+                  <a:pt x="1350051" y="-8922"/>
+                  <a:pt x="1595982" y="-26315"/>
+                  <a:pt x="1947672" y="0"/>
+                </a:cubicBezTo>
+                <a:cubicBezTo>
+                  <a:pt x="2299362" y="26315"/>
+                  <a:pt x="2292691" y="-19526"/>
+                  <a:pt x="2633472" y="0"/>
+                </a:cubicBezTo>
+                <a:cubicBezTo>
+                  <a:pt x="2974253" y="19526"/>
+                  <a:pt x="2857309" y="10773"/>
+                  <a:pt x="2990088" y="0"/>
+                </a:cubicBezTo>
+                <a:cubicBezTo>
+                  <a:pt x="3122867" y="-10773"/>
+                  <a:pt x="3359343" y="7194"/>
+                  <a:pt x="3456432" y="0"/>
+                </a:cubicBezTo>
+                <a:cubicBezTo>
+                  <a:pt x="3553521" y="-7194"/>
+                  <a:pt x="4136258" y="5108"/>
+                  <a:pt x="4361688" y="0"/>
+                </a:cubicBezTo>
+                <a:cubicBezTo>
+                  <a:pt x="4587118" y="-5108"/>
+                  <a:pt x="4992424" y="-42958"/>
+                  <a:pt x="5266944" y="0"/>
+                </a:cubicBezTo>
+                <a:cubicBezTo>
+                  <a:pt x="5541464" y="42958"/>
+                  <a:pt x="5882966" y="-3430"/>
+                  <a:pt x="6172200" y="0"/>
+                </a:cubicBezTo>
+                <a:cubicBezTo>
+                  <a:pt x="6461434" y="3430"/>
+                  <a:pt x="6432127" y="6688"/>
+                  <a:pt x="6528816" y="0"/>
+                </a:cubicBezTo>
+                <a:cubicBezTo>
+                  <a:pt x="6625505" y="-6688"/>
+                  <a:pt x="6916805" y="-436"/>
+                  <a:pt x="7214616" y="0"/>
+                </a:cubicBezTo>
+                <a:cubicBezTo>
+                  <a:pt x="7512427" y="436"/>
+                  <a:pt x="7626159" y="-6909"/>
+                  <a:pt x="7790688" y="0"/>
+                </a:cubicBezTo>
+                <a:cubicBezTo>
+                  <a:pt x="7955217" y="6909"/>
+                  <a:pt x="8048891" y="15307"/>
+                  <a:pt x="8147304" y="0"/>
+                </a:cubicBezTo>
+                <a:cubicBezTo>
+                  <a:pt x="8245717" y="-15307"/>
+                  <a:pt x="8645618" y="-11734"/>
+                  <a:pt x="9052560" y="0"/>
+                </a:cubicBezTo>
+                <a:cubicBezTo>
+                  <a:pt x="9459502" y="11734"/>
+                  <a:pt x="9320584" y="8388"/>
+                  <a:pt x="9409176" y="0"/>
+                </a:cubicBezTo>
+                <a:cubicBezTo>
+                  <a:pt x="9497768" y="-8388"/>
+                  <a:pt x="9644192" y="8379"/>
+                  <a:pt x="9765792" y="0"/>
+                </a:cubicBezTo>
+                <a:cubicBezTo>
+                  <a:pt x="9887392" y="-8379"/>
+                  <a:pt x="10105220" y="-12663"/>
+                  <a:pt x="10341864" y="0"/>
+                </a:cubicBezTo>
+                <a:cubicBezTo>
+                  <a:pt x="10578508" y="12663"/>
+                  <a:pt x="10773103" y="-5786"/>
+                  <a:pt x="10972800" y="0"/>
+                </a:cubicBezTo>
+                <a:cubicBezTo>
+                  <a:pt x="10972146" y="8818"/>
+                  <a:pt x="10972240" y="13823"/>
+                  <a:pt x="10972800" y="18288"/>
+                </a:cubicBezTo>
+                <a:cubicBezTo>
+                  <a:pt x="10588778" y="31598"/>
+                  <a:pt x="10543381" y="-12698"/>
+                  <a:pt x="10177272" y="18288"/>
+                </a:cubicBezTo>
+                <a:cubicBezTo>
+                  <a:pt x="9811163" y="49274"/>
+                  <a:pt x="9996817" y="25662"/>
+                  <a:pt x="9820656" y="18288"/>
+                </a:cubicBezTo>
+                <a:cubicBezTo>
+                  <a:pt x="9644495" y="10914"/>
+                  <a:pt x="9607007" y="31631"/>
+                  <a:pt x="9464040" y="18288"/>
+                </a:cubicBezTo>
+                <a:cubicBezTo>
+                  <a:pt x="9321073" y="4945"/>
+                  <a:pt x="9114189" y="28940"/>
+                  <a:pt x="8778240" y="18288"/>
+                </a:cubicBezTo>
+                <a:cubicBezTo>
+                  <a:pt x="8442291" y="7636"/>
+                  <a:pt x="8594763" y="987"/>
+                  <a:pt x="8421624" y="18288"/>
+                </a:cubicBezTo>
+                <a:cubicBezTo>
+                  <a:pt x="8248485" y="35589"/>
+                  <a:pt x="7929515" y="37573"/>
+                  <a:pt x="7735824" y="18288"/>
+                </a:cubicBezTo>
+                <a:cubicBezTo>
+                  <a:pt x="7542133" y="-997"/>
+                  <a:pt x="7252504" y="33858"/>
+                  <a:pt x="6940296" y="18288"/>
+                </a:cubicBezTo>
+                <a:cubicBezTo>
+                  <a:pt x="6628088" y="2718"/>
+                  <a:pt x="6528503" y="48389"/>
+                  <a:pt x="6254496" y="18288"/>
+                </a:cubicBezTo>
+                <a:cubicBezTo>
+                  <a:pt x="5980489" y="-11813"/>
+                  <a:pt x="5695784" y="-3740"/>
+                  <a:pt x="5458968" y="18288"/>
+                </a:cubicBezTo>
+                <a:cubicBezTo>
+                  <a:pt x="5222152" y="40316"/>
+                  <a:pt x="5010751" y="19095"/>
+                  <a:pt x="4663440" y="18288"/>
+                </a:cubicBezTo>
+                <a:cubicBezTo>
+                  <a:pt x="4316129" y="17481"/>
+                  <a:pt x="4425552" y="1606"/>
+                  <a:pt x="4306824" y="18288"/>
+                </a:cubicBezTo>
+                <a:cubicBezTo>
+                  <a:pt x="4188096" y="34970"/>
+                  <a:pt x="3941535" y="7481"/>
+                  <a:pt x="3840480" y="18288"/>
+                </a:cubicBezTo>
+                <a:cubicBezTo>
+                  <a:pt x="3739425" y="29095"/>
+                  <a:pt x="3402388" y="17641"/>
+                  <a:pt x="3264408" y="18288"/>
+                </a:cubicBezTo>
+                <a:cubicBezTo>
+                  <a:pt x="3126428" y="18935"/>
+                  <a:pt x="2776779" y="9983"/>
+                  <a:pt x="2578608" y="18288"/>
+                </a:cubicBezTo>
+                <a:cubicBezTo>
+                  <a:pt x="2380437" y="26593"/>
+                  <a:pt x="1909468" y="25818"/>
+                  <a:pt x="1673352" y="18288"/>
+                </a:cubicBezTo>
+                <a:cubicBezTo>
+                  <a:pt x="1437236" y="10758"/>
+                  <a:pt x="1131180" y="49884"/>
+                  <a:pt x="877824" y="18288"/>
+                </a:cubicBezTo>
+                <a:cubicBezTo>
+                  <a:pt x="624468" y="-13308"/>
+                  <a:pt x="206753" y="2195"/>
+                  <a:pt x="0" y="18288"/>
+                </a:cubicBezTo>
+                <a:cubicBezTo>
+                  <a:pt x="313" y="10654"/>
+                  <a:pt x="-263" y="4056"/>
+                  <a:pt x="0" y="0"/>
+                </a:cubicBezTo>
+                <a:close/>
+              </a:path>
+              <a:path w="10972800" h="18288" stroke="0" extrusionOk="0">
+                <a:moveTo>
+                  <a:pt x="0" y="0"/>
+                </a:moveTo>
+                <a:cubicBezTo>
+                  <a:pt x="164017" y="-17675"/>
+                  <a:pt x="309425" y="9913"/>
+                  <a:pt x="466344" y="0"/>
+                </a:cubicBezTo>
+                <a:cubicBezTo>
+                  <a:pt x="623263" y="-9913"/>
+                  <a:pt x="659300" y="-14524"/>
+                  <a:pt x="822960" y="0"/>
+                </a:cubicBezTo>
+                <a:cubicBezTo>
+                  <a:pt x="986620" y="14524"/>
+                  <a:pt x="1105222" y="-16481"/>
+                  <a:pt x="1289304" y="0"/>
+                </a:cubicBezTo>
+                <a:cubicBezTo>
+                  <a:pt x="1473386" y="16481"/>
+                  <a:pt x="1693223" y="26161"/>
+                  <a:pt x="1975104" y="0"/>
+                </a:cubicBezTo>
+                <a:cubicBezTo>
+                  <a:pt x="2256985" y="-26161"/>
+                  <a:pt x="2435781" y="23061"/>
+                  <a:pt x="2770632" y="0"/>
+                </a:cubicBezTo>
+                <a:cubicBezTo>
+                  <a:pt x="3105483" y="-23061"/>
+                  <a:pt x="3247479" y="-44011"/>
+                  <a:pt x="3675888" y="0"/>
+                </a:cubicBezTo>
+                <a:cubicBezTo>
+                  <a:pt x="4104297" y="44011"/>
+                  <a:pt x="4280918" y="4017"/>
+                  <a:pt x="4581144" y="0"/>
+                </a:cubicBezTo>
+                <a:cubicBezTo>
+                  <a:pt x="4881370" y="-4017"/>
+                  <a:pt x="5021699" y="-11889"/>
+                  <a:pt x="5157216" y="0"/>
+                </a:cubicBezTo>
+                <a:cubicBezTo>
+                  <a:pt x="5292733" y="11889"/>
+                  <a:pt x="5603398" y="-17698"/>
+                  <a:pt x="5952744" y="0"/>
+                </a:cubicBezTo>
+                <a:cubicBezTo>
+                  <a:pt x="6302090" y="17698"/>
+                  <a:pt x="6353093" y="-11909"/>
+                  <a:pt x="6638544" y="0"/>
+                </a:cubicBezTo>
+                <a:cubicBezTo>
+                  <a:pt x="6923995" y="11909"/>
+                  <a:pt x="7053404" y="21630"/>
+                  <a:pt x="7214616" y="0"/>
+                </a:cubicBezTo>
+                <a:cubicBezTo>
+                  <a:pt x="7375828" y="-21630"/>
+                  <a:pt x="7837963" y="3886"/>
+                  <a:pt x="8010144" y="0"/>
+                </a:cubicBezTo>
+                <a:cubicBezTo>
+                  <a:pt x="8182325" y="-3886"/>
+                  <a:pt x="8224183" y="16009"/>
+                  <a:pt x="8366760" y="0"/>
+                </a:cubicBezTo>
+                <a:cubicBezTo>
+                  <a:pt x="8509337" y="-16009"/>
+                  <a:pt x="8687920" y="-5720"/>
+                  <a:pt x="8942832" y="0"/>
+                </a:cubicBezTo>
+                <a:cubicBezTo>
+                  <a:pt x="9197744" y="5720"/>
+                  <a:pt x="9368437" y="20479"/>
+                  <a:pt x="9628632" y="0"/>
+                </a:cubicBezTo>
+                <a:cubicBezTo>
+                  <a:pt x="9888827" y="-20479"/>
+                  <a:pt x="10560858" y="-20746"/>
+                  <a:pt x="10972800" y="0"/>
+                </a:cubicBezTo>
+                <a:cubicBezTo>
+                  <a:pt x="10972186" y="5722"/>
+                  <a:pt x="10972980" y="12495"/>
+                  <a:pt x="10972800" y="18288"/>
+                </a:cubicBezTo>
+                <a:cubicBezTo>
+                  <a:pt x="10786146" y="12536"/>
+                  <a:pt x="10623717" y="14033"/>
+                  <a:pt x="10506456" y="18288"/>
+                </a:cubicBezTo>
+                <a:cubicBezTo>
+                  <a:pt x="10389195" y="22543"/>
+                  <a:pt x="10296178" y="20107"/>
+                  <a:pt x="10149840" y="18288"/>
+                </a:cubicBezTo>
+                <a:cubicBezTo>
+                  <a:pt x="10003502" y="16469"/>
+                  <a:pt x="9767530" y="28891"/>
+                  <a:pt x="9464040" y="18288"/>
+                </a:cubicBezTo>
+                <a:cubicBezTo>
+                  <a:pt x="9160550" y="7685"/>
+                  <a:pt x="9229050" y="2659"/>
+                  <a:pt x="8997696" y="18288"/>
+                </a:cubicBezTo>
+                <a:cubicBezTo>
+                  <a:pt x="8766342" y="33917"/>
+                  <a:pt x="8340136" y="34864"/>
+                  <a:pt x="8092440" y="18288"/>
+                </a:cubicBezTo>
+                <a:cubicBezTo>
+                  <a:pt x="7844744" y="1712"/>
+                  <a:pt x="7863720" y="27405"/>
+                  <a:pt x="7735824" y="18288"/>
+                </a:cubicBezTo>
+                <a:cubicBezTo>
+                  <a:pt x="7607928" y="9171"/>
+                  <a:pt x="7323619" y="461"/>
+                  <a:pt x="7050024" y="18288"/>
+                </a:cubicBezTo>
+                <a:cubicBezTo>
+                  <a:pt x="6776429" y="36115"/>
+                  <a:pt x="6787899" y="28206"/>
+                  <a:pt x="6693408" y="18288"/>
+                </a:cubicBezTo>
+                <a:cubicBezTo>
+                  <a:pt x="6598917" y="8370"/>
+                  <a:pt x="6395231" y="19114"/>
+                  <a:pt x="6227064" y="18288"/>
+                </a:cubicBezTo>
+                <a:cubicBezTo>
+                  <a:pt x="6058897" y="17462"/>
+                  <a:pt x="5618582" y="1091"/>
+                  <a:pt x="5431536" y="18288"/>
+                </a:cubicBezTo>
+                <a:cubicBezTo>
+                  <a:pt x="5244490" y="35485"/>
+                  <a:pt x="4729797" y="-9650"/>
+                  <a:pt x="4526280" y="18288"/>
+                </a:cubicBezTo>
+                <a:cubicBezTo>
+                  <a:pt x="4322763" y="46226"/>
+                  <a:pt x="4216797" y="756"/>
+                  <a:pt x="4059936" y="18288"/>
+                </a:cubicBezTo>
+                <a:cubicBezTo>
+                  <a:pt x="3903075" y="35820"/>
+                  <a:pt x="3537912" y="42098"/>
+                  <a:pt x="3374136" y="18288"/>
+                </a:cubicBezTo>
+                <a:cubicBezTo>
+                  <a:pt x="3210360" y="-5522"/>
+                  <a:pt x="3126842" y="39135"/>
+                  <a:pt x="2907792" y="18288"/>
+                </a:cubicBezTo>
+                <a:cubicBezTo>
+                  <a:pt x="2688742" y="-2559"/>
+                  <a:pt x="2490436" y="34100"/>
+                  <a:pt x="2112264" y="18288"/>
+                </a:cubicBezTo>
+                <a:cubicBezTo>
+                  <a:pt x="1734092" y="2476"/>
+                  <a:pt x="1744622" y="-7274"/>
+                  <a:pt x="1536192" y="18288"/>
+                </a:cubicBezTo>
+                <a:cubicBezTo>
+                  <a:pt x="1327762" y="43850"/>
+                  <a:pt x="1189025" y="6435"/>
+                  <a:pt x="1069848" y="18288"/>
+                </a:cubicBezTo>
+                <a:cubicBezTo>
+                  <a:pt x="950671" y="30141"/>
+                  <a:pt x="858345" y="33684"/>
+                  <a:pt x="713232" y="18288"/>
+                </a:cubicBezTo>
+                <a:cubicBezTo>
+                  <a:pt x="568119" y="2892"/>
+                  <a:pt x="250292" y="5410"/>
+                  <a:pt x="0" y="18288"/>
+                </a:cubicBezTo>
+                <a:cubicBezTo>
+                  <a:pt x="465" y="13062"/>
+                  <a:pt x="-894" y="9029"/>
+                  <a:pt x="0" y="0"/>
+                </a:cubicBezTo>
+                <a:close/>
+              </a:path>
+            </a:pathLst>
+          </a:custGeom>
+          <a:solidFill>
+            <a:schemeClr val="accent2">
+              <a:alpha val="75000"/>
+            </a:schemeClr>
+          </a:solidFill>
+          <a:ln w="44450" cap="rnd">
+            <a:solidFill>
+              <a:schemeClr val="accent2">
+                <a:alpha val="75000"/>
+              </a:schemeClr>
+            </a:solidFill>
+            <a:round/>
+            <a:extLst>
+              <a:ext uri="{C807C97D-BFC1-408E-A445-0C87EB9F89A2}">
+                <ask:lineSketchStyleProps xmlns:ask="http://schemas.microsoft.com/office/drawing/2018/sketchyshapes" sd="2727557108">
+                  <a:prstGeom prst="rect">
+                    <a:avLst/>
+                  </a:prstGeom>
+                  <ask:type>
+                    <ask:lineSketchFreehand/>
+                  </ask:type>
+                </ask:lineSketchStyleProps>
+              </a:ext>
+            </a:extLst>
+          </a:ln>
+        </p:spPr>
+        <p:style>
+          <a:lnRef idx="2">
+            <a:schemeClr val="accent1">
+              <a:shade val="50000"/>
+            </a:schemeClr>
+          </a:lnRef>
+          <a:fillRef idx="1">
+            <a:schemeClr val="accent1"/>
+          </a:fillRef>
+          <a:effectRef idx="0">
+            <a:schemeClr val="accent1"/>
+          </a:effectRef>
+          <a:fontRef idx="minor">
+            <a:schemeClr val="lt1"/>
+          </a:fontRef>
+        </p:style>
+        <p:txBody>
+          <a:bodyPr rtlCol="0" anchor="ctr"/>
+          <a:lstStyle/>
+          <a:p>
+            <a:pPr algn="ctr"/>
+            <a:endParaRPr lang="en-US"/>
           </a:p>
         </p:txBody>
       </p:sp>
@@ -11860,15 +16804,20 @@
             <p:ph idx="1"/>
           </p:nvPr>
         </p:nvSpPr>
-        <p:spPr/>
+        <p:spPr>
+          <a:xfrm>
+            <a:off x="572493" y="2071316"/>
+            <a:ext cx="6713552" cy="4119172"/>
+          </a:xfrm>
+        </p:spPr>
         <p:txBody>
-          <a:bodyPr>
+          <a:bodyPr anchor="t">
             <a:normAutofit/>
           </a:bodyPr>
           <a:lstStyle/>
           <a:p>
             <a:r>
-              <a:rPr lang="en-US" dirty="0">
+              <a:rPr lang="en-US" sz="2000" dirty="0">
                 <a:solidFill>
                   <a:schemeClr val="accent5">
                     <a:lumMod val="75000"/>
@@ -11881,7 +16830,7 @@
           <a:p>
             <a:pPr lvl="1"/>
             <a:r>
-              <a:rPr lang="en-US" dirty="0">
+              <a:rPr lang="en-US" sz="2000" dirty="0">
                 <a:solidFill>
                   <a:schemeClr val="accent5">
                     <a:lumMod val="75000"/>
@@ -11893,7 +16842,7 @@
           </a:p>
           <a:p>
             <a:r>
-              <a:rPr lang="en-US" dirty="0">
+              <a:rPr lang="en-US" sz="2000" dirty="0">
                 <a:solidFill>
                   <a:schemeClr val="accent5">
                     <a:lumMod val="75000"/>
@@ -11906,7 +16855,7 @@
           <a:p>
             <a:pPr lvl="1"/>
             <a:r>
-              <a:rPr lang="en-US" dirty="0">
+              <a:rPr lang="en-US" sz="2000" dirty="0">
                 <a:solidFill>
                   <a:schemeClr val="accent5">
                     <a:lumMod val="75000"/>
@@ -11919,7 +16868,7 @@
           <a:p>
             <a:pPr lvl="1"/>
             <a:r>
-              <a:rPr lang="en-US" dirty="0">
+              <a:rPr lang="en-US" sz="2000" dirty="0">
                 <a:solidFill>
                   <a:schemeClr val="accent5">
                     <a:lumMod val="75000"/>
@@ -11931,7 +16880,7 @@
           </a:p>
           <a:p>
             <a:r>
-              <a:rPr lang="en-US" dirty="0">
+              <a:rPr lang="en-US" sz="2000" dirty="0">
                 <a:solidFill>
                   <a:schemeClr val="accent5">
                     <a:lumMod val="75000"/>
@@ -11944,7 +16893,7 @@
           <a:p>
             <a:pPr lvl="1"/>
             <a:r>
-              <a:rPr lang="en-US" dirty="0">
+              <a:rPr lang="en-US" sz="2000" dirty="0">
                 <a:solidFill>
                   <a:schemeClr val="accent5">
                     <a:lumMod val="75000"/>
@@ -11957,7 +16906,7 @@
           <a:p>
             <a:pPr lvl="1"/>
             <a:r>
-              <a:rPr lang="en-US" dirty="0">
+              <a:rPr lang="en-US" sz="2000" dirty="0">
                 <a:solidFill>
                   <a:schemeClr val="accent5">
                     <a:lumMod val="75000"/>
@@ -11971,13 +16920,80 @@
             <a:pPr marL="0" indent="0">
               <a:buNone/>
             </a:pPr>
-            <a:endParaRPr lang="en-US" dirty="0">
-              <a:solidFill>
-                <a:schemeClr val="accent5">
-                  <a:lumMod val="75000"/>
-                </a:schemeClr>
-              </a:solidFill>
-            </a:endParaRPr>
+            <a:endParaRPr lang="en-US" sz="2000" dirty="0"/>
+          </a:p>
+        </p:txBody>
+      </p:sp>
+      <p:pic>
+        <p:nvPicPr>
+          <p:cNvPr id="5" name="Picture 4" descr="A small computer chip with a black and silver surface&#10;&#10;Description automatically generated with medium confidence">
+            <a:extLst>
+              <a:ext uri="{FF2B5EF4-FFF2-40B4-BE49-F238E27FC236}">
+                <a16:creationId xmlns:a16="http://schemas.microsoft.com/office/drawing/2014/main" id="{6D349D15-CAA3-3309-225A-A2508FF75F3D}"/>
+              </a:ext>
+            </a:extLst>
+          </p:cNvPr>
+          <p:cNvPicPr>
+            <a:picLocks noChangeAspect="1"/>
+          </p:cNvPicPr>
+          <p:nvPr/>
+        </p:nvPicPr>
+        <p:blipFill>
+          <a:blip r:embed="rId3">
+            <a:extLst>
+              <a:ext uri="{28A0092B-C50C-407E-A947-70E740481C1C}">
+                <a14:useLocalDpi xmlns:a14="http://schemas.microsoft.com/office/drawing/2010/main" val="0"/>
+              </a:ext>
+            </a:extLst>
+          </a:blip>
+          <a:srcRect l="21497" r="6349"/>
+          <a:stretch/>
+        </p:blipFill>
+        <p:spPr>
+          <a:xfrm>
+            <a:off x="7675658" y="2093976"/>
+            <a:ext cx="3941064" cy="4096512"/>
+          </a:xfrm>
+          <a:prstGeom prst="rect">
+            <a:avLst/>
+          </a:prstGeom>
+        </p:spPr>
+      </p:pic>
+      <p:sp>
+        <p:nvSpPr>
+          <p:cNvPr id="6" name="TextBox 5">
+            <a:extLst>
+              <a:ext uri="{FF2B5EF4-FFF2-40B4-BE49-F238E27FC236}">
+                <a16:creationId xmlns:a16="http://schemas.microsoft.com/office/drawing/2014/main" id="{7C2A027F-49DC-5B4E-86FE-058DB40E19E1}"/>
+              </a:ext>
+            </a:extLst>
+          </p:cNvPr>
+          <p:cNvSpPr txBox="1"/>
+          <p:nvPr/>
+        </p:nvSpPr>
+        <p:spPr>
+          <a:xfrm>
+            <a:off x="7675658" y="6190488"/>
+            <a:ext cx="3423266" cy="369332"/>
+          </a:xfrm>
+          <a:prstGeom prst="rect">
+            <a:avLst/>
+          </a:prstGeom>
+          <a:noFill/>
+        </p:spPr>
+        <p:txBody>
+          <a:bodyPr wrap="square" rtlCol="0">
+            <a:spAutoFit/>
+          </a:bodyPr>
+          <a:lstStyle/>
+          <a:p>
+            <a:r>
+              <a:rPr lang="en-US" dirty="0">
+                <a:hlinkClick r:id="rId4"/>
+              </a:rPr>
+              <a:t>Image Source</a:t>
+            </a:r>
+            <a:endParaRPr lang="en-US" dirty="0"/>
           </a:p>
         </p:txBody>
       </p:sp>
@@ -11997,6 +17013,14 @@
 <file path=ppt/slides/slide7.xml><?xml version="1.0" encoding="utf-8"?>
 <p:sld xmlns:a="http://schemas.openxmlformats.org/drawingml/2006/main" xmlns:r="http://schemas.openxmlformats.org/officeDocument/2006/relationships" xmlns:p="http://schemas.openxmlformats.org/presentationml/2006/main">
   <p:cSld>
+    <p:bg>
+      <p:bgPr>
+        <a:solidFill>
+          <a:schemeClr val="bg1"/>
+        </a:solidFill>
+        <a:effectLst/>
+      </p:bgPr>
+    </p:bg>
     <p:spTree>
       <p:nvGrpSpPr>
         <p:cNvPr id="1" name=""/>
@@ -12011,6 +17035,66 @@
           <a:chExt cx="0" cy="0"/>
         </a:xfrm>
       </p:grpSpPr>
+      <p:sp useBgFill="1">
+        <p:nvSpPr>
+          <p:cNvPr id="10" name="Rectangle 9">
+            <a:extLst>
+              <a:ext uri="{FF2B5EF4-FFF2-40B4-BE49-F238E27FC236}">
+                <a16:creationId xmlns:a16="http://schemas.microsoft.com/office/drawing/2014/main" id="{45D37F4E-DDB4-456B-97E0-9937730A039F}"/>
+              </a:ext>
+              <a:ext uri="{C183D7F6-B498-43B3-948B-1728B52AA6E4}">
+                <adec:decorative xmlns:adec="http://schemas.microsoft.com/office/drawing/2017/decorative" val="1"/>
+              </a:ext>
+            </a:extLst>
+          </p:cNvPr>
+          <p:cNvSpPr>
+            <a:spLocks noGrp="1" noRot="1" noChangeAspect="1" noMove="1" noResize="1" noEditPoints="1" noAdjustHandles="1" noChangeArrowheads="1" noChangeShapeType="1" noTextEdit="1"/>
+          </p:cNvSpPr>
+          <p:nvPr>
+            <p:extLst>
+              <p:ext uri="{386F3935-93C4-4BCD-93E2-E3B085C9AB24}">
+                <p16:designElem xmlns:p16="http://schemas.microsoft.com/office/powerpoint/2015/main" val="1"/>
+              </p:ext>
+            </p:extLst>
+          </p:nvPr>
+        </p:nvSpPr>
+        <p:spPr>
+          <a:xfrm>
+            <a:off x="0" y="0"/>
+            <a:ext cx="12188952" cy="6858000"/>
+          </a:xfrm>
+          <a:prstGeom prst="rect">
+            <a:avLst/>
+          </a:prstGeom>
+          <a:ln>
+            <a:noFill/>
+          </a:ln>
+        </p:spPr>
+        <p:style>
+          <a:lnRef idx="2">
+            <a:schemeClr val="accent1">
+              <a:shade val="50000"/>
+            </a:schemeClr>
+          </a:lnRef>
+          <a:fillRef idx="1">
+            <a:schemeClr val="accent1"/>
+          </a:fillRef>
+          <a:effectRef idx="0">
+            <a:schemeClr val="accent1"/>
+          </a:effectRef>
+          <a:fontRef idx="minor">
+            <a:schemeClr val="lt1"/>
+          </a:fontRef>
+        </p:style>
+        <p:txBody>
+          <a:bodyPr rtlCol="0" anchor="ctr"/>
+          <a:lstStyle/>
+          <a:p>
+            <a:pPr algn="ctr"/>
+            <a:endParaRPr lang="en-US"/>
+          </a:p>
+        </p:txBody>
+      </p:sp>
       <p:sp>
         <p:nvSpPr>
           <p:cNvPr id="2" name="Title 1">
@@ -12027,15 +17111,684 @@
             <p:ph type="title"/>
           </p:nvPr>
         </p:nvSpPr>
-        <p:spPr/>
+        <p:spPr>
+          <a:xfrm>
+            <a:off x="572493" y="238539"/>
+            <a:ext cx="11018520" cy="1434415"/>
+          </a:xfrm>
+        </p:spPr>
         <p:txBody>
-          <a:bodyPr/>
+          <a:bodyPr anchor="b">
+            <a:normAutofit/>
+          </a:bodyPr>
           <a:lstStyle/>
           <a:p>
             <a:r>
-              <a:rPr lang="en-US" dirty="0"/>
+              <a:rPr lang="en-US" sz="5400"/>
               <a:t>Design Concept 2: FPGA</a:t>
             </a:r>
+          </a:p>
+        </p:txBody>
+      </p:sp>
+      <p:sp>
+        <p:nvSpPr>
+          <p:cNvPr id="12" name="sketchy line">
+            <a:extLst>
+              <a:ext uri="{FF2B5EF4-FFF2-40B4-BE49-F238E27FC236}">
+                <a16:creationId xmlns:a16="http://schemas.microsoft.com/office/drawing/2014/main" id="{B2DD41CD-8F47-4F56-AD12-4E2FF7696987}"/>
+              </a:ext>
+              <a:ext uri="{C183D7F6-B498-43B3-948B-1728B52AA6E4}">
+                <adec:decorative xmlns:adec="http://schemas.microsoft.com/office/drawing/2017/decorative" val="1"/>
+              </a:ext>
+            </a:extLst>
+          </p:cNvPr>
+          <p:cNvSpPr>
+            <a:spLocks noGrp="1" noRot="1" noChangeAspect="1" noMove="1" noResize="1" noEditPoints="1" noAdjustHandles="1" noChangeArrowheads="1" noChangeShapeType="1" noTextEdit="1"/>
+          </p:cNvSpPr>
+          <p:nvPr>
+            <p:extLst>
+              <p:ext uri="{386F3935-93C4-4BCD-93E2-E3B085C9AB24}">
+                <p16:designElem xmlns:p16="http://schemas.microsoft.com/office/powerpoint/2015/main" val="1"/>
+              </p:ext>
+            </p:extLst>
+          </p:nvPr>
+        </p:nvSpPr>
+        <p:spPr>
+          <a:xfrm>
+            <a:off x="572493" y="1681544"/>
+            <a:ext cx="10972800" cy="18288"/>
+          </a:xfrm>
+          <a:custGeom>
+            <a:avLst/>
+            <a:gdLst>
+              <a:gd name="connsiteX0" fmla="*/ 0 w 10972800"/>
+              <a:gd name="connsiteY0" fmla="*/ 0 h 18288"/>
+              <a:gd name="connsiteX1" fmla="*/ 356616 w 10972800"/>
+              <a:gd name="connsiteY1" fmla="*/ 0 h 18288"/>
+              <a:gd name="connsiteX2" fmla="*/ 1042416 w 10972800"/>
+              <a:gd name="connsiteY2" fmla="*/ 0 h 18288"/>
+              <a:gd name="connsiteX3" fmla="*/ 1947672 w 10972800"/>
+              <a:gd name="connsiteY3" fmla="*/ 0 h 18288"/>
+              <a:gd name="connsiteX4" fmla="*/ 2633472 w 10972800"/>
+              <a:gd name="connsiteY4" fmla="*/ 0 h 18288"/>
+              <a:gd name="connsiteX5" fmla="*/ 2990088 w 10972800"/>
+              <a:gd name="connsiteY5" fmla="*/ 0 h 18288"/>
+              <a:gd name="connsiteX6" fmla="*/ 3456432 w 10972800"/>
+              <a:gd name="connsiteY6" fmla="*/ 0 h 18288"/>
+              <a:gd name="connsiteX7" fmla="*/ 4361688 w 10972800"/>
+              <a:gd name="connsiteY7" fmla="*/ 0 h 18288"/>
+              <a:gd name="connsiteX8" fmla="*/ 5266944 w 10972800"/>
+              <a:gd name="connsiteY8" fmla="*/ 0 h 18288"/>
+              <a:gd name="connsiteX9" fmla="*/ 6172200 w 10972800"/>
+              <a:gd name="connsiteY9" fmla="*/ 0 h 18288"/>
+              <a:gd name="connsiteX10" fmla="*/ 6528816 w 10972800"/>
+              <a:gd name="connsiteY10" fmla="*/ 0 h 18288"/>
+              <a:gd name="connsiteX11" fmla="*/ 7214616 w 10972800"/>
+              <a:gd name="connsiteY11" fmla="*/ 0 h 18288"/>
+              <a:gd name="connsiteX12" fmla="*/ 7790688 w 10972800"/>
+              <a:gd name="connsiteY12" fmla="*/ 0 h 18288"/>
+              <a:gd name="connsiteX13" fmla="*/ 8147304 w 10972800"/>
+              <a:gd name="connsiteY13" fmla="*/ 0 h 18288"/>
+              <a:gd name="connsiteX14" fmla="*/ 9052560 w 10972800"/>
+              <a:gd name="connsiteY14" fmla="*/ 0 h 18288"/>
+              <a:gd name="connsiteX15" fmla="*/ 9409176 w 10972800"/>
+              <a:gd name="connsiteY15" fmla="*/ 0 h 18288"/>
+              <a:gd name="connsiteX16" fmla="*/ 9765792 w 10972800"/>
+              <a:gd name="connsiteY16" fmla="*/ 0 h 18288"/>
+              <a:gd name="connsiteX17" fmla="*/ 10341864 w 10972800"/>
+              <a:gd name="connsiteY17" fmla="*/ 0 h 18288"/>
+              <a:gd name="connsiteX18" fmla="*/ 10972800 w 10972800"/>
+              <a:gd name="connsiteY18" fmla="*/ 0 h 18288"/>
+              <a:gd name="connsiteX19" fmla="*/ 10972800 w 10972800"/>
+              <a:gd name="connsiteY19" fmla="*/ 18288 h 18288"/>
+              <a:gd name="connsiteX20" fmla="*/ 10177272 w 10972800"/>
+              <a:gd name="connsiteY20" fmla="*/ 18288 h 18288"/>
+              <a:gd name="connsiteX21" fmla="*/ 9820656 w 10972800"/>
+              <a:gd name="connsiteY21" fmla="*/ 18288 h 18288"/>
+              <a:gd name="connsiteX22" fmla="*/ 9464040 w 10972800"/>
+              <a:gd name="connsiteY22" fmla="*/ 18288 h 18288"/>
+              <a:gd name="connsiteX23" fmla="*/ 8778240 w 10972800"/>
+              <a:gd name="connsiteY23" fmla="*/ 18288 h 18288"/>
+              <a:gd name="connsiteX24" fmla="*/ 8421624 w 10972800"/>
+              <a:gd name="connsiteY24" fmla="*/ 18288 h 18288"/>
+              <a:gd name="connsiteX25" fmla="*/ 7735824 w 10972800"/>
+              <a:gd name="connsiteY25" fmla="*/ 18288 h 18288"/>
+              <a:gd name="connsiteX26" fmla="*/ 6940296 w 10972800"/>
+              <a:gd name="connsiteY26" fmla="*/ 18288 h 18288"/>
+              <a:gd name="connsiteX27" fmla="*/ 6254496 w 10972800"/>
+              <a:gd name="connsiteY27" fmla="*/ 18288 h 18288"/>
+              <a:gd name="connsiteX28" fmla="*/ 5458968 w 10972800"/>
+              <a:gd name="connsiteY28" fmla="*/ 18288 h 18288"/>
+              <a:gd name="connsiteX29" fmla="*/ 4663440 w 10972800"/>
+              <a:gd name="connsiteY29" fmla="*/ 18288 h 18288"/>
+              <a:gd name="connsiteX30" fmla="*/ 4306824 w 10972800"/>
+              <a:gd name="connsiteY30" fmla="*/ 18288 h 18288"/>
+              <a:gd name="connsiteX31" fmla="*/ 3840480 w 10972800"/>
+              <a:gd name="connsiteY31" fmla="*/ 18288 h 18288"/>
+              <a:gd name="connsiteX32" fmla="*/ 3264408 w 10972800"/>
+              <a:gd name="connsiteY32" fmla="*/ 18288 h 18288"/>
+              <a:gd name="connsiteX33" fmla="*/ 2578608 w 10972800"/>
+              <a:gd name="connsiteY33" fmla="*/ 18288 h 18288"/>
+              <a:gd name="connsiteX34" fmla="*/ 1673352 w 10972800"/>
+              <a:gd name="connsiteY34" fmla="*/ 18288 h 18288"/>
+              <a:gd name="connsiteX35" fmla="*/ 877824 w 10972800"/>
+              <a:gd name="connsiteY35" fmla="*/ 18288 h 18288"/>
+              <a:gd name="connsiteX36" fmla="*/ 0 w 10972800"/>
+              <a:gd name="connsiteY36" fmla="*/ 18288 h 18288"/>
+              <a:gd name="connsiteX37" fmla="*/ 0 w 10972800"/>
+              <a:gd name="connsiteY37" fmla="*/ 0 h 18288"/>
+            </a:gdLst>
+            <a:ahLst/>
+            <a:cxnLst>
+              <a:cxn ang="0">
+                <a:pos x="connsiteX0" y="connsiteY0"/>
+              </a:cxn>
+              <a:cxn ang="0">
+                <a:pos x="connsiteX1" y="connsiteY1"/>
+              </a:cxn>
+              <a:cxn ang="0">
+                <a:pos x="connsiteX2" y="connsiteY2"/>
+              </a:cxn>
+              <a:cxn ang="0">
+                <a:pos x="connsiteX3" y="connsiteY3"/>
+              </a:cxn>
+              <a:cxn ang="0">
+                <a:pos x="connsiteX4" y="connsiteY4"/>
+              </a:cxn>
+              <a:cxn ang="0">
+                <a:pos x="connsiteX5" y="connsiteY5"/>
+              </a:cxn>
+              <a:cxn ang="0">
+                <a:pos x="connsiteX6" y="connsiteY6"/>
+              </a:cxn>
+              <a:cxn ang="0">
+                <a:pos x="connsiteX7" y="connsiteY7"/>
+              </a:cxn>
+              <a:cxn ang="0">
+                <a:pos x="connsiteX8" y="connsiteY8"/>
+              </a:cxn>
+              <a:cxn ang="0">
+                <a:pos x="connsiteX9" y="connsiteY9"/>
+              </a:cxn>
+              <a:cxn ang="0">
+                <a:pos x="connsiteX10" y="connsiteY10"/>
+              </a:cxn>
+              <a:cxn ang="0">
+                <a:pos x="connsiteX11" y="connsiteY11"/>
+              </a:cxn>
+              <a:cxn ang="0">
+                <a:pos x="connsiteX12" y="connsiteY12"/>
+              </a:cxn>
+              <a:cxn ang="0">
+                <a:pos x="connsiteX13" y="connsiteY13"/>
+              </a:cxn>
+              <a:cxn ang="0">
+                <a:pos x="connsiteX14" y="connsiteY14"/>
+              </a:cxn>
+              <a:cxn ang="0">
+                <a:pos x="connsiteX15" y="connsiteY15"/>
+              </a:cxn>
+              <a:cxn ang="0">
+                <a:pos x="connsiteX16" y="connsiteY16"/>
+              </a:cxn>
+              <a:cxn ang="0">
+                <a:pos x="connsiteX17" y="connsiteY17"/>
+              </a:cxn>
+              <a:cxn ang="0">
+                <a:pos x="connsiteX18" y="connsiteY18"/>
+              </a:cxn>
+              <a:cxn ang="0">
+                <a:pos x="connsiteX19" y="connsiteY19"/>
+              </a:cxn>
+              <a:cxn ang="0">
+                <a:pos x="connsiteX20" y="connsiteY20"/>
+              </a:cxn>
+              <a:cxn ang="0">
+                <a:pos x="connsiteX21" y="connsiteY21"/>
+              </a:cxn>
+              <a:cxn ang="0">
+                <a:pos x="connsiteX22" y="connsiteY22"/>
+              </a:cxn>
+              <a:cxn ang="0">
+                <a:pos x="connsiteX23" y="connsiteY23"/>
+              </a:cxn>
+              <a:cxn ang="0">
+                <a:pos x="connsiteX24" y="connsiteY24"/>
+              </a:cxn>
+              <a:cxn ang="0">
+                <a:pos x="connsiteX25" y="connsiteY25"/>
+              </a:cxn>
+              <a:cxn ang="0">
+                <a:pos x="connsiteX26" y="connsiteY26"/>
+              </a:cxn>
+              <a:cxn ang="0">
+                <a:pos x="connsiteX27" y="connsiteY27"/>
+              </a:cxn>
+              <a:cxn ang="0">
+                <a:pos x="connsiteX28" y="connsiteY28"/>
+              </a:cxn>
+              <a:cxn ang="0">
+                <a:pos x="connsiteX29" y="connsiteY29"/>
+              </a:cxn>
+              <a:cxn ang="0">
+                <a:pos x="connsiteX30" y="connsiteY30"/>
+              </a:cxn>
+              <a:cxn ang="0">
+                <a:pos x="connsiteX31" y="connsiteY31"/>
+              </a:cxn>
+              <a:cxn ang="0">
+                <a:pos x="connsiteX32" y="connsiteY32"/>
+              </a:cxn>
+              <a:cxn ang="0">
+                <a:pos x="connsiteX33" y="connsiteY33"/>
+              </a:cxn>
+              <a:cxn ang="0">
+                <a:pos x="connsiteX34" y="connsiteY34"/>
+              </a:cxn>
+              <a:cxn ang="0">
+                <a:pos x="connsiteX35" y="connsiteY35"/>
+              </a:cxn>
+              <a:cxn ang="0">
+                <a:pos x="connsiteX36" y="connsiteY36"/>
+              </a:cxn>
+              <a:cxn ang="0">
+                <a:pos x="connsiteX37" y="connsiteY37"/>
+              </a:cxn>
+            </a:cxnLst>
+            <a:rect l="l" t="t" r="r" b="b"/>
+            <a:pathLst>
+              <a:path w="10972800" h="18288" fill="none" extrusionOk="0">
+                <a:moveTo>
+                  <a:pt x="0" y="0"/>
+                </a:moveTo>
+                <a:cubicBezTo>
+                  <a:pt x="165916" y="-1866"/>
+                  <a:pt x="188720" y="13756"/>
+                  <a:pt x="356616" y="0"/>
+                </a:cubicBezTo>
+                <a:cubicBezTo>
+                  <a:pt x="524512" y="-13756"/>
+                  <a:pt x="734781" y="8922"/>
+                  <a:pt x="1042416" y="0"/>
+                </a:cubicBezTo>
+                <a:cubicBezTo>
+                  <a:pt x="1350051" y="-8922"/>
+                  <a:pt x="1595982" y="-26315"/>
+                  <a:pt x="1947672" y="0"/>
+                </a:cubicBezTo>
+                <a:cubicBezTo>
+                  <a:pt x="2299362" y="26315"/>
+                  <a:pt x="2292691" y="-19526"/>
+                  <a:pt x="2633472" y="0"/>
+                </a:cubicBezTo>
+                <a:cubicBezTo>
+                  <a:pt x="2974253" y="19526"/>
+                  <a:pt x="2857309" y="10773"/>
+                  <a:pt x="2990088" y="0"/>
+                </a:cubicBezTo>
+                <a:cubicBezTo>
+                  <a:pt x="3122867" y="-10773"/>
+                  <a:pt x="3359343" y="7194"/>
+                  <a:pt x="3456432" y="0"/>
+                </a:cubicBezTo>
+                <a:cubicBezTo>
+                  <a:pt x="3553521" y="-7194"/>
+                  <a:pt x="4136258" y="5108"/>
+                  <a:pt x="4361688" y="0"/>
+                </a:cubicBezTo>
+                <a:cubicBezTo>
+                  <a:pt x="4587118" y="-5108"/>
+                  <a:pt x="4992424" y="-42958"/>
+                  <a:pt x="5266944" y="0"/>
+                </a:cubicBezTo>
+                <a:cubicBezTo>
+                  <a:pt x="5541464" y="42958"/>
+                  <a:pt x="5882966" y="-3430"/>
+                  <a:pt x="6172200" y="0"/>
+                </a:cubicBezTo>
+                <a:cubicBezTo>
+                  <a:pt x="6461434" y="3430"/>
+                  <a:pt x="6432127" y="6688"/>
+                  <a:pt x="6528816" y="0"/>
+                </a:cubicBezTo>
+                <a:cubicBezTo>
+                  <a:pt x="6625505" y="-6688"/>
+                  <a:pt x="6916805" y="-436"/>
+                  <a:pt x="7214616" y="0"/>
+                </a:cubicBezTo>
+                <a:cubicBezTo>
+                  <a:pt x="7512427" y="436"/>
+                  <a:pt x="7626159" y="-6909"/>
+                  <a:pt x="7790688" y="0"/>
+                </a:cubicBezTo>
+                <a:cubicBezTo>
+                  <a:pt x="7955217" y="6909"/>
+                  <a:pt x="8048891" y="15307"/>
+                  <a:pt x="8147304" y="0"/>
+                </a:cubicBezTo>
+                <a:cubicBezTo>
+                  <a:pt x="8245717" y="-15307"/>
+                  <a:pt x="8645618" y="-11734"/>
+                  <a:pt x="9052560" y="0"/>
+                </a:cubicBezTo>
+                <a:cubicBezTo>
+                  <a:pt x="9459502" y="11734"/>
+                  <a:pt x="9320584" y="8388"/>
+                  <a:pt x="9409176" y="0"/>
+                </a:cubicBezTo>
+                <a:cubicBezTo>
+                  <a:pt x="9497768" y="-8388"/>
+                  <a:pt x="9644192" y="8379"/>
+                  <a:pt x="9765792" y="0"/>
+                </a:cubicBezTo>
+                <a:cubicBezTo>
+                  <a:pt x="9887392" y="-8379"/>
+                  <a:pt x="10105220" y="-12663"/>
+                  <a:pt x="10341864" y="0"/>
+                </a:cubicBezTo>
+                <a:cubicBezTo>
+                  <a:pt x="10578508" y="12663"/>
+                  <a:pt x="10773103" y="-5786"/>
+                  <a:pt x="10972800" y="0"/>
+                </a:cubicBezTo>
+                <a:cubicBezTo>
+                  <a:pt x="10972146" y="8818"/>
+                  <a:pt x="10972240" y="13823"/>
+                  <a:pt x="10972800" y="18288"/>
+                </a:cubicBezTo>
+                <a:cubicBezTo>
+                  <a:pt x="10588778" y="31598"/>
+                  <a:pt x="10543381" y="-12698"/>
+                  <a:pt x="10177272" y="18288"/>
+                </a:cubicBezTo>
+                <a:cubicBezTo>
+                  <a:pt x="9811163" y="49274"/>
+                  <a:pt x="9996817" y="25662"/>
+                  <a:pt x="9820656" y="18288"/>
+                </a:cubicBezTo>
+                <a:cubicBezTo>
+                  <a:pt x="9644495" y="10914"/>
+                  <a:pt x="9607007" y="31631"/>
+                  <a:pt x="9464040" y="18288"/>
+                </a:cubicBezTo>
+                <a:cubicBezTo>
+                  <a:pt x="9321073" y="4945"/>
+                  <a:pt x="9114189" y="28940"/>
+                  <a:pt x="8778240" y="18288"/>
+                </a:cubicBezTo>
+                <a:cubicBezTo>
+                  <a:pt x="8442291" y="7636"/>
+                  <a:pt x="8594763" y="987"/>
+                  <a:pt x="8421624" y="18288"/>
+                </a:cubicBezTo>
+                <a:cubicBezTo>
+                  <a:pt x="8248485" y="35589"/>
+                  <a:pt x="7929515" y="37573"/>
+                  <a:pt x="7735824" y="18288"/>
+                </a:cubicBezTo>
+                <a:cubicBezTo>
+                  <a:pt x="7542133" y="-997"/>
+                  <a:pt x="7252504" y="33858"/>
+                  <a:pt x="6940296" y="18288"/>
+                </a:cubicBezTo>
+                <a:cubicBezTo>
+                  <a:pt x="6628088" y="2718"/>
+                  <a:pt x="6528503" y="48389"/>
+                  <a:pt x="6254496" y="18288"/>
+                </a:cubicBezTo>
+                <a:cubicBezTo>
+                  <a:pt x="5980489" y="-11813"/>
+                  <a:pt x="5695784" y="-3740"/>
+                  <a:pt x="5458968" y="18288"/>
+                </a:cubicBezTo>
+                <a:cubicBezTo>
+                  <a:pt x="5222152" y="40316"/>
+                  <a:pt x="5010751" y="19095"/>
+                  <a:pt x="4663440" y="18288"/>
+                </a:cubicBezTo>
+                <a:cubicBezTo>
+                  <a:pt x="4316129" y="17481"/>
+                  <a:pt x="4425552" y="1606"/>
+                  <a:pt x="4306824" y="18288"/>
+                </a:cubicBezTo>
+                <a:cubicBezTo>
+                  <a:pt x="4188096" y="34970"/>
+                  <a:pt x="3941535" y="7481"/>
+                  <a:pt x="3840480" y="18288"/>
+                </a:cubicBezTo>
+                <a:cubicBezTo>
+                  <a:pt x="3739425" y="29095"/>
+                  <a:pt x="3402388" y="17641"/>
+                  <a:pt x="3264408" y="18288"/>
+                </a:cubicBezTo>
+                <a:cubicBezTo>
+                  <a:pt x="3126428" y="18935"/>
+                  <a:pt x="2776779" y="9983"/>
+                  <a:pt x="2578608" y="18288"/>
+                </a:cubicBezTo>
+                <a:cubicBezTo>
+                  <a:pt x="2380437" y="26593"/>
+                  <a:pt x="1909468" y="25818"/>
+                  <a:pt x="1673352" y="18288"/>
+                </a:cubicBezTo>
+                <a:cubicBezTo>
+                  <a:pt x="1437236" y="10758"/>
+                  <a:pt x="1131180" y="49884"/>
+                  <a:pt x="877824" y="18288"/>
+                </a:cubicBezTo>
+                <a:cubicBezTo>
+                  <a:pt x="624468" y="-13308"/>
+                  <a:pt x="206753" y="2195"/>
+                  <a:pt x="0" y="18288"/>
+                </a:cubicBezTo>
+                <a:cubicBezTo>
+                  <a:pt x="313" y="10654"/>
+                  <a:pt x="-263" y="4056"/>
+                  <a:pt x="0" y="0"/>
+                </a:cubicBezTo>
+                <a:close/>
+              </a:path>
+              <a:path w="10972800" h="18288" stroke="0" extrusionOk="0">
+                <a:moveTo>
+                  <a:pt x="0" y="0"/>
+                </a:moveTo>
+                <a:cubicBezTo>
+                  <a:pt x="164017" y="-17675"/>
+                  <a:pt x="309425" y="9913"/>
+                  <a:pt x="466344" y="0"/>
+                </a:cubicBezTo>
+                <a:cubicBezTo>
+                  <a:pt x="623263" y="-9913"/>
+                  <a:pt x="659300" y="-14524"/>
+                  <a:pt x="822960" y="0"/>
+                </a:cubicBezTo>
+                <a:cubicBezTo>
+                  <a:pt x="986620" y="14524"/>
+                  <a:pt x="1105222" y="-16481"/>
+                  <a:pt x="1289304" y="0"/>
+                </a:cubicBezTo>
+                <a:cubicBezTo>
+                  <a:pt x="1473386" y="16481"/>
+                  <a:pt x="1693223" y="26161"/>
+                  <a:pt x="1975104" y="0"/>
+                </a:cubicBezTo>
+                <a:cubicBezTo>
+                  <a:pt x="2256985" y="-26161"/>
+                  <a:pt x="2435781" y="23061"/>
+                  <a:pt x="2770632" y="0"/>
+                </a:cubicBezTo>
+                <a:cubicBezTo>
+                  <a:pt x="3105483" y="-23061"/>
+                  <a:pt x="3247479" y="-44011"/>
+                  <a:pt x="3675888" y="0"/>
+                </a:cubicBezTo>
+                <a:cubicBezTo>
+                  <a:pt x="4104297" y="44011"/>
+                  <a:pt x="4280918" y="4017"/>
+                  <a:pt x="4581144" y="0"/>
+                </a:cubicBezTo>
+                <a:cubicBezTo>
+                  <a:pt x="4881370" y="-4017"/>
+                  <a:pt x="5021699" y="-11889"/>
+                  <a:pt x="5157216" y="0"/>
+                </a:cubicBezTo>
+                <a:cubicBezTo>
+                  <a:pt x="5292733" y="11889"/>
+                  <a:pt x="5603398" y="-17698"/>
+                  <a:pt x="5952744" y="0"/>
+                </a:cubicBezTo>
+                <a:cubicBezTo>
+                  <a:pt x="6302090" y="17698"/>
+                  <a:pt x="6353093" y="-11909"/>
+                  <a:pt x="6638544" y="0"/>
+                </a:cubicBezTo>
+                <a:cubicBezTo>
+                  <a:pt x="6923995" y="11909"/>
+                  <a:pt x="7053404" y="21630"/>
+                  <a:pt x="7214616" y="0"/>
+                </a:cubicBezTo>
+                <a:cubicBezTo>
+                  <a:pt x="7375828" y="-21630"/>
+                  <a:pt x="7837963" y="3886"/>
+                  <a:pt x="8010144" y="0"/>
+                </a:cubicBezTo>
+                <a:cubicBezTo>
+                  <a:pt x="8182325" y="-3886"/>
+                  <a:pt x="8224183" y="16009"/>
+                  <a:pt x="8366760" y="0"/>
+                </a:cubicBezTo>
+                <a:cubicBezTo>
+                  <a:pt x="8509337" y="-16009"/>
+                  <a:pt x="8687920" y="-5720"/>
+                  <a:pt x="8942832" y="0"/>
+                </a:cubicBezTo>
+                <a:cubicBezTo>
+                  <a:pt x="9197744" y="5720"/>
+                  <a:pt x="9368437" y="20479"/>
+                  <a:pt x="9628632" y="0"/>
+                </a:cubicBezTo>
+                <a:cubicBezTo>
+                  <a:pt x="9888827" y="-20479"/>
+                  <a:pt x="10560858" y="-20746"/>
+                  <a:pt x="10972800" y="0"/>
+                </a:cubicBezTo>
+                <a:cubicBezTo>
+                  <a:pt x="10972186" y="5722"/>
+                  <a:pt x="10972980" y="12495"/>
+                  <a:pt x="10972800" y="18288"/>
+                </a:cubicBezTo>
+                <a:cubicBezTo>
+                  <a:pt x="10786146" y="12536"/>
+                  <a:pt x="10623717" y="14033"/>
+                  <a:pt x="10506456" y="18288"/>
+                </a:cubicBezTo>
+                <a:cubicBezTo>
+                  <a:pt x="10389195" y="22543"/>
+                  <a:pt x="10296178" y="20107"/>
+                  <a:pt x="10149840" y="18288"/>
+                </a:cubicBezTo>
+                <a:cubicBezTo>
+                  <a:pt x="10003502" y="16469"/>
+                  <a:pt x="9767530" y="28891"/>
+                  <a:pt x="9464040" y="18288"/>
+                </a:cubicBezTo>
+                <a:cubicBezTo>
+                  <a:pt x="9160550" y="7685"/>
+                  <a:pt x="9229050" y="2659"/>
+                  <a:pt x="8997696" y="18288"/>
+                </a:cubicBezTo>
+                <a:cubicBezTo>
+                  <a:pt x="8766342" y="33917"/>
+                  <a:pt x="8340136" y="34864"/>
+                  <a:pt x="8092440" y="18288"/>
+                </a:cubicBezTo>
+                <a:cubicBezTo>
+                  <a:pt x="7844744" y="1712"/>
+                  <a:pt x="7863720" y="27405"/>
+                  <a:pt x="7735824" y="18288"/>
+                </a:cubicBezTo>
+                <a:cubicBezTo>
+                  <a:pt x="7607928" y="9171"/>
+                  <a:pt x="7323619" y="461"/>
+                  <a:pt x="7050024" y="18288"/>
+                </a:cubicBezTo>
+                <a:cubicBezTo>
+                  <a:pt x="6776429" y="36115"/>
+                  <a:pt x="6787899" y="28206"/>
+                  <a:pt x="6693408" y="18288"/>
+                </a:cubicBezTo>
+                <a:cubicBezTo>
+                  <a:pt x="6598917" y="8370"/>
+                  <a:pt x="6395231" y="19114"/>
+                  <a:pt x="6227064" y="18288"/>
+                </a:cubicBezTo>
+                <a:cubicBezTo>
+                  <a:pt x="6058897" y="17462"/>
+                  <a:pt x="5618582" y="1091"/>
+                  <a:pt x="5431536" y="18288"/>
+                </a:cubicBezTo>
+                <a:cubicBezTo>
+                  <a:pt x="5244490" y="35485"/>
+                  <a:pt x="4729797" y="-9650"/>
+                  <a:pt x="4526280" y="18288"/>
+                </a:cubicBezTo>
+                <a:cubicBezTo>
+                  <a:pt x="4322763" y="46226"/>
+                  <a:pt x="4216797" y="756"/>
+                  <a:pt x="4059936" y="18288"/>
+                </a:cubicBezTo>
+                <a:cubicBezTo>
+                  <a:pt x="3903075" y="35820"/>
+                  <a:pt x="3537912" y="42098"/>
+                  <a:pt x="3374136" y="18288"/>
+                </a:cubicBezTo>
+                <a:cubicBezTo>
+                  <a:pt x="3210360" y="-5522"/>
+                  <a:pt x="3126842" y="39135"/>
+                  <a:pt x="2907792" y="18288"/>
+                </a:cubicBezTo>
+                <a:cubicBezTo>
+                  <a:pt x="2688742" y="-2559"/>
+                  <a:pt x="2490436" y="34100"/>
+                  <a:pt x="2112264" y="18288"/>
+                </a:cubicBezTo>
+                <a:cubicBezTo>
+                  <a:pt x="1734092" y="2476"/>
+                  <a:pt x="1744622" y="-7274"/>
+                  <a:pt x="1536192" y="18288"/>
+                </a:cubicBezTo>
+                <a:cubicBezTo>
+                  <a:pt x="1327762" y="43850"/>
+                  <a:pt x="1189025" y="6435"/>
+                  <a:pt x="1069848" y="18288"/>
+                </a:cubicBezTo>
+                <a:cubicBezTo>
+                  <a:pt x="950671" y="30141"/>
+                  <a:pt x="858345" y="33684"/>
+                  <a:pt x="713232" y="18288"/>
+                </a:cubicBezTo>
+                <a:cubicBezTo>
+                  <a:pt x="568119" y="2892"/>
+                  <a:pt x="250292" y="5410"/>
+                  <a:pt x="0" y="18288"/>
+                </a:cubicBezTo>
+                <a:cubicBezTo>
+                  <a:pt x="465" y="13062"/>
+                  <a:pt x="-894" y="9029"/>
+                  <a:pt x="0" y="0"/>
+                </a:cubicBezTo>
+                <a:close/>
+              </a:path>
+            </a:pathLst>
+          </a:custGeom>
+          <a:solidFill>
+            <a:schemeClr val="accent2">
+              <a:alpha val="75000"/>
+            </a:schemeClr>
+          </a:solidFill>
+          <a:ln w="44450" cap="rnd">
+            <a:solidFill>
+              <a:schemeClr val="accent2">
+                <a:alpha val="75000"/>
+              </a:schemeClr>
+            </a:solidFill>
+            <a:round/>
+            <a:extLst>
+              <a:ext uri="{C807C97D-BFC1-408E-A445-0C87EB9F89A2}">
+                <ask:lineSketchStyleProps xmlns:ask="http://schemas.microsoft.com/office/drawing/2018/sketchyshapes" sd="2727557108">
+                  <a:prstGeom prst="rect">
+                    <a:avLst/>
+                  </a:prstGeom>
+                  <ask:type>
+                    <ask:lineSketchFreehand/>
+                  </ask:type>
+                </ask:lineSketchStyleProps>
+              </a:ext>
+            </a:extLst>
+          </a:ln>
+        </p:spPr>
+        <p:style>
+          <a:lnRef idx="2">
+            <a:schemeClr val="accent1">
+              <a:shade val="50000"/>
+            </a:schemeClr>
+          </a:lnRef>
+          <a:fillRef idx="1">
+            <a:schemeClr val="accent1"/>
+          </a:fillRef>
+          <a:effectRef idx="0">
+            <a:schemeClr val="accent1"/>
+          </a:effectRef>
+          <a:fontRef idx="minor">
+            <a:schemeClr val="lt1"/>
+          </a:fontRef>
+        </p:style>
+        <p:txBody>
+          <a:bodyPr rtlCol="0" anchor="ctr"/>
+          <a:lstStyle/>
+          <a:p>
+            <a:pPr algn="ctr"/>
+            <a:endParaRPr lang="en-US"/>
           </a:p>
         </p:txBody>
       </p:sp>
@@ -12055,15 +17808,20 @@
             <p:ph idx="1"/>
           </p:nvPr>
         </p:nvSpPr>
-        <p:spPr/>
+        <p:spPr>
+          <a:xfrm>
+            <a:off x="572493" y="2071316"/>
+            <a:ext cx="6713552" cy="4119172"/>
+          </a:xfrm>
+        </p:spPr>
         <p:txBody>
-          <a:bodyPr>
+          <a:bodyPr anchor="t">
             <a:normAutofit/>
           </a:bodyPr>
           <a:lstStyle/>
           <a:p>
             <a:r>
-              <a:rPr lang="en-US" dirty="0">
+              <a:rPr lang="en-US" sz="2000" dirty="0">
                 <a:solidFill>
                   <a:schemeClr val="accent5">
                     <a:lumMod val="75000"/>
@@ -12076,7 +17834,7 @@
           <a:p>
             <a:pPr lvl="1"/>
             <a:r>
-              <a:rPr lang="en-US" dirty="0">
+              <a:rPr lang="en-US" sz="2000" dirty="0">
                 <a:solidFill>
                   <a:schemeClr val="accent5">
                     <a:lumMod val="75000"/>
@@ -12088,7 +17846,7 @@
           </a:p>
           <a:p>
             <a:r>
-              <a:rPr lang="en-US" dirty="0">
+              <a:rPr lang="en-US" sz="2000" dirty="0">
                 <a:solidFill>
                   <a:schemeClr val="accent5">
                     <a:lumMod val="75000"/>
@@ -12101,7 +17859,7 @@
           <a:p>
             <a:pPr lvl="1"/>
             <a:r>
-              <a:rPr lang="en-US" dirty="0">
+              <a:rPr lang="en-US" sz="2000" dirty="0">
                 <a:solidFill>
                   <a:schemeClr val="accent5">
                     <a:lumMod val="75000"/>
@@ -12114,7 +17872,7 @@
           <a:p>
             <a:pPr lvl="1"/>
             <a:r>
-              <a:rPr lang="en-US" dirty="0">
+              <a:rPr lang="en-US" sz="2000" dirty="0">
                 <a:solidFill>
                   <a:schemeClr val="accent5">
                     <a:lumMod val="75000"/>
@@ -12126,7 +17884,7 @@
           </a:p>
           <a:p>
             <a:r>
-              <a:rPr lang="en-US" dirty="0">
+              <a:rPr lang="en-US" sz="2000" dirty="0">
                 <a:solidFill>
                   <a:schemeClr val="accent5">
                     <a:lumMod val="75000"/>
@@ -12139,7 +17897,7 @@
           <a:p>
             <a:pPr lvl="1"/>
             <a:r>
-              <a:rPr lang="en-US" dirty="0">
+              <a:rPr lang="en-US" sz="2000" dirty="0">
                 <a:solidFill>
                   <a:schemeClr val="accent5">
                     <a:lumMod val="75000"/>
@@ -12152,7 +17910,7 @@
           <a:p>
             <a:pPr lvl="1"/>
             <a:r>
-              <a:rPr lang="en-US" dirty="0">
+              <a:rPr lang="en-US" sz="2000" dirty="0">
                 <a:solidFill>
                   <a:schemeClr val="accent5">
                     <a:lumMod val="75000"/>
@@ -12161,6 +17919,79 @@
               </a:rPr>
               <a:t>No control of power consumption.</a:t>
             </a:r>
+          </a:p>
+        </p:txBody>
+      </p:sp>
+      <p:pic>
+        <p:nvPicPr>
+          <p:cNvPr id="5" name="Picture 4" descr="A blue circuit board with many different colored ports&#10;&#10;Description automatically generated">
+            <a:extLst>
+              <a:ext uri="{FF2B5EF4-FFF2-40B4-BE49-F238E27FC236}">
+                <a16:creationId xmlns:a16="http://schemas.microsoft.com/office/drawing/2014/main" id="{A2D6F93E-0F99-5E63-FA2C-7D414C62C3F8}"/>
+              </a:ext>
+            </a:extLst>
+          </p:cNvPr>
+          <p:cNvPicPr>
+            <a:picLocks noChangeAspect="1"/>
+          </p:cNvPicPr>
+          <p:nvPr/>
+        </p:nvPicPr>
+        <p:blipFill>
+          <a:blip r:embed="rId3">
+            <a:extLst>
+              <a:ext uri="{28A0092B-C50C-407E-A947-70E740481C1C}">
+                <a14:useLocalDpi xmlns:a14="http://schemas.microsoft.com/office/drawing/2010/main" val="0"/>
+              </a:ext>
+            </a:extLst>
+          </a:blip>
+          <a:srcRect l="12380" r="20034" b="-2"/>
+          <a:stretch/>
+        </p:blipFill>
+        <p:spPr>
+          <a:xfrm>
+            <a:off x="7675658" y="2093976"/>
+            <a:ext cx="3941064" cy="4096512"/>
+          </a:xfrm>
+          <a:prstGeom prst="rect">
+            <a:avLst/>
+          </a:prstGeom>
+        </p:spPr>
+      </p:pic>
+      <p:sp>
+        <p:nvSpPr>
+          <p:cNvPr id="6" name="TextBox 5">
+            <a:extLst>
+              <a:ext uri="{FF2B5EF4-FFF2-40B4-BE49-F238E27FC236}">
+                <a16:creationId xmlns:a16="http://schemas.microsoft.com/office/drawing/2014/main" id="{3B96E53B-BB17-22BF-7879-AD60302F9F6C}"/>
+              </a:ext>
+            </a:extLst>
+          </p:cNvPr>
+          <p:cNvSpPr txBox="1"/>
+          <p:nvPr/>
+        </p:nvSpPr>
+        <p:spPr>
+          <a:xfrm>
+            <a:off x="7858538" y="6085490"/>
+            <a:ext cx="3475818" cy="369332"/>
+          </a:xfrm>
+          <a:prstGeom prst="rect">
+            <a:avLst/>
+          </a:prstGeom>
+          <a:noFill/>
+        </p:spPr>
+        <p:txBody>
+          <a:bodyPr wrap="square" rtlCol="0">
+            <a:spAutoFit/>
+          </a:bodyPr>
+          <a:lstStyle/>
+          <a:p>
+            <a:r>
+              <a:rPr lang="en-US" dirty="0">
+                <a:hlinkClick r:id="rId4"/>
+              </a:rPr>
+              <a:t>Image Source</a:t>
+            </a:r>
+            <a:endParaRPr lang="en-US" dirty="0"/>
           </a:p>
         </p:txBody>
       </p:sp>
@@ -15626,6 +21457,14 @@
 <file path=ppt/slides/slide9.xml><?xml version="1.0" encoding="utf-8"?>
 <p:sld xmlns:a="http://schemas.openxmlformats.org/drawingml/2006/main" xmlns:r="http://schemas.openxmlformats.org/officeDocument/2006/relationships" xmlns:p="http://schemas.openxmlformats.org/presentationml/2006/main">
   <p:cSld>
+    <p:bg>
+      <p:bgPr>
+        <a:solidFill>
+          <a:schemeClr val="bg1"/>
+        </a:solidFill>
+        <a:effectLst/>
+      </p:bgPr>
+    </p:bg>
     <p:spTree>
       <p:nvGrpSpPr>
         <p:cNvPr id="1" name=""/>
@@ -15640,6 +21479,66 @@
           <a:chExt cx="0" cy="0"/>
         </a:xfrm>
       </p:grpSpPr>
+      <p:sp useBgFill="1">
+        <p:nvSpPr>
+          <p:cNvPr id="8" name="Rectangle 7">
+            <a:extLst>
+              <a:ext uri="{FF2B5EF4-FFF2-40B4-BE49-F238E27FC236}">
+                <a16:creationId xmlns:a16="http://schemas.microsoft.com/office/drawing/2014/main" id="{100EDD19-6802-4EC3-95CE-CFFAB042CFD6}"/>
+              </a:ext>
+              <a:ext uri="{C183D7F6-B498-43B3-948B-1728B52AA6E4}">
+                <adec:decorative xmlns:adec="http://schemas.microsoft.com/office/drawing/2017/decorative" val="1"/>
+              </a:ext>
+            </a:extLst>
+          </p:cNvPr>
+          <p:cNvSpPr>
+            <a:spLocks noGrp="1" noRot="1" noChangeAspect="1" noMove="1" noResize="1" noEditPoints="1" noAdjustHandles="1" noChangeArrowheads="1" noChangeShapeType="1" noTextEdit="1"/>
+          </p:cNvSpPr>
+          <p:nvPr>
+            <p:extLst>
+              <p:ext uri="{386F3935-93C4-4BCD-93E2-E3B085C9AB24}">
+                <p16:designElem xmlns:p16="http://schemas.microsoft.com/office/powerpoint/2015/main" val="1"/>
+              </p:ext>
+            </p:extLst>
+          </p:nvPr>
+        </p:nvSpPr>
+        <p:spPr>
+          <a:xfrm>
+            <a:off x="0" y="0"/>
+            <a:ext cx="12188952" cy="6858000"/>
+          </a:xfrm>
+          <a:prstGeom prst="rect">
+            <a:avLst/>
+          </a:prstGeom>
+          <a:ln>
+            <a:noFill/>
+          </a:ln>
+        </p:spPr>
+        <p:style>
+          <a:lnRef idx="2">
+            <a:schemeClr val="accent1">
+              <a:shade val="50000"/>
+            </a:schemeClr>
+          </a:lnRef>
+          <a:fillRef idx="1">
+            <a:schemeClr val="accent1"/>
+          </a:fillRef>
+          <a:effectRef idx="0">
+            <a:schemeClr val="accent1"/>
+          </a:effectRef>
+          <a:fontRef idx="minor">
+            <a:schemeClr val="lt1"/>
+          </a:fontRef>
+        </p:style>
+        <p:txBody>
+          <a:bodyPr rtlCol="0" anchor="ctr"/>
+          <a:lstStyle/>
+          <a:p>
+            <a:pPr algn="ctr"/>
+            <a:endParaRPr lang="en-US"/>
+          </a:p>
+        </p:txBody>
+      </p:sp>
       <p:sp>
         <p:nvSpPr>
           <p:cNvPr id="2" name="Title 1">
@@ -15656,15 +21555,660 @@
             <p:ph type="title"/>
           </p:nvPr>
         </p:nvSpPr>
-        <p:spPr/>
+        <p:spPr>
+          <a:xfrm>
+            <a:off x="838200" y="365125"/>
+            <a:ext cx="10515600" cy="1325563"/>
+          </a:xfrm>
+        </p:spPr>
         <p:txBody>
-          <a:bodyPr/>
+          <a:bodyPr>
+            <a:normAutofit/>
+          </a:bodyPr>
           <a:lstStyle/>
           <a:p>
             <a:r>
-              <a:rPr lang="en-US" dirty="0"/>
+              <a:rPr lang="en-US" sz="5400"/>
               <a:t>Final Score and Selected Design</a:t>
             </a:r>
+          </a:p>
+        </p:txBody>
+      </p:sp>
+      <p:sp>
+        <p:nvSpPr>
+          <p:cNvPr id="10" name="sketch line">
+            <a:extLst>
+              <a:ext uri="{FF2B5EF4-FFF2-40B4-BE49-F238E27FC236}">
+                <a16:creationId xmlns:a16="http://schemas.microsoft.com/office/drawing/2014/main" id="{DB17E863-922E-4C26-BD64-E8FD41D28661}"/>
+              </a:ext>
+              <a:ext uri="{C183D7F6-B498-43B3-948B-1728B52AA6E4}">
+                <adec:decorative xmlns:adec="http://schemas.microsoft.com/office/drawing/2017/decorative" val="1"/>
+              </a:ext>
+            </a:extLst>
+          </p:cNvPr>
+          <p:cNvSpPr>
+            <a:spLocks noGrp="1" noRot="1" noChangeAspect="1" noMove="1" noResize="1" noEditPoints="1" noAdjustHandles="1" noChangeArrowheads="1" noChangeShapeType="1" noTextEdit="1"/>
+          </p:cNvSpPr>
+          <p:nvPr>
+            <p:extLst>
+              <p:ext uri="{386F3935-93C4-4BCD-93E2-E3B085C9AB24}">
+                <p16:designElem xmlns:p16="http://schemas.microsoft.com/office/powerpoint/2015/main" val="1"/>
+              </p:ext>
+            </p:extLst>
+          </p:nvPr>
+        </p:nvSpPr>
+        <p:spPr>
+          <a:xfrm>
+            <a:off x="669036" y="1677373"/>
+            <a:ext cx="10853928" cy="18288"/>
+          </a:xfrm>
+          <a:custGeom>
+            <a:avLst/>
+            <a:gdLst>
+              <a:gd name="connsiteX0" fmla="*/ 0 w 10853928"/>
+              <a:gd name="connsiteY0" fmla="*/ 0 h 18288"/>
+              <a:gd name="connsiteX1" fmla="*/ 461292 w 10853928"/>
+              <a:gd name="connsiteY1" fmla="*/ 0 h 18288"/>
+              <a:gd name="connsiteX2" fmla="*/ 1139662 w 10853928"/>
+              <a:gd name="connsiteY2" fmla="*/ 0 h 18288"/>
+              <a:gd name="connsiteX3" fmla="*/ 1926572 w 10853928"/>
+              <a:gd name="connsiteY3" fmla="*/ 0 h 18288"/>
+              <a:gd name="connsiteX4" fmla="*/ 2279325 w 10853928"/>
+              <a:gd name="connsiteY4" fmla="*/ 0 h 18288"/>
+              <a:gd name="connsiteX5" fmla="*/ 2632078 w 10853928"/>
+              <a:gd name="connsiteY5" fmla="*/ 0 h 18288"/>
+              <a:gd name="connsiteX6" fmla="*/ 3527527 w 10853928"/>
+              <a:gd name="connsiteY6" fmla="*/ 0 h 18288"/>
+              <a:gd name="connsiteX7" fmla="*/ 4205897 w 10853928"/>
+              <a:gd name="connsiteY7" fmla="*/ 0 h 18288"/>
+              <a:gd name="connsiteX8" fmla="*/ 4558650 w 10853928"/>
+              <a:gd name="connsiteY8" fmla="*/ 0 h 18288"/>
+              <a:gd name="connsiteX9" fmla="*/ 5237020 w 10853928"/>
+              <a:gd name="connsiteY9" fmla="*/ 0 h 18288"/>
+              <a:gd name="connsiteX10" fmla="*/ 6132469 w 10853928"/>
+              <a:gd name="connsiteY10" fmla="*/ 0 h 18288"/>
+              <a:gd name="connsiteX11" fmla="*/ 6702301 w 10853928"/>
+              <a:gd name="connsiteY11" fmla="*/ 0 h 18288"/>
+              <a:gd name="connsiteX12" fmla="*/ 7272132 w 10853928"/>
+              <a:gd name="connsiteY12" fmla="*/ 0 h 18288"/>
+              <a:gd name="connsiteX13" fmla="*/ 7950502 w 10853928"/>
+              <a:gd name="connsiteY13" fmla="*/ 0 h 18288"/>
+              <a:gd name="connsiteX14" fmla="*/ 8737412 w 10853928"/>
+              <a:gd name="connsiteY14" fmla="*/ 0 h 18288"/>
+              <a:gd name="connsiteX15" fmla="*/ 9524322 w 10853928"/>
+              <a:gd name="connsiteY15" fmla="*/ 0 h 18288"/>
+              <a:gd name="connsiteX16" fmla="*/ 10853928 w 10853928"/>
+              <a:gd name="connsiteY16" fmla="*/ 0 h 18288"/>
+              <a:gd name="connsiteX17" fmla="*/ 10853928 w 10853928"/>
+              <a:gd name="connsiteY17" fmla="*/ 18288 h 18288"/>
+              <a:gd name="connsiteX18" fmla="*/ 10392636 w 10853928"/>
+              <a:gd name="connsiteY18" fmla="*/ 18288 h 18288"/>
+              <a:gd name="connsiteX19" fmla="*/ 9497187 w 10853928"/>
+              <a:gd name="connsiteY19" fmla="*/ 18288 h 18288"/>
+              <a:gd name="connsiteX20" fmla="*/ 8818817 w 10853928"/>
+              <a:gd name="connsiteY20" fmla="*/ 18288 h 18288"/>
+              <a:gd name="connsiteX21" fmla="*/ 8466064 w 10853928"/>
+              <a:gd name="connsiteY21" fmla="*/ 18288 h 18288"/>
+              <a:gd name="connsiteX22" fmla="*/ 7787693 w 10853928"/>
+              <a:gd name="connsiteY22" fmla="*/ 18288 h 18288"/>
+              <a:gd name="connsiteX23" fmla="*/ 7217862 w 10853928"/>
+              <a:gd name="connsiteY23" fmla="*/ 18288 h 18288"/>
+              <a:gd name="connsiteX24" fmla="*/ 6648031 w 10853928"/>
+              <a:gd name="connsiteY24" fmla="*/ 18288 h 18288"/>
+              <a:gd name="connsiteX25" fmla="*/ 6078200 w 10853928"/>
+              <a:gd name="connsiteY25" fmla="*/ 18288 h 18288"/>
+              <a:gd name="connsiteX26" fmla="*/ 5508368 w 10853928"/>
+              <a:gd name="connsiteY26" fmla="*/ 18288 h 18288"/>
+              <a:gd name="connsiteX27" fmla="*/ 4721459 w 10853928"/>
+              <a:gd name="connsiteY27" fmla="*/ 18288 h 18288"/>
+              <a:gd name="connsiteX28" fmla="*/ 4043088 w 10853928"/>
+              <a:gd name="connsiteY28" fmla="*/ 18288 h 18288"/>
+              <a:gd name="connsiteX29" fmla="*/ 3690336 w 10853928"/>
+              <a:gd name="connsiteY29" fmla="*/ 18288 h 18288"/>
+              <a:gd name="connsiteX30" fmla="*/ 3120504 w 10853928"/>
+              <a:gd name="connsiteY30" fmla="*/ 18288 h 18288"/>
+              <a:gd name="connsiteX31" fmla="*/ 2333595 w 10853928"/>
+              <a:gd name="connsiteY31" fmla="*/ 18288 h 18288"/>
+              <a:gd name="connsiteX32" fmla="*/ 1872303 w 10853928"/>
+              <a:gd name="connsiteY32" fmla="*/ 18288 h 18288"/>
+              <a:gd name="connsiteX33" fmla="*/ 976854 w 10853928"/>
+              <a:gd name="connsiteY33" fmla="*/ 18288 h 18288"/>
+              <a:gd name="connsiteX34" fmla="*/ 0 w 10853928"/>
+              <a:gd name="connsiteY34" fmla="*/ 18288 h 18288"/>
+              <a:gd name="connsiteX35" fmla="*/ 0 w 10853928"/>
+              <a:gd name="connsiteY35" fmla="*/ 0 h 18288"/>
+            </a:gdLst>
+            <a:ahLst/>
+            <a:cxnLst>
+              <a:cxn ang="0">
+                <a:pos x="connsiteX0" y="connsiteY0"/>
+              </a:cxn>
+              <a:cxn ang="0">
+                <a:pos x="connsiteX1" y="connsiteY1"/>
+              </a:cxn>
+              <a:cxn ang="0">
+                <a:pos x="connsiteX2" y="connsiteY2"/>
+              </a:cxn>
+              <a:cxn ang="0">
+                <a:pos x="connsiteX3" y="connsiteY3"/>
+              </a:cxn>
+              <a:cxn ang="0">
+                <a:pos x="connsiteX4" y="connsiteY4"/>
+              </a:cxn>
+              <a:cxn ang="0">
+                <a:pos x="connsiteX5" y="connsiteY5"/>
+              </a:cxn>
+              <a:cxn ang="0">
+                <a:pos x="connsiteX6" y="connsiteY6"/>
+              </a:cxn>
+              <a:cxn ang="0">
+                <a:pos x="connsiteX7" y="connsiteY7"/>
+              </a:cxn>
+              <a:cxn ang="0">
+                <a:pos x="connsiteX8" y="connsiteY8"/>
+              </a:cxn>
+              <a:cxn ang="0">
+                <a:pos x="connsiteX9" y="connsiteY9"/>
+              </a:cxn>
+              <a:cxn ang="0">
+                <a:pos x="connsiteX10" y="connsiteY10"/>
+              </a:cxn>
+              <a:cxn ang="0">
+                <a:pos x="connsiteX11" y="connsiteY11"/>
+              </a:cxn>
+              <a:cxn ang="0">
+                <a:pos x="connsiteX12" y="connsiteY12"/>
+              </a:cxn>
+              <a:cxn ang="0">
+                <a:pos x="connsiteX13" y="connsiteY13"/>
+              </a:cxn>
+              <a:cxn ang="0">
+                <a:pos x="connsiteX14" y="connsiteY14"/>
+              </a:cxn>
+              <a:cxn ang="0">
+                <a:pos x="connsiteX15" y="connsiteY15"/>
+              </a:cxn>
+              <a:cxn ang="0">
+                <a:pos x="connsiteX16" y="connsiteY16"/>
+              </a:cxn>
+              <a:cxn ang="0">
+                <a:pos x="connsiteX17" y="connsiteY17"/>
+              </a:cxn>
+              <a:cxn ang="0">
+                <a:pos x="connsiteX18" y="connsiteY18"/>
+              </a:cxn>
+              <a:cxn ang="0">
+                <a:pos x="connsiteX19" y="connsiteY19"/>
+              </a:cxn>
+              <a:cxn ang="0">
+                <a:pos x="connsiteX20" y="connsiteY20"/>
+              </a:cxn>
+              <a:cxn ang="0">
+                <a:pos x="connsiteX21" y="connsiteY21"/>
+              </a:cxn>
+              <a:cxn ang="0">
+                <a:pos x="connsiteX22" y="connsiteY22"/>
+              </a:cxn>
+              <a:cxn ang="0">
+                <a:pos x="connsiteX23" y="connsiteY23"/>
+              </a:cxn>
+              <a:cxn ang="0">
+                <a:pos x="connsiteX24" y="connsiteY24"/>
+              </a:cxn>
+              <a:cxn ang="0">
+                <a:pos x="connsiteX25" y="connsiteY25"/>
+              </a:cxn>
+              <a:cxn ang="0">
+                <a:pos x="connsiteX26" y="connsiteY26"/>
+              </a:cxn>
+              <a:cxn ang="0">
+                <a:pos x="connsiteX27" y="connsiteY27"/>
+              </a:cxn>
+              <a:cxn ang="0">
+                <a:pos x="connsiteX28" y="connsiteY28"/>
+              </a:cxn>
+              <a:cxn ang="0">
+                <a:pos x="connsiteX29" y="connsiteY29"/>
+              </a:cxn>
+              <a:cxn ang="0">
+                <a:pos x="connsiteX30" y="connsiteY30"/>
+              </a:cxn>
+              <a:cxn ang="0">
+                <a:pos x="connsiteX31" y="connsiteY31"/>
+              </a:cxn>
+              <a:cxn ang="0">
+                <a:pos x="connsiteX32" y="connsiteY32"/>
+              </a:cxn>
+              <a:cxn ang="0">
+                <a:pos x="connsiteX33" y="connsiteY33"/>
+              </a:cxn>
+              <a:cxn ang="0">
+                <a:pos x="connsiteX34" y="connsiteY34"/>
+              </a:cxn>
+              <a:cxn ang="0">
+                <a:pos x="connsiteX35" y="connsiteY35"/>
+              </a:cxn>
+            </a:cxnLst>
+            <a:rect l="l" t="t" r="r" b="b"/>
+            <a:pathLst>
+              <a:path w="10853928" h="18288" fill="none" extrusionOk="0">
+                <a:moveTo>
+                  <a:pt x="0" y="0"/>
+                </a:moveTo>
+                <a:cubicBezTo>
+                  <a:pt x="146993" y="-19076"/>
+                  <a:pt x="347684" y="-4790"/>
+                  <a:pt x="461292" y="0"/>
+                </a:cubicBezTo>
+                <a:cubicBezTo>
+                  <a:pt x="574900" y="4790"/>
+                  <a:pt x="808367" y="19821"/>
+                  <a:pt x="1139662" y="0"/>
+                </a:cubicBezTo>
+                <a:cubicBezTo>
+                  <a:pt x="1470957" y="-19821"/>
+                  <a:pt x="1627405" y="5721"/>
+                  <a:pt x="1926572" y="0"/>
+                </a:cubicBezTo>
+                <a:cubicBezTo>
+                  <a:pt x="2225739" y="-5721"/>
+                  <a:pt x="2137730" y="-3235"/>
+                  <a:pt x="2279325" y="0"/>
+                </a:cubicBezTo>
+                <a:cubicBezTo>
+                  <a:pt x="2420920" y="3235"/>
+                  <a:pt x="2456518" y="9685"/>
+                  <a:pt x="2632078" y="0"/>
+                </a:cubicBezTo>
+                <a:cubicBezTo>
+                  <a:pt x="2807638" y="-9685"/>
+                  <a:pt x="3211516" y="-43007"/>
+                  <a:pt x="3527527" y="0"/>
+                </a:cubicBezTo>
+                <a:cubicBezTo>
+                  <a:pt x="3843538" y="43007"/>
+                  <a:pt x="4058833" y="22042"/>
+                  <a:pt x="4205897" y="0"/>
+                </a:cubicBezTo>
+                <a:cubicBezTo>
+                  <a:pt x="4352961" y="-22042"/>
+                  <a:pt x="4474805" y="-11846"/>
+                  <a:pt x="4558650" y="0"/>
+                </a:cubicBezTo>
+                <a:cubicBezTo>
+                  <a:pt x="4642495" y="11846"/>
+                  <a:pt x="5041928" y="-6069"/>
+                  <a:pt x="5237020" y="0"/>
+                </a:cubicBezTo>
+                <a:cubicBezTo>
+                  <a:pt x="5432112" y="6069"/>
+                  <a:pt x="5943266" y="-17479"/>
+                  <a:pt x="6132469" y="0"/>
+                </a:cubicBezTo>
+                <a:cubicBezTo>
+                  <a:pt x="6321672" y="17479"/>
+                  <a:pt x="6483872" y="26234"/>
+                  <a:pt x="6702301" y="0"/>
+                </a:cubicBezTo>
+                <a:cubicBezTo>
+                  <a:pt x="6920730" y="-26234"/>
+                  <a:pt x="6991194" y="-15156"/>
+                  <a:pt x="7272132" y="0"/>
+                </a:cubicBezTo>
+                <a:cubicBezTo>
+                  <a:pt x="7553070" y="15156"/>
+                  <a:pt x="7684444" y="-32961"/>
+                  <a:pt x="7950502" y="0"/>
+                </a:cubicBezTo>
+                <a:cubicBezTo>
+                  <a:pt x="8216560" y="32961"/>
+                  <a:pt x="8493290" y="-10491"/>
+                  <a:pt x="8737412" y="0"/>
+                </a:cubicBezTo>
+                <a:cubicBezTo>
+                  <a:pt x="8981534" y="10491"/>
+                  <a:pt x="9191586" y="-13899"/>
+                  <a:pt x="9524322" y="0"/>
+                </a:cubicBezTo>
+                <a:cubicBezTo>
+                  <a:pt x="9857058" y="13899"/>
+                  <a:pt x="10297509" y="7485"/>
+                  <a:pt x="10853928" y="0"/>
+                </a:cubicBezTo>
+                <a:cubicBezTo>
+                  <a:pt x="10854574" y="4451"/>
+                  <a:pt x="10854418" y="9226"/>
+                  <a:pt x="10853928" y="18288"/>
+                </a:cubicBezTo>
+                <a:cubicBezTo>
+                  <a:pt x="10691638" y="28522"/>
+                  <a:pt x="10574319" y="29578"/>
+                  <a:pt x="10392636" y="18288"/>
+                </a:cubicBezTo>
+                <a:cubicBezTo>
+                  <a:pt x="10210953" y="6998"/>
+                  <a:pt x="9836277" y="-16742"/>
+                  <a:pt x="9497187" y="18288"/>
+                </a:cubicBezTo>
+                <a:cubicBezTo>
+                  <a:pt x="9158097" y="53318"/>
+                  <a:pt x="9119479" y="30714"/>
+                  <a:pt x="8818817" y="18288"/>
+                </a:cubicBezTo>
+                <a:cubicBezTo>
+                  <a:pt x="8518155" y="5863"/>
+                  <a:pt x="8640037" y="6483"/>
+                  <a:pt x="8466064" y="18288"/>
+                </a:cubicBezTo>
+                <a:cubicBezTo>
+                  <a:pt x="8292091" y="30093"/>
+                  <a:pt x="7997656" y="18914"/>
+                  <a:pt x="7787693" y="18288"/>
+                </a:cubicBezTo>
+                <a:cubicBezTo>
+                  <a:pt x="7577730" y="17662"/>
+                  <a:pt x="7412468" y="21416"/>
+                  <a:pt x="7217862" y="18288"/>
+                </a:cubicBezTo>
+                <a:cubicBezTo>
+                  <a:pt x="7023256" y="15160"/>
+                  <a:pt x="6898018" y="14824"/>
+                  <a:pt x="6648031" y="18288"/>
+                </a:cubicBezTo>
+                <a:cubicBezTo>
+                  <a:pt x="6398044" y="21752"/>
+                  <a:pt x="6254402" y="38625"/>
+                  <a:pt x="6078200" y="18288"/>
+                </a:cubicBezTo>
+                <a:cubicBezTo>
+                  <a:pt x="5901998" y="-2049"/>
+                  <a:pt x="5622886" y="3213"/>
+                  <a:pt x="5508368" y="18288"/>
+                </a:cubicBezTo>
+                <a:cubicBezTo>
+                  <a:pt x="5393850" y="33363"/>
+                  <a:pt x="5036260" y="26830"/>
+                  <a:pt x="4721459" y="18288"/>
+                </a:cubicBezTo>
+                <a:cubicBezTo>
+                  <a:pt x="4406658" y="9746"/>
+                  <a:pt x="4239221" y="41551"/>
+                  <a:pt x="4043088" y="18288"/>
+                </a:cubicBezTo>
+                <a:cubicBezTo>
+                  <a:pt x="3846955" y="-4975"/>
+                  <a:pt x="3818802" y="34658"/>
+                  <a:pt x="3690336" y="18288"/>
+                </a:cubicBezTo>
+                <a:cubicBezTo>
+                  <a:pt x="3561870" y="1918"/>
+                  <a:pt x="3265491" y="42194"/>
+                  <a:pt x="3120504" y="18288"/>
+                </a:cubicBezTo>
+                <a:cubicBezTo>
+                  <a:pt x="2975517" y="-5618"/>
+                  <a:pt x="2720254" y="36673"/>
+                  <a:pt x="2333595" y="18288"/>
+                </a:cubicBezTo>
+                <a:cubicBezTo>
+                  <a:pt x="1946936" y="-97"/>
+                  <a:pt x="2097241" y="5776"/>
+                  <a:pt x="1872303" y="18288"/>
+                </a:cubicBezTo>
+                <a:cubicBezTo>
+                  <a:pt x="1647365" y="30800"/>
+                  <a:pt x="1282708" y="45380"/>
+                  <a:pt x="976854" y="18288"/>
+                </a:cubicBezTo>
+                <a:cubicBezTo>
+                  <a:pt x="671000" y="-8804"/>
+                  <a:pt x="408401" y="-12775"/>
+                  <a:pt x="0" y="18288"/>
+                </a:cubicBezTo>
+                <a:cubicBezTo>
+                  <a:pt x="-213" y="9468"/>
+                  <a:pt x="187" y="4459"/>
+                  <a:pt x="0" y="0"/>
+                </a:cubicBezTo>
+                <a:close/>
+              </a:path>
+              <a:path w="10853928" h="18288" stroke="0" extrusionOk="0">
+                <a:moveTo>
+                  <a:pt x="0" y="0"/>
+                </a:moveTo>
+                <a:cubicBezTo>
+                  <a:pt x="267322" y="15284"/>
+                  <a:pt x="415388" y="-21048"/>
+                  <a:pt x="569831" y="0"/>
+                </a:cubicBezTo>
+                <a:cubicBezTo>
+                  <a:pt x="724274" y="21048"/>
+                  <a:pt x="769333" y="-2353"/>
+                  <a:pt x="922584" y="0"/>
+                </a:cubicBezTo>
+                <a:cubicBezTo>
+                  <a:pt x="1075835" y="2353"/>
+                  <a:pt x="1399490" y="-145"/>
+                  <a:pt x="1818033" y="0"/>
+                </a:cubicBezTo>
+                <a:cubicBezTo>
+                  <a:pt x="2236576" y="145"/>
+                  <a:pt x="2145330" y="5482"/>
+                  <a:pt x="2387864" y="0"/>
+                </a:cubicBezTo>
+                <a:cubicBezTo>
+                  <a:pt x="2630398" y="-5482"/>
+                  <a:pt x="2793207" y="18487"/>
+                  <a:pt x="2957695" y="0"/>
+                </a:cubicBezTo>
+                <a:cubicBezTo>
+                  <a:pt x="3122183" y="-18487"/>
+                  <a:pt x="3579141" y="19003"/>
+                  <a:pt x="3853144" y="0"/>
+                </a:cubicBezTo>
+                <a:cubicBezTo>
+                  <a:pt x="4127147" y="-19003"/>
+                  <a:pt x="4209857" y="12211"/>
+                  <a:pt x="4314436" y="0"/>
+                </a:cubicBezTo>
+                <a:cubicBezTo>
+                  <a:pt x="4419015" y="-12211"/>
+                  <a:pt x="4762459" y="-17220"/>
+                  <a:pt x="5209885" y="0"/>
+                </a:cubicBezTo>
+                <a:cubicBezTo>
+                  <a:pt x="5657311" y="17220"/>
+                  <a:pt x="5692663" y="-3290"/>
+                  <a:pt x="6105335" y="0"/>
+                </a:cubicBezTo>
+                <a:cubicBezTo>
+                  <a:pt x="6518007" y="3290"/>
+                  <a:pt x="6455516" y="-5124"/>
+                  <a:pt x="6783705" y="0"/>
+                </a:cubicBezTo>
+                <a:cubicBezTo>
+                  <a:pt x="7111894" y="5124"/>
+                  <a:pt x="7441941" y="-17829"/>
+                  <a:pt x="7679154" y="0"/>
+                </a:cubicBezTo>
+                <a:cubicBezTo>
+                  <a:pt x="7916367" y="17829"/>
+                  <a:pt x="8102967" y="-24363"/>
+                  <a:pt x="8248985" y="0"/>
+                </a:cubicBezTo>
+                <a:cubicBezTo>
+                  <a:pt x="8395003" y="24363"/>
+                  <a:pt x="8552393" y="25505"/>
+                  <a:pt x="8818817" y="0"/>
+                </a:cubicBezTo>
+                <a:cubicBezTo>
+                  <a:pt x="9085241" y="-25505"/>
+                  <a:pt x="9411308" y="38000"/>
+                  <a:pt x="9605726" y="0"/>
+                </a:cubicBezTo>
+                <a:cubicBezTo>
+                  <a:pt x="9800144" y="-38000"/>
+                  <a:pt x="10006468" y="-25741"/>
+                  <a:pt x="10175558" y="0"/>
+                </a:cubicBezTo>
+                <a:cubicBezTo>
+                  <a:pt x="10344648" y="25741"/>
+                  <a:pt x="10696282" y="695"/>
+                  <a:pt x="10853928" y="0"/>
+                </a:cubicBezTo>
+                <a:cubicBezTo>
+                  <a:pt x="10853521" y="8690"/>
+                  <a:pt x="10853774" y="14141"/>
+                  <a:pt x="10853928" y="18288"/>
+                </a:cubicBezTo>
+                <a:cubicBezTo>
+                  <a:pt x="10608124" y="24255"/>
+                  <a:pt x="10343415" y="22307"/>
+                  <a:pt x="10067018" y="18288"/>
+                </a:cubicBezTo>
+                <a:cubicBezTo>
+                  <a:pt x="9790621" y="14270"/>
+                  <a:pt x="9843266" y="3564"/>
+                  <a:pt x="9714266" y="18288"/>
+                </a:cubicBezTo>
+                <a:cubicBezTo>
+                  <a:pt x="9585266" y="33012"/>
+                  <a:pt x="9379484" y="1875"/>
+                  <a:pt x="9252974" y="18288"/>
+                </a:cubicBezTo>
+                <a:cubicBezTo>
+                  <a:pt x="9126464" y="34701"/>
+                  <a:pt x="8580678" y="-4904"/>
+                  <a:pt x="8357525" y="18288"/>
+                </a:cubicBezTo>
+                <a:cubicBezTo>
+                  <a:pt x="8134372" y="41480"/>
+                  <a:pt x="7903199" y="26458"/>
+                  <a:pt x="7679154" y="18288"/>
+                </a:cubicBezTo>
+                <a:cubicBezTo>
+                  <a:pt x="7455109" y="10118"/>
+                  <a:pt x="7435944" y="27109"/>
+                  <a:pt x="7217862" y="18288"/>
+                </a:cubicBezTo>
+                <a:cubicBezTo>
+                  <a:pt x="6999780" y="9467"/>
+                  <a:pt x="6680409" y="18985"/>
+                  <a:pt x="6539492" y="18288"/>
+                </a:cubicBezTo>
+                <a:cubicBezTo>
+                  <a:pt x="6398575" y="17592"/>
+                  <a:pt x="6312077" y="33018"/>
+                  <a:pt x="6186739" y="18288"/>
+                </a:cubicBezTo>
+                <a:cubicBezTo>
+                  <a:pt x="6061401" y="3558"/>
+                  <a:pt x="5947033" y="12075"/>
+                  <a:pt x="5833986" y="18288"/>
+                </a:cubicBezTo>
+                <a:cubicBezTo>
+                  <a:pt x="5720939" y="24501"/>
+                  <a:pt x="5482226" y="8586"/>
+                  <a:pt x="5155616" y="18288"/>
+                </a:cubicBezTo>
+                <a:cubicBezTo>
+                  <a:pt x="4829006" y="27991"/>
+                  <a:pt x="4841274" y="29316"/>
+                  <a:pt x="4694324" y="18288"/>
+                </a:cubicBezTo>
+                <a:cubicBezTo>
+                  <a:pt x="4547374" y="7260"/>
+                  <a:pt x="4077675" y="7013"/>
+                  <a:pt x="3907414" y="18288"/>
+                </a:cubicBezTo>
+                <a:cubicBezTo>
+                  <a:pt x="3737153" y="29564"/>
+                  <a:pt x="3538393" y="21630"/>
+                  <a:pt x="3446122" y="18288"/>
+                </a:cubicBezTo>
+                <a:cubicBezTo>
+                  <a:pt x="3353851" y="14946"/>
+                  <a:pt x="2990320" y="-8091"/>
+                  <a:pt x="2659212" y="18288"/>
+                </a:cubicBezTo>
+                <a:cubicBezTo>
+                  <a:pt x="2328104" y="44667"/>
+                  <a:pt x="2427653" y="9607"/>
+                  <a:pt x="2306460" y="18288"/>
+                </a:cubicBezTo>
+                <a:cubicBezTo>
+                  <a:pt x="2185267" y="26969"/>
+                  <a:pt x="1719763" y="3717"/>
+                  <a:pt x="1519550" y="18288"/>
+                </a:cubicBezTo>
+                <a:cubicBezTo>
+                  <a:pt x="1319337" y="32860"/>
+                  <a:pt x="1167371" y="17040"/>
+                  <a:pt x="1058258" y="18288"/>
+                </a:cubicBezTo>
+                <a:cubicBezTo>
+                  <a:pt x="949145" y="19536"/>
+                  <a:pt x="780234" y="31447"/>
+                  <a:pt x="705505" y="18288"/>
+                </a:cubicBezTo>
+                <a:cubicBezTo>
+                  <a:pt x="630776" y="5129"/>
+                  <a:pt x="215796" y="30056"/>
+                  <a:pt x="0" y="18288"/>
+                </a:cubicBezTo>
+                <a:cubicBezTo>
+                  <a:pt x="-53" y="11301"/>
+                  <a:pt x="-649" y="7756"/>
+                  <a:pt x="0" y="0"/>
+                </a:cubicBezTo>
+                <a:close/>
+              </a:path>
+            </a:pathLst>
+          </a:custGeom>
+          <a:solidFill>
+            <a:schemeClr val="accent2"/>
+          </a:solidFill>
+          <a:ln w="41275" cap="rnd">
+            <a:solidFill>
+              <a:schemeClr val="accent2"/>
+            </a:solidFill>
+            <a:round/>
+            <a:extLst>
+              <a:ext uri="{C807C97D-BFC1-408E-A445-0C87EB9F89A2}">
+                <ask:lineSketchStyleProps xmlns:ask="http://schemas.microsoft.com/office/drawing/2018/sketchyshapes" sd="1219033472">
+                  <a:prstGeom prst="rect">
+                    <a:avLst/>
+                  </a:prstGeom>
+                  <ask:type>
+                    <ask:lineSketchFreehand/>
+                  </ask:type>
+                </ask:lineSketchStyleProps>
+              </a:ext>
+            </a:extLst>
+          </a:ln>
+        </p:spPr>
+        <p:style>
+          <a:lnRef idx="2">
+            <a:schemeClr val="accent1">
+              <a:shade val="50000"/>
+            </a:schemeClr>
+          </a:lnRef>
+          <a:fillRef idx="1">
+            <a:schemeClr val="accent1"/>
+          </a:fillRef>
+          <a:effectRef idx="0">
+            <a:schemeClr val="accent1"/>
+          </a:effectRef>
+          <a:fontRef idx="minor">
+            <a:schemeClr val="lt1"/>
+          </a:fontRef>
+        </p:style>
+        <p:txBody>
+          <a:bodyPr rtlCol="0" anchor="ctr"/>
+          <a:lstStyle/>
+          <a:p>
+            <a:pPr algn="ctr"/>
+            <a:endParaRPr lang="en-US"/>
           </a:p>
         </p:txBody>
       </p:sp>
@@ -15684,13 +22228,20 @@
             <p:ph idx="1"/>
           </p:nvPr>
         </p:nvSpPr>
-        <p:spPr/>
+        <p:spPr>
+          <a:xfrm>
+            <a:off x="838200" y="1929384"/>
+            <a:ext cx="10515600" cy="4251960"/>
+          </a:xfrm>
+        </p:spPr>
         <p:txBody>
-          <a:bodyPr/>
+          <a:bodyPr>
+            <a:normAutofit/>
+          </a:bodyPr>
           <a:lstStyle/>
           <a:p>
             <a:r>
-              <a:rPr lang="en-US" dirty="0">
+              <a:rPr lang="en-US" sz="3200" dirty="0">
                 <a:solidFill>
                   <a:schemeClr val="accent5">
                     <a:lumMod val="75000"/>
@@ -15703,34 +22254,34 @@
           <a:p>
             <a:pPr lvl="1"/>
             <a:r>
-              <a:rPr lang="en-US" dirty="0">
+              <a:rPr lang="en-US" sz="3200" dirty="0">
                 <a:solidFill>
                   <a:schemeClr val="accent5">
                     <a:lumMod val="75000"/>
                   </a:schemeClr>
                 </a:solidFill>
               </a:rPr>
-              <a:t>Microcontroller: 362</a:t>
+              <a:t>Microcontroller: 346</a:t>
             </a:r>
           </a:p>
           <a:p>
             <a:pPr lvl="1"/>
             <a:r>
-              <a:rPr lang="en-US" dirty="0">
+              <a:rPr lang="en-US" sz="3200" dirty="0">
                 <a:solidFill>
                   <a:schemeClr val="accent5">
                     <a:lumMod val="75000"/>
                   </a:schemeClr>
                 </a:solidFill>
               </a:rPr>
-              <a:t>FPGA: 319</a:t>
+              <a:t>FPGA: 279</a:t>
             </a:r>
           </a:p>
           <a:p>
             <a:pPr marL="0" indent="0">
               <a:buNone/>
             </a:pPr>
-            <a:endParaRPr lang="en-US" dirty="0">
+            <a:endParaRPr lang="en-US" sz="3200" dirty="0">
               <a:solidFill>
                 <a:schemeClr val="accent5">
                   <a:lumMod val="75000"/>
@@ -15740,7 +22291,7 @@
           </a:p>
           <a:p>
             <a:r>
-              <a:rPr lang="en-US" dirty="0">
+              <a:rPr lang="en-US" sz="3200" dirty="0">
                 <a:solidFill>
                   <a:schemeClr val="accent5">
                     <a:lumMod val="75000"/>
@@ -15752,7 +22303,7 @@
           </a:p>
           <a:p>
             <a:r>
-              <a:rPr lang="en-US" dirty="0">
+              <a:rPr lang="en-US" sz="3200" dirty="0">
                 <a:solidFill>
                   <a:schemeClr val="accent5">
                     <a:lumMod val="75000"/>
